--- a/syllabus/format.pptx
+++ b/syllabus/format.pptx
@@ -254,7 +254,7 @@
           <a:p>
             <a:fld id="{48CDFCA1-6601-C943-AA02-89F09BE97B91}" type="datetimeFigureOut">
               <a:rPr lang="en-US" smtClean="0"/>
-              <a:t>1/27/2022</a:t>
+              <a:t>2/11/2022</a:t>
             </a:fld>
             <a:endParaRPr lang="en-US"/>
           </a:p>
@@ -424,7 +424,7 @@
           <a:p>
             <a:fld id="{48CDFCA1-6601-C943-AA02-89F09BE97B91}" type="datetimeFigureOut">
               <a:rPr lang="en-US" smtClean="0"/>
-              <a:t>1/27/2022</a:t>
+              <a:t>2/11/2022</a:t>
             </a:fld>
             <a:endParaRPr lang="en-US"/>
           </a:p>
@@ -604,7 +604,7 @@
           <a:p>
             <a:fld id="{48CDFCA1-6601-C943-AA02-89F09BE97B91}" type="datetimeFigureOut">
               <a:rPr lang="en-US" smtClean="0"/>
-              <a:t>1/27/2022</a:t>
+              <a:t>2/11/2022</a:t>
             </a:fld>
             <a:endParaRPr lang="en-US"/>
           </a:p>
@@ -774,7 +774,7 @@
           <a:p>
             <a:fld id="{48CDFCA1-6601-C943-AA02-89F09BE97B91}" type="datetimeFigureOut">
               <a:rPr lang="en-US" smtClean="0"/>
-              <a:t>1/27/2022</a:t>
+              <a:t>2/11/2022</a:t>
             </a:fld>
             <a:endParaRPr lang="en-US"/>
           </a:p>
@@ -1018,7 +1018,7 @@
           <a:p>
             <a:fld id="{48CDFCA1-6601-C943-AA02-89F09BE97B91}" type="datetimeFigureOut">
               <a:rPr lang="en-US" smtClean="0"/>
-              <a:t>1/27/2022</a:t>
+              <a:t>2/11/2022</a:t>
             </a:fld>
             <a:endParaRPr lang="en-US"/>
           </a:p>
@@ -1250,7 +1250,7 @@
           <a:p>
             <a:fld id="{48CDFCA1-6601-C943-AA02-89F09BE97B91}" type="datetimeFigureOut">
               <a:rPr lang="en-US" smtClean="0"/>
-              <a:t>1/27/2022</a:t>
+              <a:t>2/11/2022</a:t>
             </a:fld>
             <a:endParaRPr lang="en-US"/>
           </a:p>
@@ -1617,7 +1617,7 @@
           <a:p>
             <a:fld id="{48CDFCA1-6601-C943-AA02-89F09BE97B91}" type="datetimeFigureOut">
               <a:rPr lang="en-US" smtClean="0"/>
-              <a:t>1/27/2022</a:t>
+              <a:t>2/11/2022</a:t>
             </a:fld>
             <a:endParaRPr lang="en-US"/>
           </a:p>
@@ -1735,7 +1735,7 @@
           <a:p>
             <a:fld id="{48CDFCA1-6601-C943-AA02-89F09BE97B91}" type="datetimeFigureOut">
               <a:rPr lang="en-US" smtClean="0"/>
-              <a:t>1/27/2022</a:t>
+              <a:t>2/11/2022</a:t>
             </a:fld>
             <a:endParaRPr lang="en-US"/>
           </a:p>
@@ -1830,7 +1830,7 @@
           <a:p>
             <a:fld id="{48CDFCA1-6601-C943-AA02-89F09BE97B91}" type="datetimeFigureOut">
               <a:rPr lang="en-US" smtClean="0"/>
-              <a:t>1/27/2022</a:t>
+              <a:t>2/11/2022</a:t>
             </a:fld>
             <a:endParaRPr lang="en-US"/>
           </a:p>
@@ -2107,7 +2107,7 @@
           <a:p>
             <a:fld id="{48CDFCA1-6601-C943-AA02-89F09BE97B91}" type="datetimeFigureOut">
               <a:rPr lang="en-US" smtClean="0"/>
-              <a:t>1/27/2022</a:t>
+              <a:t>2/11/2022</a:t>
             </a:fld>
             <a:endParaRPr lang="en-US"/>
           </a:p>
@@ -2364,7 +2364,7 @@
           <a:p>
             <a:fld id="{48CDFCA1-6601-C943-AA02-89F09BE97B91}" type="datetimeFigureOut">
               <a:rPr lang="en-US" smtClean="0"/>
-              <a:t>1/27/2022</a:t>
+              <a:t>2/11/2022</a:t>
             </a:fld>
             <a:endParaRPr lang="en-US"/>
           </a:p>
@@ -2577,7 +2577,7 @@
           <a:p>
             <a:fld id="{48CDFCA1-6601-C943-AA02-89F09BE97B91}" type="datetimeFigureOut">
               <a:rPr lang="en-US" smtClean="0"/>
-              <a:t>1/27/2022</a:t>
+              <a:t>2/11/2022</a:t>
             </a:fld>
             <a:endParaRPr lang="en-US"/>
           </a:p>
@@ -3007,14 +3007,14 @@
           <p:nvPr>
             <p:extLst>
               <p:ext uri="{D42A27DB-BD31-4B8C-83A1-F6EECF244321}">
-                <p14:modId xmlns:p14="http://schemas.microsoft.com/office/powerpoint/2010/main" val="592226904"/>
+                <p14:modId xmlns:p14="http://schemas.microsoft.com/office/powerpoint/2010/main" val="3986305723"/>
               </p:ext>
             </p:extLst>
           </p:nvPr>
         </p:nvGraphicFramePr>
         <p:xfrm>
-          <a:off x="0" y="1"/>
-          <a:ext cx="9144002" cy="6858005"/>
+          <a:off x="0" y="0"/>
+          <a:ext cx="9144002" cy="6858001"/>
         </p:xfrm>
         <a:graphic>
           <a:graphicData uri="http://schemas.openxmlformats.org/drawingml/2006/table">
@@ -3045,7 +3045,7 @@
                   </a:extLst>
                 </a:gridCol>
               </a:tblGrid>
-              <a:tr h="218554">
+              <a:tr h="214313">
                 <a:tc>
                   <a:txBody>
                     <a:bodyPr/>
@@ -3154,7 +3154,7 @@
                   </a:ext>
                 </a:extLst>
               </a:tr>
-              <a:tr h="437108">
+              <a:tr h="428625">
                 <a:tc>
                   <a:txBody>
                     <a:bodyPr/>
@@ -3297,12 +3297,12 @@
                         </a:spcAft>
                       </a:pPr>
                       <a:r>
-                        <a:rPr lang="en-US" sz="1400">
-                          <a:effectLst/>
-                          <a:latin typeface="Times New Roman" panose="02020603050405020304" pitchFamily="18" charset="0"/>
-                          <a:cs typeface="Times New Roman" panose="02020603050405020304" pitchFamily="18" charset="0"/>
-                        </a:rPr>
-                        <a:t>-</a:t>
+                        <a:rPr lang="en-US" sz="1400" dirty="0">
+                          <a:effectLst/>
+                          <a:latin typeface="Times New Roman" panose="02020603050405020304" pitchFamily="18" charset="0"/>
+                          <a:cs typeface="Times New Roman" panose="02020603050405020304" pitchFamily="18" charset="0"/>
+                        </a:rPr>
+                        <a:t>Assignment 1</a:t>
                       </a:r>
                       <a:endParaRPr lang="en-US" sz="1400" dirty="0">
                         <a:solidFill>
@@ -3323,7 +3323,7 @@
                   </a:ext>
                 </a:extLst>
               </a:tr>
-              <a:tr h="437108">
+              <a:tr h="428625">
                 <a:tc>
                   <a:txBody>
                     <a:bodyPr/>
@@ -3440,12 +3440,12 @@
                         </a:spcAft>
                       </a:pPr>
                       <a:r>
-                        <a:rPr lang="en-US" sz="1400">
-                          <a:effectLst/>
-                          <a:latin typeface="Times New Roman" panose="02020603050405020304" pitchFamily="18" charset="0"/>
-                          <a:cs typeface="Times New Roman" panose="02020603050405020304" pitchFamily="18" charset="0"/>
-                        </a:rPr>
-                        <a:t>Assignment 1</a:t>
+                        <a:rPr lang="en-US" sz="1400" dirty="0">
+                          <a:effectLst/>
+                          <a:latin typeface="Times New Roman" panose="02020603050405020304" pitchFamily="18" charset="0"/>
+                          <a:cs typeface="Times New Roman" panose="02020603050405020304" pitchFamily="18" charset="0"/>
+                        </a:rPr>
+                        <a:t>Assignment 2</a:t>
                       </a:r>
                       <a:endParaRPr lang="en-US" sz="1400" dirty="0">
                         <a:solidFill>
@@ -3466,7 +3466,7 @@
                   </a:ext>
                 </a:extLst>
               </a:tr>
-              <a:tr h="437108">
+              <a:tr h="428625">
                 <a:tc>
                   <a:txBody>
                     <a:bodyPr/>
@@ -3593,12 +3593,242 @@
                         </a:spcAft>
                       </a:pPr>
                       <a:r>
-                        <a:rPr lang="en-US" sz="1400">
-                          <a:effectLst/>
-                          <a:latin typeface="Times New Roman" panose="02020603050405020304" pitchFamily="18" charset="0"/>
-                          <a:cs typeface="Times New Roman" panose="02020603050405020304" pitchFamily="18" charset="0"/>
-                        </a:rPr>
-                        <a:t>Assignment 2</a:t>
+                        <a:rPr lang="en-US" sz="1400" dirty="0">
+                          <a:solidFill>
+                            <a:srgbClr val="000000"/>
+                          </a:solidFill>
+                          <a:effectLst/>
+                          <a:latin typeface="Times New Roman" panose="02020603050405020304" pitchFamily="18" charset="0"/>
+                          <a:ea typeface="Calibri" panose="020F0502020204030204" pitchFamily="34" charset="0"/>
+                          <a:cs typeface="Times New Roman" panose="02020603050405020304" pitchFamily="18" charset="0"/>
+                        </a:rPr>
+                        <a:t>-</a:t>
+                      </a:r>
+                    </a:p>
+                  </a:txBody>
+                  <a:tcPr marL="53270" marR="53270" marT="0" marB="0" anchor="ctr"/>
+                </a:tc>
+                <a:extLst>
+                  <a:ext uri="{0D108BD9-81ED-4DB2-BD59-A6C34878D82A}">
+                    <a16:rowId xmlns:a16="http://schemas.microsoft.com/office/drawing/2014/main" val="3287750248"/>
+                  </a:ext>
+                </a:extLst>
+              </a:tr>
+              <a:tr h="428625">
+                <a:tc>
+                  <a:txBody>
+                    <a:bodyPr/>
+                    <a:lstStyle/>
+                    <a:p>
+                      <a:pPr marL="90170" marR="0" algn="ctr">
+                        <a:spcBef>
+                          <a:spcPts val="0"/>
+                        </a:spcBef>
+                        <a:spcAft>
+                          <a:spcPts val="0"/>
+                        </a:spcAft>
+                      </a:pPr>
+                      <a:r>
+                        <a:rPr lang="en-US" sz="1400" b="1" dirty="0">
+                          <a:effectLst/>
+                          <a:latin typeface="Times New Roman" panose="02020603050405020304" pitchFamily="18" charset="0"/>
+                          <a:cs typeface="Times New Roman" panose="02020603050405020304" pitchFamily="18" charset="0"/>
+                        </a:rPr>
+                        <a:t>Week 4:</a:t>
+                      </a:r>
+                    </a:p>
+                    <a:p>
+                      <a:pPr marL="90170" marR="0" algn="ctr">
+                        <a:spcBef>
+                          <a:spcPts val="0"/>
+                        </a:spcBef>
+                        <a:spcAft>
+                          <a:spcPts val="0"/>
+                        </a:spcAft>
+                      </a:pPr>
+                      <a:r>
+                        <a:rPr lang="en-US" sz="1400" b="1" dirty="0">
+                          <a:solidFill>
+                            <a:srgbClr val="000000"/>
+                          </a:solidFill>
+                          <a:effectLst/>
+                          <a:latin typeface="Times New Roman" panose="02020603050405020304" pitchFamily="18" charset="0"/>
+                          <a:ea typeface="Calibri" panose="020F0502020204030204" pitchFamily="34" charset="0"/>
+                          <a:cs typeface="Times New Roman" panose="02020603050405020304" pitchFamily="18" charset="0"/>
+                        </a:rPr>
+                        <a:t>Feb 14</a:t>
+                      </a:r>
+                      <a:r>
+                        <a:rPr lang="en-US" sz="1400" b="1" baseline="30000" dirty="0">
+                          <a:solidFill>
+                            <a:srgbClr val="000000"/>
+                          </a:solidFill>
+                          <a:effectLst/>
+                          <a:latin typeface="Times New Roman" panose="02020603050405020304" pitchFamily="18" charset="0"/>
+                          <a:ea typeface="Calibri" panose="020F0502020204030204" pitchFamily="34" charset="0"/>
+                          <a:cs typeface="Times New Roman" panose="02020603050405020304" pitchFamily="18" charset="0"/>
+                        </a:rPr>
+                        <a:t>th</a:t>
+                      </a:r>
+                      <a:r>
+                        <a:rPr lang="en-US" sz="1400" b="1" dirty="0">
+                          <a:solidFill>
+                            <a:srgbClr val="000000"/>
+                          </a:solidFill>
+                          <a:effectLst/>
+                          <a:latin typeface="Times New Roman" panose="02020603050405020304" pitchFamily="18" charset="0"/>
+                          <a:ea typeface="Calibri" panose="020F0502020204030204" pitchFamily="34" charset="0"/>
+                          <a:cs typeface="Times New Roman" panose="02020603050405020304" pitchFamily="18" charset="0"/>
+                        </a:rPr>
+                        <a:t> </a:t>
+                      </a:r>
+                    </a:p>
+                  </a:txBody>
+                  <a:tcPr marL="53270" marR="53270" marT="0" marB="0"/>
+                </a:tc>
+                <a:tc>
+                  <a:txBody>
+                    <a:bodyPr/>
+                    <a:lstStyle/>
+                    <a:p>
+                      <a:pPr marL="90170" marR="0">
+                        <a:spcBef>
+                          <a:spcPts val="0"/>
+                        </a:spcBef>
+                        <a:spcAft>
+                          <a:spcPts val="0"/>
+                        </a:spcAft>
+                      </a:pPr>
+                      <a:r>
+                        <a:rPr lang="en-US" sz="1400" dirty="0">
+                          <a:solidFill>
+                            <a:srgbClr val="000000"/>
+                          </a:solidFill>
+                          <a:effectLst/>
+                          <a:latin typeface="Times New Roman" panose="02020603050405020304" pitchFamily="18" charset="0"/>
+                          <a:ea typeface="Calibri" panose="020F0502020204030204" pitchFamily="34" charset="0"/>
+                          <a:cs typeface="Times New Roman" panose="02020603050405020304" pitchFamily="18" charset="0"/>
+                        </a:rPr>
+                        <a:t>Introduction to feature extraction</a:t>
+                      </a:r>
+                    </a:p>
+                    <a:p>
+                      <a:pPr marL="90170" marR="0">
+                        <a:spcBef>
+                          <a:spcPts val="0"/>
+                        </a:spcBef>
+                        <a:spcAft>
+                          <a:spcPts val="0"/>
+                        </a:spcAft>
+                      </a:pPr>
+                      <a:r>
+                        <a:rPr lang="en-US" sz="1400" dirty="0">
+                          <a:solidFill>
+                            <a:srgbClr val="000000"/>
+                          </a:solidFill>
+                          <a:effectLst/>
+                          <a:latin typeface="Times New Roman" panose="02020603050405020304" pitchFamily="18" charset="0"/>
+                          <a:ea typeface="Calibri" panose="020F0502020204030204" pitchFamily="34" charset="0"/>
+                          <a:cs typeface="Times New Roman" panose="02020603050405020304" pitchFamily="18" charset="0"/>
+                        </a:rPr>
+                        <a:t>(via </a:t>
+                      </a:r>
+                      <a:r>
+                        <a:rPr lang="en-US" sz="1400" dirty="0" err="1">
+                          <a:solidFill>
+                            <a:srgbClr val="000000"/>
+                          </a:solidFill>
+                          <a:effectLst/>
+                          <a:latin typeface="Times New Roman" panose="02020603050405020304" pitchFamily="18" charset="0"/>
+                          <a:ea typeface="Calibri" panose="020F0502020204030204" pitchFamily="34" charset="0"/>
+                          <a:cs typeface="Times New Roman" panose="02020603050405020304" pitchFamily="18" charset="0"/>
+                        </a:rPr>
+                        <a:t>numpy</a:t>
+                      </a:r>
+                      <a:r>
+                        <a:rPr lang="en-US" sz="1400" dirty="0">
+                          <a:solidFill>
+                            <a:srgbClr val="000000"/>
+                          </a:solidFill>
+                          <a:effectLst/>
+                          <a:latin typeface="Times New Roman" panose="02020603050405020304" pitchFamily="18" charset="0"/>
+                          <a:ea typeface="Calibri" panose="020F0502020204030204" pitchFamily="34" charset="0"/>
+                          <a:cs typeface="Times New Roman" panose="02020603050405020304" pitchFamily="18" charset="0"/>
+                        </a:rPr>
+                        <a:t>, </a:t>
+                      </a:r>
+                      <a:r>
+                        <a:rPr lang="en-US" sz="1400" dirty="0" err="1">
+                          <a:solidFill>
+                            <a:srgbClr val="000000"/>
+                          </a:solidFill>
+                          <a:effectLst/>
+                          <a:latin typeface="Times New Roman" panose="02020603050405020304" pitchFamily="18" charset="0"/>
+                          <a:ea typeface="Calibri" panose="020F0502020204030204" pitchFamily="34" charset="0"/>
+                          <a:cs typeface="Times New Roman" panose="02020603050405020304" pitchFamily="18" charset="0"/>
+                        </a:rPr>
+                        <a:t>rasterio</a:t>
+                      </a:r>
+                      <a:r>
+                        <a:rPr lang="en-US" sz="1400" dirty="0">
+                          <a:solidFill>
+                            <a:srgbClr val="000000"/>
+                          </a:solidFill>
+                          <a:effectLst/>
+                          <a:latin typeface="Times New Roman" panose="02020603050405020304" pitchFamily="18" charset="0"/>
+                          <a:ea typeface="Calibri" panose="020F0502020204030204" pitchFamily="34" charset="0"/>
+                          <a:cs typeface="Times New Roman" panose="02020603050405020304" pitchFamily="18" charset="0"/>
+                        </a:rPr>
+                        <a:t> and </a:t>
+                      </a:r>
+                      <a:r>
+                        <a:rPr lang="en-US" sz="1400" dirty="0" err="1">
+                          <a:solidFill>
+                            <a:srgbClr val="000000"/>
+                          </a:solidFill>
+                          <a:effectLst/>
+                          <a:latin typeface="Times New Roman" panose="02020603050405020304" pitchFamily="18" charset="0"/>
+                          <a:ea typeface="Calibri" panose="020F0502020204030204" pitchFamily="34" charset="0"/>
+                          <a:cs typeface="Times New Roman" panose="02020603050405020304" pitchFamily="18" charset="0"/>
+                        </a:rPr>
+                        <a:t>geopandas</a:t>
+                      </a:r>
+                      <a:r>
+                        <a:rPr lang="en-US" sz="1400" dirty="0">
+                          <a:solidFill>
+                            <a:srgbClr val="000000"/>
+                          </a:solidFill>
+                          <a:effectLst/>
+                          <a:latin typeface="Times New Roman" panose="02020603050405020304" pitchFamily="18" charset="0"/>
+                          <a:ea typeface="Calibri" panose="020F0502020204030204" pitchFamily="34" charset="0"/>
+                          <a:cs typeface="Times New Roman" panose="02020603050405020304" pitchFamily="18" charset="0"/>
+                        </a:rPr>
+                        <a:t>)</a:t>
+                      </a:r>
+                    </a:p>
+                  </a:txBody>
+                  <a:tcPr marL="53270" marR="53270" marT="0" marB="0" anchor="ctr"/>
+                </a:tc>
+                <a:tc>
+                  <a:txBody>
+                    <a:bodyPr/>
+                    <a:lstStyle/>
+                    <a:p>
+                      <a:pPr marL="90170" marR="0" algn="ctr">
+                        <a:spcBef>
+                          <a:spcPts val="0"/>
+                        </a:spcBef>
+                        <a:spcAft>
+                          <a:spcPts val="0"/>
+                        </a:spcAft>
+                      </a:pPr>
+                      <a:r>
+                        <a:rPr lang="en-US" sz="1400" dirty="0">
+                          <a:effectLst/>
+                          <a:latin typeface="Times New Roman" panose="02020603050405020304" pitchFamily="18" charset="0"/>
+                          <a:cs typeface="Times New Roman" panose="02020603050405020304" pitchFamily="18" charset="0"/>
+                        </a:rPr>
+                        <a:t>Assignment 3</a:t>
                       </a:r>
                       <a:endParaRPr lang="en-US" sz="1400" dirty="0">
                         <a:solidFill>
@@ -3615,11 +3845,11 @@
                 </a:tc>
                 <a:extLst>
                   <a:ext uri="{0D108BD9-81ED-4DB2-BD59-A6C34878D82A}">
-                    <a16:rowId xmlns:a16="http://schemas.microsoft.com/office/drawing/2014/main" val="3287750248"/>
+                    <a16:rowId xmlns:a16="http://schemas.microsoft.com/office/drawing/2014/main" val="2824917692"/>
                   </a:ext>
                 </a:extLst>
               </a:tr>
-              <a:tr h="437108">
+              <a:tr h="428625">
                 <a:tc>
                   <a:txBody>
                     <a:bodyPr/>
@@ -3639,7 +3869,7 @@
                           <a:latin typeface="Times New Roman" panose="02020603050405020304" pitchFamily="18" charset="0"/>
                           <a:cs typeface="Times New Roman" panose="02020603050405020304" pitchFamily="18" charset="0"/>
                         </a:rPr>
-                        <a:t>Week 4: </a:t>
+                        <a:t>Week 5: </a:t>
                       </a:r>
                     </a:p>
                     <a:p>
@@ -3754,12 +3984,12 @@
                         </a:spcAft>
                       </a:pPr>
                       <a:r>
-                        <a:rPr lang="en-US" sz="1400">
-                          <a:effectLst/>
-                          <a:latin typeface="Times New Roman" panose="02020603050405020304" pitchFamily="18" charset="0"/>
-                          <a:cs typeface="Times New Roman" panose="02020603050405020304" pitchFamily="18" charset="0"/>
-                        </a:rPr>
-                        <a:t>Assignment 3</a:t>
+                        <a:rPr lang="en-US" sz="1400" dirty="0">
+                          <a:effectLst/>
+                          <a:latin typeface="Times New Roman" panose="02020603050405020304" pitchFamily="18" charset="0"/>
+                          <a:cs typeface="Times New Roman" panose="02020603050405020304" pitchFamily="18" charset="0"/>
+                        </a:rPr>
+                        <a:t>Assignment 4</a:t>
                       </a:r>
                       <a:endParaRPr lang="en-US" sz="1400" dirty="0">
                         <a:solidFill>
@@ -3780,7 +4010,7 @@
                   </a:ext>
                 </a:extLst>
               </a:tr>
-              <a:tr h="437108">
+              <a:tr h="428625">
                 <a:tc>
                   <a:txBody>
                     <a:bodyPr/>
@@ -3800,7 +4030,7 @@
                           <a:latin typeface="Times New Roman" panose="02020603050405020304" pitchFamily="18" charset="0"/>
                           <a:cs typeface="Times New Roman" panose="02020603050405020304" pitchFamily="18" charset="0"/>
                         </a:rPr>
-                        <a:t>Week 5:</a:t>
+                        <a:t>Week 6:</a:t>
                       </a:r>
                     </a:p>
                     <a:p>
@@ -3922,21 +4152,30 @@
                     <a:bodyPr/>
                     <a:lstStyle/>
                     <a:p>
-                      <a:pPr marL="90170" marR="0" algn="ctr">
-                        <a:spcBef>
-                          <a:spcPts val="0"/>
-                        </a:spcBef>
-                        <a:spcAft>
-                          <a:spcPts val="0"/>
-                        </a:spcAft>
-                      </a:pPr>
-                      <a:r>
-                        <a:rPr lang="en-US" sz="1400">
-                          <a:effectLst/>
-                          <a:latin typeface="Times New Roman" panose="02020603050405020304" pitchFamily="18" charset="0"/>
-                          <a:cs typeface="Times New Roman" panose="02020603050405020304" pitchFamily="18" charset="0"/>
-                        </a:rPr>
-                        <a:t>Assignment 4</a:t>
+                      <a:pPr marL="90170" marR="0" lvl="0" indent="0" algn="ctr" defTabSz="914400" rtl="0" eaLnBrk="1" fontAlgn="auto" latinLnBrk="0" hangingPunct="1">
+                        <a:lnSpc>
+                          <a:spcPct val="100000"/>
+                        </a:lnSpc>
+                        <a:spcBef>
+                          <a:spcPts val="0"/>
+                        </a:spcBef>
+                        <a:spcAft>
+                          <a:spcPts val="0"/>
+                        </a:spcAft>
+                        <a:buClrTx/>
+                        <a:buSzTx/>
+                        <a:buFontTx/>
+                        <a:buNone/>
+                        <a:tabLst/>
+                        <a:defRPr/>
+                      </a:pPr>
+                      <a:r>
+                        <a:rPr lang="en-US" sz="1400" dirty="0">
+                          <a:effectLst/>
+                          <a:latin typeface="Times New Roman" panose="02020603050405020304" pitchFamily="18" charset="0"/>
+                          <a:cs typeface="Times New Roman" panose="02020603050405020304" pitchFamily="18" charset="0"/>
+                        </a:rPr>
+                        <a:t>Assignment 5</a:t>
                       </a:r>
                       <a:endParaRPr lang="en-US" sz="1400" dirty="0">
                         <a:solidFill>
@@ -3957,7 +4196,7 @@
                   </a:ext>
                 </a:extLst>
               </a:tr>
-              <a:tr h="474686">
+              <a:tr h="428625">
                 <a:tc>
                   <a:txBody>
                     <a:bodyPr/>
@@ -3977,7 +4216,7 @@
                           <a:latin typeface="Times New Roman" panose="02020603050405020304" pitchFamily="18" charset="0"/>
                           <a:cs typeface="Times New Roman" panose="02020603050405020304" pitchFamily="18" charset="0"/>
                         </a:rPr>
-                        <a:t>Week 6:</a:t>
+                        <a:t>Week 7:</a:t>
                       </a:r>
                     </a:p>
                     <a:p>
@@ -4075,13 +4314,22 @@
                     <a:bodyPr/>
                     <a:lstStyle/>
                     <a:p>
-                      <a:pPr marL="90170" marR="0" algn="ctr">
-                        <a:spcBef>
-                          <a:spcPts val="0"/>
-                        </a:spcBef>
-                        <a:spcAft>
-                          <a:spcPts val="0"/>
-                        </a:spcAft>
+                      <a:pPr marL="90170" marR="0" lvl="0" indent="0" algn="ctr" defTabSz="914400" rtl="0" eaLnBrk="1" fontAlgn="auto" latinLnBrk="0" hangingPunct="1">
+                        <a:lnSpc>
+                          <a:spcPct val="100000"/>
+                        </a:lnSpc>
+                        <a:spcBef>
+                          <a:spcPts val="0"/>
+                        </a:spcBef>
+                        <a:spcAft>
+                          <a:spcPts val="0"/>
+                        </a:spcAft>
+                        <a:buClrTx/>
+                        <a:buSzTx/>
+                        <a:buFontTx/>
+                        <a:buNone/>
+                        <a:tabLst/>
+                        <a:defRPr/>
                       </a:pPr>
                       <a:r>
                         <a:rPr lang="en-US" sz="1400" dirty="0">
@@ -4110,7 +4358,7 @@
                   </a:ext>
                 </a:extLst>
               </a:tr>
-              <a:tr h="218554">
+              <a:tr h="214313">
                 <a:tc gridSpan="3">
                   <a:txBody>
                     <a:bodyPr/>
@@ -4187,7 +4435,7 @@
                   </a:ext>
                 </a:extLst>
               </a:tr>
-              <a:tr h="437108">
+              <a:tr h="428625">
                 <a:tc>
                   <a:txBody>
                     <a:bodyPr/>
@@ -4295,16 +4543,25 @@
                     <a:bodyPr/>
                     <a:lstStyle/>
                     <a:p>
-                      <a:pPr marL="90170" marR="0" algn="ctr">
-                        <a:spcBef>
-                          <a:spcPts val="0"/>
-                        </a:spcBef>
-                        <a:spcAft>
-                          <a:spcPts val="0"/>
-                        </a:spcAft>
-                      </a:pPr>
-                      <a:r>
-                        <a:rPr lang="en-US" sz="1400">
+                      <a:pPr marL="90170" marR="0" lvl="0" indent="0" algn="ctr" defTabSz="914400" rtl="0" eaLnBrk="1" fontAlgn="auto" latinLnBrk="0" hangingPunct="1">
+                        <a:lnSpc>
+                          <a:spcPct val="100000"/>
+                        </a:lnSpc>
+                        <a:spcBef>
+                          <a:spcPts val="0"/>
+                        </a:spcBef>
+                        <a:spcAft>
+                          <a:spcPts val="0"/>
+                        </a:spcAft>
+                        <a:buClrTx/>
+                        <a:buSzTx/>
+                        <a:buFontTx/>
+                        <a:buNone/>
+                        <a:tabLst/>
+                        <a:defRPr/>
+                      </a:pPr>
+                      <a:r>
+                        <a:rPr lang="en-US" sz="1400" dirty="0">
                           <a:effectLst/>
                           <a:latin typeface="Times New Roman" panose="02020603050405020304" pitchFamily="18" charset="0"/>
                           <a:cs typeface="Times New Roman" panose="02020603050405020304" pitchFamily="18" charset="0"/>
@@ -4330,7 +4587,7 @@
                   </a:ext>
                 </a:extLst>
               </a:tr>
-              <a:tr h="474686">
+              <a:tr h="428625">
                 <a:tc>
                   <a:txBody>
                     <a:bodyPr/>
@@ -4457,7 +4714,7 @@
                         </a:spcAft>
                       </a:pPr>
                       <a:r>
-                        <a:rPr lang="en-US" sz="1400">
+                        <a:rPr lang="en-US" sz="1400" dirty="0">
                           <a:effectLst/>
                           <a:latin typeface="Times New Roman" panose="02020603050405020304" pitchFamily="18" charset="0"/>
                           <a:cs typeface="Times New Roman" panose="02020603050405020304" pitchFamily="18" charset="0"/>
@@ -4483,7 +4740,7 @@
                   </a:ext>
                 </a:extLst>
               </a:tr>
-              <a:tr h="513025">
+              <a:tr h="428625">
                 <a:tc>
                   <a:txBody>
                     <a:bodyPr/>
@@ -4615,7 +4872,7 @@
                         </a:spcAft>
                       </a:pPr>
                       <a:r>
-                        <a:rPr lang="en-US" sz="1400">
+                        <a:rPr lang="en-US" sz="1400" dirty="0">
                           <a:effectLst/>
                           <a:latin typeface="Times New Roman" panose="02020603050405020304" pitchFamily="18" charset="0"/>
                           <a:cs typeface="Times New Roman" panose="02020603050405020304" pitchFamily="18" charset="0"/>
@@ -4641,7 +4898,7 @@
                   </a:ext>
                 </a:extLst>
               </a:tr>
-              <a:tr h="474686">
+              <a:tr h="428625">
                 <a:tc>
                   <a:txBody>
                     <a:bodyPr/>
@@ -4765,7 +5022,7 @@
                         </a:spcAft>
                       </a:pPr>
                       <a:r>
-                        <a:rPr lang="en-US" sz="1400">
+                        <a:rPr lang="en-US" sz="1400" dirty="0">
                           <a:effectLst/>
                           <a:latin typeface="Times New Roman" panose="02020603050405020304" pitchFamily="18" charset="0"/>
                           <a:cs typeface="Times New Roman" panose="02020603050405020304" pitchFamily="18" charset="0"/>
@@ -4791,7 +5048,7 @@
                   </a:ext>
                 </a:extLst>
               </a:tr>
-              <a:tr h="474686">
+              <a:tr h="428625">
                 <a:tc>
                   <a:txBody>
                     <a:bodyPr/>
@@ -4908,7 +5165,7 @@
                         </a:spcAft>
                       </a:pPr>
                       <a:r>
-                        <a:rPr lang="en-US" sz="1400">
+                        <a:rPr lang="en-US" sz="1400" dirty="0">
                           <a:effectLst/>
                           <a:latin typeface="Times New Roman" panose="02020603050405020304" pitchFamily="18" charset="0"/>
                           <a:cs typeface="Times New Roman" panose="02020603050405020304" pitchFamily="18" charset="0"/>
@@ -4934,7 +5191,7 @@
                   </a:ext>
                 </a:extLst>
               </a:tr>
-              <a:tr h="474686">
+              <a:tr h="428625">
                 <a:tc>
                   <a:txBody>
                     <a:bodyPr/>
@@ -5077,7 +5334,7 @@
                   </a:ext>
                 </a:extLst>
               </a:tr>
-              <a:tr h="474686">
+              <a:tr h="428625">
                 <a:tc>
                   <a:txBody>
                     <a:bodyPr/>
@@ -5212,7 +5469,7 @@
                   </a:ext>
                 </a:extLst>
               </a:tr>
-              <a:tr h="437108">
+              <a:tr h="428625">
                 <a:tc>
                   <a:txBody>
                     <a:bodyPr/>

--- a/syllabus/format.pptx
+++ b/syllabus/format.pptx
@@ -6,6 +6,7 @@
   </p:sldMasterIdLst>
   <p:sldIdLst>
     <p:sldId id="256" r:id="rId2"/>
+    <p:sldId id="257" r:id="rId3"/>
   </p:sldIdLst>
   <p:sldSz cx="9144000" cy="6858000" type="screen4x3"/>
   <p:notesSz cx="6858000" cy="9144000"/>
@@ -254,7 +255,7 @@
           <a:p>
             <a:fld id="{48CDFCA1-6601-C943-AA02-89F09BE97B91}" type="datetimeFigureOut">
               <a:rPr lang="en-US" smtClean="0"/>
-              <a:t>2/11/2022</a:t>
+              <a:t>2/28/2022</a:t>
             </a:fld>
             <a:endParaRPr lang="en-US"/>
           </a:p>
@@ -424,7 +425,7 @@
           <a:p>
             <a:fld id="{48CDFCA1-6601-C943-AA02-89F09BE97B91}" type="datetimeFigureOut">
               <a:rPr lang="en-US" smtClean="0"/>
-              <a:t>2/11/2022</a:t>
+              <a:t>2/28/2022</a:t>
             </a:fld>
             <a:endParaRPr lang="en-US"/>
           </a:p>
@@ -604,7 +605,7 @@
           <a:p>
             <a:fld id="{48CDFCA1-6601-C943-AA02-89F09BE97B91}" type="datetimeFigureOut">
               <a:rPr lang="en-US" smtClean="0"/>
-              <a:t>2/11/2022</a:t>
+              <a:t>2/28/2022</a:t>
             </a:fld>
             <a:endParaRPr lang="en-US"/>
           </a:p>
@@ -774,7 +775,7 @@
           <a:p>
             <a:fld id="{48CDFCA1-6601-C943-AA02-89F09BE97B91}" type="datetimeFigureOut">
               <a:rPr lang="en-US" smtClean="0"/>
-              <a:t>2/11/2022</a:t>
+              <a:t>2/28/2022</a:t>
             </a:fld>
             <a:endParaRPr lang="en-US"/>
           </a:p>
@@ -1018,7 +1019,7 @@
           <a:p>
             <a:fld id="{48CDFCA1-6601-C943-AA02-89F09BE97B91}" type="datetimeFigureOut">
               <a:rPr lang="en-US" smtClean="0"/>
-              <a:t>2/11/2022</a:t>
+              <a:t>2/28/2022</a:t>
             </a:fld>
             <a:endParaRPr lang="en-US"/>
           </a:p>
@@ -1250,7 +1251,7 @@
           <a:p>
             <a:fld id="{48CDFCA1-6601-C943-AA02-89F09BE97B91}" type="datetimeFigureOut">
               <a:rPr lang="en-US" smtClean="0"/>
-              <a:t>2/11/2022</a:t>
+              <a:t>2/28/2022</a:t>
             </a:fld>
             <a:endParaRPr lang="en-US"/>
           </a:p>
@@ -1617,7 +1618,7 @@
           <a:p>
             <a:fld id="{48CDFCA1-6601-C943-AA02-89F09BE97B91}" type="datetimeFigureOut">
               <a:rPr lang="en-US" smtClean="0"/>
-              <a:t>2/11/2022</a:t>
+              <a:t>2/28/2022</a:t>
             </a:fld>
             <a:endParaRPr lang="en-US"/>
           </a:p>
@@ -1735,7 +1736,7 @@
           <a:p>
             <a:fld id="{48CDFCA1-6601-C943-AA02-89F09BE97B91}" type="datetimeFigureOut">
               <a:rPr lang="en-US" smtClean="0"/>
-              <a:t>2/11/2022</a:t>
+              <a:t>2/28/2022</a:t>
             </a:fld>
             <a:endParaRPr lang="en-US"/>
           </a:p>
@@ -1830,7 +1831,7 @@
           <a:p>
             <a:fld id="{48CDFCA1-6601-C943-AA02-89F09BE97B91}" type="datetimeFigureOut">
               <a:rPr lang="en-US" smtClean="0"/>
-              <a:t>2/11/2022</a:t>
+              <a:t>2/28/2022</a:t>
             </a:fld>
             <a:endParaRPr lang="en-US"/>
           </a:p>
@@ -2107,7 +2108,7 @@
           <a:p>
             <a:fld id="{48CDFCA1-6601-C943-AA02-89F09BE97B91}" type="datetimeFigureOut">
               <a:rPr lang="en-US" smtClean="0"/>
-              <a:t>2/11/2022</a:t>
+              <a:t>2/28/2022</a:t>
             </a:fld>
             <a:endParaRPr lang="en-US"/>
           </a:p>
@@ -2364,7 +2365,7 @@
           <a:p>
             <a:fld id="{48CDFCA1-6601-C943-AA02-89F09BE97B91}" type="datetimeFigureOut">
               <a:rPr lang="en-US" smtClean="0"/>
-              <a:t>2/11/2022</a:t>
+              <a:t>2/28/2022</a:t>
             </a:fld>
             <a:endParaRPr lang="en-US"/>
           </a:p>
@@ -2577,7 +2578,7 @@
           <a:p>
             <a:fld id="{48CDFCA1-6601-C943-AA02-89F09BE97B91}" type="datetimeFigureOut">
               <a:rPr lang="en-US" smtClean="0"/>
-              <a:t>2/11/2022</a:t>
+              <a:t>2/28/2022</a:t>
             </a:fld>
             <a:endParaRPr lang="en-US"/>
           </a:p>
@@ -3007,7 +3008,2671 @@
           <p:nvPr>
             <p:extLst>
               <p:ext uri="{D42A27DB-BD31-4B8C-83A1-F6EECF244321}">
-                <p14:modId xmlns:p14="http://schemas.microsoft.com/office/powerpoint/2010/main" val="3986305723"/>
+                <p14:modId xmlns:p14="http://schemas.microsoft.com/office/powerpoint/2010/main" val="1260134993"/>
+              </p:ext>
+            </p:extLst>
+          </p:nvPr>
+        </p:nvGraphicFramePr>
+        <p:xfrm>
+          <a:off x="0" y="0"/>
+          <a:ext cx="9144002" cy="7069456"/>
+        </p:xfrm>
+        <a:graphic>
+          <a:graphicData uri="http://schemas.openxmlformats.org/drawingml/2006/table">
+            <a:tbl>
+              <a:tblPr firstRow="1" bandRow="1" bandCol="1">
+                <a:tableStyleId>{F2DE63D5-997A-4646-A377-4702673A728D}</a:tableStyleId>
+              </a:tblPr>
+              <a:tblGrid>
+                <a:gridCol w="1298825">
+                  <a:extLst>
+                    <a:ext uri="{9D8B030D-6E8A-4147-A177-3AD203B41FA5}">
+                      <a16:colId xmlns:a16="http://schemas.microsoft.com/office/drawing/2014/main" val="3049745298"/>
+                    </a:ext>
+                  </a:extLst>
+                </a:gridCol>
+                <a:gridCol w="5977046">
+                  <a:extLst>
+                    <a:ext uri="{9D8B030D-6E8A-4147-A177-3AD203B41FA5}">
+                      <a16:colId xmlns:a16="http://schemas.microsoft.com/office/drawing/2014/main" val="3141381812"/>
+                    </a:ext>
+                  </a:extLst>
+                </a:gridCol>
+                <a:gridCol w="1868131">
+                  <a:extLst>
+                    <a:ext uri="{9D8B030D-6E8A-4147-A177-3AD203B41FA5}">
+                      <a16:colId xmlns:a16="http://schemas.microsoft.com/office/drawing/2014/main" val="2516319591"/>
+                    </a:ext>
+                  </a:extLst>
+                </a:gridCol>
+              </a:tblGrid>
+              <a:tr h="214313">
+                <a:tc>
+                  <a:txBody>
+                    <a:bodyPr/>
+                    <a:lstStyle/>
+                    <a:p>
+                      <a:pPr marL="90170" marR="0" algn="ctr">
+                        <a:spcBef>
+                          <a:spcPts val="0"/>
+                        </a:spcBef>
+                        <a:spcAft>
+                          <a:spcPts val="0"/>
+                        </a:spcAft>
+                      </a:pPr>
+                      <a:r>
+                        <a:rPr lang="en-US" sz="1400" dirty="0">
+                          <a:effectLst/>
+                          <a:latin typeface="Times New Roman" panose="02020603050405020304" pitchFamily="18" charset="0"/>
+                          <a:cs typeface="Times New Roman" panose="02020603050405020304" pitchFamily="18" charset="0"/>
+                        </a:rPr>
+                        <a:t>Week</a:t>
+                      </a:r>
+                      <a:endParaRPr lang="en-US" sz="1400" dirty="0">
+                        <a:solidFill>
+                          <a:srgbClr val="000000"/>
+                        </a:solidFill>
+                        <a:effectLst/>
+                        <a:latin typeface="Times New Roman" panose="02020603050405020304" pitchFamily="18" charset="0"/>
+                        <a:ea typeface="Calibri" panose="020F0502020204030204" pitchFamily="34" charset="0"/>
+                        <a:cs typeface="Times New Roman" panose="02020603050405020304" pitchFamily="18" charset="0"/>
+                      </a:endParaRPr>
+                    </a:p>
+                  </a:txBody>
+                  <a:tcPr marL="53270" marR="53270" marT="0" marB="0"/>
+                </a:tc>
+                <a:tc>
+                  <a:txBody>
+                    <a:bodyPr/>
+                    <a:lstStyle/>
+                    <a:p>
+                      <a:pPr marL="90170" marR="0" algn="ctr">
+                        <a:spcBef>
+                          <a:spcPts val="0"/>
+                        </a:spcBef>
+                        <a:spcAft>
+                          <a:spcPts val="0"/>
+                        </a:spcAft>
+                      </a:pPr>
+                      <a:r>
+                        <a:rPr lang="en-US" sz="1400" dirty="0">
+                          <a:effectLst/>
+                          <a:latin typeface="Times New Roman" panose="02020603050405020304" pitchFamily="18" charset="0"/>
+                          <a:cs typeface="Times New Roman" panose="02020603050405020304" pitchFamily="18" charset="0"/>
+                        </a:rPr>
+                        <a:t>Topic</a:t>
+                      </a:r>
+                      <a:endParaRPr lang="en-US" sz="1400" dirty="0">
+                        <a:solidFill>
+                          <a:srgbClr val="000000"/>
+                        </a:solidFill>
+                        <a:effectLst/>
+                        <a:latin typeface="Times New Roman" panose="02020603050405020304" pitchFamily="18" charset="0"/>
+                        <a:ea typeface="Calibri" panose="020F0502020204030204" pitchFamily="34" charset="0"/>
+                        <a:cs typeface="Times New Roman" panose="02020603050405020304" pitchFamily="18" charset="0"/>
+                      </a:endParaRPr>
+                    </a:p>
+                  </a:txBody>
+                  <a:tcPr marL="53270" marR="53270" marT="0" marB="0"/>
+                </a:tc>
+                <a:tc>
+                  <a:txBody>
+                    <a:bodyPr/>
+                    <a:lstStyle/>
+                    <a:p>
+                      <a:pPr marL="90170" marR="0" algn="ctr">
+                        <a:spcBef>
+                          <a:spcPts val="0"/>
+                        </a:spcBef>
+                        <a:spcAft>
+                          <a:spcPts val="0"/>
+                        </a:spcAft>
+                      </a:pPr>
+                      <a:r>
+                        <a:rPr lang="en-US" sz="1400">
+                          <a:effectLst/>
+                          <a:latin typeface="Times New Roman" panose="02020603050405020304" pitchFamily="18" charset="0"/>
+                          <a:cs typeface="Times New Roman" panose="02020603050405020304" pitchFamily="18" charset="0"/>
+                        </a:rPr>
+                        <a:t>Coursework</a:t>
+                      </a:r>
+                      <a:endParaRPr lang="en-US" sz="1400" dirty="0">
+                        <a:solidFill>
+                          <a:srgbClr val="000000"/>
+                        </a:solidFill>
+                        <a:effectLst/>
+                        <a:latin typeface="Times New Roman" panose="02020603050405020304" pitchFamily="18" charset="0"/>
+                        <a:ea typeface="Calibri" panose="020F0502020204030204" pitchFamily="34" charset="0"/>
+                        <a:cs typeface="Times New Roman" panose="02020603050405020304" pitchFamily="18" charset="0"/>
+                      </a:endParaRPr>
+                    </a:p>
+                  </a:txBody>
+                  <a:tcPr marL="53270" marR="53270" marT="0" marB="0"/>
+                </a:tc>
+                <a:extLst>
+                  <a:ext uri="{0D108BD9-81ED-4DB2-BD59-A6C34878D82A}">
+                    <a16:rowId xmlns:a16="http://schemas.microsoft.com/office/drawing/2014/main" val="1094461806"/>
+                  </a:ext>
+                </a:extLst>
+              </a:tr>
+              <a:tr h="428625">
+                <a:tc>
+                  <a:txBody>
+                    <a:bodyPr/>
+                    <a:lstStyle/>
+                    <a:p>
+                      <a:pPr marL="90170" marR="0" algn="ctr">
+                        <a:spcBef>
+                          <a:spcPts val="0"/>
+                        </a:spcBef>
+                        <a:spcAft>
+                          <a:spcPts val="0"/>
+                        </a:spcAft>
+                      </a:pPr>
+                      <a:r>
+                        <a:rPr lang="en-US" sz="1400" b="1" dirty="0">
+                          <a:effectLst/>
+                          <a:latin typeface="Times New Roman" panose="02020603050405020304" pitchFamily="18" charset="0"/>
+                          <a:cs typeface="Times New Roman" panose="02020603050405020304" pitchFamily="18" charset="0"/>
+                        </a:rPr>
+                        <a:t>Week 1: </a:t>
+                      </a:r>
+                    </a:p>
+                    <a:p>
+                      <a:pPr marL="90170" marR="0" algn="ctr">
+                        <a:spcBef>
+                          <a:spcPts val="0"/>
+                        </a:spcBef>
+                        <a:spcAft>
+                          <a:spcPts val="0"/>
+                        </a:spcAft>
+                      </a:pPr>
+                      <a:r>
+                        <a:rPr lang="en-US" sz="1400" b="1" dirty="0">
+                          <a:effectLst/>
+                          <a:latin typeface="Times New Roman" panose="02020603050405020304" pitchFamily="18" charset="0"/>
+                          <a:cs typeface="Times New Roman" panose="02020603050405020304" pitchFamily="18" charset="0"/>
+                        </a:rPr>
+                        <a:t>Jan 24</a:t>
+                      </a:r>
+                      <a:r>
+                        <a:rPr lang="en-US" sz="1400" b="1" baseline="30000" dirty="0">
+                          <a:effectLst/>
+                          <a:latin typeface="Times New Roman" panose="02020603050405020304" pitchFamily="18" charset="0"/>
+                          <a:cs typeface="Times New Roman" panose="02020603050405020304" pitchFamily="18" charset="0"/>
+                        </a:rPr>
+                        <a:t>th</a:t>
+                      </a:r>
+                      <a:endParaRPr lang="en-US" sz="1400" b="1" dirty="0">
+                        <a:solidFill>
+                          <a:srgbClr val="000000"/>
+                        </a:solidFill>
+                        <a:effectLst/>
+                        <a:latin typeface="Times New Roman" panose="02020603050405020304" pitchFamily="18" charset="0"/>
+                        <a:ea typeface="Calibri" panose="020F0502020204030204" pitchFamily="34" charset="0"/>
+                        <a:cs typeface="Times New Roman" panose="02020603050405020304" pitchFamily="18" charset="0"/>
+                      </a:endParaRPr>
+                    </a:p>
+                  </a:txBody>
+                  <a:tcPr marL="53270" marR="53270" marT="0" marB="0"/>
+                </a:tc>
+                <a:tc>
+                  <a:txBody>
+                    <a:bodyPr/>
+                    <a:lstStyle/>
+                    <a:p>
+                      <a:pPr marL="90170" marR="0">
+                        <a:spcBef>
+                          <a:spcPts val="0"/>
+                        </a:spcBef>
+                        <a:spcAft>
+                          <a:spcPts val="0"/>
+                        </a:spcAft>
+                      </a:pPr>
+                      <a:r>
+                        <a:rPr lang="en-US" sz="1400" dirty="0">
+                          <a:effectLst/>
+                          <a:latin typeface="Times New Roman" panose="02020603050405020304" pitchFamily="18" charset="0"/>
+                          <a:cs typeface="Times New Roman" panose="02020603050405020304" pitchFamily="18" charset="0"/>
+                        </a:rPr>
+                        <a:t>Introduction and course overview</a:t>
+                      </a:r>
+                    </a:p>
+                    <a:p>
+                      <a:pPr marL="90170" marR="0">
+                        <a:spcBef>
+                          <a:spcPts val="0"/>
+                        </a:spcBef>
+                        <a:spcAft>
+                          <a:spcPts val="0"/>
+                        </a:spcAft>
+                      </a:pPr>
+                      <a:r>
+                        <a:rPr lang="en-US" sz="1400" dirty="0">
+                          <a:effectLst/>
+                          <a:latin typeface="Times New Roman" panose="02020603050405020304" pitchFamily="18" charset="0"/>
+                          <a:cs typeface="Times New Roman" panose="02020603050405020304" pitchFamily="18" charset="0"/>
+                        </a:rPr>
+                        <a:t>Installing Anaconda + </a:t>
+                      </a:r>
+                      <a:r>
+                        <a:rPr lang="en-US" sz="1400" dirty="0" err="1">
+                          <a:effectLst/>
+                          <a:latin typeface="Times New Roman" panose="02020603050405020304" pitchFamily="18" charset="0"/>
+                          <a:cs typeface="Times New Roman" panose="02020603050405020304" pitchFamily="18" charset="0"/>
+                        </a:rPr>
+                        <a:t>Jupyter</a:t>
+                      </a:r>
+                      <a:r>
+                        <a:rPr lang="en-US" sz="1400" dirty="0">
+                          <a:effectLst/>
+                          <a:latin typeface="Times New Roman" panose="02020603050405020304" pitchFamily="18" charset="0"/>
+                          <a:cs typeface="Times New Roman" panose="02020603050405020304" pitchFamily="18" charset="0"/>
+                        </a:rPr>
+                        <a:t> notebooks</a:t>
+                      </a:r>
+                      <a:endParaRPr lang="en-US" sz="1400" dirty="0">
+                        <a:solidFill>
+                          <a:srgbClr val="000000"/>
+                        </a:solidFill>
+                        <a:effectLst/>
+                        <a:latin typeface="Times New Roman" panose="02020603050405020304" pitchFamily="18" charset="0"/>
+                        <a:ea typeface="Calibri" panose="020F0502020204030204" pitchFamily="34" charset="0"/>
+                        <a:cs typeface="Times New Roman" panose="02020603050405020304" pitchFamily="18" charset="0"/>
+                      </a:endParaRPr>
+                    </a:p>
+                  </a:txBody>
+                  <a:tcPr marL="53270" marR="53270" marT="0" marB="0" anchor="ctr"/>
+                </a:tc>
+                <a:tc>
+                  <a:txBody>
+                    <a:bodyPr/>
+                    <a:lstStyle/>
+                    <a:p>
+                      <a:pPr marL="90170" marR="0" algn="ctr">
+                        <a:spcBef>
+                          <a:spcPts val="0"/>
+                        </a:spcBef>
+                        <a:spcAft>
+                          <a:spcPts val="0"/>
+                        </a:spcAft>
+                      </a:pPr>
+                      <a:r>
+                        <a:rPr lang="en-US" sz="1400" dirty="0">
+                          <a:effectLst/>
+                          <a:latin typeface="Times New Roman" panose="02020603050405020304" pitchFamily="18" charset="0"/>
+                          <a:cs typeface="Times New Roman" panose="02020603050405020304" pitchFamily="18" charset="0"/>
+                        </a:rPr>
+                        <a:t>Assignment 1</a:t>
+                      </a:r>
+                      <a:endParaRPr lang="en-US" sz="1400" dirty="0">
+                        <a:solidFill>
+                          <a:srgbClr val="000000"/>
+                        </a:solidFill>
+                        <a:effectLst/>
+                        <a:latin typeface="Times New Roman" panose="02020603050405020304" pitchFamily="18" charset="0"/>
+                        <a:ea typeface="Calibri" panose="020F0502020204030204" pitchFamily="34" charset="0"/>
+                        <a:cs typeface="Times New Roman" panose="02020603050405020304" pitchFamily="18" charset="0"/>
+                      </a:endParaRPr>
+                    </a:p>
+                  </a:txBody>
+                  <a:tcPr marL="53270" marR="53270" marT="0" marB="0" anchor="ctr"/>
+                </a:tc>
+                <a:extLst>
+                  <a:ext uri="{0D108BD9-81ED-4DB2-BD59-A6C34878D82A}">
+                    <a16:rowId xmlns:a16="http://schemas.microsoft.com/office/drawing/2014/main" val="2484527875"/>
+                  </a:ext>
+                </a:extLst>
+              </a:tr>
+              <a:tr h="428625">
+                <a:tc>
+                  <a:txBody>
+                    <a:bodyPr/>
+                    <a:lstStyle/>
+                    <a:p>
+                      <a:pPr marL="90170" marR="0" algn="ctr">
+                        <a:spcBef>
+                          <a:spcPts val="0"/>
+                        </a:spcBef>
+                        <a:spcAft>
+                          <a:spcPts val="0"/>
+                        </a:spcAft>
+                      </a:pPr>
+                      <a:r>
+                        <a:rPr lang="en-US" sz="1400" b="1" dirty="0">
+                          <a:effectLst/>
+                          <a:latin typeface="Times New Roman" panose="02020603050405020304" pitchFamily="18" charset="0"/>
+                          <a:cs typeface="Times New Roman" panose="02020603050405020304" pitchFamily="18" charset="0"/>
+                        </a:rPr>
+                        <a:t>Week 2: </a:t>
+                      </a:r>
+                    </a:p>
+                    <a:p>
+                      <a:pPr marL="90170" marR="0" algn="ctr">
+                        <a:spcBef>
+                          <a:spcPts val="0"/>
+                        </a:spcBef>
+                        <a:spcAft>
+                          <a:spcPts val="0"/>
+                        </a:spcAft>
+                      </a:pPr>
+                      <a:r>
+                        <a:rPr lang="en-US" sz="1400" b="1" dirty="0">
+                          <a:effectLst/>
+                          <a:latin typeface="Times New Roman" panose="02020603050405020304" pitchFamily="18" charset="0"/>
+                          <a:cs typeface="Times New Roman" panose="02020603050405020304" pitchFamily="18" charset="0"/>
+                        </a:rPr>
+                        <a:t>Jan 31</a:t>
+                      </a:r>
+                      <a:r>
+                        <a:rPr lang="en-US" sz="1400" b="1" baseline="30000" dirty="0">
+                          <a:effectLst/>
+                          <a:latin typeface="Times New Roman" panose="02020603050405020304" pitchFamily="18" charset="0"/>
+                          <a:cs typeface="Times New Roman" panose="02020603050405020304" pitchFamily="18" charset="0"/>
+                        </a:rPr>
+                        <a:t>st</a:t>
+                      </a:r>
+                      <a:r>
+                        <a:rPr lang="en-US" sz="1400" b="1" dirty="0">
+                          <a:effectLst/>
+                          <a:latin typeface="Times New Roman" panose="02020603050405020304" pitchFamily="18" charset="0"/>
+                          <a:cs typeface="Times New Roman" panose="02020603050405020304" pitchFamily="18" charset="0"/>
+                        </a:rPr>
+                        <a:t> </a:t>
+                      </a:r>
+                      <a:endParaRPr lang="en-US" sz="1400" b="1" dirty="0">
+                        <a:solidFill>
+                          <a:srgbClr val="000000"/>
+                        </a:solidFill>
+                        <a:effectLst/>
+                        <a:latin typeface="Times New Roman" panose="02020603050405020304" pitchFamily="18" charset="0"/>
+                        <a:ea typeface="Calibri" panose="020F0502020204030204" pitchFamily="34" charset="0"/>
+                        <a:cs typeface="Times New Roman" panose="02020603050405020304" pitchFamily="18" charset="0"/>
+                      </a:endParaRPr>
+                    </a:p>
+                  </a:txBody>
+                  <a:tcPr marL="53270" marR="53270" marT="0" marB="0"/>
+                </a:tc>
+                <a:tc>
+                  <a:txBody>
+                    <a:bodyPr/>
+                    <a:lstStyle/>
+                    <a:p>
+                      <a:pPr marL="90170" marR="0">
+                        <a:spcBef>
+                          <a:spcPts val="0"/>
+                        </a:spcBef>
+                        <a:spcAft>
+                          <a:spcPts val="0"/>
+                        </a:spcAft>
+                      </a:pPr>
+                      <a:r>
+                        <a:rPr lang="en-US" sz="1400" dirty="0">
+                          <a:effectLst/>
+                          <a:latin typeface="Times New Roman" panose="02020603050405020304" pitchFamily="18" charset="0"/>
+                          <a:cs typeface="Times New Roman" panose="02020603050405020304" pitchFamily="18" charset="0"/>
+                        </a:rPr>
+                        <a:t>Python for total beginners</a:t>
+                      </a:r>
+                      <a:endParaRPr lang="en-US" sz="1400" dirty="0">
+                        <a:solidFill>
+                          <a:srgbClr val="000000"/>
+                        </a:solidFill>
+                        <a:effectLst/>
+                        <a:latin typeface="Times New Roman" panose="02020603050405020304" pitchFamily="18" charset="0"/>
+                        <a:ea typeface="Calibri" panose="020F0502020204030204" pitchFamily="34" charset="0"/>
+                        <a:cs typeface="Times New Roman" panose="02020603050405020304" pitchFamily="18" charset="0"/>
+                      </a:endParaRPr>
+                    </a:p>
+                  </a:txBody>
+                  <a:tcPr marL="53270" marR="53270" marT="0" marB="0" anchor="ctr"/>
+                </a:tc>
+                <a:tc>
+                  <a:txBody>
+                    <a:bodyPr/>
+                    <a:lstStyle/>
+                    <a:p>
+                      <a:pPr marL="90170" marR="0" algn="ctr">
+                        <a:spcBef>
+                          <a:spcPts val="0"/>
+                        </a:spcBef>
+                        <a:spcAft>
+                          <a:spcPts val="0"/>
+                        </a:spcAft>
+                      </a:pPr>
+                      <a:r>
+                        <a:rPr lang="en-US" sz="1400" dirty="0">
+                          <a:effectLst/>
+                          <a:latin typeface="Times New Roman" panose="02020603050405020304" pitchFamily="18" charset="0"/>
+                          <a:cs typeface="Times New Roman" panose="02020603050405020304" pitchFamily="18" charset="0"/>
+                        </a:rPr>
+                        <a:t>Assignment 2</a:t>
+                      </a:r>
+                      <a:endParaRPr lang="en-US" sz="1400" dirty="0">
+                        <a:solidFill>
+                          <a:srgbClr val="000000"/>
+                        </a:solidFill>
+                        <a:effectLst/>
+                        <a:latin typeface="Times New Roman" panose="02020603050405020304" pitchFamily="18" charset="0"/>
+                        <a:ea typeface="Calibri" panose="020F0502020204030204" pitchFamily="34" charset="0"/>
+                        <a:cs typeface="Times New Roman" panose="02020603050405020304" pitchFamily="18" charset="0"/>
+                      </a:endParaRPr>
+                    </a:p>
+                  </a:txBody>
+                  <a:tcPr marL="53270" marR="53270" marT="0" marB="0" anchor="ctr"/>
+                </a:tc>
+                <a:extLst>
+                  <a:ext uri="{0D108BD9-81ED-4DB2-BD59-A6C34878D82A}">
+                    <a16:rowId xmlns:a16="http://schemas.microsoft.com/office/drawing/2014/main" val="3329571202"/>
+                  </a:ext>
+                </a:extLst>
+              </a:tr>
+              <a:tr h="428625">
+                <a:tc>
+                  <a:txBody>
+                    <a:bodyPr/>
+                    <a:lstStyle/>
+                    <a:p>
+                      <a:pPr marL="90170" marR="0" algn="ctr">
+                        <a:spcBef>
+                          <a:spcPts val="0"/>
+                        </a:spcBef>
+                        <a:spcAft>
+                          <a:spcPts val="0"/>
+                        </a:spcAft>
+                      </a:pPr>
+                      <a:r>
+                        <a:rPr lang="en-US" sz="1400" b="1" dirty="0">
+                          <a:effectLst/>
+                          <a:latin typeface="Times New Roman" panose="02020603050405020304" pitchFamily="18" charset="0"/>
+                          <a:cs typeface="Times New Roman" panose="02020603050405020304" pitchFamily="18" charset="0"/>
+                        </a:rPr>
+                        <a:t>Week 3: </a:t>
+                      </a:r>
+                    </a:p>
+                    <a:p>
+                      <a:pPr marL="90170" marR="0" algn="ctr">
+                        <a:spcBef>
+                          <a:spcPts val="0"/>
+                        </a:spcBef>
+                        <a:spcAft>
+                          <a:spcPts val="0"/>
+                        </a:spcAft>
+                      </a:pPr>
+                      <a:r>
+                        <a:rPr lang="en-US" sz="1400" b="1" dirty="0">
+                          <a:effectLst/>
+                          <a:latin typeface="Times New Roman" panose="02020603050405020304" pitchFamily="18" charset="0"/>
+                          <a:cs typeface="Times New Roman" panose="02020603050405020304" pitchFamily="18" charset="0"/>
+                        </a:rPr>
+                        <a:t>Feb 7</a:t>
+                      </a:r>
+                      <a:r>
+                        <a:rPr lang="en-US" sz="1400" b="1" baseline="30000" dirty="0">
+                          <a:effectLst/>
+                          <a:latin typeface="Times New Roman" panose="02020603050405020304" pitchFamily="18" charset="0"/>
+                          <a:cs typeface="Times New Roman" panose="02020603050405020304" pitchFamily="18" charset="0"/>
+                        </a:rPr>
+                        <a:t>th</a:t>
+                      </a:r>
+                      <a:endParaRPr lang="en-US" sz="1400" b="1" dirty="0">
+                        <a:solidFill>
+                          <a:srgbClr val="000000"/>
+                        </a:solidFill>
+                        <a:effectLst/>
+                        <a:latin typeface="Times New Roman" panose="02020603050405020304" pitchFamily="18" charset="0"/>
+                        <a:ea typeface="Calibri" panose="020F0502020204030204" pitchFamily="34" charset="0"/>
+                        <a:cs typeface="Times New Roman" panose="02020603050405020304" pitchFamily="18" charset="0"/>
+                      </a:endParaRPr>
+                    </a:p>
+                  </a:txBody>
+                  <a:tcPr marL="53270" marR="53270" marT="0" marB="0"/>
+                </a:tc>
+                <a:tc>
+                  <a:txBody>
+                    <a:bodyPr/>
+                    <a:lstStyle/>
+                    <a:p>
+                      <a:pPr marL="90170" marR="0">
+                        <a:spcBef>
+                          <a:spcPts val="0"/>
+                        </a:spcBef>
+                        <a:spcAft>
+                          <a:spcPts val="0"/>
+                        </a:spcAft>
+                      </a:pPr>
+                      <a:r>
+                        <a:rPr lang="en-US" sz="1400" dirty="0">
+                          <a:effectLst/>
+                          <a:latin typeface="Times New Roman" panose="02020603050405020304" pitchFamily="18" charset="0"/>
+                          <a:cs typeface="Times New Roman" panose="02020603050405020304" pitchFamily="18" charset="0"/>
+                        </a:rPr>
+                        <a:t>Obtaining satellite imagery</a:t>
+                      </a:r>
+                    </a:p>
+                    <a:p>
+                      <a:pPr marL="90170" marR="0">
+                        <a:spcBef>
+                          <a:spcPts val="0"/>
+                        </a:spcBef>
+                        <a:spcAft>
+                          <a:spcPts val="0"/>
+                        </a:spcAft>
+                      </a:pPr>
+                      <a:r>
+                        <a:rPr lang="en-US" sz="1400" dirty="0">
+                          <a:effectLst/>
+                          <a:latin typeface="Times New Roman" panose="02020603050405020304" pitchFamily="18" charset="0"/>
+                          <a:cs typeface="Times New Roman" panose="02020603050405020304" pitchFamily="18" charset="0"/>
+                        </a:rPr>
+                        <a:t>(Including API scripting)</a:t>
+                      </a:r>
+                      <a:endParaRPr lang="en-US" sz="1400" dirty="0">
+                        <a:solidFill>
+                          <a:srgbClr val="000000"/>
+                        </a:solidFill>
+                        <a:effectLst/>
+                        <a:latin typeface="Times New Roman" panose="02020603050405020304" pitchFamily="18" charset="0"/>
+                        <a:ea typeface="Calibri" panose="020F0502020204030204" pitchFamily="34" charset="0"/>
+                        <a:cs typeface="Times New Roman" panose="02020603050405020304" pitchFamily="18" charset="0"/>
+                      </a:endParaRPr>
+                    </a:p>
+                  </a:txBody>
+                  <a:tcPr marL="53270" marR="53270" marT="0" marB="0" anchor="ctr"/>
+                </a:tc>
+                <a:tc>
+                  <a:txBody>
+                    <a:bodyPr/>
+                    <a:lstStyle/>
+                    <a:p>
+                      <a:pPr marL="90170" marR="0" algn="ctr">
+                        <a:spcBef>
+                          <a:spcPts val="0"/>
+                        </a:spcBef>
+                        <a:spcAft>
+                          <a:spcPts val="0"/>
+                        </a:spcAft>
+                      </a:pPr>
+                      <a:r>
+                        <a:rPr lang="en-US" sz="1400" dirty="0">
+                          <a:solidFill>
+                            <a:srgbClr val="000000"/>
+                          </a:solidFill>
+                          <a:effectLst/>
+                          <a:latin typeface="Times New Roman" panose="02020603050405020304" pitchFamily="18" charset="0"/>
+                          <a:ea typeface="Calibri" panose="020F0502020204030204" pitchFamily="34" charset="0"/>
+                          <a:cs typeface="Times New Roman" panose="02020603050405020304" pitchFamily="18" charset="0"/>
+                        </a:rPr>
+                        <a:t>-</a:t>
+                      </a:r>
+                    </a:p>
+                  </a:txBody>
+                  <a:tcPr marL="53270" marR="53270" marT="0" marB="0" anchor="ctr"/>
+                </a:tc>
+                <a:extLst>
+                  <a:ext uri="{0D108BD9-81ED-4DB2-BD59-A6C34878D82A}">
+                    <a16:rowId xmlns:a16="http://schemas.microsoft.com/office/drawing/2014/main" val="3287750248"/>
+                  </a:ext>
+                </a:extLst>
+              </a:tr>
+              <a:tr h="428625">
+                <a:tc>
+                  <a:txBody>
+                    <a:bodyPr/>
+                    <a:lstStyle/>
+                    <a:p>
+                      <a:pPr marL="90170" marR="0" algn="ctr">
+                        <a:spcBef>
+                          <a:spcPts val="0"/>
+                        </a:spcBef>
+                        <a:spcAft>
+                          <a:spcPts val="0"/>
+                        </a:spcAft>
+                      </a:pPr>
+                      <a:r>
+                        <a:rPr lang="en-US" sz="1400" b="1" dirty="0">
+                          <a:effectLst/>
+                          <a:latin typeface="Times New Roman" panose="02020603050405020304" pitchFamily="18" charset="0"/>
+                          <a:cs typeface="Times New Roman" panose="02020603050405020304" pitchFamily="18" charset="0"/>
+                        </a:rPr>
+                        <a:t>Week 4:</a:t>
+                      </a:r>
+                    </a:p>
+                    <a:p>
+                      <a:pPr marL="90170" marR="0" algn="ctr">
+                        <a:spcBef>
+                          <a:spcPts val="0"/>
+                        </a:spcBef>
+                        <a:spcAft>
+                          <a:spcPts val="0"/>
+                        </a:spcAft>
+                      </a:pPr>
+                      <a:r>
+                        <a:rPr lang="en-US" sz="1400" b="1" dirty="0">
+                          <a:solidFill>
+                            <a:srgbClr val="000000"/>
+                          </a:solidFill>
+                          <a:effectLst/>
+                          <a:latin typeface="Times New Roman" panose="02020603050405020304" pitchFamily="18" charset="0"/>
+                          <a:ea typeface="Calibri" panose="020F0502020204030204" pitchFamily="34" charset="0"/>
+                          <a:cs typeface="Times New Roman" panose="02020603050405020304" pitchFamily="18" charset="0"/>
+                        </a:rPr>
+                        <a:t>Feb 14</a:t>
+                      </a:r>
+                      <a:r>
+                        <a:rPr lang="en-US" sz="1400" b="1" baseline="30000" dirty="0">
+                          <a:solidFill>
+                            <a:srgbClr val="000000"/>
+                          </a:solidFill>
+                          <a:effectLst/>
+                          <a:latin typeface="Times New Roman" panose="02020603050405020304" pitchFamily="18" charset="0"/>
+                          <a:ea typeface="Calibri" panose="020F0502020204030204" pitchFamily="34" charset="0"/>
+                          <a:cs typeface="Times New Roman" panose="02020603050405020304" pitchFamily="18" charset="0"/>
+                        </a:rPr>
+                        <a:t>th</a:t>
+                      </a:r>
+                      <a:r>
+                        <a:rPr lang="en-US" sz="1400" b="1" dirty="0">
+                          <a:solidFill>
+                            <a:srgbClr val="000000"/>
+                          </a:solidFill>
+                          <a:effectLst/>
+                          <a:latin typeface="Times New Roman" panose="02020603050405020304" pitchFamily="18" charset="0"/>
+                          <a:ea typeface="Calibri" panose="020F0502020204030204" pitchFamily="34" charset="0"/>
+                          <a:cs typeface="Times New Roman" panose="02020603050405020304" pitchFamily="18" charset="0"/>
+                        </a:rPr>
+                        <a:t> </a:t>
+                      </a:r>
+                    </a:p>
+                  </a:txBody>
+                  <a:tcPr marL="53270" marR="53270" marT="0" marB="0"/>
+                </a:tc>
+                <a:tc>
+                  <a:txBody>
+                    <a:bodyPr/>
+                    <a:lstStyle/>
+                    <a:p>
+                      <a:pPr marL="90170" marR="0">
+                        <a:spcBef>
+                          <a:spcPts val="0"/>
+                        </a:spcBef>
+                        <a:spcAft>
+                          <a:spcPts val="0"/>
+                        </a:spcAft>
+                      </a:pPr>
+                      <a:r>
+                        <a:rPr lang="en-US" sz="1400" dirty="0">
+                          <a:solidFill>
+                            <a:srgbClr val="000000"/>
+                          </a:solidFill>
+                          <a:effectLst/>
+                          <a:latin typeface="Times New Roman" panose="02020603050405020304" pitchFamily="18" charset="0"/>
+                          <a:ea typeface="Calibri" panose="020F0502020204030204" pitchFamily="34" charset="0"/>
+                          <a:cs typeface="Times New Roman" panose="02020603050405020304" pitchFamily="18" charset="0"/>
+                        </a:rPr>
+                        <a:t>Introduction to reading and writing multiband images. Image metadata. Compression. </a:t>
+                      </a:r>
+                    </a:p>
+                    <a:p>
+                      <a:pPr marL="90170" marR="0">
+                        <a:spcBef>
+                          <a:spcPts val="0"/>
+                        </a:spcBef>
+                        <a:spcAft>
+                          <a:spcPts val="0"/>
+                        </a:spcAft>
+                      </a:pPr>
+                      <a:r>
+                        <a:rPr lang="en-US" sz="1400" dirty="0">
+                          <a:solidFill>
+                            <a:srgbClr val="000000"/>
+                          </a:solidFill>
+                          <a:effectLst/>
+                          <a:latin typeface="Times New Roman" panose="02020603050405020304" pitchFamily="18" charset="0"/>
+                          <a:ea typeface="Calibri" panose="020F0502020204030204" pitchFamily="34" charset="0"/>
+                          <a:cs typeface="Times New Roman" panose="02020603050405020304" pitchFamily="18" charset="0"/>
+                        </a:rPr>
+                        <a:t>(via </a:t>
+                      </a:r>
+                      <a:r>
+                        <a:rPr lang="en-US" sz="1400" dirty="0" err="1">
+                          <a:solidFill>
+                            <a:srgbClr val="000000"/>
+                          </a:solidFill>
+                          <a:effectLst/>
+                          <a:latin typeface="Times New Roman" panose="02020603050405020304" pitchFamily="18" charset="0"/>
+                          <a:ea typeface="Calibri" panose="020F0502020204030204" pitchFamily="34" charset="0"/>
+                          <a:cs typeface="Times New Roman" panose="02020603050405020304" pitchFamily="18" charset="0"/>
+                        </a:rPr>
+                        <a:t>numpy</a:t>
+                      </a:r>
+                      <a:r>
+                        <a:rPr lang="en-US" sz="1400" dirty="0">
+                          <a:solidFill>
+                            <a:srgbClr val="000000"/>
+                          </a:solidFill>
+                          <a:effectLst/>
+                          <a:latin typeface="Times New Roman" panose="02020603050405020304" pitchFamily="18" charset="0"/>
+                          <a:ea typeface="Calibri" panose="020F0502020204030204" pitchFamily="34" charset="0"/>
+                          <a:cs typeface="Times New Roman" panose="02020603050405020304" pitchFamily="18" charset="0"/>
+                        </a:rPr>
+                        <a:t>, </a:t>
+                      </a:r>
+                      <a:r>
+                        <a:rPr lang="en-US" sz="1400" dirty="0" err="1">
+                          <a:solidFill>
+                            <a:srgbClr val="000000"/>
+                          </a:solidFill>
+                          <a:effectLst/>
+                          <a:latin typeface="Times New Roman" panose="02020603050405020304" pitchFamily="18" charset="0"/>
+                          <a:ea typeface="Calibri" panose="020F0502020204030204" pitchFamily="34" charset="0"/>
+                          <a:cs typeface="Times New Roman" panose="02020603050405020304" pitchFamily="18" charset="0"/>
+                        </a:rPr>
+                        <a:t>rasterio</a:t>
+                      </a:r>
+                      <a:r>
+                        <a:rPr lang="en-US" sz="1400" dirty="0">
+                          <a:solidFill>
+                            <a:srgbClr val="000000"/>
+                          </a:solidFill>
+                          <a:effectLst/>
+                          <a:latin typeface="Times New Roman" panose="02020603050405020304" pitchFamily="18" charset="0"/>
+                          <a:ea typeface="Calibri" panose="020F0502020204030204" pitchFamily="34" charset="0"/>
+                          <a:cs typeface="Times New Roman" panose="02020603050405020304" pitchFamily="18" charset="0"/>
+                        </a:rPr>
+                        <a:t> and </a:t>
+                      </a:r>
+                      <a:r>
+                        <a:rPr lang="en-US" sz="1400" dirty="0" err="1">
+                          <a:solidFill>
+                            <a:srgbClr val="000000"/>
+                          </a:solidFill>
+                          <a:effectLst/>
+                          <a:latin typeface="Times New Roman" panose="02020603050405020304" pitchFamily="18" charset="0"/>
+                          <a:ea typeface="Calibri" panose="020F0502020204030204" pitchFamily="34" charset="0"/>
+                          <a:cs typeface="Times New Roman" panose="02020603050405020304" pitchFamily="18" charset="0"/>
+                        </a:rPr>
+                        <a:t>geopandas</a:t>
+                      </a:r>
+                      <a:r>
+                        <a:rPr lang="en-US" sz="1400" dirty="0">
+                          <a:solidFill>
+                            <a:srgbClr val="000000"/>
+                          </a:solidFill>
+                          <a:effectLst/>
+                          <a:latin typeface="Times New Roman" panose="02020603050405020304" pitchFamily="18" charset="0"/>
+                          <a:ea typeface="Calibri" panose="020F0502020204030204" pitchFamily="34" charset="0"/>
+                          <a:cs typeface="Times New Roman" panose="02020603050405020304" pitchFamily="18" charset="0"/>
+                        </a:rPr>
+                        <a:t>)</a:t>
+                      </a:r>
+                    </a:p>
+                  </a:txBody>
+                  <a:tcPr marL="53270" marR="53270" marT="0" marB="0" anchor="ctr"/>
+                </a:tc>
+                <a:tc>
+                  <a:txBody>
+                    <a:bodyPr/>
+                    <a:lstStyle/>
+                    <a:p>
+                      <a:pPr marL="90170" marR="0" algn="ctr">
+                        <a:spcBef>
+                          <a:spcPts val="0"/>
+                        </a:spcBef>
+                        <a:spcAft>
+                          <a:spcPts val="0"/>
+                        </a:spcAft>
+                      </a:pPr>
+                      <a:r>
+                        <a:rPr lang="en-US" sz="1400" dirty="0">
+                          <a:effectLst/>
+                          <a:latin typeface="Times New Roman" panose="02020603050405020304" pitchFamily="18" charset="0"/>
+                          <a:cs typeface="Times New Roman" panose="02020603050405020304" pitchFamily="18" charset="0"/>
+                        </a:rPr>
+                        <a:t>Assignment 3</a:t>
+                      </a:r>
+                      <a:endParaRPr lang="en-US" sz="1400" dirty="0">
+                        <a:solidFill>
+                          <a:srgbClr val="000000"/>
+                        </a:solidFill>
+                        <a:effectLst/>
+                        <a:latin typeface="Times New Roman" panose="02020603050405020304" pitchFamily="18" charset="0"/>
+                        <a:ea typeface="Calibri" panose="020F0502020204030204" pitchFamily="34" charset="0"/>
+                        <a:cs typeface="Times New Roman" panose="02020603050405020304" pitchFamily="18" charset="0"/>
+                      </a:endParaRPr>
+                    </a:p>
+                  </a:txBody>
+                  <a:tcPr marL="53270" marR="53270" marT="0" marB="0" anchor="ctr"/>
+                </a:tc>
+                <a:extLst>
+                  <a:ext uri="{0D108BD9-81ED-4DB2-BD59-A6C34878D82A}">
+                    <a16:rowId xmlns:a16="http://schemas.microsoft.com/office/drawing/2014/main" val="2824917692"/>
+                  </a:ext>
+                </a:extLst>
+              </a:tr>
+              <a:tr h="428625">
+                <a:tc>
+                  <a:txBody>
+                    <a:bodyPr/>
+                    <a:lstStyle/>
+                    <a:p>
+                      <a:pPr marL="90170" marR="0" algn="ctr">
+                        <a:spcBef>
+                          <a:spcPts val="0"/>
+                        </a:spcBef>
+                        <a:spcAft>
+                          <a:spcPts val="0"/>
+                        </a:spcAft>
+                      </a:pPr>
+                      <a:r>
+                        <a:rPr lang="en-US" sz="1400" b="1" dirty="0">
+                          <a:effectLst/>
+                          <a:latin typeface="Times New Roman" panose="02020603050405020304" pitchFamily="18" charset="0"/>
+                          <a:cs typeface="Times New Roman" panose="02020603050405020304" pitchFamily="18" charset="0"/>
+                        </a:rPr>
+                        <a:t>Week 5: </a:t>
+                      </a:r>
+                    </a:p>
+                    <a:p>
+                      <a:pPr marL="90170" marR="0" algn="ctr">
+                        <a:spcBef>
+                          <a:spcPts val="0"/>
+                        </a:spcBef>
+                        <a:spcAft>
+                          <a:spcPts val="0"/>
+                        </a:spcAft>
+                      </a:pPr>
+                      <a:r>
+                        <a:rPr lang="en-US" sz="1400" b="1" dirty="0">
+                          <a:effectLst/>
+                          <a:latin typeface="Times New Roman" panose="02020603050405020304" pitchFamily="18" charset="0"/>
+                          <a:cs typeface="Times New Roman" panose="02020603050405020304" pitchFamily="18" charset="0"/>
+                        </a:rPr>
+                        <a:t>Feb 21</a:t>
+                      </a:r>
+                      <a:r>
+                        <a:rPr lang="en-US" sz="1400" b="1" baseline="30000" dirty="0">
+                          <a:effectLst/>
+                          <a:latin typeface="Times New Roman" panose="02020603050405020304" pitchFamily="18" charset="0"/>
+                          <a:cs typeface="Times New Roman" panose="02020603050405020304" pitchFamily="18" charset="0"/>
+                        </a:rPr>
+                        <a:t>st</a:t>
+                      </a:r>
+                      <a:r>
+                        <a:rPr lang="en-US" sz="1400" b="1" dirty="0">
+                          <a:effectLst/>
+                          <a:latin typeface="Times New Roman" panose="02020603050405020304" pitchFamily="18" charset="0"/>
+                          <a:cs typeface="Times New Roman" panose="02020603050405020304" pitchFamily="18" charset="0"/>
+                        </a:rPr>
+                        <a:t>   </a:t>
+                      </a:r>
+                      <a:endParaRPr lang="en-US" sz="1400" b="1" dirty="0">
+                        <a:solidFill>
+                          <a:srgbClr val="000000"/>
+                        </a:solidFill>
+                        <a:effectLst/>
+                        <a:latin typeface="Times New Roman" panose="02020603050405020304" pitchFamily="18" charset="0"/>
+                        <a:ea typeface="Calibri" panose="020F0502020204030204" pitchFamily="34" charset="0"/>
+                        <a:cs typeface="Times New Roman" panose="02020603050405020304" pitchFamily="18" charset="0"/>
+                      </a:endParaRPr>
+                    </a:p>
+                  </a:txBody>
+                  <a:tcPr marL="53270" marR="53270" marT="0" marB="0"/>
+                </a:tc>
+                <a:tc>
+                  <a:txBody>
+                    <a:bodyPr/>
+                    <a:lstStyle/>
+                    <a:p>
+                      <a:pPr marL="90170" marR="0">
+                        <a:spcBef>
+                          <a:spcPts val="0"/>
+                        </a:spcBef>
+                        <a:spcAft>
+                          <a:spcPts val="0"/>
+                        </a:spcAft>
+                      </a:pPr>
+                      <a:r>
+                        <a:rPr lang="en-US" sz="1400" dirty="0">
+                          <a:effectLst/>
+                          <a:latin typeface="Times New Roman" panose="02020603050405020304" pitchFamily="18" charset="0"/>
+                          <a:cs typeface="Times New Roman" panose="02020603050405020304" pitchFamily="18" charset="0"/>
+                        </a:rPr>
+                        <a:t>Introduction to the OpenCV  </a:t>
+                      </a:r>
+                    </a:p>
+                    <a:p>
+                      <a:pPr marL="90170" marR="0">
+                        <a:spcBef>
+                          <a:spcPts val="0"/>
+                        </a:spcBef>
+                        <a:spcAft>
+                          <a:spcPts val="0"/>
+                        </a:spcAft>
+                      </a:pPr>
+                      <a:r>
+                        <a:rPr lang="en-US" sz="1400" dirty="0">
+                          <a:effectLst/>
+                          <a:latin typeface="Times New Roman" panose="02020603050405020304" pitchFamily="18" charset="0"/>
+                          <a:cs typeface="Times New Roman" panose="02020603050405020304" pitchFamily="18" charset="0"/>
+                        </a:rPr>
+                        <a:t>(Reading, writing, basic core operations etc.)</a:t>
+                      </a:r>
+                      <a:endParaRPr lang="en-US" sz="1400" dirty="0">
+                        <a:solidFill>
+                          <a:srgbClr val="000000"/>
+                        </a:solidFill>
+                        <a:effectLst/>
+                        <a:latin typeface="Times New Roman" panose="02020603050405020304" pitchFamily="18" charset="0"/>
+                        <a:ea typeface="Calibri" panose="020F0502020204030204" pitchFamily="34" charset="0"/>
+                        <a:cs typeface="Times New Roman" panose="02020603050405020304" pitchFamily="18" charset="0"/>
+                      </a:endParaRPr>
+                    </a:p>
+                  </a:txBody>
+                  <a:tcPr marL="53270" marR="53270" marT="0" marB="0" anchor="ctr"/>
+                </a:tc>
+                <a:tc>
+                  <a:txBody>
+                    <a:bodyPr/>
+                    <a:lstStyle/>
+                    <a:p>
+                      <a:pPr marL="90170" marR="0" algn="ctr">
+                        <a:spcBef>
+                          <a:spcPts val="0"/>
+                        </a:spcBef>
+                        <a:spcAft>
+                          <a:spcPts val="0"/>
+                        </a:spcAft>
+                      </a:pPr>
+                      <a:r>
+                        <a:rPr lang="en-US" sz="1400" dirty="0">
+                          <a:effectLst/>
+                          <a:latin typeface="Times New Roman" panose="02020603050405020304" pitchFamily="18" charset="0"/>
+                          <a:cs typeface="Times New Roman" panose="02020603050405020304" pitchFamily="18" charset="0"/>
+                        </a:rPr>
+                        <a:t>Assignment 4</a:t>
+                      </a:r>
+                      <a:endParaRPr lang="en-US" sz="1400" dirty="0">
+                        <a:solidFill>
+                          <a:srgbClr val="000000"/>
+                        </a:solidFill>
+                        <a:effectLst/>
+                        <a:latin typeface="Times New Roman" panose="02020603050405020304" pitchFamily="18" charset="0"/>
+                        <a:ea typeface="Calibri" panose="020F0502020204030204" pitchFamily="34" charset="0"/>
+                        <a:cs typeface="Times New Roman" panose="02020603050405020304" pitchFamily="18" charset="0"/>
+                      </a:endParaRPr>
+                    </a:p>
+                  </a:txBody>
+                  <a:tcPr marL="53270" marR="53270" marT="0" marB="0" anchor="ctr"/>
+                </a:tc>
+                <a:extLst>
+                  <a:ext uri="{0D108BD9-81ED-4DB2-BD59-A6C34878D82A}">
+                    <a16:rowId xmlns:a16="http://schemas.microsoft.com/office/drawing/2014/main" val="2485139219"/>
+                  </a:ext>
+                </a:extLst>
+              </a:tr>
+              <a:tr h="428625">
+                <a:tc>
+                  <a:txBody>
+                    <a:bodyPr/>
+                    <a:lstStyle/>
+                    <a:p>
+                      <a:pPr marL="90170" marR="0" algn="ctr">
+                        <a:spcBef>
+                          <a:spcPts val="0"/>
+                        </a:spcBef>
+                        <a:spcAft>
+                          <a:spcPts val="0"/>
+                        </a:spcAft>
+                      </a:pPr>
+                      <a:r>
+                        <a:rPr lang="en-US" sz="1400" b="1" dirty="0">
+                          <a:effectLst/>
+                          <a:latin typeface="Times New Roman" panose="02020603050405020304" pitchFamily="18" charset="0"/>
+                          <a:cs typeface="Times New Roman" panose="02020603050405020304" pitchFamily="18" charset="0"/>
+                        </a:rPr>
+                        <a:t>Week 6:</a:t>
+                      </a:r>
+                    </a:p>
+                    <a:p>
+                      <a:pPr marL="90170" marR="0" algn="ctr">
+                        <a:spcBef>
+                          <a:spcPts val="0"/>
+                        </a:spcBef>
+                        <a:spcAft>
+                          <a:spcPts val="0"/>
+                        </a:spcAft>
+                      </a:pPr>
+                      <a:r>
+                        <a:rPr lang="en-US" sz="1400" b="1" dirty="0">
+                          <a:effectLst/>
+                          <a:latin typeface="Times New Roman" panose="02020603050405020304" pitchFamily="18" charset="0"/>
+                          <a:cs typeface="Times New Roman" panose="02020603050405020304" pitchFamily="18" charset="0"/>
+                        </a:rPr>
+                        <a:t>Feb 28</a:t>
+                      </a:r>
+                      <a:r>
+                        <a:rPr lang="en-US" sz="1400" b="1" baseline="30000" dirty="0">
+                          <a:effectLst/>
+                          <a:latin typeface="Times New Roman" panose="02020603050405020304" pitchFamily="18" charset="0"/>
+                          <a:cs typeface="Times New Roman" panose="02020603050405020304" pitchFamily="18" charset="0"/>
+                        </a:rPr>
+                        <a:t>th</a:t>
+                      </a:r>
+                      <a:r>
+                        <a:rPr lang="en-US" sz="1400" b="1" dirty="0">
+                          <a:effectLst/>
+                          <a:latin typeface="Times New Roman" panose="02020603050405020304" pitchFamily="18" charset="0"/>
+                          <a:cs typeface="Times New Roman" panose="02020603050405020304" pitchFamily="18" charset="0"/>
+                        </a:rPr>
+                        <a:t> </a:t>
+                      </a:r>
+                      <a:endParaRPr lang="en-US" sz="1400" b="1" dirty="0">
+                        <a:solidFill>
+                          <a:srgbClr val="000000"/>
+                        </a:solidFill>
+                        <a:effectLst/>
+                        <a:latin typeface="Times New Roman" panose="02020603050405020304" pitchFamily="18" charset="0"/>
+                        <a:ea typeface="Calibri" panose="020F0502020204030204" pitchFamily="34" charset="0"/>
+                        <a:cs typeface="Times New Roman" panose="02020603050405020304" pitchFamily="18" charset="0"/>
+                      </a:endParaRPr>
+                    </a:p>
+                  </a:txBody>
+                  <a:tcPr marL="53270" marR="53270" marT="0" marB="0"/>
+                </a:tc>
+                <a:tc>
+                  <a:txBody>
+                    <a:bodyPr/>
+                    <a:lstStyle/>
+                    <a:p>
+                      <a:pPr marL="90170" marR="0">
+                        <a:spcBef>
+                          <a:spcPts val="0"/>
+                        </a:spcBef>
+                        <a:spcAft>
+                          <a:spcPts val="0"/>
+                        </a:spcAft>
+                      </a:pPr>
+                      <a:r>
+                        <a:rPr lang="en-US" sz="1400" dirty="0">
+                          <a:effectLst/>
+                          <a:latin typeface="Times New Roman" panose="02020603050405020304" pitchFamily="18" charset="0"/>
+                          <a:cs typeface="Times New Roman" panose="02020603050405020304" pitchFamily="18" charset="0"/>
+                        </a:rPr>
+                        <a:t>Image processing in OpenCV</a:t>
+                      </a:r>
+                    </a:p>
+                    <a:p>
+                      <a:pPr marL="90170" marR="0">
+                        <a:spcBef>
+                          <a:spcPts val="0"/>
+                        </a:spcBef>
+                        <a:spcAft>
+                          <a:spcPts val="0"/>
+                        </a:spcAft>
+                      </a:pPr>
+                      <a:r>
+                        <a:rPr lang="en-US" sz="1400" dirty="0">
+                          <a:effectLst/>
+                          <a:latin typeface="Times New Roman" panose="02020603050405020304" pitchFamily="18" charset="0"/>
+                          <a:cs typeface="Times New Roman" panose="02020603050405020304" pitchFamily="18" charset="0"/>
+                        </a:rPr>
+                        <a:t>(</a:t>
+                      </a:r>
+                      <a:r>
+                        <a:rPr lang="en-US" sz="1400" dirty="0" err="1">
+                          <a:effectLst/>
+                          <a:latin typeface="Times New Roman" panose="02020603050405020304" pitchFamily="18" charset="0"/>
+                          <a:cs typeface="Times New Roman" panose="02020603050405020304" pitchFamily="18" charset="0"/>
+                        </a:rPr>
+                        <a:t>Colorspaces</a:t>
+                      </a:r>
+                      <a:r>
+                        <a:rPr lang="en-US" sz="1400" dirty="0">
+                          <a:effectLst/>
+                          <a:latin typeface="Times New Roman" panose="02020603050405020304" pitchFamily="18" charset="0"/>
+                          <a:cs typeface="Times New Roman" panose="02020603050405020304" pitchFamily="18" charset="0"/>
+                        </a:rPr>
+                        <a:t>, transformations, histograms etc.)</a:t>
+                      </a:r>
+                      <a:endParaRPr lang="en-US" sz="1400" dirty="0">
+                        <a:solidFill>
+                          <a:srgbClr val="000000"/>
+                        </a:solidFill>
+                        <a:effectLst/>
+                        <a:latin typeface="Times New Roman" panose="02020603050405020304" pitchFamily="18" charset="0"/>
+                        <a:ea typeface="Calibri" panose="020F0502020204030204" pitchFamily="34" charset="0"/>
+                        <a:cs typeface="Times New Roman" panose="02020603050405020304" pitchFamily="18" charset="0"/>
+                      </a:endParaRPr>
+                    </a:p>
+                  </a:txBody>
+                  <a:tcPr marL="53270" marR="53270" marT="0" marB="0" anchor="ctr"/>
+                </a:tc>
+                <a:tc>
+                  <a:txBody>
+                    <a:bodyPr/>
+                    <a:lstStyle/>
+                    <a:p>
+                      <a:pPr marL="90170" marR="0" lvl="0" indent="0" algn="ctr" defTabSz="914400" rtl="0" eaLnBrk="1" fontAlgn="auto" latinLnBrk="0" hangingPunct="1">
+                        <a:lnSpc>
+                          <a:spcPct val="100000"/>
+                        </a:lnSpc>
+                        <a:spcBef>
+                          <a:spcPts val="0"/>
+                        </a:spcBef>
+                        <a:spcAft>
+                          <a:spcPts val="0"/>
+                        </a:spcAft>
+                        <a:buClrTx/>
+                        <a:buSzTx/>
+                        <a:buFontTx/>
+                        <a:buNone/>
+                        <a:tabLst/>
+                        <a:defRPr/>
+                      </a:pPr>
+                      <a:r>
+                        <a:rPr lang="en-US" sz="1400" dirty="0">
+                          <a:effectLst/>
+                          <a:latin typeface="Times New Roman" panose="02020603050405020304" pitchFamily="18" charset="0"/>
+                          <a:cs typeface="Times New Roman" panose="02020603050405020304" pitchFamily="18" charset="0"/>
+                        </a:rPr>
+                        <a:t>Assignment 5</a:t>
+                      </a:r>
+                      <a:endParaRPr lang="en-US" sz="1400" dirty="0">
+                        <a:solidFill>
+                          <a:srgbClr val="000000"/>
+                        </a:solidFill>
+                        <a:effectLst/>
+                        <a:latin typeface="Times New Roman" panose="02020603050405020304" pitchFamily="18" charset="0"/>
+                        <a:ea typeface="Calibri" panose="020F0502020204030204" pitchFamily="34" charset="0"/>
+                        <a:cs typeface="Times New Roman" panose="02020603050405020304" pitchFamily="18" charset="0"/>
+                      </a:endParaRPr>
+                    </a:p>
+                  </a:txBody>
+                  <a:tcPr marL="53270" marR="53270" marT="0" marB="0" anchor="ctr"/>
+                </a:tc>
+                <a:extLst>
+                  <a:ext uri="{0D108BD9-81ED-4DB2-BD59-A6C34878D82A}">
+                    <a16:rowId xmlns:a16="http://schemas.microsoft.com/office/drawing/2014/main" val="3885921381"/>
+                  </a:ext>
+                </a:extLst>
+              </a:tr>
+              <a:tr h="428625">
+                <a:tc>
+                  <a:txBody>
+                    <a:bodyPr/>
+                    <a:lstStyle/>
+                    <a:p>
+                      <a:pPr marL="90170" marR="0" algn="ctr">
+                        <a:spcBef>
+                          <a:spcPts val="0"/>
+                        </a:spcBef>
+                        <a:spcAft>
+                          <a:spcPts val="0"/>
+                        </a:spcAft>
+                      </a:pPr>
+                      <a:r>
+                        <a:rPr lang="en-US" sz="1400" b="1" dirty="0">
+                          <a:effectLst/>
+                          <a:latin typeface="Times New Roman" panose="02020603050405020304" pitchFamily="18" charset="0"/>
+                          <a:cs typeface="Times New Roman" panose="02020603050405020304" pitchFamily="18" charset="0"/>
+                        </a:rPr>
+                        <a:t>Week 7:</a:t>
+                      </a:r>
+                    </a:p>
+                    <a:p>
+                      <a:pPr marL="90170" marR="0" algn="ctr">
+                        <a:spcBef>
+                          <a:spcPts val="0"/>
+                        </a:spcBef>
+                        <a:spcAft>
+                          <a:spcPts val="0"/>
+                        </a:spcAft>
+                      </a:pPr>
+                      <a:r>
+                        <a:rPr lang="en-US" sz="1400" b="1" dirty="0">
+                          <a:effectLst/>
+                          <a:latin typeface="Times New Roman" panose="02020603050405020304" pitchFamily="18" charset="0"/>
+                          <a:cs typeface="Times New Roman" panose="02020603050405020304" pitchFamily="18" charset="0"/>
+                        </a:rPr>
+                        <a:t>Mar 7</a:t>
+                      </a:r>
+                      <a:r>
+                        <a:rPr lang="en-US" sz="1400" b="1" baseline="30000" dirty="0">
+                          <a:effectLst/>
+                          <a:latin typeface="Times New Roman" panose="02020603050405020304" pitchFamily="18" charset="0"/>
+                          <a:cs typeface="Times New Roman" panose="02020603050405020304" pitchFamily="18" charset="0"/>
+                        </a:rPr>
+                        <a:t>th</a:t>
+                      </a:r>
+                      <a:endParaRPr lang="en-US" sz="1400" b="1" dirty="0">
+                        <a:solidFill>
+                          <a:srgbClr val="000000"/>
+                        </a:solidFill>
+                        <a:effectLst/>
+                        <a:latin typeface="Times New Roman" panose="02020603050405020304" pitchFamily="18" charset="0"/>
+                        <a:ea typeface="Calibri" panose="020F0502020204030204" pitchFamily="34" charset="0"/>
+                        <a:cs typeface="Times New Roman" panose="02020603050405020304" pitchFamily="18" charset="0"/>
+                      </a:endParaRPr>
+                    </a:p>
+                  </a:txBody>
+                  <a:tcPr marL="53270" marR="53270" marT="0" marB="0"/>
+                </a:tc>
+                <a:tc>
+                  <a:txBody>
+                    <a:bodyPr/>
+                    <a:lstStyle/>
+                    <a:p>
+                      <a:pPr marL="90170" marR="0">
+                        <a:spcBef>
+                          <a:spcPts val="0"/>
+                        </a:spcBef>
+                        <a:spcAft>
+                          <a:spcPts val="0"/>
+                        </a:spcAft>
+                      </a:pPr>
+                      <a:r>
+                        <a:rPr lang="en-US" sz="1400" dirty="0">
+                          <a:effectLst/>
+                          <a:latin typeface="Times New Roman" panose="02020603050405020304" pitchFamily="18" charset="0"/>
+                          <a:cs typeface="Times New Roman" panose="02020603050405020304" pitchFamily="18" charset="0"/>
+                        </a:rPr>
+                        <a:t>Feature/object detection in OpenCV</a:t>
+                      </a:r>
+                    </a:p>
+                    <a:p>
+                      <a:pPr marL="90170" marR="0">
+                        <a:spcBef>
+                          <a:spcPts val="0"/>
+                        </a:spcBef>
+                        <a:spcAft>
+                          <a:spcPts val="0"/>
+                        </a:spcAft>
+                      </a:pPr>
+                      <a:r>
+                        <a:rPr lang="en-US" sz="1400" dirty="0">
+                          <a:effectLst/>
+                          <a:latin typeface="Times New Roman" panose="02020603050405020304" pitchFamily="18" charset="0"/>
+                          <a:cs typeface="Times New Roman" panose="02020603050405020304" pitchFamily="18" charset="0"/>
+                        </a:rPr>
+                        <a:t>(Basic feature detection examples and extraction)</a:t>
+                      </a:r>
+                      <a:endParaRPr lang="en-US" sz="1400" dirty="0">
+                        <a:solidFill>
+                          <a:srgbClr val="000000"/>
+                        </a:solidFill>
+                        <a:effectLst/>
+                        <a:latin typeface="Times New Roman" panose="02020603050405020304" pitchFamily="18" charset="0"/>
+                        <a:ea typeface="Calibri" panose="020F0502020204030204" pitchFamily="34" charset="0"/>
+                        <a:cs typeface="Times New Roman" panose="02020603050405020304" pitchFamily="18" charset="0"/>
+                      </a:endParaRPr>
+                    </a:p>
+                  </a:txBody>
+                  <a:tcPr marL="53270" marR="53270" marT="0" marB="0" anchor="ctr"/>
+                </a:tc>
+                <a:tc>
+                  <a:txBody>
+                    <a:bodyPr/>
+                    <a:lstStyle/>
+                    <a:p>
+                      <a:pPr marL="90170" marR="0" lvl="0" indent="0" algn="ctr" defTabSz="914400" rtl="0" eaLnBrk="1" fontAlgn="auto" latinLnBrk="0" hangingPunct="1">
+                        <a:lnSpc>
+                          <a:spcPct val="100000"/>
+                        </a:lnSpc>
+                        <a:spcBef>
+                          <a:spcPts val="0"/>
+                        </a:spcBef>
+                        <a:spcAft>
+                          <a:spcPts val="0"/>
+                        </a:spcAft>
+                        <a:buClrTx/>
+                        <a:buSzTx/>
+                        <a:buFontTx/>
+                        <a:buNone/>
+                        <a:tabLst/>
+                        <a:defRPr/>
+                      </a:pPr>
+                      <a:r>
+                        <a:rPr lang="en-US" sz="1400" dirty="0">
+                          <a:effectLst/>
+                          <a:latin typeface="Times New Roman" panose="02020603050405020304" pitchFamily="18" charset="0"/>
+                          <a:cs typeface="Times New Roman" panose="02020603050405020304" pitchFamily="18" charset="0"/>
+                        </a:rPr>
+                        <a:t>Assignment 6</a:t>
+                      </a:r>
+                      <a:endParaRPr lang="en-US" sz="1400" dirty="0">
+                        <a:solidFill>
+                          <a:srgbClr val="000000"/>
+                        </a:solidFill>
+                        <a:effectLst/>
+                        <a:latin typeface="Times New Roman" panose="02020603050405020304" pitchFamily="18" charset="0"/>
+                        <a:ea typeface="Calibri" panose="020F0502020204030204" pitchFamily="34" charset="0"/>
+                        <a:cs typeface="Times New Roman" panose="02020603050405020304" pitchFamily="18" charset="0"/>
+                      </a:endParaRPr>
+                    </a:p>
+                  </a:txBody>
+                  <a:tcPr marL="53270" marR="53270" marT="0" marB="0" anchor="ctr"/>
+                </a:tc>
+                <a:extLst>
+                  <a:ext uri="{0D108BD9-81ED-4DB2-BD59-A6C34878D82A}">
+                    <a16:rowId xmlns:a16="http://schemas.microsoft.com/office/drawing/2014/main" val="1930035529"/>
+                  </a:ext>
+                </a:extLst>
+              </a:tr>
+              <a:tr h="214313">
+                <a:tc gridSpan="3">
+                  <a:txBody>
+                    <a:bodyPr/>
+                    <a:lstStyle/>
+                    <a:p>
+                      <a:pPr marL="90170" marR="0" algn="ctr">
+                        <a:spcBef>
+                          <a:spcPts val="0"/>
+                        </a:spcBef>
+                        <a:spcAft>
+                          <a:spcPts val="0"/>
+                        </a:spcAft>
+                      </a:pPr>
+                      <a:r>
+                        <a:rPr lang="en-US" sz="1400" b="1" dirty="0">
+                          <a:effectLst/>
+                          <a:latin typeface="Times New Roman" panose="02020603050405020304" pitchFamily="18" charset="0"/>
+                          <a:cs typeface="Times New Roman" panose="02020603050405020304" pitchFamily="18" charset="0"/>
+                        </a:rPr>
+                        <a:t>Spring Recess</a:t>
+                      </a:r>
+                      <a:endParaRPr lang="en-US" sz="1400" b="1" dirty="0">
+                        <a:solidFill>
+                          <a:srgbClr val="000000"/>
+                        </a:solidFill>
+                        <a:effectLst/>
+                        <a:latin typeface="Times New Roman" panose="02020603050405020304" pitchFamily="18" charset="0"/>
+                        <a:ea typeface="Calibri" panose="020F0502020204030204" pitchFamily="34" charset="0"/>
+                        <a:cs typeface="Times New Roman" panose="02020603050405020304" pitchFamily="18" charset="0"/>
+                      </a:endParaRPr>
+                    </a:p>
+                  </a:txBody>
+                  <a:tcPr marL="53270" marR="53270" marT="0" marB="0" anchor="ctr"/>
+                </a:tc>
+                <a:tc hMerge="1">
+                  <a:txBody>
+                    <a:bodyPr/>
+                    <a:lstStyle/>
+                    <a:p>
+                      <a:endParaRPr lang="en-US"/>
+                    </a:p>
+                  </a:txBody>
+                  <a:tcPr/>
+                </a:tc>
+                <a:tc hMerge="1">
+                  <a:txBody>
+                    <a:bodyPr/>
+                    <a:lstStyle/>
+                    <a:p>
+                      <a:pPr marL="90170" marR="0" algn="ctr">
+                        <a:spcBef>
+                          <a:spcPts val="0"/>
+                        </a:spcBef>
+                        <a:spcAft>
+                          <a:spcPts val="0"/>
+                        </a:spcAft>
+                      </a:pPr>
+                      <a:endParaRPr lang="en-US" sz="1400" b="1" dirty="0">
+                        <a:solidFill>
+                          <a:srgbClr val="000000"/>
+                        </a:solidFill>
+                        <a:effectLst/>
+                        <a:latin typeface="Times New Roman" panose="02020603050405020304" pitchFamily="18" charset="0"/>
+                        <a:ea typeface="Calibri" panose="020F0502020204030204" pitchFamily="34" charset="0"/>
+                        <a:cs typeface="Times New Roman" panose="02020603050405020304" pitchFamily="18" charset="0"/>
+                      </a:endParaRPr>
+                    </a:p>
+                  </a:txBody>
+                  <a:tcPr marL="53270" marR="53270" marT="0" marB="0" anchor="ctr"/>
+                </a:tc>
+                <a:extLst>
+                  <a:ext uri="{0D108BD9-81ED-4DB2-BD59-A6C34878D82A}">
+                    <a16:rowId xmlns:a16="http://schemas.microsoft.com/office/drawing/2014/main" val="3986344043"/>
+                  </a:ext>
+                </a:extLst>
+              </a:tr>
+              <a:tr h="428625">
+                <a:tc>
+                  <a:txBody>
+                    <a:bodyPr/>
+                    <a:lstStyle/>
+                    <a:p>
+                      <a:pPr marL="90170" marR="0" algn="ctr">
+                        <a:spcBef>
+                          <a:spcPts val="0"/>
+                        </a:spcBef>
+                        <a:spcAft>
+                          <a:spcPts val="0"/>
+                        </a:spcAft>
+                      </a:pPr>
+                      <a:r>
+                        <a:rPr lang="en-US" sz="1400" b="1" dirty="0">
+                          <a:effectLst/>
+                          <a:latin typeface="Times New Roman" panose="02020603050405020304" pitchFamily="18" charset="0"/>
+                          <a:cs typeface="Times New Roman" panose="02020603050405020304" pitchFamily="18" charset="0"/>
+                        </a:rPr>
+                        <a:t>Week 8: </a:t>
+                      </a:r>
+                    </a:p>
+                    <a:p>
+                      <a:pPr marL="90170" marR="0" algn="ctr">
+                        <a:spcBef>
+                          <a:spcPts val="0"/>
+                        </a:spcBef>
+                        <a:spcAft>
+                          <a:spcPts val="0"/>
+                        </a:spcAft>
+                      </a:pPr>
+                      <a:r>
+                        <a:rPr lang="en-US" sz="1400" b="1" dirty="0">
+                          <a:effectLst/>
+                          <a:latin typeface="Times New Roman" panose="02020603050405020304" pitchFamily="18" charset="0"/>
+                          <a:cs typeface="Times New Roman" panose="02020603050405020304" pitchFamily="18" charset="0"/>
+                        </a:rPr>
+                        <a:t>Mar 21</a:t>
+                      </a:r>
+                      <a:r>
+                        <a:rPr lang="en-US" sz="1400" b="1" baseline="30000" dirty="0">
+                          <a:effectLst/>
+                          <a:latin typeface="Times New Roman" panose="02020603050405020304" pitchFamily="18" charset="0"/>
+                          <a:cs typeface="Times New Roman" panose="02020603050405020304" pitchFamily="18" charset="0"/>
+                        </a:rPr>
+                        <a:t>st</a:t>
+                      </a:r>
+                      <a:r>
+                        <a:rPr lang="en-US" sz="1400" b="1" dirty="0">
+                          <a:effectLst/>
+                          <a:latin typeface="Times New Roman" panose="02020603050405020304" pitchFamily="18" charset="0"/>
+                          <a:cs typeface="Times New Roman" panose="02020603050405020304" pitchFamily="18" charset="0"/>
+                        </a:rPr>
+                        <a:t>    </a:t>
+                      </a:r>
+                      <a:endParaRPr lang="en-US" sz="1400" b="1" dirty="0">
+                        <a:solidFill>
+                          <a:srgbClr val="000000"/>
+                        </a:solidFill>
+                        <a:effectLst/>
+                        <a:latin typeface="Times New Roman" panose="02020603050405020304" pitchFamily="18" charset="0"/>
+                        <a:ea typeface="Calibri" panose="020F0502020204030204" pitchFamily="34" charset="0"/>
+                        <a:cs typeface="Times New Roman" panose="02020603050405020304" pitchFamily="18" charset="0"/>
+                      </a:endParaRPr>
+                    </a:p>
+                  </a:txBody>
+                  <a:tcPr marL="53270" marR="53270" marT="0" marB="0"/>
+                </a:tc>
+                <a:tc>
+                  <a:txBody>
+                    <a:bodyPr/>
+                    <a:lstStyle/>
+                    <a:p>
+                      <a:pPr marL="90170" marR="0">
+                        <a:spcBef>
+                          <a:spcPts val="0"/>
+                        </a:spcBef>
+                        <a:spcAft>
+                          <a:spcPts val="0"/>
+                        </a:spcAft>
+                      </a:pPr>
+                      <a:r>
+                        <a:rPr lang="en-US" sz="1400" dirty="0">
+                          <a:effectLst/>
+                          <a:latin typeface="Times New Roman" panose="02020603050405020304" pitchFamily="18" charset="0"/>
+                          <a:cs typeface="Times New Roman" panose="02020603050405020304" pitchFamily="18" charset="0"/>
+                        </a:rPr>
+                        <a:t>JavaScript for total beginners</a:t>
+                      </a:r>
+                      <a:endParaRPr lang="en-US" sz="1400" dirty="0">
+                        <a:solidFill>
+                          <a:srgbClr val="000000"/>
+                        </a:solidFill>
+                        <a:effectLst/>
+                        <a:latin typeface="Times New Roman" panose="02020603050405020304" pitchFamily="18" charset="0"/>
+                        <a:ea typeface="Calibri" panose="020F0502020204030204" pitchFamily="34" charset="0"/>
+                        <a:cs typeface="Times New Roman" panose="02020603050405020304" pitchFamily="18" charset="0"/>
+                      </a:endParaRPr>
+                    </a:p>
+                  </a:txBody>
+                  <a:tcPr marL="53270" marR="53270" marT="0" marB="0" anchor="ctr"/>
+                </a:tc>
+                <a:tc>
+                  <a:txBody>
+                    <a:bodyPr/>
+                    <a:lstStyle/>
+                    <a:p>
+                      <a:pPr marL="90170" marR="0" lvl="0" indent="0" algn="ctr" defTabSz="914400" rtl="0" eaLnBrk="1" fontAlgn="auto" latinLnBrk="0" hangingPunct="1">
+                        <a:lnSpc>
+                          <a:spcPct val="100000"/>
+                        </a:lnSpc>
+                        <a:spcBef>
+                          <a:spcPts val="0"/>
+                        </a:spcBef>
+                        <a:spcAft>
+                          <a:spcPts val="0"/>
+                        </a:spcAft>
+                        <a:buClrTx/>
+                        <a:buSzTx/>
+                        <a:buFontTx/>
+                        <a:buNone/>
+                        <a:tabLst/>
+                        <a:defRPr/>
+                      </a:pPr>
+                      <a:r>
+                        <a:rPr lang="en-US" sz="1400" dirty="0">
+                          <a:effectLst/>
+                          <a:latin typeface="Times New Roman" panose="02020603050405020304" pitchFamily="18" charset="0"/>
+                          <a:cs typeface="Times New Roman" panose="02020603050405020304" pitchFamily="18" charset="0"/>
+                        </a:rPr>
+                        <a:t>Assignment 7</a:t>
+                      </a:r>
+                      <a:endParaRPr lang="en-US" sz="1400" dirty="0">
+                        <a:solidFill>
+                          <a:srgbClr val="000000"/>
+                        </a:solidFill>
+                        <a:effectLst/>
+                        <a:latin typeface="Times New Roman" panose="02020603050405020304" pitchFamily="18" charset="0"/>
+                        <a:ea typeface="Calibri" panose="020F0502020204030204" pitchFamily="34" charset="0"/>
+                        <a:cs typeface="Times New Roman" panose="02020603050405020304" pitchFamily="18" charset="0"/>
+                      </a:endParaRPr>
+                    </a:p>
+                  </a:txBody>
+                  <a:tcPr marL="53270" marR="53270" marT="0" marB="0" anchor="ctr"/>
+                </a:tc>
+                <a:extLst>
+                  <a:ext uri="{0D108BD9-81ED-4DB2-BD59-A6C34878D82A}">
+                    <a16:rowId xmlns:a16="http://schemas.microsoft.com/office/drawing/2014/main" val="3862366649"/>
+                  </a:ext>
+                </a:extLst>
+              </a:tr>
+              <a:tr h="428625">
+                <a:tc>
+                  <a:txBody>
+                    <a:bodyPr/>
+                    <a:lstStyle/>
+                    <a:p>
+                      <a:pPr marL="90170" marR="0" algn="ctr">
+                        <a:spcBef>
+                          <a:spcPts val="0"/>
+                        </a:spcBef>
+                        <a:spcAft>
+                          <a:spcPts val="0"/>
+                        </a:spcAft>
+                      </a:pPr>
+                      <a:r>
+                        <a:rPr lang="en-US" sz="1400" b="1" dirty="0">
+                          <a:effectLst/>
+                          <a:latin typeface="Times New Roman" panose="02020603050405020304" pitchFamily="18" charset="0"/>
+                          <a:cs typeface="Times New Roman" panose="02020603050405020304" pitchFamily="18" charset="0"/>
+                        </a:rPr>
+                        <a:t>Week 9:</a:t>
+                      </a:r>
+                    </a:p>
+                    <a:p>
+                      <a:pPr marL="90170" marR="0" algn="ctr">
+                        <a:spcBef>
+                          <a:spcPts val="0"/>
+                        </a:spcBef>
+                        <a:spcAft>
+                          <a:spcPts val="0"/>
+                        </a:spcAft>
+                      </a:pPr>
+                      <a:r>
+                        <a:rPr lang="en-US" sz="1400" b="1" dirty="0">
+                          <a:effectLst/>
+                          <a:latin typeface="Times New Roman" panose="02020603050405020304" pitchFamily="18" charset="0"/>
+                          <a:cs typeface="Times New Roman" panose="02020603050405020304" pitchFamily="18" charset="0"/>
+                        </a:rPr>
+                        <a:t>Mar 28</a:t>
+                      </a:r>
+                      <a:r>
+                        <a:rPr lang="en-US" sz="1400" b="1" baseline="30000" dirty="0">
+                          <a:effectLst/>
+                          <a:latin typeface="Times New Roman" panose="02020603050405020304" pitchFamily="18" charset="0"/>
+                          <a:cs typeface="Times New Roman" panose="02020603050405020304" pitchFamily="18" charset="0"/>
+                        </a:rPr>
+                        <a:t>th</a:t>
+                      </a:r>
+                      <a:endParaRPr lang="en-US" sz="1400" b="1" dirty="0">
+                        <a:solidFill>
+                          <a:srgbClr val="000000"/>
+                        </a:solidFill>
+                        <a:effectLst/>
+                        <a:latin typeface="Times New Roman" panose="02020603050405020304" pitchFamily="18" charset="0"/>
+                        <a:ea typeface="Calibri" panose="020F0502020204030204" pitchFamily="34" charset="0"/>
+                        <a:cs typeface="Times New Roman" panose="02020603050405020304" pitchFamily="18" charset="0"/>
+                      </a:endParaRPr>
+                    </a:p>
+                  </a:txBody>
+                  <a:tcPr marL="53270" marR="53270" marT="0" marB="0"/>
+                </a:tc>
+                <a:tc>
+                  <a:txBody>
+                    <a:bodyPr/>
+                    <a:lstStyle/>
+                    <a:p>
+                      <a:pPr marL="90170" marR="0">
+                        <a:spcBef>
+                          <a:spcPts val="0"/>
+                        </a:spcBef>
+                        <a:spcAft>
+                          <a:spcPts val="0"/>
+                        </a:spcAft>
+                      </a:pPr>
+                      <a:r>
+                        <a:rPr lang="en-US" sz="1400" dirty="0">
+                          <a:effectLst/>
+                          <a:latin typeface="Times New Roman" panose="02020603050405020304" pitchFamily="18" charset="0"/>
+                          <a:cs typeface="Times New Roman" panose="02020603050405020304" pitchFamily="18" charset="0"/>
+                        </a:rPr>
+                        <a:t>Introduction to Google Earth Engine</a:t>
+                      </a:r>
+                    </a:p>
+                    <a:p>
+                      <a:pPr marL="90170" marR="0">
+                        <a:spcBef>
+                          <a:spcPts val="0"/>
+                        </a:spcBef>
+                        <a:spcAft>
+                          <a:spcPts val="0"/>
+                        </a:spcAft>
+                      </a:pPr>
+                      <a:r>
+                        <a:rPr lang="en-US" sz="1400" dirty="0">
+                          <a:effectLst/>
+                          <a:latin typeface="Times New Roman" panose="02020603050405020304" pitchFamily="18" charset="0"/>
+                          <a:cs typeface="Times New Roman" panose="02020603050405020304" pitchFamily="18" charset="0"/>
+                        </a:rPr>
+                        <a:t>(Interface, data catalogue, geospatial data import and visualization etc.)</a:t>
+                      </a:r>
+                      <a:endParaRPr lang="en-US" sz="1400" dirty="0">
+                        <a:solidFill>
+                          <a:srgbClr val="000000"/>
+                        </a:solidFill>
+                        <a:effectLst/>
+                        <a:latin typeface="Times New Roman" panose="02020603050405020304" pitchFamily="18" charset="0"/>
+                        <a:ea typeface="Calibri" panose="020F0502020204030204" pitchFamily="34" charset="0"/>
+                        <a:cs typeface="Times New Roman" panose="02020603050405020304" pitchFamily="18" charset="0"/>
+                      </a:endParaRPr>
+                    </a:p>
+                  </a:txBody>
+                  <a:tcPr marL="53270" marR="53270" marT="0" marB="0" anchor="ctr"/>
+                </a:tc>
+                <a:tc>
+                  <a:txBody>
+                    <a:bodyPr/>
+                    <a:lstStyle/>
+                    <a:p>
+                      <a:pPr marL="90170" marR="0" algn="ctr">
+                        <a:spcBef>
+                          <a:spcPts val="0"/>
+                        </a:spcBef>
+                        <a:spcAft>
+                          <a:spcPts val="0"/>
+                        </a:spcAft>
+                      </a:pPr>
+                      <a:r>
+                        <a:rPr lang="en-US" sz="1400" dirty="0">
+                          <a:effectLst/>
+                          <a:latin typeface="Times New Roman" panose="02020603050405020304" pitchFamily="18" charset="0"/>
+                          <a:cs typeface="Times New Roman" panose="02020603050405020304" pitchFamily="18" charset="0"/>
+                        </a:rPr>
+                        <a:t>Assignment 8</a:t>
+                      </a:r>
+                      <a:endParaRPr lang="en-US" sz="1400" dirty="0">
+                        <a:solidFill>
+                          <a:srgbClr val="000000"/>
+                        </a:solidFill>
+                        <a:effectLst/>
+                        <a:latin typeface="Times New Roman" panose="02020603050405020304" pitchFamily="18" charset="0"/>
+                        <a:ea typeface="Calibri" panose="020F0502020204030204" pitchFamily="34" charset="0"/>
+                        <a:cs typeface="Times New Roman" panose="02020603050405020304" pitchFamily="18" charset="0"/>
+                      </a:endParaRPr>
+                    </a:p>
+                  </a:txBody>
+                  <a:tcPr marL="53270" marR="53270" marT="0" marB="0" anchor="ctr"/>
+                </a:tc>
+                <a:extLst>
+                  <a:ext uri="{0D108BD9-81ED-4DB2-BD59-A6C34878D82A}">
+                    <a16:rowId xmlns:a16="http://schemas.microsoft.com/office/drawing/2014/main" val="2233390585"/>
+                  </a:ext>
+                </a:extLst>
+              </a:tr>
+              <a:tr h="428625">
+                <a:tc>
+                  <a:txBody>
+                    <a:bodyPr/>
+                    <a:lstStyle/>
+                    <a:p>
+                      <a:pPr marL="90170" marR="0" algn="ctr">
+                        <a:spcBef>
+                          <a:spcPts val="0"/>
+                        </a:spcBef>
+                        <a:spcAft>
+                          <a:spcPts val="0"/>
+                        </a:spcAft>
+                      </a:pPr>
+                      <a:r>
+                        <a:rPr lang="en-US" sz="1400" b="1" dirty="0">
+                          <a:effectLst/>
+                          <a:latin typeface="Times New Roman" panose="02020603050405020304" pitchFamily="18" charset="0"/>
+                          <a:cs typeface="Times New Roman" panose="02020603050405020304" pitchFamily="18" charset="0"/>
+                        </a:rPr>
+                        <a:t>Week 10: </a:t>
+                      </a:r>
+                    </a:p>
+                    <a:p>
+                      <a:pPr marL="90170" marR="0" algn="ctr">
+                        <a:spcBef>
+                          <a:spcPts val="0"/>
+                        </a:spcBef>
+                        <a:spcAft>
+                          <a:spcPts val="0"/>
+                        </a:spcAft>
+                      </a:pPr>
+                      <a:r>
+                        <a:rPr lang="en-US" sz="1400" b="1" dirty="0">
+                          <a:effectLst/>
+                          <a:latin typeface="Times New Roman" panose="02020603050405020304" pitchFamily="18" charset="0"/>
+                          <a:cs typeface="Times New Roman" panose="02020603050405020304" pitchFamily="18" charset="0"/>
+                        </a:rPr>
+                        <a:t>Apr 4</a:t>
+                      </a:r>
+                      <a:r>
+                        <a:rPr lang="en-US" sz="1400" b="1" baseline="30000" dirty="0">
+                          <a:effectLst/>
+                          <a:latin typeface="Times New Roman" panose="02020603050405020304" pitchFamily="18" charset="0"/>
+                          <a:cs typeface="Times New Roman" panose="02020603050405020304" pitchFamily="18" charset="0"/>
+                        </a:rPr>
+                        <a:t>th</a:t>
+                      </a:r>
+                      <a:r>
+                        <a:rPr lang="en-US" sz="1400" b="1" dirty="0">
+                          <a:effectLst/>
+                          <a:latin typeface="Times New Roman" panose="02020603050405020304" pitchFamily="18" charset="0"/>
+                          <a:cs typeface="Times New Roman" panose="02020603050405020304" pitchFamily="18" charset="0"/>
+                        </a:rPr>
+                        <a:t> </a:t>
+                      </a:r>
+                      <a:endParaRPr lang="en-US" sz="1400" b="1" dirty="0">
+                        <a:solidFill>
+                          <a:srgbClr val="000000"/>
+                        </a:solidFill>
+                        <a:effectLst/>
+                        <a:latin typeface="Times New Roman" panose="02020603050405020304" pitchFamily="18" charset="0"/>
+                        <a:ea typeface="Calibri" panose="020F0502020204030204" pitchFamily="34" charset="0"/>
+                        <a:cs typeface="Times New Roman" panose="02020603050405020304" pitchFamily="18" charset="0"/>
+                      </a:endParaRPr>
+                    </a:p>
+                  </a:txBody>
+                  <a:tcPr marL="53270" marR="53270" marT="0" marB="0"/>
+                </a:tc>
+                <a:tc>
+                  <a:txBody>
+                    <a:bodyPr/>
+                    <a:lstStyle/>
+                    <a:p>
+                      <a:pPr marL="90170" marR="0">
+                        <a:spcBef>
+                          <a:spcPts val="0"/>
+                        </a:spcBef>
+                        <a:spcAft>
+                          <a:spcPts val="0"/>
+                        </a:spcAft>
+                      </a:pPr>
+                      <a:r>
+                        <a:rPr lang="en-US" sz="1400" dirty="0">
+                          <a:effectLst/>
+                          <a:latin typeface="Times New Roman" panose="02020603050405020304" pitchFamily="18" charset="0"/>
+                          <a:cs typeface="Times New Roman" panose="02020603050405020304" pitchFamily="18" charset="0"/>
+                        </a:rPr>
+                        <a:t>Working with vector and raster data collections in Google Earth Engine  </a:t>
+                      </a:r>
+                      <a:br>
+                        <a:rPr lang="en-US" sz="1400" dirty="0">
+                          <a:effectLst/>
+                          <a:latin typeface="Times New Roman" panose="02020603050405020304" pitchFamily="18" charset="0"/>
+                          <a:cs typeface="Times New Roman" panose="02020603050405020304" pitchFamily="18" charset="0"/>
+                        </a:rPr>
+                      </a:br>
+                      <a:r>
+                        <a:rPr lang="en-US" sz="1400" dirty="0">
+                          <a:effectLst/>
+                          <a:latin typeface="Times New Roman" panose="02020603050405020304" pitchFamily="18" charset="0"/>
+                          <a:cs typeface="Times New Roman" panose="02020603050405020304" pitchFamily="18" charset="0"/>
+                        </a:rPr>
+                        <a:t>(Filtering, reducers, clipping, operators, and loops in Google Earth Engine)</a:t>
+                      </a:r>
+                      <a:endParaRPr lang="en-US" sz="1400" dirty="0">
+                        <a:solidFill>
+                          <a:srgbClr val="000000"/>
+                        </a:solidFill>
+                        <a:effectLst/>
+                        <a:latin typeface="Times New Roman" panose="02020603050405020304" pitchFamily="18" charset="0"/>
+                        <a:ea typeface="Calibri" panose="020F0502020204030204" pitchFamily="34" charset="0"/>
+                        <a:cs typeface="Times New Roman" panose="02020603050405020304" pitchFamily="18" charset="0"/>
+                      </a:endParaRPr>
+                    </a:p>
+                  </a:txBody>
+                  <a:tcPr marL="53270" marR="53270" marT="0" marB="0" anchor="ctr"/>
+                </a:tc>
+                <a:tc>
+                  <a:txBody>
+                    <a:bodyPr/>
+                    <a:lstStyle/>
+                    <a:p>
+                      <a:pPr marL="90170" marR="0" algn="ctr">
+                        <a:spcBef>
+                          <a:spcPts val="0"/>
+                        </a:spcBef>
+                        <a:spcAft>
+                          <a:spcPts val="0"/>
+                        </a:spcAft>
+                      </a:pPr>
+                      <a:r>
+                        <a:rPr lang="en-US" sz="1400" dirty="0">
+                          <a:effectLst/>
+                          <a:latin typeface="Times New Roman" panose="02020603050405020304" pitchFamily="18" charset="0"/>
+                          <a:cs typeface="Times New Roman" panose="02020603050405020304" pitchFamily="18" charset="0"/>
+                        </a:rPr>
+                        <a:t>Assignment 9</a:t>
+                      </a:r>
+                      <a:endParaRPr lang="en-US" sz="1400" dirty="0">
+                        <a:solidFill>
+                          <a:srgbClr val="000000"/>
+                        </a:solidFill>
+                        <a:effectLst/>
+                        <a:latin typeface="Times New Roman" panose="02020603050405020304" pitchFamily="18" charset="0"/>
+                        <a:ea typeface="Calibri" panose="020F0502020204030204" pitchFamily="34" charset="0"/>
+                        <a:cs typeface="Times New Roman" panose="02020603050405020304" pitchFamily="18" charset="0"/>
+                      </a:endParaRPr>
+                    </a:p>
+                  </a:txBody>
+                  <a:tcPr marL="53270" marR="53270" marT="0" marB="0" anchor="ctr"/>
+                </a:tc>
+                <a:extLst>
+                  <a:ext uri="{0D108BD9-81ED-4DB2-BD59-A6C34878D82A}">
+                    <a16:rowId xmlns:a16="http://schemas.microsoft.com/office/drawing/2014/main" val="1322627347"/>
+                  </a:ext>
+                </a:extLst>
+              </a:tr>
+              <a:tr h="428625">
+                <a:tc>
+                  <a:txBody>
+                    <a:bodyPr/>
+                    <a:lstStyle/>
+                    <a:p>
+                      <a:pPr marL="90170" marR="0" algn="ctr">
+                        <a:spcBef>
+                          <a:spcPts val="0"/>
+                        </a:spcBef>
+                        <a:spcAft>
+                          <a:spcPts val="0"/>
+                        </a:spcAft>
+                      </a:pPr>
+                      <a:r>
+                        <a:rPr lang="en-US" sz="1400" b="1" dirty="0">
+                          <a:effectLst/>
+                          <a:latin typeface="Times New Roman" panose="02020603050405020304" pitchFamily="18" charset="0"/>
+                          <a:cs typeface="Times New Roman" panose="02020603050405020304" pitchFamily="18" charset="0"/>
+                        </a:rPr>
+                        <a:t>Week 11: </a:t>
+                      </a:r>
+                    </a:p>
+                    <a:p>
+                      <a:pPr marL="90170" marR="0" algn="ctr">
+                        <a:spcBef>
+                          <a:spcPts val="0"/>
+                        </a:spcBef>
+                        <a:spcAft>
+                          <a:spcPts val="0"/>
+                        </a:spcAft>
+                      </a:pPr>
+                      <a:r>
+                        <a:rPr lang="en-US" sz="1400" b="1" dirty="0">
+                          <a:effectLst/>
+                          <a:latin typeface="Times New Roman" panose="02020603050405020304" pitchFamily="18" charset="0"/>
+                          <a:cs typeface="Times New Roman" panose="02020603050405020304" pitchFamily="18" charset="0"/>
+                        </a:rPr>
+                        <a:t>April 11</a:t>
+                      </a:r>
+                      <a:r>
+                        <a:rPr lang="en-US" sz="1400" b="1" baseline="30000" dirty="0">
+                          <a:effectLst/>
+                          <a:latin typeface="Times New Roman" panose="02020603050405020304" pitchFamily="18" charset="0"/>
+                          <a:cs typeface="Times New Roman" panose="02020603050405020304" pitchFamily="18" charset="0"/>
+                        </a:rPr>
+                        <a:t>th</a:t>
+                      </a:r>
+                      <a:endParaRPr lang="en-US" sz="1400" b="1" dirty="0">
+                        <a:solidFill>
+                          <a:srgbClr val="000000"/>
+                        </a:solidFill>
+                        <a:effectLst/>
+                        <a:latin typeface="Times New Roman" panose="02020603050405020304" pitchFamily="18" charset="0"/>
+                        <a:ea typeface="Calibri" panose="020F0502020204030204" pitchFamily="34" charset="0"/>
+                        <a:cs typeface="Times New Roman" panose="02020603050405020304" pitchFamily="18" charset="0"/>
+                      </a:endParaRPr>
+                    </a:p>
+                  </a:txBody>
+                  <a:tcPr marL="53270" marR="53270" marT="0" marB="0"/>
+                </a:tc>
+                <a:tc>
+                  <a:txBody>
+                    <a:bodyPr/>
+                    <a:lstStyle/>
+                    <a:p>
+                      <a:pPr marL="90170" marR="0">
+                        <a:spcBef>
+                          <a:spcPts val="0"/>
+                        </a:spcBef>
+                        <a:spcAft>
+                          <a:spcPts val="0"/>
+                        </a:spcAft>
+                      </a:pPr>
+                      <a:r>
+                        <a:rPr lang="en-US" sz="1400" dirty="0">
+                          <a:effectLst/>
+                          <a:latin typeface="Times New Roman" panose="02020603050405020304" pitchFamily="18" charset="0"/>
+                          <a:cs typeface="Times New Roman" panose="02020603050405020304" pitchFamily="18" charset="0"/>
+                        </a:rPr>
+                        <a:t>Classification in Google Earth Engine</a:t>
+                      </a:r>
+                      <a:br>
+                        <a:rPr lang="en-US" sz="1400" dirty="0">
+                          <a:effectLst/>
+                          <a:latin typeface="Times New Roman" panose="02020603050405020304" pitchFamily="18" charset="0"/>
+                          <a:cs typeface="Times New Roman" panose="02020603050405020304" pitchFamily="18" charset="0"/>
+                        </a:rPr>
+                      </a:br>
+                      <a:r>
+                        <a:rPr lang="en-US" sz="1400" dirty="0">
+                          <a:effectLst/>
+                          <a:latin typeface="Times New Roman" panose="02020603050405020304" pitchFamily="18" charset="0"/>
+                          <a:cs typeface="Times New Roman" panose="02020603050405020304" pitchFamily="18" charset="0"/>
+                        </a:rPr>
+                        <a:t>(Unsupervised, and Supervised classification)</a:t>
+                      </a:r>
+                      <a:endParaRPr lang="en-US" sz="1400" dirty="0">
+                        <a:solidFill>
+                          <a:srgbClr val="000000"/>
+                        </a:solidFill>
+                        <a:effectLst/>
+                        <a:latin typeface="Times New Roman" panose="02020603050405020304" pitchFamily="18" charset="0"/>
+                        <a:ea typeface="Calibri" panose="020F0502020204030204" pitchFamily="34" charset="0"/>
+                        <a:cs typeface="Times New Roman" panose="02020603050405020304" pitchFamily="18" charset="0"/>
+                      </a:endParaRPr>
+                    </a:p>
+                  </a:txBody>
+                  <a:tcPr marL="53270" marR="53270" marT="0" marB="0" anchor="ctr"/>
+                </a:tc>
+                <a:tc>
+                  <a:txBody>
+                    <a:bodyPr/>
+                    <a:lstStyle/>
+                    <a:p>
+                      <a:pPr marL="90170" marR="0" algn="ctr">
+                        <a:spcBef>
+                          <a:spcPts val="0"/>
+                        </a:spcBef>
+                        <a:spcAft>
+                          <a:spcPts val="0"/>
+                        </a:spcAft>
+                      </a:pPr>
+                      <a:r>
+                        <a:rPr lang="en-US" sz="1400" dirty="0">
+                          <a:effectLst/>
+                          <a:latin typeface="Times New Roman" panose="02020603050405020304" pitchFamily="18" charset="0"/>
+                          <a:cs typeface="Times New Roman" panose="02020603050405020304" pitchFamily="18" charset="0"/>
+                        </a:rPr>
+                        <a:t>Assignment 10</a:t>
+                      </a:r>
+                      <a:endParaRPr lang="en-US" sz="1400" dirty="0">
+                        <a:solidFill>
+                          <a:srgbClr val="000000"/>
+                        </a:solidFill>
+                        <a:effectLst/>
+                        <a:latin typeface="Times New Roman" panose="02020603050405020304" pitchFamily="18" charset="0"/>
+                        <a:ea typeface="Calibri" panose="020F0502020204030204" pitchFamily="34" charset="0"/>
+                        <a:cs typeface="Times New Roman" panose="02020603050405020304" pitchFamily="18" charset="0"/>
+                      </a:endParaRPr>
+                    </a:p>
+                  </a:txBody>
+                  <a:tcPr marL="53270" marR="53270" marT="0" marB="0" anchor="ctr"/>
+                </a:tc>
+                <a:extLst>
+                  <a:ext uri="{0D108BD9-81ED-4DB2-BD59-A6C34878D82A}">
+                    <a16:rowId xmlns:a16="http://schemas.microsoft.com/office/drawing/2014/main" val="2536298045"/>
+                  </a:ext>
+                </a:extLst>
+              </a:tr>
+              <a:tr h="428625">
+                <a:tc>
+                  <a:txBody>
+                    <a:bodyPr/>
+                    <a:lstStyle/>
+                    <a:p>
+                      <a:pPr marL="90170" marR="0" algn="ctr">
+                        <a:spcBef>
+                          <a:spcPts val="0"/>
+                        </a:spcBef>
+                        <a:spcAft>
+                          <a:spcPts val="0"/>
+                        </a:spcAft>
+                      </a:pPr>
+                      <a:r>
+                        <a:rPr lang="en-US" sz="1400" b="1" dirty="0">
+                          <a:effectLst/>
+                          <a:latin typeface="Times New Roman" panose="02020603050405020304" pitchFamily="18" charset="0"/>
+                          <a:cs typeface="Times New Roman" panose="02020603050405020304" pitchFamily="18" charset="0"/>
+                        </a:rPr>
+                        <a:t>Week 12: </a:t>
+                      </a:r>
+                    </a:p>
+                    <a:p>
+                      <a:pPr marL="90170" marR="0" algn="ctr">
+                        <a:spcBef>
+                          <a:spcPts val="0"/>
+                        </a:spcBef>
+                        <a:spcAft>
+                          <a:spcPts val="0"/>
+                        </a:spcAft>
+                      </a:pPr>
+                      <a:r>
+                        <a:rPr lang="en-US" sz="1400" b="1" dirty="0">
+                          <a:effectLst/>
+                          <a:latin typeface="Times New Roman" panose="02020603050405020304" pitchFamily="18" charset="0"/>
+                          <a:cs typeface="Times New Roman" panose="02020603050405020304" pitchFamily="18" charset="0"/>
+                        </a:rPr>
+                        <a:t>Apr 18</a:t>
+                      </a:r>
+                      <a:r>
+                        <a:rPr lang="en-US" sz="1400" b="1" baseline="30000" dirty="0">
+                          <a:effectLst/>
+                          <a:latin typeface="Times New Roman" panose="02020603050405020304" pitchFamily="18" charset="0"/>
+                          <a:cs typeface="Times New Roman" panose="02020603050405020304" pitchFamily="18" charset="0"/>
+                        </a:rPr>
+                        <a:t>th</a:t>
+                      </a:r>
+                      <a:r>
+                        <a:rPr lang="en-US" sz="1400" b="1" dirty="0">
+                          <a:effectLst/>
+                          <a:latin typeface="Times New Roman" panose="02020603050405020304" pitchFamily="18" charset="0"/>
+                          <a:cs typeface="Times New Roman" panose="02020603050405020304" pitchFamily="18" charset="0"/>
+                        </a:rPr>
+                        <a:t> </a:t>
+                      </a:r>
+                      <a:endParaRPr lang="en-US" sz="1400" b="1" dirty="0">
+                        <a:solidFill>
+                          <a:srgbClr val="000000"/>
+                        </a:solidFill>
+                        <a:effectLst/>
+                        <a:latin typeface="Times New Roman" panose="02020603050405020304" pitchFamily="18" charset="0"/>
+                        <a:ea typeface="Calibri" panose="020F0502020204030204" pitchFamily="34" charset="0"/>
+                        <a:cs typeface="Times New Roman" panose="02020603050405020304" pitchFamily="18" charset="0"/>
+                      </a:endParaRPr>
+                    </a:p>
+                  </a:txBody>
+                  <a:tcPr marL="53270" marR="53270" marT="0" marB="0"/>
+                </a:tc>
+                <a:tc>
+                  <a:txBody>
+                    <a:bodyPr/>
+                    <a:lstStyle/>
+                    <a:p>
+                      <a:pPr marL="90170" marR="0">
+                        <a:spcBef>
+                          <a:spcPts val="0"/>
+                        </a:spcBef>
+                        <a:spcAft>
+                          <a:spcPts val="0"/>
+                        </a:spcAft>
+                      </a:pPr>
+                      <a:r>
+                        <a:rPr lang="en-US" sz="1400" dirty="0">
+                          <a:effectLst/>
+                          <a:latin typeface="Times New Roman" panose="02020603050405020304" pitchFamily="18" charset="0"/>
+                          <a:cs typeface="Times New Roman" panose="02020603050405020304" pitchFamily="18" charset="0"/>
+                        </a:rPr>
+                        <a:t>Introduction to the research project</a:t>
+                      </a:r>
+                      <a:endParaRPr lang="en-US" sz="1400" dirty="0">
+                        <a:solidFill>
+                          <a:srgbClr val="000000"/>
+                        </a:solidFill>
+                        <a:effectLst/>
+                        <a:latin typeface="Times New Roman" panose="02020603050405020304" pitchFamily="18" charset="0"/>
+                        <a:ea typeface="Calibri" panose="020F0502020204030204" pitchFamily="34" charset="0"/>
+                        <a:cs typeface="Times New Roman" panose="02020603050405020304" pitchFamily="18" charset="0"/>
+                      </a:endParaRPr>
+                    </a:p>
+                  </a:txBody>
+                  <a:tcPr marL="53270" marR="53270" marT="0" marB="0" anchor="ctr"/>
+                </a:tc>
+                <a:tc>
+                  <a:txBody>
+                    <a:bodyPr/>
+                    <a:lstStyle/>
+                    <a:p>
+                      <a:pPr marL="90170" marR="0" algn="ctr">
+                        <a:spcBef>
+                          <a:spcPts val="0"/>
+                        </a:spcBef>
+                        <a:spcAft>
+                          <a:spcPts val="0"/>
+                        </a:spcAft>
+                      </a:pPr>
+                      <a:r>
+                        <a:rPr lang="en-US" sz="1400" dirty="0">
+                          <a:effectLst/>
+                          <a:latin typeface="Times New Roman" panose="02020603050405020304" pitchFamily="18" charset="0"/>
+                          <a:cs typeface="Times New Roman" panose="02020603050405020304" pitchFamily="18" charset="0"/>
+                        </a:rPr>
+                        <a:t>Coursework project</a:t>
+                      </a:r>
+                      <a:endParaRPr lang="en-US" sz="1400" dirty="0">
+                        <a:solidFill>
+                          <a:srgbClr val="000000"/>
+                        </a:solidFill>
+                        <a:effectLst/>
+                        <a:latin typeface="Times New Roman" panose="02020603050405020304" pitchFamily="18" charset="0"/>
+                        <a:ea typeface="Calibri" panose="020F0502020204030204" pitchFamily="34" charset="0"/>
+                        <a:cs typeface="Times New Roman" panose="02020603050405020304" pitchFamily="18" charset="0"/>
+                      </a:endParaRPr>
+                    </a:p>
+                  </a:txBody>
+                  <a:tcPr marL="53270" marR="53270" marT="0" marB="0" anchor="ctr"/>
+                </a:tc>
+                <a:extLst>
+                  <a:ext uri="{0D108BD9-81ED-4DB2-BD59-A6C34878D82A}">
+                    <a16:rowId xmlns:a16="http://schemas.microsoft.com/office/drawing/2014/main" val="1373517362"/>
+                  </a:ext>
+                </a:extLst>
+              </a:tr>
+              <a:tr h="428625">
+                <a:tc>
+                  <a:txBody>
+                    <a:bodyPr/>
+                    <a:lstStyle/>
+                    <a:p>
+                      <a:pPr marL="90170" marR="0" algn="ctr">
+                        <a:spcBef>
+                          <a:spcPts val="0"/>
+                        </a:spcBef>
+                        <a:spcAft>
+                          <a:spcPts val="0"/>
+                        </a:spcAft>
+                      </a:pPr>
+                      <a:r>
+                        <a:rPr lang="en-US" sz="1400" b="1" dirty="0">
+                          <a:effectLst/>
+                          <a:latin typeface="Times New Roman" panose="02020603050405020304" pitchFamily="18" charset="0"/>
+                          <a:cs typeface="Times New Roman" panose="02020603050405020304" pitchFamily="18" charset="0"/>
+                        </a:rPr>
+                        <a:t>Week 13: </a:t>
+                      </a:r>
+                    </a:p>
+                    <a:p>
+                      <a:pPr marL="90170" marR="0" algn="ctr">
+                        <a:spcBef>
+                          <a:spcPts val="0"/>
+                        </a:spcBef>
+                        <a:spcAft>
+                          <a:spcPts val="0"/>
+                        </a:spcAft>
+                      </a:pPr>
+                      <a:r>
+                        <a:rPr lang="en-US" sz="1400" b="1" dirty="0">
+                          <a:effectLst/>
+                          <a:latin typeface="Times New Roman" panose="02020603050405020304" pitchFamily="18" charset="0"/>
+                          <a:cs typeface="Times New Roman" panose="02020603050405020304" pitchFamily="18" charset="0"/>
+                        </a:rPr>
+                        <a:t>Apr 25</a:t>
+                      </a:r>
+                      <a:r>
+                        <a:rPr lang="en-US" sz="1400" b="1" baseline="30000" dirty="0">
+                          <a:effectLst/>
+                          <a:latin typeface="Times New Roman" panose="02020603050405020304" pitchFamily="18" charset="0"/>
+                          <a:cs typeface="Times New Roman" panose="02020603050405020304" pitchFamily="18" charset="0"/>
+                        </a:rPr>
+                        <a:t>th</a:t>
+                      </a:r>
+                      <a:r>
+                        <a:rPr lang="en-US" sz="1400" b="1" dirty="0">
+                          <a:effectLst/>
+                          <a:latin typeface="Times New Roman" panose="02020603050405020304" pitchFamily="18" charset="0"/>
+                          <a:cs typeface="Times New Roman" panose="02020603050405020304" pitchFamily="18" charset="0"/>
+                        </a:rPr>
+                        <a:t> </a:t>
+                      </a:r>
+                      <a:endParaRPr lang="en-US" sz="1400" b="1" dirty="0">
+                        <a:solidFill>
+                          <a:srgbClr val="000000"/>
+                        </a:solidFill>
+                        <a:effectLst/>
+                        <a:latin typeface="Times New Roman" panose="02020603050405020304" pitchFamily="18" charset="0"/>
+                        <a:ea typeface="Calibri" panose="020F0502020204030204" pitchFamily="34" charset="0"/>
+                        <a:cs typeface="Times New Roman" panose="02020603050405020304" pitchFamily="18" charset="0"/>
+                      </a:endParaRPr>
+                    </a:p>
+                  </a:txBody>
+                  <a:tcPr marL="53270" marR="53270" marT="0" marB="0"/>
+                </a:tc>
+                <a:tc>
+                  <a:txBody>
+                    <a:bodyPr/>
+                    <a:lstStyle/>
+                    <a:p>
+                      <a:pPr marL="90170" marR="0">
+                        <a:spcBef>
+                          <a:spcPts val="0"/>
+                        </a:spcBef>
+                        <a:spcAft>
+                          <a:spcPts val="0"/>
+                        </a:spcAft>
+                      </a:pPr>
+                      <a:r>
+                        <a:rPr lang="en-US" sz="1400" dirty="0">
+                          <a:effectLst/>
+                          <a:latin typeface="Times New Roman" panose="02020603050405020304" pitchFamily="18" charset="0"/>
+                          <a:cs typeface="Times New Roman" panose="02020603050405020304" pitchFamily="18" charset="0"/>
+                        </a:rPr>
+                        <a:t>Supported research project practical time </a:t>
+                      </a:r>
+                      <a:endParaRPr lang="en-US" sz="1400" dirty="0">
+                        <a:solidFill>
+                          <a:srgbClr val="000000"/>
+                        </a:solidFill>
+                        <a:effectLst/>
+                        <a:latin typeface="Times New Roman" panose="02020603050405020304" pitchFamily="18" charset="0"/>
+                        <a:ea typeface="Calibri" panose="020F0502020204030204" pitchFamily="34" charset="0"/>
+                        <a:cs typeface="Times New Roman" panose="02020603050405020304" pitchFamily="18" charset="0"/>
+                      </a:endParaRPr>
+                    </a:p>
+                  </a:txBody>
+                  <a:tcPr marL="53270" marR="53270" marT="0" marB="0" anchor="ctr"/>
+                </a:tc>
+                <a:tc>
+                  <a:txBody>
+                    <a:bodyPr/>
+                    <a:lstStyle/>
+                    <a:p>
+                      <a:pPr marL="90170" marR="0" algn="ctr">
+                        <a:spcBef>
+                          <a:spcPts val="0"/>
+                        </a:spcBef>
+                        <a:spcAft>
+                          <a:spcPts val="0"/>
+                        </a:spcAft>
+                      </a:pPr>
+                      <a:r>
+                        <a:rPr lang="en-US" sz="1400">
+                          <a:effectLst/>
+                          <a:latin typeface="Times New Roman" panose="02020603050405020304" pitchFamily="18" charset="0"/>
+                          <a:cs typeface="Times New Roman" panose="02020603050405020304" pitchFamily="18" charset="0"/>
+                        </a:rPr>
+                        <a:t>Coursework project</a:t>
+                      </a:r>
+                      <a:endParaRPr lang="en-US" sz="1400" dirty="0">
+                        <a:solidFill>
+                          <a:srgbClr val="000000"/>
+                        </a:solidFill>
+                        <a:effectLst/>
+                        <a:latin typeface="Times New Roman" panose="02020603050405020304" pitchFamily="18" charset="0"/>
+                        <a:ea typeface="Calibri" panose="020F0502020204030204" pitchFamily="34" charset="0"/>
+                        <a:cs typeface="Times New Roman" panose="02020603050405020304" pitchFamily="18" charset="0"/>
+                      </a:endParaRPr>
+                    </a:p>
+                  </a:txBody>
+                  <a:tcPr marL="53270" marR="53270" marT="0" marB="0" anchor="ctr"/>
+                </a:tc>
+                <a:extLst>
+                  <a:ext uri="{0D108BD9-81ED-4DB2-BD59-A6C34878D82A}">
+                    <a16:rowId xmlns:a16="http://schemas.microsoft.com/office/drawing/2014/main" val="1165365623"/>
+                  </a:ext>
+                </a:extLst>
+              </a:tr>
+              <a:tr h="428625">
+                <a:tc>
+                  <a:txBody>
+                    <a:bodyPr/>
+                    <a:lstStyle/>
+                    <a:p>
+                      <a:pPr marL="90170" marR="0" algn="ctr">
+                        <a:spcBef>
+                          <a:spcPts val="0"/>
+                        </a:spcBef>
+                        <a:spcAft>
+                          <a:spcPts val="0"/>
+                        </a:spcAft>
+                      </a:pPr>
+                      <a:r>
+                        <a:rPr lang="en-US" sz="1400" b="1" dirty="0">
+                          <a:effectLst/>
+                          <a:latin typeface="Times New Roman" panose="02020603050405020304" pitchFamily="18" charset="0"/>
+                          <a:cs typeface="Times New Roman" panose="02020603050405020304" pitchFamily="18" charset="0"/>
+                        </a:rPr>
+                        <a:t>Week 14:</a:t>
+                      </a:r>
+                    </a:p>
+                    <a:p>
+                      <a:pPr marL="90170" marR="0" algn="ctr">
+                        <a:spcBef>
+                          <a:spcPts val="0"/>
+                        </a:spcBef>
+                        <a:spcAft>
+                          <a:spcPts val="0"/>
+                        </a:spcAft>
+                      </a:pPr>
+                      <a:r>
+                        <a:rPr lang="en-US" sz="1400" b="1" dirty="0">
+                          <a:effectLst/>
+                          <a:latin typeface="Times New Roman" panose="02020603050405020304" pitchFamily="18" charset="0"/>
+                          <a:cs typeface="Times New Roman" panose="02020603050405020304" pitchFamily="18" charset="0"/>
+                        </a:rPr>
+                        <a:t>May 2</a:t>
+                      </a:r>
+                      <a:r>
+                        <a:rPr lang="en-US" sz="1400" b="1" baseline="30000" dirty="0">
+                          <a:effectLst/>
+                          <a:latin typeface="Times New Roman" panose="02020603050405020304" pitchFamily="18" charset="0"/>
+                          <a:cs typeface="Times New Roman" panose="02020603050405020304" pitchFamily="18" charset="0"/>
+                        </a:rPr>
+                        <a:t>nd</a:t>
+                      </a:r>
+                      <a:endParaRPr lang="en-US" sz="1400" b="1" dirty="0">
+                        <a:solidFill>
+                          <a:srgbClr val="000000"/>
+                        </a:solidFill>
+                        <a:effectLst/>
+                        <a:latin typeface="Times New Roman" panose="02020603050405020304" pitchFamily="18" charset="0"/>
+                        <a:ea typeface="Calibri" panose="020F0502020204030204" pitchFamily="34" charset="0"/>
+                        <a:cs typeface="Times New Roman" panose="02020603050405020304" pitchFamily="18" charset="0"/>
+                      </a:endParaRPr>
+                    </a:p>
+                  </a:txBody>
+                  <a:tcPr marL="53270" marR="53270" marT="0" marB="0"/>
+                </a:tc>
+                <a:tc>
+                  <a:txBody>
+                    <a:bodyPr/>
+                    <a:lstStyle/>
+                    <a:p>
+                      <a:pPr marL="90170" marR="0">
+                        <a:spcBef>
+                          <a:spcPts val="0"/>
+                        </a:spcBef>
+                        <a:spcAft>
+                          <a:spcPts val="0"/>
+                        </a:spcAft>
+                      </a:pPr>
+                      <a:r>
+                        <a:rPr lang="en-US" sz="1400" dirty="0">
+                          <a:effectLst/>
+                          <a:latin typeface="Times New Roman" panose="02020603050405020304" pitchFamily="18" charset="0"/>
+                          <a:cs typeface="Times New Roman" panose="02020603050405020304" pitchFamily="18" charset="0"/>
+                        </a:rPr>
+                        <a:t>Supported research project practical time</a:t>
+                      </a:r>
+                      <a:endParaRPr lang="en-US" sz="1400" dirty="0">
+                        <a:solidFill>
+                          <a:srgbClr val="000000"/>
+                        </a:solidFill>
+                        <a:effectLst/>
+                        <a:latin typeface="Times New Roman" panose="02020603050405020304" pitchFamily="18" charset="0"/>
+                        <a:ea typeface="Calibri" panose="020F0502020204030204" pitchFamily="34" charset="0"/>
+                        <a:cs typeface="Times New Roman" panose="02020603050405020304" pitchFamily="18" charset="0"/>
+                      </a:endParaRPr>
+                    </a:p>
+                  </a:txBody>
+                  <a:tcPr marL="53270" marR="53270" marT="0" marB="0" anchor="ctr"/>
+                </a:tc>
+                <a:tc>
+                  <a:txBody>
+                    <a:bodyPr/>
+                    <a:lstStyle/>
+                    <a:p>
+                      <a:pPr marL="90170" marR="0" algn="ctr">
+                        <a:spcBef>
+                          <a:spcPts val="0"/>
+                        </a:spcBef>
+                        <a:spcAft>
+                          <a:spcPts val="0"/>
+                        </a:spcAft>
+                      </a:pPr>
+                      <a:r>
+                        <a:rPr lang="en-US" sz="1400">
+                          <a:effectLst/>
+                          <a:latin typeface="Times New Roman" panose="02020603050405020304" pitchFamily="18" charset="0"/>
+                          <a:cs typeface="Times New Roman" panose="02020603050405020304" pitchFamily="18" charset="0"/>
+                        </a:rPr>
+                        <a:t>Coursework project</a:t>
+                      </a:r>
+                      <a:endParaRPr lang="en-US" sz="1400" dirty="0">
+                        <a:solidFill>
+                          <a:srgbClr val="000000"/>
+                        </a:solidFill>
+                        <a:effectLst/>
+                        <a:latin typeface="Times New Roman" panose="02020603050405020304" pitchFamily="18" charset="0"/>
+                        <a:ea typeface="Calibri" panose="020F0502020204030204" pitchFamily="34" charset="0"/>
+                        <a:cs typeface="Times New Roman" panose="02020603050405020304" pitchFamily="18" charset="0"/>
+                      </a:endParaRPr>
+                    </a:p>
+                  </a:txBody>
+                  <a:tcPr marL="53270" marR="53270" marT="0" marB="0" anchor="ctr"/>
+                </a:tc>
+                <a:extLst>
+                  <a:ext uri="{0D108BD9-81ED-4DB2-BD59-A6C34878D82A}">
+                    <a16:rowId xmlns:a16="http://schemas.microsoft.com/office/drawing/2014/main" val="3509286896"/>
+                  </a:ext>
+                </a:extLst>
+              </a:tr>
+              <a:tr h="428625">
+                <a:tc>
+                  <a:txBody>
+                    <a:bodyPr/>
+                    <a:lstStyle/>
+                    <a:p>
+                      <a:pPr marL="90170" marR="0" algn="ctr">
+                        <a:spcBef>
+                          <a:spcPts val="0"/>
+                        </a:spcBef>
+                        <a:spcAft>
+                          <a:spcPts val="0"/>
+                        </a:spcAft>
+                      </a:pPr>
+                      <a:r>
+                        <a:rPr lang="en-US" sz="1400" b="1" dirty="0">
+                          <a:effectLst/>
+                          <a:latin typeface="Times New Roman" panose="02020603050405020304" pitchFamily="18" charset="0"/>
+                          <a:cs typeface="Times New Roman" panose="02020603050405020304" pitchFamily="18" charset="0"/>
+                        </a:rPr>
+                        <a:t>Finals: </a:t>
+                      </a:r>
+                    </a:p>
+                    <a:p>
+                      <a:pPr marL="90170" marR="0" algn="ctr">
+                        <a:spcBef>
+                          <a:spcPts val="0"/>
+                        </a:spcBef>
+                        <a:spcAft>
+                          <a:spcPts val="0"/>
+                        </a:spcAft>
+                      </a:pPr>
+                      <a:r>
+                        <a:rPr lang="en-US" sz="1400" b="1" dirty="0">
+                          <a:effectLst/>
+                          <a:latin typeface="Times New Roman" panose="02020603050405020304" pitchFamily="18" charset="0"/>
+                          <a:cs typeface="Times New Roman" panose="02020603050405020304" pitchFamily="18" charset="0"/>
+                        </a:rPr>
+                        <a:t>May 9</a:t>
+                      </a:r>
+                      <a:r>
+                        <a:rPr lang="en-US" sz="1400" b="1" baseline="30000" dirty="0">
+                          <a:effectLst/>
+                          <a:latin typeface="Times New Roman" panose="02020603050405020304" pitchFamily="18" charset="0"/>
+                          <a:cs typeface="Times New Roman" panose="02020603050405020304" pitchFamily="18" charset="0"/>
+                        </a:rPr>
+                        <a:t>th</a:t>
+                      </a:r>
+                      <a:r>
+                        <a:rPr lang="en-US" sz="1400" b="1" dirty="0">
+                          <a:effectLst/>
+                          <a:latin typeface="Times New Roman" panose="02020603050405020304" pitchFamily="18" charset="0"/>
+                          <a:cs typeface="Times New Roman" panose="02020603050405020304" pitchFamily="18" charset="0"/>
+                        </a:rPr>
+                        <a:t> </a:t>
+                      </a:r>
+                      <a:endParaRPr lang="en-US" sz="1400" b="1" dirty="0">
+                        <a:solidFill>
+                          <a:srgbClr val="000000"/>
+                        </a:solidFill>
+                        <a:effectLst/>
+                        <a:latin typeface="Times New Roman" panose="02020603050405020304" pitchFamily="18" charset="0"/>
+                        <a:ea typeface="Calibri" panose="020F0502020204030204" pitchFamily="34" charset="0"/>
+                        <a:cs typeface="Times New Roman" panose="02020603050405020304" pitchFamily="18" charset="0"/>
+                      </a:endParaRPr>
+                    </a:p>
+                  </a:txBody>
+                  <a:tcPr marL="53270" marR="53270" marT="0" marB="0"/>
+                </a:tc>
+                <a:tc>
+                  <a:txBody>
+                    <a:bodyPr/>
+                    <a:lstStyle/>
+                    <a:p>
+                      <a:pPr marL="90170" marR="0">
+                        <a:spcBef>
+                          <a:spcPts val="0"/>
+                        </a:spcBef>
+                        <a:spcAft>
+                          <a:spcPts val="0"/>
+                        </a:spcAft>
+                      </a:pPr>
+                      <a:r>
+                        <a:rPr lang="en-US" sz="1400" dirty="0">
+                          <a:effectLst/>
+                          <a:latin typeface="Times New Roman" panose="02020603050405020304" pitchFamily="18" charset="0"/>
+                          <a:cs typeface="Times New Roman" panose="02020603050405020304" pitchFamily="18" charset="0"/>
+                        </a:rPr>
+                        <a:t>Coursework submission </a:t>
+                      </a:r>
+                      <a:endParaRPr lang="en-US" sz="1400" dirty="0">
+                        <a:solidFill>
+                          <a:srgbClr val="000000"/>
+                        </a:solidFill>
+                        <a:effectLst/>
+                        <a:latin typeface="Times New Roman" panose="02020603050405020304" pitchFamily="18" charset="0"/>
+                        <a:ea typeface="Calibri" panose="020F0502020204030204" pitchFamily="34" charset="0"/>
+                        <a:cs typeface="Times New Roman" panose="02020603050405020304" pitchFamily="18" charset="0"/>
+                      </a:endParaRPr>
+                    </a:p>
+                  </a:txBody>
+                  <a:tcPr marL="53270" marR="53270" marT="0" marB="0" anchor="ctr"/>
+                </a:tc>
+                <a:tc>
+                  <a:txBody>
+                    <a:bodyPr/>
+                    <a:lstStyle/>
+                    <a:p>
+                      <a:pPr marL="90170" marR="0" algn="ctr">
+                        <a:spcBef>
+                          <a:spcPts val="0"/>
+                        </a:spcBef>
+                        <a:spcAft>
+                          <a:spcPts val="0"/>
+                        </a:spcAft>
+                      </a:pPr>
+                      <a:r>
+                        <a:rPr lang="en-US" sz="1400" dirty="0">
+                          <a:effectLst/>
+                          <a:latin typeface="Times New Roman" panose="02020603050405020304" pitchFamily="18" charset="0"/>
+                          <a:cs typeface="Times New Roman" panose="02020603050405020304" pitchFamily="18" charset="0"/>
+                        </a:rPr>
+                        <a:t>Coursework project</a:t>
+                      </a:r>
+                      <a:endParaRPr lang="en-US" sz="1400" dirty="0">
+                        <a:solidFill>
+                          <a:srgbClr val="000000"/>
+                        </a:solidFill>
+                        <a:effectLst/>
+                        <a:latin typeface="Times New Roman" panose="02020603050405020304" pitchFamily="18" charset="0"/>
+                        <a:ea typeface="Calibri" panose="020F0502020204030204" pitchFamily="34" charset="0"/>
+                        <a:cs typeface="Times New Roman" panose="02020603050405020304" pitchFamily="18" charset="0"/>
+                      </a:endParaRPr>
+                    </a:p>
+                  </a:txBody>
+                  <a:tcPr marL="53270" marR="53270" marT="0" marB="0" anchor="ctr"/>
+                </a:tc>
+                <a:extLst>
+                  <a:ext uri="{0D108BD9-81ED-4DB2-BD59-A6C34878D82A}">
+                    <a16:rowId xmlns:a16="http://schemas.microsoft.com/office/drawing/2014/main" val="3651470356"/>
+                  </a:ext>
+                </a:extLst>
+              </a:tr>
+            </a:tbl>
+          </a:graphicData>
+        </a:graphic>
+      </p:graphicFrame>
+    </p:spTree>
+    <p:extLst>
+      <p:ext uri="{BB962C8B-B14F-4D97-AF65-F5344CB8AC3E}">
+        <p14:creationId xmlns:p14="http://schemas.microsoft.com/office/powerpoint/2010/main" val="4251559109"/>
+      </p:ext>
+    </p:extLst>
+  </p:cSld>
+  <p:clrMapOvr>
+    <a:masterClrMapping/>
+  </p:clrMapOvr>
+</p:sld>
+</file>
+
+<file path=ppt/slides/slide2.xml><?xml version="1.0" encoding="utf-8"?>
+<p:sld xmlns:a="http://schemas.openxmlformats.org/drawingml/2006/main" xmlns:r="http://schemas.openxmlformats.org/officeDocument/2006/relationships" xmlns:p="http://schemas.openxmlformats.org/presentationml/2006/main">
+  <p:cSld>
+    <p:bg>
+      <p:bgPr>
+        <a:solidFill>
+          <a:schemeClr val="bg1">
+            <a:lumMod val="95000"/>
+          </a:schemeClr>
+        </a:solidFill>
+        <a:effectLst/>
+      </p:bgPr>
+    </p:bg>
+    <p:spTree>
+      <p:nvGrpSpPr>
+        <p:cNvPr id="1" name=""/>
+        <p:cNvGrpSpPr/>
+        <p:nvPr/>
+      </p:nvGrpSpPr>
+      <p:grpSpPr>
+        <a:xfrm>
+          <a:off x="0" y="0"/>
+          <a:ext cx="0" cy="0"/>
+          <a:chOff x="0" y="0"/>
+          <a:chExt cx="0" cy="0"/>
+        </a:xfrm>
+      </p:grpSpPr>
+      <p:graphicFrame>
+        <p:nvGraphicFramePr>
+          <p:cNvPr id="4" name="Table 3">
+            <a:extLst>
+              <a:ext uri="{FF2B5EF4-FFF2-40B4-BE49-F238E27FC236}">
+                <a16:creationId xmlns:a16="http://schemas.microsoft.com/office/drawing/2014/main" id="{D39CC776-B9E2-A542-BC9C-74AEFDF04973}"/>
+              </a:ext>
+            </a:extLst>
+          </p:cNvPr>
+          <p:cNvGraphicFramePr>
+            <a:graphicFrameLocks noGrp="1"/>
+          </p:cNvGraphicFramePr>
+          <p:nvPr>
+            <p:extLst>
+              <p:ext uri="{D42A27DB-BD31-4B8C-83A1-F6EECF244321}">
+                <p14:modId xmlns:p14="http://schemas.microsoft.com/office/powerpoint/2010/main" val="2368488613"/>
               </p:ext>
             </p:extLst>
           </p:nvPr>
@@ -3709,29 +6374,7 @@
                           <a:ea typeface="Calibri" panose="020F0502020204030204" pitchFamily="34" charset="0"/>
                           <a:cs typeface="Times New Roman" panose="02020603050405020304" pitchFamily="18" charset="0"/>
                         </a:rPr>
-                        <a:t>Introduction to feature extraction</a:t>
-                      </a:r>
-                    </a:p>
-                    <a:p>
-                      <a:pPr marL="90170" marR="0">
-                        <a:spcBef>
-                          <a:spcPts val="0"/>
-                        </a:spcBef>
-                        <a:spcAft>
-                          <a:spcPts val="0"/>
-                        </a:spcAft>
-                      </a:pPr>
-                      <a:r>
-                        <a:rPr lang="en-US" sz="1400" dirty="0">
-                          <a:solidFill>
-                            <a:srgbClr val="000000"/>
-                          </a:solidFill>
-                          <a:effectLst/>
-                          <a:latin typeface="Times New Roman" panose="02020603050405020304" pitchFamily="18" charset="0"/>
-                          <a:ea typeface="Calibri" panose="020F0502020204030204" pitchFamily="34" charset="0"/>
-                          <a:cs typeface="Times New Roman" panose="02020603050405020304" pitchFamily="18" charset="0"/>
-                        </a:rPr>
-                        <a:t>(via </a:t>
+                        <a:t>Reading and writing multiband images (Part 1). Image metadata. Compression. (via </a:t>
                       </a:r>
                       <a:r>
                         <a:rPr lang="en-US" sz="1400" dirty="0" err="1">
@@ -3933,39 +6576,16 @@
                       </a:pPr>
                       <a:r>
                         <a:rPr lang="en-US" sz="1400" dirty="0">
-                          <a:effectLst/>
-                          <a:latin typeface="Times New Roman" panose="02020603050405020304" pitchFamily="18" charset="0"/>
-                          <a:cs typeface="Times New Roman" panose="02020603050405020304" pitchFamily="18" charset="0"/>
-                        </a:rPr>
-                        <a:t>Introduction to the OpenCV  </a:t>
-                      </a:r>
-                    </a:p>
-                    <a:p>
-                      <a:pPr marL="90170" marR="0">
-                        <a:spcBef>
-                          <a:spcPts val="0"/>
-                        </a:spcBef>
-                        <a:spcAft>
-                          <a:spcPts val="0"/>
-                        </a:spcAft>
-                      </a:pPr>
-                      <a:r>
-                        <a:rPr lang="en-US" sz="1400" dirty="0">
-                          <a:effectLst/>
-                          <a:latin typeface="Times New Roman" panose="02020603050405020304" pitchFamily="18" charset="0"/>
-                          <a:cs typeface="Times New Roman" panose="02020603050405020304" pitchFamily="18" charset="0"/>
-                        </a:rPr>
-                        <a:t>(Reading, writing, basic core operations etc.)</a:t>
-                      </a:r>
-                      <a:endParaRPr lang="en-US" sz="1400" dirty="0">
-                        <a:solidFill>
-                          <a:srgbClr val="000000"/>
-                        </a:solidFill>
-                        <a:effectLst/>
-                        <a:latin typeface="Times New Roman" panose="02020603050405020304" pitchFamily="18" charset="0"/>
-                        <a:ea typeface="Calibri" panose="020F0502020204030204" pitchFamily="34" charset="0"/>
-                        <a:cs typeface="Times New Roman" panose="02020603050405020304" pitchFamily="18" charset="0"/>
-                      </a:endParaRPr>
+                          <a:solidFill>
+                            <a:srgbClr val="000000"/>
+                          </a:solidFill>
+                          <a:effectLst/>
+                          <a:latin typeface="Times New Roman" panose="02020603050405020304" pitchFamily="18" charset="0"/>
+                          <a:ea typeface="Calibri" panose="020F0502020204030204" pitchFamily="34" charset="0"/>
+                          <a:cs typeface="Times New Roman" panose="02020603050405020304" pitchFamily="18" charset="0"/>
+                        </a:rPr>
+                        <a:t>Reading and writing multiband images (Part 2). Image visualization. Git version control. </a:t>
+                      </a:r>
                     </a:p>
                   </a:txBody>
                   <a:tcPr marL="53270" marR="53270" marT="0" marB="0" anchor="ctr"/>
@@ -4094,55 +6714,16 @@
                       </a:pPr>
                       <a:r>
                         <a:rPr lang="en-US" sz="1400" dirty="0">
-                          <a:effectLst/>
-                          <a:latin typeface="Times New Roman" panose="02020603050405020304" pitchFamily="18" charset="0"/>
-                          <a:cs typeface="Times New Roman" panose="02020603050405020304" pitchFamily="18" charset="0"/>
-                        </a:rPr>
-                        <a:t>Image processing in OpenCV</a:t>
-                      </a:r>
-                    </a:p>
-                    <a:p>
-                      <a:pPr marL="90170" marR="0">
-                        <a:spcBef>
-                          <a:spcPts val="0"/>
-                        </a:spcBef>
-                        <a:spcAft>
-                          <a:spcPts val="0"/>
-                        </a:spcAft>
-                      </a:pPr>
-                      <a:r>
-                        <a:rPr lang="en-US" sz="1400" dirty="0">
-                          <a:effectLst/>
-                          <a:latin typeface="Times New Roman" panose="02020603050405020304" pitchFamily="18" charset="0"/>
-                          <a:cs typeface="Times New Roman" panose="02020603050405020304" pitchFamily="18" charset="0"/>
-                        </a:rPr>
-                        <a:t>(</a:t>
-                      </a:r>
-                      <a:r>
-                        <a:rPr lang="en-US" sz="1400" dirty="0" err="1">
-                          <a:effectLst/>
-                          <a:latin typeface="Times New Roman" panose="02020603050405020304" pitchFamily="18" charset="0"/>
-                          <a:cs typeface="Times New Roman" panose="02020603050405020304" pitchFamily="18" charset="0"/>
-                        </a:rPr>
-                        <a:t>Colorspaces</a:t>
-                      </a:r>
-                      <a:r>
-                        <a:rPr lang="en-US" sz="1400" dirty="0">
-                          <a:effectLst/>
-                          <a:latin typeface="Times New Roman" panose="02020603050405020304" pitchFamily="18" charset="0"/>
-                          <a:cs typeface="Times New Roman" panose="02020603050405020304" pitchFamily="18" charset="0"/>
-                        </a:rPr>
-                        <a:t>, transformations, histograms etc.)</a:t>
-                      </a:r>
-                      <a:endParaRPr lang="en-US" sz="1400" dirty="0">
-                        <a:solidFill>
-                          <a:srgbClr val="000000"/>
-                        </a:solidFill>
-                        <a:effectLst/>
-                        <a:latin typeface="Times New Roman" panose="02020603050405020304" pitchFamily="18" charset="0"/>
-                        <a:ea typeface="Calibri" panose="020F0502020204030204" pitchFamily="34" charset="0"/>
-                        <a:cs typeface="Times New Roman" panose="02020603050405020304" pitchFamily="18" charset="0"/>
-                      </a:endParaRPr>
+                          <a:solidFill>
+                            <a:srgbClr val="000000"/>
+                          </a:solidFill>
+                          <a:effectLst/>
+                          <a:latin typeface="Times New Roman" panose="02020603050405020304" pitchFamily="18" charset="0"/>
+                          <a:ea typeface="Calibri" panose="020F0502020204030204" pitchFamily="34" charset="0"/>
+                          <a:cs typeface="Times New Roman" panose="02020603050405020304" pitchFamily="18" charset="0"/>
+                        </a:rPr>
+                        <a:t>Clipping single images. Looping and clipping over multiple images. </a:t>
+                      </a:r>
                     </a:p>
                   </a:txBody>
                   <a:tcPr marL="53270" marR="53270" marT="0" marB="0" anchor="ctr"/>
@@ -4272,39 +6853,16 @@
                       </a:pPr>
                       <a:r>
                         <a:rPr lang="en-US" sz="1400" dirty="0">
-                          <a:effectLst/>
-                          <a:latin typeface="Times New Roman" panose="02020603050405020304" pitchFamily="18" charset="0"/>
-                          <a:cs typeface="Times New Roman" panose="02020603050405020304" pitchFamily="18" charset="0"/>
-                        </a:rPr>
-                        <a:t>Feature/object detection in OpenCV</a:t>
-                      </a:r>
-                    </a:p>
-                    <a:p>
-                      <a:pPr marL="90170" marR="0">
-                        <a:spcBef>
-                          <a:spcPts val="0"/>
-                        </a:spcBef>
-                        <a:spcAft>
-                          <a:spcPts val="0"/>
-                        </a:spcAft>
-                      </a:pPr>
-                      <a:r>
-                        <a:rPr lang="en-US" sz="1400" dirty="0">
-                          <a:effectLst/>
-                          <a:latin typeface="Times New Roman" panose="02020603050405020304" pitchFamily="18" charset="0"/>
-                          <a:cs typeface="Times New Roman" panose="02020603050405020304" pitchFamily="18" charset="0"/>
-                        </a:rPr>
-                        <a:t>(Basic feature detection examples and extraction)</a:t>
-                      </a:r>
-                      <a:endParaRPr lang="en-US" sz="1400" dirty="0">
-                        <a:solidFill>
-                          <a:srgbClr val="000000"/>
-                        </a:solidFill>
-                        <a:effectLst/>
-                        <a:latin typeface="Times New Roman" panose="02020603050405020304" pitchFamily="18" charset="0"/>
-                        <a:ea typeface="Calibri" panose="020F0502020204030204" pitchFamily="34" charset="0"/>
-                        <a:cs typeface="Times New Roman" panose="02020603050405020304" pitchFamily="18" charset="0"/>
-                      </a:endParaRPr>
+                          <a:solidFill>
+                            <a:srgbClr val="000000"/>
+                          </a:solidFill>
+                          <a:effectLst/>
+                          <a:latin typeface="Times New Roman" panose="02020603050405020304" pitchFamily="18" charset="0"/>
+                          <a:ea typeface="Calibri" panose="020F0502020204030204" pitchFamily="34" charset="0"/>
+                          <a:cs typeface="Times New Roman" panose="02020603050405020304" pitchFamily="18" charset="0"/>
+                        </a:rPr>
+                        <a:t>Histograms and panel plots (Matplotlib)</a:t>
+                      </a:r>
                     </a:p>
                   </a:txBody>
                   <a:tcPr marL="53270" marR="53270" marT="0" marB="0" anchor="ctr"/>
@@ -4523,7 +7081,25 @@
                           <a:latin typeface="Times New Roman" panose="02020603050405020304" pitchFamily="18" charset="0"/>
                           <a:cs typeface="Times New Roman" panose="02020603050405020304" pitchFamily="18" charset="0"/>
                         </a:rPr>
-                        <a:t>JavaScript for total beginners</a:t>
+                        <a:t>Introduction to the OpenCV  </a:t>
+                      </a:r>
+                    </a:p>
+                    <a:p>
+                      <a:pPr marL="90170" marR="0">
+                        <a:spcBef>
+                          <a:spcPts val="0"/>
+                        </a:spcBef>
+                        <a:spcAft>
+                          <a:spcPts val="0"/>
+                        </a:spcAft>
+                      </a:pPr>
+                      <a:r>
+                        <a:rPr lang="en-US" sz="1400" dirty="0">
+                          <a:effectLst/>
+                          <a:latin typeface="Times New Roman" panose="02020603050405020304" pitchFamily="18" charset="0"/>
+                          <a:cs typeface="Times New Roman" panose="02020603050405020304" pitchFamily="18" charset="0"/>
+                        </a:rPr>
+                        <a:t>(Reading, writing, basic core operations etc.)</a:t>
                       </a:r>
                       <a:endParaRPr lang="en-US" sz="1400" dirty="0">
                         <a:solidFill>
@@ -4667,7 +7243,7 @@
                           <a:latin typeface="Times New Roman" panose="02020603050405020304" pitchFamily="18" charset="0"/>
                           <a:cs typeface="Times New Roman" panose="02020603050405020304" pitchFamily="18" charset="0"/>
                         </a:rPr>
-                        <a:t>Introduction to Google Earth Engine</a:t>
+                        <a:t>Image processing in OpenCV</a:t>
                       </a:r>
                     </a:p>
                     <a:p>
@@ -4685,7 +7261,23 @@
                           <a:latin typeface="Times New Roman" panose="02020603050405020304" pitchFamily="18" charset="0"/>
                           <a:cs typeface="Times New Roman" panose="02020603050405020304" pitchFamily="18" charset="0"/>
                         </a:rPr>
-                        <a:t>(Interface, data catalogue, geospatial data import and visualization etc.)</a:t>
+                        <a:t>(</a:t>
+                      </a:r>
+                      <a:r>
+                        <a:rPr lang="en-US" sz="1400" dirty="0" err="1">
+                          <a:effectLst/>
+                          <a:latin typeface="Times New Roman" panose="02020603050405020304" pitchFamily="18" charset="0"/>
+                          <a:cs typeface="Times New Roman" panose="02020603050405020304" pitchFamily="18" charset="0"/>
+                        </a:rPr>
+                        <a:t>Colorspaces</a:t>
+                      </a:r>
+                      <a:r>
+                        <a:rPr lang="en-US" sz="1400" dirty="0">
+                          <a:effectLst/>
+                          <a:latin typeface="Times New Roman" panose="02020603050405020304" pitchFamily="18" charset="0"/>
+                          <a:cs typeface="Times New Roman" panose="02020603050405020304" pitchFamily="18" charset="0"/>
+                        </a:rPr>
+                        <a:t>, transformations, histograms etc.)</a:t>
                       </a:r>
                       <a:endParaRPr lang="en-US" sz="1400" dirty="0">
                         <a:solidFill>
@@ -4828,22 +7420,25 @@
                           <a:latin typeface="Times New Roman" panose="02020603050405020304" pitchFamily="18" charset="0"/>
                           <a:cs typeface="Times New Roman" panose="02020603050405020304" pitchFamily="18" charset="0"/>
                         </a:rPr>
-                        <a:t>Working with vector and raster data collections in Google Earth Engine  </a:t>
-                      </a:r>
-                      <a:br>
+                        <a:t>Feature/object detection in OpenCV</a:t>
+                      </a:r>
+                    </a:p>
+                    <a:p>
+                      <a:pPr marL="90170" marR="0">
+                        <a:spcBef>
+                          <a:spcPts val="0"/>
+                        </a:spcBef>
+                        <a:spcAft>
+                          <a:spcPts val="0"/>
+                        </a:spcAft>
+                      </a:pPr>
+                      <a:r>
                         <a:rPr lang="en-US" sz="1400" dirty="0">
                           <a:effectLst/>
                           <a:latin typeface="Times New Roman" panose="02020603050405020304" pitchFamily="18" charset="0"/>
                           <a:cs typeface="Times New Roman" panose="02020603050405020304" pitchFamily="18" charset="0"/>
                         </a:rPr>
-                      </a:br>
-                      <a:r>
-                        <a:rPr lang="en-US" sz="1400" dirty="0">
-                          <a:effectLst/>
-                          <a:latin typeface="Times New Roman" panose="02020603050405020304" pitchFamily="18" charset="0"/>
-                          <a:cs typeface="Times New Roman" panose="02020603050405020304" pitchFamily="18" charset="0"/>
-                        </a:rPr>
-                        <a:t>(Filtering, reducers, clipping, operators, and loops in Google Earth Engine)</a:t>
+                        <a:t>(Basic feature detection examples and extraction)</a:t>
                       </a:r>
                       <a:endParaRPr lang="en-US" sz="1400" dirty="0">
                         <a:solidFill>
@@ -4972,29 +7567,6 @@
                           <a:spcPts val="0"/>
                         </a:spcAft>
                       </a:pPr>
-                      <a:r>
-                        <a:rPr lang="en-US" sz="1400" dirty="0">
-                          <a:effectLst/>
-                          <a:latin typeface="Times New Roman" panose="02020603050405020304" pitchFamily="18" charset="0"/>
-                          <a:cs typeface="Times New Roman" panose="02020603050405020304" pitchFamily="18" charset="0"/>
-                        </a:rPr>
-                        <a:t>Classification in Google Earth Engine</a:t>
-                      </a:r>
-                      <a:br>
-                        <a:rPr lang="en-US" sz="1400" dirty="0">
-                          <a:effectLst/>
-                          <a:latin typeface="Times New Roman" panose="02020603050405020304" pitchFamily="18" charset="0"/>
-                          <a:cs typeface="Times New Roman" panose="02020603050405020304" pitchFamily="18" charset="0"/>
-                        </a:rPr>
-                      </a:br>
-                      <a:r>
-                        <a:rPr lang="en-US" sz="1400" dirty="0">
-                          <a:effectLst/>
-                          <a:latin typeface="Times New Roman" panose="02020603050405020304" pitchFamily="18" charset="0"/>
-                          <a:cs typeface="Times New Roman" panose="02020603050405020304" pitchFamily="18" charset="0"/>
-                        </a:rPr>
-                        <a:t>(Unsupervised, and Supervised classification)</a:t>
-                      </a:r>
                       <a:endParaRPr lang="en-US" sz="1400" dirty="0">
                         <a:solidFill>
                           <a:srgbClr val="000000"/>
@@ -5619,7 +8191,7 @@
     </p:spTree>
     <p:extLst>
       <p:ext uri="{BB962C8B-B14F-4D97-AF65-F5344CB8AC3E}">
-        <p14:creationId xmlns:p14="http://schemas.microsoft.com/office/powerpoint/2010/main" val="4251559109"/>
+        <p14:creationId xmlns:p14="http://schemas.microsoft.com/office/powerpoint/2010/main" val="3392208958"/>
       </p:ext>
     </p:extLst>
   </p:cSld>

--- a/syllabus/format.pptx
+++ b/syllabus/format.pptx
@@ -5,8 +5,7 @@
     <p:sldMasterId id="2147483660" r:id="rId1"/>
   </p:sldMasterIdLst>
   <p:sldIdLst>
-    <p:sldId id="256" r:id="rId2"/>
-    <p:sldId id="257" r:id="rId3"/>
+    <p:sldId id="257" r:id="rId2"/>
   </p:sldIdLst>
   <p:sldSz cx="9144000" cy="6858000" type="screen4x3"/>
   <p:notesSz cx="6858000" cy="9144000"/>
@@ -255,7 +254,7 @@
           <a:p>
             <a:fld id="{48CDFCA1-6601-C943-AA02-89F09BE97B91}" type="datetimeFigureOut">
               <a:rPr lang="en-US" smtClean="0"/>
-              <a:t>2/28/2022</a:t>
+              <a:t>4/7/2022</a:t>
             </a:fld>
             <a:endParaRPr lang="en-US"/>
           </a:p>
@@ -425,7 +424,7 @@
           <a:p>
             <a:fld id="{48CDFCA1-6601-C943-AA02-89F09BE97B91}" type="datetimeFigureOut">
               <a:rPr lang="en-US" smtClean="0"/>
-              <a:t>2/28/2022</a:t>
+              <a:t>4/7/2022</a:t>
             </a:fld>
             <a:endParaRPr lang="en-US"/>
           </a:p>
@@ -605,7 +604,7 @@
           <a:p>
             <a:fld id="{48CDFCA1-6601-C943-AA02-89F09BE97B91}" type="datetimeFigureOut">
               <a:rPr lang="en-US" smtClean="0"/>
-              <a:t>2/28/2022</a:t>
+              <a:t>4/7/2022</a:t>
             </a:fld>
             <a:endParaRPr lang="en-US"/>
           </a:p>
@@ -775,7 +774,7 @@
           <a:p>
             <a:fld id="{48CDFCA1-6601-C943-AA02-89F09BE97B91}" type="datetimeFigureOut">
               <a:rPr lang="en-US" smtClean="0"/>
-              <a:t>2/28/2022</a:t>
+              <a:t>4/7/2022</a:t>
             </a:fld>
             <a:endParaRPr lang="en-US"/>
           </a:p>
@@ -1019,7 +1018,7 @@
           <a:p>
             <a:fld id="{48CDFCA1-6601-C943-AA02-89F09BE97B91}" type="datetimeFigureOut">
               <a:rPr lang="en-US" smtClean="0"/>
-              <a:t>2/28/2022</a:t>
+              <a:t>4/7/2022</a:t>
             </a:fld>
             <a:endParaRPr lang="en-US"/>
           </a:p>
@@ -1251,7 +1250,7 @@
           <a:p>
             <a:fld id="{48CDFCA1-6601-C943-AA02-89F09BE97B91}" type="datetimeFigureOut">
               <a:rPr lang="en-US" smtClean="0"/>
-              <a:t>2/28/2022</a:t>
+              <a:t>4/7/2022</a:t>
             </a:fld>
             <a:endParaRPr lang="en-US"/>
           </a:p>
@@ -1618,7 +1617,7 @@
           <a:p>
             <a:fld id="{48CDFCA1-6601-C943-AA02-89F09BE97B91}" type="datetimeFigureOut">
               <a:rPr lang="en-US" smtClean="0"/>
-              <a:t>2/28/2022</a:t>
+              <a:t>4/7/2022</a:t>
             </a:fld>
             <a:endParaRPr lang="en-US"/>
           </a:p>
@@ -1736,7 +1735,7 @@
           <a:p>
             <a:fld id="{48CDFCA1-6601-C943-AA02-89F09BE97B91}" type="datetimeFigureOut">
               <a:rPr lang="en-US" smtClean="0"/>
-              <a:t>2/28/2022</a:t>
+              <a:t>4/7/2022</a:t>
             </a:fld>
             <a:endParaRPr lang="en-US"/>
           </a:p>
@@ -1831,7 +1830,7 @@
           <a:p>
             <a:fld id="{48CDFCA1-6601-C943-AA02-89F09BE97B91}" type="datetimeFigureOut">
               <a:rPr lang="en-US" smtClean="0"/>
-              <a:t>2/28/2022</a:t>
+              <a:t>4/7/2022</a:t>
             </a:fld>
             <a:endParaRPr lang="en-US"/>
           </a:p>
@@ -2108,7 +2107,7 @@
           <a:p>
             <a:fld id="{48CDFCA1-6601-C943-AA02-89F09BE97B91}" type="datetimeFigureOut">
               <a:rPr lang="en-US" smtClean="0"/>
-              <a:t>2/28/2022</a:t>
+              <a:t>4/7/2022</a:t>
             </a:fld>
             <a:endParaRPr lang="en-US"/>
           </a:p>
@@ -2365,7 +2364,7 @@
           <a:p>
             <a:fld id="{48CDFCA1-6601-C943-AA02-89F09BE97B91}" type="datetimeFigureOut">
               <a:rPr lang="en-US" smtClean="0"/>
-              <a:t>2/28/2022</a:t>
+              <a:t>4/7/2022</a:t>
             </a:fld>
             <a:endParaRPr lang="en-US"/>
           </a:p>
@@ -2578,7 +2577,7 @@
           <a:p>
             <a:fld id="{48CDFCA1-6601-C943-AA02-89F09BE97B91}" type="datetimeFigureOut">
               <a:rPr lang="en-US" smtClean="0"/>
-              <a:t>2/28/2022</a:t>
+              <a:t>4/7/2022</a:t>
             </a:fld>
             <a:endParaRPr lang="en-US"/>
           </a:p>
@@ -3008,2671 +3007,7 @@
           <p:nvPr>
             <p:extLst>
               <p:ext uri="{D42A27DB-BD31-4B8C-83A1-F6EECF244321}">
-                <p14:modId xmlns:p14="http://schemas.microsoft.com/office/powerpoint/2010/main" val="1260134993"/>
-              </p:ext>
-            </p:extLst>
-          </p:nvPr>
-        </p:nvGraphicFramePr>
-        <p:xfrm>
-          <a:off x="0" y="0"/>
-          <a:ext cx="9144002" cy="7069456"/>
-        </p:xfrm>
-        <a:graphic>
-          <a:graphicData uri="http://schemas.openxmlformats.org/drawingml/2006/table">
-            <a:tbl>
-              <a:tblPr firstRow="1" bandRow="1" bandCol="1">
-                <a:tableStyleId>{F2DE63D5-997A-4646-A377-4702673A728D}</a:tableStyleId>
-              </a:tblPr>
-              <a:tblGrid>
-                <a:gridCol w="1298825">
-                  <a:extLst>
-                    <a:ext uri="{9D8B030D-6E8A-4147-A177-3AD203B41FA5}">
-                      <a16:colId xmlns:a16="http://schemas.microsoft.com/office/drawing/2014/main" val="3049745298"/>
-                    </a:ext>
-                  </a:extLst>
-                </a:gridCol>
-                <a:gridCol w="5977046">
-                  <a:extLst>
-                    <a:ext uri="{9D8B030D-6E8A-4147-A177-3AD203B41FA5}">
-                      <a16:colId xmlns:a16="http://schemas.microsoft.com/office/drawing/2014/main" val="3141381812"/>
-                    </a:ext>
-                  </a:extLst>
-                </a:gridCol>
-                <a:gridCol w="1868131">
-                  <a:extLst>
-                    <a:ext uri="{9D8B030D-6E8A-4147-A177-3AD203B41FA5}">
-                      <a16:colId xmlns:a16="http://schemas.microsoft.com/office/drawing/2014/main" val="2516319591"/>
-                    </a:ext>
-                  </a:extLst>
-                </a:gridCol>
-              </a:tblGrid>
-              <a:tr h="214313">
-                <a:tc>
-                  <a:txBody>
-                    <a:bodyPr/>
-                    <a:lstStyle/>
-                    <a:p>
-                      <a:pPr marL="90170" marR="0" algn="ctr">
-                        <a:spcBef>
-                          <a:spcPts val="0"/>
-                        </a:spcBef>
-                        <a:spcAft>
-                          <a:spcPts val="0"/>
-                        </a:spcAft>
-                      </a:pPr>
-                      <a:r>
-                        <a:rPr lang="en-US" sz="1400" dirty="0">
-                          <a:effectLst/>
-                          <a:latin typeface="Times New Roman" panose="02020603050405020304" pitchFamily="18" charset="0"/>
-                          <a:cs typeface="Times New Roman" panose="02020603050405020304" pitchFamily="18" charset="0"/>
-                        </a:rPr>
-                        <a:t>Week</a:t>
-                      </a:r>
-                      <a:endParaRPr lang="en-US" sz="1400" dirty="0">
-                        <a:solidFill>
-                          <a:srgbClr val="000000"/>
-                        </a:solidFill>
-                        <a:effectLst/>
-                        <a:latin typeface="Times New Roman" panose="02020603050405020304" pitchFamily="18" charset="0"/>
-                        <a:ea typeface="Calibri" panose="020F0502020204030204" pitchFamily="34" charset="0"/>
-                        <a:cs typeface="Times New Roman" panose="02020603050405020304" pitchFamily="18" charset="0"/>
-                      </a:endParaRPr>
-                    </a:p>
-                  </a:txBody>
-                  <a:tcPr marL="53270" marR="53270" marT="0" marB="0"/>
-                </a:tc>
-                <a:tc>
-                  <a:txBody>
-                    <a:bodyPr/>
-                    <a:lstStyle/>
-                    <a:p>
-                      <a:pPr marL="90170" marR="0" algn="ctr">
-                        <a:spcBef>
-                          <a:spcPts val="0"/>
-                        </a:spcBef>
-                        <a:spcAft>
-                          <a:spcPts val="0"/>
-                        </a:spcAft>
-                      </a:pPr>
-                      <a:r>
-                        <a:rPr lang="en-US" sz="1400" dirty="0">
-                          <a:effectLst/>
-                          <a:latin typeface="Times New Roman" panose="02020603050405020304" pitchFamily="18" charset="0"/>
-                          <a:cs typeface="Times New Roman" panose="02020603050405020304" pitchFamily="18" charset="0"/>
-                        </a:rPr>
-                        <a:t>Topic</a:t>
-                      </a:r>
-                      <a:endParaRPr lang="en-US" sz="1400" dirty="0">
-                        <a:solidFill>
-                          <a:srgbClr val="000000"/>
-                        </a:solidFill>
-                        <a:effectLst/>
-                        <a:latin typeface="Times New Roman" panose="02020603050405020304" pitchFamily="18" charset="0"/>
-                        <a:ea typeface="Calibri" panose="020F0502020204030204" pitchFamily="34" charset="0"/>
-                        <a:cs typeface="Times New Roman" panose="02020603050405020304" pitchFamily="18" charset="0"/>
-                      </a:endParaRPr>
-                    </a:p>
-                  </a:txBody>
-                  <a:tcPr marL="53270" marR="53270" marT="0" marB="0"/>
-                </a:tc>
-                <a:tc>
-                  <a:txBody>
-                    <a:bodyPr/>
-                    <a:lstStyle/>
-                    <a:p>
-                      <a:pPr marL="90170" marR="0" algn="ctr">
-                        <a:spcBef>
-                          <a:spcPts val="0"/>
-                        </a:spcBef>
-                        <a:spcAft>
-                          <a:spcPts val="0"/>
-                        </a:spcAft>
-                      </a:pPr>
-                      <a:r>
-                        <a:rPr lang="en-US" sz="1400">
-                          <a:effectLst/>
-                          <a:latin typeface="Times New Roman" panose="02020603050405020304" pitchFamily="18" charset="0"/>
-                          <a:cs typeface="Times New Roman" panose="02020603050405020304" pitchFamily="18" charset="0"/>
-                        </a:rPr>
-                        <a:t>Coursework</a:t>
-                      </a:r>
-                      <a:endParaRPr lang="en-US" sz="1400" dirty="0">
-                        <a:solidFill>
-                          <a:srgbClr val="000000"/>
-                        </a:solidFill>
-                        <a:effectLst/>
-                        <a:latin typeface="Times New Roman" panose="02020603050405020304" pitchFamily="18" charset="0"/>
-                        <a:ea typeface="Calibri" panose="020F0502020204030204" pitchFamily="34" charset="0"/>
-                        <a:cs typeface="Times New Roman" panose="02020603050405020304" pitchFamily="18" charset="0"/>
-                      </a:endParaRPr>
-                    </a:p>
-                  </a:txBody>
-                  <a:tcPr marL="53270" marR="53270" marT="0" marB="0"/>
-                </a:tc>
-                <a:extLst>
-                  <a:ext uri="{0D108BD9-81ED-4DB2-BD59-A6C34878D82A}">
-                    <a16:rowId xmlns:a16="http://schemas.microsoft.com/office/drawing/2014/main" val="1094461806"/>
-                  </a:ext>
-                </a:extLst>
-              </a:tr>
-              <a:tr h="428625">
-                <a:tc>
-                  <a:txBody>
-                    <a:bodyPr/>
-                    <a:lstStyle/>
-                    <a:p>
-                      <a:pPr marL="90170" marR="0" algn="ctr">
-                        <a:spcBef>
-                          <a:spcPts val="0"/>
-                        </a:spcBef>
-                        <a:spcAft>
-                          <a:spcPts val="0"/>
-                        </a:spcAft>
-                      </a:pPr>
-                      <a:r>
-                        <a:rPr lang="en-US" sz="1400" b="1" dirty="0">
-                          <a:effectLst/>
-                          <a:latin typeface="Times New Roman" panose="02020603050405020304" pitchFamily="18" charset="0"/>
-                          <a:cs typeface="Times New Roman" panose="02020603050405020304" pitchFamily="18" charset="0"/>
-                        </a:rPr>
-                        <a:t>Week 1: </a:t>
-                      </a:r>
-                    </a:p>
-                    <a:p>
-                      <a:pPr marL="90170" marR="0" algn="ctr">
-                        <a:spcBef>
-                          <a:spcPts val="0"/>
-                        </a:spcBef>
-                        <a:spcAft>
-                          <a:spcPts val="0"/>
-                        </a:spcAft>
-                      </a:pPr>
-                      <a:r>
-                        <a:rPr lang="en-US" sz="1400" b="1" dirty="0">
-                          <a:effectLst/>
-                          <a:latin typeface="Times New Roman" panose="02020603050405020304" pitchFamily="18" charset="0"/>
-                          <a:cs typeface="Times New Roman" panose="02020603050405020304" pitchFamily="18" charset="0"/>
-                        </a:rPr>
-                        <a:t>Jan 24</a:t>
-                      </a:r>
-                      <a:r>
-                        <a:rPr lang="en-US" sz="1400" b="1" baseline="30000" dirty="0">
-                          <a:effectLst/>
-                          <a:latin typeface="Times New Roman" panose="02020603050405020304" pitchFamily="18" charset="0"/>
-                          <a:cs typeface="Times New Roman" panose="02020603050405020304" pitchFamily="18" charset="0"/>
-                        </a:rPr>
-                        <a:t>th</a:t>
-                      </a:r>
-                      <a:endParaRPr lang="en-US" sz="1400" b="1" dirty="0">
-                        <a:solidFill>
-                          <a:srgbClr val="000000"/>
-                        </a:solidFill>
-                        <a:effectLst/>
-                        <a:latin typeface="Times New Roman" panose="02020603050405020304" pitchFamily="18" charset="0"/>
-                        <a:ea typeface="Calibri" panose="020F0502020204030204" pitchFamily="34" charset="0"/>
-                        <a:cs typeface="Times New Roman" panose="02020603050405020304" pitchFamily="18" charset="0"/>
-                      </a:endParaRPr>
-                    </a:p>
-                  </a:txBody>
-                  <a:tcPr marL="53270" marR="53270" marT="0" marB="0"/>
-                </a:tc>
-                <a:tc>
-                  <a:txBody>
-                    <a:bodyPr/>
-                    <a:lstStyle/>
-                    <a:p>
-                      <a:pPr marL="90170" marR="0">
-                        <a:spcBef>
-                          <a:spcPts val="0"/>
-                        </a:spcBef>
-                        <a:spcAft>
-                          <a:spcPts val="0"/>
-                        </a:spcAft>
-                      </a:pPr>
-                      <a:r>
-                        <a:rPr lang="en-US" sz="1400" dirty="0">
-                          <a:effectLst/>
-                          <a:latin typeface="Times New Roman" panose="02020603050405020304" pitchFamily="18" charset="0"/>
-                          <a:cs typeface="Times New Roman" panose="02020603050405020304" pitchFamily="18" charset="0"/>
-                        </a:rPr>
-                        <a:t>Introduction and course overview</a:t>
-                      </a:r>
-                    </a:p>
-                    <a:p>
-                      <a:pPr marL="90170" marR="0">
-                        <a:spcBef>
-                          <a:spcPts val="0"/>
-                        </a:spcBef>
-                        <a:spcAft>
-                          <a:spcPts val="0"/>
-                        </a:spcAft>
-                      </a:pPr>
-                      <a:r>
-                        <a:rPr lang="en-US" sz="1400" dirty="0">
-                          <a:effectLst/>
-                          <a:latin typeface="Times New Roman" panose="02020603050405020304" pitchFamily="18" charset="0"/>
-                          <a:cs typeface="Times New Roman" panose="02020603050405020304" pitchFamily="18" charset="0"/>
-                        </a:rPr>
-                        <a:t>Installing Anaconda + </a:t>
-                      </a:r>
-                      <a:r>
-                        <a:rPr lang="en-US" sz="1400" dirty="0" err="1">
-                          <a:effectLst/>
-                          <a:latin typeface="Times New Roman" panose="02020603050405020304" pitchFamily="18" charset="0"/>
-                          <a:cs typeface="Times New Roman" panose="02020603050405020304" pitchFamily="18" charset="0"/>
-                        </a:rPr>
-                        <a:t>Jupyter</a:t>
-                      </a:r>
-                      <a:r>
-                        <a:rPr lang="en-US" sz="1400" dirty="0">
-                          <a:effectLst/>
-                          <a:latin typeface="Times New Roman" panose="02020603050405020304" pitchFamily="18" charset="0"/>
-                          <a:cs typeface="Times New Roman" panose="02020603050405020304" pitchFamily="18" charset="0"/>
-                        </a:rPr>
-                        <a:t> notebooks</a:t>
-                      </a:r>
-                      <a:endParaRPr lang="en-US" sz="1400" dirty="0">
-                        <a:solidFill>
-                          <a:srgbClr val="000000"/>
-                        </a:solidFill>
-                        <a:effectLst/>
-                        <a:latin typeface="Times New Roman" panose="02020603050405020304" pitchFamily="18" charset="0"/>
-                        <a:ea typeface="Calibri" panose="020F0502020204030204" pitchFamily="34" charset="0"/>
-                        <a:cs typeface="Times New Roman" panose="02020603050405020304" pitchFamily="18" charset="0"/>
-                      </a:endParaRPr>
-                    </a:p>
-                  </a:txBody>
-                  <a:tcPr marL="53270" marR="53270" marT="0" marB="0" anchor="ctr"/>
-                </a:tc>
-                <a:tc>
-                  <a:txBody>
-                    <a:bodyPr/>
-                    <a:lstStyle/>
-                    <a:p>
-                      <a:pPr marL="90170" marR="0" algn="ctr">
-                        <a:spcBef>
-                          <a:spcPts val="0"/>
-                        </a:spcBef>
-                        <a:spcAft>
-                          <a:spcPts val="0"/>
-                        </a:spcAft>
-                      </a:pPr>
-                      <a:r>
-                        <a:rPr lang="en-US" sz="1400" dirty="0">
-                          <a:effectLst/>
-                          <a:latin typeface="Times New Roman" panose="02020603050405020304" pitchFamily="18" charset="0"/>
-                          <a:cs typeface="Times New Roman" panose="02020603050405020304" pitchFamily="18" charset="0"/>
-                        </a:rPr>
-                        <a:t>Assignment 1</a:t>
-                      </a:r>
-                      <a:endParaRPr lang="en-US" sz="1400" dirty="0">
-                        <a:solidFill>
-                          <a:srgbClr val="000000"/>
-                        </a:solidFill>
-                        <a:effectLst/>
-                        <a:latin typeface="Times New Roman" panose="02020603050405020304" pitchFamily="18" charset="0"/>
-                        <a:ea typeface="Calibri" panose="020F0502020204030204" pitchFamily="34" charset="0"/>
-                        <a:cs typeface="Times New Roman" panose="02020603050405020304" pitchFamily="18" charset="0"/>
-                      </a:endParaRPr>
-                    </a:p>
-                  </a:txBody>
-                  <a:tcPr marL="53270" marR="53270" marT="0" marB="0" anchor="ctr"/>
-                </a:tc>
-                <a:extLst>
-                  <a:ext uri="{0D108BD9-81ED-4DB2-BD59-A6C34878D82A}">
-                    <a16:rowId xmlns:a16="http://schemas.microsoft.com/office/drawing/2014/main" val="2484527875"/>
-                  </a:ext>
-                </a:extLst>
-              </a:tr>
-              <a:tr h="428625">
-                <a:tc>
-                  <a:txBody>
-                    <a:bodyPr/>
-                    <a:lstStyle/>
-                    <a:p>
-                      <a:pPr marL="90170" marR="0" algn="ctr">
-                        <a:spcBef>
-                          <a:spcPts val="0"/>
-                        </a:spcBef>
-                        <a:spcAft>
-                          <a:spcPts val="0"/>
-                        </a:spcAft>
-                      </a:pPr>
-                      <a:r>
-                        <a:rPr lang="en-US" sz="1400" b="1" dirty="0">
-                          <a:effectLst/>
-                          <a:latin typeface="Times New Roman" panose="02020603050405020304" pitchFamily="18" charset="0"/>
-                          <a:cs typeface="Times New Roman" panose="02020603050405020304" pitchFamily="18" charset="0"/>
-                        </a:rPr>
-                        <a:t>Week 2: </a:t>
-                      </a:r>
-                    </a:p>
-                    <a:p>
-                      <a:pPr marL="90170" marR="0" algn="ctr">
-                        <a:spcBef>
-                          <a:spcPts val="0"/>
-                        </a:spcBef>
-                        <a:spcAft>
-                          <a:spcPts val="0"/>
-                        </a:spcAft>
-                      </a:pPr>
-                      <a:r>
-                        <a:rPr lang="en-US" sz="1400" b="1" dirty="0">
-                          <a:effectLst/>
-                          <a:latin typeface="Times New Roman" panose="02020603050405020304" pitchFamily="18" charset="0"/>
-                          <a:cs typeface="Times New Roman" panose="02020603050405020304" pitchFamily="18" charset="0"/>
-                        </a:rPr>
-                        <a:t>Jan 31</a:t>
-                      </a:r>
-                      <a:r>
-                        <a:rPr lang="en-US" sz="1400" b="1" baseline="30000" dirty="0">
-                          <a:effectLst/>
-                          <a:latin typeface="Times New Roman" panose="02020603050405020304" pitchFamily="18" charset="0"/>
-                          <a:cs typeface="Times New Roman" panose="02020603050405020304" pitchFamily="18" charset="0"/>
-                        </a:rPr>
-                        <a:t>st</a:t>
-                      </a:r>
-                      <a:r>
-                        <a:rPr lang="en-US" sz="1400" b="1" dirty="0">
-                          <a:effectLst/>
-                          <a:latin typeface="Times New Roman" panose="02020603050405020304" pitchFamily="18" charset="0"/>
-                          <a:cs typeface="Times New Roman" panose="02020603050405020304" pitchFamily="18" charset="0"/>
-                        </a:rPr>
-                        <a:t> </a:t>
-                      </a:r>
-                      <a:endParaRPr lang="en-US" sz="1400" b="1" dirty="0">
-                        <a:solidFill>
-                          <a:srgbClr val="000000"/>
-                        </a:solidFill>
-                        <a:effectLst/>
-                        <a:latin typeface="Times New Roman" panose="02020603050405020304" pitchFamily="18" charset="0"/>
-                        <a:ea typeface="Calibri" panose="020F0502020204030204" pitchFamily="34" charset="0"/>
-                        <a:cs typeface="Times New Roman" panose="02020603050405020304" pitchFamily="18" charset="0"/>
-                      </a:endParaRPr>
-                    </a:p>
-                  </a:txBody>
-                  <a:tcPr marL="53270" marR="53270" marT="0" marB="0"/>
-                </a:tc>
-                <a:tc>
-                  <a:txBody>
-                    <a:bodyPr/>
-                    <a:lstStyle/>
-                    <a:p>
-                      <a:pPr marL="90170" marR="0">
-                        <a:spcBef>
-                          <a:spcPts val="0"/>
-                        </a:spcBef>
-                        <a:spcAft>
-                          <a:spcPts val="0"/>
-                        </a:spcAft>
-                      </a:pPr>
-                      <a:r>
-                        <a:rPr lang="en-US" sz="1400" dirty="0">
-                          <a:effectLst/>
-                          <a:latin typeface="Times New Roman" panose="02020603050405020304" pitchFamily="18" charset="0"/>
-                          <a:cs typeface="Times New Roman" panose="02020603050405020304" pitchFamily="18" charset="0"/>
-                        </a:rPr>
-                        <a:t>Python for total beginners</a:t>
-                      </a:r>
-                      <a:endParaRPr lang="en-US" sz="1400" dirty="0">
-                        <a:solidFill>
-                          <a:srgbClr val="000000"/>
-                        </a:solidFill>
-                        <a:effectLst/>
-                        <a:latin typeface="Times New Roman" panose="02020603050405020304" pitchFamily="18" charset="0"/>
-                        <a:ea typeface="Calibri" panose="020F0502020204030204" pitchFamily="34" charset="0"/>
-                        <a:cs typeface="Times New Roman" panose="02020603050405020304" pitchFamily="18" charset="0"/>
-                      </a:endParaRPr>
-                    </a:p>
-                  </a:txBody>
-                  <a:tcPr marL="53270" marR="53270" marT="0" marB="0" anchor="ctr"/>
-                </a:tc>
-                <a:tc>
-                  <a:txBody>
-                    <a:bodyPr/>
-                    <a:lstStyle/>
-                    <a:p>
-                      <a:pPr marL="90170" marR="0" algn="ctr">
-                        <a:spcBef>
-                          <a:spcPts val="0"/>
-                        </a:spcBef>
-                        <a:spcAft>
-                          <a:spcPts val="0"/>
-                        </a:spcAft>
-                      </a:pPr>
-                      <a:r>
-                        <a:rPr lang="en-US" sz="1400" dirty="0">
-                          <a:effectLst/>
-                          <a:latin typeface="Times New Roman" panose="02020603050405020304" pitchFamily="18" charset="0"/>
-                          <a:cs typeface="Times New Roman" panose="02020603050405020304" pitchFamily="18" charset="0"/>
-                        </a:rPr>
-                        <a:t>Assignment 2</a:t>
-                      </a:r>
-                      <a:endParaRPr lang="en-US" sz="1400" dirty="0">
-                        <a:solidFill>
-                          <a:srgbClr val="000000"/>
-                        </a:solidFill>
-                        <a:effectLst/>
-                        <a:latin typeface="Times New Roman" panose="02020603050405020304" pitchFamily="18" charset="0"/>
-                        <a:ea typeface="Calibri" panose="020F0502020204030204" pitchFamily="34" charset="0"/>
-                        <a:cs typeface="Times New Roman" panose="02020603050405020304" pitchFamily="18" charset="0"/>
-                      </a:endParaRPr>
-                    </a:p>
-                  </a:txBody>
-                  <a:tcPr marL="53270" marR="53270" marT="0" marB="0" anchor="ctr"/>
-                </a:tc>
-                <a:extLst>
-                  <a:ext uri="{0D108BD9-81ED-4DB2-BD59-A6C34878D82A}">
-                    <a16:rowId xmlns:a16="http://schemas.microsoft.com/office/drawing/2014/main" val="3329571202"/>
-                  </a:ext>
-                </a:extLst>
-              </a:tr>
-              <a:tr h="428625">
-                <a:tc>
-                  <a:txBody>
-                    <a:bodyPr/>
-                    <a:lstStyle/>
-                    <a:p>
-                      <a:pPr marL="90170" marR="0" algn="ctr">
-                        <a:spcBef>
-                          <a:spcPts val="0"/>
-                        </a:spcBef>
-                        <a:spcAft>
-                          <a:spcPts val="0"/>
-                        </a:spcAft>
-                      </a:pPr>
-                      <a:r>
-                        <a:rPr lang="en-US" sz="1400" b="1" dirty="0">
-                          <a:effectLst/>
-                          <a:latin typeface="Times New Roman" panose="02020603050405020304" pitchFamily="18" charset="0"/>
-                          <a:cs typeface="Times New Roman" panose="02020603050405020304" pitchFamily="18" charset="0"/>
-                        </a:rPr>
-                        <a:t>Week 3: </a:t>
-                      </a:r>
-                    </a:p>
-                    <a:p>
-                      <a:pPr marL="90170" marR="0" algn="ctr">
-                        <a:spcBef>
-                          <a:spcPts val="0"/>
-                        </a:spcBef>
-                        <a:spcAft>
-                          <a:spcPts val="0"/>
-                        </a:spcAft>
-                      </a:pPr>
-                      <a:r>
-                        <a:rPr lang="en-US" sz="1400" b="1" dirty="0">
-                          <a:effectLst/>
-                          <a:latin typeface="Times New Roman" panose="02020603050405020304" pitchFamily="18" charset="0"/>
-                          <a:cs typeface="Times New Roman" panose="02020603050405020304" pitchFamily="18" charset="0"/>
-                        </a:rPr>
-                        <a:t>Feb 7</a:t>
-                      </a:r>
-                      <a:r>
-                        <a:rPr lang="en-US" sz="1400" b="1" baseline="30000" dirty="0">
-                          <a:effectLst/>
-                          <a:latin typeface="Times New Roman" panose="02020603050405020304" pitchFamily="18" charset="0"/>
-                          <a:cs typeface="Times New Roman" panose="02020603050405020304" pitchFamily="18" charset="0"/>
-                        </a:rPr>
-                        <a:t>th</a:t>
-                      </a:r>
-                      <a:endParaRPr lang="en-US" sz="1400" b="1" dirty="0">
-                        <a:solidFill>
-                          <a:srgbClr val="000000"/>
-                        </a:solidFill>
-                        <a:effectLst/>
-                        <a:latin typeface="Times New Roman" panose="02020603050405020304" pitchFamily="18" charset="0"/>
-                        <a:ea typeface="Calibri" panose="020F0502020204030204" pitchFamily="34" charset="0"/>
-                        <a:cs typeface="Times New Roman" panose="02020603050405020304" pitchFamily="18" charset="0"/>
-                      </a:endParaRPr>
-                    </a:p>
-                  </a:txBody>
-                  <a:tcPr marL="53270" marR="53270" marT="0" marB="0"/>
-                </a:tc>
-                <a:tc>
-                  <a:txBody>
-                    <a:bodyPr/>
-                    <a:lstStyle/>
-                    <a:p>
-                      <a:pPr marL="90170" marR="0">
-                        <a:spcBef>
-                          <a:spcPts val="0"/>
-                        </a:spcBef>
-                        <a:spcAft>
-                          <a:spcPts val="0"/>
-                        </a:spcAft>
-                      </a:pPr>
-                      <a:r>
-                        <a:rPr lang="en-US" sz="1400" dirty="0">
-                          <a:effectLst/>
-                          <a:latin typeface="Times New Roman" panose="02020603050405020304" pitchFamily="18" charset="0"/>
-                          <a:cs typeface="Times New Roman" panose="02020603050405020304" pitchFamily="18" charset="0"/>
-                        </a:rPr>
-                        <a:t>Obtaining satellite imagery</a:t>
-                      </a:r>
-                    </a:p>
-                    <a:p>
-                      <a:pPr marL="90170" marR="0">
-                        <a:spcBef>
-                          <a:spcPts val="0"/>
-                        </a:spcBef>
-                        <a:spcAft>
-                          <a:spcPts val="0"/>
-                        </a:spcAft>
-                      </a:pPr>
-                      <a:r>
-                        <a:rPr lang="en-US" sz="1400" dirty="0">
-                          <a:effectLst/>
-                          <a:latin typeface="Times New Roman" panose="02020603050405020304" pitchFamily="18" charset="0"/>
-                          <a:cs typeface="Times New Roman" panose="02020603050405020304" pitchFamily="18" charset="0"/>
-                        </a:rPr>
-                        <a:t>(Including API scripting)</a:t>
-                      </a:r>
-                      <a:endParaRPr lang="en-US" sz="1400" dirty="0">
-                        <a:solidFill>
-                          <a:srgbClr val="000000"/>
-                        </a:solidFill>
-                        <a:effectLst/>
-                        <a:latin typeface="Times New Roman" panose="02020603050405020304" pitchFamily="18" charset="0"/>
-                        <a:ea typeface="Calibri" panose="020F0502020204030204" pitchFamily="34" charset="0"/>
-                        <a:cs typeface="Times New Roman" panose="02020603050405020304" pitchFamily="18" charset="0"/>
-                      </a:endParaRPr>
-                    </a:p>
-                  </a:txBody>
-                  <a:tcPr marL="53270" marR="53270" marT="0" marB="0" anchor="ctr"/>
-                </a:tc>
-                <a:tc>
-                  <a:txBody>
-                    <a:bodyPr/>
-                    <a:lstStyle/>
-                    <a:p>
-                      <a:pPr marL="90170" marR="0" algn="ctr">
-                        <a:spcBef>
-                          <a:spcPts val="0"/>
-                        </a:spcBef>
-                        <a:spcAft>
-                          <a:spcPts val="0"/>
-                        </a:spcAft>
-                      </a:pPr>
-                      <a:r>
-                        <a:rPr lang="en-US" sz="1400" dirty="0">
-                          <a:solidFill>
-                            <a:srgbClr val="000000"/>
-                          </a:solidFill>
-                          <a:effectLst/>
-                          <a:latin typeface="Times New Roman" panose="02020603050405020304" pitchFamily="18" charset="0"/>
-                          <a:ea typeface="Calibri" panose="020F0502020204030204" pitchFamily="34" charset="0"/>
-                          <a:cs typeface="Times New Roman" panose="02020603050405020304" pitchFamily="18" charset="0"/>
-                        </a:rPr>
-                        <a:t>-</a:t>
-                      </a:r>
-                    </a:p>
-                  </a:txBody>
-                  <a:tcPr marL="53270" marR="53270" marT="0" marB="0" anchor="ctr"/>
-                </a:tc>
-                <a:extLst>
-                  <a:ext uri="{0D108BD9-81ED-4DB2-BD59-A6C34878D82A}">
-                    <a16:rowId xmlns:a16="http://schemas.microsoft.com/office/drawing/2014/main" val="3287750248"/>
-                  </a:ext>
-                </a:extLst>
-              </a:tr>
-              <a:tr h="428625">
-                <a:tc>
-                  <a:txBody>
-                    <a:bodyPr/>
-                    <a:lstStyle/>
-                    <a:p>
-                      <a:pPr marL="90170" marR="0" algn="ctr">
-                        <a:spcBef>
-                          <a:spcPts val="0"/>
-                        </a:spcBef>
-                        <a:spcAft>
-                          <a:spcPts val="0"/>
-                        </a:spcAft>
-                      </a:pPr>
-                      <a:r>
-                        <a:rPr lang="en-US" sz="1400" b="1" dirty="0">
-                          <a:effectLst/>
-                          <a:latin typeface="Times New Roman" panose="02020603050405020304" pitchFamily="18" charset="0"/>
-                          <a:cs typeface="Times New Roman" panose="02020603050405020304" pitchFamily="18" charset="0"/>
-                        </a:rPr>
-                        <a:t>Week 4:</a:t>
-                      </a:r>
-                    </a:p>
-                    <a:p>
-                      <a:pPr marL="90170" marR="0" algn="ctr">
-                        <a:spcBef>
-                          <a:spcPts val="0"/>
-                        </a:spcBef>
-                        <a:spcAft>
-                          <a:spcPts val="0"/>
-                        </a:spcAft>
-                      </a:pPr>
-                      <a:r>
-                        <a:rPr lang="en-US" sz="1400" b="1" dirty="0">
-                          <a:solidFill>
-                            <a:srgbClr val="000000"/>
-                          </a:solidFill>
-                          <a:effectLst/>
-                          <a:latin typeface="Times New Roman" panose="02020603050405020304" pitchFamily="18" charset="0"/>
-                          <a:ea typeface="Calibri" panose="020F0502020204030204" pitchFamily="34" charset="0"/>
-                          <a:cs typeface="Times New Roman" panose="02020603050405020304" pitchFamily="18" charset="0"/>
-                        </a:rPr>
-                        <a:t>Feb 14</a:t>
-                      </a:r>
-                      <a:r>
-                        <a:rPr lang="en-US" sz="1400" b="1" baseline="30000" dirty="0">
-                          <a:solidFill>
-                            <a:srgbClr val="000000"/>
-                          </a:solidFill>
-                          <a:effectLst/>
-                          <a:latin typeface="Times New Roman" panose="02020603050405020304" pitchFamily="18" charset="0"/>
-                          <a:ea typeface="Calibri" panose="020F0502020204030204" pitchFamily="34" charset="0"/>
-                          <a:cs typeface="Times New Roman" panose="02020603050405020304" pitchFamily="18" charset="0"/>
-                        </a:rPr>
-                        <a:t>th</a:t>
-                      </a:r>
-                      <a:r>
-                        <a:rPr lang="en-US" sz="1400" b="1" dirty="0">
-                          <a:solidFill>
-                            <a:srgbClr val="000000"/>
-                          </a:solidFill>
-                          <a:effectLst/>
-                          <a:latin typeface="Times New Roman" panose="02020603050405020304" pitchFamily="18" charset="0"/>
-                          <a:ea typeface="Calibri" panose="020F0502020204030204" pitchFamily="34" charset="0"/>
-                          <a:cs typeface="Times New Roman" panose="02020603050405020304" pitchFamily="18" charset="0"/>
-                        </a:rPr>
-                        <a:t> </a:t>
-                      </a:r>
-                    </a:p>
-                  </a:txBody>
-                  <a:tcPr marL="53270" marR="53270" marT="0" marB="0"/>
-                </a:tc>
-                <a:tc>
-                  <a:txBody>
-                    <a:bodyPr/>
-                    <a:lstStyle/>
-                    <a:p>
-                      <a:pPr marL="90170" marR="0">
-                        <a:spcBef>
-                          <a:spcPts val="0"/>
-                        </a:spcBef>
-                        <a:spcAft>
-                          <a:spcPts val="0"/>
-                        </a:spcAft>
-                      </a:pPr>
-                      <a:r>
-                        <a:rPr lang="en-US" sz="1400" dirty="0">
-                          <a:solidFill>
-                            <a:srgbClr val="000000"/>
-                          </a:solidFill>
-                          <a:effectLst/>
-                          <a:latin typeface="Times New Roman" panose="02020603050405020304" pitchFamily="18" charset="0"/>
-                          <a:ea typeface="Calibri" panose="020F0502020204030204" pitchFamily="34" charset="0"/>
-                          <a:cs typeface="Times New Roman" panose="02020603050405020304" pitchFamily="18" charset="0"/>
-                        </a:rPr>
-                        <a:t>Introduction to reading and writing multiband images. Image metadata. Compression. </a:t>
-                      </a:r>
-                    </a:p>
-                    <a:p>
-                      <a:pPr marL="90170" marR="0">
-                        <a:spcBef>
-                          <a:spcPts val="0"/>
-                        </a:spcBef>
-                        <a:spcAft>
-                          <a:spcPts val="0"/>
-                        </a:spcAft>
-                      </a:pPr>
-                      <a:r>
-                        <a:rPr lang="en-US" sz="1400" dirty="0">
-                          <a:solidFill>
-                            <a:srgbClr val="000000"/>
-                          </a:solidFill>
-                          <a:effectLst/>
-                          <a:latin typeface="Times New Roman" panose="02020603050405020304" pitchFamily="18" charset="0"/>
-                          <a:ea typeface="Calibri" panose="020F0502020204030204" pitchFamily="34" charset="0"/>
-                          <a:cs typeface="Times New Roman" panose="02020603050405020304" pitchFamily="18" charset="0"/>
-                        </a:rPr>
-                        <a:t>(via </a:t>
-                      </a:r>
-                      <a:r>
-                        <a:rPr lang="en-US" sz="1400" dirty="0" err="1">
-                          <a:solidFill>
-                            <a:srgbClr val="000000"/>
-                          </a:solidFill>
-                          <a:effectLst/>
-                          <a:latin typeface="Times New Roman" panose="02020603050405020304" pitchFamily="18" charset="0"/>
-                          <a:ea typeface="Calibri" panose="020F0502020204030204" pitchFamily="34" charset="0"/>
-                          <a:cs typeface="Times New Roman" panose="02020603050405020304" pitchFamily="18" charset="0"/>
-                        </a:rPr>
-                        <a:t>numpy</a:t>
-                      </a:r>
-                      <a:r>
-                        <a:rPr lang="en-US" sz="1400" dirty="0">
-                          <a:solidFill>
-                            <a:srgbClr val="000000"/>
-                          </a:solidFill>
-                          <a:effectLst/>
-                          <a:latin typeface="Times New Roman" panose="02020603050405020304" pitchFamily="18" charset="0"/>
-                          <a:ea typeface="Calibri" panose="020F0502020204030204" pitchFamily="34" charset="0"/>
-                          <a:cs typeface="Times New Roman" panose="02020603050405020304" pitchFamily="18" charset="0"/>
-                        </a:rPr>
-                        <a:t>, </a:t>
-                      </a:r>
-                      <a:r>
-                        <a:rPr lang="en-US" sz="1400" dirty="0" err="1">
-                          <a:solidFill>
-                            <a:srgbClr val="000000"/>
-                          </a:solidFill>
-                          <a:effectLst/>
-                          <a:latin typeface="Times New Roman" panose="02020603050405020304" pitchFamily="18" charset="0"/>
-                          <a:ea typeface="Calibri" panose="020F0502020204030204" pitchFamily="34" charset="0"/>
-                          <a:cs typeface="Times New Roman" panose="02020603050405020304" pitchFamily="18" charset="0"/>
-                        </a:rPr>
-                        <a:t>rasterio</a:t>
-                      </a:r>
-                      <a:r>
-                        <a:rPr lang="en-US" sz="1400" dirty="0">
-                          <a:solidFill>
-                            <a:srgbClr val="000000"/>
-                          </a:solidFill>
-                          <a:effectLst/>
-                          <a:latin typeface="Times New Roman" panose="02020603050405020304" pitchFamily="18" charset="0"/>
-                          <a:ea typeface="Calibri" panose="020F0502020204030204" pitchFamily="34" charset="0"/>
-                          <a:cs typeface="Times New Roman" panose="02020603050405020304" pitchFamily="18" charset="0"/>
-                        </a:rPr>
-                        <a:t> and </a:t>
-                      </a:r>
-                      <a:r>
-                        <a:rPr lang="en-US" sz="1400" dirty="0" err="1">
-                          <a:solidFill>
-                            <a:srgbClr val="000000"/>
-                          </a:solidFill>
-                          <a:effectLst/>
-                          <a:latin typeface="Times New Roman" panose="02020603050405020304" pitchFamily="18" charset="0"/>
-                          <a:ea typeface="Calibri" panose="020F0502020204030204" pitchFamily="34" charset="0"/>
-                          <a:cs typeface="Times New Roman" panose="02020603050405020304" pitchFamily="18" charset="0"/>
-                        </a:rPr>
-                        <a:t>geopandas</a:t>
-                      </a:r>
-                      <a:r>
-                        <a:rPr lang="en-US" sz="1400" dirty="0">
-                          <a:solidFill>
-                            <a:srgbClr val="000000"/>
-                          </a:solidFill>
-                          <a:effectLst/>
-                          <a:latin typeface="Times New Roman" panose="02020603050405020304" pitchFamily="18" charset="0"/>
-                          <a:ea typeface="Calibri" panose="020F0502020204030204" pitchFamily="34" charset="0"/>
-                          <a:cs typeface="Times New Roman" panose="02020603050405020304" pitchFamily="18" charset="0"/>
-                        </a:rPr>
-                        <a:t>)</a:t>
-                      </a:r>
-                    </a:p>
-                  </a:txBody>
-                  <a:tcPr marL="53270" marR="53270" marT="0" marB="0" anchor="ctr"/>
-                </a:tc>
-                <a:tc>
-                  <a:txBody>
-                    <a:bodyPr/>
-                    <a:lstStyle/>
-                    <a:p>
-                      <a:pPr marL="90170" marR="0" algn="ctr">
-                        <a:spcBef>
-                          <a:spcPts val="0"/>
-                        </a:spcBef>
-                        <a:spcAft>
-                          <a:spcPts val="0"/>
-                        </a:spcAft>
-                      </a:pPr>
-                      <a:r>
-                        <a:rPr lang="en-US" sz="1400" dirty="0">
-                          <a:effectLst/>
-                          <a:latin typeface="Times New Roman" panose="02020603050405020304" pitchFamily="18" charset="0"/>
-                          <a:cs typeface="Times New Roman" panose="02020603050405020304" pitchFamily="18" charset="0"/>
-                        </a:rPr>
-                        <a:t>Assignment 3</a:t>
-                      </a:r>
-                      <a:endParaRPr lang="en-US" sz="1400" dirty="0">
-                        <a:solidFill>
-                          <a:srgbClr val="000000"/>
-                        </a:solidFill>
-                        <a:effectLst/>
-                        <a:latin typeface="Times New Roman" panose="02020603050405020304" pitchFamily="18" charset="0"/>
-                        <a:ea typeface="Calibri" panose="020F0502020204030204" pitchFamily="34" charset="0"/>
-                        <a:cs typeface="Times New Roman" panose="02020603050405020304" pitchFamily="18" charset="0"/>
-                      </a:endParaRPr>
-                    </a:p>
-                  </a:txBody>
-                  <a:tcPr marL="53270" marR="53270" marT="0" marB="0" anchor="ctr"/>
-                </a:tc>
-                <a:extLst>
-                  <a:ext uri="{0D108BD9-81ED-4DB2-BD59-A6C34878D82A}">
-                    <a16:rowId xmlns:a16="http://schemas.microsoft.com/office/drawing/2014/main" val="2824917692"/>
-                  </a:ext>
-                </a:extLst>
-              </a:tr>
-              <a:tr h="428625">
-                <a:tc>
-                  <a:txBody>
-                    <a:bodyPr/>
-                    <a:lstStyle/>
-                    <a:p>
-                      <a:pPr marL="90170" marR="0" algn="ctr">
-                        <a:spcBef>
-                          <a:spcPts val="0"/>
-                        </a:spcBef>
-                        <a:spcAft>
-                          <a:spcPts val="0"/>
-                        </a:spcAft>
-                      </a:pPr>
-                      <a:r>
-                        <a:rPr lang="en-US" sz="1400" b="1" dirty="0">
-                          <a:effectLst/>
-                          <a:latin typeface="Times New Roman" panose="02020603050405020304" pitchFamily="18" charset="0"/>
-                          <a:cs typeface="Times New Roman" panose="02020603050405020304" pitchFamily="18" charset="0"/>
-                        </a:rPr>
-                        <a:t>Week 5: </a:t>
-                      </a:r>
-                    </a:p>
-                    <a:p>
-                      <a:pPr marL="90170" marR="0" algn="ctr">
-                        <a:spcBef>
-                          <a:spcPts val="0"/>
-                        </a:spcBef>
-                        <a:spcAft>
-                          <a:spcPts val="0"/>
-                        </a:spcAft>
-                      </a:pPr>
-                      <a:r>
-                        <a:rPr lang="en-US" sz="1400" b="1" dirty="0">
-                          <a:effectLst/>
-                          <a:latin typeface="Times New Roman" panose="02020603050405020304" pitchFamily="18" charset="0"/>
-                          <a:cs typeface="Times New Roman" panose="02020603050405020304" pitchFamily="18" charset="0"/>
-                        </a:rPr>
-                        <a:t>Feb 21</a:t>
-                      </a:r>
-                      <a:r>
-                        <a:rPr lang="en-US" sz="1400" b="1" baseline="30000" dirty="0">
-                          <a:effectLst/>
-                          <a:latin typeface="Times New Roman" panose="02020603050405020304" pitchFamily="18" charset="0"/>
-                          <a:cs typeface="Times New Roman" panose="02020603050405020304" pitchFamily="18" charset="0"/>
-                        </a:rPr>
-                        <a:t>st</a:t>
-                      </a:r>
-                      <a:r>
-                        <a:rPr lang="en-US" sz="1400" b="1" dirty="0">
-                          <a:effectLst/>
-                          <a:latin typeface="Times New Roman" panose="02020603050405020304" pitchFamily="18" charset="0"/>
-                          <a:cs typeface="Times New Roman" panose="02020603050405020304" pitchFamily="18" charset="0"/>
-                        </a:rPr>
-                        <a:t>   </a:t>
-                      </a:r>
-                      <a:endParaRPr lang="en-US" sz="1400" b="1" dirty="0">
-                        <a:solidFill>
-                          <a:srgbClr val="000000"/>
-                        </a:solidFill>
-                        <a:effectLst/>
-                        <a:latin typeface="Times New Roman" panose="02020603050405020304" pitchFamily="18" charset="0"/>
-                        <a:ea typeface="Calibri" panose="020F0502020204030204" pitchFamily="34" charset="0"/>
-                        <a:cs typeface="Times New Roman" panose="02020603050405020304" pitchFamily="18" charset="0"/>
-                      </a:endParaRPr>
-                    </a:p>
-                  </a:txBody>
-                  <a:tcPr marL="53270" marR="53270" marT="0" marB="0"/>
-                </a:tc>
-                <a:tc>
-                  <a:txBody>
-                    <a:bodyPr/>
-                    <a:lstStyle/>
-                    <a:p>
-                      <a:pPr marL="90170" marR="0">
-                        <a:spcBef>
-                          <a:spcPts val="0"/>
-                        </a:spcBef>
-                        <a:spcAft>
-                          <a:spcPts val="0"/>
-                        </a:spcAft>
-                      </a:pPr>
-                      <a:r>
-                        <a:rPr lang="en-US" sz="1400" dirty="0">
-                          <a:effectLst/>
-                          <a:latin typeface="Times New Roman" panose="02020603050405020304" pitchFamily="18" charset="0"/>
-                          <a:cs typeface="Times New Roman" panose="02020603050405020304" pitchFamily="18" charset="0"/>
-                        </a:rPr>
-                        <a:t>Introduction to the OpenCV  </a:t>
-                      </a:r>
-                    </a:p>
-                    <a:p>
-                      <a:pPr marL="90170" marR="0">
-                        <a:spcBef>
-                          <a:spcPts val="0"/>
-                        </a:spcBef>
-                        <a:spcAft>
-                          <a:spcPts val="0"/>
-                        </a:spcAft>
-                      </a:pPr>
-                      <a:r>
-                        <a:rPr lang="en-US" sz="1400" dirty="0">
-                          <a:effectLst/>
-                          <a:latin typeface="Times New Roman" panose="02020603050405020304" pitchFamily="18" charset="0"/>
-                          <a:cs typeface="Times New Roman" panose="02020603050405020304" pitchFamily="18" charset="0"/>
-                        </a:rPr>
-                        <a:t>(Reading, writing, basic core operations etc.)</a:t>
-                      </a:r>
-                      <a:endParaRPr lang="en-US" sz="1400" dirty="0">
-                        <a:solidFill>
-                          <a:srgbClr val="000000"/>
-                        </a:solidFill>
-                        <a:effectLst/>
-                        <a:latin typeface="Times New Roman" panose="02020603050405020304" pitchFamily="18" charset="0"/>
-                        <a:ea typeface="Calibri" panose="020F0502020204030204" pitchFamily="34" charset="0"/>
-                        <a:cs typeface="Times New Roman" panose="02020603050405020304" pitchFamily="18" charset="0"/>
-                      </a:endParaRPr>
-                    </a:p>
-                  </a:txBody>
-                  <a:tcPr marL="53270" marR="53270" marT="0" marB="0" anchor="ctr"/>
-                </a:tc>
-                <a:tc>
-                  <a:txBody>
-                    <a:bodyPr/>
-                    <a:lstStyle/>
-                    <a:p>
-                      <a:pPr marL="90170" marR="0" algn="ctr">
-                        <a:spcBef>
-                          <a:spcPts val="0"/>
-                        </a:spcBef>
-                        <a:spcAft>
-                          <a:spcPts val="0"/>
-                        </a:spcAft>
-                      </a:pPr>
-                      <a:r>
-                        <a:rPr lang="en-US" sz="1400" dirty="0">
-                          <a:effectLst/>
-                          <a:latin typeface="Times New Roman" panose="02020603050405020304" pitchFamily="18" charset="0"/>
-                          <a:cs typeface="Times New Roman" panose="02020603050405020304" pitchFamily="18" charset="0"/>
-                        </a:rPr>
-                        <a:t>Assignment 4</a:t>
-                      </a:r>
-                      <a:endParaRPr lang="en-US" sz="1400" dirty="0">
-                        <a:solidFill>
-                          <a:srgbClr val="000000"/>
-                        </a:solidFill>
-                        <a:effectLst/>
-                        <a:latin typeface="Times New Roman" panose="02020603050405020304" pitchFamily="18" charset="0"/>
-                        <a:ea typeface="Calibri" panose="020F0502020204030204" pitchFamily="34" charset="0"/>
-                        <a:cs typeface="Times New Roman" panose="02020603050405020304" pitchFamily="18" charset="0"/>
-                      </a:endParaRPr>
-                    </a:p>
-                  </a:txBody>
-                  <a:tcPr marL="53270" marR="53270" marT="0" marB="0" anchor="ctr"/>
-                </a:tc>
-                <a:extLst>
-                  <a:ext uri="{0D108BD9-81ED-4DB2-BD59-A6C34878D82A}">
-                    <a16:rowId xmlns:a16="http://schemas.microsoft.com/office/drawing/2014/main" val="2485139219"/>
-                  </a:ext>
-                </a:extLst>
-              </a:tr>
-              <a:tr h="428625">
-                <a:tc>
-                  <a:txBody>
-                    <a:bodyPr/>
-                    <a:lstStyle/>
-                    <a:p>
-                      <a:pPr marL="90170" marR="0" algn="ctr">
-                        <a:spcBef>
-                          <a:spcPts val="0"/>
-                        </a:spcBef>
-                        <a:spcAft>
-                          <a:spcPts val="0"/>
-                        </a:spcAft>
-                      </a:pPr>
-                      <a:r>
-                        <a:rPr lang="en-US" sz="1400" b="1" dirty="0">
-                          <a:effectLst/>
-                          <a:latin typeface="Times New Roman" panose="02020603050405020304" pitchFamily="18" charset="0"/>
-                          <a:cs typeface="Times New Roman" panose="02020603050405020304" pitchFamily="18" charset="0"/>
-                        </a:rPr>
-                        <a:t>Week 6:</a:t>
-                      </a:r>
-                    </a:p>
-                    <a:p>
-                      <a:pPr marL="90170" marR="0" algn="ctr">
-                        <a:spcBef>
-                          <a:spcPts val="0"/>
-                        </a:spcBef>
-                        <a:spcAft>
-                          <a:spcPts val="0"/>
-                        </a:spcAft>
-                      </a:pPr>
-                      <a:r>
-                        <a:rPr lang="en-US" sz="1400" b="1" dirty="0">
-                          <a:effectLst/>
-                          <a:latin typeface="Times New Roman" panose="02020603050405020304" pitchFamily="18" charset="0"/>
-                          <a:cs typeface="Times New Roman" panose="02020603050405020304" pitchFamily="18" charset="0"/>
-                        </a:rPr>
-                        <a:t>Feb 28</a:t>
-                      </a:r>
-                      <a:r>
-                        <a:rPr lang="en-US" sz="1400" b="1" baseline="30000" dirty="0">
-                          <a:effectLst/>
-                          <a:latin typeface="Times New Roman" panose="02020603050405020304" pitchFamily="18" charset="0"/>
-                          <a:cs typeface="Times New Roman" panose="02020603050405020304" pitchFamily="18" charset="0"/>
-                        </a:rPr>
-                        <a:t>th</a:t>
-                      </a:r>
-                      <a:r>
-                        <a:rPr lang="en-US" sz="1400" b="1" dirty="0">
-                          <a:effectLst/>
-                          <a:latin typeface="Times New Roman" panose="02020603050405020304" pitchFamily="18" charset="0"/>
-                          <a:cs typeface="Times New Roman" panose="02020603050405020304" pitchFamily="18" charset="0"/>
-                        </a:rPr>
-                        <a:t> </a:t>
-                      </a:r>
-                      <a:endParaRPr lang="en-US" sz="1400" b="1" dirty="0">
-                        <a:solidFill>
-                          <a:srgbClr val="000000"/>
-                        </a:solidFill>
-                        <a:effectLst/>
-                        <a:latin typeface="Times New Roman" panose="02020603050405020304" pitchFamily="18" charset="0"/>
-                        <a:ea typeface="Calibri" panose="020F0502020204030204" pitchFamily="34" charset="0"/>
-                        <a:cs typeface="Times New Roman" panose="02020603050405020304" pitchFamily="18" charset="0"/>
-                      </a:endParaRPr>
-                    </a:p>
-                  </a:txBody>
-                  <a:tcPr marL="53270" marR="53270" marT="0" marB="0"/>
-                </a:tc>
-                <a:tc>
-                  <a:txBody>
-                    <a:bodyPr/>
-                    <a:lstStyle/>
-                    <a:p>
-                      <a:pPr marL="90170" marR="0">
-                        <a:spcBef>
-                          <a:spcPts val="0"/>
-                        </a:spcBef>
-                        <a:spcAft>
-                          <a:spcPts val="0"/>
-                        </a:spcAft>
-                      </a:pPr>
-                      <a:r>
-                        <a:rPr lang="en-US" sz="1400" dirty="0">
-                          <a:effectLst/>
-                          <a:latin typeface="Times New Roman" panose="02020603050405020304" pitchFamily="18" charset="0"/>
-                          <a:cs typeface="Times New Roman" panose="02020603050405020304" pitchFamily="18" charset="0"/>
-                        </a:rPr>
-                        <a:t>Image processing in OpenCV</a:t>
-                      </a:r>
-                    </a:p>
-                    <a:p>
-                      <a:pPr marL="90170" marR="0">
-                        <a:spcBef>
-                          <a:spcPts val="0"/>
-                        </a:spcBef>
-                        <a:spcAft>
-                          <a:spcPts val="0"/>
-                        </a:spcAft>
-                      </a:pPr>
-                      <a:r>
-                        <a:rPr lang="en-US" sz="1400" dirty="0">
-                          <a:effectLst/>
-                          <a:latin typeface="Times New Roman" panose="02020603050405020304" pitchFamily="18" charset="0"/>
-                          <a:cs typeface="Times New Roman" panose="02020603050405020304" pitchFamily="18" charset="0"/>
-                        </a:rPr>
-                        <a:t>(</a:t>
-                      </a:r>
-                      <a:r>
-                        <a:rPr lang="en-US" sz="1400" dirty="0" err="1">
-                          <a:effectLst/>
-                          <a:latin typeface="Times New Roman" panose="02020603050405020304" pitchFamily="18" charset="0"/>
-                          <a:cs typeface="Times New Roman" panose="02020603050405020304" pitchFamily="18" charset="0"/>
-                        </a:rPr>
-                        <a:t>Colorspaces</a:t>
-                      </a:r>
-                      <a:r>
-                        <a:rPr lang="en-US" sz="1400" dirty="0">
-                          <a:effectLst/>
-                          <a:latin typeface="Times New Roman" panose="02020603050405020304" pitchFamily="18" charset="0"/>
-                          <a:cs typeface="Times New Roman" panose="02020603050405020304" pitchFamily="18" charset="0"/>
-                        </a:rPr>
-                        <a:t>, transformations, histograms etc.)</a:t>
-                      </a:r>
-                      <a:endParaRPr lang="en-US" sz="1400" dirty="0">
-                        <a:solidFill>
-                          <a:srgbClr val="000000"/>
-                        </a:solidFill>
-                        <a:effectLst/>
-                        <a:latin typeface="Times New Roman" panose="02020603050405020304" pitchFamily="18" charset="0"/>
-                        <a:ea typeface="Calibri" panose="020F0502020204030204" pitchFamily="34" charset="0"/>
-                        <a:cs typeface="Times New Roman" panose="02020603050405020304" pitchFamily="18" charset="0"/>
-                      </a:endParaRPr>
-                    </a:p>
-                  </a:txBody>
-                  <a:tcPr marL="53270" marR="53270" marT="0" marB="0" anchor="ctr"/>
-                </a:tc>
-                <a:tc>
-                  <a:txBody>
-                    <a:bodyPr/>
-                    <a:lstStyle/>
-                    <a:p>
-                      <a:pPr marL="90170" marR="0" lvl="0" indent="0" algn="ctr" defTabSz="914400" rtl="0" eaLnBrk="1" fontAlgn="auto" latinLnBrk="0" hangingPunct="1">
-                        <a:lnSpc>
-                          <a:spcPct val="100000"/>
-                        </a:lnSpc>
-                        <a:spcBef>
-                          <a:spcPts val="0"/>
-                        </a:spcBef>
-                        <a:spcAft>
-                          <a:spcPts val="0"/>
-                        </a:spcAft>
-                        <a:buClrTx/>
-                        <a:buSzTx/>
-                        <a:buFontTx/>
-                        <a:buNone/>
-                        <a:tabLst/>
-                        <a:defRPr/>
-                      </a:pPr>
-                      <a:r>
-                        <a:rPr lang="en-US" sz="1400" dirty="0">
-                          <a:effectLst/>
-                          <a:latin typeface="Times New Roman" panose="02020603050405020304" pitchFamily="18" charset="0"/>
-                          <a:cs typeface="Times New Roman" panose="02020603050405020304" pitchFamily="18" charset="0"/>
-                        </a:rPr>
-                        <a:t>Assignment 5</a:t>
-                      </a:r>
-                      <a:endParaRPr lang="en-US" sz="1400" dirty="0">
-                        <a:solidFill>
-                          <a:srgbClr val="000000"/>
-                        </a:solidFill>
-                        <a:effectLst/>
-                        <a:latin typeface="Times New Roman" panose="02020603050405020304" pitchFamily="18" charset="0"/>
-                        <a:ea typeface="Calibri" panose="020F0502020204030204" pitchFamily="34" charset="0"/>
-                        <a:cs typeface="Times New Roman" panose="02020603050405020304" pitchFamily="18" charset="0"/>
-                      </a:endParaRPr>
-                    </a:p>
-                  </a:txBody>
-                  <a:tcPr marL="53270" marR="53270" marT="0" marB="0" anchor="ctr"/>
-                </a:tc>
-                <a:extLst>
-                  <a:ext uri="{0D108BD9-81ED-4DB2-BD59-A6C34878D82A}">
-                    <a16:rowId xmlns:a16="http://schemas.microsoft.com/office/drawing/2014/main" val="3885921381"/>
-                  </a:ext>
-                </a:extLst>
-              </a:tr>
-              <a:tr h="428625">
-                <a:tc>
-                  <a:txBody>
-                    <a:bodyPr/>
-                    <a:lstStyle/>
-                    <a:p>
-                      <a:pPr marL="90170" marR="0" algn="ctr">
-                        <a:spcBef>
-                          <a:spcPts val="0"/>
-                        </a:spcBef>
-                        <a:spcAft>
-                          <a:spcPts val="0"/>
-                        </a:spcAft>
-                      </a:pPr>
-                      <a:r>
-                        <a:rPr lang="en-US" sz="1400" b="1" dirty="0">
-                          <a:effectLst/>
-                          <a:latin typeface="Times New Roman" panose="02020603050405020304" pitchFamily="18" charset="0"/>
-                          <a:cs typeface="Times New Roman" panose="02020603050405020304" pitchFamily="18" charset="0"/>
-                        </a:rPr>
-                        <a:t>Week 7:</a:t>
-                      </a:r>
-                    </a:p>
-                    <a:p>
-                      <a:pPr marL="90170" marR="0" algn="ctr">
-                        <a:spcBef>
-                          <a:spcPts val="0"/>
-                        </a:spcBef>
-                        <a:spcAft>
-                          <a:spcPts val="0"/>
-                        </a:spcAft>
-                      </a:pPr>
-                      <a:r>
-                        <a:rPr lang="en-US" sz="1400" b="1" dirty="0">
-                          <a:effectLst/>
-                          <a:latin typeface="Times New Roman" panose="02020603050405020304" pitchFamily="18" charset="0"/>
-                          <a:cs typeface="Times New Roman" panose="02020603050405020304" pitchFamily="18" charset="0"/>
-                        </a:rPr>
-                        <a:t>Mar 7</a:t>
-                      </a:r>
-                      <a:r>
-                        <a:rPr lang="en-US" sz="1400" b="1" baseline="30000" dirty="0">
-                          <a:effectLst/>
-                          <a:latin typeface="Times New Roman" panose="02020603050405020304" pitchFamily="18" charset="0"/>
-                          <a:cs typeface="Times New Roman" panose="02020603050405020304" pitchFamily="18" charset="0"/>
-                        </a:rPr>
-                        <a:t>th</a:t>
-                      </a:r>
-                      <a:endParaRPr lang="en-US" sz="1400" b="1" dirty="0">
-                        <a:solidFill>
-                          <a:srgbClr val="000000"/>
-                        </a:solidFill>
-                        <a:effectLst/>
-                        <a:latin typeface="Times New Roman" panose="02020603050405020304" pitchFamily="18" charset="0"/>
-                        <a:ea typeface="Calibri" panose="020F0502020204030204" pitchFamily="34" charset="0"/>
-                        <a:cs typeface="Times New Roman" panose="02020603050405020304" pitchFamily="18" charset="0"/>
-                      </a:endParaRPr>
-                    </a:p>
-                  </a:txBody>
-                  <a:tcPr marL="53270" marR="53270" marT="0" marB="0"/>
-                </a:tc>
-                <a:tc>
-                  <a:txBody>
-                    <a:bodyPr/>
-                    <a:lstStyle/>
-                    <a:p>
-                      <a:pPr marL="90170" marR="0">
-                        <a:spcBef>
-                          <a:spcPts val="0"/>
-                        </a:spcBef>
-                        <a:spcAft>
-                          <a:spcPts val="0"/>
-                        </a:spcAft>
-                      </a:pPr>
-                      <a:r>
-                        <a:rPr lang="en-US" sz="1400" dirty="0">
-                          <a:effectLst/>
-                          <a:latin typeface="Times New Roman" panose="02020603050405020304" pitchFamily="18" charset="0"/>
-                          <a:cs typeface="Times New Roman" panose="02020603050405020304" pitchFamily="18" charset="0"/>
-                        </a:rPr>
-                        <a:t>Feature/object detection in OpenCV</a:t>
-                      </a:r>
-                    </a:p>
-                    <a:p>
-                      <a:pPr marL="90170" marR="0">
-                        <a:spcBef>
-                          <a:spcPts val="0"/>
-                        </a:spcBef>
-                        <a:spcAft>
-                          <a:spcPts val="0"/>
-                        </a:spcAft>
-                      </a:pPr>
-                      <a:r>
-                        <a:rPr lang="en-US" sz="1400" dirty="0">
-                          <a:effectLst/>
-                          <a:latin typeface="Times New Roman" panose="02020603050405020304" pitchFamily="18" charset="0"/>
-                          <a:cs typeface="Times New Roman" panose="02020603050405020304" pitchFamily="18" charset="0"/>
-                        </a:rPr>
-                        <a:t>(Basic feature detection examples and extraction)</a:t>
-                      </a:r>
-                      <a:endParaRPr lang="en-US" sz="1400" dirty="0">
-                        <a:solidFill>
-                          <a:srgbClr val="000000"/>
-                        </a:solidFill>
-                        <a:effectLst/>
-                        <a:latin typeface="Times New Roman" panose="02020603050405020304" pitchFamily="18" charset="0"/>
-                        <a:ea typeface="Calibri" panose="020F0502020204030204" pitchFamily="34" charset="0"/>
-                        <a:cs typeface="Times New Roman" panose="02020603050405020304" pitchFamily="18" charset="0"/>
-                      </a:endParaRPr>
-                    </a:p>
-                  </a:txBody>
-                  <a:tcPr marL="53270" marR="53270" marT="0" marB="0" anchor="ctr"/>
-                </a:tc>
-                <a:tc>
-                  <a:txBody>
-                    <a:bodyPr/>
-                    <a:lstStyle/>
-                    <a:p>
-                      <a:pPr marL="90170" marR="0" lvl="0" indent="0" algn="ctr" defTabSz="914400" rtl="0" eaLnBrk="1" fontAlgn="auto" latinLnBrk="0" hangingPunct="1">
-                        <a:lnSpc>
-                          <a:spcPct val="100000"/>
-                        </a:lnSpc>
-                        <a:spcBef>
-                          <a:spcPts val="0"/>
-                        </a:spcBef>
-                        <a:spcAft>
-                          <a:spcPts val="0"/>
-                        </a:spcAft>
-                        <a:buClrTx/>
-                        <a:buSzTx/>
-                        <a:buFontTx/>
-                        <a:buNone/>
-                        <a:tabLst/>
-                        <a:defRPr/>
-                      </a:pPr>
-                      <a:r>
-                        <a:rPr lang="en-US" sz="1400" dirty="0">
-                          <a:effectLst/>
-                          <a:latin typeface="Times New Roman" panose="02020603050405020304" pitchFamily="18" charset="0"/>
-                          <a:cs typeface="Times New Roman" panose="02020603050405020304" pitchFamily="18" charset="0"/>
-                        </a:rPr>
-                        <a:t>Assignment 6</a:t>
-                      </a:r>
-                      <a:endParaRPr lang="en-US" sz="1400" dirty="0">
-                        <a:solidFill>
-                          <a:srgbClr val="000000"/>
-                        </a:solidFill>
-                        <a:effectLst/>
-                        <a:latin typeface="Times New Roman" panose="02020603050405020304" pitchFamily="18" charset="0"/>
-                        <a:ea typeface="Calibri" panose="020F0502020204030204" pitchFamily="34" charset="0"/>
-                        <a:cs typeface="Times New Roman" panose="02020603050405020304" pitchFamily="18" charset="0"/>
-                      </a:endParaRPr>
-                    </a:p>
-                  </a:txBody>
-                  <a:tcPr marL="53270" marR="53270" marT="0" marB="0" anchor="ctr"/>
-                </a:tc>
-                <a:extLst>
-                  <a:ext uri="{0D108BD9-81ED-4DB2-BD59-A6C34878D82A}">
-                    <a16:rowId xmlns:a16="http://schemas.microsoft.com/office/drawing/2014/main" val="1930035529"/>
-                  </a:ext>
-                </a:extLst>
-              </a:tr>
-              <a:tr h="214313">
-                <a:tc gridSpan="3">
-                  <a:txBody>
-                    <a:bodyPr/>
-                    <a:lstStyle/>
-                    <a:p>
-                      <a:pPr marL="90170" marR="0" algn="ctr">
-                        <a:spcBef>
-                          <a:spcPts val="0"/>
-                        </a:spcBef>
-                        <a:spcAft>
-                          <a:spcPts val="0"/>
-                        </a:spcAft>
-                      </a:pPr>
-                      <a:r>
-                        <a:rPr lang="en-US" sz="1400" b="1" dirty="0">
-                          <a:effectLst/>
-                          <a:latin typeface="Times New Roman" panose="02020603050405020304" pitchFamily="18" charset="0"/>
-                          <a:cs typeface="Times New Roman" panose="02020603050405020304" pitchFamily="18" charset="0"/>
-                        </a:rPr>
-                        <a:t>Spring Recess</a:t>
-                      </a:r>
-                      <a:endParaRPr lang="en-US" sz="1400" b="1" dirty="0">
-                        <a:solidFill>
-                          <a:srgbClr val="000000"/>
-                        </a:solidFill>
-                        <a:effectLst/>
-                        <a:latin typeface="Times New Roman" panose="02020603050405020304" pitchFamily="18" charset="0"/>
-                        <a:ea typeface="Calibri" panose="020F0502020204030204" pitchFamily="34" charset="0"/>
-                        <a:cs typeface="Times New Roman" panose="02020603050405020304" pitchFamily="18" charset="0"/>
-                      </a:endParaRPr>
-                    </a:p>
-                  </a:txBody>
-                  <a:tcPr marL="53270" marR="53270" marT="0" marB="0" anchor="ctr"/>
-                </a:tc>
-                <a:tc hMerge="1">
-                  <a:txBody>
-                    <a:bodyPr/>
-                    <a:lstStyle/>
-                    <a:p>
-                      <a:endParaRPr lang="en-US"/>
-                    </a:p>
-                  </a:txBody>
-                  <a:tcPr/>
-                </a:tc>
-                <a:tc hMerge="1">
-                  <a:txBody>
-                    <a:bodyPr/>
-                    <a:lstStyle/>
-                    <a:p>
-                      <a:pPr marL="90170" marR="0" algn="ctr">
-                        <a:spcBef>
-                          <a:spcPts val="0"/>
-                        </a:spcBef>
-                        <a:spcAft>
-                          <a:spcPts val="0"/>
-                        </a:spcAft>
-                      </a:pPr>
-                      <a:endParaRPr lang="en-US" sz="1400" b="1" dirty="0">
-                        <a:solidFill>
-                          <a:srgbClr val="000000"/>
-                        </a:solidFill>
-                        <a:effectLst/>
-                        <a:latin typeface="Times New Roman" panose="02020603050405020304" pitchFamily="18" charset="0"/>
-                        <a:ea typeface="Calibri" panose="020F0502020204030204" pitchFamily="34" charset="0"/>
-                        <a:cs typeface="Times New Roman" panose="02020603050405020304" pitchFamily="18" charset="0"/>
-                      </a:endParaRPr>
-                    </a:p>
-                  </a:txBody>
-                  <a:tcPr marL="53270" marR="53270" marT="0" marB="0" anchor="ctr"/>
-                </a:tc>
-                <a:extLst>
-                  <a:ext uri="{0D108BD9-81ED-4DB2-BD59-A6C34878D82A}">
-                    <a16:rowId xmlns:a16="http://schemas.microsoft.com/office/drawing/2014/main" val="3986344043"/>
-                  </a:ext>
-                </a:extLst>
-              </a:tr>
-              <a:tr h="428625">
-                <a:tc>
-                  <a:txBody>
-                    <a:bodyPr/>
-                    <a:lstStyle/>
-                    <a:p>
-                      <a:pPr marL="90170" marR="0" algn="ctr">
-                        <a:spcBef>
-                          <a:spcPts val="0"/>
-                        </a:spcBef>
-                        <a:spcAft>
-                          <a:spcPts val="0"/>
-                        </a:spcAft>
-                      </a:pPr>
-                      <a:r>
-                        <a:rPr lang="en-US" sz="1400" b="1" dirty="0">
-                          <a:effectLst/>
-                          <a:latin typeface="Times New Roman" panose="02020603050405020304" pitchFamily="18" charset="0"/>
-                          <a:cs typeface="Times New Roman" panose="02020603050405020304" pitchFamily="18" charset="0"/>
-                        </a:rPr>
-                        <a:t>Week 8: </a:t>
-                      </a:r>
-                    </a:p>
-                    <a:p>
-                      <a:pPr marL="90170" marR="0" algn="ctr">
-                        <a:spcBef>
-                          <a:spcPts val="0"/>
-                        </a:spcBef>
-                        <a:spcAft>
-                          <a:spcPts val="0"/>
-                        </a:spcAft>
-                      </a:pPr>
-                      <a:r>
-                        <a:rPr lang="en-US" sz="1400" b="1" dirty="0">
-                          <a:effectLst/>
-                          <a:latin typeface="Times New Roman" panose="02020603050405020304" pitchFamily="18" charset="0"/>
-                          <a:cs typeface="Times New Roman" panose="02020603050405020304" pitchFamily="18" charset="0"/>
-                        </a:rPr>
-                        <a:t>Mar 21</a:t>
-                      </a:r>
-                      <a:r>
-                        <a:rPr lang="en-US" sz="1400" b="1" baseline="30000" dirty="0">
-                          <a:effectLst/>
-                          <a:latin typeface="Times New Roman" panose="02020603050405020304" pitchFamily="18" charset="0"/>
-                          <a:cs typeface="Times New Roman" panose="02020603050405020304" pitchFamily="18" charset="0"/>
-                        </a:rPr>
-                        <a:t>st</a:t>
-                      </a:r>
-                      <a:r>
-                        <a:rPr lang="en-US" sz="1400" b="1" dirty="0">
-                          <a:effectLst/>
-                          <a:latin typeface="Times New Roman" panose="02020603050405020304" pitchFamily="18" charset="0"/>
-                          <a:cs typeface="Times New Roman" panose="02020603050405020304" pitchFamily="18" charset="0"/>
-                        </a:rPr>
-                        <a:t>    </a:t>
-                      </a:r>
-                      <a:endParaRPr lang="en-US" sz="1400" b="1" dirty="0">
-                        <a:solidFill>
-                          <a:srgbClr val="000000"/>
-                        </a:solidFill>
-                        <a:effectLst/>
-                        <a:latin typeface="Times New Roman" panose="02020603050405020304" pitchFamily="18" charset="0"/>
-                        <a:ea typeface="Calibri" panose="020F0502020204030204" pitchFamily="34" charset="0"/>
-                        <a:cs typeface="Times New Roman" panose="02020603050405020304" pitchFamily="18" charset="0"/>
-                      </a:endParaRPr>
-                    </a:p>
-                  </a:txBody>
-                  <a:tcPr marL="53270" marR="53270" marT="0" marB="0"/>
-                </a:tc>
-                <a:tc>
-                  <a:txBody>
-                    <a:bodyPr/>
-                    <a:lstStyle/>
-                    <a:p>
-                      <a:pPr marL="90170" marR="0">
-                        <a:spcBef>
-                          <a:spcPts val="0"/>
-                        </a:spcBef>
-                        <a:spcAft>
-                          <a:spcPts val="0"/>
-                        </a:spcAft>
-                      </a:pPr>
-                      <a:r>
-                        <a:rPr lang="en-US" sz="1400" dirty="0">
-                          <a:effectLst/>
-                          <a:latin typeface="Times New Roman" panose="02020603050405020304" pitchFamily="18" charset="0"/>
-                          <a:cs typeface="Times New Roman" panose="02020603050405020304" pitchFamily="18" charset="0"/>
-                        </a:rPr>
-                        <a:t>JavaScript for total beginners</a:t>
-                      </a:r>
-                      <a:endParaRPr lang="en-US" sz="1400" dirty="0">
-                        <a:solidFill>
-                          <a:srgbClr val="000000"/>
-                        </a:solidFill>
-                        <a:effectLst/>
-                        <a:latin typeface="Times New Roman" panose="02020603050405020304" pitchFamily="18" charset="0"/>
-                        <a:ea typeface="Calibri" panose="020F0502020204030204" pitchFamily="34" charset="0"/>
-                        <a:cs typeface="Times New Roman" panose="02020603050405020304" pitchFamily="18" charset="0"/>
-                      </a:endParaRPr>
-                    </a:p>
-                  </a:txBody>
-                  <a:tcPr marL="53270" marR="53270" marT="0" marB="0" anchor="ctr"/>
-                </a:tc>
-                <a:tc>
-                  <a:txBody>
-                    <a:bodyPr/>
-                    <a:lstStyle/>
-                    <a:p>
-                      <a:pPr marL="90170" marR="0" lvl="0" indent="0" algn="ctr" defTabSz="914400" rtl="0" eaLnBrk="1" fontAlgn="auto" latinLnBrk="0" hangingPunct="1">
-                        <a:lnSpc>
-                          <a:spcPct val="100000"/>
-                        </a:lnSpc>
-                        <a:spcBef>
-                          <a:spcPts val="0"/>
-                        </a:spcBef>
-                        <a:spcAft>
-                          <a:spcPts val="0"/>
-                        </a:spcAft>
-                        <a:buClrTx/>
-                        <a:buSzTx/>
-                        <a:buFontTx/>
-                        <a:buNone/>
-                        <a:tabLst/>
-                        <a:defRPr/>
-                      </a:pPr>
-                      <a:r>
-                        <a:rPr lang="en-US" sz="1400" dirty="0">
-                          <a:effectLst/>
-                          <a:latin typeface="Times New Roman" panose="02020603050405020304" pitchFamily="18" charset="0"/>
-                          <a:cs typeface="Times New Roman" panose="02020603050405020304" pitchFamily="18" charset="0"/>
-                        </a:rPr>
-                        <a:t>Assignment 7</a:t>
-                      </a:r>
-                      <a:endParaRPr lang="en-US" sz="1400" dirty="0">
-                        <a:solidFill>
-                          <a:srgbClr val="000000"/>
-                        </a:solidFill>
-                        <a:effectLst/>
-                        <a:latin typeface="Times New Roman" panose="02020603050405020304" pitchFamily="18" charset="0"/>
-                        <a:ea typeface="Calibri" panose="020F0502020204030204" pitchFamily="34" charset="0"/>
-                        <a:cs typeface="Times New Roman" panose="02020603050405020304" pitchFamily="18" charset="0"/>
-                      </a:endParaRPr>
-                    </a:p>
-                  </a:txBody>
-                  <a:tcPr marL="53270" marR="53270" marT="0" marB="0" anchor="ctr"/>
-                </a:tc>
-                <a:extLst>
-                  <a:ext uri="{0D108BD9-81ED-4DB2-BD59-A6C34878D82A}">
-                    <a16:rowId xmlns:a16="http://schemas.microsoft.com/office/drawing/2014/main" val="3862366649"/>
-                  </a:ext>
-                </a:extLst>
-              </a:tr>
-              <a:tr h="428625">
-                <a:tc>
-                  <a:txBody>
-                    <a:bodyPr/>
-                    <a:lstStyle/>
-                    <a:p>
-                      <a:pPr marL="90170" marR="0" algn="ctr">
-                        <a:spcBef>
-                          <a:spcPts val="0"/>
-                        </a:spcBef>
-                        <a:spcAft>
-                          <a:spcPts val="0"/>
-                        </a:spcAft>
-                      </a:pPr>
-                      <a:r>
-                        <a:rPr lang="en-US" sz="1400" b="1" dirty="0">
-                          <a:effectLst/>
-                          <a:latin typeface="Times New Roman" panose="02020603050405020304" pitchFamily="18" charset="0"/>
-                          <a:cs typeface="Times New Roman" panose="02020603050405020304" pitchFamily="18" charset="0"/>
-                        </a:rPr>
-                        <a:t>Week 9:</a:t>
-                      </a:r>
-                    </a:p>
-                    <a:p>
-                      <a:pPr marL="90170" marR="0" algn="ctr">
-                        <a:spcBef>
-                          <a:spcPts val="0"/>
-                        </a:spcBef>
-                        <a:spcAft>
-                          <a:spcPts val="0"/>
-                        </a:spcAft>
-                      </a:pPr>
-                      <a:r>
-                        <a:rPr lang="en-US" sz="1400" b="1" dirty="0">
-                          <a:effectLst/>
-                          <a:latin typeface="Times New Roman" panose="02020603050405020304" pitchFamily="18" charset="0"/>
-                          <a:cs typeface="Times New Roman" panose="02020603050405020304" pitchFamily="18" charset="0"/>
-                        </a:rPr>
-                        <a:t>Mar 28</a:t>
-                      </a:r>
-                      <a:r>
-                        <a:rPr lang="en-US" sz="1400" b="1" baseline="30000" dirty="0">
-                          <a:effectLst/>
-                          <a:latin typeface="Times New Roman" panose="02020603050405020304" pitchFamily="18" charset="0"/>
-                          <a:cs typeface="Times New Roman" panose="02020603050405020304" pitchFamily="18" charset="0"/>
-                        </a:rPr>
-                        <a:t>th</a:t>
-                      </a:r>
-                      <a:endParaRPr lang="en-US" sz="1400" b="1" dirty="0">
-                        <a:solidFill>
-                          <a:srgbClr val="000000"/>
-                        </a:solidFill>
-                        <a:effectLst/>
-                        <a:latin typeface="Times New Roman" panose="02020603050405020304" pitchFamily="18" charset="0"/>
-                        <a:ea typeface="Calibri" panose="020F0502020204030204" pitchFamily="34" charset="0"/>
-                        <a:cs typeface="Times New Roman" panose="02020603050405020304" pitchFamily="18" charset="0"/>
-                      </a:endParaRPr>
-                    </a:p>
-                  </a:txBody>
-                  <a:tcPr marL="53270" marR="53270" marT="0" marB="0"/>
-                </a:tc>
-                <a:tc>
-                  <a:txBody>
-                    <a:bodyPr/>
-                    <a:lstStyle/>
-                    <a:p>
-                      <a:pPr marL="90170" marR="0">
-                        <a:spcBef>
-                          <a:spcPts val="0"/>
-                        </a:spcBef>
-                        <a:spcAft>
-                          <a:spcPts val="0"/>
-                        </a:spcAft>
-                      </a:pPr>
-                      <a:r>
-                        <a:rPr lang="en-US" sz="1400" dirty="0">
-                          <a:effectLst/>
-                          <a:latin typeface="Times New Roman" panose="02020603050405020304" pitchFamily="18" charset="0"/>
-                          <a:cs typeface="Times New Roman" panose="02020603050405020304" pitchFamily="18" charset="0"/>
-                        </a:rPr>
-                        <a:t>Introduction to Google Earth Engine</a:t>
-                      </a:r>
-                    </a:p>
-                    <a:p>
-                      <a:pPr marL="90170" marR="0">
-                        <a:spcBef>
-                          <a:spcPts val="0"/>
-                        </a:spcBef>
-                        <a:spcAft>
-                          <a:spcPts val="0"/>
-                        </a:spcAft>
-                      </a:pPr>
-                      <a:r>
-                        <a:rPr lang="en-US" sz="1400" dirty="0">
-                          <a:effectLst/>
-                          <a:latin typeface="Times New Roman" panose="02020603050405020304" pitchFamily="18" charset="0"/>
-                          <a:cs typeface="Times New Roman" panose="02020603050405020304" pitchFamily="18" charset="0"/>
-                        </a:rPr>
-                        <a:t>(Interface, data catalogue, geospatial data import and visualization etc.)</a:t>
-                      </a:r>
-                      <a:endParaRPr lang="en-US" sz="1400" dirty="0">
-                        <a:solidFill>
-                          <a:srgbClr val="000000"/>
-                        </a:solidFill>
-                        <a:effectLst/>
-                        <a:latin typeface="Times New Roman" panose="02020603050405020304" pitchFamily="18" charset="0"/>
-                        <a:ea typeface="Calibri" panose="020F0502020204030204" pitchFamily="34" charset="0"/>
-                        <a:cs typeface="Times New Roman" panose="02020603050405020304" pitchFamily="18" charset="0"/>
-                      </a:endParaRPr>
-                    </a:p>
-                  </a:txBody>
-                  <a:tcPr marL="53270" marR="53270" marT="0" marB="0" anchor="ctr"/>
-                </a:tc>
-                <a:tc>
-                  <a:txBody>
-                    <a:bodyPr/>
-                    <a:lstStyle/>
-                    <a:p>
-                      <a:pPr marL="90170" marR="0" algn="ctr">
-                        <a:spcBef>
-                          <a:spcPts val="0"/>
-                        </a:spcBef>
-                        <a:spcAft>
-                          <a:spcPts val="0"/>
-                        </a:spcAft>
-                      </a:pPr>
-                      <a:r>
-                        <a:rPr lang="en-US" sz="1400" dirty="0">
-                          <a:effectLst/>
-                          <a:latin typeface="Times New Roman" panose="02020603050405020304" pitchFamily="18" charset="0"/>
-                          <a:cs typeface="Times New Roman" panose="02020603050405020304" pitchFamily="18" charset="0"/>
-                        </a:rPr>
-                        <a:t>Assignment 8</a:t>
-                      </a:r>
-                      <a:endParaRPr lang="en-US" sz="1400" dirty="0">
-                        <a:solidFill>
-                          <a:srgbClr val="000000"/>
-                        </a:solidFill>
-                        <a:effectLst/>
-                        <a:latin typeface="Times New Roman" panose="02020603050405020304" pitchFamily="18" charset="0"/>
-                        <a:ea typeface="Calibri" panose="020F0502020204030204" pitchFamily="34" charset="0"/>
-                        <a:cs typeface="Times New Roman" panose="02020603050405020304" pitchFamily="18" charset="0"/>
-                      </a:endParaRPr>
-                    </a:p>
-                  </a:txBody>
-                  <a:tcPr marL="53270" marR="53270" marT="0" marB="0" anchor="ctr"/>
-                </a:tc>
-                <a:extLst>
-                  <a:ext uri="{0D108BD9-81ED-4DB2-BD59-A6C34878D82A}">
-                    <a16:rowId xmlns:a16="http://schemas.microsoft.com/office/drawing/2014/main" val="2233390585"/>
-                  </a:ext>
-                </a:extLst>
-              </a:tr>
-              <a:tr h="428625">
-                <a:tc>
-                  <a:txBody>
-                    <a:bodyPr/>
-                    <a:lstStyle/>
-                    <a:p>
-                      <a:pPr marL="90170" marR="0" algn="ctr">
-                        <a:spcBef>
-                          <a:spcPts val="0"/>
-                        </a:spcBef>
-                        <a:spcAft>
-                          <a:spcPts val="0"/>
-                        </a:spcAft>
-                      </a:pPr>
-                      <a:r>
-                        <a:rPr lang="en-US" sz="1400" b="1" dirty="0">
-                          <a:effectLst/>
-                          <a:latin typeface="Times New Roman" panose="02020603050405020304" pitchFamily="18" charset="0"/>
-                          <a:cs typeface="Times New Roman" panose="02020603050405020304" pitchFamily="18" charset="0"/>
-                        </a:rPr>
-                        <a:t>Week 10: </a:t>
-                      </a:r>
-                    </a:p>
-                    <a:p>
-                      <a:pPr marL="90170" marR="0" algn="ctr">
-                        <a:spcBef>
-                          <a:spcPts val="0"/>
-                        </a:spcBef>
-                        <a:spcAft>
-                          <a:spcPts val="0"/>
-                        </a:spcAft>
-                      </a:pPr>
-                      <a:r>
-                        <a:rPr lang="en-US" sz="1400" b="1" dirty="0">
-                          <a:effectLst/>
-                          <a:latin typeface="Times New Roman" panose="02020603050405020304" pitchFamily="18" charset="0"/>
-                          <a:cs typeface="Times New Roman" panose="02020603050405020304" pitchFamily="18" charset="0"/>
-                        </a:rPr>
-                        <a:t>Apr 4</a:t>
-                      </a:r>
-                      <a:r>
-                        <a:rPr lang="en-US" sz="1400" b="1" baseline="30000" dirty="0">
-                          <a:effectLst/>
-                          <a:latin typeface="Times New Roman" panose="02020603050405020304" pitchFamily="18" charset="0"/>
-                          <a:cs typeface="Times New Roman" panose="02020603050405020304" pitchFamily="18" charset="0"/>
-                        </a:rPr>
-                        <a:t>th</a:t>
-                      </a:r>
-                      <a:r>
-                        <a:rPr lang="en-US" sz="1400" b="1" dirty="0">
-                          <a:effectLst/>
-                          <a:latin typeface="Times New Roman" panose="02020603050405020304" pitchFamily="18" charset="0"/>
-                          <a:cs typeface="Times New Roman" panose="02020603050405020304" pitchFamily="18" charset="0"/>
-                        </a:rPr>
-                        <a:t> </a:t>
-                      </a:r>
-                      <a:endParaRPr lang="en-US" sz="1400" b="1" dirty="0">
-                        <a:solidFill>
-                          <a:srgbClr val="000000"/>
-                        </a:solidFill>
-                        <a:effectLst/>
-                        <a:latin typeface="Times New Roman" panose="02020603050405020304" pitchFamily="18" charset="0"/>
-                        <a:ea typeface="Calibri" panose="020F0502020204030204" pitchFamily="34" charset="0"/>
-                        <a:cs typeface="Times New Roman" panose="02020603050405020304" pitchFamily="18" charset="0"/>
-                      </a:endParaRPr>
-                    </a:p>
-                  </a:txBody>
-                  <a:tcPr marL="53270" marR="53270" marT="0" marB="0"/>
-                </a:tc>
-                <a:tc>
-                  <a:txBody>
-                    <a:bodyPr/>
-                    <a:lstStyle/>
-                    <a:p>
-                      <a:pPr marL="90170" marR="0">
-                        <a:spcBef>
-                          <a:spcPts val="0"/>
-                        </a:spcBef>
-                        <a:spcAft>
-                          <a:spcPts val="0"/>
-                        </a:spcAft>
-                      </a:pPr>
-                      <a:r>
-                        <a:rPr lang="en-US" sz="1400" dirty="0">
-                          <a:effectLst/>
-                          <a:latin typeface="Times New Roman" panose="02020603050405020304" pitchFamily="18" charset="0"/>
-                          <a:cs typeface="Times New Roman" panose="02020603050405020304" pitchFamily="18" charset="0"/>
-                        </a:rPr>
-                        <a:t>Working with vector and raster data collections in Google Earth Engine  </a:t>
-                      </a:r>
-                      <a:br>
-                        <a:rPr lang="en-US" sz="1400" dirty="0">
-                          <a:effectLst/>
-                          <a:latin typeface="Times New Roman" panose="02020603050405020304" pitchFamily="18" charset="0"/>
-                          <a:cs typeface="Times New Roman" panose="02020603050405020304" pitchFamily="18" charset="0"/>
-                        </a:rPr>
-                      </a:br>
-                      <a:r>
-                        <a:rPr lang="en-US" sz="1400" dirty="0">
-                          <a:effectLst/>
-                          <a:latin typeface="Times New Roman" panose="02020603050405020304" pitchFamily="18" charset="0"/>
-                          <a:cs typeface="Times New Roman" panose="02020603050405020304" pitchFamily="18" charset="0"/>
-                        </a:rPr>
-                        <a:t>(Filtering, reducers, clipping, operators, and loops in Google Earth Engine)</a:t>
-                      </a:r>
-                      <a:endParaRPr lang="en-US" sz="1400" dirty="0">
-                        <a:solidFill>
-                          <a:srgbClr val="000000"/>
-                        </a:solidFill>
-                        <a:effectLst/>
-                        <a:latin typeface="Times New Roman" panose="02020603050405020304" pitchFamily="18" charset="0"/>
-                        <a:ea typeface="Calibri" panose="020F0502020204030204" pitchFamily="34" charset="0"/>
-                        <a:cs typeface="Times New Roman" panose="02020603050405020304" pitchFamily="18" charset="0"/>
-                      </a:endParaRPr>
-                    </a:p>
-                  </a:txBody>
-                  <a:tcPr marL="53270" marR="53270" marT="0" marB="0" anchor="ctr"/>
-                </a:tc>
-                <a:tc>
-                  <a:txBody>
-                    <a:bodyPr/>
-                    <a:lstStyle/>
-                    <a:p>
-                      <a:pPr marL="90170" marR="0" algn="ctr">
-                        <a:spcBef>
-                          <a:spcPts val="0"/>
-                        </a:spcBef>
-                        <a:spcAft>
-                          <a:spcPts val="0"/>
-                        </a:spcAft>
-                      </a:pPr>
-                      <a:r>
-                        <a:rPr lang="en-US" sz="1400" dirty="0">
-                          <a:effectLst/>
-                          <a:latin typeface="Times New Roman" panose="02020603050405020304" pitchFamily="18" charset="0"/>
-                          <a:cs typeface="Times New Roman" panose="02020603050405020304" pitchFamily="18" charset="0"/>
-                        </a:rPr>
-                        <a:t>Assignment 9</a:t>
-                      </a:r>
-                      <a:endParaRPr lang="en-US" sz="1400" dirty="0">
-                        <a:solidFill>
-                          <a:srgbClr val="000000"/>
-                        </a:solidFill>
-                        <a:effectLst/>
-                        <a:latin typeface="Times New Roman" panose="02020603050405020304" pitchFamily="18" charset="0"/>
-                        <a:ea typeface="Calibri" panose="020F0502020204030204" pitchFamily="34" charset="0"/>
-                        <a:cs typeface="Times New Roman" panose="02020603050405020304" pitchFamily="18" charset="0"/>
-                      </a:endParaRPr>
-                    </a:p>
-                  </a:txBody>
-                  <a:tcPr marL="53270" marR="53270" marT="0" marB="0" anchor="ctr"/>
-                </a:tc>
-                <a:extLst>
-                  <a:ext uri="{0D108BD9-81ED-4DB2-BD59-A6C34878D82A}">
-                    <a16:rowId xmlns:a16="http://schemas.microsoft.com/office/drawing/2014/main" val="1322627347"/>
-                  </a:ext>
-                </a:extLst>
-              </a:tr>
-              <a:tr h="428625">
-                <a:tc>
-                  <a:txBody>
-                    <a:bodyPr/>
-                    <a:lstStyle/>
-                    <a:p>
-                      <a:pPr marL="90170" marR="0" algn="ctr">
-                        <a:spcBef>
-                          <a:spcPts val="0"/>
-                        </a:spcBef>
-                        <a:spcAft>
-                          <a:spcPts val="0"/>
-                        </a:spcAft>
-                      </a:pPr>
-                      <a:r>
-                        <a:rPr lang="en-US" sz="1400" b="1" dirty="0">
-                          <a:effectLst/>
-                          <a:latin typeface="Times New Roman" panose="02020603050405020304" pitchFamily="18" charset="0"/>
-                          <a:cs typeface="Times New Roman" panose="02020603050405020304" pitchFamily="18" charset="0"/>
-                        </a:rPr>
-                        <a:t>Week 11: </a:t>
-                      </a:r>
-                    </a:p>
-                    <a:p>
-                      <a:pPr marL="90170" marR="0" algn="ctr">
-                        <a:spcBef>
-                          <a:spcPts val="0"/>
-                        </a:spcBef>
-                        <a:spcAft>
-                          <a:spcPts val="0"/>
-                        </a:spcAft>
-                      </a:pPr>
-                      <a:r>
-                        <a:rPr lang="en-US" sz="1400" b="1" dirty="0">
-                          <a:effectLst/>
-                          <a:latin typeface="Times New Roman" panose="02020603050405020304" pitchFamily="18" charset="0"/>
-                          <a:cs typeface="Times New Roman" panose="02020603050405020304" pitchFamily="18" charset="0"/>
-                        </a:rPr>
-                        <a:t>April 11</a:t>
-                      </a:r>
-                      <a:r>
-                        <a:rPr lang="en-US" sz="1400" b="1" baseline="30000" dirty="0">
-                          <a:effectLst/>
-                          <a:latin typeface="Times New Roman" panose="02020603050405020304" pitchFamily="18" charset="0"/>
-                          <a:cs typeface="Times New Roman" panose="02020603050405020304" pitchFamily="18" charset="0"/>
-                        </a:rPr>
-                        <a:t>th</a:t>
-                      </a:r>
-                      <a:endParaRPr lang="en-US" sz="1400" b="1" dirty="0">
-                        <a:solidFill>
-                          <a:srgbClr val="000000"/>
-                        </a:solidFill>
-                        <a:effectLst/>
-                        <a:latin typeface="Times New Roman" panose="02020603050405020304" pitchFamily="18" charset="0"/>
-                        <a:ea typeface="Calibri" panose="020F0502020204030204" pitchFamily="34" charset="0"/>
-                        <a:cs typeface="Times New Roman" panose="02020603050405020304" pitchFamily="18" charset="0"/>
-                      </a:endParaRPr>
-                    </a:p>
-                  </a:txBody>
-                  <a:tcPr marL="53270" marR="53270" marT="0" marB="0"/>
-                </a:tc>
-                <a:tc>
-                  <a:txBody>
-                    <a:bodyPr/>
-                    <a:lstStyle/>
-                    <a:p>
-                      <a:pPr marL="90170" marR="0">
-                        <a:spcBef>
-                          <a:spcPts val="0"/>
-                        </a:spcBef>
-                        <a:spcAft>
-                          <a:spcPts val="0"/>
-                        </a:spcAft>
-                      </a:pPr>
-                      <a:r>
-                        <a:rPr lang="en-US" sz="1400" dirty="0">
-                          <a:effectLst/>
-                          <a:latin typeface="Times New Roman" panose="02020603050405020304" pitchFamily="18" charset="0"/>
-                          <a:cs typeface="Times New Roman" panose="02020603050405020304" pitchFamily="18" charset="0"/>
-                        </a:rPr>
-                        <a:t>Classification in Google Earth Engine</a:t>
-                      </a:r>
-                      <a:br>
-                        <a:rPr lang="en-US" sz="1400" dirty="0">
-                          <a:effectLst/>
-                          <a:latin typeface="Times New Roman" panose="02020603050405020304" pitchFamily="18" charset="0"/>
-                          <a:cs typeface="Times New Roman" panose="02020603050405020304" pitchFamily="18" charset="0"/>
-                        </a:rPr>
-                      </a:br>
-                      <a:r>
-                        <a:rPr lang="en-US" sz="1400" dirty="0">
-                          <a:effectLst/>
-                          <a:latin typeface="Times New Roman" panose="02020603050405020304" pitchFamily="18" charset="0"/>
-                          <a:cs typeface="Times New Roman" panose="02020603050405020304" pitchFamily="18" charset="0"/>
-                        </a:rPr>
-                        <a:t>(Unsupervised, and Supervised classification)</a:t>
-                      </a:r>
-                      <a:endParaRPr lang="en-US" sz="1400" dirty="0">
-                        <a:solidFill>
-                          <a:srgbClr val="000000"/>
-                        </a:solidFill>
-                        <a:effectLst/>
-                        <a:latin typeface="Times New Roman" panose="02020603050405020304" pitchFamily="18" charset="0"/>
-                        <a:ea typeface="Calibri" panose="020F0502020204030204" pitchFamily="34" charset="0"/>
-                        <a:cs typeface="Times New Roman" panose="02020603050405020304" pitchFamily="18" charset="0"/>
-                      </a:endParaRPr>
-                    </a:p>
-                  </a:txBody>
-                  <a:tcPr marL="53270" marR="53270" marT="0" marB="0" anchor="ctr"/>
-                </a:tc>
-                <a:tc>
-                  <a:txBody>
-                    <a:bodyPr/>
-                    <a:lstStyle/>
-                    <a:p>
-                      <a:pPr marL="90170" marR="0" algn="ctr">
-                        <a:spcBef>
-                          <a:spcPts val="0"/>
-                        </a:spcBef>
-                        <a:spcAft>
-                          <a:spcPts val="0"/>
-                        </a:spcAft>
-                      </a:pPr>
-                      <a:r>
-                        <a:rPr lang="en-US" sz="1400" dirty="0">
-                          <a:effectLst/>
-                          <a:latin typeface="Times New Roman" panose="02020603050405020304" pitchFamily="18" charset="0"/>
-                          <a:cs typeface="Times New Roman" panose="02020603050405020304" pitchFamily="18" charset="0"/>
-                        </a:rPr>
-                        <a:t>Assignment 10</a:t>
-                      </a:r>
-                      <a:endParaRPr lang="en-US" sz="1400" dirty="0">
-                        <a:solidFill>
-                          <a:srgbClr val="000000"/>
-                        </a:solidFill>
-                        <a:effectLst/>
-                        <a:latin typeface="Times New Roman" panose="02020603050405020304" pitchFamily="18" charset="0"/>
-                        <a:ea typeface="Calibri" panose="020F0502020204030204" pitchFamily="34" charset="0"/>
-                        <a:cs typeface="Times New Roman" panose="02020603050405020304" pitchFamily="18" charset="0"/>
-                      </a:endParaRPr>
-                    </a:p>
-                  </a:txBody>
-                  <a:tcPr marL="53270" marR="53270" marT="0" marB="0" anchor="ctr"/>
-                </a:tc>
-                <a:extLst>
-                  <a:ext uri="{0D108BD9-81ED-4DB2-BD59-A6C34878D82A}">
-                    <a16:rowId xmlns:a16="http://schemas.microsoft.com/office/drawing/2014/main" val="2536298045"/>
-                  </a:ext>
-                </a:extLst>
-              </a:tr>
-              <a:tr h="428625">
-                <a:tc>
-                  <a:txBody>
-                    <a:bodyPr/>
-                    <a:lstStyle/>
-                    <a:p>
-                      <a:pPr marL="90170" marR="0" algn="ctr">
-                        <a:spcBef>
-                          <a:spcPts val="0"/>
-                        </a:spcBef>
-                        <a:spcAft>
-                          <a:spcPts val="0"/>
-                        </a:spcAft>
-                      </a:pPr>
-                      <a:r>
-                        <a:rPr lang="en-US" sz="1400" b="1" dirty="0">
-                          <a:effectLst/>
-                          <a:latin typeface="Times New Roman" panose="02020603050405020304" pitchFamily="18" charset="0"/>
-                          <a:cs typeface="Times New Roman" panose="02020603050405020304" pitchFamily="18" charset="0"/>
-                        </a:rPr>
-                        <a:t>Week 12: </a:t>
-                      </a:r>
-                    </a:p>
-                    <a:p>
-                      <a:pPr marL="90170" marR="0" algn="ctr">
-                        <a:spcBef>
-                          <a:spcPts val="0"/>
-                        </a:spcBef>
-                        <a:spcAft>
-                          <a:spcPts val="0"/>
-                        </a:spcAft>
-                      </a:pPr>
-                      <a:r>
-                        <a:rPr lang="en-US" sz="1400" b="1" dirty="0">
-                          <a:effectLst/>
-                          <a:latin typeface="Times New Roman" panose="02020603050405020304" pitchFamily="18" charset="0"/>
-                          <a:cs typeface="Times New Roman" panose="02020603050405020304" pitchFamily="18" charset="0"/>
-                        </a:rPr>
-                        <a:t>Apr 18</a:t>
-                      </a:r>
-                      <a:r>
-                        <a:rPr lang="en-US" sz="1400" b="1" baseline="30000" dirty="0">
-                          <a:effectLst/>
-                          <a:latin typeface="Times New Roman" panose="02020603050405020304" pitchFamily="18" charset="0"/>
-                          <a:cs typeface="Times New Roman" panose="02020603050405020304" pitchFamily="18" charset="0"/>
-                        </a:rPr>
-                        <a:t>th</a:t>
-                      </a:r>
-                      <a:r>
-                        <a:rPr lang="en-US" sz="1400" b="1" dirty="0">
-                          <a:effectLst/>
-                          <a:latin typeface="Times New Roman" panose="02020603050405020304" pitchFamily="18" charset="0"/>
-                          <a:cs typeface="Times New Roman" panose="02020603050405020304" pitchFamily="18" charset="0"/>
-                        </a:rPr>
-                        <a:t> </a:t>
-                      </a:r>
-                      <a:endParaRPr lang="en-US" sz="1400" b="1" dirty="0">
-                        <a:solidFill>
-                          <a:srgbClr val="000000"/>
-                        </a:solidFill>
-                        <a:effectLst/>
-                        <a:latin typeface="Times New Roman" panose="02020603050405020304" pitchFamily="18" charset="0"/>
-                        <a:ea typeface="Calibri" panose="020F0502020204030204" pitchFamily="34" charset="0"/>
-                        <a:cs typeface="Times New Roman" panose="02020603050405020304" pitchFamily="18" charset="0"/>
-                      </a:endParaRPr>
-                    </a:p>
-                  </a:txBody>
-                  <a:tcPr marL="53270" marR="53270" marT="0" marB="0"/>
-                </a:tc>
-                <a:tc>
-                  <a:txBody>
-                    <a:bodyPr/>
-                    <a:lstStyle/>
-                    <a:p>
-                      <a:pPr marL="90170" marR="0">
-                        <a:spcBef>
-                          <a:spcPts val="0"/>
-                        </a:spcBef>
-                        <a:spcAft>
-                          <a:spcPts val="0"/>
-                        </a:spcAft>
-                      </a:pPr>
-                      <a:r>
-                        <a:rPr lang="en-US" sz="1400" dirty="0">
-                          <a:effectLst/>
-                          <a:latin typeface="Times New Roman" panose="02020603050405020304" pitchFamily="18" charset="0"/>
-                          <a:cs typeface="Times New Roman" panose="02020603050405020304" pitchFamily="18" charset="0"/>
-                        </a:rPr>
-                        <a:t>Introduction to the research project</a:t>
-                      </a:r>
-                      <a:endParaRPr lang="en-US" sz="1400" dirty="0">
-                        <a:solidFill>
-                          <a:srgbClr val="000000"/>
-                        </a:solidFill>
-                        <a:effectLst/>
-                        <a:latin typeface="Times New Roman" panose="02020603050405020304" pitchFamily="18" charset="0"/>
-                        <a:ea typeface="Calibri" panose="020F0502020204030204" pitchFamily="34" charset="0"/>
-                        <a:cs typeface="Times New Roman" panose="02020603050405020304" pitchFamily="18" charset="0"/>
-                      </a:endParaRPr>
-                    </a:p>
-                  </a:txBody>
-                  <a:tcPr marL="53270" marR="53270" marT="0" marB="0" anchor="ctr"/>
-                </a:tc>
-                <a:tc>
-                  <a:txBody>
-                    <a:bodyPr/>
-                    <a:lstStyle/>
-                    <a:p>
-                      <a:pPr marL="90170" marR="0" algn="ctr">
-                        <a:spcBef>
-                          <a:spcPts val="0"/>
-                        </a:spcBef>
-                        <a:spcAft>
-                          <a:spcPts val="0"/>
-                        </a:spcAft>
-                      </a:pPr>
-                      <a:r>
-                        <a:rPr lang="en-US" sz="1400" dirty="0">
-                          <a:effectLst/>
-                          <a:latin typeface="Times New Roman" panose="02020603050405020304" pitchFamily="18" charset="0"/>
-                          <a:cs typeface="Times New Roman" panose="02020603050405020304" pitchFamily="18" charset="0"/>
-                        </a:rPr>
-                        <a:t>Coursework project</a:t>
-                      </a:r>
-                      <a:endParaRPr lang="en-US" sz="1400" dirty="0">
-                        <a:solidFill>
-                          <a:srgbClr val="000000"/>
-                        </a:solidFill>
-                        <a:effectLst/>
-                        <a:latin typeface="Times New Roman" panose="02020603050405020304" pitchFamily="18" charset="0"/>
-                        <a:ea typeface="Calibri" panose="020F0502020204030204" pitchFamily="34" charset="0"/>
-                        <a:cs typeface="Times New Roman" panose="02020603050405020304" pitchFamily="18" charset="0"/>
-                      </a:endParaRPr>
-                    </a:p>
-                  </a:txBody>
-                  <a:tcPr marL="53270" marR="53270" marT="0" marB="0" anchor="ctr"/>
-                </a:tc>
-                <a:extLst>
-                  <a:ext uri="{0D108BD9-81ED-4DB2-BD59-A6C34878D82A}">
-                    <a16:rowId xmlns:a16="http://schemas.microsoft.com/office/drawing/2014/main" val="1373517362"/>
-                  </a:ext>
-                </a:extLst>
-              </a:tr>
-              <a:tr h="428625">
-                <a:tc>
-                  <a:txBody>
-                    <a:bodyPr/>
-                    <a:lstStyle/>
-                    <a:p>
-                      <a:pPr marL="90170" marR="0" algn="ctr">
-                        <a:spcBef>
-                          <a:spcPts val="0"/>
-                        </a:spcBef>
-                        <a:spcAft>
-                          <a:spcPts val="0"/>
-                        </a:spcAft>
-                      </a:pPr>
-                      <a:r>
-                        <a:rPr lang="en-US" sz="1400" b="1" dirty="0">
-                          <a:effectLst/>
-                          <a:latin typeface="Times New Roman" panose="02020603050405020304" pitchFamily="18" charset="0"/>
-                          <a:cs typeface="Times New Roman" panose="02020603050405020304" pitchFamily="18" charset="0"/>
-                        </a:rPr>
-                        <a:t>Week 13: </a:t>
-                      </a:r>
-                    </a:p>
-                    <a:p>
-                      <a:pPr marL="90170" marR="0" algn="ctr">
-                        <a:spcBef>
-                          <a:spcPts val="0"/>
-                        </a:spcBef>
-                        <a:spcAft>
-                          <a:spcPts val="0"/>
-                        </a:spcAft>
-                      </a:pPr>
-                      <a:r>
-                        <a:rPr lang="en-US" sz="1400" b="1" dirty="0">
-                          <a:effectLst/>
-                          <a:latin typeface="Times New Roman" panose="02020603050405020304" pitchFamily="18" charset="0"/>
-                          <a:cs typeface="Times New Roman" panose="02020603050405020304" pitchFamily="18" charset="0"/>
-                        </a:rPr>
-                        <a:t>Apr 25</a:t>
-                      </a:r>
-                      <a:r>
-                        <a:rPr lang="en-US" sz="1400" b="1" baseline="30000" dirty="0">
-                          <a:effectLst/>
-                          <a:latin typeface="Times New Roman" panose="02020603050405020304" pitchFamily="18" charset="0"/>
-                          <a:cs typeface="Times New Roman" panose="02020603050405020304" pitchFamily="18" charset="0"/>
-                        </a:rPr>
-                        <a:t>th</a:t>
-                      </a:r>
-                      <a:r>
-                        <a:rPr lang="en-US" sz="1400" b="1" dirty="0">
-                          <a:effectLst/>
-                          <a:latin typeface="Times New Roman" panose="02020603050405020304" pitchFamily="18" charset="0"/>
-                          <a:cs typeface="Times New Roman" panose="02020603050405020304" pitchFamily="18" charset="0"/>
-                        </a:rPr>
-                        <a:t> </a:t>
-                      </a:r>
-                      <a:endParaRPr lang="en-US" sz="1400" b="1" dirty="0">
-                        <a:solidFill>
-                          <a:srgbClr val="000000"/>
-                        </a:solidFill>
-                        <a:effectLst/>
-                        <a:latin typeface="Times New Roman" panose="02020603050405020304" pitchFamily="18" charset="0"/>
-                        <a:ea typeface="Calibri" panose="020F0502020204030204" pitchFamily="34" charset="0"/>
-                        <a:cs typeface="Times New Roman" panose="02020603050405020304" pitchFamily="18" charset="0"/>
-                      </a:endParaRPr>
-                    </a:p>
-                  </a:txBody>
-                  <a:tcPr marL="53270" marR="53270" marT="0" marB="0"/>
-                </a:tc>
-                <a:tc>
-                  <a:txBody>
-                    <a:bodyPr/>
-                    <a:lstStyle/>
-                    <a:p>
-                      <a:pPr marL="90170" marR="0">
-                        <a:spcBef>
-                          <a:spcPts val="0"/>
-                        </a:spcBef>
-                        <a:spcAft>
-                          <a:spcPts val="0"/>
-                        </a:spcAft>
-                      </a:pPr>
-                      <a:r>
-                        <a:rPr lang="en-US" sz="1400" dirty="0">
-                          <a:effectLst/>
-                          <a:latin typeface="Times New Roman" panose="02020603050405020304" pitchFamily="18" charset="0"/>
-                          <a:cs typeface="Times New Roman" panose="02020603050405020304" pitchFamily="18" charset="0"/>
-                        </a:rPr>
-                        <a:t>Supported research project practical time </a:t>
-                      </a:r>
-                      <a:endParaRPr lang="en-US" sz="1400" dirty="0">
-                        <a:solidFill>
-                          <a:srgbClr val="000000"/>
-                        </a:solidFill>
-                        <a:effectLst/>
-                        <a:latin typeface="Times New Roman" panose="02020603050405020304" pitchFamily="18" charset="0"/>
-                        <a:ea typeface="Calibri" panose="020F0502020204030204" pitchFamily="34" charset="0"/>
-                        <a:cs typeface="Times New Roman" panose="02020603050405020304" pitchFamily="18" charset="0"/>
-                      </a:endParaRPr>
-                    </a:p>
-                  </a:txBody>
-                  <a:tcPr marL="53270" marR="53270" marT="0" marB="0" anchor="ctr"/>
-                </a:tc>
-                <a:tc>
-                  <a:txBody>
-                    <a:bodyPr/>
-                    <a:lstStyle/>
-                    <a:p>
-                      <a:pPr marL="90170" marR="0" algn="ctr">
-                        <a:spcBef>
-                          <a:spcPts val="0"/>
-                        </a:spcBef>
-                        <a:spcAft>
-                          <a:spcPts val="0"/>
-                        </a:spcAft>
-                      </a:pPr>
-                      <a:r>
-                        <a:rPr lang="en-US" sz="1400">
-                          <a:effectLst/>
-                          <a:latin typeface="Times New Roman" panose="02020603050405020304" pitchFamily="18" charset="0"/>
-                          <a:cs typeface="Times New Roman" panose="02020603050405020304" pitchFamily="18" charset="0"/>
-                        </a:rPr>
-                        <a:t>Coursework project</a:t>
-                      </a:r>
-                      <a:endParaRPr lang="en-US" sz="1400" dirty="0">
-                        <a:solidFill>
-                          <a:srgbClr val="000000"/>
-                        </a:solidFill>
-                        <a:effectLst/>
-                        <a:latin typeface="Times New Roman" panose="02020603050405020304" pitchFamily="18" charset="0"/>
-                        <a:ea typeface="Calibri" panose="020F0502020204030204" pitchFamily="34" charset="0"/>
-                        <a:cs typeface="Times New Roman" panose="02020603050405020304" pitchFamily="18" charset="0"/>
-                      </a:endParaRPr>
-                    </a:p>
-                  </a:txBody>
-                  <a:tcPr marL="53270" marR="53270" marT="0" marB="0" anchor="ctr"/>
-                </a:tc>
-                <a:extLst>
-                  <a:ext uri="{0D108BD9-81ED-4DB2-BD59-A6C34878D82A}">
-                    <a16:rowId xmlns:a16="http://schemas.microsoft.com/office/drawing/2014/main" val="1165365623"/>
-                  </a:ext>
-                </a:extLst>
-              </a:tr>
-              <a:tr h="428625">
-                <a:tc>
-                  <a:txBody>
-                    <a:bodyPr/>
-                    <a:lstStyle/>
-                    <a:p>
-                      <a:pPr marL="90170" marR="0" algn="ctr">
-                        <a:spcBef>
-                          <a:spcPts val="0"/>
-                        </a:spcBef>
-                        <a:spcAft>
-                          <a:spcPts val="0"/>
-                        </a:spcAft>
-                      </a:pPr>
-                      <a:r>
-                        <a:rPr lang="en-US" sz="1400" b="1" dirty="0">
-                          <a:effectLst/>
-                          <a:latin typeface="Times New Roman" panose="02020603050405020304" pitchFamily="18" charset="0"/>
-                          <a:cs typeface="Times New Roman" panose="02020603050405020304" pitchFamily="18" charset="0"/>
-                        </a:rPr>
-                        <a:t>Week 14:</a:t>
-                      </a:r>
-                    </a:p>
-                    <a:p>
-                      <a:pPr marL="90170" marR="0" algn="ctr">
-                        <a:spcBef>
-                          <a:spcPts val="0"/>
-                        </a:spcBef>
-                        <a:spcAft>
-                          <a:spcPts val="0"/>
-                        </a:spcAft>
-                      </a:pPr>
-                      <a:r>
-                        <a:rPr lang="en-US" sz="1400" b="1" dirty="0">
-                          <a:effectLst/>
-                          <a:latin typeface="Times New Roman" panose="02020603050405020304" pitchFamily="18" charset="0"/>
-                          <a:cs typeface="Times New Roman" panose="02020603050405020304" pitchFamily="18" charset="0"/>
-                        </a:rPr>
-                        <a:t>May 2</a:t>
-                      </a:r>
-                      <a:r>
-                        <a:rPr lang="en-US" sz="1400" b="1" baseline="30000" dirty="0">
-                          <a:effectLst/>
-                          <a:latin typeface="Times New Roman" panose="02020603050405020304" pitchFamily="18" charset="0"/>
-                          <a:cs typeface="Times New Roman" panose="02020603050405020304" pitchFamily="18" charset="0"/>
-                        </a:rPr>
-                        <a:t>nd</a:t>
-                      </a:r>
-                      <a:endParaRPr lang="en-US" sz="1400" b="1" dirty="0">
-                        <a:solidFill>
-                          <a:srgbClr val="000000"/>
-                        </a:solidFill>
-                        <a:effectLst/>
-                        <a:latin typeface="Times New Roman" panose="02020603050405020304" pitchFamily="18" charset="0"/>
-                        <a:ea typeface="Calibri" panose="020F0502020204030204" pitchFamily="34" charset="0"/>
-                        <a:cs typeface="Times New Roman" panose="02020603050405020304" pitchFamily="18" charset="0"/>
-                      </a:endParaRPr>
-                    </a:p>
-                  </a:txBody>
-                  <a:tcPr marL="53270" marR="53270" marT="0" marB="0"/>
-                </a:tc>
-                <a:tc>
-                  <a:txBody>
-                    <a:bodyPr/>
-                    <a:lstStyle/>
-                    <a:p>
-                      <a:pPr marL="90170" marR="0">
-                        <a:spcBef>
-                          <a:spcPts val="0"/>
-                        </a:spcBef>
-                        <a:spcAft>
-                          <a:spcPts val="0"/>
-                        </a:spcAft>
-                      </a:pPr>
-                      <a:r>
-                        <a:rPr lang="en-US" sz="1400" dirty="0">
-                          <a:effectLst/>
-                          <a:latin typeface="Times New Roman" panose="02020603050405020304" pitchFamily="18" charset="0"/>
-                          <a:cs typeface="Times New Roman" panose="02020603050405020304" pitchFamily="18" charset="0"/>
-                        </a:rPr>
-                        <a:t>Supported research project practical time</a:t>
-                      </a:r>
-                      <a:endParaRPr lang="en-US" sz="1400" dirty="0">
-                        <a:solidFill>
-                          <a:srgbClr val="000000"/>
-                        </a:solidFill>
-                        <a:effectLst/>
-                        <a:latin typeface="Times New Roman" panose="02020603050405020304" pitchFamily="18" charset="0"/>
-                        <a:ea typeface="Calibri" panose="020F0502020204030204" pitchFamily="34" charset="0"/>
-                        <a:cs typeface="Times New Roman" panose="02020603050405020304" pitchFamily="18" charset="0"/>
-                      </a:endParaRPr>
-                    </a:p>
-                  </a:txBody>
-                  <a:tcPr marL="53270" marR="53270" marT="0" marB="0" anchor="ctr"/>
-                </a:tc>
-                <a:tc>
-                  <a:txBody>
-                    <a:bodyPr/>
-                    <a:lstStyle/>
-                    <a:p>
-                      <a:pPr marL="90170" marR="0" algn="ctr">
-                        <a:spcBef>
-                          <a:spcPts val="0"/>
-                        </a:spcBef>
-                        <a:spcAft>
-                          <a:spcPts val="0"/>
-                        </a:spcAft>
-                      </a:pPr>
-                      <a:r>
-                        <a:rPr lang="en-US" sz="1400">
-                          <a:effectLst/>
-                          <a:latin typeface="Times New Roman" panose="02020603050405020304" pitchFamily="18" charset="0"/>
-                          <a:cs typeface="Times New Roman" panose="02020603050405020304" pitchFamily="18" charset="0"/>
-                        </a:rPr>
-                        <a:t>Coursework project</a:t>
-                      </a:r>
-                      <a:endParaRPr lang="en-US" sz="1400" dirty="0">
-                        <a:solidFill>
-                          <a:srgbClr val="000000"/>
-                        </a:solidFill>
-                        <a:effectLst/>
-                        <a:latin typeface="Times New Roman" panose="02020603050405020304" pitchFamily="18" charset="0"/>
-                        <a:ea typeface="Calibri" panose="020F0502020204030204" pitchFamily="34" charset="0"/>
-                        <a:cs typeface="Times New Roman" panose="02020603050405020304" pitchFamily="18" charset="0"/>
-                      </a:endParaRPr>
-                    </a:p>
-                  </a:txBody>
-                  <a:tcPr marL="53270" marR="53270" marT="0" marB="0" anchor="ctr"/>
-                </a:tc>
-                <a:extLst>
-                  <a:ext uri="{0D108BD9-81ED-4DB2-BD59-A6C34878D82A}">
-                    <a16:rowId xmlns:a16="http://schemas.microsoft.com/office/drawing/2014/main" val="3509286896"/>
-                  </a:ext>
-                </a:extLst>
-              </a:tr>
-              <a:tr h="428625">
-                <a:tc>
-                  <a:txBody>
-                    <a:bodyPr/>
-                    <a:lstStyle/>
-                    <a:p>
-                      <a:pPr marL="90170" marR="0" algn="ctr">
-                        <a:spcBef>
-                          <a:spcPts val="0"/>
-                        </a:spcBef>
-                        <a:spcAft>
-                          <a:spcPts val="0"/>
-                        </a:spcAft>
-                      </a:pPr>
-                      <a:r>
-                        <a:rPr lang="en-US" sz="1400" b="1" dirty="0">
-                          <a:effectLst/>
-                          <a:latin typeface="Times New Roman" panose="02020603050405020304" pitchFamily="18" charset="0"/>
-                          <a:cs typeface="Times New Roman" panose="02020603050405020304" pitchFamily="18" charset="0"/>
-                        </a:rPr>
-                        <a:t>Finals: </a:t>
-                      </a:r>
-                    </a:p>
-                    <a:p>
-                      <a:pPr marL="90170" marR="0" algn="ctr">
-                        <a:spcBef>
-                          <a:spcPts val="0"/>
-                        </a:spcBef>
-                        <a:spcAft>
-                          <a:spcPts val="0"/>
-                        </a:spcAft>
-                      </a:pPr>
-                      <a:r>
-                        <a:rPr lang="en-US" sz="1400" b="1" dirty="0">
-                          <a:effectLst/>
-                          <a:latin typeface="Times New Roman" panose="02020603050405020304" pitchFamily="18" charset="0"/>
-                          <a:cs typeface="Times New Roman" panose="02020603050405020304" pitchFamily="18" charset="0"/>
-                        </a:rPr>
-                        <a:t>May 9</a:t>
-                      </a:r>
-                      <a:r>
-                        <a:rPr lang="en-US" sz="1400" b="1" baseline="30000" dirty="0">
-                          <a:effectLst/>
-                          <a:latin typeface="Times New Roman" panose="02020603050405020304" pitchFamily="18" charset="0"/>
-                          <a:cs typeface="Times New Roman" panose="02020603050405020304" pitchFamily="18" charset="0"/>
-                        </a:rPr>
-                        <a:t>th</a:t>
-                      </a:r>
-                      <a:r>
-                        <a:rPr lang="en-US" sz="1400" b="1" dirty="0">
-                          <a:effectLst/>
-                          <a:latin typeface="Times New Roman" panose="02020603050405020304" pitchFamily="18" charset="0"/>
-                          <a:cs typeface="Times New Roman" panose="02020603050405020304" pitchFamily="18" charset="0"/>
-                        </a:rPr>
-                        <a:t> </a:t>
-                      </a:r>
-                      <a:endParaRPr lang="en-US" sz="1400" b="1" dirty="0">
-                        <a:solidFill>
-                          <a:srgbClr val="000000"/>
-                        </a:solidFill>
-                        <a:effectLst/>
-                        <a:latin typeface="Times New Roman" panose="02020603050405020304" pitchFamily="18" charset="0"/>
-                        <a:ea typeface="Calibri" panose="020F0502020204030204" pitchFamily="34" charset="0"/>
-                        <a:cs typeface="Times New Roman" panose="02020603050405020304" pitchFamily="18" charset="0"/>
-                      </a:endParaRPr>
-                    </a:p>
-                  </a:txBody>
-                  <a:tcPr marL="53270" marR="53270" marT="0" marB="0"/>
-                </a:tc>
-                <a:tc>
-                  <a:txBody>
-                    <a:bodyPr/>
-                    <a:lstStyle/>
-                    <a:p>
-                      <a:pPr marL="90170" marR="0">
-                        <a:spcBef>
-                          <a:spcPts val="0"/>
-                        </a:spcBef>
-                        <a:spcAft>
-                          <a:spcPts val="0"/>
-                        </a:spcAft>
-                      </a:pPr>
-                      <a:r>
-                        <a:rPr lang="en-US" sz="1400" dirty="0">
-                          <a:effectLst/>
-                          <a:latin typeface="Times New Roman" panose="02020603050405020304" pitchFamily="18" charset="0"/>
-                          <a:cs typeface="Times New Roman" panose="02020603050405020304" pitchFamily="18" charset="0"/>
-                        </a:rPr>
-                        <a:t>Coursework submission </a:t>
-                      </a:r>
-                      <a:endParaRPr lang="en-US" sz="1400" dirty="0">
-                        <a:solidFill>
-                          <a:srgbClr val="000000"/>
-                        </a:solidFill>
-                        <a:effectLst/>
-                        <a:latin typeface="Times New Roman" panose="02020603050405020304" pitchFamily="18" charset="0"/>
-                        <a:ea typeface="Calibri" panose="020F0502020204030204" pitchFamily="34" charset="0"/>
-                        <a:cs typeface="Times New Roman" panose="02020603050405020304" pitchFamily="18" charset="0"/>
-                      </a:endParaRPr>
-                    </a:p>
-                  </a:txBody>
-                  <a:tcPr marL="53270" marR="53270" marT="0" marB="0" anchor="ctr"/>
-                </a:tc>
-                <a:tc>
-                  <a:txBody>
-                    <a:bodyPr/>
-                    <a:lstStyle/>
-                    <a:p>
-                      <a:pPr marL="90170" marR="0" algn="ctr">
-                        <a:spcBef>
-                          <a:spcPts val="0"/>
-                        </a:spcBef>
-                        <a:spcAft>
-                          <a:spcPts val="0"/>
-                        </a:spcAft>
-                      </a:pPr>
-                      <a:r>
-                        <a:rPr lang="en-US" sz="1400" dirty="0">
-                          <a:effectLst/>
-                          <a:latin typeface="Times New Roman" panose="02020603050405020304" pitchFamily="18" charset="0"/>
-                          <a:cs typeface="Times New Roman" panose="02020603050405020304" pitchFamily="18" charset="0"/>
-                        </a:rPr>
-                        <a:t>Coursework project</a:t>
-                      </a:r>
-                      <a:endParaRPr lang="en-US" sz="1400" dirty="0">
-                        <a:solidFill>
-                          <a:srgbClr val="000000"/>
-                        </a:solidFill>
-                        <a:effectLst/>
-                        <a:latin typeface="Times New Roman" panose="02020603050405020304" pitchFamily="18" charset="0"/>
-                        <a:ea typeface="Calibri" panose="020F0502020204030204" pitchFamily="34" charset="0"/>
-                        <a:cs typeface="Times New Roman" panose="02020603050405020304" pitchFamily="18" charset="0"/>
-                      </a:endParaRPr>
-                    </a:p>
-                  </a:txBody>
-                  <a:tcPr marL="53270" marR="53270" marT="0" marB="0" anchor="ctr"/>
-                </a:tc>
-                <a:extLst>
-                  <a:ext uri="{0D108BD9-81ED-4DB2-BD59-A6C34878D82A}">
-                    <a16:rowId xmlns:a16="http://schemas.microsoft.com/office/drawing/2014/main" val="3651470356"/>
-                  </a:ext>
-                </a:extLst>
-              </a:tr>
-            </a:tbl>
-          </a:graphicData>
-        </a:graphic>
-      </p:graphicFrame>
-    </p:spTree>
-    <p:extLst>
-      <p:ext uri="{BB962C8B-B14F-4D97-AF65-F5344CB8AC3E}">
-        <p14:creationId xmlns:p14="http://schemas.microsoft.com/office/powerpoint/2010/main" val="4251559109"/>
-      </p:ext>
-    </p:extLst>
-  </p:cSld>
-  <p:clrMapOvr>
-    <a:masterClrMapping/>
-  </p:clrMapOvr>
-</p:sld>
-</file>
-
-<file path=ppt/slides/slide2.xml><?xml version="1.0" encoding="utf-8"?>
-<p:sld xmlns:a="http://schemas.openxmlformats.org/drawingml/2006/main" xmlns:r="http://schemas.openxmlformats.org/officeDocument/2006/relationships" xmlns:p="http://schemas.openxmlformats.org/presentationml/2006/main">
-  <p:cSld>
-    <p:bg>
-      <p:bgPr>
-        <a:solidFill>
-          <a:schemeClr val="bg1">
-            <a:lumMod val="95000"/>
-          </a:schemeClr>
-        </a:solidFill>
-        <a:effectLst/>
-      </p:bgPr>
-    </p:bg>
-    <p:spTree>
-      <p:nvGrpSpPr>
-        <p:cNvPr id="1" name=""/>
-        <p:cNvGrpSpPr/>
-        <p:nvPr/>
-      </p:nvGrpSpPr>
-      <p:grpSpPr>
-        <a:xfrm>
-          <a:off x="0" y="0"/>
-          <a:ext cx="0" cy="0"/>
-          <a:chOff x="0" y="0"/>
-          <a:chExt cx="0" cy="0"/>
-        </a:xfrm>
-      </p:grpSpPr>
-      <p:graphicFrame>
-        <p:nvGraphicFramePr>
-          <p:cNvPr id="4" name="Table 3">
-            <a:extLst>
-              <a:ext uri="{FF2B5EF4-FFF2-40B4-BE49-F238E27FC236}">
-                <a16:creationId xmlns:a16="http://schemas.microsoft.com/office/drawing/2014/main" id="{D39CC776-B9E2-A542-BC9C-74AEFDF04973}"/>
-              </a:ext>
-            </a:extLst>
-          </p:cNvPr>
-          <p:cNvGraphicFramePr>
-            <a:graphicFrameLocks noGrp="1"/>
-          </p:cNvGraphicFramePr>
-          <p:nvPr>
-            <p:extLst>
-              <p:ext uri="{D42A27DB-BD31-4B8C-83A1-F6EECF244321}">
-                <p14:modId xmlns:p14="http://schemas.microsoft.com/office/powerpoint/2010/main" val="2368488613"/>
+                <p14:modId xmlns:p14="http://schemas.microsoft.com/office/powerpoint/2010/main" val="1165769752"/>
               </p:ext>
             </p:extLst>
           </p:nvPr>
@@ -5933,7 +3268,7 @@
                           <a:latin typeface="Times New Roman" panose="02020603050405020304" pitchFamily="18" charset="0"/>
                           <a:cs typeface="Times New Roman" panose="02020603050405020304" pitchFamily="18" charset="0"/>
                         </a:rPr>
-                        <a:t> notebooks</a:t>
+                        <a:t> notebooks.</a:t>
                       </a:r>
                       <a:endParaRPr lang="en-US" sz="1400" dirty="0">
                         <a:solidFill>
@@ -6076,7 +3411,7 @@
                           <a:latin typeface="Times New Roman" panose="02020603050405020304" pitchFamily="18" charset="0"/>
                           <a:cs typeface="Times New Roman" panose="02020603050405020304" pitchFamily="18" charset="0"/>
                         </a:rPr>
-                        <a:t>Python for total beginners</a:t>
+                        <a:t>Python for beginners (file paths, operators, functions, loops etc.).</a:t>
                       </a:r>
                       <a:endParaRPr lang="en-US" sz="1400" dirty="0">
                         <a:solidFill>
@@ -6211,25 +3546,7 @@
                           <a:latin typeface="Times New Roman" panose="02020603050405020304" pitchFamily="18" charset="0"/>
                           <a:cs typeface="Times New Roman" panose="02020603050405020304" pitchFamily="18" charset="0"/>
                         </a:rPr>
-                        <a:t>Obtaining satellite imagery</a:t>
-                      </a:r>
-                    </a:p>
-                    <a:p>
-                      <a:pPr marL="90170" marR="0">
-                        <a:spcBef>
-                          <a:spcPts val="0"/>
-                        </a:spcBef>
-                        <a:spcAft>
-                          <a:spcPts val="0"/>
-                        </a:spcAft>
-                      </a:pPr>
-                      <a:r>
-                        <a:rPr lang="en-US" sz="1400" dirty="0">
-                          <a:effectLst/>
-                          <a:latin typeface="Times New Roman" panose="02020603050405020304" pitchFamily="18" charset="0"/>
-                          <a:cs typeface="Times New Roman" panose="02020603050405020304" pitchFamily="18" charset="0"/>
-                        </a:rPr>
-                        <a:t>(Including API scripting)</a:t>
+                        <a:t>Obtaining satellite imagery via API scripting.</a:t>
                       </a:r>
                       <a:endParaRPr lang="en-US" sz="1400" dirty="0">
                         <a:solidFill>
@@ -6374,7 +3691,7 @@
                           <a:ea typeface="Calibri" panose="020F0502020204030204" pitchFamily="34" charset="0"/>
                           <a:cs typeface="Times New Roman" panose="02020603050405020304" pitchFamily="18" charset="0"/>
                         </a:rPr>
-                        <a:t>Reading and writing multiband images (Part 1). Image metadata. Compression. (via </a:t>
+                        <a:t>Image metadata. Reading and writing multiband images. Compression. (via </a:t>
                       </a:r>
                       <a:r>
                         <a:rPr lang="en-US" sz="1400" dirty="0" err="1">
@@ -6446,7 +3763,7 @@
                           <a:ea typeface="Calibri" panose="020F0502020204030204" pitchFamily="34" charset="0"/>
                           <a:cs typeface="Times New Roman" panose="02020603050405020304" pitchFamily="18" charset="0"/>
                         </a:rPr>
-                        <a:t>)</a:t>
+                        <a:t>).</a:t>
                       </a:r>
                     </a:p>
                   </a:txBody>
@@ -6584,7 +3901,7 @@
                           <a:ea typeface="Calibri" panose="020F0502020204030204" pitchFamily="34" charset="0"/>
                           <a:cs typeface="Times New Roman" panose="02020603050405020304" pitchFamily="18" charset="0"/>
                         </a:rPr>
-                        <a:t>Reading and writing multiband images (Part 2). Image visualization. Git version control. </a:t>
+                        <a:t>Git version control. </a:t>
                       </a:r>
                     </a:p>
                   </a:txBody>
@@ -6722,7 +4039,7 @@
                           <a:ea typeface="Calibri" panose="020F0502020204030204" pitchFamily="34" charset="0"/>
                           <a:cs typeface="Times New Roman" panose="02020603050405020304" pitchFamily="18" charset="0"/>
                         </a:rPr>
-                        <a:t>Clipping single images. Looping and clipping over multiple images. </a:t>
+                        <a:t>Clipping (from single images to looping over multiple images). </a:t>
                       </a:r>
                     </a:p>
                   </a:txBody>
@@ -6861,7 +4178,7 @@
                           <a:ea typeface="Calibri" panose="020F0502020204030204" pitchFamily="34" charset="0"/>
                           <a:cs typeface="Times New Roman" panose="02020603050405020304" pitchFamily="18" charset="0"/>
                         </a:rPr>
-                        <a:t>Histograms and panel plots (Matplotlib)</a:t>
+                        <a:t>Histograms and panel plots (Matplotlib).</a:t>
                       </a:r>
                     </a:p>
                   </a:txBody>
@@ -7081,25 +4398,7 @@
                           <a:latin typeface="Times New Roman" panose="02020603050405020304" pitchFamily="18" charset="0"/>
                           <a:cs typeface="Times New Roman" panose="02020603050405020304" pitchFamily="18" charset="0"/>
                         </a:rPr>
-                        <a:t>Introduction to the OpenCV  </a:t>
-                      </a:r>
-                    </a:p>
-                    <a:p>
-                      <a:pPr marL="90170" marR="0">
-                        <a:spcBef>
-                          <a:spcPts val="0"/>
-                        </a:spcBef>
-                        <a:spcAft>
-                          <a:spcPts val="0"/>
-                        </a:spcAft>
-                      </a:pPr>
-                      <a:r>
-                        <a:rPr lang="en-US" sz="1400" dirty="0">
-                          <a:effectLst/>
-                          <a:latin typeface="Times New Roman" panose="02020603050405020304" pitchFamily="18" charset="0"/>
-                          <a:cs typeface="Times New Roman" panose="02020603050405020304" pitchFamily="18" charset="0"/>
-                        </a:rPr>
-                        <a:t>(Reading, writing, basic core operations etc.)</a:t>
+                        <a:t>Object/layer extraction from imagery. </a:t>
                       </a:r>
                       <a:endParaRPr lang="en-US" sz="1400" dirty="0">
                         <a:solidFill>
@@ -7243,41 +4542,23 @@
                           <a:latin typeface="Times New Roman" panose="02020603050405020304" pitchFamily="18" charset="0"/>
                           <a:cs typeface="Times New Roman" panose="02020603050405020304" pitchFamily="18" charset="0"/>
                         </a:rPr>
-                        <a:t>Image processing in OpenCV</a:t>
-                      </a:r>
-                    </a:p>
-                    <a:p>
-                      <a:pPr marL="90170" marR="0">
-                        <a:spcBef>
-                          <a:spcPts val="0"/>
-                        </a:spcBef>
-                        <a:spcAft>
-                          <a:spcPts val="0"/>
-                        </a:spcAft>
-                      </a:pPr>
+                        <a:t>Introduction to </a:t>
+                      </a:r>
+                      <a:r>
+                        <a:rPr lang="en-US" sz="1400" dirty="0" err="1">
+                          <a:effectLst/>
+                          <a:latin typeface="Times New Roman" panose="02020603050405020304" pitchFamily="18" charset="0"/>
+                          <a:cs typeface="Times New Roman" panose="02020603050405020304" pitchFamily="18" charset="0"/>
+                        </a:rPr>
+                        <a:t>GeoPandas</a:t>
+                      </a:r>
                       <a:r>
                         <a:rPr lang="en-US" sz="1400" dirty="0">
                           <a:effectLst/>
                           <a:latin typeface="Times New Roman" panose="02020603050405020304" pitchFamily="18" charset="0"/>
                           <a:cs typeface="Times New Roman" panose="02020603050405020304" pitchFamily="18" charset="0"/>
                         </a:rPr>
-                        <a:t>(</a:t>
-                      </a:r>
-                      <a:r>
-                        <a:rPr lang="en-US" sz="1400" dirty="0" err="1">
-                          <a:effectLst/>
-                          <a:latin typeface="Times New Roman" panose="02020603050405020304" pitchFamily="18" charset="0"/>
-                          <a:cs typeface="Times New Roman" panose="02020603050405020304" pitchFamily="18" charset="0"/>
-                        </a:rPr>
-                        <a:t>Colorspaces</a:t>
-                      </a:r>
-                      <a:r>
-                        <a:rPr lang="en-US" sz="1400" dirty="0">
-                          <a:effectLst/>
-                          <a:latin typeface="Times New Roman" panose="02020603050405020304" pitchFamily="18" charset="0"/>
-                          <a:cs typeface="Times New Roman" panose="02020603050405020304" pitchFamily="18" charset="0"/>
-                        </a:rPr>
-                        <a:t>, transformations, histograms etc.)</a:t>
+                        <a:t> (manipulation of spatial imagery layers and data) + coursework planning</a:t>
                       </a:r>
                       <a:endParaRPr lang="en-US" sz="1400" dirty="0">
                         <a:solidFill>
@@ -7420,25 +4701,23 @@
                           <a:latin typeface="Times New Roman" panose="02020603050405020304" pitchFamily="18" charset="0"/>
                           <a:cs typeface="Times New Roman" panose="02020603050405020304" pitchFamily="18" charset="0"/>
                         </a:rPr>
-                        <a:t>Feature/object detection in OpenCV</a:t>
-                      </a:r>
-                    </a:p>
-                    <a:p>
-                      <a:pPr marL="90170" marR="0">
-                        <a:spcBef>
-                          <a:spcPts val="0"/>
-                        </a:spcBef>
-                        <a:spcAft>
-                          <a:spcPts val="0"/>
-                        </a:spcAft>
-                      </a:pPr>
+                        <a:t>Image processing using </a:t>
+                      </a:r>
+                      <a:r>
+                        <a:rPr lang="en-US" sz="1400" dirty="0" err="1">
+                          <a:effectLst/>
+                          <a:latin typeface="Times New Roman" panose="02020603050405020304" pitchFamily="18" charset="0"/>
+                          <a:cs typeface="Times New Roman" panose="02020603050405020304" pitchFamily="18" charset="0"/>
+                        </a:rPr>
+                        <a:t>GeoPandas</a:t>
+                      </a:r>
                       <a:r>
                         <a:rPr lang="en-US" sz="1400" dirty="0">
                           <a:effectLst/>
                           <a:latin typeface="Times New Roman" panose="02020603050405020304" pitchFamily="18" charset="0"/>
                           <a:cs typeface="Times New Roman" panose="02020603050405020304" pitchFamily="18" charset="0"/>
                         </a:rPr>
-                        <a:t>(Basic feature detection examples and extraction)</a:t>
+                        <a:t> functions and tools. </a:t>
                       </a:r>
                       <a:endParaRPr lang="en-US" sz="1400" dirty="0">
                         <a:solidFill>
@@ -7567,6 +4846,14 @@
                           <a:spcPts val="0"/>
                         </a:spcAft>
                       </a:pPr>
+                      <a:r>
+                        <a:rPr lang="en-US" sz="1400" dirty="0">
+                          <a:effectLst/>
+                          <a:latin typeface="Times New Roman" panose="02020603050405020304" pitchFamily="18" charset="0"/>
+                          <a:cs typeface="Times New Roman" panose="02020603050405020304" pitchFamily="18" charset="0"/>
+                        </a:rPr>
+                        <a:t>Supported research project practical time </a:t>
+                      </a:r>
                       <a:endParaRPr lang="en-US" sz="1400" dirty="0">
                         <a:solidFill>
                           <a:srgbClr val="000000"/>
@@ -7708,7 +4995,7 @@
                           <a:latin typeface="Times New Roman" panose="02020603050405020304" pitchFamily="18" charset="0"/>
                           <a:cs typeface="Times New Roman" panose="02020603050405020304" pitchFamily="18" charset="0"/>
                         </a:rPr>
-                        <a:t>Introduction to the research project</a:t>
+                        <a:t>Supported research project practical time </a:t>
                       </a:r>
                       <a:endParaRPr lang="en-US" sz="1400" dirty="0">
                         <a:solidFill>

--- a/syllabus/format.pptx
+++ b/syllabus/format.pptx
@@ -254,7 +254,7 @@
           <a:p>
             <a:fld id="{48CDFCA1-6601-C943-AA02-89F09BE97B91}" type="datetimeFigureOut">
               <a:rPr lang="en-US" smtClean="0"/>
-              <a:t>4/7/2022</a:t>
+              <a:t>8/17/2022</a:t>
             </a:fld>
             <a:endParaRPr lang="en-US"/>
           </a:p>
@@ -424,7 +424,7 @@
           <a:p>
             <a:fld id="{48CDFCA1-6601-C943-AA02-89F09BE97B91}" type="datetimeFigureOut">
               <a:rPr lang="en-US" smtClean="0"/>
-              <a:t>4/7/2022</a:t>
+              <a:t>8/17/2022</a:t>
             </a:fld>
             <a:endParaRPr lang="en-US"/>
           </a:p>
@@ -604,7 +604,7 @@
           <a:p>
             <a:fld id="{48CDFCA1-6601-C943-AA02-89F09BE97B91}" type="datetimeFigureOut">
               <a:rPr lang="en-US" smtClean="0"/>
-              <a:t>4/7/2022</a:t>
+              <a:t>8/17/2022</a:t>
             </a:fld>
             <a:endParaRPr lang="en-US"/>
           </a:p>
@@ -774,7 +774,7 @@
           <a:p>
             <a:fld id="{48CDFCA1-6601-C943-AA02-89F09BE97B91}" type="datetimeFigureOut">
               <a:rPr lang="en-US" smtClean="0"/>
-              <a:t>4/7/2022</a:t>
+              <a:t>8/17/2022</a:t>
             </a:fld>
             <a:endParaRPr lang="en-US"/>
           </a:p>
@@ -1018,7 +1018,7 @@
           <a:p>
             <a:fld id="{48CDFCA1-6601-C943-AA02-89F09BE97B91}" type="datetimeFigureOut">
               <a:rPr lang="en-US" smtClean="0"/>
-              <a:t>4/7/2022</a:t>
+              <a:t>8/17/2022</a:t>
             </a:fld>
             <a:endParaRPr lang="en-US"/>
           </a:p>
@@ -1250,7 +1250,7 @@
           <a:p>
             <a:fld id="{48CDFCA1-6601-C943-AA02-89F09BE97B91}" type="datetimeFigureOut">
               <a:rPr lang="en-US" smtClean="0"/>
-              <a:t>4/7/2022</a:t>
+              <a:t>8/17/2022</a:t>
             </a:fld>
             <a:endParaRPr lang="en-US"/>
           </a:p>
@@ -1617,7 +1617,7 @@
           <a:p>
             <a:fld id="{48CDFCA1-6601-C943-AA02-89F09BE97B91}" type="datetimeFigureOut">
               <a:rPr lang="en-US" smtClean="0"/>
-              <a:t>4/7/2022</a:t>
+              <a:t>8/17/2022</a:t>
             </a:fld>
             <a:endParaRPr lang="en-US"/>
           </a:p>
@@ -1735,7 +1735,7 @@
           <a:p>
             <a:fld id="{48CDFCA1-6601-C943-AA02-89F09BE97B91}" type="datetimeFigureOut">
               <a:rPr lang="en-US" smtClean="0"/>
-              <a:t>4/7/2022</a:t>
+              <a:t>8/17/2022</a:t>
             </a:fld>
             <a:endParaRPr lang="en-US"/>
           </a:p>
@@ -1830,7 +1830,7 @@
           <a:p>
             <a:fld id="{48CDFCA1-6601-C943-AA02-89F09BE97B91}" type="datetimeFigureOut">
               <a:rPr lang="en-US" smtClean="0"/>
-              <a:t>4/7/2022</a:t>
+              <a:t>8/17/2022</a:t>
             </a:fld>
             <a:endParaRPr lang="en-US"/>
           </a:p>
@@ -2107,7 +2107,7 @@
           <a:p>
             <a:fld id="{48CDFCA1-6601-C943-AA02-89F09BE97B91}" type="datetimeFigureOut">
               <a:rPr lang="en-US" smtClean="0"/>
-              <a:t>4/7/2022</a:t>
+              <a:t>8/17/2022</a:t>
             </a:fld>
             <a:endParaRPr lang="en-US"/>
           </a:p>
@@ -2364,7 +2364,7 @@
           <a:p>
             <a:fld id="{48CDFCA1-6601-C943-AA02-89F09BE97B91}" type="datetimeFigureOut">
               <a:rPr lang="en-US" smtClean="0"/>
-              <a:t>4/7/2022</a:t>
+              <a:t>8/17/2022</a:t>
             </a:fld>
             <a:endParaRPr lang="en-US"/>
           </a:p>
@@ -2577,7 +2577,7 @@
           <a:p>
             <a:fld id="{48CDFCA1-6601-C943-AA02-89F09BE97B91}" type="datetimeFigureOut">
               <a:rPr lang="en-US" smtClean="0"/>
-              <a:t>4/7/2022</a:t>
+              <a:t>8/17/2022</a:t>
             </a:fld>
             <a:endParaRPr lang="en-US"/>
           </a:p>
@@ -3007,14 +3007,14 @@
           <p:nvPr>
             <p:extLst>
               <p:ext uri="{D42A27DB-BD31-4B8C-83A1-F6EECF244321}">
-                <p14:modId xmlns:p14="http://schemas.microsoft.com/office/powerpoint/2010/main" val="1165769752"/>
+                <p14:modId xmlns:p14="http://schemas.microsoft.com/office/powerpoint/2010/main" val="979568454"/>
               </p:ext>
             </p:extLst>
           </p:nvPr>
         </p:nvGraphicFramePr>
         <p:xfrm>
           <a:off x="0" y="0"/>
-          <a:ext cx="9144002" cy="6858001"/>
+          <a:ext cx="9144002" cy="6855365"/>
         </p:xfrm>
         <a:graphic>
           <a:graphicData uri="http://schemas.openxmlformats.org/drawingml/2006/table">
@@ -3045,7 +3045,7 @@
                   </a:extLst>
                 </a:gridCol>
               </a:tblGrid>
-              <a:tr h="214313">
+              <a:tr h="208368">
                 <a:tc>
                   <a:txBody>
                     <a:bodyPr/>
@@ -3154,7 +3154,7 @@
                   </a:ext>
                 </a:extLst>
               </a:tr>
-              <a:tr h="428625">
+              <a:tr h="416736">
                 <a:tc>
                   <a:txBody>
                     <a:bodyPr/>
@@ -3192,7 +3192,7 @@
                           <a:latin typeface="Times New Roman" panose="02020603050405020304" pitchFamily="18" charset="0"/>
                           <a:cs typeface="Times New Roman" panose="02020603050405020304" pitchFamily="18" charset="0"/>
                         </a:rPr>
-                        <a:t>Jan 24</a:t>
+                        <a:t>Aug 22</a:t>
                       </a:r>
                       <a:r>
                         <a:rPr lang="en-US" sz="1400" b="1" baseline="30000" dirty="0">
@@ -3200,7 +3200,15 @@
                           <a:latin typeface="Times New Roman" panose="02020603050405020304" pitchFamily="18" charset="0"/>
                           <a:cs typeface="Times New Roman" panose="02020603050405020304" pitchFamily="18" charset="0"/>
                         </a:rPr>
-                        <a:t>th</a:t>
+                        <a:t>nd</a:t>
+                      </a:r>
+                      <a:r>
+                        <a:rPr lang="en-US" sz="1400" b="1" dirty="0">
+                          <a:effectLst/>
+                          <a:latin typeface="Times New Roman" panose="02020603050405020304" pitchFamily="18" charset="0"/>
+                          <a:cs typeface="Times New Roman" panose="02020603050405020304" pitchFamily="18" charset="0"/>
+                        </a:rPr>
+                        <a:t> </a:t>
                       </a:r>
                       <a:endParaRPr lang="en-US" sz="1400" b="1" dirty="0">
                         <a:solidFill>
@@ -3234,7 +3242,7 @@
                           <a:latin typeface="Times New Roman" panose="02020603050405020304" pitchFamily="18" charset="0"/>
                           <a:cs typeface="Times New Roman" panose="02020603050405020304" pitchFamily="18" charset="0"/>
                         </a:rPr>
-                        <a:t>Introduction and course overview</a:t>
+                        <a:t>Introduction and course overview.</a:t>
                       </a:r>
                     </a:p>
                     <a:p>
@@ -3252,7 +3260,7 @@
                           <a:latin typeface="Times New Roman" panose="02020603050405020304" pitchFamily="18" charset="0"/>
                           <a:cs typeface="Times New Roman" panose="02020603050405020304" pitchFamily="18" charset="0"/>
                         </a:rPr>
-                        <a:t>Installing Anaconda + </a:t>
+                        <a:t>Getting started with Google </a:t>
                       </a:r>
                       <a:r>
                         <a:rPr lang="en-US" sz="1400" dirty="0" err="1">
@@ -3260,7 +3268,7 @@
                           <a:latin typeface="Times New Roman" panose="02020603050405020304" pitchFamily="18" charset="0"/>
                           <a:cs typeface="Times New Roman" panose="02020603050405020304" pitchFamily="18" charset="0"/>
                         </a:rPr>
-                        <a:t>Jupyter</a:t>
+                        <a:t>Colab</a:t>
                       </a:r>
                       <a:r>
                         <a:rPr lang="en-US" sz="1400" dirty="0">
@@ -3268,7 +3276,7 @@
                           <a:latin typeface="Times New Roman" panose="02020603050405020304" pitchFamily="18" charset="0"/>
                           <a:cs typeface="Times New Roman" panose="02020603050405020304" pitchFamily="18" charset="0"/>
                         </a:rPr>
-                        <a:t> notebooks.</a:t>
+                        <a:t>.</a:t>
                       </a:r>
                       <a:endParaRPr lang="en-US" sz="1400" dirty="0">
                         <a:solidFill>
@@ -3296,14 +3304,6 @@
                           <a:spcPts val="0"/>
                         </a:spcAft>
                       </a:pPr>
-                      <a:r>
-                        <a:rPr lang="en-US" sz="1400" dirty="0">
-                          <a:effectLst/>
-                          <a:latin typeface="Times New Roman" panose="02020603050405020304" pitchFamily="18" charset="0"/>
-                          <a:cs typeface="Times New Roman" panose="02020603050405020304" pitchFamily="18" charset="0"/>
-                        </a:rPr>
-                        <a:t>Assignment 1</a:t>
-                      </a:r>
                       <a:endParaRPr lang="en-US" sz="1400" dirty="0">
                         <a:solidFill>
                           <a:srgbClr val="000000"/>
@@ -3323,7 +3323,7 @@
                   </a:ext>
                 </a:extLst>
               </a:tr>
-              <a:tr h="428625">
+              <a:tr h="416736">
                 <a:tc>
                   <a:txBody>
                     <a:bodyPr/>
@@ -3361,7 +3361,7 @@
                           <a:latin typeface="Times New Roman" panose="02020603050405020304" pitchFamily="18" charset="0"/>
                           <a:cs typeface="Times New Roman" panose="02020603050405020304" pitchFamily="18" charset="0"/>
                         </a:rPr>
-                        <a:t>Jan 31</a:t>
+                        <a:t>Aug 29</a:t>
                       </a:r>
                       <a:r>
                         <a:rPr lang="en-US" sz="1400" b="1" baseline="30000" dirty="0">
@@ -3369,7 +3369,7 @@
                           <a:latin typeface="Times New Roman" panose="02020603050405020304" pitchFamily="18" charset="0"/>
                           <a:cs typeface="Times New Roman" panose="02020603050405020304" pitchFamily="18" charset="0"/>
                         </a:rPr>
-                        <a:t>st</a:t>
+                        <a:t>th</a:t>
                       </a:r>
                       <a:r>
                         <a:rPr lang="en-US" sz="1400" b="1" dirty="0">
@@ -3411,7 +3411,7 @@
                           <a:latin typeface="Times New Roman" panose="02020603050405020304" pitchFamily="18" charset="0"/>
                           <a:cs typeface="Times New Roman" panose="02020603050405020304" pitchFamily="18" charset="0"/>
                         </a:rPr>
-                        <a:t>Python for beginners (file paths, operators, functions, loops etc.).</a:t>
+                        <a:t>Python for beginners (packages, data structures, file paths, operators, functions, loops etc.).</a:t>
                       </a:r>
                       <a:endParaRPr lang="en-US" sz="1400" dirty="0">
                         <a:solidFill>
@@ -3445,7 +3445,7 @@
                           <a:latin typeface="Times New Roman" panose="02020603050405020304" pitchFamily="18" charset="0"/>
                           <a:cs typeface="Times New Roman" panose="02020603050405020304" pitchFamily="18" charset="0"/>
                         </a:rPr>
-                        <a:t>Assignment 2</a:t>
+                        <a:t>Assignment 1</a:t>
                       </a:r>
                       <a:endParaRPr lang="en-US" sz="1400" dirty="0">
                         <a:solidFill>
@@ -3466,7 +3466,7 @@
                   </a:ext>
                 </a:extLst>
               </a:tr>
-              <a:tr h="428625">
+              <a:tr h="416736">
                 <a:tc>
                   <a:txBody>
                     <a:bodyPr/>
@@ -3504,7 +3504,7 @@
                           <a:latin typeface="Times New Roman" panose="02020603050405020304" pitchFamily="18" charset="0"/>
                           <a:cs typeface="Times New Roman" panose="02020603050405020304" pitchFamily="18" charset="0"/>
                         </a:rPr>
-                        <a:t>Feb 7</a:t>
+                        <a:t>Sept 5</a:t>
                       </a:r>
                       <a:r>
                         <a:rPr lang="en-US" sz="1400" b="1" baseline="30000" dirty="0">
@@ -3532,21 +3532,58 @@
                     <a:bodyPr/>
                     <a:lstStyle/>
                     <a:p>
-                      <a:pPr marL="90170" marR="0">
-                        <a:spcBef>
-                          <a:spcPts val="0"/>
-                        </a:spcBef>
-                        <a:spcAft>
-                          <a:spcPts val="0"/>
-                        </a:spcAft>
+                      <a:pPr marL="90170" marR="0" lvl="0" indent="0" algn="l" defTabSz="914400" rtl="0" eaLnBrk="1" fontAlgn="auto" latinLnBrk="0" hangingPunct="1">
+                        <a:lnSpc>
+                          <a:spcPct val="100000"/>
+                        </a:lnSpc>
+                        <a:spcBef>
+                          <a:spcPts val="0"/>
+                        </a:spcBef>
+                        <a:spcAft>
+                          <a:spcPts val="0"/>
+                        </a:spcAft>
+                        <a:buClrTx/>
+                        <a:buSzTx/>
+                        <a:buFontTx/>
+                        <a:buNone/>
+                        <a:tabLst/>
+                        <a:defRPr/>
                       </a:pPr>
                       <a:r>
                         <a:rPr lang="en-US" sz="1400" dirty="0">
-                          <a:effectLst/>
-                          <a:latin typeface="Times New Roman" panose="02020603050405020304" pitchFamily="18" charset="0"/>
-                          <a:cs typeface="Times New Roman" panose="02020603050405020304" pitchFamily="18" charset="0"/>
-                        </a:rPr>
-                        <a:t>Obtaining satellite imagery via API scripting.</a:t>
+                          <a:solidFill>
+                            <a:srgbClr val="000000"/>
+                          </a:solidFill>
+                          <a:effectLst/>
+                          <a:latin typeface="Times New Roman" panose="02020603050405020304" pitchFamily="18" charset="0"/>
+                          <a:ea typeface="Calibri" panose="020F0502020204030204" pitchFamily="34" charset="0"/>
+                          <a:cs typeface="Times New Roman" panose="02020603050405020304" pitchFamily="18" charset="0"/>
+                        </a:rPr>
+                        <a:t>What is an image? Metadata. Reading and writing multiband images. Compression. </a:t>
+                      </a:r>
+                      <a:r>
+                        <a:rPr lang="en-US" sz="1400" dirty="0">
+                          <a:effectLst/>
+                          <a:latin typeface="Times New Roman" panose="02020603050405020304" pitchFamily="18" charset="0"/>
+                          <a:cs typeface="Times New Roman" panose="02020603050405020304" pitchFamily="18" charset="0"/>
+                        </a:rPr>
+                        <a:t>(NB. Labor Day 5</a:t>
+                      </a:r>
+                      <a:r>
+                        <a:rPr lang="en-US" sz="1400" baseline="30000" dirty="0">
+                          <a:effectLst/>
+                          <a:latin typeface="Times New Roman" panose="02020603050405020304" pitchFamily="18" charset="0"/>
+                          <a:cs typeface="Times New Roman" panose="02020603050405020304" pitchFamily="18" charset="0"/>
+                        </a:rPr>
+                        <a:t>th</a:t>
+                      </a:r>
+                      <a:r>
+                        <a:rPr lang="en-US" sz="1400" dirty="0">
+                          <a:effectLst/>
+                          <a:latin typeface="Times New Roman" panose="02020603050405020304" pitchFamily="18" charset="0"/>
+                          <a:cs typeface="Times New Roman" panose="02020603050405020304" pitchFamily="18" charset="0"/>
+                        </a:rPr>
+                        <a:t> Sept: No Class)</a:t>
                       </a:r>
                       <a:endParaRPr lang="en-US" sz="1400" dirty="0">
                         <a:solidFill>
@@ -3576,16 +3613,21 @@
                       </a:pPr>
                       <a:r>
                         <a:rPr lang="en-US" sz="1400" dirty="0">
-                          <a:solidFill>
-                            <a:srgbClr val="000000"/>
-                          </a:solidFill>
-                          <a:effectLst/>
-                          <a:latin typeface="Times New Roman" panose="02020603050405020304" pitchFamily="18" charset="0"/>
-                          <a:ea typeface="Calibri" panose="020F0502020204030204" pitchFamily="34" charset="0"/>
-                          <a:cs typeface="Times New Roman" panose="02020603050405020304" pitchFamily="18" charset="0"/>
-                        </a:rPr>
-                        <a:t>-</a:t>
-                      </a:r>
+                          <a:effectLst/>
+                          <a:latin typeface="Times New Roman" panose="02020603050405020304" pitchFamily="18" charset="0"/>
+                          <a:cs typeface="Times New Roman" panose="02020603050405020304" pitchFamily="18" charset="0"/>
+                        </a:rPr>
+                        <a:t>Assignment 2</a:t>
+                      </a:r>
+                      <a:endParaRPr lang="en-US" sz="1400" dirty="0">
+                        <a:solidFill>
+                          <a:srgbClr val="000000"/>
+                        </a:solidFill>
+                        <a:effectLst/>
+                        <a:latin typeface="Times New Roman" panose="02020603050405020304" pitchFamily="18" charset="0"/>
+                        <a:ea typeface="Calibri" panose="020F0502020204030204" pitchFamily="34" charset="0"/>
+                        <a:cs typeface="Times New Roman" panose="02020603050405020304" pitchFamily="18" charset="0"/>
+                      </a:endParaRPr>
                     </a:p>
                   </a:txBody>
                   <a:tcPr marL="53270" marR="53270" marT="0" marB="0" anchor="ctr"/>
@@ -3596,7 +3638,7 @@
                   </a:ext>
                 </a:extLst>
               </a:tr>
-              <a:tr h="428625">
+              <a:tr h="454565">
                 <a:tc>
                   <a:txBody>
                     <a:bodyPr/>
@@ -3638,7 +3680,7 @@
                           <a:ea typeface="Calibri" panose="020F0502020204030204" pitchFamily="34" charset="0"/>
                           <a:cs typeface="Times New Roman" panose="02020603050405020304" pitchFamily="18" charset="0"/>
                         </a:rPr>
-                        <a:t>Feb 14</a:t>
+                        <a:t>Sept 12</a:t>
                       </a:r>
                       <a:r>
                         <a:rPr lang="en-US" sz="1400" b="1" baseline="30000" dirty="0">
@@ -3691,79 +3733,7 @@
                           <a:ea typeface="Calibri" panose="020F0502020204030204" pitchFamily="34" charset="0"/>
                           <a:cs typeface="Times New Roman" panose="02020603050405020304" pitchFamily="18" charset="0"/>
                         </a:rPr>
-                        <a:t>Image metadata. Reading and writing multiband images. Compression. (via </a:t>
-                      </a:r>
-                      <a:r>
-                        <a:rPr lang="en-US" sz="1400" dirty="0" err="1">
-                          <a:solidFill>
-                            <a:srgbClr val="000000"/>
-                          </a:solidFill>
-                          <a:effectLst/>
-                          <a:latin typeface="Times New Roman" panose="02020603050405020304" pitchFamily="18" charset="0"/>
-                          <a:ea typeface="Calibri" panose="020F0502020204030204" pitchFamily="34" charset="0"/>
-                          <a:cs typeface="Times New Roman" panose="02020603050405020304" pitchFamily="18" charset="0"/>
-                        </a:rPr>
-                        <a:t>numpy</a:t>
-                      </a:r>
-                      <a:r>
-                        <a:rPr lang="en-US" sz="1400" dirty="0">
-                          <a:solidFill>
-                            <a:srgbClr val="000000"/>
-                          </a:solidFill>
-                          <a:effectLst/>
-                          <a:latin typeface="Times New Roman" panose="02020603050405020304" pitchFamily="18" charset="0"/>
-                          <a:ea typeface="Calibri" panose="020F0502020204030204" pitchFamily="34" charset="0"/>
-                          <a:cs typeface="Times New Roman" panose="02020603050405020304" pitchFamily="18" charset="0"/>
-                        </a:rPr>
-                        <a:t>, </a:t>
-                      </a:r>
-                      <a:r>
-                        <a:rPr lang="en-US" sz="1400" dirty="0" err="1">
-                          <a:solidFill>
-                            <a:srgbClr val="000000"/>
-                          </a:solidFill>
-                          <a:effectLst/>
-                          <a:latin typeface="Times New Roman" panose="02020603050405020304" pitchFamily="18" charset="0"/>
-                          <a:ea typeface="Calibri" panose="020F0502020204030204" pitchFamily="34" charset="0"/>
-                          <a:cs typeface="Times New Roman" panose="02020603050405020304" pitchFamily="18" charset="0"/>
-                        </a:rPr>
-                        <a:t>rasterio</a:t>
-                      </a:r>
-                      <a:r>
-                        <a:rPr lang="en-US" sz="1400" dirty="0">
-                          <a:solidFill>
-                            <a:srgbClr val="000000"/>
-                          </a:solidFill>
-                          <a:effectLst/>
-                          <a:latin typeface="Times New Roman" panose="02020603050405020304" pitchFamily="18" charset="0"/>
-                          <a:ea typeface="Calibri" panose="020F0502020204030204" pitchFamily="34" charset="0"/>
-                          <a:cs typeface="Times New Roman" panose="02020603050405020304" pitchFamily="18" charset="0"/>
-                        </a:rPr>
-                        <a:t> and </a:t>
-                      </a:r>
-                      <a:r>
-                        <a:rPr lang="en-US" sz="1400" dirty="0" err="1">
-                          <a:solidFill>
-                            <a:srgbClr val="000000"/>
-                          </a:solidFill>
-                          <a:effectLst/>
-                          <a:latin typeface="Times New Roman" panose="02020603050405020304" pitchFamily="18" charset="0"/>
-                          <a:ea typeface="Calibri" panose="020F0502020204030204" pitchFamily="34" charset="0"/>
-                          <a:cs typeface="Times New Roman" panose="02020603050405020304" pitchFamily="18" charset="0"/>
-                        </a:rPr>
-                        <a:t>geopandas</a:t>
-                      </a:r>
-                      <a:r>
-                        <a:rPr lang="en-US" sz="1400" dirty="0">
-                          <a:solidFill>
-                            <a:srgbClr val="000000"/>
-                          </a:solidFill>
-                          <a:effectLst/>
-                          <a:latin typeface="Times New Roman" panose="02020603050405020304" pitchFamily="18" charset="0"/>
-                          <a:ea typeface="Calibri" panose="020F0502020204030204" pitchFamily="34" charset="0"/>
-                          <a:cs typeface="Times New Roman" panose="02020603050405020304" pitchFamily="18" charset="0"/>
-                        </a:rPr>
-                        <a:t>).</a:t>
+                        <a:t>Coordinate Reference Systems. Image reprojection.</a:t>
                       </a:r>
                     </a:p>
                   </a:txBody>
@@ -3809,7 +3779,7 @@
                   </a:ext>
                 </a:extLst>
               </a:tr>
-              <a:tr h="428625">
+              <a:tr h="416736">
                 <a:tc>
                   <a:txBody>
                     <a:bodyPr/>
@@ -3847,7 +3817,7 @@
                           <a:latin typeface="Times New Roman" panose="02020603050405020304" pitchFamily="18" charset="0"/>
                           <a:cs typeface="Times New Roman" panose="02020603050405020304" pitchFamily="18" charset="0"/>
                         </a:rPr>
-                        <a:t>Feb 21</a:t>
+                        <a:t>Sep 19</a:t>
                       </a:r>
                       <a:r>
                         <a:rPr lang="en-US" sz="1400" b="1" baseline="30000" dirty="0">
@@ -3855,7 +3825,7 @@
                           <a:latin typeface="Times New Roman" panose="02020603050405020304" pitchFamily="18" charset="0"/>
                           <a:cs typeface="Times New Roman" panose="02020603050405020304" pitchFamily="18" charset="0"/>
                         </a:rPr>
-                        <a:t>st</a:t>
+                        <a:t>th</a:t>
                       </a:r>
                       <a:r>
                         <a:rPr lang="en-US" sz="1400" b="1" dirty="0">
@@ -3863,7 +3833,7 @@
                           <a:latin typeface="Times New Roman" panose="02020603050405020304" pitchFamily="18" charset="0"/>
                           <a:cs typeface="Times New Roman" panose="02020603050405020304" pitchFamily="18" charset="0"/>
                         </a:rPr>
-                        <a:t>   </a:t>
+                        <a:t> </a:t>
                       </a:r>
                       <a:endParaRPr lang="en-US" sz="1400" b="1" dirty="0">
                         <a:solidFill>
@@ -3893,15 +3863,11 @@
                       </a:pPr>
                       <a:r>
                         <a:rPr lang="en-US" sz="1400" dirty="0">
-                          <a:solidFill>
-                            <a:srgbClr val="000000"/>
-                          </a:solidFill>
-                          <a:effectLst/>
-                          <a:latin typeface="Times New Roman" panose="02020603050405020304" pitchFamily="18" charset="0"/>
-                          <a:ea typeface="Calibri" panose="020F0502020204030204" pitchFamily="34" charset="0"/>
-                          <a:cs typeface="Times New Roman" panose="02020603050405020304" pitchFamily="18" charset="0"/>
-                        </a:rPr>
-                        <a:t>Git version control. </a:t>
+                          <a:effectLst/>
+                          <a:latin typeface="Times New Roman" panose="02020603050405020304" pitchFamily="18" charset="0"/>
+                          <a:cs typeface="Times New Roman" panose="02020603050405020304" pitchFamily="18" charset="0"/>
+                        </a:rPr>
+                        <a:t>Obtaining satellite imagery via API scripting. </a:t>
                       </a:r>
                     </a:p>
                   </a:txBody>
@@ -3947,7 +3913,7 @@
                   </a:ext>
                 </a:extLst>
               </a:tr>
-              <a:tr h="428625">
+              <a:tr h="416736">
                 <a:tc>
                   <a:txBody>
                     <a:bodyPr/>
@@ -3985,7 +3951,7 @@
                           <a:latin typeface="Times New Roman" panose="02020603050405020304" pitchFamily="18" charset="0"/>
                           <a:cs typeface="Times New Roman" panose="02020603050405020304" pitchFamily="18" charset="0"/>
                         </a:rPr>
-                        <a:t>Feb 28</a:t>
+                        <a:t>Sept 26</a:t>
                       </a:r>
                       <a:r>
                         <a:rPr lang="en-US" sz="1400" b="1" baseline="30000" dirty="0">
@@ -4021,13 +3987,22 @@
                     <a:bodyPr/>
                     <a:lstStyle/>
                     <a:p>
-                      <a:pPr marL="90170" marR="0">
-                        <a:spcBef>
-                          <a:spcPts val="0"/>
-                        </a:spcBef>
-                        <a:spcAft>
-                          <a:spcPts val="0"/>
-                        </a:spcAft>
+                      <a:pPr marL="90170" marR="0" lvl="0" indent="0" algn="l" defTabSz="914400" rtl="0" eaLnBrk="1" fontAlgn="auto" latinLnBrk="0" hangingPunct="1">
+                        <a:lnSpc>
+                          <a:spcPct val="100000"/>
+                        </a:lnSpc>
+                        <a:spcBef>
+                          <a:spcPts val="0"/>
+                        </a:spcBef>
+                        <a:spcAft>
+                          <a:spcPts val="0"/>
+                        </a:spcAft>
+                        <a:buClrTx/>
+                        <a:buSzTx/>
+                        <a:buFontTx/>
+                        <a:buNone/>
+                        <a:tabLst/>
+                        <a:defRPr/>
                       </a:pPr>
                       <a:r>
                         <a:rPr lang="en-US" sz="1400" dirty="0">
@@ -4050,22 +4025,13 @@
                     <a:bodyPr/>
                     <a:lstStyle/>
                     <a:p>
-                      <a:pPr marL="90170" marR="0" lvl="0" indent="0" algn="ctr" defTabSz="914400" rtl="0" eaLnBrk="1" fontAlgn="auto" latinLnBrk="0" hangingPunct="1">
-                        <a:lnSpc>
-                          <a:spcPct val="100000"/>
-                        </a:lnSpc>
-                        <a:spcBef>
-                          <a:spcPts val="0"/>
-                        </a:spcBef>
-                        <a:spcAft>
-                          <a:spcPts val="0"/>
-                        </a:spcAft>
-                        <a:buClrTx/>
-                        <a:buSzTx/>
-                        <a:buFontTx/>
-                        <a:buNone/>
-                        <a:tabLst/>
-                        <a:defRPr/>
+                      <a:pPr marL="90170" marR="0" algn="ctr">
+                        <a:spcBef>
+                          <a:spcPts val="0"/>
+                        </a:spcBef>
+                        <a:spcAft>
+                          <a:spcPts val="0"/>
+                        </a:spcAft>
                       </a:pPr>
                       <a:r>
                         <a:rPr lang="en-US" sz="1400" dirty="0">
@@ -4094,7 +4060,7 @@
                   </a:ext>
                 </a:extLst>
               </a:tr>
-              <a:tr h="428625">
+              <a:tr h="416736">
                 <a:tc>
                   <a:txBody>
                     <a:bodyPr/>
@@ -4132,7 +4098,7 @@
                           <a:latin typeface="Times New Roman" panose="02020603050405020304" pitchFamily="18" charset="0"/>
                           <a:cs typeface="Times New Roman" panose="02020603050405020304" pitchFamily="18" charset="0"/>
                         </a:rPr>
-                        <a:t>Mar 7</a:t>
+                        <a:t>Oct 3</a:t>
                       </a:r>
                       <a:r>
                         <a:rPr lang="en-US" sz="1400" b="1" baseline="30000" dirty="0">
@@ -4140,7 +4106,7 @@
                           <a:latin typeface="Times New Roman" panose="02020603050405020304" pitchFamily="18" charset="0"/>
                           <a:cs typeface="Times New Roman" panose="02020603050405020304" pitchFamily="18" charset="0"/>
                         </a:rPr>
-                        <a:t>th</a:t>
+                        <a:t>rd</a:t>
                       </a:r>
                       <a:endParaRPr lang="en-US" sz="1400" b="1" dirty="0">
                         <a:solidFill>
@@ -4178,7 +4144,7 @@
                           <a:ea typeface="Calibri" panose="020F0502020204030204" pitchFamily="34" charset="0"/>
                           <a:cs typeface="Times New Roman" panose="02020603050405020304" pitchFamily="18" charset="0"/>
                         </a:rPr>
-                        <a:t>Histograms and panel plots (Matplotlib).</a:t>
+                        <a:t>Image enhancement. </a:t>
                       </a:r>
                     </a:p>
                   </a:txBody>
@@ -4233,7 +4199,7 @@
                   </a:ext>
                 </a:extLst>
               </a:tr>
-              <a:tr h="214313">
+              <a:tr h="208368">
                 <a:tc gridSpan="3">
                   <a:txBody>
                     <a:bodyPr/>
@@ -4253,7 +4219,7 @@
                           <a:latin typeface="Times New Roman" panose="02020603050405020304" pitchFamily="18" charset="0"/>
                           <a:cs typeface="Times New Roman" panose="02020603050405020304" pitchFamily="18" charset="0"/>
                         </a:rPr>
-                        <a:t>Spring Recess</a:t>
+                        <a:t>Fall Break</a:t>
                       </a:r>
                       <a:endParaRPr lang="en-US" sz="1400" b="1" dirty="0">
                         <a:solidFill>
@@ -4310,7 +4276,7 @@
                   </a:ext>
                 </a:extLst>
               </a:tr>
-              <a:tr h="428625">
+              <a:tr h="416736">
                 <a:tc>
                   <a:txBody>
                     <a:bodyPr/>
@@ -4348,7 +4314,7 @@
                           <a:latin typeface="Times New Roman" panose="02020603050405020304" pitchFamily="18" charset="0"/>
                           <a:cs typeface="Times New Roman" panose="02020603050405020304" pitchFamily="18" charset="0"/>
                         </a:rPr>
-                        <a:t>Mar 21</a:t>
+                        <a:t>Oct 17</a:t>
                       </a:r>
                       <a:r>
                         <a:rPr lang="en-US" sz="1400" b="1" baseline="30000" dirty="0">
@@ -4356,7 +4322,7 @@
                           <a:latin typeface="Times New Roman" panose="02020603050405020304" pitchFamily="18" charset="0"/>
                           <a:cs typeface="Times New Roman" panose="02020603050405020304" pitchFamily="18" charset="0"/>
                         </a:rPr>
-                        <a:t>st</a:t>
+                        <a:t>th</a:t>
                       </a:r>
                       <a:r>
                         <a:rPr lang="en-US" sz="1400" b="1" dirty="0">
@@ -4364,7 +4330,7 @@
                           <a:latin typeface="Times New Roman" panose="02020603050405020304" pitchFamily="18" charset="0"/>
                           <a:cs typeface="Times New Roman" panose="02020603050405020304" pitchFamily="18" charset="0"/>
                         </a:rPr>
-                        <a:t>    </a:t>
+                        <a:t> </a:t>
                       </a:r>
                       <a:endParaRPr lang="en-US" sz="1400" b="1" dirty="0">
                         <a:solidFill>
@@ -4384,13 +4350,60 @@
                     <a:bodyPr/>
                     <a:lstStyle/>
                     <a:p>
-                      <a:pPr marL="90170" marR="0">
-                        <a:spcBef>
-                          <a:spcPts val="0"/>
-                        </a:spcBef>
-                        <a:spcAft>
-                          <a:spcPts val="0"/>
-                        </a:spcAft>
+                      <a:pPr marL="90170" marR="0" lvl="0" indent="0" algn="l" defTabSz="914400" rtl="0" eaLnBrk="1" fontAlgn="auto" latinLnBrk="0" hangingPunct="1">
+                        <a:lnSpc>
+                          <a:spcPct val="100000"/>
+                        </a:lnSpc>
+                        <a:spcBef>
+                          <a:spcPts val="0"/>
+                        </a:spcBef>
+                        <a:spcAft>
+                          <a:spcPts val="0"/>
+                        </a:spcAft>
+                        <a:buClrTx/>
+                        <a:buSzTx/>
+                        <a:buFontTx/>
+                        <a:buNone/>
+                        <a:tabLst/>
+                        <a:defRPr/>
+                      </a:pPr>
+                      <a:r>
+                        <a:rPr lang="en-US" sz="1400" kern="1200" dirty="0">
+                          <a:solidFill>
+                            <a:schemeClr val="tx1"/>
+                          </a:solidFill>
+                          <a:effectLst/>
+                          <a:latin typeface="Times New Roman" panose="02020603050405020304" pitchFamily="18" charset="0"/>
+                          <a:ea typeface="+mn-ea"/>
+                          <a:cs typeface="Times New Roman" panose="02020603050405020304" pitchFamily="18" charset="0"/>
+                        </a:rPr>
+                        <a:t>Histograms and panel plots (Matplotlib).</a:t>
+                      </a:r>
+                    </a:p>
+                  </a:txBody>
+                  <a:tcPr marL="53270" marR="53270" marT="0" marB="0" anchor="ctr"/>
+                </a:tc>
+                <a:tc>
+                  <a:txBody>
+                    <a:bodyPr/>
+                    <a:lstStyle/>
+                    <a:p>
+                      <a:pPr marL="90170" marR="0" lvl="0" indent="0" algn="ctr" defTabSz="914400" rtl="0" eaLnBrk="1" fontAlgn="auto" latinLnBrk="0" hangingPunct="1">
+                        <a:lnSpc>
+                          <a:spcPct val="100000"/>
+                        </a:lnSpc>
+                        <a:spcBef>
+                          <a:spcPts val="0"/>
+                        </a:spcBef>
+                        <a:spcAft>
+                          <a:spcPts val="0"/>
+                        </a:spcAft>
+                        <a:buClrTx/>
+                        <a:buSzTx/>
+                        <a:buFontTx/>
+                        <a:buNone/>
+                        <a:tabLst/>
+                        <a:defRPr/>
                       </a:pPr>
                       <a:r>
                         <a:rPr lang="en-US" sz="1400" dirty="0">
@@ -4398,7 +4411,7 @@
                           <a:latin typeface="Times New Roman" panose="02020603050405020304" pitchFamily="18" charset="0"/>
                           <a:cs typeface="Times New Roman" panose="02020603050405020304" pitchFamily="18" charset="0"/>
                         </a:rPr>
-                        <a:t>Object/layer extraction from imagery. </a:t>
+                        <a:t>Assignment 7</a:t>
                       </a:r>
                       <a:endParaRPr lang="en-US" sz="1400" dirty="0">
                         <a:solidFill>
@@ -4413,12 +4426,79 @@
                   </a:txBody>
                   <a:tcPr marL="53270" marR="53270" marT="0" marB="0" anchor="ctr"/>
                 </a:tc>
+                <a:extLst>
+                  <a:ext uri="{0D108BD9-81ED-4DB2-BD59-A6C34878D82A}">
+                    <a16:rowId xmlns:a16="http://schemas.microsoft.com/office/drawing/2014/main" val="3862366649"/>
+                  </a:ext>
+                </a:extLst>
+              </a:tr>
+              <a:tr h="416736">
                 <a:tc>
                   <a:txBody>
                     <a:bodyPr/>
                     <a:lstStyle/>
                     <a:p>
-                      <a:pPr marL="90170" marR="0" lvl="0" indent="0" algn="ctr" defTabSz="914400" rtl="0" eaLnBrk="1" fontAlgn="auto" latinLnBrk="0" hangingPunct="1">
+                      <a:pPr marL="90170" marR="0" algn="ctr">
+                        <a:spcBef>
+                          <a:spcPts val="0"/>
+                        </a:spcBef>
+                        <a:spcAft>
+                          <a:spcPts val="0"/>
+                        </a:spcAft>
+                      </a:pPr>
+                      <a:r>
+                        <a:rPr lang="en-US" sz="1400" b="1" dirty="0">
+                          <a:effectLst/>
+                          <a:latin typeface="Times New Roman" panose="02020603050405020304" pitchFamily="18" charset="0"/>
+                          <a:cs typeface="Times New Roman" panose="02020603050405020304" pitchFamily="18" charset="0"/>
+                        </a:rPr>
+                        <a:t>Week 9:</a:t>
+                      </a:r>
+                    </a:p>
+                    <a:p>
+                      <a:pPr marL="90170" marR="0" algn="ctr">
+                        <a:spcBef>
+                          <a:spcPts val="0"/>
+                        </a:spcBef>
+                        <a:spcAft>
+                          <a:spcPts val="0"/>
+                        </a:spcAft>
+                      </a:pPr>
+                      <a:r>
+                        <a:rPr lang="en-US" sz="1400" b="1" dirty="0">
+                          <a:effectLst/>
+                          <a:latin typeface="Times New Roman" panose="02020603050405020304" pitchFamily="18" charset="0"/>
+                          <a:cs typeface="Times New Roman" panose="02020603050405020304" pitchFamily="18" charset="0"/>
+                        </a:rPr>
+                        <a:t>Oct 24</a:t>
+                      </a:r>
+                      <a:r>
+                        <a:rPr lang="en-US" sz="1400" b="1" baseline="30000" dirty="0">
+                          <a:effectLst/>
+                          <a:latin typeface="Times New Roman" panose="02020603050405020304" pitchFamily="18" charset="0"/>
+                          <a:cs typeface="Times New Roman" panose="02020603050405020304" pitchFamily="18" charset="0"/>
+                        </a:rPr>
+                        <a:t>th</a:t>
+                      </a:r>
+                      <a:endParaRPr lang="en-US" sz="1400" b="1" dirty="0">
+                        <a:solidFill>
+                          <a:srgbClr val="000000"/>
+                        </a:solidFill>
+                        <a:effectLst/>
+                        <a:latin typeface="Times New Roman" panose="02020603050405020304" pitchFamily="18" charset="0"/>
+                        <a:ea typeface="Calibri" panose="020F0502020204030204" pitchFamily="34" charset="0"/>
+                        <a:cs typeface="Times New Roman" panose="02020603050405020304" pitchFamily="18" charset="0"/>
+                      </a:endParaRPr>
+                    </a:p>
+                  </a:txBody>
+                  <a:tcPr marL="53270" marR="53270" marT="0" marB="0"/>
+                </a:tc>
+                <a:tc>
+                  <a:txBody>
+                    <a:bodyPr/>
+                    <a:lstStyle/>
+                    <a:p>
+                      <a:pPr marL="90170" marR="0" lvl="0" indent="0" algn="l" defTabSz="914400" rtl="0" eaLnBrk="1" fontAlgn="auto" latinLnBrk="0" hangingPunct="1">
                         <a:lnSpc>
                           <a:spcPct val="100000"/>
                         </a:lnSpc>
@@ -4437,11 +4517,49 @@
                       </a:pPr>
                       <a:r>
                         <a:rPr lang="en-US" sz="1400" dirty="0">
-                          <a:effectLst/>
-                          <a:latin typeface="Times New Roman" panose="02020603050405020304" pitchFamily="18" charset="0"/>
-                          <a:cs typeface="Times New Roman" panose="02020603050405020304" pitchFamily="18" charset="0"/>
-                        </a:rPr>
-                        <a:t>Assignment 7</a:t>
+                          <a:solidFill>
+                            <a:srgbClr val="000000"/>
+                          </a:solidFill>
+                          <a:effectLst/>
+                          <a:latin typeface="Times New Roman" panose="02020603050405020304" pitchFamily="18" charset="0"/>
+                          <a:ea typeface="Calibri" panose="020F0502020204030204" pitchFamily="34" charset="0"/>
+                          <a:cs typeface="Times New Roman" panose="02020603050405020304" pitchFamily="18" charset="0"/>
+                        </a:rPr>
+                        <a:t>Git version control. </a:t>
+                      </a:r>
+                    </a:p>
+                  </a:txBody>
+                  <a:tcPr marL="53270" marR="53270" marT="0" marB="0" anchor="ctr"/>
+                </a:tc>
+                <a:tc>
+                  <a:txBody>
+                    <a:bodyPr/>
+                    <a:lstStyle/>
+                    <a:p>
+                      <a:pPr marL="90170" marR="0" lvl="0" indent="0" algn="ctr" defTabSz="914400" rtl="0" eaLnBrk="1" fontAlgn="auto" latinLnBrk="0" hangingPunct="1">
+                        <a:lnSpc>
+                          <a:spcPct val="100000"/>
+                        </a:lnSpc>
+                        <a:spcBef>
+                          <a:spcPts val="0"/>
+                        </a:spcBef>
+                        <a:spcAft>
+                          <a:spcPts val="0"/>
+                        </a:spcAft>
+                        <a:buClrTx/>
+                        <a:buSzTx/>
+                        <a:buFontTx/>
+                        <a:buNone/>
+                        <a:tabLst/>
+                        <a:defRPr/>
+                      </a:pPr>
+                      <a:r>
+                        <a:rPr lang="en-US" sz="1400" dirty="0">
+                          <a:effectLst/>
+                          <a:latin typeface="Times New Roman" panose="02020603050405020304" pitchFamily="18" charset="0"/>
+                          <a:cs typeface="Times New Roman" panose="02020603050405020304" pitchFamily="18" charset="0"/>
+                        </a:rPr>
+                        <a:t>Assignment 8</a:t>
                       </a:r>
                       <a:endParaRPr lang="en-US" sz="1400" dirty="0">
                         <a:solidFill>
@@ -4458,11 +4576,11 @@
                 </a:tc>
                 <a:extLst>
                   <a:ext uri="{0D108BD9-81ED-4DB2-BD59-A6C34878D82A}">
-                    <a16:rowId xmlns:a16="http://schemas.microsoft.com/office/drawing/2014/main" val="3862366649"/>
+                    <a16:rowId xmlns:a16="http://schemas.microsoft.com/office/drawing/2014/main" val="2233390585"/>
                   </a:ext>
                 </a:extLst>
               </a:tr>
-              <a:tr h="428625">
+              <a:tr h="416736">
                 <a:tc>
                   <a:txBody>
                     <a:bodyPr/>
@@ -4482,7 +4600,7 @@
                           <a:latin typeface="Times New Roman" panose="02020603050405020304" pitchFamily="18" charset="0"/>
                           <a:cs typeface="Times New Roman" panose="02020603050405020304" pitchFamily="18" charset="0"/>
                         </a:rPr>
-                        <a:t>Week 9:</a:t>
+                        <a:t>Week 10: </a:t>
                       </a:r>
                     </a:p>
                     <a:p>
@@ -4500,7 +4618,7 @@
                           <a:latin typeface="Times New Roman" panose="02020603050405020304" pitchFamily="18" charset="0"/>
                           <a:cs typeface="Times New Roman" panose="02020603050405020304" pitchFamily="18" charset="0"/>
                         </a:rPr>
-                        <a:t>Mar 28</a:t>
+                        <a:t>Oct 31</a:t>
                       </a:r>
                       <a:r>
                         <a:rPr lang="en-US" sz="1400" b="1" baseline="30000" dirty="0">
@@ -4508,7 +4626,15 @@
                           <a:latin typeface="Times New Roman" panose="02020603050405020304" pitchFamily="18" charset="0"/>
                           <a:cs typeface="Times New Roman" panose="02020603050405020304" pitchFamily="18" charset="0"/>
                         </a:rPr>
-                        <a:t>th</a:t>
+                        <a:t>st</a:t>
+                      </a:r>
+                      <a:r>
+                        <a:rPr lang="en-US" sz="1400" b="1" dirty="0">
+                          <a:effectLst/>
+                          <a:latin typeface="Times New Roman" panose="02020603050405020304" pitchFamily="18" charset="0"/>
+                          <a:cs typeface="Times New Roman" panose="02020603050405020304" pitchFamily="18" charset="0"/>
+                        </a:rPr>
+                        <a:t>  </a:t>
                       </a:r>
                       <a:endParaRPr lang="en-US" sz="1400" b="1" dirty="0">
                         <a:solidFill>
@@ -4528,13 +4654,22 @@
                     <a:bodyPr/>
                     <a:lstStyle/>
                     <a:p>
-                      <a:pPr marL="90170" marR="0">
-                        <a:spcBef>
-                          <a:spcPts val="0"/>
-                        </a:spcBef>
-                        <a:spcAft>
-                          <a:spcPts val="0"/>
-                        </a:spcAft>
+                      <a:pPr marL="90170" marR="0" lvl="0" indent="0" algn="l" defTabSz="914400" rtl="0" eaLnBrk="1" fontAlgn="auto" latinLnBrk="0" hangingPunct="1">
+                        <a:lnSpc>
+                          <a:spcPct val="100000"/>
+                        </a:lnSpc>
+                        <a:spcBef>
+                          <a:spcPts val="0"/>
+                        </a:spcBef>
+                        <a:spcAft>
+                          <a:spcPts val="0"/>
+                        </a:spcAft>
+                        <a:buClrTx/>
+                        <a:buSzTx/>
+                        <a:buFontTx/>
+                        <a:buNone/>
+                        <a:tabLst/>
+                        <a:defRPr/>
                       </a:pPr>
                       <a:r>
                         <a:rPr lang="en-US" sz="1400" dirty="0">
@@ -4542,23 +4677,7 @@
                           <a:latin typeface="Times New Roman" panose="02020603050405020304" pitchFamily="18" charset="0"/>
                           <a:cs typeface="Times New Roman" panose="02020603050405020304" pitchFamily="18" charset="0"/>
                         </a:rPr>
-                        <a:t>Introduction to </a:t>
-                      </a:r>
-                      <a:r>
-                        <a:rPr lang="en-US" sz="1400" dirty="0" err="1">
-                          <a:effectLst/>
-                          <a:latin typeface="Times New Roman" panose="02020603050405020304" pitchFamily="18" charset="0"/>
-                          <a:cs typeface="Times New Roman" panose="02020603050405020304" pitchFamily="18" charset="0"/>
-                        </a:rPr>
-                        <a:t>GeoPandas</a:t>
-                      </a:r>
-                      <a:r>
-                        <a:rPr lang="en-US" sz="1400" dirty="0">
-                          <a:effectLst/>
-                          <a:latin typeface="Times New Roman" panose="02020603050405020304" pitchFamily="18" charset="0"/>
-                          <a:cs typeface="Times New Roman" panose="02020603050405020304" pitchFamily="18" charset="0"/>
-                        </a:rPr>
-                        <a:t> (manipulation of spatial imagery layers and data) + coursework planning</a:t>
+                        <a:t>Feature extraction from imagery. </a:t>
                       </a:r>
                       <a:endParaRPr lang="en-US" sz="1400" dirty="0">
                         <a:solidFill>
@@ -4592,7 +4711,7 @@
                           <a:latin typeface="Times New Roman" panose="02020603050405020304" pitchFamily="18" charset="0"/>
                           <a:cs typeface="Times New Roman" panose="02020603050405020304" pitchFamily="18" charset="0"/>
                         </a:rPr>
-                        <a:t>Assignment 8</a:t>
+                        <a:t>Assignment 9</a:t>
                       </a:r>
                       <a:endParaRPr lang="en-US" sz="1400" dirty="0">
                         <a:solidFill>
@@ -4609,11 +4728,11 @@
                 </a:tc>
                 <a:extLst>
                   <a:ext uri="{0D108BD9-81ED-4DB2-BD59-A6C34878D82A}">
-                    <a16:rowId xmlns:a16="http://schemas.microsoft.com/office/drawing/2014/main" val="2233390585"/>
+                    <a16:rowId xmlns:a16="http://schemas.microsoft.com/office/drawing/2014/main" val="1322627347"/>
                   </a:ext>
                 </a:extLst>
               </a:tr>
-              <a:tr h="428625">
+              <a:tr h="416736">
                 <a:tc>
                   <a:txBody>
                     <a:bodyPr/>
@@ -4633,7 +4752,7 @@
                           <a:latin typeface="Times New Roman" panose="02020603050405020304" pitchFamily="18" charset="0"/>
                           <a:cs typeface="Times New Roman" panose="02020603050405020304" pitchFamily="18" charset="0"/>
                         </a:rPr>
-                        <a:t>Week 10: </a:t>
+                        <a:t>Week 11: </a:t>
                       </a:r>
                     </a:p>
                     <a:p>
@@ -4651,7 +4770,7 @@
                           <a:latin typeface="Times New Roman" panose="02020603050405020304" pitchFamily="18" charset="0"/>
                           <a:cs typeface="Times New Roman" panose="02020603050405020304" pitchFamily="18" charset="0"/>
                         </a:rPr>
-                        <a:t>Apr 4</a:t>
+                        <a:t>Nov 7</a:t>
                       </a:r>
                       <a:r>
                         <a:rPr lang="en-US" sz="1400" b="1" baseline="30000" dirty="0">
@@ -4660,14 +4779,6 @@
                           <a:cs typeface="Times New Roman" panose="02020603050405020304" pitchFamily="18" charset="0"/>
                         </a:rPr>
                         <a:t>th</a:t>
-                      </a:r>
-                      <a:r>
-                        <a:rPr lang="en-US" sz="1400" b="1" dirty="0">
-                          <a:effectLst/>
-                          <a:latin typeface="Times New Roman" panose="02020603050405020304" pitchFamily="18" charset="0"/>
-                          <a:cs typeface="Times New Roman" panose="02020603050405020304" pitchFamily="18" charset="0"/>
-                        </a:rPr>
-                        <a:t> </a:t>
                       </a:r>
                       <a:endParaRPr lang="en-US" sz="1400" b="1" dirty="0">
                         <a:solidFill>
@@ -4701,7 +4812,7 @@
                           <a:latin typeface="Times New Roman" panose="02020603050405020304" pitchFamily="18" charset="0"/>
                           <a:cs typeface="Times New Roman" panose="02020603050405020304" pitchFamily="18" charset="0"/>
                         </a:rPr>
-                        <a:t>Image processing using </a:t>
+                        <a:t>Introduction to </a:t>
                       </a:r>
                       <a:r>
                         <a:rPr lang="en-US" sz="1400" dirty="0" err="1">
@@ -4717,7 +4828,7 @@
                           <a:latin typeface="Times New Roman" panose="02020603050405020304" pitchFamily="18" charset="0"/>
                           <a:cs typeface="Times New Roman" panose="02020603050405020304" pitchFamily="18" charset="0"/>
                         </a:rPr>
-                        <a:t> functions and tools. </a:t>
+                        <a:t> (manipulation of spatial imagery layers and data). Coursework planning.</a:t>
                       </a:r>
                       <a:endParaRPr lang="en-US" sz="1400" dirty="0">
                         <a:solidFill>
@@ -4751,7 +4862,7 @@
                           <a:latin typeface="Times New Roman" panose="02020603050405020304" pitchFamily="18" charset="0"/>
                           <a:cs typeface="Times New Roman" panose="02020603050405020304" pitchFamily="18" charset="0"/>
                         </a:rPr>
-                        <a:t>Assignment 9</a:t>
+                        <a:t>Assignment 10</a:t>
                       </a:r>
                       <a:endParaRPr lang="en-US" sz="1400" dirty="0">
                         <a:solidFill>
@@ -4768,11 +4879,11 @@
                 </a:tc>
                 <a:extLst>
                   <a:ext uri="{0D108BD9-81ED-4DB2-BD59-A6C34878D82A}">
-                    <a16:rowId xmlns:a16="http://schemas.microsoft.com/office/drawing/2014/main" val="1322627347"/>
+                    <a16:rowId xmlns:a16="http://schemas.microsoft.com/office/drawing/2014/main" val="2536298045"/>
                   </a:ext>
                 </a:extLst>
               </a:tr>
-              <a:tr h="428625">
+              <a:tr h="416736">
                 <a:tc>
                   <a:txBody>
                     <a:bodyPr/>
@@ -4792,7 +4903,7 @@
                           <a:latin typeface="Times New Roman" panose="02020603050405020304" pitchFamily="18" charset="0"/>
                           <a:cs typeface="Times New Roman" panose="02020603050405020304" pitchFamily="18" charset="0"/>
                         </a:rPr>
-                        <a:t>Week 11: </a:t>
+                        <a:t>Week 12: </a:t>
                       </a:r>
                     </a:p>
                     <a:p>
@@ -4810,7 +4921,7 @@
                           <a:latin typeface="Times New Roman" panose="02020603050405020304" pitchFamily="18" charset="0"/>
                           <a:cs typeface="Times New Roman" panose="02020603050405020304" pitchFamily="18" charset="0"/>
                         </a:rPr>
-                        <a:t>April 11</a:t>
+                        <a:t>Nov 14</a:t>
                       </a:r>
                       <a:r>
                         <a:rPr lang="en-US" sz="1400" b="1" baseline="30000" dirty="0">
@@ -4819,6 +4930,14 @@
                           <a:cs typeface="Times New Roman" panose="02020603050405020304" pitchFamily="18" charset="0"/>
                         </a:rPr>
                         <a:t>th</a:t>
+                      </a:r>
+                      <a:r>
+                        <a:rPr lang="en-US" sz="1400" b="1" dirty="0">
+                          <a:effectLst/>
+                          <a:latin typeface="Times New Roman" panose="02020603050405020304" pitchFamily="18" charset="0"/>
+                          <a:cs typeface="Times New Roman" panose="02020603050405020304" pitchFamily="18" charset="0"/>
+                        </a:rPr>
+                        <a:t> </a:t>
                       </a:r>
                       <a:endParaRPr lang="en-US" sz="1400" b="1" dirty="0">
                         <a:solidFill>
@@ -4852,7 +4971,23 @@
                           <a:latin typeface="Times New Roman" panose="02020603050405020304" pitchFamily="18" charset="0"/>
                           <a:cs typeface="Times New Roman" panose="02020603050405020304" pitchFamily="18" charset="0"/>
                         </a:rPr>
-                        <a:t>Supported research project practical time </a:t>
+                        <a:t>Image processing using </a:t>
+                      </a:r>
+                      <a:r>
+                        <a:rPr lang="en-US" sz="1400" dirty="0" err="1">
+                          <a:effectLst/>
+                          <a:latin typeface="Times New Roman" panose="02020603050405020304" pitchFamily="18" charset="0"/>
+                          <a:cs typeface="Times New Roman" panose="02020603050405020304" pitchFamily="18" charset="0"/>
+                        </a:rPr>
+                        <a:t>GeoPandas</a:t>
+                      </a:r>
+                      <a:r>
+                        <a:rPr lang="en-US" sz="1400" dirty="0">
+                          <a:effectLst/>
+                          <a:latin typeface="Times New Roman" panose="02020603050405020304" pitchFamily="18" charset="0"/>
+                          <a:cs typeface="Times New Roman" panose="02020603050405020304" pitchFamily="18" charset="0"/>
+                        </a:rPr>
+                        <a:t> functions and tools. </a:t>
                       </a:r>
                       <a:endParaRPr lang="en-US" sz="1400" dirty="0">
                         <a:solidFill>
@@ -4886,7 +5021,7 @@
                           <a:latin typeface="Times New Roman" panose="02020603050405020304" pitchFamily="18" charset="0"/>
                           <a:cs typeface="Times New Roman" panose="02020603050405020304" pitchFamily="18" charset="0"/>
                         </a:rPr>
-                        <a:t>Assignment 10</a:t>
+                        <a:t>Coursework project</a:t>
                       </a:r>
                       <a:endParaRPr lang="en-US" sz="1400" dirty="0">
                         <a:solidFill>
@@ -4903,11 +5038,11 @@
                 </a:tc>
                 <a:extLst>
                   <a:ext uri="{0D108BD9-81ED-4DB2-BD59-A6C34878D82A}">
-                    <a16:rowId xmlns:a16="http://schemas.microsoft.com/office/drawing/2014/main" val="2536298045"/>
+                    <a16:rowId xmlns:a16="http://schemas.microsoft.com/office/drawing/2014/main" val="1373517362"/>
                   </a:ext>
                 </a:extLst>
               </a:tr>
-              <a:tr h="428625">
+              <a:tr h="416736">
                 <a:tc>
                   <a:txBody>
                     <a:bodyPr/>
@@ -4927,7 +5062,7 @@
                           <a:latin typeface="Times New Roman" panose="02020603050405020304" pitchFamily="18" charset="0"/>
                           <a:cs typeface="Times New Roman" panose="02020603050405020304" pitchFamily="18" charset="0"/>
                         </a:rPr>
-                        <a:t>Week 12: </a:t>
+                        <a:t>Week 13: </a:t>
                       </a:r>
                     </a:p>
                     <a:p>
@@ -4945,7 +5080,7 @@
                           <a:latin typeface="Times New Roman" panose="02020603050405020304" pitchFamily="18" charset="0"/>
                           <a:cs typeface="Times New Roman" panose="02020603050405020304" pitchFamily="18" charset="0"/>
                         </a:rPr>
-                        <a:t>Apr 18</a:t>
+                        <a:t>Nov 21</a:t>
                       </a:r>
                       <a:r>
                         <a:rPr lang="en-US" sz="1400" b="1" baseline="30000" dirty="0">
@@ -4953,7 +5088,7 @@
                           <a:latin typeface="Times New Roman" panose="02020603050405020304" pitchFamily="18" charset="0"/>
                           <a:cs typeface="Times New Roman" panose="02020603050405020304" pitchFamily="18" charset="0"/>
                         </a:rPr>
-                        <a:t>th</a:t>
+                        <a:t>st</a:t>
                       </a:r>
                       <a:r>
                         <a:rPr lang="en-US" sz="1400" b="1" dirty="0">
@@ -4995,7 +5130,7 @@
                           <a:latin typeface="Times New Roman" panose="02020603050405020304" pitchFamily="18" charset="0"/>
                           <a:cs typeface="Times New Roman" panose="02020603050405020304" pitchFamily="18" charset="0"/>
                         </a:rPr>
-                        <a:t>Supported research project practical time </a:t>
+                        <a:t>Supported research project practical time. </a:t>
                       </a:r>
                       <a:endParaRPr lang="en-US" sz="1400" dirty="0">
                         <a:solidFill>
@@ -5024,7 +5159,7 @@
                         </a:spcAft>
                       </a:pPr>
                       <a:r>
-                        <a:rPr lang="en-US" sz="1400" dirty="0">
+                        <a:rPr lang="en-US" sz="1400">
                           <a:effectLst/>
                           <a:latin typeface="Times New Roman" panose="02020603050405020304" pitchFamily="18" charset="0"/>
                           <a:cs typeface="Times New Roman" panose="02020603050405020304" pitchFamily="18" charset="0"/>
@@ -5046,11 +5181,11 @@
                 </a:tc>
                 <a:extLst>
                   <a:ext uri="{0D108BD9-81ED-4DB2-BD59-A6C34878D82A}">
-                    <a16:rowId xmlns:a16="http://schemas.microsoft.com/office/drawing/2014/main" val="1373517362"/>
+                    <a16:rowId xmlns:a16="http://schemas.microsoft.com/office/drawing/2014/main" val="1165365623"/>
                   </a:ext>
                 </a:extLst>
               </a:tr>
-              <a:tr h="428625">
+              <a:tr h="416736">
                 <a:tc>
                   <a:txBody>
                     <a:bodyPr/>
@@ -5070,7 +5205,7 @@
                           <a:latin typeface="Times New Roman" panose="02020603050405020304" pitchFamily="18" charset="0"/>
                           <a:cs typeface="Times New Roman" panose="02020603050405020304" pitchFamily="18" charset="0"/>
                         </a:rPr>
-                        <a:t>Week 13: </a:t>
+                        <a:t>Week 14:</a:t>
                       </a:r>
                     </a:p>
                     <a:p>
@@ -5088,7 +5223,7 @@
                           <a:latin typeface="Times New Roman" panose="02020603050405020304" pitchFamily="18" charset="0"/>
                           <a:cs typeface="Times New Roman" panose="02020603050405020304" pitchFamily="18" charset="0"/>
                         </a:rPr>
-                        <a:t>Apr 25</a:t>
+                        <a:t>Nov 28</a:t>
                       </a:r>
                       <a:r>
                         <a:rPr lang="en-US" sz="1400" b="1" baseline="30000" dirty="0">
@@ -5097,14 +5232,6 @@
                           <a:cs typeface="Times New Roman" panose="02020603050405020304" pitchFamily="18" charset="0"/>
                         </a:rPr>
                         <a:t>th</a:t>
-                      </a:r>
-                      <a:r>
-                        <a:rPr lang="en-US" sz="1400" b="1" dirty="0">
-                          <a:effectLst/>
-                          <a:latin typeface="Times New Roman" panose="02020603050405020304" pitchFamily="18" charset="0"/>
-                          <a:cs typeface="Times New Roman" panose="02020603050405020304" pitchFamily="18" charset="0"/>
-                        </a:rPr>
-                        <a:t> </a:t>
                       </a:r>
                       <a:endParaRPr lang="en-US" sz="1400" b="1" dirty="0">
                         <a:solidFill>
@@ -5124,13 +5251,22 @@
                     <a:bodyPr/>
                     <a:lstStyle/>
                     <a:p>
-                      <a:pPr marL="90170" marR="0">
-                        <a:spcBef>
-                          <a:spcPts val="0"/>
-                        </a:spcBef>
-                        <a:spcAft>
-                          <a:spcPts val="0"/>
-                        </a:spcAft>
+                      <a:pPr marL="90170" marR="0" lvl="0" indent="0" algn="l" defTabSz="914400" rtl="0" eaLnBrk="1" fontAlgn="auto" latinLnBrk="0" hangingPunct="1">
+                        <a:lnSpc>
+                          <a:spcPct val="100000"/>
+                        </a:lnSpc>
+                        <a:spcBef>
+                          <a:spcPts val="0"/>
+                        </a:spcBef>
+                        <a:spcAft>
+                          <a:spcPts val="0"/>
+                        </a:spcAft>
+                        <a:buClrTx/>
+                        <a:buSzTx/>
+                        <a:buFontTx/>
+                        <a:buNone/>
+                        <a:tabLst/>
+                        <a:defRPr/>
                       </a:pPr>
                       <a:r>
                         <a:rPr lang="en-US" sz="1400" dirty="0">
@@ -5138,7 +5274,7 @@
                           <a:latin typeface="Times New Roman" panose="02020603050405020304" pitchFamily="18" charset="0"/>
                           <a:cs typeface="Times New Roman" panose="02020603050405020304" pitchFamily="18" charset="0"/>
                         </a:rPr>
-                        <a:t>Supported research project practical time </a:t>
+                        <a:t>Supported research project practical time. Coursework submission. </a:t>
                       </a:r>
                       <a:endParaRPr lang="en-US" sz="1400" dirty="0">
                         <a:solidFill>
@@ -5189,11 +5325,11 @@
                 </a:tc>
                 <a:extLst>
                   <a:ext uri="{0D108BD9-81ED-4DB2-BD59-A6C34878D82A}">
-                    <a16:rowId xmlns:a16="http://schemas.microsoft.com/office/drawing/2014/main" val="1165365623"/>
+                    <a16:rowId xmlns:a16="http://schemas.microsoft.com/office/drawing/2014/main" val="3509286896"/>
                   </a:ext>
                 </a:extLst>
               </a:tr>
-              <a:tr h="428625">
+              <a:tr h="416736">
                 <a:tc>
                   <a:txBody>
                     <a:bodyPr/>
@@ -5213,7 +5349,7 @@
                           <a:latin typeface="Times New Roman" panose="02020603050405020304" pitchFamily="18" charset="0"/>
                           <a:cs typeface="Times New Roman" panose="02020603050405020304" pitchFamily="18" charset="0"/>
                         </a:rPr>
-                        <a:t>Week 14:</a:t>
+                        <a:t>Finals: </a:t>
                       </a:r>
                     </a:p>
                     <a:p>
@@ -5231,7 +5367,7 @@
                           <a:latin typeface="Times New Roman" panose="02020603050405020304" pitchFamily="18" charset="0"/>
                           <a:cs typeface="Times New Roman" panose="02020603050405020304" pitchFamily="18" charset="0"/>
                         </a:rPr>
-                        <a:t>May 2</a:t>
+                        <a:t>Dec 5</a:t>
                       </a:r>
                       <a:r>
                         <a:rPr lang="en-US" sz="1400" b="1" baseline="30000" dirty="0">
@@ -5239,7 +5375,15 @@
                           <a:latin typeface="Times New Roman" panose="02020603050405020304" pitchFamily="18" charset="0"/>
                           <a:cs typeface="Times New Roman" panose="02020603050405020304" pitchFamily="18" charset="0"/>
                         </a:rPr>
-                        <a:t>nd</a:t>
+                        <a:t>th</a:t>
+                      </a:r>
+                      <a:r>
+                        <a:rPr lang="en-US" sz="1400" b="1" dirty="0">
+                          <a:effectLst/>
+                          <a:latin typeface="Times New Roman" panose="02020603050405020304" pitchFamily="18" charset="0"/>
+                          <a:cs typeface="Times New Roman" panose="02020603050405020304" pitchFamily="18" charset="0"/>
+                        </a:rPr>
+                        <a:t> </a:t>
                       </a:r>
                       <a:endParaRPr lang="en-US" sz="1400" b="1" dirty="0">
                         <a:solidFill>
@@ -5259,174 +5403,35 @@
                     <a:bodyPr/>
                     <a:lstStyle/>
                     <a:p>
-                      <a:pPr marL="90170" marR="0">
-                        <a:spcBef>
-                          <a:spcPts val="0"/>
-                        </a:spcBef>
-                        <a:spcAft>
-                          <a:spcPts val="0"/>
-                        </a:spcAft>
+                      <a:pPr marL="90170" marR="0" lvl="0" indent="0" algn="l" defTabSz="914400" rtl="0" eaLnBrk="1" fontAlgn="auto" latinLnBrk="0" hangingPunct="1">
+                        <a:lnSpc>
+                          <a:spcPct val="100000"/>
+                        </a:lnSpc>
+                        <a:spcBef>
+                          <a:spcPts val="0"/>
+                        </a:spcBef>
+                        <a:spcAft>
+                          <a:spcPts val="0"/>
+                        </a:spcAft>
+                        <a:buClrTx/>
+                        <a:buSzTx/>
+                        <a:buFontTx/>
+                        <a:buNone/>
+                        <a:tabLst/>
+                        <a:defRPr/>
                       </a:pPr>
                       <a:r>
                         <a:rPr lang="en-US" sz="1400" dirty="0">
-                          <a:effectLst/>
-                          <a:latin typeface="Times New Roman" panose="02020603050405020304" pitchFamily="18" charset="0"/>
-                          <a:cs typeface="Times New Roman" panose="02020603050405020304" pitchFamily="18" charset="0"/>
-                        </a:rPr>
-                        <a:t>Supported research project practical time</a:t>
-                      </a:r>
-                      <a:endParaRPr lang="en-US" sz="1400" dirty="0">
-                        <a:solidFill>
-                          <a:srgbClr val="000000"/>
-                        </a:solidFill>
-                        <a:effectLst/>
-                        <a:latin typeface="Times New Roman" panose="02020603050405020304" pitchFamily="18" charset="0"/>
-                        <a:ea typeface="Calibri" panose="020F0502020204030204" pitchFamily="34" charset="0"/>
-                        <a:cs typeface="Times New Roman" panose="02020603050405020304" pitchFamily="18" charset="0"/>
-                      </a:endParaRPr>
-                    </a:p>
-                  </a:txBody>
-                  <a:tcPr marL="53270" marR="53270" marT="0" marB="0" anchor="ctr"/>
-                </a:tc>
-                <a:tc>
-                  <a:txBody>
-                    <a:bodyPr/>
-                    <a:lstStyle/>
-                    <a:p>
-                      <a:pPr marL="90170" marR="0" algn="ctr">
-                        <a:spcBef>
-                          <a:spcPts val="0"/>
-                        </a:spcBef>
-                        <a:spcAft>
-                          <a:spcPts val="0"/>
-                        </a:spcAft>
-                      </a:pPr>
-                      <a:r>
-                        <a:rPr lang="en-US" sz="1400">
-                          <a:effectLst/>
-                          <a:latin typeface="Times New Roman" panose="02020603050405020304" pitchFamily="18" charset="0"/>
-                          <a:cs typeface="Times New Roman" panose="02020603050405020304" pitchFamily="18" charset="0"/>
-                        </a:rPr>
-                        <a:t>Coursework project</a:t>
-                      </a:r>
-                      <a:endParaRPr lang="en-US" sz="1400" dirty="0">
-                        <a:solidFill>
-                          <a:srgbClr val="000000"/>
-                        </a:solidFill>
-                        <a:effectLst/>
-                        <a:latin typeface="Times New Roman" panose="02020603050405020304" pitchFamily="18" charset="0"/>
-                        <a:ea typeface="Calibri" panose="020F0502020204030204" pitchFamily="34" charset="0"/>
-                        <a:cs typeface="Times New Roman" panose="02020603050405020304" pitchFamily="18" charset="0"/>
-                      </a:endParaRPr>
-                    </a:p>
-                  </a:txBody>
-                  <a:tcPr marL="53270" marR="53270" marT="0" marB="0" anchor="ctr"/>
-                </a:tc>
-                <a:extLst>
-                  <a:ext uri="{0D108BD9-81ED-4DB2-BD59-A6C34878D82A}">
-                    <a16:rowId xmlns:a16="http://schemas.microsoft.com/office/drawing/2014/main" val="3509286896"/>
-                  </a:ext>
-                </a:extLst>
-              </a:tr>
-              <a:tr h="428625">
-                <a:tc>
-                  <a:txBody>
-                    <a:bodyPr/>
-                    <a:lstStyle/>
-                    <a:p>
-                      <a:pPr marL="90170" marR="0" algn="ctr">
-                        <a:spcBef>
-                          <a:spcPts val="0"/>
-                        </a:spcBef>
-                        <a:spcAft>
-                          <a:spcPts val="0"/>
-                        </a:spcAft>
-                      </a:pPr>
-                      <a:r>
-                        <a:rPr lang="en-US" sz="1400" b="1" dirty="0">
-                          <a:effectLst/>
-                          <a:latin typeface="Times New Roman" panose="02020603050405020304" pitchFamily="18" charset="0"/>
-                          <a:cs typeface="Times New Roman" panose="02020603050405020304" pitchFamily="18" charset="0"/>
-                        </a:rPr>
-                        <a:t>Finals: </a:t>
-                      </a:r>
-                    </a:p>
-                    <a:p>
-                      <a:pPr marL="90170" marR="0" algn="ctr">
-                        <a:spcBef>
-                          <a:spcPts val="0"/>
-                        </a:spcBef>
-                        <a:spcAft>
-                          <a:spcPts val="0"/>
-                        </a:spcAft>
-                      </a:pPr>
-                      <a:r>
-                        <a:rPr lang="en-US" sz="1400" b="1" dirty="0">
-                          <a:effectLst/>
-                          <a:latin typeface="Times New Roman" panose="02020603050405020304" pitchFamily="18" charset="0"/>
-                          <a:cs typeface="Times New Roman" panose="02020603050405020304" pitchFamily="18" charset="0"/>
-                        </a:rPr>
-                        <a:t>May 9</a:t>
-                      </a:r>
-                      <a:r>
-                        <a:rPr lang="en-US" sz="1400" b="1" baseline="30000" dirty="0">
-                          <a:effectLst/>
-                          <a:latin typeface="Times New Roman" panose="02020603050405020304" pitchFamily="18" charset="0"/>
-                          <a:cs typeface="Times New Roman" panose="02020603050405020304" pitchFamily="18" charset="0"/>
-                        </a:rPr>
-                        <a:t>th</a:t>
-                      </a:r>
-                      <a:r>
-                        <a:rPr lang="en-US" sz="1400" b="1" dirty="0">
-                          <a:effectLst/>
-                          <a:latin typeface="Times New Roman" panose="02020603050405020304" pitchFamily="18" charset="0"/>
-                          <a:cs typeface="Times New Roman" panose="02020603050405020304" pitchFamily="18" charset="0"/>
-                        </a:rPr>
-                        <a:t> </a:t>
-                      </a:r>
-                      <a:endParaRPr lang="en-US" sz="1400" b="1" dirty="0">
-                        <a:solidFill>
-                          <a:srgbClr val="000000"/>
-                        </a:solidFill>
-                        <a:effectLst/>
-                        <a:latin typeface="Times New Roman" panose="02020603050405020304" pitchFamily="18" charset="0"/>
-                        <a:ea typeface="Calibri" panose="020F0502020204030204" pitchFamily="34" charset="0"/>
-                        <a:cs typeface="Times New Roman" panose="02020603050405020304" pitchFamily="18" charset="0"/>
-                      </a:endParaRPr>
-                    </a:p>
-                  </a:txBody>
-                  <a:tcPr marL="53270" marR="53270" marT="0" marB="0"/>
-                </a:tc>
-                <a:tc>
-                  <a:txBody>
-                    <a:bodyPr/>
-                    <a:lstStyle/>
-                    <a:p>
-                      <a:pPr marL="90170" marR="0">
-                        <a:spcBef>
-                          <a:spcPts val="0"/>
-                        </a:spcBef>
-                        <a:spcAft>
-                          <a:spcPts val="0"/>
-                        </a:spcAft>
-                      </a:pPr>
-                      <a:r>
-                        <a:rPr lang="en-US" sz="1400" dirty="0">
-                          <a:effectLst/>
-                          <a:latin typeface="Times New Roman" panose="02020603050405020304" pitchFamily="18" charset="0"/>
-                          <a:cs typeface="Times New Roman" panose="02020603050405020304" pitchFamily="18" charset="0"/>
-                        </a:rPr>
-                        <a:t>Coursework submission </a:t>
-                      </a:r>
-                      <a:endParaRPr lang="en-US" sz="1400" dirty="0">
-                        <a:solidFill>
-                          <a:srgbClr val="000000"/>
-                        </a:solidFill>
-                        <a:effectLst/>
-                        <a:latin typeface="Times New Roman" panose="02020603050405020304" pitchFamily="18" charset="0"/>
-                        <a:ea typeface="Calibri" panose="020F0502020204030204" pitchFamily="34" charset="0"/>
-                        <a:cs typeface="Times New Roman" panose="02020603050405020304" pitchFamily="18" charset="0"/>
-                      </a:endParaRPr>
+                          <a:solidFill>
+                            <a:srgbClr val="000000"/>
+                          </a:solidFill>
+                          <a:effectLst/>
+                          <a:latin typeface="Times New Roman" panose="02020603050405020304" pitchFamily="18" charset="0"/>
+                          <a:ea typeface="Calibri" panose="020F0502020204030204" pitchFamily="34" charset="0"/>
+                          <a:cs typeface="Times New Roman" panose="02020603050405020304" pitchFamily="18" charset="0"/>
+                        </a:rPr>
+                        <a:t>Finals week</a:t>
+                      </a:r>
                     </a:p>
                   </a:txBody>
                   <a:tcPr marL="53270" marR="53270" marT="0" marB="0" anchor="ctr"/>

--- a/syllabus/format.pptx
+++ b/syllabus/format.pptx
@@ -6,6 +6,7 @@
   </p:sldMasterIdLst>
   <p:sldIdLst>
     <p:sldId id="257" r:id="rId2"/>
+    <p:sldId id="256" r:id="rId3"/>
   </p:sldIdLst>
   <p:sldSz cx="9144000" cy="6858000" type="screen4x3"/>
   <p:notesSz cx="6858000" cy="9144000"/>
@@ -254,7 +255,7 @@
           <a:p>
             <a:fld id="{48CDFCA1-6601-C943-AA02-89F09BE97B91}" type="datetimeFigureOut">
               <a:rPr lang="en-US" smtClean="0"/>
-              <a:t>8/17/2022</a:t>
+              <a:t>10/17/2022</a:t>
             </a:fld>
             <a:endParaRPr lang="en-US"/>
           </a:p>
@@ -424,7 +425,7 @@
           <a:p>
             <a:fld id="{48CDFCA1-6601-C943-AA02-89F09BE97B91}" type="datetimeFigureOut">
               <a:rPr lang="en-US" smtClean="0"/>
-              <a:t>8/17/2022</a:t>
+              <a:t>10/17/2022</a:t>
             </a:fld>
             <a:endParaRPr lang="en-US"/>
           </a:p>
@@ -604,7 +605,7 @@
           <a:p>
             <a:fld id="{48CDFCA1-6601-C943-AA02-89F09BE97B91}" type="datetimeFigureOut">
               <a:rPr lang="en-US" smtClean="0"/>
-              <a:t>8/17/2022</a:t>
+              <a:t>10/17/2022</a:t>
             </a:fld>
             <a:endParaRPr lang="en-US"/>
           </a:p>
@@ -774,7 +775,7 @@
           <a:p>
             <a:fld id="{48CDFCA1-6601-C943-AA02-89F09BE97B91}" type="datetimeFigureOut">
               <a:rPr lang="en-US" smtClean="0"/>
-              <a:t>8/17/2022</a:t>
+              <a:t>10/17/2022</a:t>
             </a:fld>
             <a:endParaRPr lang="en-US"/>
           </a:p>
@@ -1018,7 +1019,7 @@
           <a:p>
             <a:fld id="{48CDFCA1-6601-C943-AA02-89F09BE97B91}" type="datetimeFigureOut">
               <a:rPr lang="en-US" smtClean="0"/>
-              <a:t>8/17/2022</a:t>
+              <a:t>10/17/2022</a:t>
             </a:fld>
             <a:endParaRPr lang="en-US"/>
           </a:p>
@@ -1250,7 +1251,7 @@
           <a:p>
             <a:fld id="{48CDFCA1-6601-C943-AA02-89F09BE97B91}" type="datetimeFigureOut">
               <a:rPr lang="en-US" smtClean="0"/>
-              <a:t>8/17/2022</a:t>
+              <a:t>10/17/2022</a:t>
             </a:fld>
             <a:endParaRPr lang="en-US"/>
           </a:p>
@@ -1617,7 +1618,7 @@
           <a:p>
             <a:fld id="{48CDFCA1-6601-C943-AA02-89F09BE97B91}" type="datetimeFigureOut">
               <a:rPr lang="en-US" smtClean="0"/>
-              <a:t>8/17/2022</a:t>
+              <a:t>10/17/2022</a:t>
             </a:fld>
             <a:endParaRPr lang="en-US"/>
           </a:p>
@@ -1735,7 +1736,7 @@
           <a:p>
             <a:fld id="{48CDFCA1-6601-C943-AA02-89F09BE97B91}" type="datetimeFigureOut">
               <a:rPr lang="en-US" smtClean="0"/>
-              <a:t>8/17/2022</a:t>
+              <a:t>10/17/2022</a:t>
             </a:fld>
             <a:endParaRPr lang="en-US"/>
           </a:p>
@@ -1830,7 +1831,7 @@
           <a:p>
             <a:fld id="{48CDFCA1-6601-C943-AA02-89F09BE97B91}" type="datetimeFigureOut">
               <a:rPr lang="en-US" smtClean="0"/>
-              <a:t>8/17/2022</a:t>
+              <a:t>10/17/2022</a:t>
             </a:fld>
             <a:endParaRPr lang="en-US"/>
           </a:p>
@@ -2107,7 +2108,7 @@
           <a:p>
             <a:fld id="{48CDFCA1-6601-C943-AA02-89F09BE97B91}" type="datetimeFigureOut">
               <a:rPr lang="en-US" smtClean="0"/>
-              <a:t>8/17/2022</a:t>
+              <a:t>10/17/2022</a:t>
             </a:fld>
             <a:endParaRPr lang="en-US"/>
           </a:p>
@@ -2364,7 +2365,7 @@
           <a:p>
             <a:fld id="{48CDFCA1-6601-C943-AA02-89F09BE97B91}" type="datetimeFigureOut">
               <a:rPr lang="en-US" smtClean="0"/>
-              <a:t>8/17/2022</a:t>
+              <a:t>10/17/2022</a:t>
             </a:fld>
             <a:endParaRPr lang="en-US"/>
           </a:p>
@@ -2577,7 +2578,7 @@
           <a:p>
             <a:fld id="{48CDFCA1-6601-C943-AA02-89F09BE97B91}" type="datetimeFigureOut">
               <a:rPr lang="en-US" smtClean="0"/>
-              <a:t>8/17/2022</a:t>
+              <a:t>10/17/2022</a:t>
             </a:fld>
             <a:endParaRPr lang="en-US"/>
           </a:p>
@@ -5493,6 +5494,1329 @@
 </p:sld>
 </file>
 
+<file path=ppt/slides/slide2.xml><?xml version="1.0" encoding="utf-8"?>
+<p:sld xmlns:a="http://schemas.openxmlformats.org/drawingml/2006/main" xmlns:r="http://schemas.openxmlformats.org/officeDocument/2006/relationships" xmlns:p="http://schemas.openxmlformats.org/presentationml/2006/main">
+  <p:cSld>
+    <p:bg>
+      <p:bgPr>
+        <a:solidFill>
+          <a:schemeClr val="bg1">
+            <a:lumMod val="95000"/>
+          </a:schemeClr>
+        </a:solidFill>
+        <a:effectLst/>
+      </p:bgPr>
+    </p:bg>
+    <p:spTree>
+      <p:nvGrpSpPr>
+        <p:cNvPr id="1" name=""/>
+        <p:cNvGrpSpPr/>
+        <p:nvPr/>
+      </p:nvGrpSpPr>
+      <p:grpSpPr>
+        <a:xfrm>
+          <a:off x="0" y="0"/>
+          <a:ext cx="0" cy="0"/>
+          <a:chOff x="0" y="0"/>
+          <a:chExt cx="0" cy="0"/>
+        </a:xfrm>
+      </p:grpSpPr>
+      <p:sp>
+        <p:nvSpPr>
+          <p:cNvPr id="4" name="TextBox 3">
+            <a:extLst>
+              <a:ext uri="{FF2B5EF4-FFF2-40B4-BE49-F238E27FC236}">
+                <a16:creationId xmlns:a16="http://schemas.microsoft.com/office/drawing/2014/main" id="{058F02D7-3E70-067E-BF48-3821716A87C0}"/>
+              </a:ext>
+            </a:extLst>
+          </p:cNvPr>
+          <p:cNvSpPr txBox="1"/>
+          <p:nvPr/>
+        </p:nvSpPr>
+        <p:spPr>
+          <a:xfrm>
+            <a:off x="6975834" y="1369342"/>
+            <a:ext cx="1508289" cy="1282045"/>
+          </a:xfrm>
+          <a:prstGeom prst="rect">
+            <a:avLst/>
+          </a:prstGeom>
+          <a:noFill/>
+          <a:ln>
+            <a:solidFill>
+              <a:schemeClr val="tx1"/>
+            </a:solidFill>
+          </a:ln>
+        </p:spPr>
+        <p:txBody>
+          <a:bodyPr wrap="square" rtlCol="0" anchor="ctr">
+            <a:noAutofit/>
+          </a:bodyPr>
+          <a:lstStyle/>
+          <a:p>
+            <a:pPr marL="0" marR="0" lvl="0" indent="0" algn="ctr" defTabSz="457200" rtl="0" eaLnBrk="1" fontAlgn="auto" latinLnBrk="0" hangingPunct="1">
+              <a:lnSpc>
+                <a:spcPct val="100000"/>
+              </a:lnSpc>
+              <a:spcBef>
+                <a:spcPts val="0"/>
+              </a:spcBef>
+              <a:spcAft>
+                <a:spcPts val="0"/>
+              </a:spcAft>
+              <a:buClrTx/>
+              <a:buSzTx/>
+              <a:buFontTx/>
+              <a:buNone/>
+              <a:tabLst/>
+              <a:defRPr/>
+            </a:pPr>
+            <a:r>
+              <a:rPr kumimoji="0" lang="en-US" sz="1800" b="0" i="0" u="none" strike="noStrike" kern="1200" cap="none" spc="0" normalizeH="0" baseline="0" noProof="0" dirty="0">
+                <a:ln>
+                  <a:noFill/>
+                </a:ln>
+                <a:solidFill>
+                  <a:prstClr val="black"/>
+                </a:solidFill>
+                <a:effectLst/>
+                <a:uLnTx/>
+                <a:uFillTx/>
+                <a:latin typeface="Times New Roman" panose="02020603050405020304" pitchFamily="18" charset="0"/>
+                <a:cs typeface="Times New Roman" panose="02020603050405020304" pitchFamily="18" charset="0"/>
+              </a:rPr>
+              <a:t>Intro to API Extraction of Imagery</a:t>
+            </a:r>
+          </a:p>
+        </p:txBody>
+      </p:sp>
+      <p:sp>
+        <p:nvSpPr>
+          <p:cNvPr id="5" name="TextBox 4">
+            <a:extLst>
+              <a:ext uri="{FF2B5EF4-FFF2-40B4-BE49-F238E27FC236}">
+                <a16:creationId xmlns:a16="http://schemas.microsoft.com/office/drawing/2014/main" id="{55C408E3-135E-CD36-8F25-D33C9C0CAB91}"/>
+              </a:ext>
+            </a:extLst>
+          </p:cNvPr>
+          <p:cNvSpPr txBox="1"/>
+          <p:nvPr/>
+        </p:nvSpPr>
+        <p:spPr>
+          <a:xfrm>
+            <a:off x="2828040" y="1340669"/>
+            <a:ext cx="1508289" cy="1282045"/>
+          </a:xfrm>
+          <a:prstGeom prst="rect">
+            <a:avLst/>
+          </a:prstGeom>
+          <a:noFill/>
+          <a:ln>
+            <a:solidFill>
+              <a:schemeClr val="tx1"/>
+            </a:solidFill>
+          </a:ln>
+        </p:spPr>
+        <p:txBody>
+          <a:bodyPr wrap="square" rtlCol="0" anchor="ctr">
+            <a:noAutofit/>
+          </a:bodyPr>
+          <a:lstStyle/>
+          <a:p>
+            <a:pPr marL="0" marR="0" lvl="0" indent="0" algn="ctr" defTabSz="457200" rtl="0" eaLnBrk="1" fontAlgn="auto" latinLnBrk="0" hangingPunct="1">
+              <a:lnSpc>
+                <a:spcPct val="100000"/>
+              </a:lnSpc>
+              <a:spcBef>
+                <a:spcPts val="0"/>
+              </a:spcBef>
+              <a:spcAft>
+                <a:spcPts val="0"/>
+              </a:spcAft>
+              <a:buClrTx/>
+              <a:buSzTx/>
+              <a:buFontTx/>
+              <a:buNone/>
+              <a:tabLst/>
+              <a:defRPr/>
+            </a:pPr>
+            <a:r>
+              <a:rPr kumimoji="0" lang="en-US" sz="1800" b="0" i="0" u="none" strike="noStrike" kern="1200" cap="none" spc="0" normalizeH="0" baseline="0" noProof="0" dirty="0">
+                <a:ln>
+                  <a:noFill/>
+                </a:ln>
+                <a:solidFill>
+                  <a:prstClr val="black"/>
+                </a:solidFill>
+                <a:effectLst/>
+                <a:uLnTx/>
+                <a:uFillTx/>
+                <a:latin typeface="Times New Roman" panose="02020603050405020304" pitchFamily="18" charset="0"/>
+                <a:cs typeface="Times New Roman" panose="02020603050405020304" pitchFamily="18" charset="0"/>
+              </a:rPr>
+              <a:t>Intro to Python Programing</a:t>
+            </a:r>
+          </a:p>
+        </p:txBody>
+      </p:sp>
+      <p:sp>
+        <p:nvSpPr>
+          <p:cNvPr id="6" name="TextBox 5">
+            <a:extLst>
+              <a:ext uri="{FF2B5EF4-FFF2-40B4-BE49-F238E27FC236}">
+                <a16:creationId xmlns:a16="http://schemas.microsoft.com/office/drawing/2014/main" id="{D85622EC-D694-02EF-3EB1-7F9B8BE25303}"/>
+              </a:ext>
+            </a:extLst>
+          </p:cNvPr>
+          <p:cNvSpPr txBox="1"/>
+          <p:nvPr/>
+        </p:nvSpPr>
+        <p:spPr>
+          <a:xfrm>
+            <a:off x="6975833" y="3064005"/>
+            <a:ext cx="1508289" cy="1282045"/>
+          </a:xfrm>
+          <a:prstGeom prst="rect">
+            <a:avLst/>
+          </a:prstGeom>
+          <a:noFill/>
+          <a:ln>
+            <a:solidFill>
+              <a:schemeClr val="tx1"/>
+            </a:solidFill>
+          </a:ln>
+        </p:spPr>
+        <p:txBody>
+          <a:bodyPr wrap="square" rtlCol="0" anchor="ctr">
+            <a:noAutofit/>
+          </a:bodyPr>
+          <a:lstStyle/>
+          <a:p>
+            <a:pPr marL="0" marR="0" lvl="0" indent="0" algn="ctr" defTabSz="457200" rtl="0" eaLnBrk="1" fontAlgn="auto" latinLnBrk="0" hangingPunct="1">
+              <a:lnSpc>
+                <a:spcPct val="100000"/>
+              </a:lnSpc>
+              <a:spcBef>
+                <a:spcPts val="0"/>
+              </a:spcBef>
+              <a:spcAft>
+                <a:spcPts val="0"/>
+              </a:spcAft>
+              <a:buClrTx/>
+              <a:buSzTx/>
+              <a:buFontTx/>
+              <a:buNone/>
+              <a:tabLst/>
+              <a:defRPr/>
+            </a:pPr>
+            <a:r>
+              <a:rPr kumimoji="0" lang="en-US" sz="1800" b="0" i="0" u="none" strike="noStrike" kern="1200" cap="none" spc="0" normalizeH="0" baseline="0" noProof="0" dirty="0">
+                <a:ln>
+                  <a:noFill/>
+                </a:ln>
+                <a:solidFill>
+                  <a:prstClr val="black"/>
+                </a:solidFill>
+                <a:effectLst/>
+                <a:uLnTx/>
+                <a:uFillTx/>
+                <a:latin typeface="Times New Roman" panose="02020603050405020304" pitchFamily="18" charset="0"/>
+                <a:cs typeface="Times New Roman" panose="02020603050405020304" pitchFamily="18" charset="0"/>
+              </a:rPr>
+              <a:t>Intro to Visualizing Multi-Band Imagery</a:t>
+            </a:r>
+          </a:p>
+        </p:txBody>
+      </p:sp>
+      <p:sp>
+        <p:nvSpPr>
+          <p:cNvPr id="7" name="TextBox 6">
+            <a:extLst>
+              <a:ext uri="{FF2B5EF4-FFF2-40B4-BE49-F238E27FC236}">
+                <a16:creationId xmlns:a16="http://schemas.microsoft.com/office/drawing/2014/main" id="{3223C827-0715-2108-88D4-8B64FF2AB0B1}"/>
+              </a:ext>
+            </a:extLst>
+          </p:cNvPr>
+          <p:cNvSpPr txBox="1"/>
+          <p:nvPr/>
+        </p:nvSpPr>
+        <p:spPr>
+          <a:xfrm>
+            <a:off x="2828039" y="3064005"/>
+            <a:ext cx="1508289" cy="1282045"/>
+          </a:xfrm>
+          <a:prstGeom prst="rect">
+            <a:avLst/>
+          </a:prstGeom>
+          <a:noFill/>
+          <a:ln>
+            <a:solidFill>
+              <a:schemeClr val="tx1"/>
+            </a:solidFill>
+          </a:ln>
+        </p:spPr>
+        <p:txBody>
+          <a:bodyPr wrap="square" rtlCol="0" anchor="ctr">
+            <a:noAutofit/>
+          </a:bodyPr>
+          <a:lstStyle/>
+          <a:p>
+            <a:pPr marL="0" marR="0" lvl="0" indent="0" algn="ctr" defTabSz="457200" rtl="0" eaLnBrk="1" fontAlgn="auto" latinLnBrk="0" hangingPunct="1">
+              <a:lnSpc>
+                <a:spcPct val="100000"/>
+              </a:lnSpc>
+              <a:spcBef>
+                <a:spcPts val="0"/>
+              </a:spcBef>
+              <a:spcAft>
+                <a:spcPts val="0"/>
+              </a:spcAft>
+              <a:buClrTx/>
+              <a:buSzTx/>
+              <a:buFontTx/>
+              <a:buNone/>
+              <a:tabLst/>
+              <a:defRPr/>
+            </a:pPr>
+            <a:r>
+              <a:rPr kumimoji="0" lang="en-US" sz="1800" b="0" i="0" u="none" strike="noStrike" kern="1200" cap="none" spc="0" normalizeH="0" baseline="0" noProof="0" dirty="0">
+                <a:ln>
+                  <a:noFill/>
+                </a:ln>
+                <a:solidFill>
+                  <a:prstClr val="black"/>
+                </a:solidFill>
+                <a:effectLst/>
+                <a:uLnTx/>
+                <a:uFillTx/>
+                <a:latin typeface="Times New Roman" panose="02020603050405020304" pitchFamily="18" charset="0"/>
+                <a:cs typeface="Times New Roman" panose="02020603050405020304" pitchFamily="18" charset="0"/>
+              </a:rPr>
+              <a:t>Intro to Pixel/Object Extraction</a:t>
+            </a:r>
+          </a:p>
+        </p:txBody>
+      </p:sp>
+      <p:sp>
+        <p:nvSpPr>
+          <p:cNvPr id="8" name="TextBox 7">
+            <a:extLst>
+              <a:ext uri="{FF2B5EF4-FFF2-40B4-BE49-F238E27FC236}">
+                <a16:creationId xmlns:a16="http://schemas.microsoft.com/office/drawing/2014/main" id="{6E85287F-C703-3311-EB51-740C0BEB6155}"/>
+              </a:ext>
+            </a:extLst>
+          </p:cNvPr>
+          <p:cNvSpPr txBox="1"/>
+          <p:nvPr/>
+        </p:nvSpPr>
+        <p:spPr>
+          <a:xfrm>
+            <a:off x="763567" y="3071075"/>
+            <a:ext cx="1508289" cy="1282045"/>
+          </a:xfrm>
+          <a:prstGeom prst="rect">
+            <a:avLst/>
+          </a:prstGeom>
+          <a:noFill/>
+          <a:ln>
+            <a:solidFill>
+              <a:schemeClr val="tx1"/>
+            </a:solidFill>
+          </a:ln>
+        </p:spPr>
+        <p:txBody>
+          <a:bodyPr wrap="square" rtlCol="0" anchor="ctr">
+            <a:noAutofit/>
+          </a:bodyPr>
+          <a:lstStyle/>
+          <a:p>
+            <a:pPr marL="0" marR="0" lvl="0" indent="0" algn="ctr" defTabSz="457200" rtl="0" eaLnBrk="1" fontAlgn="auto" latinLnBrk="0" hangingPunct="1">
+              <a:lnSpc>
+                <a:spcPct val="100000"/>
+              </a:lnSpc>
+              <a:spcBef>
+                <a:spcPts val="0"/>
+              </a:spcBef>
+              <a:spcAft>
+                <a:spcPts val="0"/>
+              </a:spcAft>
+              <a:buClrTx/>
+              <a:buSzTx/>
+              <a:buFontTx/>
+              <a:buNone/>
+              <a:tabLst/>
+              <a:defRPr/>
+            </a:pPr>
+            <a:r>
+              <a:rPr kumimoji="0" lang="en-US" sz="1800" b="0" i="0" u="none" strike="noStrike" kern="1200" cap="none" spc="0" normalizeH="0" baseline="0" noProof="0" dirty="0">
+                <a:ln>
+                  <a:noFill/>
+                </a:ln>
+                <a:solidFill>
+                  <a:prstClr val="black"/>
+                </a:solidFill>
+                <a:effectLst/>
+                <a:uLnTx/>
+                <a:uFillTx/>
+                <a:latin typeface="Times New Roman" panose="02020603050405020304" pitchFamily="18" charset="0"/>
+                <a:cs typeface="Times New Roman" panose="02020603050405020304" pitchFamily="18" charset="0"/>
+              </a:rPr>
+              <a:t>Intro to Visualizing Extracted Data</a:t>
+            </a:r>
+          </a:p>
+        </p:txBody>
+      </p:sp>
+      <p:sp>
+        <p:nvSpPr>
+          <p:cNvPr id="9" name="TextBox 8">
+            <a:extLst>
+              <a:ext uri="{FF2B5EF4-FFF2-40B4-BE49-F238E27FC236}">
+                <a16:creationId xmlns:a16="http://schemas.microsoft.com/office/drawing/2014/main" id="{D4716F1E-41A8-22EF-8517-D405CAD42563}"/>
+              </a:ext>
+            </a:extLst>
+          </p:cNvPr>
+          <p:cNvSpPr txBox="1"/>
+          <p:nvPr/>
+        </p:nvSpPr>
+        <p:spPr>
+          <a:xfrm>
+            <a:off x="4901939" y="1340669"/>
+            <a:ext cx="1508289" cy="1272619"/>
+          </a:xfrm>
+          <a:prstGeom prst="rect">
+            <a:avLst/>
+          </a:prstGeom>
+          <a:noFill/>
+          <a:ln>
+            <a:solidFill>
+              <a:schemeClr val="tx1"/>
+            </a:solidFill>
+          </a:ln>
+        </p:spPr>
+        <p:txBody>
+          <a:bodyPr wrap="square" rtlCol="0" anchor="ctr">
+            <a:noAutofit/>
+          </a:bodyPr>
+          <a:lstStyle/>
+          <a:p>
+            <a:pPr marL="0" marR="0" lvl="0" indent="0" algn="ctr" defTabSz="457200" rtl="0" eaLnBrk="1" fontAlgn="auto" latinLnBrk="0" hangingPunct="1">
+              <a:lnSpc>
+                <a:spcPct val="100000"/>
+              </a:lnSpc>
+              <a:spcBef>
+                <a:spcPts val="0"/>
+              </a:spcBef>
+              <a:spcAft>
+                <a:spcPts val="0"/>
+              </a:spcAft>
+              <a:buClrTx/>
+              <a:buSzTx/>
+              <a:buFontTx/>
+              <a:buNone/>
+              <a:tabLst/>
+              <a:defRPr/>
+            </a:pPr>
+            <a:r>
+              <a:rPr kumimoji="0" lang="en-US" sz="1800" b="0" i="0" u="none" strike="noStrike" kern="1200" cap="none" spc="0" normalizeH="0" baseline="0" noProof="0" dirty="0">
+                <a:ln>
+                  <a:noFill/>
+                </a:ln>
+                <a:solidFill>
+                  <a:prstClr val="black"/>
+                </a:solidFill>
+                <a:effectLst/>
+                <a:uLnTx/>
+                <a:uFillTx/>
+                <a:latin typeface="Times New Roman" panose="02020603050405020304" pitchFamily="18" charset="0"/>
+                <a:cs typeface="Times New Roman" panose="02020603050405020304" pitchFamily="18" charset="0"/>
+              </a:rPr>
+              <a:t>Intro to Imagery Sources</a:t>
+            </a:r>
+          </a:p>
+        </p:txBody>
+      </p:sp>
+      <p:sp>
+        <p:nvSpPr>
+          <p:cNvPr id="10" name="TextBox 9">
+            <a:extLst>
+              <a:ext uri="{FF2B5EF4-FFF2-40B4-BE49-F238E27FC236}">
+                <a16:creationId xmlns:a16="http://schemas.microsoft.com/office/drawing/2014/main" id="{4F08A37D-62DB-6A76-7972-B234A5FA2116}"/>
+              </a:ext>
+            </a:extLst>
+          </p:cNvPr>
+          <p:cNvSpPr txBox="1"/>
+          <p:nvPr/>
+        </p:nvSpPr>
+        <p:spPr>
+          <a:xfrm>
+            <a:off x="763567" y="4801480"/>
+            <a:ext cx="1508289" cy="1282045"/>
+          </a:xfrm>
+          <a:prstGeom prst="rect">
+            <a:avLst/>
+          </a:prstGeom>
+          <a:noFill/>
+          <a:ln>
+            <a:solidFill>
+              <a:schemeClr val="tx1"/>
+            </a:solidFill>
+          </a:ln>
+        </p:spPr>
+        <p:txBody>
+          <a:bodyPr wrap="square" rtlCol="0" anchor="ctr">
+            <a:noAutofit/>
+          </a:bodyPr>
+          <a:lstStyle/>
+          <a:p>
+            <a:pPr marL="0" marR="0" lvl="0" indent="0" algn="ctr" defTabSz="457200" rtl="0" eaLnBrk="1" fontAlgn="auto" latinLnBrk="0" hangingPunct="1">
+              <a:lnSpc>
+                <a:spcPct val="100000"/>
+              </a:lnSpc>
+              <a:spcBef>
+                <a:spcPts val="0"/>
+              </a:spcBef>
+              <a:spcAft>
+                <a:spcPts val="0"/>
+              </a:spcAft>
+              <a:buClrTx/>
+              <a:buSzTx/>
+              <a:buFontTx/>
+              <a:buNone/>
+              <a:tabLst/>
+              <a:defRPr/>
+            </a:pPr>
+            <a:r>
+              <a:rPr kumimoji="0" lang="en-US" sz="1800" b="0" i="0" u="none" strike="noStrike" kern="1200" cap="none" spc="0" normalizeH="0" baseline="0" noProof="0" dirty="0">
+                <a:ln>
+                  <a:noFill/>
+                </a:ln>
+                <a:solidFill>
+                  <a:prstClr val="black"/>
+                </a:solidFill>
+                <a:effectLst/>
+                <a:uLnTx/>
+                <a:uFillTx/>
+                <a:latin typeface="Times New Roman" panose="02020603050405020304" pitchFamily="18" charset="0"/>
+                <a:cs typeface="Times New Roman" panose="02020603050405020304" pitchFamily="18" charset="0"/>
+              </a:rPr>
+              <a:t>Intro to </a:t>
+            </a:r>
+            <a:r>
+              <a:rPr kumimoji="0" lang="en-US" sz="1800" b="0" i="0" u="none" strike="noStrike" kern="1200" cap="none" spc="0" normalizeH="0" baseline="0" noProof="0" dirty="0" err="1">
+                <a:ln>
+                  <a:noFill/>
+                </a:ln>
+                <a:solidFill>
+                  <a:prstClr val="black"/>
+                </a:solidFill>
+                <a:effectLst/>
+                <a:uLnTx/>
+                <a:uFillTx/>
+                <a:latin typeface="Times New Roman" panose="02020603050405020304" pitchFamily="18" charset="0"/>
+                <a:cs typeface="Times New Roman" panose="02020603050405020304" pitchFamily="18" charset="0"/>
+              </a:rPr>
+              <a:t>Spatio</a:t>
+            </a:r>
+            <a:r>
+              <a:rPr kumimoji="0" lang="en-US" sz="1800" b="0" i="0" u="none" strike="noStrike" kern="1200" cap="none" spc="0" normalizeH="0" baseline="0" noProof="0" dirty="0">
+                <a:ln>
+                  <a:noFill/>
+                </a:ln>
+                <a:solidFill>
+                  <a:prstClr val="black"/>
+                </a:solidFill>
+                <a:effectLst/>
+                <a:uLnTx/>
+                <a:uFillTx/>
+                <a:latin typeface="Times New Roman" panose="02020603050405020304" pitchFamily="18" charset="0"/>
+                <a:cs typeface="Times New Roman" panose="02020603050405020304" pitchFamily="18" charset="0"/>
+              </a:rPr>
+              <a:t>-Temporal Analysis</a:t>
+            </a:r>
+          </a:p>
+        </p:txBody>
+      </p:sp>
+      <p:sp>
+        <p:nvSpPr>
+          <p:cNvPr id="11" name="TextBox 10">
+            <a:extLst>
+              <a:ext uri="{FF2B5EF4-FFF2-40B4-BE49-F238E27FC236}">
+                <a16:creationId xmlns:a16="http://schemas.microsoft.com/office/drawing/2014/main" id="{0C86E894-D470-6554-A012-02F207E17C5B}"/>
+              </a:ext>
+            </a:extLst>
+          </p:cNvPr>
+          <p:cNvSpPr txBox="1"/>
+          <p:nvPr/>
+        </p:nvSpPr>
+        <p:spPr>
+          <a:xfrm>
+            <a:off x="4901937" y="4796768"/>
+            <a:ext cx="1508289" cy="1282045"/>
+          </a:xfrm>
+          <a:prstGeom prst="rect">
+            <a:avLst/>
+          </a:prstGeom>
+          <a:noFill/>
+          <a:ln>
+            <a:solidFill>
+              <a:schemeClr val="tx1"/>
+            </a:solidFill>
+          </a:ln>
+        </p:spPr>
+        <p:txBody>
+          <a:bodyPr wrap="square" rtlCol="0" anchor="ctr">
+            <a:noAutofit/>
+          </a:bodyPr>
+          <a:lstStyle/>
+          <a:p>
+            <a:pPr marL="0" marR="0" lvl="0" indent="0" algn="ctr" defTabSz="457200" rtl="0" eaLnBrk="1" fontAlgn="auto" latinLnBrk="0" hangingPunct="1">
+              <a:lnSpc>
+                <a:spcPct val="100000"/>
+              </a:lnSpc>
+              <a:spcBef>
+                <a:spcPts val="0"/>
+              </a:spcBef>
+              <a:spcAft>
+                <a:spcPts val="0"/>
+              </a:spcAft>
+              <a:buClrTx/>
+              <a:buSzTx/>
+              <a:buFontTx/>
+              <a:buNone/>
+              <a:tabLst/>
+              <a:defRPr/>
+            </a:pPr>
+            <a:r>
+              <a:rPr kumimoji="0" lang="en-US" sz="1800" b="0" i="0" u="none" strike="noStrike" kern="1200" cap="none" spc="0" normalizeH="0" baseline="0" noProof="0" dirty="0">
+                <a:ln>
+                  <a:noFill/>
+                </a:ln>
+                <a:solidFill>
+                  <a:prstClr val="black"/>
+                </a:solidFill>
+                <a:effectLst/>
+                <a:uLnTx/>
+                <a:uFillTx/>
+                <a:latin typeface="Times New Roman" panose="02020603050405020304" pitchFamily="18" charset="0"/>
+                <a:cs typeface="Times New Roman" panose="02020603050405020304" pitchFamily="18" charset="0"/>
+              </a:rPr>
+              <a:t>Coursework Project</a:t>
+            </a:r>
+          </a:p>
+        </p:txBody>
+      </p:sp>
+      <p:sp>
+        <p:nvSpPr>
+          <p:cNvPr id="12" name="TextBox 11">
+            <a:extLst>
+              <a:ext uri="{FF2B5EF4-FFF2-40B4-BE49-F238E27FC236}">
+                <a16:creationId xmlns:a16="http://schemas.microsoft.com/office/drawing/2014/main" id="{7D8BFEC5-76A9-8FB7-D268-AA1042986ADA}"/>
+              </a:ext>
+            </a:extLst>
+          </p:cNvPr>
+          <p:cNvSpPr txBox="1"/>
+          <p:nvPr/>
+        </p:nvSpPr>
+        <p:spPr>
+          <a:xfrm>
+            <a:off x="763568" y="1340670"/>
+            <a:ext cx="1508289" cy="1282045"/>
+          </a:xfrm>
+          <a:prstGeom prst="rect">
+            <a:avLst/>
+          </a:prstGeom>
+          <a:noFill/>
+          <a:ln>
+            <a:solidFill>
+              <a:schemeClr val="tx1"/>
+            </a:solidFill>
+          </a:ln>
+        </p:spPr>
+        <p:txBody>
+          <a:bodyPr wrap="square" rtlCol="0" anchor="ctr">
+            <a:noAutofit/>
+          </a:bodyPr>
+          <a:lstStyle/>
+          <a:p>
+            <a:pPr marL="0" marR="0" lvl="0" indent="0" algn="ctr" defTabSz="457200" rtl="0" eaLnBrk="1" fontAlgn="auto" latinLnBrk="0" hangingPunct="1">
+              <a:lnSpc>
+                <a:spcPct val="100000"/>
+              </a:lnSpc>
+              <a:spcBef>
+                <a:spcPts val="0"/>
+              </a:spcBef>
+              <a:spcAft>
+                <a:spcPts val="0"/>
+              </a:spcAft>
+              <a:buClrTx/>
+              <a:buSzTx/>
+              <a:buFontTx/>
+              <a:buNone/>
+              <a:tabLst/>
+              <a:defRPr/>
+            </a:pPr>
+            <a:r>
+              <a:rPr kumimoji="0" lang="en-US" sz="1800" b="0" i="0" u="none" strike="noStrike" kern="1200" cap="none" spc="0" normalizeH="0" baseline="0" noProof="0" dirty="0">
+                <a:ln>
+                  <a:noFill/>
+                </a:ln>
+                <a:solidFill>
+                  <a:prstClr val="black"/>
+                </a:solidFill>
+                <a:effectLst/>
+                <a:uLnTx/>
+                <a:uFillTx/>
+                <a:latin typeface="Times New Roman" panose="02020603050405020304" pitchFamily="18" charset="0"/>
+                <a:cs typeface="Times New Roman" panose="02020603050405020304" pitchFamily="18" charset="0"/>
+              </a:rPr>
+              <a:t>Intro to Scientific Computing via Anaconda</a:t>
+            </a:r>
+          </a:p>
+        </p:txBody>
+      </p:sp>
+      <p:sp>
+        <p:nvSpPr>
+          <p:cNvPr id="13" name="TextBox 12">
+            <a:extLst>
+              <a:ext uri="{FF2B5EF4-FFF2-40B4-BE49-F238E27FC236}">
+                <a16:creationId xmlns:a16="http://schemas.microsoft.com/office/drawing/2014/main" id="{ECE89388-6D56-0A93-67A2-4D0088C4B740}"/>
+              </a:ext>
+            </a:extLst>
+          </p:cNvPr>
+          <p:cNvSpPr txBox="1"/>
+          <p:nvPr/>
+        </p:nvSpPr>
+        <p:spPr>
+          <a:xfrm>
+            <a:off x="2828040" y="4796768"/>
+            <a:ext cx="1508289" cy="1282045"/>
+          </a:xfrm>
+          <a:prstGeom prst="rect">
+            <a:avLst/>
+          </a:prstGeom>
+          <a:noFill/>
+          <a:ln>
+            <a:solidFill>
+              <a:schemeClr val="tx1"/>
+            </a:solidFill>
+          </a:ln>
+        </p:spPr>
+        <p:txBody>
+          <a:bodyPr wrap="square" rtlCol="0" anchor="ctr">
+            <a:noAutofit/>
+          </a:bodyPr>
+          <a:lstStyle/>
+          <a:p>
+            <a:pPr marL="0" marR="0" lvl="0" indent="0" algn="ctr" defTabSz="457200" rtl="0" eaLnBrk="1" fontAlgn="auto" latinLnBrk="0" hangingPunct="1">
+              <a:lnSpc>
+                <a:spcPct val="100000"/>
+              </a:lnSpc>
+              <a:spcBef>
+                <a:spcPts val="0"/>
+              </a:spcBef>
+              <a:spcAft>
+                <a:spcPts val="0"/>
+              </a:spcAft>
+              <a:buClrTx/>
+              <a:buSzTx/>
+              <a:buFontTx/>
+              <a:buNone/>
+              <a:tabLst/>
+              <a:defRPr/>
+            </a:pPr>
+            <a:r>
+              <a:rPr kumimoji="0" lang="en-US" sz="1800" b="0" i="0" u="none" strike="noStrike" kern="1200" cap="none" spc="0" normalizeH="0" baseline="0" noProof="0" dirty="0">
+                <a:ln>
+                  <a:noFill/>
+                </a:ln>
+                <a:solidFill>
+                  <a:prstClr val="black"/>
+                </a:solidFill>
+                <a:effectLst/>
+                <a:uLnTx/>
+                <a:uFillTx/>
+                <a:latin typeface="Times New Roman" panose="02020603050405020304" pitchFamily="18" charset="0"/>
+                <a:cs typeface="Times New Roman" panose="02020603050405020304" pitchFamily="18" charset="0"/>
+              </a:rPr>
+              <a:t>Intro to Git and GitHub</a:t>
+            </a:r>
+          </a:p>
+        </p:txBody>
+      </p:sp>
+      <p:sp>
+        <p:nvSpPr>
+          <p:cNvPr id="14" name="TextBox 13">
+            <a:extLst>
+              <a:ext uri="{FF2B5EF4-FFF2-40B4-BE49-F238E27FC236}">
+                <a16:creationId xmlns:a16="http://schemas.microsoft.com/office/drawing/2014/main" id="{27FF8CBD-20AE-EF4F-5C32-4EAE456AD600}"/>
+              </a:ext>
+            </a:extLst>
+          </p:cNvPr>
+          <p:cNvSpPr txBox="1"/>
+          <p:nvPr/>
+        </p:nvSpPr>
+        <p:spPr>
+          <a:xfrm>
+            <a:off x="4883083" y="3064005"/>
+            <a:ext cx="1508289" cy="1282045"/>
+          </a:xfrm>
+          <a:prstGeom prst="rect">
+            <a:avLst/>
+          </a:prstGeom>
+          <a:noFill/>
+          <a:ln>
+            <a:solidFill>
+              <a:schemeClr val="tx1"/>
+            </a:solidFill>
+          </a:ln>
+        </p:spPr>
+        <p:txBody>
+          <a:bodyPr wrap="square" rtlCol="0" anchor="ctr">
+            <a:noAutofit/>
+          </a:bodyPr>
+          <a:lstStyle/>
+          <a:p>
+            <a:pPr marL="0" marR="0" lvl="0" indent="0" algn="ctr" defTabSz="457200" rtl="0" eaLnBrk="1" fontAlgn="auto" latinLnBrk="0" hangingPunct="1">
+              <a:lnSpc>
+                <a:spcPct val="100000"/>
+              </a:lnSpc>
+              <a:spcBef>
+                <a:spcPts val="0"/>
+              </a:spcBef>
+              <a:spcAft>
+                <a:spcPts val="0"/>
+              </a:spcAft>
+              <a:buClrTx/>
+              <a:buSzTx/>
+              <a:buFontTx/>
+              <a:buNone/>
+              <a:tabLst/>
+              <a:defRPr/>
+            </a:pPr>
+            <a:r>
+              <a:rPr kumimoji="0" lang="en-US" sz="1800" b="0" i="0" u="none" strike="noStrike" kern="1200" cap="none" spc="0" normalizeH="0" baseline="0" noProof="0" dirty="0">
+                <a:ln>
+                  <a:noFill/>
+                </a:ln>
+                <a:solidFill>
+                  <a:prstClr val="black"/>
+                </a:solidFill>
+                <a:effectLst/>
+                <a:uLnTx/>
+                <a:uFillTx/>
+                <a:latin typeface="Times New Roman" panose="02020603050405020304" pitchFamily="18" charset="0"/>
+                <a:cs typeface="Times New Roman" panose="02020603050405020304" pitchFamily="18" charset="0"/>
+              </a:rPr>
+              <a:t>Intro to Clipping Imagery</a:t>
+            </a:r>
+          </a:p>
+        </p:txBody>
+      </p:sp>
+      <p:cxnSp>
+        <p:nvCxnSpPr>
+          <p:cNvPr id="16" name="Straight Arrow Connector 15">
+            <a:extLst>
+              <a:ext uri="{FF2B5EF4-FFF2-40B4-BE49-F238E27FC236}">
+                <a16:creationId xmlns:a16="http://schemas.microsoft.com/office/drawing/2014/main" id="{B7360C28-7307-6619-E595-7FB07FBFDDCE}"/>
+              </a:ext>
+            </a:extLst>
+          </p:cNvPr>
+          <p:cNvCxnSpPr>
+            <a:stCxn id="12" idx="3"/>
+            <a:endCxn id="5" idx="1"/>
+          </p:cNvCxnSpPr>
+          <p:nvPr/>
+        </p:nvCxnSpPr>
+        <p:spPr>
+          <a:xfrm flipV="1">
+            <a:off x="2271857" y="1981692"/>
+            <a:ext cx="556183" cy="1"/>
+          </a:xfrm>
+          <a:prstGeom prst="straightConnector1">
+            <a:avLst/>
+          </a:prstGeom>
+          <a:ln w="38100">
+            <a:tailEnd type="triangle"/>
+          </a:ln>
+        </p:spPr>
+        <p:style>
+          <a:lnRef idx="1">
+            <a:schemeClr val="accent1"/>
+          </a:lnRef>
+          <a:fillRef idx="0">
+            <a:schemeClr val="accent1"/>
+          </a:fillRef>
+          <a:effectRef idx="0">
+            <a:schemeClr val="accent1"/>
+          </a:effectRef>
+          <a:fontRef idx="minor">
+            <a:schemeClr val="tx1"/>
+          </a:fontRef>
+        </p:style>
+      </p:cxnSp>
+      <p:cxnSp>
+        <p:nvCxnSpPr>
+          <p:cNvPr id="17" name="Straight Arrow Connector 16">
+            <a:extLst>
+              <a:ext uri="{FF2B5EF4-FFF2-40B4-BE49-F238E27FC236}">
+                <a16:creationId xmlns:a16="http://schemas.microsoft.com/office/drawing/2014/main" id="{9CA75634-707B-B6D2-E84F-BC6958F215BC}"/>
+              </a:ext>
+            </a:extLst>
+          </p:cNvPr>
+          <p:cNvCxnSpPr>
+            <a:cxnSpLocks/>
+            <a:stCxn id="5" idx="3"/>
+            <a:endCxn id="9" idx="1"/>
+          </p:cNvCxnSpPr>
+          <p:nvPr/>
+        </p:nvCxnSpPr>
+        <p:spPr>
+          <a:xfrm flipV="1">
+            <a:off x="4336329" y="1976979"/>
+            <a:ext cx="565610" cy="4713"/>
+          </a:xfrm>
+          <a:prstGeom prst="straightConnector1">
+            <a:avLst/>
+          </a:prstGeom>
+          <a:ln w="38100">
+            <a:tailEnd type="triangle"/>
+          </a:ln>
+        </p:spPr>
+        <p:style>
+          <a:lnRef idx="1">
+            <a:schemeClr val="accent1"/>
+          </a:lnRef>
+          <a:fillRef idx="0">
+            <a:schemeClr val="accent1"/>
+          </a:fillRef>
+          <a:effectRef idx="0">
+            <a:schemeClr val="accent1"/>
+          </a:effectRef>
+          <a:fontRef idx="minor">
+            <a:schemeClr val="tx1"/>
+          </a:fontRef>
+        </p:style>
+      </p:cxnSp>
+      <p:cxnSp>
+        <p:nvCxnSpPr>
+          <p:cNvPr id="21" name="Straight Arrow Connector 20">
+            <a:extLst>
+              <a:ext uri="{FF2B5EF4-FFF2-40B4-BE49-F238E27FC236}">
+                <a16:creationId xmlns:a16="http://schemas.microsoft.com/office/drawing/2014/main" id="{AD305074-9C0E-3D21-39CD-0146D84195A7}"/>
+              </a:ext>
+            </a:extLst>
+          </p:cNvPr>
+          <p:cNvCxnSpPr>
+            <a:cxnSpLocks/>
+            <a:endCxn id="4" idx="1"/>
+          </p:cNvCxnSpPr>
+          <p:nvPr/>
+        </p:nvCxnSpPr>
+        <p:spPr>
+          <a:xfrm flipV="1">
+            <a:off x="6410226" y="2010365"/>
+            <a:ext cx="565608" cy="4713"/>
+          </a:xfrm>
+          <a:prstGeom prst="straightConnector1">
+            <a:avLst/>
+          </a:prstGeom>
+          <a:ln w="38100">
+            <a:tailEnd type="triangle"/>
+          </a:ln>
+        </p:spPr>
+        <p:style>
+          <a:lnRef idx="1">
+            <a:schemeClr val="accent1"/>
+          </a:lnRef>
+          <a:fillRef idx="0">
+            <a:schemeClr val="accent1"/>
+          </a:fillRef>
+          <a:effectRef idx="0">
+            <a:schemeClr val="accent1"/>
+          </a:effectRef>
+          <a:fontRef idx="minor">
+            <a:schemeClr val="tx1"/>
+          </a:fontRef>
+        </p:style>
+      </p:cxnSp>
+      <p:cxnSp>
+        <p:nvCxnSpPr>
+          <p:cNvPr id="24" name="Straight Arrow Connector 23">
+            <a:extLst>
+              <a:ext uri="{FF2B5EF4-FFF2-40B4-BE49-F238E27FC236}">
+                <a16:creationId xmlns:a16="http://schemas.microsoft.com/office/drawing/2014/main" id="{1C9A9F0B-DE06-817A-82F6-0F7DE2BC6776}"/>
+              </a:ext>
+            </a:extLst>
+          </p:cNvPr>
+          <p:cNvCxnSpPr>
+            <a:cxnSpLocks/>
+            <a:stCxn id="4" idx="2"/>
+            <a:endCxn id="6" idx="0"/>
+          </p:cNvCxnSpPr>
+          <p:nvPr/>
+        </p:nvCxnSpPr>
+        <p:spPr>
+          <a:xfrm flipH="1">
+            <a:off x="7729978" y="2651387"/>
+            <a:ext cx="1" cy="412618"/>
+          </a:xfrm>
+          <a:prstGeom prst="straightConnector1">
+            <a:avLst/>
+          </a:prstGeom>
+          <a:ln w="38100">
+            <a:tailEnd type="triangle"/>
+          </a:ln>
+        </p:spPr>
+        <p:style>
+          <a:lnRef idx="1">
+            <a:schemeClr val="accent1"/>
+          </a:lnRef>
+          <a:fillRef idx="0">
+            <a:schemeClr val="accent1"/>
+          </a:fillRef>
+          <a:effectRef idx="0">
+            <a:schemeClr val="accent1"/>
+          </a:effectRef>
+          <a:fontRef idx="minor">
+            <a:schemeClr val="tx1"/>
+          </a:fontRef>
+        </p:style>
+      </p:cxnSp>
+      <p:cxnSp>
+        <p:nvCxnSpPr>
+          <p:cNvPr id="28" name="Straight Arrow Connector 27">
+            <a:extLst>
+              <a:ext uri="{FF2B5EF4-FFF2-40B4-BE49-F238E27FC236}">
+                <a16:creationId xmlns:a16="http://schemas.microsoft.com/office/drawing/2014/main" id="{81152508-2766-3CA9-558D-81FA18C0FA8D}"/>
+              </a:ext>
+            </a:extLst>
+          </p:cNvPr>
+          <p:cNvCxnSpPr>
+            <a:cxnSpLocks/>
+            <a:stCxn id="6" idx="1"/>
+            <a:endCxn id="14" idx="3"/>
+          </p:cNvCxnSpPr>
+          <p:nvPr/>
+        </p:nvCxnSpPr>
+        <p:spPr>
+          <a:xfrm flipH="1">
+            <a:off x="6391372" y="3705028"/>
+            <a:ext cx="584461" cy="0"/>
+          </a:xfrm>
+          <a:prstGeom prst="straightConnector1">
+            <a:avLst/>
+          </a:prstGeom>
+          <a:ln w="38100">
+            <a:tailEnd type="triangle"/>
+          </a:ln>
+        </p:spPr>
+        <p:style>
+          <a:lnRef idx="1">
+            <a:schemeClr val="accent1"/>
+          </a:lnRef>
+          <a:fillRef idx="0">
+            <a:schemeClr val="accent1"/>
+          </a:fillRef>
+          <a:effectRef idx="0">
+            <a:schemeClr val="accent1"/>
+          </a:effectRef>
+          <a:fontRef idx="minor">
+            <a:schemeClr val="tx1"/>
+          </a:fontRef>
+        </p:style>
+      </p:cxnSp>
+      <p:cxnSp>
+        <p:nvCxnSpPr>
+          <p:cNvPr id="31" name="Straight Arrow Connector 30">
+            <a:extLst>
+              <a:ext uri="{FF2B5EF4-FFF2-40B4-BE49-F238E27FC236}">
+                <a16:creationId xmlns:a16="http://schemas.microsoft.com/office/drawing/2014/main" id="{13B752EA-755A-F587-839F-B0997F5265D8}"/>
+              </a:ext>
+            </a:extLst>
+          </p:cNvPr>
+          <p:cNvCxnSpPr>
+            <a:cxnSpLocks/>
+            <a:stCxn id="14" idx="1"/>
+            <a:endCxn id="7" idx="3"/>
+          </p:cNvCxnSpPr>
+          <p:nvPr/>
+        </p:nvCxnSpPr>
+        <p:spPr>
+          <a:xfrm flipH="1">
+            <a:off x="4336328" y="3705028"/>
+            <a:ext cx="546755" cy="0"/>
+          </a:xfrm>
+          <a:prstGeom prst="straightConnector1">
+            <a:avLst/>
+          </a:prstGeom>
+          <a:ln w="38100">
+            <a:tailEnd type="triangle"/>
+          </a:ln>
+        </p:spPr>
+        <p:style>
+          <a:lnRef idx="1">
+            <a:schemeClr val="accent1"/>
+          </a:lnRef>
+          <a:fillRef idx="0">
+            <a:schemeClr val="accent1"/>
+          </a:fillRef>
+          <a:effectRef idx="0">
+            <a:schemeClr val="accent1"/>
+          </a:effectRef>
+          <a:fontRef idx="minor">
+            <a:schemeClr val="tx1"/>
+          </a:fontRef>
+        </p:style>
+      </p:cxnSp>
+      <p:cxnSp>
+        <p:nvCxnSpPr>
+          <p:cNvPr id="35" name="Straight Arrow Connector 34">
+            <a:extLst>
+              <a:ext uri="{FF2B5EF4-FFF2-40B4-BE49-F238E27FC236}">
+                <a16:creationId xmlns:a16="http://schemas.microsoft.com/office/drawing/2014/main" id="{B94D74BB-904A-5C83-7606-F624362A24A9}"/>
+              </a:ext>
+            </a:extLst>
+          </p:cNvPr>
+          <p:cNvCxnSpPr>
+            <a:cxnSpLocks/>
+            <a:stCxn id="7" idx="1"/>
+            <a:endCxn id="8" idx="3"/>
+          </p:cNvCxnSpPr>
+          <p:nvPr/>
+        </p:nvCxnSpPr>
+        <p:spPr>
+          <a:xfrm flipH="1">
+            <a:off x="2271856" y="3705028"/>
+            <a:ext cx="556183" cy="7070"/>
+          </a:xfrm>
+          <a:prstGeom prst="straightConnector1">
+            <a:avLst/>
+          </a:prstGeom>
+          <a:ln w="38100">
+            <a:tailEnd type="triangle"/>
+          </a:ln>
+        </p:spPr>
+        <p:style>
+          <a:lnRef idx="1">
+            <a:schemeClr val="accent1"/>
+          </a:lnRef>
+          <a:fillRef idx="0">
+            <a:schemeClr val="accent1"/>
+          </a:fillRef>
+          <a:effectRef idx="0">
+            <a:schemeClr val="accent1"/>
+          </a:effectRef>
+          <a:fontRef idx="minor">
+            <a:schemeClr val="tx1"/>
+          </a:fontRef>
+        </p:style>
+      </p:cxnSp>
+      <p:cxnSp>
+        <p:nvCxnSpPr>
+          <p:cNvPr id="40" name="Straight Arrow Connector 39">
+            <a:extLst>
+              <a:ext uri="{FF2B5EF4-FFF2-40B4-BE49-F238E27FC236}">
+                <a16:creationId xmlns:a16="http://schemas.microsoft.com/office/drawing/2014/main" id="{7E267108-5AC0-7572-B0C8-323047BB7C29}"/>
+              </a:ext>
+            </a:extLst>
+          </p:cNvPr>
+          <p:cNvCxnSpPr>
+            <a:cxnSpLocks/>
+            <a:stCxn id="8" idx="2"/>
+            <a:endCxn id="10" idx="0"/>
+          </p:cNvCxnSpPr>
+          <p:nvPr/>
+        </p:nvCxnSpPr>
+        <p:spPr>
+          <a:xfrm>
+            <a:off x="1517712" y="4353120"/>
+            <a:ext cx="0" cy="448360"/>
+          </a:xfrm>
+          <a:prstGeom prst="straightConnector1">
+            <a:avLst/>
+          </a:prstGeom>
+          <a:ln w="38100">
+            <a:tailEnd type="triangle"/>
+          </a:ln>
+        </p:spPr>
+        <p:style>
+          <a:lnRef idx="1">
+            <a:schemeClr val="accent1"/>
+          </a:lnRef>
+          <a:fillRef idx="0">
+            <a:schemeClr val="accent1"/>
+          </a:fillRef>
+          <a:effectRef idx="0">
+            <a:schemeClr val="accent1"/>
+          </a:effectRef>
+          <a:fontRef idx="minor">
+            <a:schemeClr val="tx1"/>
+          </a:fontRef>
+        </p:style>
+      </p:cxnSp>
+      <p:cxnSp>
+        <p:nvCxnSpPr>
+          <p:cNvPr id="44" name="Straight Arrow Connector 43">
+            <a:extLst>
+              <a:ext uri="{FF2B5EF4-FFF2-40B4-BE49-F238E27FC236}">
+                <a16:creationId xmlns:a16="http://schemas.microsoft.com/office/drawing/2014/main" id="{ACBAB1A9-F887-B0D9-72BA-7685BD4F92AC}"/>
+              </a:ext>
+            </a:extLst>
+          </p:cNvPr>
+          <p:cNvCxnSpPr>
+            <a:cxnSpLocks/>
+            <a:stCxn id="10" idx="3"/>
+            <a:endCxn id="13" idx="1"/>
+          </p:cNvCxnSpPr>
+          <p:nvPr/>
+        </p:nvCxnSpPr>
+        <p:spPr>
+          <a:xfrm flipV="1">
+            <a:off x="2271856" y="5437791"/>
+            <a:ext cx="556184" cy="4712"/>
+          </a:xfrm>
+          <a:prstGeom prst="straightConnector1">
+            <a:avLst/>
+          </a:prstGeom>
+          <a:ln w="38100">
+            <a:tailEnd type="triangle"/>
+          </a:ln>
+        </p:spPr>
+        <p:style>
+          <a:lnRef idx="1">
+            <a:schemeClr val="accent1"/>
+          </a:lnRef>
+          <a:fillRef idx="0">
+            <a:schemeClr val="accent1"/>
+          </a:fillRef>
+          <a:effectRef idx="0">
+            <a:schemeClr val="accent1"/>
+          </a:effectRef>
+          <a:fontRef idx="minor">
+            <a:schemeClr val="tx1"/>
+          </a:fontRef>
+        </p:style>
+      </p:cxnSp>
+      <p:cxnSp>
+        <p:nvCxnSpPr>
+          <p:cNvPr id="45" name="Straight Arrow Connector 44">
+            <a:extLst>
+              <a:ext uri="{FF2B5EF4-FFF2-40B4-BE49-F238E27FC236}">
+                <a16:creationId xmlns:a16="http://schemas.microsoft.com/office/drawing/2014/main" id="{9C482EF9-0E9B-C375-4627-218393D11254}"/>
+              </a:ext>
+            </a:extLst>
+          </p:cNvPr>
+          <p:cNvCxnSpPr>
+            <a:cxnSpLocks/>
+            <a:stCxn id="13" idx="3"/>
+            <a:endCxn id="11" idx="1"/>
+          </p:cNvCxnSpPr>
+          <p:nvPr/>
+        </p:nvCxnSpPr>
+        <p:spPr>
+          <a:xfrm>
+            <a:off x="4336329" y="5437791"/>
+            <a:ext cx="565608" cy="0"/>
+          </a:xfrm>
+          <a:prstGeom prst="straightConnector1">
+            <a:avLst/>
+          </a:prstGeom>
+          <a:ln w="38100">
+            <a:tailEnd type="triangle"/>
+          </a:ln>
+        </p:spPr>
+        <p:style>
+          <a:lnRef idx="1">
+            <a:schemeClr val="accent1"/>
+          </a:lnRef>
+          <a:fillRef idx="0">
+            <a:schemeClr val="accent1"/>
+          </a:fillRef>
+          <a:effectRef idx="0">
+            <a:schemeClr val="accent1"/>
+          </a:effectRef>
+          <a:fontRef idx="minor">
+            <a:schemeClr val="tx1"/>
+          </a:fontRef>
+        </p:style>
+      </p:cxnSp>
+      <p:sp>
+        <p:nvSpPr>
+          <p:cNvPr id="52" name="TextBox 51">
+            <a:extLst>
+              <a:ext uri="{FF2B5EF4-FFF2-40B4-BE49-F238E27FC236}">
+                <a16:creationId xmlns:a16="http://schemas.microsoft.com/office/drawing/2014/main" id="{C0239838-330B-6FE2-83C9-AC46DF490000}"/>
+              </a:ext>
+            </a:extLst>
+          </p:cNvPr>
+          <p:cNvSpPr txBox="1"/>
+          <p:nvPr/>
+        </p:nvSpPr>
+        <p:spPr>
+          <a:xfrm>
+            <a:off x="0" y="272024"/>
+            <a:ext cx="9144000" cy="523220"/>
+          </a:xfrm>
+          <a:prstGeom prst="rect">
+            <a:avLst/>
+          </a:prstGeom>
+          <a:noFill/>
+        </p:spPr>
+        <p:txBody>
+          <a:bodyPr wrap="square" rtlCol="0" anchor="ctr">
+            <a:spAutoFit/>
+          </a:bodyPr>
+          <a:lstStyle/>
+          <a:p>
+            <a:pPr marL="0" marR="0" lvl="0" indent="0" algn="ctr" defTabSz="457200" rtl="0" eaLnBrk="1" fontAlgn="auto" latinLnBrk="0" hangingPunct="1">
+              <a:lnSpc>
+                <a:spcPct val="100000"/>
+              </a:lnSpc>
+              <a:spcBef>
+                <a:spcPts val="0"/>
+              </a:spcBef>
+              <a:spcAft>
+                <a:spcPts val="0"/>
+              </a:spcAft>
+              <a:buClrTx/>
+              <a:buSzTx/>
+              <a:buFontTx/>
+              <a:buNone/>
+              <a:tabLst/>
+              <a:defRPr/>
+            </a:pPr>
+            <a:r>
+              <a:rPr kumimoji="0" lang="en-US" sz="2800" b="0" i="0" u="none" strike="noStrike" kern="1200" cap="none" spc="0" normalizeH="0" baseline="0" noProof="0" dirty="0">
+                <a:ln>
+                  <a:noFill/>
+                </a:ln>
+                <a:solidFill>
+                  <a:prstClr val="black"/>
+                </a:solidFill>
+                <a:effectLst/>
+                <a:uLnTx/>
+                <a:uFillTx/>
+                <a:latin typeface="Times New Roman" panose="02020603050405020304" pitchFamily="18" charset="0"/>
+                <a:cs typeface="Times New Roman" panose="02020603050405020304" pitchFamily="18" charset="0"/>
+              </a:rPr>
+              <a:t>GGS416 – Satellite Image Analysis</a:t>
+            </a:r>
+          </a:p>
+        </p:txBody>
+      </p:sp>
+    </p:spTree>
+    <p:extLst>
+      <p:ext uri="{BB962C8B-B14F-4D97-AF65-F5344CB8AC3E}">
+        <p14:creationId xmlns:p14="http://schemas.microsoft.com/office/powerpoint/2010/main" val="3276349978"/>
+      </p:ext>
+    </p:extLst>
+  </p:cSld>
+  <p:clrMapOvr>
+    <a:masterClrMapping/>
+  </p:clrMapOvr>
+</p:sld>
+</file>
+
 <file path=ppt/theme/theme1.xml><?xml version="1.0" encoding="utf-8"?>
 <a:theme xmlns:a="http://schemas.openxmlformats.org/drawingml/2006/main" name="Office Theme">
   <a:themeElements>

--- a/syllabus/format.pptx
+++ b/syllabus/format.pptx
@@ -255,7 +255,7 @@
           <a:p>
             <a:fld id="{48CDFCA1-6601-C943-AA02-89F09BE97B91}" type="datetimeFigureOut">
               <a:rPr lang="en-US" smtClean="0"/>
-              <a:t>10/17/2022</a:t>
+              <a:t>8/20/2023</a:t>
             </a:fld>
             <a:endParaRPr lang="en-US"/>
           </a:p>
@@ -425,7 +425,7 @@
           <a:p>
             <a:fld id="{48CDFCA1-6601-C943-AA02-89F09BE97B91}" type="datetimeFigureOut">
               <a:rPr lang="en-US" smtClean="0"/>
-              <a:t>10/17/2022</a:t>
+              <a:t>8/20/2023</a:t>
             </a:fld>
             <a:endParaRPr lang="en-US"/>
           </a:p>
@@ -605,7 +605,7 @@
           <a:p>
             <a:fld id="{48CDFCA1-6601-C943-AA02-89F09BE97B91}" type="datetimeFigureOut">
               <a:rPr lang="en-US" smtClean="0"/>
-              <a:t>10/17/2022</a:t>
+              <a:t>8/20/2023</a:t>
             </a:fld>
             <a:endParaRPr lang="en-US"/>
           </a:p>
@@ -775,7 +775,7 @@
           <a:p>
             <a:fld id="{48CDFCA1-6601-C943-AA02-89F09BE97B91}" type="datetimeFigureOut">
               <a:rPr lang="en-US" smtClean="0"/>
-              <a:t>10/17/2022</a:t>
+              <a:t>8/20/2023</a:t>
             </a:fld>
             <a:endParaRPr lang="en-US"/>
           </a:p>
@@ -1019,7 +1019,7 @@
           <a:p>
             <a:fld id="{48CDFCA1-6601-C943-AA02-89F09BE97B91}" type="datetimeFigureOut">
               <a:rPr lang="en-US" smtClean="0"/>
-              <a:t>10/17/2022</a:t>
+              <a:t>8/20/2023</a:t>
             </a:fld>
             <a:endParaRPr lang="en-US"/>
           </a:p>
@@ -1251,7 +1251,7 @@
           <a:p>
             <a:fld id="{48CDFCA1-6601-C943-AA02-89F09BE97B91}" type="datetimeFigureOut">
               <a:rPr lang="en-US" smtClean="0"/>
-              <a:t>10/17/2022</a:t>
+              <a:t>8/20/2023</a:t>
             </a:fld>
             <a:endParaRPr lang="en-US"/>
           </a:p>
@@ -1618,7 +1618,7 @@
           <a:p>
             <a:fld id="{48CDFCA1-6601-C943-AA02-89F09BE97B91}" type="datetimeFigureOut">
               <a:rPr lang="en-US" smtClean="0"/>
-              <a:t>10/17/2022</a:t>
+              <a:t>8/20/2023</a:t>
             </a:fld>
             <a:endParaRPr lang="en-US"/>
           </a:p>
@@ -1736,7 +1736,7 @@
           <a:p>
             <a:fld id="{48CDFCA1-6601-C943-AA02-89F09BE97B91}" type="datetimeFigureOut">
               <a:rPr lang="en-US" smtClean="0"/>
-              <a:t>10/17/2022</a:t>
+              <a:t>8/20/2023</a:t>
             </a:fld>
             <a:endParaRPr lang="en-US"/>
           </a:p>
@@ -1831,7 +1831,7 @@
           <a:p>
             <a:fld id="{48CDFCA1-6601-C943-AA02-89F09BE97B91}" type="datetimeFigureOut">
               <a:rPr lang="en-US" smtClean="0"/>
-              <a:t>10/17/2022</a:t>
+              <a:t>8/20/2023</a:t>
             </a:fld>
             <a:endParaRPr lang="en-US"/>
           </a:p>
@@ -2108,7 +2108,7 @@
           <a:p>
             <a:fld id="{48CDFCA1-6601-C943-AA02-89F09BE97B91}" type="datetimeFigureOut">
               <a:rPr lang="en-US" smtClean="0"/>
-              <a:t>10/17/2022</a:t>
+              <a:t>8/20/2023</a:t>
             </a:fld>
             <a:endParaRPr lang="en-US"/>
           </a:p>
@@ -2365,7 +2365,7 @@
           <a:p>
             <a:fld id="{48CDFCA1-6601-C943-AA02-89F09BE97B91}" type="datetimeFigureOut">
               <a:rPr lang="en-US" smtClean="0"/>
-              <a:t>10/17/2022</a:t>
+              <a:t>8/20/2023</a:t>
             </a:fld>
             <a:endParaRPr lang="en-US"/>
           </a:p>
@@ -2578,7 +2578,7 @@
           <a:p>
             <a:fld id="{48CDFCA1-6601-C943-AA02-89F09BE97B91}" type="datetimeFigureOut">
               <a:rPr lang="en-US" smtClean="0"/>
-              <a:t>10/17/2022</a:t>
+              <a:t>8/20/2023</a:t>
             </a:fld>
             <a:endParaRPr lang="en-US"/>
           </a:p>
@@ -3008,7 +3008,7 @@
           <p:nvPr>
             <p:extLst>
               <p:ext uri="{D42A27DB-BD31-4B8C-83A1-F6EECF244321}">
-                <p14:modId xmlns:p14="http://schemas.microsoft.com/office/powerpoint/2010/main" val="979568454"/>
+                <p14:modId xmlns:p14="http://schemas.microsoft.com/office/powerpoint/2010/main" val="2261744575"/>
               </p:ext>
             </p:extLst>
           </p:nvPr>
@@ -3193,7 +3193,7 @@
                           <a:latin typeface="Times New Roman" panose="02020603050405020304" pitchFamily="18" charset="0"/>
                           <a:cs typeface="Times New Roman" panose="02020603050405020304" pitchFamily="18" charset="0"/>
                         </a:rPr>
-                        <a:t>Aug 22</a:t>
+                        <a:t>Aug 21</a:t>
                       </a:r>
                       <a:r>
                         <a:rPr lang="en-US" sz="1400" b="1" baseline="30000" dirty="0">
@@ -3201,7 +3201,7 @@
                           <a:latin typeface="Times New Roman" panose="02020603050405020304" pitchFamily="18" charset="0"/>
                           <a:cs typeface="Times New Roman" panose="02020603050405020304" pitchFamily="18" charset="0"/>
                         </a:rPr>
-                        <a:t>nd</a:t>
+                        <a:t>st</a:t>
                       </a:r>
                       <a:r>
                         <a:rPr lang="en-US" sz="1400" b="1" dirty="0">
@@ -3209,7 +3209,7 @@
                           <a:latin typeface="Times New Roman" panose="02020603050405020304" pitchFamily="18" charset="0"/>
                           <a:cs typeface="Times New Roman" panose="02020603050405020304" pitchFamily="18" charset="0"/>
                         </a:rPr>
-                        <a:t> </a:t>
+                        <a:t>  </a:t>
                       </a:r>
                       <a:endParaRPr lang="en-US" sz="1400" b="1" dirty="0">
                         <a:solidFill>
@@ -3261,23 +3261,7 @@
                           <a:latin typeface="Times New Roman" panose="02020603050405020304" pitchFamily="18" charset="0"/>
                           <a:cs typeface="Times New Roman" panose="02020603050405020304" pitchFamily="18" charset="0"/>
                         </a:rPr>
-                        <a:t>Getting started with Google </a:t>
-                      </a:r>
-                      <a:r>
-                        <a:rPr lang="en-US" sz="1400" dirty="0" err="1">
-                          <a:effectLst/>
-                          <a:latin typeface="Times New Roman" panose="02020603050405020304" pitchFamily="18" charset="0"/>
-                          <a:cs typeface="Times New Roman" panose="02020603050405020304" pitchFamily="18" charset="0"/>
-                        </a:rPr>
-                        <a:t>Colab</a:t>
-                      </a:r>
-                      <a:r>
-                        <a:rPr lang="en-US" sz="1400" dirty="0">
-                          <a:effectLst/>
-                          <a:latin typeface="Times New Roman" panose="02020603050405020304" pitchFamily="18" charset="0"/>
-                          <a:cs typeface="Times New Roman" panose="02020603050405020304" pitchFamily="18" charset="0"/>
-                        </a:rPr>
-                        <a:t>.</a:t>
+                        <a:t>Getting started with Anaconda.</a:t>
                       </a:r>
                       <a:endParaRPr lang="en-US" sz="1400" dirty="0">
                         <a:solidFill>
@@ -3362,7 +3346,7 @@
                           <a:latin typeface="Times New Roman" panose="02020603050405020304" pitchFamily="18" charset="0"/>
                           <a:cs typeface="Times New Roman" panose="02020603050405020304" pitchFamily="18" charset="0"/>
                         </a:rPr>
-                        <a:t>Aug 29</a:t>
+                        <a:t>Aug 28</a:t>
                       </a:r>
                       <a:r>
                         <a:rPr lang="en-US" sz="1400" b="1" baseline="30000" dirty="0">
@@ -3505,7 +3489,7 @@
                           <a:latin typeface="Times New Roman" panose="02020603050405020304" pitchFamily="18" charset="0"/>
                           <a:cs typeface="Times New Roman" panose="02020603050405020304" pitchFamily="18" charset="0"/>
                         </a:rPr>
-                        <a:t>Sept 5</a:t>
+                        <a:t>Sept 4</a:t>
                       </a:r>
                       <a:r>
                         <a:rPr lang="en-US" sz="1400" b="1" baseline="30000" dirty="0">
@@ -3568,10 +3552,18 @@
                           <a:latin typeface="Times New Roman" panose="02020603050405020304" pitchFamily="18" charset="0"/>
                           <a:cs typeface="Times New Roman" panose="02020603050405020304" pitchFamily="18" charset="0"/>
                         </a:rPr>
-                        <a:t>(NB. Labor Day 5</a:t>
-                      </a:r>
-                      <a:r>
-                        <a:rPr lang="en-US" sz="1400" baseline="30000" dirty="0">
+                        <a:t>(NB. Labor Day </a:t>
+                      </a:r>
+                      <a:r>
+                        <a:rPr lang="en-US" sz="1400">
+                          <a:effectLst/>
+                          <a:latin typeface="Times New Roman" panose="02020603050405020304" pitchFamily="18" charset="0"/>
+                          <a:cs typeface="Times New Roman" panose="02020603050405020304" pitchFamily="18" charset="0"/>
+                        </a:rPr>
+                        <a:t>5</a:t>
+                      </a:r>
+                      <a:r>
+                        <a:rPr lang="en-US" sz="1400" baseline="30000">
                           <a:effectLst/>
                           <a:latin typeface="Times New Roman" panose="02020603050405020304" pitchFamily="18" charset="0"/>
                           <a:cs typeface="Times New Roman" panose="02020603050405020304" pitchFamily="18" charset="0"/>
@@ -3579,12 +3571,12 @@
                         <a:t>th</a:t>
                       </a:r>
                       <a:r>
-                        <a:rPr lang="en-US" sz="1400" dirty="0">
-                          <a:effectLst/>
-                          <a:latin typeface="Times New Roman" panose="02020603050405020304" pitchFamily="18" charset="0"/>
-                          <a:cs typeface="Times New Roman" panose="02020603050405020304" pitchFamily="18" charset="0"/>
-                        </a:rPr>
-                        <a:t> Sept: No Class)</a:t>
+                        <a:rPr lang="en-US" sz="1400">
+                          <a:effectLst/>
+                          <a:latin typeface="Times New Roman" panose="02020603050405020304" pitchFamily="18" charset="0"/>
+                          <a:cs typeface="Times New Roman" panose="02020603050405020304" pitchFamily="18" charset="0"/>
+                        </a:rPr>
+                        <a:t> Sept)</a:t>
                       </a:r>
                       <a:endParaRPr lang="en-US" sz="1400" dirty="0">
                         <a:solidFill>
@@ -3681,7 +3673,7 @@
                           <a:ea typeface="Calibri" panose="020F0502020204030204" pitchFamily="34" charset="0"/>
                           <a:cs typeface="Times New Roman" panose="02020603050405020304" pitchFamily="18" charset="0"/>
                         </a:rPr>
-                        <a:t>Sept 12</a:t>
+                        <a:t>Sept 11</a:t>
                       </a:r>
                       <a:r>
                         <a:rPr lang="en-US" sz="1400" b="1" baseline="30000" dirty="0">
@@ -3818,7 +3810,7 @@
                           <a:latin typeface="Times New Roman" panose="02020603050405020304" pitchFamily="18" charset="0"/>
                           <a:cs typeface="Times New Roman" panose="02020603050405020304" pitchFamily="18" charset="0"/>
                         </a:rPr>
-                        <a:t>Sep 19</a:t>
+                        <a:t>Sep 18</a:t>
                       </a:r>
                       <a:r>
                         <a:rPr lang="en-US" sz="1400" b="1" baseline="30000" dirty="0">
@@ -3952,7 +3944,7 @@
                           <a:latin typeface="Times New Roman" panose="02020603050405020304" pitchFamily="18" charset="0"/>
                           <a:cs typeface="Times New Roman" panose="02020603050405020304" pitchFamily="18" charset="0"/>
                         </a:rPr>
-                        <a:t>Sept 26</a:t>
+                        <a:t>Sept 25</a:t>
                       </a:r>
                       <a:r>
                         <a:rPr lang="en-US" sz="1400" b="1" baseline="30000" dirty="0">
@@ -4099,7 +4091,7 @@
                           <a:latin typeface="Times New Roman" panose="02020603050405020304" pitchFamily="18" charset="0"/>
                           <a:cs typeface="Times New Roman" panose="02020603050405020304" pitchFamily="18" charset="0"/>
                         </a:rPr>
-                        <a:t>Oct 3</a:t>
+                        <a:t>Oct 2</a:t>
                       </a:r>
                       <a:r>
                         <a:rPr lang="en-US" sz="1400" b="1" baseline="30000" dirty="0">
@@ -4107,7 +4099,7 @@
                           <a:latin typeface="Times New Roman" panose="02020603050405020304" pitchFamily="18" charset="0"/>
                           <a:cs typeface="Times New Roman" panose="02020603050405020304" pitchFamily="18" charset="0"/>
                         </a:rPr>
-                        <a:t>rd</a:t>
+                        <a:t>nd</a:t>
                       </a:r>
                       <a:endParaRPr lang="en-US" sz="1400" b="1" dirty="0">
                         <a:solidFill>
@@ -4315,7 +4307,7 @@
                           <a:latin typeface="Times New Roman" panose="02020603050405020304" pitchFamily="18" charset="0"/>
                           <a:cs typeface="Times New Roman" panose="02020603050405020304" pitchFamily="18" charset="0"/>
                         </a:rPr>
-                        <a:t>Oct 17</a:t>
+                        <a:t>Oct 16</a:t>
                       </a:r>
                       <a:r>
                         <a:rPr lang="en-US" sz="1400" b="1" baseline="30000" dirty="0">
@@ -4471,7 +4463,7 @@
                           <a:latin typeface="Times New Roman" panose="02020603050405020304" pitchFamily="18" charset="0"/>
                           <a:cs typeface="Times New Roman" panose="02020603050405020304" pitchFamily="18" charset="0"/>
                         </a:rPr>
-                        <a:t>Oct 24</a:t>
+                        <a:t>Oct 23</a:t>
                       </a:r>
                       <a:r>
                         <a:rPr lang="en-US" sz="1400" b="1" baseline="30000" dirty="0">
@@ -4479,7 +4471,7 @@
                           <a:latin typeface="Times New Roman" panose="02020603050405020304" pitchFamily="18" charset="0"/>
                           <a:cs typeface="Times New Roman" panose="02020603050405020304" pitchFamily="18" charset="0"/>
                         </a:rPr>
-                        <a:t>th</a:t>
+                        <a:t>rd</a:t>
                       </a:r>
                       <a:endParaRPr lang="en-US" sz="1400" b="1" dirty="0">
                         <a:solidFill>
@@ -4619,7 +4611,7 @@
                           <a:latin typeface="Times New Roman" panose="02020603050405020304" pitchFamily="18" charset="0"/>
                           <a:cs typeface="Times New Roman" panose="02020603050405020304" pitchFamily="18" charset="0"/>
                         </a:rPr>
-                        <a:t>Oct 31</a:t>
+                        <a:t>Oct 30</a:t>
                       </a:r>
                       <a:r>
                         <a:rPr lang="en-US" sz="1400" b="1" baseline="30000" dirty="0">
@@ -4627,7 +4619,7 @@
                           <a:latin typeface="Times New Roman" panose="02020603050405020304" pitchFamily="18" charset="0"/>
                           <a:cs typeface="Times New Roman" panose="02020603050405020304" pitchFamily="18" charset="0"/>
                         </a:rPr>
-                        <a:t>st</a:t>
+                        <a:t>th</a:t>
                       </a:r>
                       <a:r>
                         <a:rPr lang="en-US" sz="1400" b="1" dirty="0">
@@ -4771,7 +4763,7 @@
                           <a:latin typeface="Times New Roman" panose="02020603050405020304" pitchFamily="18" charset="0"/>
                           <a:cs typeface="Times New Roman" panose="02020603050405020304" pitchFamily="18" charset="0"/>
                         </a:rPr>
-                        <a:t>Nov 7</a:t>
+                        <a:t>Nov 6</a:t>
                       </a:r>
                       <a:r>
                         <a:rPr lang="en-US" sz="1400" b="1" baseline="30000" dirty="0">
@@ -4922,7 +4914,7 @@
                           <a:latin typeface="Times New Roman" panose="02020603050405020304" pitchFamily="18" charset="0"/>
                           <a:cs typeface="Times New Roman" panose="02020603050405020304" pitchFamily="18" charset="0"/>
                         </a:rPr>
-                        <a:t>Nov 14</a:t>
+                        <a:t>Nov 13</a:t>
                       </a:r>
                       <a:r>
                         <a:rPr lang="en-US" sz="1400" b="1" baseline="30000" dirty="0">
@@ -5224,7 +5216,7 @@
                           <a:latin typeface="Times New Roman" panose="02020603050405020304" pitchFamily="18" charset="0"/>
                           <a:cs typeface="Times New Roman" panose="02020603050405020304" pitchFamily="18" charset="0"/>
                         </a:rPr>
-                        <a:t>Nov 28</a:t>
+                        <a:t>Nov 27</a:t>
                       </a:r>
                       <a:r>
                         <a:rPr lang="en-US" sz="1400" b="1" baseline="30000" dirty="0">
@@ -5368,7 +5360,7 @@
                           <a:latin typeface="Times New Roman" panose="02020603050405020304" pitchFamily="18" charset="0"/>
                           <a:cs typeface="Times New Roman" panose="02020603050405020304" pitchFamily="18" charset="0"/>
                         </a:rPr>
-                        <a:t>Dec 5</a:t>
+                        <a:t>Dec 4</a:t>
                       </a:r>
                       <a:r>
                         <a:rPr lang="en-US" sz="1400" b="1" baseline="30000" dirty="0">
@@ -5431,7 +5423,7 @@
                           <a:ea typeface="Calibri" panose="020F0502020204030204" pitchFamily="34" charset="0"/>
                           <a:cs typeface="Times New Roman" panose="02020603050405020304" pitchFamily="18" charset="0"/>
                         </a:rPr>
-                        <a:t>Finals week</a:t>
+                        <a:t>Finals week.</a:t>
                       </a:r>
                     </a:p>
                   </a:txBody>

--- a/syllabus/format.pptx
+++ b/syllabus/format.pptx
@@ -255,7 +255,7 @@
           <a:p>
             <a:fld id="{48CDFCA1-6601-C943-AA02-89F09BE97B91}" type="datetimeFigureOut">
               <a:rPr lang="en-US" smtClean="0"/>
-              <a:t>8/20/2023</a:t>
+              <a:t>8/21/2023</a:t>
             </a:fld>
             <a:endParaRPr lang="en-US"/>
           </a:p>
@@ -425,7 +425,7 @@
           <a:p>
             <a:fld id="{48CDFCA1-6601-C943-AA02-89F09BE97B91}" type="datetimeFigureOut">
               <a:rPr lang="en-US" smtClean="0"/>
-              <a:t>8/20/2023</a:t>
+              <a:t>8/21/2023</a:t>
             </a:fld>
             <a:endParaRPr lang="en-US"/>
           </a:p>
@@ -605,7 +605,7 @@
           <a:p>
             <a:fld id="{48CDFCA1-6601-C943-AA02-89F09BE97B91}" type="datetimeFigureOut">
               <a:rPr lang="en-US" smtClean="0"/>
-              <a:t>8/20/2023</a:t>
+              <a:t>8/21/2023</a:t>
             </a:fld>
             <a:endParaRPr lang="en-US"/>
           </a:p>
@@ -775,7 +775,7 @@
           <a:p>
             <a:fld id="{48CDFCA1-6601-C943-AA02-89F09BE97B91}" type="datetimeFigureOut">
               <a:rPr lang="en-US" smtClean="0"/>
-              <a:t>8/20/2023</a:t>
+              <a:t>8/21/2023</a:t>
             </a:fld>
             <a:endParaRPr lang="en-US"/>
           </a:p>
@@ -1019,7 +1019,7 @@
           <a:p>
             <a:fld id="{48CDFCA1-6601-C943-AA02-89F09BE97B91}" type="datetimeFigureOut">
               <a:rPr lang="en-US" smtClean="0"/>
-              <a:t>8/20/2023</a:t>
+              <a:t>8/21/2023</a:t>
             </a:fld>
             <a:endParaRPr lang="en-US"/>
           </a:p>
@@ -1251,7 +1251,7 @@
           <a:p>
             <a:fld id="{48CDFCA1-6601-C943-AA02-89F09BE97B91}" type="datetimeFigureOut">
               <a:rPr lang="en-US" smtClean="0"/>
-              <a:t>8/20/2023</a:t>
+              <a:t>8/21/2023</a:t>
             </a:fld>
             <a:endParaRPr lang="en-US"/>
           </a:p>
@@ -1618,7 +1618,7 @@
           <a:p>
             <a:fld id="{48CDFCA1-6601-C943-AA02-89F09BE97B91}" type="datetimeFigureOut">
               <a:rPr lang="en-US" smtClean="0"/>
-              <a:t>8/20/2023</a:t>
+              <a:t>8/21/2023</a:t>
             </a:fld>
             <a:endParaRPr lang="en-US"/>
           </a:p>
@@ -1736,7 +1736,7 @@
           <a:p>
             <a:fld id="{48CDFCA1-6601-C943-AA02-89F09BE97B91}" type="datetimeFigureOut">
               <a:rPr lang="en-US" smtClean="0"/>
-              <a:t>8/20/2023</a:t>
+              <a:t>8/21/2023</a:t>
             </a:fld>
             <a:endParaRPr lang="en-US"/>
           </a:p>
@@ -1831,7 +1831,7 @@
           <a:p>
             <a:fld id="{48CDFCA1-6601-C943-AA02-89F09BE97B91}" type="datetimeFigureOut">
               <a:rPr lang="en-US" smtClean="0"/>
-              <a:t>8/20/2023</a:t>
+              <a:t>8/21/2023</a:t>
             </a:fld>
             <a:endParaRPr lang="en-US"/>
           </a:p>
@@ -2108,7 +2108,7 @@
           <a:p>
             <a:fld id="{48CDFCA1-6601-C943-AA02-89F09BE97B91}" type="datetimeFigureOut">
               <a:rPr lang="en-US" smtClean="0"/>
-              <a:t>8/20/2023</a:t>
+              <a:t>8/21/2023</a:t>
             </a:fld>
             <a:endParaRPr lang="en-US"/>
           </a:p>
@@ -2365,7 +2365,7 @@
           <a:p>
             <a:fld id="{48CDFCA1-6601-C943-AA02-89F09BE97B91}" type="datetimeFigureOut">
               <a:rPr lang="en-US" smtClean="0"/>
-              <a:t>8/20/2023</a:t>
+              <a:t>8/21/2023</a:t>
             </a:fld>
             <a:endParaRPr lang="en-US"/>
           </a:p>
@@ -2578,7 +2578,7 @@
           <a:p>
             <a:fld id="{48CDFCA1-6601-C943-AA02-89F09BE97B91}" type="datetimeFigureOut">
               <a:rPr lang="en-US" smtClean="0"/>
-              <a:t>8/20/2023</a:t>
+              <a:t>8/21/2023</a:t>
             </a:fld>
             <a:endParaRPr lang="en-US"/>
           </a:p>
@@ -3008,7 +3008,7 @@
           <p:nvPr>
             <p:extLst>
               <p:ext uri="{D42A27DB-BD31-4B8C-83A1-F6EECF244321}">
-                <p14:modId xmlns:p14="http://schemas.microsoft.com/office/powerpoint/2010/main" val="2261744575"/>
+                <p14:modId xmlns:p14="http://schemas.microsoft.com/office/powerpoint/2010/main" val="1602672686"/>
               </p:ext>
             </p:extLst>
           </p:nvPr>
@@ -3281,6 +3281,42 @@
                     <a:bodyPr/>
                     <a:lstStyle/>
                     <a:p>
+                      <a:pPr marL="90170" marR="0" lvl="0" indent="0" algn="ctr" defTabSz="914400" rtl="0" eaLnBrk="1" fontAlgn="auto" latinLnBrk="0" hangingPunct="1">
+                        <a:lnSpc>
+                          <a:spcPct val="100000"/>
+                        </a:lnSpc>
+                        <a:spcBef>
+                          <a:spcPts val="0"/>
+                        </a:spcBef>
+                        <a:spcAft>
+                          <a:spcPts val="0"/>
+                        </a:spcAft>
+                        <a:buClrTx/>
+                        <a:buSzTx/>
+                        <a:buFontTx/>
+                        <a:buNone/>
+                        <a:tabLst/>
+                        <a:defRPr/>
+                      </a:pPr>
+                      <a:r>
+                        <a:rPr lang="en-US" sz="1400" dirty="0">
+                          <a:effectLst/>
+                          <a:latin typeface="Times New Roman" panose="02020603050405020304" pitchFamily="18" charset="0"/>
+                          <a:cs typeface="Times New Roman" panose="02020603050405020304" pitchFamily="18" charset="0"/>
+                        </a:rPr>
+                        <a:t>Assignment 1</a:t>
+                      </a:r>
+                      <a:endParaRPr lang="en-US" sz="1400" dirty="0">
+                        <a:solidFill>
+                          <a:srgbClr val="000000"/>
+                        </a:solidFill>
+                        <a:effectLst/>
+                        <a:latin typeface="Times New Roman" panose="02020603050405020304" pitchFamily="18" charset="0"/>
+                        <a:ea typeface="Calibri" panose="020F0502020204030204" pitchFamily="34" charset="0"/>
+                        <a:cs typeface="Times New Roman" panose="02020603050405020304" pitchFamily="18" charset="0"/>
+                      </a:endParaRPr>
+                    </a:p>
+                    <a:p>
                       <a:pPr marL="90170" marR="0" algn="ctr">
                         <a:spcBef>
                           <a:spcPts val="0"/>
@@ -3426,21 +3462,16 @@
                       </a:pPr>
                       <a:r>
                         <a:rPr lang="en-US" sz="1400" dirty="0">
-                          <a:effectLst/>
-                          <a:latin typeface="Times New Roman" panose="02020603050405020304" pitchFamily="18" charset="0"/>
-                          <a:cs typeface="Times New Roman" panose="02020603050405020304" pitchFamily="18" charset="0"/>
-                        </a:rPr>
-                        <a:t>Assignment 1</a:t>
-                      </a:r>
-                      <a:endParaRPr lang="en-US" sz="1400" dirty="0">
-                        <a:solidFill>
-                          <a:srgbClr val="000000"/>
-                        </a:solidFill>
-                        <a:effectLst/>
-                        <a:latin typeface="Times New Roman" panose="02020603050405020304" pitchFamily="18" charset="0"/>
-                        <a:ea typeface="Calibri" panose="020F0502020204030204" pitchFamily="34" charset="0"/>
-                        <a:cs typeface="Times New Roman" panose="02020603050405020304" pitchFamily="18" charset="0"/>
-                      </a:endParaRPr>
+                          <a:solidFill>
+                            <a:srgbClr val="000000"/>
+                          </a:solidFill>
+                          <a:effectLst/>
+                          <a:latin typeface="Times New Roman" panose="02020603050405020304" pitchFamily="18" charset="0"/>
+                          <a:ea typeface="Calibri" panose="020F0502020204030204" pitchFamily="34" charset="0"/>
+                          <a:cs typeface="Times New Roman" panose="02020603050405020304" pitchFamily="18" charset="0"/>
+                        </a:rPr>
+                        <a:t>Test 1</a:t>
+                      </a:r>
                     </a:p>
                   </a:txBody>
                   <a:tcPr marL="53270" marR="53270" marT="0" marB="0" anchor="ctr"/>
@@ -3552,18 +3583,10 @@
                           <a:latin typeface="Times New Roman" panose="02020603050405020304" pitchFamily="18" charset="0"/>
                           <a:cs typeface="Times New Roman" panose="02020603050405020304" pitchFamily="18" charset="0"/>
                         </a:rPr>
-                        <a:t>(NB. Labor Day </a:t>
-                      </a:r>
-                      <a:r>
-                        <a:rPr lang="en-US" sz="1400">
-                          <a:effectLst/>
-                          <a:latin typeface="Times New Roman" panose="02020603050405020304" pitchFamily="18" charset="0"/>
-                          <a:cs typeface="Times New Roman" panose="02020603050405020304" pitchFamily="18" charset="0"/>
-                        </a:rPr>
-                        <a:t>5</a:t>
-                      </a:r>
-                      <a:r>
-                        <a:rPr lang="en-US" sz="1400" baseline="30000">
+                        <a:t>(NB. Labor Day 5</a:t>
+                      </a:r>
+                      <a:r>
+                        <a:rPr lang="en-US" sz="1400" baseline="30000" dirty="0">
                           <a:effectLst/>
                           <a:latin typeface="Times New Roman" panose="02020603050405020304" pitchFamily="18" charset="0"/>
                           <a:cs typeface="Times New Roman" panose="02020603050405020304" pitchFamily="18" charset="0"/>
@@ -3571,7 +3594,7 @@
                         <a:t>th</a:t>
                       </a:r>
                       <a:r>
-                        <a:rPr lang="en-US" sz="1400">
+                        <a:rPr lang="en-US" sz="1400" dirty="0">
                           <a:effectLst/>
                           <a:latin typeface="Times New Roman" panose="02020603050405020304" pitchFamily="18" charset="0"/>
                           <a:cs typeface="Times New Roman" panose="02020603050405020304" pitchFamily="18" charset="0"/>
@@ -4284,7 +4307,7 @@
                         </a:spcAft>
                       </a:pPr>
                       <a:r>
-                        <a:rPr lang="en-US" sz="1400" b="1" dirty="0">
+                        <a:rPr lang="en-US" sz="1400" b="1">
                           <a:effectLst/>
                           <a:latin typeface="Times New Roman" panose="02020603050405020304" pitchFamily="18" charset="0"/>
                           <a:cs typeface="Times New Roman" panose="02020603050405020304" pitchFamily="18" charset="0"/>
@@ -4302,7 +4325,7 @@
                         </a:spcAft>
                       </a:pPr>
                       <a:r>
-                        <a:rPr lang="en-US" sz="1400" b="1" dirty="0">
+                        <a:rPr lang="en-US" sz="1400" b="1">
                           <a:effectLst/>
                           <a:latin typeface="Times New Roman" panose="02020603050405020304" pitchFamily="18" charset="0"/>
                           <a:cs typeface="Times New Roman" panose="02020603050405020304" pitchFamily="18" charset="0"/>
@@ -4310,7 +4333,7 @@
                         <a:t>Oct 16</a:t>
                       </a:r>
                       <a:r>
-                        <a:rPr lang="en-US" sz="1400" b="1" baseline="30000" dirty="0">
+                        <a:rPr lang="en-US" sz="1400" b="1" baseline="30000">
                           <a:effectLst/>
                           <a:latin typeface="Times New Roman" panose="02020603050405020304" pitchFamily="18" charset="0"/>
                           <a:cs typeface="Times New Roman" panose="02020603050405020304" pitchFamily="18" charset="0"/>
@@ -4318,7 +4341,7 @@
                         <a:t>th</a:t>
                       </a:r>
                       <a:r>
-                        <a:rPr lang="en-US" sz="1400" b="1" dirty="0">
+                        <a:rPr lang="en-US" sz="1400" b="1">
                           <a:effectLst/>
                           <a:latin typeface="Times New Roman" panose="02020603050405020304" pitchFamily="18" charset="0"/>
                           <a:cs typeface="Times New Roman" panose="02020603050405020304" pitchFamily="18" charset="0"/>
@@ -4440,7 +4463,7 @@
                         </a:spcAft>
                       </a:pPr>
                       <a:r>
-                        <a:rPr lang="en-US" sz="1400" b="1" dirty="0">
+                        <a:rPr lang="en-US" sz="1400" b="1">
                           <a:effectLst/>
                           <a:latin typeface="Times New Roman" panose="02020603050405020304" pitchFamily="18" charset="0"/>
                           <a:cs typeface="Times New Roman" panose="02020603050405020304" pitchFamily="18" charset="0"/>
@@ -4458,7 +4481,7 @@
                         </a:spcAft>
                       </a:pPr>
                       <a:r>
-                        <a:rPr lang="en-US" sz="1400" b="1" dirty="0">
+                        <a:rPr lang="en-US" sz="1400" b="1">
                           <a:effectLst/>
                           <a:latin typeface="Times New Roman" panose="02020603050405020304" pitchFamily="18" charset="0"/>
                           <a:cs typeface="Times New Roman" panose="02020603050405020304" pitchFamily="18" charset="0"/>
@@ -4466,7 +4489,7 @@
                         <a:t>Oct 23</a:t>
                       </a:r>
                       <a:r>
-                        <a:rPr lang="en-US" sz="1400" b="1" baseline="30000" dirty="0">
+                        <a:rPr lang="en-US" sz="1400" b="1" baseline="30000">
                           <a:effectLst/>
                           <a:latin typeface="Times New Roman" panose="02020603050405020304" pitchFamily="18" charset="0"/>
                           <a:cs typeface="Times New Roman" panose="02020603050405020304" pitchFamily="18" charset="0"/>
@@ -4588,7 +4611,7 @@
                         </a:spcAft>
                       </a:pPr>
                       <a:r>
-                        <a:rPr lang="en-US" sz="1400" b="1" dirty="0">
+                        <a:rPr lang="en-US" sz="1400" b="1">
                           <a:effectLst/>
                           <a:latin typeface="Times New Roman" panose="02020603050405020304" pitchFamily="18" charset="0"/>
                           <a:cs typeface="Times New Roman" panose="02020603050405020304" pitchFamily="18" charset="0"/>
@@ -4606,7 +4629,7 @@
                         </a:spcAft>
                       </a:pPr>
                       <a:r>
-                        <a:rPr lang="en-US" sz="1400" b="1" dirty="0">
+                        <a:rPr lang="en-US" sz="1400" b="1">
                           <a:effectLst/>
                           <a:latin typeface="Times New Roman" panose="02020603050405020304" pitchFamily="18" charset="0"/>
                           <a:cs typeface="Times New Roman" panose="02020603050405020304" pitchFamily="18" charset="0"/>
@@ -4614,7 +4637,7 @@
                         <a:t>Oct 30</a:t>
                       </a:r>
                       <a:r>
-                        <a:rPr lang="en-US" sz="1400" b="1" baseline="30000" dirty="0">
+                        <a:rPr lang="en-US" sz="1400" b="1" baseline="30000">
                           <a:effectLst/>
                           <a:latin typeface="Times New Roman" panose="02020603050405020304" pitchFamily="18" charset="0"/>
                           <a:cs typeface="Times New Roman" panose="02020603050405020304" pitchFamily="18" charset="0"/>
@@ -4622,7 +4645,7 @@
                         <a:t>th</a:t>
                       </a:r>
                       <a:r>
-                        <a:rPr lang="en-US" sz="1400" b="1" dirty="0">
+                        <a:rPr lang="en-US" sz="1400" b="1">
                           <a:effectLst/>
                           <a:latin typeface="Times New Roman" panose="02020603050405020304" pitchFamily="18" charset="0"/>
                           <a:cs typeface="Times New Roman" panose="02020603050405020304" pitchFamily="18" charset="0"/>
@@ -4740,7 +4763,7 @@
                         </a:spcAft>
                       </a:pPr>
                       <a:r>
-                        <a:rPr lang="en-US" sz="1400" b="1" dirty="0">
+                        <a:rPr lang="en-US" sz="1400" b="1">
                           <a:effectLst/>
                           <a:latin typeface="Times New Roman" panose="02020603050405020304" pitchFamily="18" charset="0"/>
                           <a:cs typeface="Times New Roman" panose="02020603050405020304" pitchFamily="18" charset="0"/>
@@ -4758,7 +4781,7 @@
                         </a:spcAft>
                       </a:pPr>
                       <a:r>
-                        <a:rPr lang="en-US" sz="1400" b="1" dirty="0">
+                        <a:rPr lang="en-US" sz="1400" b="1">
                           <a:effectLst/>
                           <a:latin typeface="Times New Roman" panose="02020603050405020304" pitchFamily="18" charset="0"/>
                           <a:cs typeface="Times New Roman" panose="02020603050405020304" pitchFamily="18" charset="0"/>
@@ -4766,7 +4789,7 @@
                         <a:t>Nov 6</a:t>
                       </a:r>
                       <a:r>
-                        <a:rPr lang="en-US" sz="1400" b="1" baseline="30000" dirty="0">
+                        <a:rPr lang="en-US" sz="1400" b="1" baseline="30000">
                           <a:effectLst/>
                           <a:latin typeface="Times New Roman" panose="02020603050405020304" pitchFamily="18" charset="0"/>
                           <a:cs typeface="Times New Roman" panose="02020603050405020304" pitchFamily="18" charset="0"/>
@@ -4891,7 +4914,7 @@
                         </a:spcAft>
                       </a:pPr>
                       <a:r>
-                        <a:rPr lang="en-US" sz="1400" b="1" dirty="0">
+                        <a:rPr lang="en-US" sz="1400" b="1">
                           <a:effectLst/>
                           <a:latin typeface="Times New Roman" panose="02020603050405020304" pitchFamily="18" charset="0"/>
                           <a:cs typeface="Times New Roman" panose="02020603050405020304" pitchFamily="18" charset="0"/>
@@ -4909,7 +4932,7 @@
                         </a:spcAft>
                       </a:pPr>
                       <a:r>
-                        <a:rPr lang="en-US" sz="1400" b="1" dirty="0">
+                        <a:rPr lang="en-US" sz="1400" b="1">
                           <a:effectLst/>
                           <a:latin typeface="Times New Roman" panose="02020603050405020304" pitchFamily="18" charset="0"/>
                           <a:cs typeface="Times New Roman" panose="02020603050405020304" pitchFamily="18" charset="0"/>
@@ -4917,7 +4940,7 @@
                         <a:t>Nov 13</a:t>
                       </a:r>
                       <a:r>
-                        <a:rPr lang="en-US" sz="1400" b="1" baseline="30000" dirty="0">
+                        <a:rPr lang="en-US" sz="1400" b="1" baseline="30000">
                           <a:effectLst/>
                           <a:latin typeface="Times New Roman" panose="02020603050405020304" pitchFamily="18" charset="0"/>
                           <a:cs typeface="Times New Roman" panose="02020603050405020304" pitchFamily="18" charset="0"/>
@@ -4925,7 +4948,7 @@
                         <a:t>th</a:t>
                       </a:r>
                       <a:r>
-                        <a:rPr lang="en-US" sz="1400" b="1" dirty="0">
+                        <a:rPr lang="en-US" sz="1400" b="1">
                           <a:effectLst/>
                           <a:latin typeface="Times New Roman" panose="02020603050405020304" pitchFamily="18" charset="0"/>
                           <a:cs typeface="Times New Roman" panose="02020603050405020304" pitchFamily="18" charset="0"/>
@@ -5050,7 +5073,7 @@
                         </a:spcAft>
                       </a:pPr>
                       <a:r>
-                        <a:rPr lang="en-US" sz="1400" b="1" dirty="0">
+                        <a:rPr lang="en-US" sz="1400" b="1">
                           <a:effectLst/>
                           <a:latin typeface="Times New Roman" panose="02020603050405020304" pitchFamily="18" charset="0"/>
                           <a:cs typeface="Times New Roman" panose="02020603050405020304" pitchFamily="18" charset="0"/>
@@ -5068,7 +5091,7 @@
                         </a:spcAft>
                       </a:pPr>
                       <a:r>
-                        <a:rPr lang="en-US" sz="1400" b="1" dirty="0">
+                        <a:rPr lang="en-US" sz="1400" b="1">
                           <a:effectLst/>
                           <a:latin typeface="Times New Roman" panose="02020603050405020304" pitchFamily="18" charset="0"/>
                           <a:cs typeface="Times New Roman" panose="02020603050405020304" pitchFamily="18" charset="0"/>
@@ -5076,7 +5099,7 @@
                         <a:t>Nov 21</a:t>
                       </a:r>
                       <a:r>
-                        <a:rPr lang="en-US" sz="1400" b="1" baseline="30000" dirty="0">
+                        <a:rPr lang="en-US" sz="1400" b="1" baseline="30000">
                           <a:effectLst/>
                           <a:latin typeface="Times New Roman" panose="02020603050405020304" pitchFamily="18" charset="0"/>
                           <a:cs typeface="Times New Roman" panose="02020603050405020304" pitchFamily="18" charset="0"/>
@@ -5084,7 +5107,7 @@
                         <a:t>st</a:t>
                       </a:r>
                       <a:r>
-                        <a:rPr lang="en-US" sz="1400" b="1" dirty="0">
+                        <a:rPr lang="en-US" sz="1400" b="1">
                           <a:effectLst/>
                           <a:latin typeface="Times New Roman" panose="02020603050405020304" pitchFamily="18" charset="0"/>
                           <a:cs typeface="Times New Roman" panose="02020603050405020304" pitchFamily="18" charset="0"/>
@@ -5193,7 +5216,7 @@
                         </a:spcAft>
                       </a:pPr>
                       <a:r>
-                        <a:rPr lang="en-US" sz="1400" b="1" dirty="0">
+                        <a:rPr lang="en-US" sz="1400" b="1">
                           <a:effectLst/>
                           <a:latin typeface="Times New Roman" panose="02020603050405020304" pitchFamily="18" charset="0"/>
                           <a:cs typeface="Times New Roman" panose="02020603050405020304" pitchFamily="18" charset="0"/>
@@ -5211,7 +5234,7 @@
                         </a:spcAft>
                       </a:pPr>
                       <a:r>
-                        <a:rPr lang="en-US" sz="1400" b="1" dirty="0">
+                        <a:rPr lang="en-US" sz="1400" b="1">
                           <a:effectLst/>
                           <a:latin typeface="Times New Roman" panose="02020603050405020304" pitchFamily="18" charset="0"/>
                           <a:cs typeface="Times New Roman" panose="02020603050405020304" pitchFamily="18" charset="0"/>
@@ -5219,7 +5242,7 @@
                         <a:t>Nov 27</a:t>
                       </a:r>
                       <a:r>
-                        <a:rPr lang="en-US" sz="1400" b="1" baseline="30000" dirty="0">
+                        <a:rPr lang="en-US" sz="1400" b="1" baseline="30000">
                           <a:effectLst/>
                           <a:latin typeface="Times New Roman" panose="02020603050405020304" pitchFamily="18" charset="0"/>
                           <a:cs typeface="Times New Roman" panose="02020603050405020304" pitchFamily="18" charset="0"/>

--- a/syllabus/format.pptx
+++ b/syllabus/format.pptx
@@ -255,7 +255,7 @@
           <a:p>
             <a:fld id="{48CDFCA1-6601-C943-AA02-89F09BE97B91}" type="datetimeFigureOut">
               <a:rPr lang="en-US" smtClean="0"/>
-              <a:t>8/21/2023</a:t>
+              <a:t>9/13/2023</a:t>
             </a:fld>
             <a:endParaRPr lang="en-US"/>
           </a:p>
@@ -425,7 +425,7 @@
           <a:p>
             <a:fld id="{48CDFCA1-6601-C943-AA02-89F09BE97B91}" type="datetimeFigureOut">
               <a:rPr lang="en-US" smtClean="0"/>
-              <a:t>8/21/2023</a:t>
+              <a:t>9/13/2023</a:t>
             </a:fld>
             <a:endParaRPr lang="en-US"/>
           </a:p>
@@ -605,7 +605,7 @@
           <a:p>
             <a:fld id="{48CDFCA1-6601-C943-AA02-89F09BE97B91}" type="datetimeFigureOut">
               <a:rPr lang="en-US" smtClean="0"/>
-              <a:t>8/21/2023</a:t>
+              <a:t>9/13/2023</a:t>
             </a:fld>
             <a:endParaRPr lang="en-US"/>
           </a:p>
@@ -775,7 +775,7 @@
           <a:p>
             <a:fld id="{48CDFCA1-6601-C943-AA02-89F09BE97B91}" type="datetimeFigureOut">
               <a:rPr lang="en-US" smtClean="0"/>
-              <a:t>8/21/2023</a:t>
+              <a:t>9/13/2023</a:t>
             </a:fld>
             <a:endParaRPr lang="en-US"/>
           </a:p>
@@ -1019,7 +1019,7 @@
           <a:p>
             <a:fld id="{48CDFCA1-6601-C943-AA02-89F09BE97B91}" type="datetimeFigureOut">
               <a:rPr lang="en-US" smtClean="0"/>
-              <a:t>8/21/2023</a:t>
+              <a:t>9/13/2023</a:t>
             </a:fld>
             <a:endParaRPr lang="en-US"/>
           </a:p>
@@ -1251,7 +1251,7 @@
           <a:p>
             <a:fld id="{48CDFCA1-6601-C943-AA02-89F09BE97B91}" type="datetimeFigureOut">
               <a:rPr lang="en-US" smtClean="0"/>
-              <a:t>8/21/2023</a:t>
+              <a:t>9/13/2023</a:t>
             </a:fld>
             <a:endParaRPr lang="en-US"/>
           </a:p>
@@ -1618,7 +1618,7 @@
           <a:p>
             <a:fld id="{48CDFCA1-6601-C943-AA02-89F09BE97B91}" type="datetimeFigureOut">
               <a:rPr lang="en-US" smtClean="0"/>
-              <a:t>8/21/2023</a:t>
+              <a:t>9/13/2023</a:t>
             </a:fld>
             <a:endParaRPr lang="en-US"/>
           </a:p>
@@ -1736,7 +1736,7 @@
           <a:p>
             <a:fld id="{48CDFCA1-6601-C943-AA02-89F09BE97B91}" type="datetimeFigureOut">
               <a:rPr lang="en-US" smtClean="0"/>
-              <a:t>8/21/2023</a:t>
+              <a:t>9/13/2023</a:t>
             </a:fld>
             <a:endParaRPr lang="en-US"/>
           </a:p>
@@ -1831,7 +1831,7 @@
           <a:p>
             <a:fld id="{48CDFCA1-6601-C943-AA02-89F09BE97B91}" type="datetimeFigureOut">
               <a:rPr lang="en-US" smtClean="0"/>
-              <a:t>8/21/2023</a:t>
+              <a:t>9/13/2023</a:t>
             </a:fld>
             <a:endParaRPr lang="en-US"/>
           </a:p>
@@ -2108,7 +2108,7 @@
           <a:p>
             <a:fld id="{48CDFCA1-6601-C943-AA02-89F09BE97B91}" type="datetimeFigureOut">
               <a:rPr lang="en-US" smtClean="0"/>
-              <a:t>8/21/2023</a:t>
+              <a:t>9/13/2023</a:t>
             </a:fld>
             <a:endParaRPr lang="en-US"/>
           </a:p>
@@ -2365,7 +2365,7 @@
           <a:p>
             <a:fld id="{48CDFCA1-6601-C943-AA02-89F09BE97B91}" type="datetimeFigureOut">
               <a:rPr lang="en-US" smtClean="0"/>
-              <a:t>8/21/2023</a:t>
+              <a:t>9/13/2023</a:t>
             </a:fld>
             <a:endParaRPr lang="en-US"/>
           </a:p>
@@ -2578,7 +2578,7 @@
           <a:p>
             <a:fld id="{48CDFCA1-6601-C943-AA02-89F09BE97B91}" type="datetimeFigureOut">
               <a:rPr lang="en-US" smtClean="0"/>
-              <a:t>8/21/2023</a:t>
+              <a:t>9/13/2023</a:t>
             </a:fld>
             <a:endParaRPr lang="en-US"/>
           </a:p>
@@ -3008,14 +3008,14 @@
           <p:nvPr>
             <p:extLst>
               <p:ext uri="{D42A27DB-BD31-4B8C-83A1-F6EECF244321}">
-                <p14:modId xmlns:p14="http://schemas.microsoft.com/office/powerpoint/2010/main" val="1602672686"/>
+                <p14:modId xmlns:p14="http://schemas.microsoft.com/office/powerpoint/2010/main" val="424226267"/>
               </p:ext>
             </p:extLst>
           </p:nvPr>
         </p:nvGraphicFramePr>
         <p:xfrm>
-          <a:off x="0" y="0"/>
-          <a:ext cx="9144002" cy="6855365"/>
+          <a:off x="0" y="1"/>
+          <a:ext cx="9144002" cy="6858002"/>
         </p:xfrm>
         <a:graphic>
           <a:graphicData uri="http://schemas.openxmlformats.org/drawingml/2006/table">
@@ -3046,7 +3046,7 @@
                   </a:extLst>
                 </a:gridCol>
               </a:tblGrid>
-              <a:tr h="208368">
+              <a:tr h="214890">
                 <a:tc>
                   <a:txBody>
                     <a:bodyPr/>
@@ -3155,7 +3155,7 @@
                   </a:ext>
                 </a:extLst>
               </a:tr>
-              <a:tr h="416736">
+              <a:tr h="444420">
                 <a:tc>
                   <a:txBody>
                     <a:bodyPr/>
@@ -3170,7 +3170,7 @@
                         </a:spcAft>
                       </a:pPr>
                       <a:r>
-                        <a:rPr lang="en-US" sz="1400" b="1" dirty="0">
+                        <a:rPr lang="en-US" sz="1300" b="1" dirty="0">
                           <a:effectLst/>
                           <a:latin typeface="Times New Roman" panose="02020603050405020304" pitchFamily="18" charset="0"/>
                           <a:cs typeface="Times New Roman" panose="02020603050405020304" pitchFamily="18" charset="0"/>
@@ -3188,7 +3188,7 @@
                         </a:spcAft>
                       </a:pPr>
                       <a:r>
-                        <a:rPr lang="en-US" sz="1400" b="1" dirty="0">
+                        <a:rPr lang="en-US" sz="1300" b="1" dirty="0">
                           <a:effectLst/>
                           <a:latin typeface="Times New Roman" panose="02020603050405020304" pitchFamily="18" charset="0"/>
                           <a:cs typeface="Times New Roman" panose="02020603050405020304" pitchFamily="18" charset="0"/>
@@ -3196,7 +3196,7 @@
                         <a:t>Aug 21</a:t>
                       </a:r>
                       <a:r>
-                        <a:rPr lang="en-US" sz="1400" b="1" baseline="30000" dirty="0">
+                        <a:rPr lang="en-US" sz="1300" b="1" baseline="30000" dirty="0">
                           <a:effectLst/>
                           <a:latin typeface="Times New Roman" panose="02020603050405020304" pitchFamily="18" charset="0"/>
                           <a:cs typeface="Times New Roman" panose="02020603050405020304" pitchFamily="18" charset="0"/>
@@ -3204,14 +3204,14 @@
                         <a:t>st</a:t>
                       </a:r>
                       <a:r>
-                        <a:rPr lang="en-US" sz="1400" b="1" dirty="0">
+                        <a:rPr lang="en-US" sz="1300" b="1" dirty="0">
                           <a:effectLst/>
                           <a:latin typeface="Times New Roman" panose="02020603050405020304" pitchFamily="18" charset="0"/>
                           <a:cs typeface="Times New Roman" panose="02020603050405020304" pitchFamily="18" charset="0"/>
                         </a:rPr>
                         <a:t>  </a:t>
                       </a:r>
-                      <a:endParaRPr lang="en-US" sz="1400" b="1" dirty="0">
+                      <a:endParaRPr lang="en-US" sz="1300" b="1" dirty="0">
                         <a:solidFill>
                           <a:srgbClr val="000000"/>
                         </a:solidFill>
@@ -3229,7 +3229,10 @@
                     <a:bodyPr/>
                     <a:lstStyle/>
                     <a:p>
-                      <a:pPr marL="90170" marR="0">
+                      <a:pPr marL="91440" marR="0" algn="ctr">
+                        <a:lnSpc>
+                          <a:spcPct val="107000"/>
+                        </a:lnSpc>
                         <a:spcBef>
                           <a:spcPts val="0"/>
                         </a:spcBef>
@@ -3238,16 +3241,23 @@
                         </a:spcAft>
                       </a:pPr>
                       <a:r>
-                        <a:rPr lang="en-US" sz="1400" dirty="0">
-                          <a:effectLst/>
-                          <a:latin typeface="Times New Roman" panose="02020603050405020304" pitchFamily="18" charset="0"/>
-                          <a:cs typeface="Times New Roman" panose="02020603050405020304" pitchFamily="18" charset="0"/>
-                        </a:rPr>
-                        <a:t>Introduction and course overview.</a:t>
+                        <a:rPr lang="en-US" sz="1300" kern="1200">
+                          <a:solidFill>
+                            <a:schemeClr val="tx1"/>
+                          </a:solidFill>
+                          <a:effectLst/>
+                          <a:latin typeface="Times New Roman" panose="02020603050405020304" pitchFamily="18" charset="0"/>
+                          <a:ea typeface="+mn-ea"/>
+                          <a:cs typeface="Times New Roman" panose="02020603050405020304" pitchFamily="18" charset="0"/>
+                        </a:rPr>
+                        <a:t>Introduction and course overview</a:t>
                       </a:r>
                     </a:p>
                     <a:p>
-                      <a:pPr marL="90170" marR="0">
+                      <a:pPr marL="91440" marR="0" algn="ctr">
+                        <a:lnSpc>
+                          <a:spcPct val="107000"/>
+                        </a:lnSpc>
                         <a:spcBef>
                           <a:spcPts val="0"/>
                         </a:spcBef>
@@ -3256,34 +3266,29 @@
                         </a:spcAft>
                       </a:pPr>
                       <a:r>
-                        <a:rPr lang="en-US" sz="1400" dirty="0">
-                          <a:effectLst/>
-                          <a:latin typeface="Times New Roman" panose="02020603050405020304" pitchFamily="18" charset="0"/>
-                          <a:cs typeface="Times New Roman" panose="02020603050405020304" pitchFamily="18" charset="0"/>
-                        </a:rPr>
-                        <a:t>Getting started with Anaconda.</a:t>
-                      </a:r>
-                      <a:endParaRPr lang="en-US" sz="1400" dirty="0">
-                        <a:solidFill>
-                          <a:srgbClr val="000000"/>
-                        </a:solidFill>
-                        <a:effectLst/>
-                        <a:latin typeface="Times New Roman" panose="02020603050405020304" pitchFamily="18" charset="0"/>
-                        <a:ea typeface="Calibri" panose="020F0502020204030204" pitchFamily="34" charset="0"/>
-                        <a:cs typeface="Times New Roman" panose="02020603050405020304" pitchFamily="18" charset="0"/>
-                      </a:endParaRPr>
+                        <a:rPr lang="en-US" sz="1300" kern="1200">
+                          <a:solidFill>
+                            <a:schemeClr val="tx1"/>
+                          </a:solidFill>
+                          <a:effectLst/>
+                          <a:latin typeface="Times New Roman" panose="02020603050405020304" pitchFamily="18" charset="0"/>
+                          <a:ea typeface="+mn-ea"/>
+                          <a:cs typeface="Times New Roman" panose="02020603050405020304" pitchFamily="18" charset="0"/>
+                        </a:rPr>
+                        <a:t>Installing Anaconda + Jupyter notebooks</a:t>
+                      </a:r>
                     </a:p>
                   </a:txBody>
-                  <a:tcPr marL="53270" marR="53270" marT="0" marB="0" anchor="ctr"/>
+                  <a:tcPr marL="53340" marR="53340" marT="9525" marB="0" anchor="ctr"/>
                 </a:tc>
                 <a:tc>
                   <a:txBody>
                     <a:bodyPr/>
                     <a:lstStyle/>
                     <a:p>
-                      <a:pPr marL="90170" marR="0" lvl="0" indent="0" algn="ctr" defTabSz="914400" rtl="0" eaLnBrk="1" fontAlgn="auto" latinLnBrk="0" hangingPunct="1">
+                      <a:pPr marL="91440" marR="0" algn="ctr" defTabSz="914400" rtl="0" eaLnBrk="1" latinLnBrk="0" hangingPunct="1">
                         <a:lnSpc>
-                          <a:spcPct val="100000"/>
+                          <a:spcPct val="107000"/>
                         </a:lnSpc>
                         <a:spcBef>
                           <a:spcPts val="0"/>
@@ -3291,52 +3296,22 @@
                         <a:spcAft>
                           <a:spcPts val="0"/>
                         </a:spcAft>
-                        <a:buClrTx/>
-                        <a:buSzTx/>
-                        <a:buFontTx/>
-                        <a:buNone/>
-                        <a:tabLst/>
-                        <a:defRPr/>
                       </a:pPr>
                       <a:r>
-                        <a:rPr lang="en-US" sz="1400" dirty="0">
-                          <a:effectLst/>
-                          <a:latin typeface="Times New Roman" panose="02020603050405020304" pitchFamily="18" charset="0"/>
-                          <a:cs typeface="Times New Roman" panose="02020603050405020304" pitchFamily="18" charset="0"/>
-                        </a:rPr>
-                        <a:t>Assignment 1</a:t>
-                      </a:r>
-                      <a:endParaRPr lang="en-US" sz="1400" dirty="0">
-                        <a:solidFill>
-                          <a:srgbClr val="000000"/>
-                        </a:solidFill>
-                        <a:effectLst/>
-                        <a:latin typeface="Times New Roman" panose="02020603050405020304" pitchFamily="18" charset="0"/>
-                        <a:ea typeface="Calibri" panose="020F0502020204030204" pitchFamily="34" charset="0"/>
-                        <a:cs typeface="Times New Roman" panose="02020603050405020304" pitchFamily="18" charset="0"/>
-                      </a:endParaRPr>
-                    </a:p>
-                    <a:p>
-                      <a:pPr marL="90170" marR="0" algn="ctr">
-                        <a:spcBef>
-                          <a:spcPts val="0"/>
-                        </a:spcBef>
-                        <a:spcAft>
-                          <a:spcPts val="0"/>
-                        </a:spcAft>
-                      </a:pPr>
-                      <a:endParaRPr lang="en-US" sz="1400" dirty="0">
-                        <a:solidFill>
-                          <a:srgbClr val="000000"/>
-                        </a:solidFill>
-                        <a:effectLst/>
-                        <a:latin typeface="Times New Roman" panose="02020603050405020304" pitchFamily="18" charset="0"/>
-                        <a:ea typeface="Calibri" panose="020F0502020204030204" pitchFamily="34" charset="0"/>
-                        <a:cs typeface="Times New Roman" panose="02020603050405020304" pitchFamily="18" charset="0"/>
-                      </a:endParaRPr>
+                        <a:rPr lang="en-US" sz="1300" kern="1200">
+                          <a:solidFill>
+                            <a:schemeClr val="tx1"/>
+                          </a:solidFill>
+                          <a:effectLst/>
+                          <a:latin typeface="Times New Roman" panose="02020603050405020304" pitchFamily="18" charset="0"/>
+                          <a:ea typeface="+mn-ea"/>
+                          <a:cs typeface="Times New Roman" panose="02020603050405020304" pitchFamily="18" charset="0"/>
+                        </a:rPr>
+                        <a:t>Presentation 1</a:t>
+                      </a:r>
                     </a:p>
                   </a:txBody>
-                  <a:tcPr marL="53270" marR="53270" marT="0" marB="0" anchor="ctr"/>
+                  <a:tcPr marL="53340" marR="53340" marT="9525" marB="0" anchor="ctr"/>
                 </a:tc>
                 <a:extLst>
                   <a:ext uri="{0D108BD9-81ED-4DB2-BD59-A6C34878D82A}">
@@ -3344,7 +3319,7 @@
                   </a:ext>
                 </a:extLst>
               </a:tr>
-              <a:tr h="416736">
+              <a:tr h="444420">
                 <a:tc>
                   <a:txBody>
                     <a:bodyPr/>
@@ -3359,7 +3334,7 @@
                         </a:spcAft>
                       </a:pPr>
                       <a:r>
-                        <a:rPr lang="en-US" sz="1400" b="1" dirty="0">
+                        <a:rPr lang="en-US" sz="1300" b="1" dirty="0">
                           <a:effectLst/>
                           <a:latin typeface="Times New Roman" panose="02020603050405020304" pitchFamily="18" charset="0"/>
                           <a:cs typeface="Times New Roman" panose="02020603050405020304" pitchFamily="18" charset="0"/>
@@ -3377,7 +3352,7 @@
                         </a:spcAft>
                       </a:pPr>
                       <a:r>
-                        <a:rPr lang="en-US" sz="1400" b="1" dirty="0">
+                        <a:rPr lang="en-US" sz="1300" b="1" dirty="0">
                           <a:effectLst/>
                           <a:latin typeface="Times New Roman" panose="02020603050405020304" pitchFamily="18" charset="0"/>
                           <a:cs typeface="Times New Roman" panose="02020603050405020304" pitchFamily="18" charset="0"/>
@@ -3385,7 +3360,7 @@
                         <a:t>Aug 28</a:t>
                       </a:r>
                       <a:r>
-                        <a:rPr lang="en-US" sz="1400" b="1" baseline="30000" dirty="0">
+                        <a:rPr lang="en-US" sz="1300" b="1" baseline="30000" dirty="0">
                           <a:effectLst/>
                           <a:latin typeface="Times New Roman" panose="02020603050405020304" pitchFamily="18" charset="0"/>
                           <a:cs typeface="Times New Roman" panose="02020603050405020304" pitchFamily="18" charset="0"/>
@@ -3393,14 +3368,14 @@
                         <a:t>th</a:t>
                       </a:r>
                       <a:r>
-                        <a:rPr lang="en-US" sz="1400" b="1" dirty="0">
+                        <a:rPr lang="en-US" sz="1300" b="1" dirty="0">
                           <a:effectLst/>
                           <a:latin typeface="Times New Roman" panose="02020603050405020304" pitchFamily="18" charset="0"/>
                           <a:cs typeface="Times New Roman" panose="02020603050405020304" pitchFamily="18" charset="0"/>
                         </a:rPr>
                         <a:t> </a:t>
                       </a:r>
-                      <a:endParaRPr lang="en-US" sz="1400" b="1" dirty="0">
+                      <a:endParaRPr lang="en-US" sz="1300" b="1" dirty="0">
                         <a:solidFill>
                           <a:srgbClr val="000000"/>
                         </a:solidFill>
@@ -3418,7 +3393,10 @@
                     <a:bodyPr/>
                     <a:lstStyle/>
                     <a:p>
-                      <a:pPr marL="90170" marR="0">
+                      <a:pPr marL="91440" marR="0" algn="ctr">
+                        <a:lnSpc>
+                          <a:spcPct val="107000"/>
+                        </a:lnSpc>
                         <a:spcBef>
                           <a:spcPts val="0"/>
                         </a:spcBef>
@@ -3427,26 +3405,60 @@
                         </a:spcAft>
                       </a:pPr>
                       <a:r>
-                        <a:rPr lang="en-US" sz="1400" dirty="0">
-                          <a:effectLst/>
-                          <a:latin typeface="Times New Roman" panose="02020603050405020304" pitchFamily="18" charset="0"/>
-                          <a:cs typeface="Times New Roman" panose="02020603050405020304" pitchFamily="18" charset="0"/>
-                        </a:rPr>
-                        <a:t>Python for beginners (packages, data structures, file paths, operators, functions, loops etc.).</a:t>
-                      </a:r>
-                      <a:endParaRPr lang="en-US" sz="1400" dirty="0">
-                        <a:solidFill>
-                          <a:srgbClr val="000000"/>
-                        </a:solidFill>
-                        <a:effectLst/>
-                        <a:latin typeface="Times New Roman" panose="02020603050405020304" pitchFamily="18" charset="0"/>
-                        <a:ea typeface="Calibri" panose="020F0502020204030204" pitchFamily="34" charset="0"/>
-                        <a:cs typeface="Times New Roman" panose="02020603050405020304" pitchFamily="18" charset="0"/>
-                      </a:endParaRPr>
+                        <a:rPr lang="en-US" sz="1300" kern="1200">
+                          <a:solidFill>
+                            <a:schemeClr val="tx1"/>
+                          </a:solidFill>
+                          <a:effectLst/>
+                          <a:latin typeface="Times New Roman" panose="02020603050405020304" pitchFamily="18" charset="0"/>
+                          <a:ea typeface="+mn-ea"/>
+                          <a:cs typeface="Times New Roman" panose="02020603050405020304" pitchFamily="18" charset="0"/>
+                        </a:rPr>
+                        <a:t>What is an image? Python for beginners (packages, basic data structures, file paths, operators etc.).</a:t>
+                      </a:r>
                     </a:p>
                   </a:txBody>
-                  <a:tcPr marL="53270" marR="53270" marT="0" marB="0" anchor="ctr"/>
+                  <a:tcPr marL="53340" marR="53340" marT="9525" marB="0" anchor="ctr"/>
                 </a:tc>
+                <a:tc>
+                  <a:txBody>
+                    <a:bodyPr/>
+                    <a:lstStyle/>
+                    <a:p>
+                      <a:pPr marL="91440" marR="0" algn="ctr" defTabSz="914400" rtl="0" eaLnBrk="1" latinLnBrk="0" hangingPunct="1">
+                        <a:lnSpc>
+                          <a:spcPct val="107000"/>
+                        </a:lnSpc>
+                        <a:spcBef>
+                          <a:spcPts val="0"/>
+                        </a:spcBef>
+                        <a:spcAft>
+                          <a:spcPts val="0"/>
+                        </a:spcAft>
+                      </a:pPr>
+                      <a:r>
+                        <a:rPr lang="en-US" sz="1300" kern="1200">
+                          <a:solidFill>
+                            <a:schemeClr val="tx1"/>
+                          </a:solidFill>
+                          <a:effectLst/>
+                          <a:latin typeface="Times New Roman" panose="02020603050405020304" pitchFamily="18" charset="0"/>
+                          <a:ea typeface="+mn-ea"/>
+                          <a:cs typeface="Times New Roman" panose="02020603050405020304" pitchFamily="18" charset="0"/>
+                        </a:rPr>
+                        <a:t>Test 1</a:t>
+                      </a:r>
+                    </a:p>
+                  </a:txBody>
+                  <a:tcPr marL="53340" marR="53340" marT="9525" marB="0" anchor="ctr"/>
+                </a:tc>
+                <a:extLst>
+                  <a:ext uri="{0D108BD9-81ED-4DB2-BD59-A6C34878D82A}">
+                    <a16:rowId xmlns:a16="http://schemas.microsoft.com/office/drawing/2014/main" val="3329571202"/>
+                  </a:ext>
+                </a:extLst>
+              </a:tr>
+              <a:tr h="444420">
                 <a:tc>
                   <a:txBody>
                     <a:bodyPr/>
@@ -3461,43 +3473,7 @@
                         </a:spcAft>
                       </a:pPr>
                       <a:r>
-                        <a:rPr lang="en-US" sz="1400" dirty="0">
-                          <a:solidFill>
-                            <a:srgbClr val="000000"/>
-                          </a:solidFill>
-                          <a:effectLst/>
-                          <a:latin typeface="Times New Roman" panose="02020603050405020304" pitchFamily="18" charset="0"/>
-                          <a:ea typeface="Calibri" panose="020F0502020204030204" pitchFamily="34" charset="0"/>
-                          <a:cs typeface="Times New Roman" panose="02020603050405020304" pitchFamily="18" charset="0"/>
-                        </a:rPr>
-                        <a:t>Test 1</a:t>
-                      </a:r>
-                    </a:p>
-                  </a:txBody>
-                  <a:tcPr marL="53270" marR="53270" marT="0" marB="0" anchor="ctr"/>
-                </a:tc>
-                <a:extLst>
-                  <a:ext uri="{0D108BD9-81ED-4DB2-BD59-A6C34878D82A}">
-                    <a16:rowId xmlns:a16="http://schemas.microsoft.com/office/drawing/2014/main" val="3329571202"/>
-                  </a:ext>
-                </a:extLst>
-              </a:tr>
-              <a:tr h="416736">
-                <a:tc>
-                  <a:txBody>
-                    <a:bodyPr/>
-                    <a:lstStyle/>
-                    <a:p>
-                      <a:pPr marL="90170" marR="0" algn="ctr">
-                        <a:spcBef>
-                          <a:spcPts val="0"/>
-                        </a:spcBef>
-                        <a:spcAft>
-                          <a:spcPts val="0"/>
-                        </a:spcAft>
-                      </a:pPr>
-                      <a:r>
-                        <a:rPr lang="en-US" sz="1400" b="1" dirty="0">
+                        <a:rPr lang="en-US" sz="1300" b="1" dirty="0">
                           <a:effectLst/>
                           <a:latin typeface="Times New Roman" panose="02020603050405020304" pitchFamily="18" charset="0"/>
                           <a:cs typeface="Times New Roman" panose="02020603050405020304" pitchFamily="18" charset="0"/>
@@ -3515,7 +3491,7 @@
                         </a:spcAft>
                       </a:pPr>
                       <a:r>
-                        <a:rPr lang="en-US" sz="1400" b="1" dirty="0">
+                        <a:rPr lang="en-US" sz="1300" b="1" dirty="0">
                           <a:effectLst/>
                           <a:latin typeface="Times New Roman" panose="02020603050405020304" pitchFamily="18" charset="0"/>
                           <a:cs typeface="Times New Roman" panose="02020603050405020304" pitchFamily="18" charset="0"/>
@@ -3523,14 +3499,14 @@
                         <a:t>Sept 4</a:t>
                       </a:r>
                       <a:r>
-                        <a:rPr lang="en-US" sz="1400" b="1" baseline="30000" dirty="0">
+                        <a:rPr lang="en-US" sz="1300" b="1" baseline="30000" dirty="0">
                           <a:effectLst/>
                           <a:latin typeface="Times New Roman" panose="02020603050405020304" pitchFamily="18" charset="0"/>
                           <a:cs typeface="Times New Roman" panose="02020603050405020304" pitchFamily="18" charset="0"/>
                         </a:rPr>
                         <a:t>th</a:t>
                       </a:r>
-                      <a:endParaRPr lang="en-US" sz="1400" b="1" dirty="0">
+                      <a:endParaRPr lang="en-US" sz="1300" b="1" dirty="0">
                         <a:solidFill>
                           <a:srgbClr val="000000"/>
                         </a:solidFill>
@@ -3548,9 +3524,9 @@
                     <a:bodyPr/>
                     <a:lstStyle/>
                     <a:p>
-                      <a:pPr marL="90170" marR="0" lvl="0" indent="0" algn="l" defTabSz="914400" rtl="0" eaLnBrk="1" fontAlgn="auto" latinLnBrk="0" hangingPunct="1">
+                      <a:pPr marL="91440" marR="0" algn="ctr">
                         <a:lnSpc>
-                          <a:spcPct val="100000"/>
+                          <a:spcPct val="107000"/>
                         </a:lnSpc>
                         <a:spcBef>
                           <a:spcPts val="0"/>
@@ -3558,62 +3534,87 @@
                         <a:spcAft>
                           <a:spcPts val="0"/>
                         </a:spcAft>
-                        <a:buClrTx/>
-                        <a:buSzTx/>
-                        <a:buFontTx/>
-                        <a:buNone/>
-                        <a:tabLst/>
-                        <a:defRPr/>
                       </a:pPr>
                       <a:r>
-                        <a:rPr lang="en-US" sz="1400" dirty="0">
+                        <a:rPr lang="en-US" sz="1300" kern="1200">
                           <a:solidFill>
-                            <a:srgbClr val="000000"/>
+                            <a:schemeClr val="tx1"/>
                           </a:solidFill>
                           <a:effectLst/>
                           <a:latin typeface="Times New Roman" panose="02020603050405020304" pitchFamily="18" charset="0"/>
-                          <a:ea typeface="Calibri" panose="020F0502020204030204" pitchFamily="34" charset="0"/>
-                          <a:cs typeface="Times New Roman" panose="02020603050405020304" pitchFamily="18" charset="0"/>
-                        </a:rPr>
-                        <a:t>What is an image? Metadata. Reading and writing multiband images. Compression. </a:t>
-                      </a:r>
-                      <a:r>
-                        <a:rPr lang="en-US" sz="1400" dirty="0">
-                          <a:effectLst/>
-                          <a:latin typeface="Times New Roman" panose="02020603050405020304" pitchFamily="18" charset="0"/>
-                          <a:cs typeface="Times New Roman" panose="02020603050405020304" pitchFamily="18" charset="0"/>
-                        </a:rPr>
-                        <a:t>(NB. Labor Day 5</a:t>
-                      </a:r>
-                      <a:r>
-                        <a:rPr lang="en-US" sz="1400" baseline="30000" dirty="0">
-                          <a:effectLst/>
-                          <a:latin typeface="Times New Roman" panose="02020603050405020304" pitchFamily="18" charset="0"/>
-                          <a:cs typeface="Times New Roman" panose="02020603050405020304" pitchFamily="18" charset="0"/>
-                        </a:rPr>
-                        <a:t>th</a:t>
-                      </a:r>
-                      <a:r>
-                        <a:rPr lang="en-US" sz="1400" dirty="0">
-                          <a:effectLst/>
-                          <a:latin typeface="Times New Roman" panose="02020603050405020304" pitchFamily="18" charset="0"/>
-                          <a:cs typeface="Times New Roman" panose="02020603050405020304" pitchFamily="18" charset="0"/>
-                        </a:rPr>
-                        <a:t> Sept)</a:t>
-                      </a:r>
-                      <a:endParaRPr lang="en-US" sz="1400" dirty="0">
-                        <a:solidFill>
-                          <a:srgbClr val="000000"/>
-                        </a:solidFill>
-                        <a:effectLst/>
-                        <a:latin typeface="Times New Roman" panose="02020603050405020304" pitchFamily="18" charset="0"/>
-                        <a:ea typeface="Calibri" panose="020F0502020204030204" pitchFamily="34" charset="0"/>
-                        <a:cs typeface="Times New Roman" panose="02020603050405020304" pitchFamily="18" charset="0"/>
-                      </a:endParaRPr>
+                          <a:ea typeface="+mn-ea"/>
+                          <a:cs typeface="Times New Roman" panose="02020603050405020304" pitchFamily="18" charset="0"/>
+                        </a:rPr>
+                        <a:t>Intermediate Python </a:t>
+                      </a:r>
+                    </a:p>
+                    <a:p>
+                      <a:pPr marL="91440" marR="0" algn="ctr">
+                        <a:lnSpc>
+                          <a:spcPct val="107000"/>
+                        </a:lnSpc>
+                        <a:spcBef>
+                          <a:spcPts val="0"/>
+                        </a:spcBef>
+                        <a:spcAft>
+                          <a:spcPts val="0"/>
+                        </a:spcAft>
+                      </a:pPr>
+                      <a:r>
+                        <a:rPr lang="en-US" sz="1300" kern="1200">
+                          <a:solidFill>
+                            <a:schemeClr val="tx1"/>
+                          </a:solidFill>
+                          <a:effectLst/>
+                          <a:latin typeface="Times New Roman" panose="02020603050405020304" pitchFamily="18" charset="0"/>
+                          <a:ea typeface="+mn-ea"/>
+                          <a:cs typeface="Times New Roman" panose="02020603050405020304" pitchFamily="18" charset="0"/>
+                        </a:rPr>
+                        <a:t>(multi-dimensional data structures, functions, loops etc.).</a:t>
+                      </a:r>
                     </a:p>
                   </a:txBody>
-                  <a:tcPr marL="53270" marR="53270" marT="0" marB="0" anchor="ctr"/>
+                  <a:tcPr marL="53340" marR="53340" marT="9525" marB="0" anchor="ctr"/>
                 </a:tc>
+                <a:tc>
+                  <a:txBody>
+                    <a:bodyPr/>
+                    <a:lstStyle/>
+                    <a:p>
+                      <a:pPr marL="91440" marR="0" algn="ctr" defTabSz="914400" rtl="0" eaLnBrk="1" latinLnBrk="0" hangingPunct="1">
+                        <a:lnSpc>
+                          <a:spcPct val="107000"/>
+                        </a:lnSpc>
+                        <a:spcBef>
+                          <a:spcPts val="0"/>
+                        </a:spcBef>
+                        <a:spcAft>
+                          <a:spcPts val="0"/>
+                        </a:spcAft>
+                      </a:pPr>
+                      <a:r>
+                        <a:rPr lang="en-US" sz="1300" kern="1200">
+                          <a:solidFill>
+                            <a:schemeClr val="tx1"/>
+                          </a:solidFill>
+                          <a:effectLst/>
+                          <a:latin typeface="Times New Roman" panose="02020603050405020304" pitchFamily="18" charset="0"/>
+                          <a:ea typeface="+mn-ea"/>
+                          <a:cs typeface="Times New Roman" panose="02020603050405020304" pitchFamily="18" charset="0"/>
+                        </a:rPr>
+                        <a:t>Test 2</a:t>
+                      </a:r>
+                    </a:p>
+                  </a:txBody>
+                  <a:tcPr marL="53340" marR="53340" marT="9525" marB="0" anchor="ctr"/>
+                </a:tc>
+                <a:extLst>
+                  <a:ext uri="{0D108BD9-81ED-4DB2-BD59-A6C34878D82A}">
+                    <a16:rowId xmlns:a16="http://schemas.microsoft.com/office/drawing/2014/main" val="3287750248"/>
+                  </a:ext>
+                </a:extLst>
+              </a:tr>
+              <a:tr h="448145">
                 <a:tc>
                   <a:txBody>
                     <a:bodyPr/>
@@ -3628,48 +3629,7 @@
                         </a:spcAft>
                       </a:pPr>
                       <a:r>
-                        <a:rPr lang="en-US" sz="1400" dirty="0">
-                          <a:effectLst/>
-                          <a:latin typeface="Times New Roman" panose="02020603050405020304" pitchFamily="18" charset="0"/>
-                          <a:cs typeface="Times New Roman" panose="02020603050405020304" pitchFamily="18" charset="0"/>
-                        </a:rPr>
-                        <a:t>Assignment 2</a:t>
-                      </a:r>
-                      <a:endParaRPr lang="en-US" sz="1400" dirty="0">
-                        <a:solidFill>
-                          <a:srgbClr val="000000"/>
-                        </a:solidFill>
-                        <a:effectLst/>
-                        <a:latin typeface="Times New Roman" panose="02020603050405020304" pitchFamily="18" charset="0"/>
-                        <a:ea typeface="Calibri" panose="020F0502020204030204" pitchFamily="34" charset="0"/>
-                        <a:cs typeface="Times New Roman" panose="02020603050405020304" pitchFamily="18" charset="0"/>
-                      </a:endParaRPr>
-                    </a:p>
-                  </a:txBody>
-                  <a:tcPr marL="53270" marR="53270" marT="0" marB="0" anchor="ctr"/>
-                </a:tc>
-                <a:extLst>
-                  <a:ext uri="{0D108BD9-81ED-4DB2-BD59-A6C34878D82A}">
-                    <a16:rowId xmlns:a16="http://schemas.microsoft.com/office/drawing/2014/main" val="3287750248"/>
-                  </a:ext>
-                </a:extLst>
-              </a:tr>
-              <a:tr h="454565">
-                <a:tc>
-                  <a:txBody>
-                    <a:bodyPr/>
-                    <a:lstStyle/>
-                    <a:p>
-                      <a:pPr marL="90170" marR="0" algn="ctr">
-                        <a:spcBef>
-                          <a:spcPts val="0"/>
-                        </a:spcBef>
-                        <a:spcAft>
-                          <a:spcPts val="0"/>
-                        </a:spcAft>
-                      </a:pPr>
-                      <a:r>
-                        <a:rPr lang="en-US" sz="1400" b="1" dirty="0">
+                        <a:rPr lang="en-US" sz="1300" b="1" dirty="0">
                           <a:effectLst/>
                           <a:latin typeface="Times New Roman" panose="02020603050405020304" pitchFamily="18" charset="0"/>
                           <a:cs typeface="Times New Roman" panose="02020603050405020304" pitchFamily="18" charset="0"/>
@@ -3687,7 +3647,7 @@
                         </a:spcAft>
                       </a:pPr>
                       <a:r>
-                        <a:rPr lang="en-US" sz="1400" b="1" dirty="0">
+                        <a:rPr lang="en-US" sz="1300" b="1" dirty="0">
                           <a:solidFill>
                             <a:srgbClr val="000000"/>
                           </a:solidFill>
@@ -3699,7 +3659,7 @@
                         <a:t>Sept 11</a:t>
                       </a:r>
                       <a:r>
-                        <a:rPr lang="en-US" sz="1400" b="1" baseline="30000" dirty="0">
+                        <a:rPr lang="en-US" sz="1300" b="1" baseline="30000" dirty="0">
                           <a:solidFill>
                             <a:srgbClr val="000000"/>
                           </a:solidFill>
@@ -3711,7 +3671,7 @@
                         <a:t>th</a:t>
                       </a:r>
                       <a:r>
-                        <a:rPr lang="en-US" sz="1400" b="1" dirty="0">
+                        <a:rPr lang="en-US" sz="1300" b="1" dirty="0">
                           <a:solidFill>
                             <a:srgbClr val="000000"/>
                           </a:solidFill>
@@ -3731,7 +3691,10 @@
                     <a:bodyPr/>
                     <a:lstStyle/>
                     <a:p>
-                      <a:pPr marL="90170" marR="0">
+                      <a:pPr marL="91440" marR="0" algn="ctr">
+                        <a:lnSpc>
+                          <a:spcPct val="107000"/>
+                        </a:lnSpc>
                         <a:spcBef>
                           <a:spcPts val="0"/>
                         </a:spcBef>
@@ -3740,21 +3703,60 @@
                         </a:spcAft>
                       </a:pPr>
                       <a:r>
-                        <a:rPr lang="en-US" sz="1400" dirty="0">
+                        <a:rPr lang="en-US" sz="1300" kern="1200" dirty="0">
                           <a:solidFill>
-                            <a:srgbClr val="000000"/>
+                            <a:schemeClr val="tx1"/>
                           </a:solidFill>
                           <a:effectLst/>
                           <a:latin typeface="Times New Roman" panose="02020603050405020304" pitchFamily="18" charset="0"/>
-                          <a:ea typeface="Calibri" panose="020F0502020204030204" pitchFamily="34" charset="0"/>
-                          <a:cs typeface="Times New Roman" panose="02020603050405020304" pitchFamily="18" charset="0"/>
-                        </a:rPr>
-                        <a:t>Coordinate Reference Systems. Image reprojection.</a:t>
+                          <a:ea typeface="+mn-ea"/>
+                          <a:cs typeface="Times New Roman" panose="02020603050405020304" pitchFamily="18" charset="0"/>
+                        </a:rPr>
+                        <a:t>Earth Observation (EO) missions and sources of satellite imagery.</a:t>
                       </a:r>
                     </a:p>
                   </a:txBody>
-                  <a:tcPr marL="53270" marR="53270" marT="0" marB="0" anchor="ctr"/>
+                  <a:tcPr marL="53340" marR="53340" marT="9525" marB="0" anchor="ctr"/>
                 </a:tc>
+                <a:tc>
+                  <a:txBody>
+                    <a:bodyPr/>
+                    <a:lstStyle/>
+                    <a:p>
+                      <a:pPr marL="91440" marR="0" algn="ctr" defTabSz="914400" rtl="0" eaLnBrk="1" latinLnBrk="0" hangingPunct="1">
+                        <a:lnSpc>
+                          <a:spcPct val="107000"/>
+                        </a:lnSpc>
+                        <a:spcBef>
+                          <a:spcPts val="0"/>
+                        </a:spcBef>
+                        <a:spcAft>
+                          <a:spcPts val="0"/>
+                        </a:spcAft>
+                      </a:pPr>
+                      <a:r>
+                        <a:rPr lang="en-US" sz="1300" kern="1200">
+                          <a:solidFill>
+                            <a:schemeClr val="tx1"/>
+                          </a:solidFill>
+                          <a:effectLst/>
+                          <a:latin typeface="Times New Roman" panose="02020603050405020304" pitchFamily="18" charset="0"/>
+                          <a:ea typeface="+mn-ea"/>
+                          <a:cs typeface="Times New Roman" panose="02020603050405020304" pitchFamily="18" charset="0"/>
+                        </a:rPr>
+                        <a:t>Assignment 1</a:t>
+                      </a:r>
+                    </a:p>
+                  </a:txBody>
+                  <a:tcPr marL="53340" marR="53340" marT="9525" marB="0" anchor="ctr"/>
+                </a:tc>
+                <a:extLst>
+                  <a:ext uri="{0D108BD9-81ED-4DB2-BD59-A6C34878D82A}">
+                    <a16:rowId xmlns:a16="http://schemas.microsoft.com/office/drawing/2014/main" val="2824917692"/>
+                  </a:ext>
+                </a:extLst>
+              </a:tr>
+              <a:tr h="420694">
                 <a:tc>
                   <a:txBody>
                     <a:bodyPr/>
@@ -3769,48 +3771,7 @@
                         </a:spcAft>
                       </a:pPr>
                       <a:r>
-                        <a:rPr lang="en-US" sz="1400" dirty="0">
-                          <a:effectLst/>
-                          <a:latin typeface="Times New Roman" panose="02020603050405020304" pitchFamily="18" charset="0"/>
-                          <a:cs typeface="Times New Roman" panose="02020603050405020304" pitchFamily="18" charset="0"/>
-                        </a:rPr>
-                        <a:t>Assignment 3</a:t>
-                      </a:r>
-                      <a:endParaRPr lang="en-US" sz="1400" dirty="0">
-                        <a:solidFill>
-                          <a:srgbClr val="000000"/>
-                        </a:solidFill>
-                        <a:effectLst/>
-                        <a:latin typeface="Times New Roman" panose="02020603050405020304" pitchFamily="18" charset="0"/>
-                        <a:ea typeface="Calibri" panose="020F0502020204030204" pitchFamily="34" charset="0"/>
-                        <a:cs typeface="Times New Roman" panose="02020603050405020304" pitchFamily="18" charset="0"/>
-                      </a:endParaRPr>
-                    </a:p>
-                  </a:txBody>
-                  <a:tcPr marL="53270" marR="53270" marT="0" marB="0" anchor="ctr"/>
-                </a:tc>
-                <a:extLst>
-                  <a:ext uri="{0D108BD9-81ED-4DB2-BD59-A6C34878D82A}">
-                    <a16:rowId xmlns:a16="http://schemas.microsoft.com/office/drawing/2014/main" val="2824917692"/>
-                  </a:ext>
-                </a:extLst>
-              </a:tr>
-              <a:tr h="416736">
-                <a:tc>
-                  <a:txBody>
-                    <a:bodyPr/>
-                    <a:lstStyle/>
-                    <a:p>
-                      <a:pPr marL="90170" marR="0" algn="ctr">
-                        <a:spcBef>
-                          <a:spcPts val="0"/>
-                        </a:spcBef>
-                        <a:spcAft>
-                          <a:spcPts val="0"/>
-                        </a:spcAft>
-                      </a:pPr>
-                      <a:r>
-                        <a:rPr lang="en-US" sz="1400" b="1" dirty="0">
+                        <a:rPr lang="en-US" sz="1300" b="1" dirty="0">
                           <a:effectLst/>
                           <a:latin typeface="Times New Roman" panose="02020603050405020304" pitchFamily="18" charset="0"/>
                           <a:cs typeface="Times New Roman" panose="02020603050405020304" pitchFamily="18" charset="0"/>
@@ -3828,7 +3789,7 @@
                         </a:spcAft>
                       </a:pPr>
                       <a:r>
-                        <a:rPr lang="en-US" sz="1400" b="1" dirty="0">
+                        <a:rPr lang="en-US" sz="1300" b="1" dirty="0">
                           <a:effectLst/>
                           <a:latin typeface="Times New Roman" panose="02020603050405020304" pitchFamily="18" charset="0"/>
                           <a:cs typeface="Times New Roman" panose="02020603050405020304" pitchFamily="18" charset="0"/>
@@ -3836,7 +3797,7 @@
                         <a:t>Sep 18</a:t>
                       </a:r>
                       <a:r>
-                        <a:rPr lang="en-US" sz="1400" b="1" baseline="30000" dirty="0">
+                        <a:rPr lang="en-US" sz="1300" b="1" baseline="30000" dirty="0">
                           <a:effectLst/>
                           <a:latin typeface="Times New Roman" panose="02020603050405020304" pitchFamily="18" charset="0"/>
                           <a:cs typeface="Times New Roman" panose="02020603050405020304" pitchFamily="18" charset="0"/>
@@ -3844,14 +3805,14 @@
                         <a:t>th</a:t>
                       </a:r>
                       <a:r>
-                        <a:rPr lang="en-US" sz="1400" b="1" dirty="0">
+                        <a:rPr lang="en-US" sz="1300" b="1" dirty="0">
                           <a:effectLst/>
                           <a:latin typeface="Times New Roman" panose="02020603050405020304" pitchFamily="18" charset="0"/>
                           <a:cs typeface="Times New Roman" panose="02020603050405020304" pitchFamily="18" charset="0"/>
                         </a:rPr>
                         <a:t> </a:t>
                       </a:r>
-                      <a:endParaRPr lang="en-US" sz="1400" b="1" dirty="0">
+                      <a:endParaRPr lang="en-US" sz="1300" b="1" dirty="0">
                         <a:solidFill>
                           <a:srgbClr val="000000"/>
                         </a:solidFill>
@@ -3869,7 +3830,10 @@
                     <a:bodyPr/>
                     <a:lstStyle/>
                     <a:p>
-                      <a:pPr marL="90170" marR="0">
+                      <a:pPr marL="91440" marR="0" algn="ctr">
+                        <a:lnSpc>
+                          <a:spcPct val="107000"/>
+                        </a:lnSpc>
                         <a:spcBef>
                           <a:spcPts val="0"/>
                         </a:spcBef>
@@ -3878,17 +3842,60 @@
                         </a:spcAft>
                       </a:pPr>
                       <a:r>
-                        <a:rPr lang="en-US" sz="1400" dirty="0">
-                          <a:effectLst/>
-                          <a:latin typeface="Times New Roman" panose="02020603050405020304" pitchFamily="18" charset="0"/>
-                          <a:cs typeface="Times New Roman" panose="02020603050405020304" pitchFamily="18" charset="0"/>
-                        </a:rPr>
-                        <a:t>Obtaining satellite imagery via API scripting. </a:t>
+                        <a:rPr lang="en-US" sz="1300" kern="1200">
+                          <a:solidFill>
+                            <a:schemeClr val="tx1"/>
+                          </a:solidFill>
+                          <a:effectLst/>
+                          <a:latin typeface="Times New Roman" panose="02020603050405020304" pitchFamily="18" charset="0"/>
+                          <a:ea typeface="+mn-ea"/>
+                          <a:cs typeface="Times New Roman" panose="02020603050405020304" pitchFamily="18" charset="0"/>
+                        </a:rPr>
+                        <a:t>Working with spatial objects in GeoPandas.</a:t>
                       </a:r>
                     </a:p>
                   </a:txBody>
-                  <a:tcPr marL="53270" marR="53270" marT="0" marB="0" anchor="ctr"/>
+                  <a:tcPr marL="53340" marR="53340" marT="9525" marB="0" anchor="ctr"/>
                 </a:tc>
+                <a:tc>
+                  <a:txBody>
+                    <a:bodyPr/>
+                    <a:lstStyle/>
+                    <a:p>
+                      <a:pPr marL="91440" marR="0" algn="ctr" defTabSz="914400" rtl="0" eaLnBrk="1" latinLnBrk="0" hangingPunct="1">
+                        <a:lnSpc>
+                          <a:spcPct val="107000"/>
+                        </a:lnSpc>
+                        <a:spcBef>
+                          <a:spcPts val="0"/>
+                        </a:spcBef>
+                        <a:spcAft>
+                          <a:spcPts val="0"/>
+                        </a:spcAft>
+                      </a:pPr>
+                      <a:r>
+                        <a:rPr lang="en-US" sz="1300" kern="1200">
+                          <a:solidFill>
+                            <a:schemeClr val="tx1"/>
+                          </a:solidFill>
+                          <a:effectLst/>
+                          <a:latin typeface="Times New Roman" panose="02020603050405020304" pitchFamily="18" charset="0"/>
+                          <a:ea typeface="+mn-ea"/>
+                          <a:cs typeface="Times New Roman" panose="02020603050405020304" pitchFamily="18" charset="0"/>
+                        </a:rPr>
+                        <a:t>Assignment 2</a:t>
+                      </a:r>
+                    </a:p>
+                  </a:txBody>
+                  <a:tcPr marL="53340" marR="53340" marT="9525" marB="0" anchor="ctr"/>
+                </a:tc>
+                <a:extLst>
+                  <a:ext uri="{0D108BD9-81ED-4DB2-BD59-A6C34878D82A}">
+                    <a16:rowId xmlns:a16="http://schemas.microsoft.com/office/drawing/2014/main" val="2485139219"/>
+                  </a:ext>
+                </a:extLst>
+              </a:tr>
+              <a:tr h="420694">
                 <a:tc>
                   <a:txBody>
                     <a:bodyPr/>
@@ -3903,48 +3910,7 @@
                         </a:spcAft>
                       </a:pPr>
                       <a:r>
-                        <a:rPr lang="en-US" sz="1400" dirty="0">
-                          <a:effectLst/>
-                          <a:latin typeface="Times New Roman" panose="02020603050405020304" pitchFamily="18" charset="0"/>
-                          <a:cs typeface="Times New Roman" panose="02020603050405020304" pitchFamily="18" charset="0"/>
-                        </a:rPr>
-                        <a:t>Assignment 4</a:t>
-                      </a:r>
-                      <a:endParaRPr lang="en-US" sz="1400" dirty="0">
-                        <a:solidFill>
-                          <a:srgbClr val="000000"/>
-                        </a:solidFill>
-                        <a:effectLst/>
-                        <a:latin typeface="Times New Roman" panose="02020603050405020304" pitchFamily="18" charset="0"/>
-                        <a:ea typeface="Calibri" panose="020F0502020204030204" pitchFamily="34" charset="0"/>
-                        <a:cs typeface="Times New Roman" panose="02020603050405020304" pitchFamily="18" charset="0"/>
-                      </a:endParaRPr>
-                    </a:p>
-                  </a:txBody>
-                  <a:tcPr marL="53270" marR="53270" marT="0" marB="0" anchor="ctr"/>
-                </a:tc>
-                <a:extLst>
-                  <a:ext uri="{0D108BD9-81ED-4DB2-BD59-A6C34878D82A}">
-                    <a16:rowId xmlns:a16="http://schemas.microsoft.com/office/drawing/2014/main" val="2485139219"/>
-                  </a:ext>
-                </a:extLst>
-              </a:tr>
-              <a:tr h="416736">
-                <a:tc>
-                  <a:txBody>
-                    <a:bodyPr/>
-                    <a:lstStyle/>
-                    <a:p>
-                      <a:pPr marL="90170" marR="0" algn="ctr">
-                        <a:spcBef>
-                          <a:spcPts val="0"/>
-                        </a:spcBef>
-                        <a:spcAft>
-                          <a:spcPts val="0"/>
-                        </a:spcAft>
-                      </a:pPr>
-                      <a:r>
-                        <a:rPr lang="en-US" sz="1400" b="1" dirty="0">
+                        <a:rPr lang="en-US" sz="1300" b="1" dirty="0">
                           <a:effectLst/>
                           <a:latin typeface="Times New Roman" panose="02020603050405020304" pitchFamily="18" charset="0"/>
                           <a:cs typeface="Times New Roman" panose="02020603050405020304" pitchFamily="18" charset="0"/>
@@ -3962,7 +3928,7 @@
                         </a:spcAft>
                       </a:pPr>
                       <a:r>
-                        <a:rPr lang="en-US" sz="1400" b="1" dirty="0">
+                        <a:rPr lang="en-US" sz="1300" b="1" dirty="0">
                           <a:effectLst/>
                           <a:latin typeface="Times New Roman" panose="02020603050405020304" pitchFamily="18" charset="0"/>
                           <a:cs typeface="Times New Roman" panose="02020603050405020304" pitchFamily="18" charset="0"/>
@@ -3970,7 +3936,7 @@
                         <a:t>Sept 25</a:t>
                       </a:r>
                       <a:r>
-                        <a:rPr lang="en-US" sz="1400" b="1" baseline="30000" dirty="0">
+                        <a:rPr lang="en-US" sz="1300" b="1" baseline="30000" dirty="0">
                           <a:effectLst/>
                           <a:latin typeface="Times New Roman" panose="02020603050405020304" pitchFamily="18" charset="0"/>
                           <a:cs typeface="Times New Roman" panose="02020603050405020304" pitchFamily="18" charset="0"/>
@@ -3978,14 +3944,14 @@
                         <a:t>th</a:t>
                       </a:r>
                       <a:r>
-                        <a:rPr lang="en-US" sz="1400" b="1" dirty="0">
+                        <a:rPr lang="en-US" sz="1300" b="1" dirty="0">
                           <a:effectLst/>
                           <a:latin typeface="Times New Roman" panose="02020603050405020304" pitchFamily="18" charset="0"/>
                           <a:cs typeface="Times New Roman" panose="02020603050405020304" pitchFamily="18" charset="0"/>
                         </a:rPr>
                         <a:t> </a:t>
                       </a:r>
-                      <a:endParaRPr lang="en-US" sz="1400" b="1" dirty="0">
+                      <a:endParaRPr lang="en-US" sz="1300" b="1" dirty="0">
                         <a:solidFill>
                           <a:srgbClr val="000000"/>
                         </a:solidFill>
@@ -4003,9 +3969,9 @@
                     <a:bodyPr/>
                     <a:lstStyle/>
                     <a:p>
-                      <a:pPr marL="90170" marR="0" lvl="0" indent="0" algn="l" defTabSz="914400" rtl="0" eaLnBrk="1" fontAlgn="auto" latinLnBrk="0" hangingPunct="1">
+                      <a:pPr marL="91440" marR="0" algn="ctr">
                         <a:lnSpc>
-                          <a:spcPct val="100000"/>
+                          <a:spcPct val="107000"/>
                         </a:lnSpc>
                         <a:spcBef>
                           <a:spcPts val="0"/>
@@ -4013,29 +3979,62 @@
                         <a:spcAft>
                           <a:spcPts val="0"/>
                         </a:spcAft>
-                        <a:buClrTx/>
-                        <a:buSzTx/>
-                        <a:buFontTx/>
-                        <a:buNone/>
-                        <a:tabLst/>
-                        <a:defRPr/>
                       </a:pPr>
                       <a:r>
-                        <a:rPr lang="en-US" sz="1400" dirty="0">
+                        <a:rPr lang="en-US" sz="1300" kern="1200">
                           <a:solidFill>
-                            <a:srgbClr val="000000"/>
+                            <a:schemeClr val="tx1"/>
                           </a:solidFill>
                           <a:effectLst/>
                           <a:latin typeface="Times New Roman" panose="02020603050405020304" pitchFamily="18" charset="0"/>
-                          <a:ea typeface="Calibri" panose="020F0502020204030204" pitchFamily="34" charset="0"/>
-                          <a:cs typeface="Times New Roman" panose="02020603050405020304" pitchFamily="18" charset="0"/>
-                        </a:rPr>
-                        <a:t>Clipping (from single images to looping over multiple images). </a:t>
+                          <a:ea typeface="+mn-ea"/>
+                          <a:cs typeface="Times New Roman" panose="02020603050405020304" pitchFamily="18" charset="0"/>
+                        </a:rPr>
+                        <a:t>Coordinate Reference Systems. Image reprojection.</a:t>
                       </a:r>
                     </a:p>
                   </a:txBody>
-                  <a:tcPr marL="53270" marR="53270" marT="0" marB="0" anchor="ctr"/>
+                  <a:tcPr marL="53340" marR="53340" marT="9525" marB="0" anchor="ctr"/>
                 </a:tc>
+                <a:tc>
+                  <a:txBody>
+                    <a:bodyPr/>
+                    <a:lstStyle/>
+                    <a:p>
+                      <a:pPr marL="91440" marR="0" algn="ctr" defTabSz="914400" rtl="0" eaLnBrk="1" latinLnBrk="0" hangingPunct="1">
+                        <a:lnSpc>
+                          <a:spcPct val="107000"/>
+                        </a:lnSpc>
+                        <a:spcBef>
+                          <a:spcPts val="0"/>
+                        </a:spcBef>
+                        <a:spcAft>
+                          <a:spcPts val="0"/>
+                        </a:spcAft>
+                      </a:pPr>
+                      <a:r>
+                        <a:rPr lang="en-US" sz="1300" kern="1200">
+                          <a:solidFill>
+                            <a:schemeClr val="tx1"/>
+                          </a:solidFill>
+                          <a:effectLst/>
+                          <a:latin typeface="Times New Roman" panose="02020603050405020304" pitchFamily="18" charset="0"/>
+                          <a:ea typeface="+mn-ea"/>
+                          <a:cs typeface="Times New Roman" panose="02020603050405020304" pitchFamily="18" charset="0"/>
+                        </a:rPr>
+                        <a:t>Assignment 3</a:t>
+                      </a:r>
+                    </a:p>
+                  </a:txBody>
+                  <a:tcPr marL="53340" marR="53340" marT="9525" marB="0" anchor="ctr"/>
+                </a:tc>
+                <a:extLst>
+                  <a:ext uri="{0D108BD9-81ED-4DB2-BD59-A6C34878D82A}">
+                    <a16:rowId xmlns:a16="http://schemas.microsoft.com/office/drawing/2014/main" val="3885921381"/>
+                  </a:ext>
+                </a:extLst>
+              </a:tr>
+              <a:tr h="444420">
                 <a:tc>
                   <a:txBody>
                     <a:bodyPr/>
@@ -4050,48 +4049,7 @@
                         </a:spcAft>
                       </a:pPr>
                       <a:r>
-                        <a:rPr lang="en-US" sz="1400" dirty="0">
-                          <a:effectLst/>
-                          <a:latin typeface="Times New Roman" panose="02020603050405020304" pitchFamily="18" charset="0"/>
-                          <a:cs typeface="Times New Roman" panose="02020603050405020304" pitchFamily="18" charset="0"/>
-                        </a:rPr>
-                        <a:t>Assignment 5</a:t>
-                      </a:r>
-                      <a:endParaRPr lang="en-US" sz="1400" dirty="0">
-                        <a:solidFill>
-                          <a:srgbClr val="000000"/>
-                        </a:solidFill>
-                        <a:effectLst/>
-                        <a:latin typeface="Times New Roman" panose="02020603050405020304" pitchFamily="18" charset="0"/>
-                        <a:ea typeface="Calibri" panose="020F0502020204030204" pitchFamily="34" charset="0"/>
-                        <a:cs typeface="Times New Roman" panose="02020603050405020304" pitchFamily="18" charset="0"/>
-                      </a:endParaRPr>
-                    </a:p>
-                  </a:txBody>
-                  <a:tcPr marL="53270" marR="53270" marT="0" marB="0" anchor="ctr"/>
-                </a:tc>
-                <a:extLst>
-                  <a:ext uri="{0D108BD9-81ED-4DB2-BD59-A6C34878D82A}">
-                    <a16:rowId xmlns:a16="http://schemas.microsoft.com/office/drawing/2014/main" val="3885921381"/>
-                  </a:ext>
-                </a:extLst>
-              </a:tr>
-              <a:tr h="416736">
-                <a:tc>
-                  <a:txBody>
-                    <a:bodyPr/>
-                    <a:lstStyle/>
-                    <a:p>
-                      <a:pPr marL="90170" marR="0" algn="ctr">
-                        <a:spcBef>
-                          <a:spcPts val="0"/>
-                        </a:spcBef>
-                        <a:spcAft>
-                          <a:spcPts val="0"/>
-                        </a:spcAft>
-                      </a:pPr>
-                      <a:r>
-                        <a:rPr lang="en-US" sz="1400" b="1" dirty="0">
+                        <a:rPr lang="en-US" sz="1300" b="1" dirty="0">
                           <a:effectLst/>
                           <a:latin typeface="Times New Roman" panose="02020603050405020304" pitchFamily="18" charset="0"/>
                           <a:cs typeface="Times New Roman" panose="02020603050405020304" pitchFamily="18" charset="0"/>
@@ -4109,7 +4067,7 @@
                         </a:spcAft>
                       </a:pPr>
                       <a:r>
-                        <a:rPr lang="en-US" sz="1400" b="1" dirty="0">
+                        <a:rPr lang="en-US" sz="1300" b="1" dirty="0">
                           <a:effectLst/>
                           <a:latin typeface="Times New Roman" panose="02020603050405020304" pitchFamily="18" charset="0"/>
                           <a:cs typeface="Times New Roman" panose="02020603050405020304" pitchFamily="18" charset="0"/>
@@ -4117,14 +4075,14 @@
                         <a:t>Oct 2</a:t>
                       </a:r>
                       <a:r>
-                        <a:rPr lang="en-US" sz="1400" b="1" baseline="30000" dirty="0">
+                        <a:rPr lang="en-US" sz="1300" b="1" baseline="30000" dirty="0">
                           <a:effectLst/>
                           <a:latin typeface="Times New Roman" panose="02020603050405020304" pitchFamily="18" charset="0"/>
                           <a:cs typeface="Times New Roman" panose="02020603050405020304" pitchFamily="18" charset="0"/>
                         </a:rPr>
                         <a:t>nd</a:t>
                       </a:r>
-                      <a:endParaRPr lang="en-US" sz="1400" b="1" dirty="0">
+                      <a:endParaRPr lang="en-US" sz="1300" b="1" dirty="0">
                         <a:solidFill>
                           <a:srgbClr val="000000"/>
                         </a:solidFill>
@@ -4142,7 +4100,10 @@
                     <a:bodyPr/>
                     <a:lstStyle/>
                     <a:p>
-                      <a:pPr marL="90170" marR="0">
+                      <a:pPr marL="91440" marR="0" algn="ctr">
+                        <a:lnSpc>
+                          <a:spcPct val="107000"/>
+                        </a:lnSpc>
                         <a:spcBef>
                           <a:spcPts val="0"/>
                         </a:spcBef>
@@ -4151,29 +4112,29 @@
                         </a:spcAft>
                       </a:pPr>
                       <a:r>
-                        <a:rPr lang="en-US" sz="1400" dirty="0">
+                        <a:rPr lang="en-US" sz="1300" kern="1200" dirty="0">
                           <a:solidFill>
-                            <a:srgbClr val="000000"/>
+                            <a:schemeClr val="tx1"/>
                           </a:solidFill>
                           <a:effectLst/>
                           <a:latin typeface="Times New Roman" panose="02020603050405020304" pitchFamily="18" charset="0"/>
-                          <a:ea typeface="Calibri" panose="020F0502020204030204" pitchFamily="34" charset="0"/>
-                          <a:cs typeface="Times New Roman" panose="02020603050405020304" pitchFamily="18" charset="0"/>
-                        </a:rPr>
-                        <a:t>Image enhancement. </a:t>
+                          <a:ea typeface="+mn-ea"/>
+                          <a:cs typeface="Times New Roman" panose="02020603050405020304" pitchFamily="18" charset="0"/>
+                        </a:rPr>
+                        <a:t>Clipping (from single images to looping over multiple images). Image enhancement.</a:t>
                       </a:r>
                     </a:p>
                   </a:txBody>
-                  <a:tcPr marL="53270" marR="53270" marT="0" marB="0" anchor="ctr"/>
+                  <a:tcPr marL="53340" marR="53340" marT="9525" marB="0" anchor="ctr"/>
                 </a:tc>
                 <a:tc>
                   <a:txBody>
                     <a:bodyPr/>
                     <a:lstStyle/>
                     <a:p>
-                      <a:pPr marL="90170" marR="0" lvl="0" indent="0" algn="ctr" defTabSz="914400" rtl="0" eaLnBrk="1" fontAlgn="auto" latinLnBrk="0" hangingPunct="1">
+                      <a:pPr marL="91440" marR="0" algn="ctr" defTabSz="914400" rtl="0" eaLnBrk="1" latinLnBrk="0" hangingPunct="1">
                         <a:lnSpc>
-                          <a:spcPct val="100000"/>
+                          <a:spcPct val="107000"/>
                         </a:lnSpc>
                         <a:spcBef>
                           <a:spcPts val="0"/>
@@ -4181,33 +4142,22 @@
                         <a:spcAft>
                           <a:spcPts val="0"/>
                         </a:spcAft>
-                        <a:buClrTx/>
-                        <a:buSzTx/>
-                        <a:buFontTx/>
-                        <a:buNone/>
-                        <a:tabLst/>
-                        <a:defRPr/>
                       </a:pPr>
                       <a:r>
-                        <a:rPr lang="en-US" sz="1400" dirty="0">
-                          <a:effectLst/>
-                          <a:latin typeface="Times New Roman" panose="02020603050405020304" pitchFamily="18" charset="0"/>
-                          <a:cs typeface="Times New Roman" panose="02020603050405020304" pitchFamily="18" charset="0"/>
-                        </a:rPr>
-                        <a:t>Assignment 6</a:t>
-                      </a:r>
-                      <a:endParaRPr lang="en-US" sz="1400" dirty="0">
-                        <a:solidFill>
-                          <a:srgbClr val="000000"/>
-                        </a:solidFill>
-                        <a:effectLst/>
-                        <a:latin typeface="Times New Roman" panose="02020603050405020304" pitchFamily="18" charset="0"/>
-                        <a:ea typeface="Calibri" panose="020F0502020204030204" pitchFamily="34" charset="0"/>
-                        <a:cs typeface="Times New Roman" panose="02020603050405020304" pitchFamily="18" charset="0"/>
-                      </a:endParaRPr>
+                        <a:rPr lang="en-US" sz="1300" kern="1200" dirty="0">
+                          <a:solidFill>
+                            <a:schemeClr val="tx1"/>
+                          </a:solidFill>
+                          <a:effectLst/>
+                          <a:latin typeface="Times New Roman" panose="02020603050405020304" pitchFamily="18" charset="0"/>
+                          <a:ea typeface="+mn-ea"/>
+                          <a:cs typeface="Times New Roman" panose="02020603050405020304" pitchFamily="18" charset="0"/>
+                        </a:rPr>
+                        <a:t>Assignment 4</a:t>
+                      </a:r>
                     </a:p>
                   </a:txBody>
-                  <a:tcPr marL="53270" marR="53270" marT="0" marB="0" anchor="ctr"/>
+                  <a:tcPr marL="53340" marR="53340" marT="9525" marB="0" anchor="ctr"/>
                 </a:tc>
                 <a:extLst>
                   <a:ext uri="{0D108BD9-81ED-4DB2-BD59-A6C34878D82A}">
@@ -4215,7 +4165,7 @@
                   </a:ext>
                 </a:extLst>
               </a:tr>
-              <a:tr h="208368">
+              <a:tr h="210347">
                 <a:tc gridSpan="3">
                   <a:txBody>
                     <a:bodyPr/>
@@ -4230,14 +4180,14 @@
                         </a:spcAft>
                       </a:pPr>
                       <a:r>
-                        <a:rPr lang="en-US" sz="1400" b="1" dirty="0">
+                        <a:rPr lang="en-US" sz="1300" b="1" dirty="0">
                           <a:effectLst/>
                           <a:latin typeface="Times New Roman" panose="02020603050405020304" pitchFamily="18" charset="0"/>
                           <a:cs typeface="Times New Roman" panose="02020603050405020304" pitchFamily="18" charset="0"/>
                         </a:rPr>
                         <a:t>Fall Break</a:t>
                       </a:r>
-                      <a:endParaRPr lang="en-US" sz="1400" b="1" dirty="0">
+                      <a:endParaRPr lang="en-US" sz="1300" b="1" dirty="0">
                         <a:solidFill>
                           <a:srgbClr val="000000"/>
                         </a:solidFill>
@@ -4292,7 +4242,7 @@
                   </a:ext>
                 </a:extLst>
               </a:tr>
-              <a:tr h="416736">
+              <a:tr h="420694">
                 <a:tc>
                   <a:txBody>
                     <a:bodyPr/>
@@ -4307,7 +4257,7 @@
                         </a:spcAft>
                       </a:pPr>
                       <a:r>
-                        <a:rPr lang="en-US" sz="1400" b="1">
+                        <a:rPr lang="en-US" sz="1300" b="1">
                           <a:effectLst/>
                           <a:latin typeface="Times New Roman" panose="02020603050405020304" pitchFamily="18" charset="0"/>
                           <a:cs typeface="Times New Roman" panose="02020603050405020304" pitchFamily="18" charset="0"/>
@@ -4325,7 +4275,7 @@
                         </a:spcAft>
                       </a:pPr>
                       <a:r>
-                        <a:rPr lang="en-US" sz="1400" b="1">
+                        <a:rPr lang="en-US" sz="1300" b="1">
                           <a:effectLst/>
                           <a:latin typeface="Times New Roman" panose="02020603050405020304" pitchFamily="18" charset="0"/>
                           <a:cs typeface="Times New Roman" panose="02020603050405020304" pitchFamily="18" charset="0"/>
@@ -4333,7 +4283,7 @@
                         <a:t>Oct 16</a:t>
                       </a:r>
                       <a:r>
-                        <a:rPr lang="en-US" sz="1400" b="1" baseline="30000">
+                        <a:rPr lang="en-US" sz="1300" b="1" baseline="30000">
                           <a:effectLst/>
                           <a:latin typeface="Times New Roman" panose="02020603050405020304" pitchFamily="18" charset="0"/>
                           <a:cs typeface="Times New Roman" panose="02020603050405020304" pitchFamily="18" charset="0"/>
@@ -4341,14 +4291,14 @@
                         <a:t>th</a:t>
                       </a:r>
                       <a:r>
-                        <a:rPr lang="en-US" sz="1400" b="1">
+                        <a:rPr lang="en-US" sz="1300" b="1">
                           <a:effectLst/>
                           <a:latin typeface="Times New Roman" panose="02020603050405020304" pitchFamily="18" charset="0"/>
                           <a:cs typeface="Times New Roman" panose="02020603050405020304" pitchFamily="18" charset="0"/>
                         </a:rPr>
                         <a:t> </a:t>
                       </a:r>
-                      <a:endParaRPr lang="en-US" sz="1400" b="1" dirty="0">
+                      <a:endParaRPr lang="en-US" sz="1300" b="1" dirty="0">
                         <a:solidFill>
                           <a:srgbClr val="000000"/>
                         </a:solidFill>
@@ -4384,7 +4334,7 @@
                         <a:defRPr/>
                       </a:pPr>
                       <a:r>
-                        <a:rPr lang="en-US" sz="1400" kern="1200" dirty="0">
+                        <a:rPr lang="en-US" sz="1300" kern="1200" dirty="0">
                           <a:solidFill>
                             <a:schemeClr val="tx1"/>
                           </a:solidFill>
@@ -4404,9 +4354,9 @@
                     <a:bodyPr/>
                     <a:lstStyle/>
                     <a:p>
-                      <a:pPr marL="90170" marR="0" lvl="0" indent="0" algn="ctr" defTabSz="914400" rtl="0" eaLnBrk="1" fontAlgn="auto" latinLnBrk="0" hangingPunct="1">
+                      <a:pPr marL="91440" marR="0" algn="ctr">
                         <a:lnSpc>
-                          <a:spcPct val="100000"/>
+                          <a:spcPct val="107000"/>
                         </a:lnSpc>
                         <a:spcBef>
                           <a:spcPts val="0"/>
@@ -4414,33 +4364,22 @@
                         <a:spcAft>
                           <a:spcPts val="0"/>
                         </a:spcAft>
-                        <a:buClrTx/>
-                        <a:buSzTx/>
-                        <a:buFontTx/>
-                        <a:buNone/>
-                        <a:tabLst/>
-                        <a:defRPr/>
                       </a:pPr>
                       <a:r>
-                        <a:rPr lang="en-US" sz="1400" dirty="0">
-                          <a:effectLst/>
-                          <a:latin typeface="Times New Roman" panose="02020603050405020304" pitchFamily="18" charset="0"/>
-                          <a:cs typeface="Times New Roman" panose="02020603050405020304" pitchFamily="18" charset="0"/>
-                        </a:rPr>
-                        <a:t>Assignment 7</a:t>
-                      </a:r>
-                      <a:endParaRPr lang="en-US" sz="1400" dirty="0">
-                        <a:solidFill>
-                          <a:srgbClr val="000000"/>
-                        </a:solidFill>
-                        <a:effectLst/>
-                        <a:latin typeface="Times New Roman" panose="02020603050405020304" pitchFamily="18" charset="0"/>
-                        <a:ea typeface="Calibri" panose="020F0502020204030204" pitchFamily="34" charset="0"/>
-                        <a:cs typeface="Times New Roman" panose="02020603050405020304" pitchFamily="18" charset="0"/>
-                      </a:endParaRPr>
+                        <a:rPr lang="en-US" sz="1300" kern="1200">
+                          <a:solidFill>
+                            <a:schemeClr val="tx1"/>
+                          </a:solidFill>
+                          <a:effectLst/>
+                          <a:latin typeface="Times New Roman" panose="02020603050405020304" pitchFamily="18" charset="0"/>
+                          <a:ea typeface="+mn-ea"/>
+                          <a:cs typeface="Times New Roman" panose="02020603050405020304" pitchFamily="18" charset="0"/>
+                        </a:rPr>
+                        <a:t>Assignment 5</a:t>
+                      </a:r>
                     </a:p>
                   </a:txBody>
-                  <a:tcPr marL="53270" marR="53270" marT="0" marB="0" anchor="ctr"/>
+                  <a:tcPr marL="53340" marR="53340" marT="9525" marB="0" anchor="ctr"/>
                 </a:tc>
                 <a:extLst>
                   <a:ext uri="{0D108BD9-81ED-4DB2-BD59-A6C34878D82A}">
@@ -4448,7 +4387,7 @@
                   </a:ext>
                 </a:extLst>
               </a:tr>
-              <a:tr h="416736">
+              <a:tr h="420694">
                 <a:tc>
                   <a:txBody>
                     <a:bodyPr/>
@@ -4463,7 +4402,7 @@
                         </a:spcAft>
                       </a:pPr>
                       <a:r>
-                        <a:rPr lang="en-US" sz="1400" b="1">
+                        <a:rPr lang="en-US" sz="1300" b="1">
                           <a:effectLst/>
                           <a:latin typeface="Times New Roman" panose="02020603050405020304" pitchFamily="18" charset="0"/>
                           <a:cs typeface="Times New Roman" panose="02020603050405020304" pitchFamily="18" charset="0"/>
@@ -4481,7 +4420,7 @@
                         </a:spcAft>
                       </a:pPr>
                       <a:r>
-                        <a:rPr lang="en-US" sz="1400" b="1">
+                        <a:rPr lang="en-US" sz="1300" b="1">
                           <a:effectLst/>
                           <a:latin typeface="Times New Roman" panose="02020603050405020304" pitchFamily="18" charset="0"/>
                           <a:cs typeface="Times New Roman" panose="02020603050405020304" pitchFamily="18" charset="0"/>
@@ -4489,14 +4428,14 @@
                         <a:t>Oct 23</a:t>
                       </a:r>
                       <a:r>
-                        <a:rPr lang="en-US" sz="1400" b="1" baseline="30000">
+                        <a:rPr lang="en-US" sz="1300" b="1" baseline="30000">
                           <a:effectLst/>
                           <a:latin typeface="Times New Roman" panose="02020603050405020304" pitchFamily="18" charset="0"/>
                           <a:cs typeface="Times New Roman" panose="02020603050405020304" pitchFamily="18" charset="0"/>
                         </a:rPr>
                         <a:t>rd</a:t>
                       </a:r>
-                      <a:endParaRPr lang="en-US" sz="1400" b="1" dirty="0">
+                      <a:endParaRPr lang="en-US" sz="1300" b="1" dirty="0">
                         <a:solidFill>
                           <a:srgbClr val="000000"/>
                         </a:solidFill>
@@ -4532,7 +4471,7 @@
                         <a:defRPr/>
                       </a:pPr>
                       <a:r>
-                        <a:rPr lang="en-US" sz="1400" dirty="0">
+                        <a:rPr lang="en-US" sz="1300" dirty="0">
                           <a:solidFill>
                             <a:srgbClr val="000000"/>
                           </a:solidFill>
@@ -4552,9 +4491,9 @@
                     <a:bodyPr/>
                     <a:lstStyle/>
                     <a:p>
-                      <a:pPr marL="90170" marR="0" lvl="0" indent="0" algn="ctr" defTabSz="914400" rtl="0" eaLnBrk="1" fontAlgn="auto" latinLnBrk="0" hangingPunct="1">
+                      <a:pPr marL="91440" marR="0" algn="ctr">
                         <a:lnSpc>
-                          <a:spcPct val="100000"/>
+                          <a:spcPct val="107000"/>
                         </a:lnSpc>
                         <a:spcBef>
                           <a:spcPts val="0"/>
@@ -4562,33 +4501,22 @@
                         <a:spcAft>
                           <a:spcPts val="0"/>
                         </a:spcAft>
-                        <a:buClrTx/>
-                        <a:buSzTx/>
-                        <a:buFontTx/>
-                        <a:buNone/>
-                        <a:tabLst/>
-                        <a:defRPr/>
                       </a:pPr>
                       <a:r>
-                        <a:rPr lang="en-US" sz="1400" dirty="0">
-                          <a:effectLst/>
-                          <a:latin typeface="Times New Roman" panose="02020603050405020304" pitchFamily="18" charset="0"/>
-                          <a:cs typeface="Times New Roman" panose="02020603050405020304" pitchFamily="18" charset="0"/>
-                        </a:rPr>
-                        <a:t>Assignment 8</a:t>
-                      </a:r>
-                      <a:endParaRPr lang="en-US" sz="1400" dirty="0">
-                        <a:solidFill>
-                          <a:srgbClr val="000000"/>
-                        </a:solidFill>
-                        <a:effectLst/>
-                        <a:latin typeface="Times New Roman" panose="02020603050405020304" pitchFamily="18" charset="0"/>
-                        <a:ea typeface="Calibri" panose="020F0502020204030204" pitchFamily="34" charset="0"/>
-                        <a:cs typeface="Times New Roman" panose="02020603050405020304" pitchFamily="18" charset="0"/>
-                      </a:endParaRPr>
+                        <a:rPr lang="en-US" sz="1300" kern="1200">
+                          <a:solidFill>
+                            <a:schemeClr val="tx1"/>
+                          </a:solidFill>
+                          <a:effectLst/>
+                          <a:latin typeface="Times New Roman" panose="02020603050405020304" pitchFamily="18" charset="0"/>
+                          <a:ea typeface="+mn-ea"/>
+                          <a:cs typeface="Times New Roman" panose="02020603050405020304" pitchFamily="18" charset="0"/>
+                        </a:rPr>
+                        <a:t>Assignment 6</a:t>
+                      </a:r>
                     </a:p>
                   </a:txBody>
-                  <a:tcPr marL="53270" marR="53270" marT="0" marB="0" anchor="ctr"/>
+                  <a:tcPr marL="53340" marR="53340" marT="9525" marB="0" anchor="ctr"/>
                 </a:tc>
                 <a:extLst>
                   <a:ext uri="{0D108BD9-81ED-4DB2-BD59-A6C34878D82A}">
@@ -4596,7 +4524,7 @@
                   </a:ext>
                 </a:extLst>
               </a:tr>
-              <a:tr h="416736">
+              <a:tr h="420694">
                 <a:tc>
                   <a:txBody>
                     <a:bodyPr/>
@@ -4611,7 +4539,7 @@
                         </a:spcAft>
                       </a:pPr>
                       <a:r>
-                        <a:rPr lang="en-US" sz="1400" b="1">
+                        <a:rPr lang="en-US" sz="1300" b="1">
                           <a:effectLst/>
                           <a:latin typeface="Times New Roman" panose="02020603050405020304" pitchFamily="18" charset="0"/>
                           <a:cs typeface="Times New Roman" panose="02020603050405020304" pitchFamily="18" charset="0"/>
@@ -4629,7 +4557,7 @@
                         </a:spcAft>
                       </a:pPr>
                       <a:r>
-                        <a:rPr lang="en-US" sz="1400" b="1">
+                        <a:rPr lang="en-US" sz="1300" b="1">
                           <a:effectLst/>
                           <a:latin typeface="Times New Roman" panose="02020603050405020304" pitchFamily="18" charset="0"/>
                           <a:cs typeface="Times New Roman" panose="02020603050405020304" pitchFamily="18" charset="0"/>
@@ -4637,7 +4565,7 @@
                         <a:t>Oct 30</a:t>
                       </a:r>
                       <a:r>
-                        <a:rPr lang="en-US" sz="1400" b="1" baseline="30000">
+                        <a:rPr lang="en-US" sz="1300" b="1" baseline="30000">
                           <a:effectLst/>
                           <a:latin typeface="Times New Roman" panose="02020603050405020304" pitchFamily="18" charset="0"/>
                           <a:cs typeface="Times New Roman" panose="02020603050405020304" pitchFamily="18" charset="0"/>
@@ -4645,14 +4573,14 @@
                         <a:t>th</a:t>
                       </a:r>
                       <a:r>
-                        <a:rPr lang="en-US" sz="1400" b="1">
+                        <a:rPr lang="en-US" sz="1300" b="1">
                           <a:effectLst/>
                           <a:latin typeface="Times New Roman" panose="02020603050405020304" pitchFamily="18" charset="0"/>
                           <a:cs typeface="Times New Roman" panose="02020603050405020304" pitchFamily="18" charset="0"/>
                         </a:rPr>
                         <a:t>  </a:t>
                       </a:r>
-                      <a:endParaRPr lang="en-US" sz="1400" b="1" dirty="0">
+                      <a:endParaRPr lang="en-US" sz="1300" b="1" dirty="0">
                         <a:solidFill>
                           <a:srgbClr val="000000"/>
                         </a:solidFill>
@@ -4688,14 +4616,320 @@
                         <a:defRPr/>
                       </a:pPr>
                       <a:r>
-                        <a:rPr lang="en-US" sz="1400" dirty="0">
+                        <a:rPr lang="en-US" sz="1300" dirty="0">
                           <a:effectLst/>
                           <a:latin typeface="Times New Roman" panose="02020603050405020304" pitchFamily="18" charset="0"/>
                           <a:cs typeface="Times New Roman" panose="02020603050405020304" pitchFamily="18" charset="0"/>
                         </a:rPr>
                         <a:t>Feature extraction from imagery. </a:t>
                       </a:r>
-                      <a:endParaRPr lang="en-US" sz="1400" dirty="0">
+                      <a:endParaRPr lang="en-US" sz="1300" dirty="0">
+                        <a:solidFill>
+                          <a:srgbClr val="000000"/>
+                        </a:solidFill>
+                        <a:effectLst/>
+                        <a:latin typeface="Times New Roman" panose="02020603050405020304" pitchFamily="18" charset="0"/>
+                        <a:ea typeface="Calibri" panose="020F0502020204030204" pitchFamily="34" charset="0"/>
+                        <a:cs typeface="Times New Roman" panose="02020603050405020304" pitchFamily="18" charset="0"/>
+                      </a:endParaRPr>
+                    </a:p>
+                  </a:txBody>
+                  <a:tcPr marL="53270" marR="53270" marT="0" marB="0" anchor="ctr"/>
+                </a:tc>
+                <a:tc>
+                  <a:txBody>
+                    <a:bodyPr/>
+                    <a:lstStyle/>
+                    <a:p>
+                      <a:pPr marL="91440" marR="0" algn="ctr">
+                        <a:lnSpc>
+                          <a:spcPct val="107000"/>
+                        </a:lnSpc>
+                        <a:spcBef>
+                          <a:spcPts val="0"/>
+                        </a:spcBef>
+                        <a:spcAft>
+                          <a:spcPts val="0"/>
+                        </a:spcAft>
+                      </a:pPr>
+                      <a:r>
+                        <a:rPr lang="en-US" sz="1300" kern="1200">
+                          <a:solidFill>
+                            <a:schemeClr val="tx1"/>
+                          </a:solidFill>
+                          <a:effectLst/>
+                          <a:latin typeface="Times New Roman" panose="02020603050405020304" pitchFamily="18" charset="0"/>
+                          <a:ea typeface="+mn-ea"/>
+                          <a:cs typeface="Times New Roman" panose="02020603050405020304" pitchFamily="18" charset="0"/>
+                        </a:rPr>
+                        <a:t>Assignment 7</a:t>
+                      </a:r>
+                    </a:p>
+                  </a:txBody>
+                  <a:tcPr marL="53340" marR="53340" marT="9525" marB="0" anchor="ctr"/>
+                </a:tc>
+                <a:extLst>
+                  <a:ext uri="{0D108BD9-81ED-4DB2-BD59-A6C34878D82A}">
+                    <a16:rowId xmlns:a16="http://schemas.microsoft.com/office/drawing/2014/main" val="1322627347"/>
+                  </a:ext>
+                </a:extLst>
+              </a:tr>
+              <a:tr h="420694">
+                <a:tc>
+                  <a:txBody>
+                    <a:bodyPr/>
+                    <a:lstStyle/>
+                    <a:p>
+                      <a:pPr marL="90170" marR="0" algn="ctr">
+                        <a:spcBef>
+                          <a:spcPts val="0"/>
+                        </a:spcBef>
+                        <a:spcAft>
+                          <a:spcPts val="0"/>
+                        </a:spcAft>
+                      </a:pPr>
+                      <a:r>
+                        <a:rPr lang="en-US" sz="1300" b="1">
+                          <a:effectLst/>
+                          <a:latin typeface="Times New Roman" panose="02020603050405020304" pitchFamily="18" charset="0"/>
+                          <a:cs typeface="Times New Roman" panose="02020603050405020304" pitchFamily="18" charset="0"/>
+                        </a:rPr>
+                        <a:t>Week 11: </a:t>
+                      </a:r>
+                    </a:p>
+                    <a:p>
+                      <a:pPr marL="90170" marR="0" algn="ctr">
+                        <a:spcBef>
+                          <a:spcPts val="0"/>
+                        </a:spcBef>
+                        <a:spcAft>
+                          <a:spcPts val="0"/>
+                        </a:spcAft>
+                      </a:pPr>
+                      <a:r>
+                        <a:rPr lang="en-US" sz="1300" b="1">
+                          <a:effectLst/>
+                          <a:latin typeface="Times New Roman" panose="02020603050405020304" pitchFamily="18" charset="0"/>
+                          <a:cs typeface="Times New Roman" panose="02020603050405020304" pitchFamily="18" charset="0"/>
+                        </a:rPr>
+                        <a:t>Nov 6</a:t>
+                      </a:r>
+                      <a:r>
+                        <a:rPr lang="en-US" sz="1300" b="1" baseline="30000">
+                          <a:effectLst/>
+                          <a:latin typeface="Times New Roman" panose="02020603050405020304" pitchFamily="18" charset="0"/>
+                          <a:cs typeface="Times New Roman" panose="02020603050405020304" pitchFamily="18" charset="0"/>
+                        </a:rPr>
+                        <a:t>th</a:t>
+                      </a:r>
+                      <a:endParaRPr lang="en-US" sz="1300" b="1" dirty="0">
+                        <a:solidFill>
+                          <a:srgbClr val="000000"/>
+                        </a:solidFill>
+                        <a:effectLst/>
+                        <a:latin typeface="Times New Roman" panose="02020603050405020304" pitchFamily="18" charset="0"/>
+                        <a:ea typeface="Calibri" panose="020F0502020204030204" pitchFamily="34" charset="0"/>
+                        <a:cs typeface="Times New Roman" panose="02020603050405020304" pitchFamily="18" charset="0"/>
+                      </a:endParaRPr>
+                    </a:p>
+                  </a:txBody>
+                  <a:tcPr marL="53270" marR="53270" marT="0" marB="0"/>
+                </a:tc>
+                <a:tc>
+                  <a:txBody>
+                    <a:bodyPr/>
+                    <a:lstStyle/>
+                    <a:p>
+                      <a:pPr marL="90170" marR="0">
+                        <a:spcBef>
+                          <a:spcPts val="0"/>
+                        </a:spcBef>
+                        <a:spcAft>
+                          <a:spcPts val="0"/>
+                        </a:spcAft>
+                      </a:pPr>
+                      <a:r>
+                        <a:rPr lang="en-US" sz="1300" dirty="0">
+                          <a:effectLst/>
+                          <a:latin typeface="Times New Roman" panose="02020603050405020304" pitchFamily="18" charset="0"/>
+                          <a:cs typeface="Times New Roman" panose="02020603050405020304" pitchFamily="18" charset="0"/>
+                        </a:rPr>
+                        <a:t>Introduction to </a:t>
+                      </a:r>
+                      <a:r>
+                        <a:rPr lang="en-US" sz="1300" dirty="0" err="1">
+                          <a:effectLst/>
+                          <a:latin typeface="Times New Roman" panose="02020603050405020304" pitchFamily="18" charset="0"/>
+                          <a:cs typeface="Times New Roman" panose="02020603050405020304" pitchFamily="18" charset="0"/>
+                        </a:rPr>
+                        <a:t>GeoPandas</a:t>
+                      </a:r>
+                      <a:r>
+                        <a:rPr lang="en-US" sz="1300" dirty="0">
+                          <a:effectLst/>
+                          <a:latin typeface="Times New Roman" panose="02020603050405020304" pitchFamily="18" charset="0"/>
+                          <a:cs typeface="Times New Roman" panose="02020603050405020304" pitchFamily="18" charset="0"/>
+                        </a:rPr>
+                        <a:t> (manipulation of spatial imagery layers and data). Coursework planning.</a:t>
+                      </a:r>
+                      <a:endParaRPr lang="en-US" sz="1300" dirty="0">
+                        <a:solidFill>
+                          <a:srgbClr val="000000"/>
+                        </a:solidFill>
+                        <a:effectLst/>
+                        <a:latin typeface="Times New Roman" panose="02020603050405020304" pitchFamily="18" charset="0"/>
+                        <a:ea typeface="Calibri" panose="020F0502020204030204" pitchFamily="34" charset="0"/>
+                        <a:cs typeface="Times New Roman" panose="02020603050405020304" pitchFamily="18" charset="0"/>
+                      </a:endParaRPr>
+                    </a:p>
+                  </a:txBody>
+                  <a:tcPr marL="53270" marR="53270" marT="0" marB="0" anchor="ctr"/>
+                </a:tc>
+                <a:tc>
+                  <a:txBody>
+                    <a:bodyPr/>
+                    <a:lstStyle/>
+                    <a:p>
+                      <a:pPr marL="91440" marR="0" algn="ctr">
+                        <a:lnSpc>
+                          <a:spcPct val="107000"/>
+                        </a:lnSpc>
+                        <a:spcBef>
+                          <a:spcPts val="0"/>
+                        </a:spcBef>
+                        <a:spcAft>
+                          <a:spcPts val="0"/>
+                        </a:spcAft>
+                      </a:pPr>
+                      <a:r>
+                        <a:rPr lang="en-US" sz="1300" kern="1200" dirty="0">
+                          <a:solidFill>
+                            <a:schemeClr val="tx1"/>
+                          </a:solidFill>
+                          <a:effectLst/>
+                          <a:latin typeface="Times New Roman" panose="02020603050405020304" pitchFamily="18" charset="0"/>
+                          <a:ea typeface="+mn-ea"/>
+                          <a:cs typeface="Times New Roman" panose="02020603050405020304" pitchFamily="18" charset="0"/>
+                        </a:rPr>
+                        <a:t>Assignment 8</a:t>
+                      </a:r>
+                    </a:p>
+                  </a:txBody>
+                  <a:tcPr marL="53340" marR="53340" marT="9525" marB="0" anchor="ctr"/>
+                </a:tc>
+                <a:extLst>
+                  <a:ext uri="{0D108BD9-81ED-4DB2-BD59-A6C34878D82A}">
+                    <a16:rowId xmlns:a16="http://schemas.microsoft.com/office/drawing/2014/main" val="2536298045"/>
+                  </a:ext>
+                </a:extLst>
+              </a:tr>
+              <a:tr h="420694">
+                <a:tc>
+                  <a:txBody>
+                    <a:bodyPr/>
+                    <a:lstStyle/>
+                    <a:p>
+                      <a:pPr marL="90170" marR="0" algn="ctr">
+                        <a:spcBef>
+                          <a:spcPts val="0"/>
+                        </a:spcBef>
+                        <a:spcAft>
+                          <a:spcPts val="0"/>
+                        </a:spcAft>
+                      </a:pPr>
+                      <a:r>
+                        <a:rPr lang="en-US" sz="1300" b="1">
+                          <a:effectLst/>
+                          <a:latin typeface="Times New Roman" panose="02020603050405020304" pitchFamily="18" charset="0"/>
+                          <a:cs typeface="Times New Roman" panose="02020603050405020304" pitchFamily="18" charset="0"/>
+                        </a:rPr>
+                        <a:t>Week 12: </a:t>
+                      </a:r>
+                    </a:p>
+                    <a:p>
+                      <a:pPr marL="90170" marR="0" algn="ctr">
+                        <a:spcBef>
+                          <a:spcPts val="0"/>
+                        </a:spcBef>
+                        <a:spcAft>
+                          <a:spcPts val="0"/>
+                        </a:spcAft>
+                      </a:pPr>
+                      <a:r>
+                        <a:rPr lang="en-US" sz="1300" b="1">
+                          <a:effectLst/>
+                          <a:latin typeface="Times New Roman" panose="02020603050405020304" pitchFamily="18" charset="0"/>
+                          <a:cs typeface="Times New Roman" panose="02020603050405020304" pitchFamily="18" charset="0"/>
+                        </a:rPr>
+                        <a:t>Nov 13</a:t>
+                      </a:r>
+                      <a:r>
+                        <a:rPr lang="en-US" sz="1300" b="1" baseline="30000">
+                          <a:effectLst/>
+                          <a:latin typeface="Times New Roman" panose="02020603050405020304" pitchFamily="18" charset="0"/>
+                          <a:cs typeface="Times New Roman" panose="02020603050405020304" pitchFamily="18" charset="0"/>
+                        </a:rPr>
+                        <a:t>th</a:t>
+                      </a:r>
+                      <a:r>
+                        <a:rPr lang="en-US" sz="1300" b="1">
+                          <a:effectLst/>
+                          <a:latin typeface="Times New Roman" panose="02020603050405020304" pitchFamily="18" charset="0"/>
+                          <a:cs typeface="Times New Roman" panose="02020603050405020304" pitchFamily="18" charset="0"/>
+                        </a:rPr>
+                        <a:t> </a:t>
+                      </a:r>
+                      <a:endParaRPr lang="en-US" sz="1300" b="1" dirty="0">
+                        <a:solidFill>
+                          <a:srgbClr val="000000"/>
+                        </a:solidFill>
+                        <a:effectLst/>
+                        <a:latin typeface="Times New Roman" panose="02020603050405020304" pitchFamily="18" charset="0"/>
+                        <a:ea typeface="Calibri" panose="020F0502020204030204" pitchFamily="34" charset="0"/>
+                        <a:cs typeface="Times New Roman" panose="02020603050405020304" pitchFamily="18" charset="0"/>
+                      </a:endParaRPr>
+                    </a:p>
+                  </a:txBody>
+                  <a:tcPr marL="53270" marR="53270" marT="0" marB="0"/>
+                </a:tc>
+                <a:tc>
+                  <a:txBody>
+                    <a:bodyPr/>
+                    <a:lstStyle/>
+                    <a:p>
+                      <a:pPr marL="90170" marR="0">
+                        <a:spcBef>
+                          <a:spcPts val="0"/>
+                        </a:spcBef>
+                        <a:spcAft>
+                          <a:spcPts val="0"/>
+                        </a:spcAft>
+                      </a:pPr>
+                      <a:r>
+                        <a:rPr lang="en-US" sz="1300" dirty="0">
+                          <a:effectLst/>
+                          <a:latin typeface="Times New Roman" panose="02020603050405020304" pitchFamily="18" charset="0"/>
+                          <a:cs typeface="Times New Roman" panose="02020603050405020304" pitchFamily="18" charset="0"/>
+                        </a:rPr>
+                        <a:t>Image processing using </a:t>
+                      </a:r>
+                      <a:r>
+                        <a:rPr lang="en-US" sz="1300" dirty="0" err="1">
+                          <a:effectLst/>
+                          <a:latin typeface="Times New Roman" panose="02020603050405020304" pitchFamily="18" charset="0"/>
+                          <a:cs typeface="Times New Roman" panose="02020603050405020304" pitchFamily="18" charset="0"/>
+                        </a:rPr>
+                        <a:t>GeoPandas</a:t>
+                      </a:r>
+                      <a:r>
+                        <a:rPr lang="en-US" sz="1300" dirty="0">
+                          <a:effectLst/>
+                          <a:latin typeface="Times New Roman" panose="02020603050405020304" pitchFamily="18" charset="0"/>
+                          <a:cs typeface="Times New Roman" panose="02020603050405020304" pitchFamily="18" charset="0"/>
+                        </a:rPr>
+                        <a:t> functions and tools. </a:t>
+                      </a:r>
+                      <a:endParaRPr lang="en-US" sz="1300" dirty="0">
                         <a:solidFill>
                           <a:srgbClr val="000000"/>
                         </a:solidFill>
@@ -4722,14 +4956,14 @@
                         </a:spcAft>
                       </a:pPr>
                       <a:r>
-                        <a:rPr lang="en-US" sz="1400" dirty="0">
-                          <a:effectLst/>
-                          <a:latin typeface="Times New Roman" panose="02020603050405020304" pitchFamily="18" charset="0"/>
-                          <a:cs typeface="Times New Roman" panose="02020603050405020304" pitchFamily="18" charset="0"/>
-                        </a:rPr>
-                        <a:t>Assignment 9</a:t>
-                      </a:r>
-                      <a:endParaRPr lang="en-US" sz="1400" dirty="0">
+                        <a:rPr lang="en-US" sz="1300" dirty="0">
+                          <a:effectLst/>
+                          <a:latin typeface="Times New Roman" panose="02020603050405020304" pitchFamily="18" charset="0"/>
+                          <a:cs typeface="Times New Roman" panose="02020603050405020304" pitchFamily="18" charset="0"/>
+                        </a:rPr>
+                        <a:t>Coursework project</a:t>
+                      </a:r>
+                      <a:endParaRPr lang="en-US" sz="1300" dirty="0">
                         <a:solidFill>
                           <a:srgbClr val="000000"/>
                         </a:solidFill>
@@ -4744,11 +4978,11 @@
                 </a:tc>
                 <a:extLst>
                   <a:ext uri="{0D108BD9-81ED-4DB2-BD59-A6C34878D82A}">
-                    <a16:rowId xmlns:a16="http://schemas.microsoft.com/office/drawing/2014/main" val="1322627347"/>
+                    <a16:rowId xmlns:a16="http://schemas.microsoft.com/office/drawing/2014/main" val="1373517362"/>
                   </a:ext>
                 </a:extLst>
               </a:tr>
-              <a:tr h="416736">
+              <a:tr h="420694">
                 <a:tc>
                   <a:txBody>
                     <a:bodyPr/>
@@ -4763,12 +4997,12 @@
                         </a:spcAft>
                       </a:pPr>
                       <a:r>
-                        <a:rPr lang="en-US" sz="1400" b="1">
-                          <a:effectLst/>
-                          <a:latin typeface="Times New Roman" panose="02020603050405020304" pitchFamily="18" charset="0"/>
-                          <a:cs typeface="Times New Roman" panose="02020603050405020304" pitchFamily="18" charset="0"/>
-                        </a:rPr>
-                        <a:t>Week 11: </a:t>
+                        <a:rPr lang="en-US" sz="1300" b="1">
+                          <a:effectLst/>
+                          <a:latin typeface="Times New Roman" panose="02020603050405020304" pitchFamily="18" charset="0"/>
+                          <a:cs typeface="Times New Roman" panose="02020603050405020304" pitchFamily="18" charset="0"/>
+                        </a:rPr>
+                        <a:t>Week 13: </a:t>
                       </a:r>
                     </a:p>
                     <a:p>
@@ -4781,22 +5015,30 @@
                         </a:spcAft>
                       </a:pPr>
                       <a:r>
-                        <a:rPr lang="en-US" sz="1400" b="1">
-                          <a:effectLst/>
-                          <a:latin typeface="Times New Roman" panose="02020603050405020304" pitchFamily="18" charset="0"/>
-                          <a:cs typeface="Times New Roman" panose="02020603050405020304" pitchFamily="18" charset="0"/>
-                        </a:rPr>
-                        <a:t>Nov 6</a:t>
-                      </a:r>
-                      <a:r>
-                        <a:rPr lang="en-US" sz="1400" b="1" baseline="30000">
-                          <a:effectLst/>
-                          <a:latin typeface="Times New Roman" panose="02020603050405020304" pitchFamily="18" charset="0"/>
-                          <a:cs typeface="Times New Roman" panose="02020603050405020304" pitchFamily="18" charset="0"/>
-                        </a:rPr>
-                        <a:t>th</a:t>
-                      </a:r>
-                      <a:endParaRPr lang="en-US" sz="1400" b="1" dirty="0">
+                        <a:rPr lang="en-US" sz="1300" b="1">
+                          <a:effectLst/>
+                          <a:latin typeface="Times New Roman" panose="02020603050405020304" pitchFamily="18" charset="0"/>
+                          <a:cs typeface="Times New Roman" panose="02020603050405020304" pitchFamily="18" charset="0"/>
+                        </a:rPr>
+                        <a:t>Nov 21</a:t>
+                      </a:r>
+                      <a:r>
+                        <a:rPr lang="en-US" sz="1300" b="1" baseline="30000">
+                          <a:effectLst/>
+                          <a:latin typeface="Times New Roman" panose="02020603050405020304" pitchFamily="18" charset="0"/>
+                          <a:cs typeface="Times New Roman" panose="02020603050405020304" pitchFamily="18" charset="0"/>
+                        </a:rPr>
+                        <a:t>st</a:t>
+                      </a:r>
+                      <a:r>
+                        <a:rPr lang="en-US" sz="1300" b="1">
+                          <a:effectLst/>
+                          <a:latin typeface="Times New Roman" panose="02020603050405020304" pitchFamily="18" charset="0"/>
+                          <a:cs typeface="Times New Roman" panose="02020603050405020304" pitchFamily="18" charset="0"/>
+                        </a:rPr>
+                        <a:t> </a:t>
+                      </a:r>
+                      <a:endParaRPr lang="en-US" sz="1300" b="1" dirty="0">
                         <a:solidFill>
                           <a:srgbClr val="000000"/>
                         </a:solidFill>
@@ -4823,30 +5065,14 @@
                         </a:spcAft>
                       </a:pPr>
                       <a:r>
-                        <a:rPr lang="en-US" sz="1400" dirty="0">
-                          <a:effectLst/>
-                          <a:latin typeface="Times New Roman" panose="02020603050405020304" pitchFamily="18" charset="0"/>
-                          <a:cs typeface="Times New Roman" panose="02020603050405020304" pitchFamily="18" charset="0"/>
-                        </a:rPr>
-                        <a:t>Introduction to </a:t>
-                      </a:r>
-                      <a:r>
-                        <a:rPr lang="en-US" sz="1400" dirty="0" err="1">
-                          <a:effectLst/>
-                          <a:latin typeface="Times New Roman" panose="02020603050405020304" pitchFamily="18" charset="0"/>
-                          <a:cs typeface="Times New Roman" panose="02020603050405020304" pitchFamily="18" charset="0"/>
-                        </a:rPr>
-                        <a:t>GeoPandas</a:t>
-                      </a:r>
-                      <a:r>
-                        <a:rPr lang="en-US" sz="1400" dirty="0">
-                          <a:effectLst/>
-                          <a:latin typeface="Times New Roman" panose="02020603050405020304" pitchFamily="18" charset="0"/>
-                          <a:cs typeface="Times New Roman" panose="02020603050405020304" pitchFamily="18" charset="0"/>
-                        </a:rPr>
-                        <a:t> (manipulation of spatial imagery layers and data). Coursework planning.</a:t>
-                      </a:r>
-                      <a:endParaRPr lang="en-US" sz="1400" dirty="0">
+                        <a:rPr lang="en-US" sz="1300" dirty="0">
+                          <a:effectLst/>
+                          <a:latin typeface="Times New Roman" panose="02020603050405020304" pitchFamily="18" charset="0"/>
+                          <a:cs typeface="Times New Roman" panose="02020603050405020304" pitchFamily="18" charset="0"/>
+                        </a:rPr>
+                        <a:t>Supported research project practical time. </a:t>
+                      </a:r>
+                      <a:endParaRPr lang="en-US" sz="1300" dirty="0">
                         <a:solidFill>
                           <a:srgbClr val="000000"/>
                         </a:solidFill>
@@ -4873,316 +5099,14 @@
                         </a:spcAft>
                       </a:pPr>
                       <a:r>
-                        <a:rPr lang="en-US" sz="1400" dirty="0">
-                          <a:effectLst/>
-                          <a:latin typeface="Times New Roman" panose="02020603050405020304" pitchFamily="18" charset="0"/>
-                          <a:cs typeface="Times New Roman" panose="02020603050405020304" pitchFamily="18" charset="0"/>
-                        </a:rPr>
-                        <a:t>Assignment 10</a:t>
-                      </a:r>
-                      <a:endParaRPr lang="en-US" sz="1400" dirty="0">
-                        <a:solidFill>
-                          <a:srgbClr val="000000"/>
-                        </a:solidFill>
-                        <a:effectLst/>
-                        <a:latin typeface="Times New Roman" panose="02020603050405020304" pitchFamily="18" charset="0"/>
-                        <a:ea typeface="Calibri" panose="020F0502020204030204" pitchFamily="34" charset="0"/>
-                        <a:cs typeface="Times New Roman" panose="02020603050405020304" pitchFamily="18" charset="0"/>
-                      </a:endParaRPr>
-                    </a:p>
-                  </a:txBody>
-                  <a:tcPr marL="53270" marR="53270" marT="0" marB="0" anchor="ctr"/>
-                </a:tc>
-                <a:extLst>
-                  <a:ext uri="{0D108BD9-81ED-4DB2-BD59-A6C34878D82A}">
-                    <a16:rowId xmlns:a16="http://schemas.microsoft.com/office/drawing/2014/main" val="2536298045"/>
-                  </a:ext>
-                </a:extLst>
-              </a:tr>
-              <a:tr h="416736">
-                <a:tc>
-                  <a:txBody>
-                    <a:bodyPr/>
-                    <a:lstStyle/>
-                    <a:p>
-                      <a:pPr marL="90170" marR="0" algn="ctr">
-                        <a:spcBef>
-                          <a:spcPts val="0"/>
-                        </a:spcBef>
-                        <a:spcAft>
-                          <a:spcPts val="0"/>
-                        </a:spcAft>
-                      </a:pPr>
-                      <a:r>
-                        <a:rPr lang="en-US" sz="1400" b="1">
-                          <a:effectLst/>
-                          <a:latin typeface="Times New Roman" panose="02020603050405020304" pitchFamily="18" charset="0"/>
-                          <a:cs typeface="Times New Roman" panose="02020603050405020304" pitchFamily="18" charset="0"/>
-                        </a:rPr>
-                        <a:t>Week 12: </a:t>
-                      </a:r>
-                    </a:p>
-                    <a:p>
-                      <a:pPr marL="90170" marR="0" algn="ctr">
-                        <a:spcBef>
-                          <a:spcPts val="0"/>
-                        </a:spcBef>
-                        <a:spcAft>
-                          <a:spcPts val="0"/>
-                        </a:spcAft>
-                      </a:pPr>
-                      <a:r>
-                        <a:rPr lang="en-US" sz="1400" b="1">
-                          <a:effectLst/>
-                          <a:latin typeface="Times New Roman" panose="02020603050405020304" pitchFamily="18" charset="0"/>
-                          <a:cs typeface="Times New Roman" panose="02020603050405020304" pitchFamily="18" charset="0"/>
-                        </a:rPr>
-                        <a:t>Nov 13</a:t>
-                      </a:r>
-                      <a:r>
-                        <a:rPr lang="en-US" sz="1400" b="1" baseline="30000">
-                          <a:effectLst/>
-                          <a:latin typeface="Times New Roman" panose="02020603050405020304" pitchFamily="18" charset="0"/>
-                          <a:cs typeface="Times New Roman" panose="02020603050405020304" pitchFamily="18" charset="0"/>
-                        </a:rPr>
-                        <a:t>th</a:t>
-                      </a:r>
-                      <a:r>
-                        <a:rPr lang="en-US" sz="1400" b="1">
-                          <a:effectLst/>
-                          <a:latin typeface="Times New Roman" panose="02020603050405020304" pitchFamily="18" charset="0"/>
-                          <a:cs typeface="Times New Roman" panose="02020603050405020304" pitchFamily="18" charset="0"/>
-                        </a:rPr>
-                        <a:t> </a:t>
-                      </a:r>
-                      <a:endParaRPr lang="en-US" sz="1400" b="1" dirty="0">
-                        <a:solidFill>
-                          <a:srgbClr val="000000"/>
-                        </a:solidFill>
-                        <a:effectLst/>
-                        <a:latin typeface="Times New Roman" panose="02020603050405020304" pitchFamily="18" charset="0"/>
-                        <a:ea typeface="Calibri" panose="020F0502020204030204" pitchFamily="34" charset="0"/>
-                        <a:cs typeface="Times New Roman" panose="02020603050405020304" pitchFamily="18" charset="0"/>
-                      </a:endParaRPr>
-                    </a:p>
-                  </a:txBody>
-                  <a:tcPr marL="53270" marR="53270" marT="0" marB="0"/>
-                </a:tc>
-                <a:tc>
-                  <a:txBody>
-                    <a:bodyPr/>
-                    <a:lstStyle/>
-                    <a:p>
-                      <a:pPr marL="90170" marR="0">
-                        <a:spcBef>
-                          <a:spcPts val="0"/>
-                        </a:spcBef>
-                        <a:spcAft>
-                          <a:spcPts val="0"/>
-                        </a:spcAft>
-                      </a:pPr>
-                      <a:r>
-                        <a:rPr lang="en-US" sz="1400" dirty="0">
-                          <a:effectLst/>
-                          <a:latin typeface="Times New Roman" panose="02020603050405020304" pitchFamily="18" charset="0"/>
-                          <a:cs typeface="Times New Roman" panose="02020603050405020304" pitchFamily="18" charset="0"/>
-                        </a:rPr>
-                        <a:t>Image processing using </a:t>
-                      </a:r>
-                      <a:r>
-                        <a:rPr lang="en-US" sz="1400" dirty="0" err="1">
-                          <a:effectLst/>
-                          <a:latin typeface="Times New Roman" panose="02020603050405020304" pitchFamily="18" charset="0"/>
-                          <a:cs typeface="Times New Roman" panose="02020603050405020304" pitchFamily="18" charset="0"/>
-                        </a:rPr>
-                        <a:t>GeoPandas</a:t>
-                      </a:r>
-                      <a:r>
-                        <a:rPr lang="en-US" sz="1400" dirty="0">
-                          <a:effectLst/>
-                          <a:latin typeface="Times New Roman" panose="02020603050405020304" pitchFamily="18" charset="0"/>
-                          <a:cs typeface="Times New Roman" panose="02020603050405020304" pitchFamily="18" charset="0"/>
-                        </a:rPr>
-                        <a:t> functions and tools. </a:t>
-                      </a:r>
-                      <a:endParaRPr lang="en-US" sz="1400" dirty="0">
-                        <a:solidFill>
-                          <a:srgbClr val="000000"/>
-                        </a:solidFill>
-                        <a:effectLst/>
-                        <a:latin typeface="Times New Roman" panose="02020603050405020304" pitchFamily="18" charset="0"/>
-                        <a:ea typeface="Calibri" panose="020F0502020204030204" pitchFamily="34" charset="0"/>
-                        <a:cs typeface="Times New Roman" panose="02020603050405020304" pitchFamily="18" charset="0"/>
-                      </a:endParaRPr>
-                    </a:p>
-                  </a:txBody>
-                  <a:tcPr marL="53270" marR="53270" marT="0" marB="0" anchor="ctr"/>
-                </a:tc>
-                <a:tc>
-                  <a:txBody>
-                    <a:bodyPr/>
-                    <a:lstStyle/>
-                    <a:p>
-                      <a:pPr marL="90170" marR="0" algn="ctr">
-                        <a:spcBef>
-                          <a:spcPts val="0"/>
-                        </a:spcBef>
-                        <a:spcAft>
-                          <a:spcPts val="0"/>
-                        </a:spcAft>
-                      </a:pPr>
-                      <a:r>
-                        <a:rPr lang="en-US" sz="1400" dirty="0">
+                        <a:rPr lang="en-US" sz="1300" dirty="0">
                           <a:effectLst/>
                           <a:latin typeface="Times New Roman" panose="02020603050405020304" pitchFamily="18" charset="0"/>
                           <a:cs typeface="Times New Roman" panose="02020603050405020304" pitchFamily="18" charset="0"/>
                         </a:rPr>
                         <a:t>Coursework project</a:t>
                       </a:r>
-                      <a:endParaRPr lang="en-US" sz="1400" dirty="0">
-                        <a:solidFill>
-                          <a:srgbClr val="000000"/>
-                        </a:solidFill>
-                        <a:effectLst/>
-                        <a:latin typeface="Times New Roman" panose="02020603050405020304" pitchFamily="18" charset="0"/>
-                        <a:ea typeface="Calibri" panose="020F0502020204030204" pitchFamily="34" charset="0"/>
-                        <a:cs typeface="Times New Roman" panose="02020603050405020304" pitchFamily="18" charset="0"/>
-                      </a:endParaRPr>
-                    </a:p>
-                  </a:txBody>
-                  <a:tcPr marL="53270" marR="53270" marT="0" marB="0" anchor="ctr"/>
-                </a:tc>
-                <a:extLst>
-                  <a:ext uri="{0D108BD9-81ED-4DB2-BD59-A6C34878D82A}">
-                    <a16:rowId xmlns:a16="http://schemas.microsoft.com/office/drawing/2014/main" val="1373517362"/>
-                  </a:ext>
-                </a:extLst>
-              </a:tr>
-              <a:tr h="416736">
-                <a:tc>
-                  <a:txBody>
-                    <a:bodyPr/>
-                    <a:lstStyle/>
-                    <a:p>
-                      <a:pPr marL="90170" marR="0" algn="ctr">
-                        <a:spcBef>
-                          <a:spcPts val="0"/>
-                        </a:spcBef>
-                        <a:spcAft>
-                          <a:spcPts val="0"/>
-                        </a:spcAft>
-                      </a:pPr>
-                      <a:r>
-                        <a:rPr lang="en-US" sz="1400" b="1">
-                          <a:effectLst/>
-                          <a:latin typeface="Times New Roman" panose="02020603050405020304" pitchFamily="18" charset="0"/>
-                          <a:cs typeface="Times New Roman" panose="02020603050405020304" pitchFamily="18" charset="0"/>
-                        </a:rPr>
-                        <a:t>Week 13: </a:t>
-                      </a:r>
-                    </a:p>
-                    <a:p>
-                      <a:pPr marL="90170" marR="0" algn="ctr">
-                        <a:spcBef>
-                          <a:spcPts val="0"/>
-                        </a:spcBef>
-                        <a:spcAft>
-                          <a:spcPts val="0"/>
-                        </a:spcAft>
-                      </a:pPr>
-                      <a:r>
-                        <a:rPr lang="en-US" sz="1400" b="1">
-                          <a:effectLst/>
-                          <a:latin typeface="Times New Roman" panose="02020603050405020304" pitchFamily="18" charset="0"/>
-                          <a:cs typeface="Times New Roman" panose="02020603050405020304" pitchFamily="18" charset="0"/>
-                        </a:rPr>
-                        <a:t>Nov 21</a:t>
-                      </a:r>
-                      <a:r>
-                        <a:rPr lang="en-US" sz="1400" b="1" baseline="30000">
-                          <a:effectLst/>
-                          <a:latin typeface="Times New Roman" panose="02020603050405020304" pitchFamily="18" charset="0"/>
-                          <a:cs typeface="Times New Roman" panose="02020603050405020304" pitchFamily="18" charset="0"/>
-                        </a:rPr>
-                        <a:t>st</a:t>
-                      </a:r>
-                      <a:r>
-                        <a:rPr lang="en-US" sz="1400" b="1">
-                          <a:effectLst/>
-                          <a:latin typeface="Times New Roman" panose="02020603050405020304" pitchFamily="18" charset="0"/>
-                          <a:cs typeface="Times New Roman" panose="02020603050405020304" pitchFamily="18" charset="0"/>
-                        </a:rPr>
-                        <a:t> </a:t>
-                      </a:r>
-                      <a:endParaRPr lang="en-US" sz="1400" b="1" dirty="0">
-                        <a:solidFill>
-                          <a:srgbClr val="000000"/>
-                        </a:solidFill>
-                        <a:effectLst/>
-                        <a:latin typeface="Times New Roman" panose="02020603050405020304" pitchFamily="18" charset="0"/>
-                        <a:ea typeface="Calibri" panose="020F0502020204030204" pitchFamily="34" charset="0"/>
-                        <a:cs typeface="Times New Roman" panose="02020603050405020304" pitchFamily="18" charset="0"/>
-                      </a:endParaRPr>
-                    </a:p>
-                  </a:txBody>
-                  <a:tcPr marL="53270" marR="53270" marT="0" marB="0"/>
-                </a:tc>
-                <a:tc>
-                  <a:txBody>
-                    <a:bodyPr/>
-                    <a:lstStyle/>
-                    <a:p>
-                      <a:pPr marL="90170" marR="0">
-                        <a:spcBef>
-                          <a:spcPts val="0"/>
-                        </a:spcBef>
-                        <a:spcAft>
-                          <a:spcPts val="0"/>
-                        </a:spcAft>
-                      </a:pPr>
-                      <a:r>
-                        <a:rPr lang="en-US" sz="1400" dirty="0">
-                          <a:effectLst/>
-                          <a:latin typeface="Times New Roman" panose="02020603050405020304" pitchFamily="18" charset="0"/>
-                          <a:cs typeface="Times New Roman" panose="02020603050405020304" pitchFamily="18" charset="0"/>
-                        </a:rPr>
-                        <a:t>Supported research project practical time. </a:t>
-                      </a:r>
-                      <a:endParaRPr lang="en-US" sz="1400" dirty="0">
-                        <a:solidFill>
-                          <a:srgbClr val="000000"/>
-                        </a:solidFill>
-                        <a:effectLst/>
-                        <a:latin typeface="Times New Roman" panose="02020603050405020304" pitchFamily="18" charset="0"/>
-                        <a:ea typeface="Calibri" panose="020F0502020204030204" pitchFamily="34" charset="0"/>
-                        <a:cs typeface="Times New Roman" panose="02020603050405020304" pitchFamily="18" charset="0"/>
-                      </a:endParaRPr>
-                    </a:p>
-                  </a:txBody>
-                  <a:tcPr marL="53270" marR="53270" marT="0" marB="0" anchor="ctr"/>
-                </a:tc>
-                <a:tc>
-                  <a:txBody>
-                    <a:bodyPr/>
-                    <a:lstStyle/>
-                    <a:p>
-                      <a:pPr marL="90170" marR="0" algn="ctr">
-                        <a:spcBef>
-                          <a:spcPts val="0"/>
-                        </a:spcBef>
-                        <a:spcAft>
-                          <a:spcPts val="0"/>
-                        </a:spcAft>
-                      </a:pPr>
-                      <a:r>
-                        <a:rPr lang="en-US" sz="1400">
-                          <a:effectLst/>
-                          <a:latin typeface="Times New Roman" panose="02020603050405020304" pitchFamily="18" charset="0"/>
-                          <a:cs typeface="Times New Roman" panose="02020603050405020304" pitchFamily="18" charset="0"/>
-                        </a:rPr>
-                        <a:t>Coursework project</a:t>
-                      </a:r>
-                      <a:endParaRPr lang="en-US" sz="1400" dirty="0">
+                      <a:endParaRPr lang="en-US" sz="1300" dirty="0">
                         <a:solidFill>
                           <a:srgbClr val="000000"/>
                         </a:solidFill>
@@ -5201,7 +5125,7 @@
                   </a:ext>
                 </a:extLst>
               </a:tr>
-              <a:tr h="416736">
+              <a:tr h="420694">
                 <a:tc>
                   <a:txBody>
                     <a:bodyPr/>
@@ -5216,7 +5140,7 @@
                         </a:spcAft>
                       </a:pPr>
                       <a:r>
-                        <a:rPr lang="en-US" sz="1400" b="1">
+                        <a:rPr lang="en-US" sz="1300" b="1">
                           <a:effectLst/>
                           <a:latin typeface="Times New Roman" panose="02020603050405020304" pitchFamily="18" charset="0"/>
                           <a:cs typeface="Times New Roman" panose="02020603050405020304" pitchFamily="18" charset="0"/>
@@ -5234,7 +5158,7 @@
                         </a:spcAft>
                       </a:pPr>
                       <a:r>
-                        <a:rPr lang="en-US" sz="1400" b="1">
+                        <a:rPr lang="en-US" sz="1300" b="1">
                           <a:effectLst/>
                           <a:latin typeface="Times New Roman" panose="02020603050405020304" pitchFamily="18" charset="0"/>
                           <a:cs typeface="Times New Roman" panose="02020603050405020304" pitchFamily="18" charset="0"/>
@@ -5242,14 +5166,14 @@
                         <a:t>Nov 27</a:t>
                       </a:r>
                       <a:r>
-                        <a:rPr lang="en-US" sz="1400" b="1" baseline="30000">
+                        <a:rPr lang="en-US" sz="1300" b="1" baseline="30000">
                           <a:effectLst/>
                           <a:latin typeface="Times New Roman" panose="02020603050405020304" pitchFamily="18" charset="0"/>
                           <a:cs typeface="Times New Roman" panose="02020603050405020304" pitchFamily="18" charset="0"/>
                         </a:rPr>
                         <a:t>th</a:t>
                       </a:r>
-                      <a:endParaRPr lang="en-US" sz="1400" b="1" dirty="0">
+                      <a:endParaRPr lang="en-US" sz="1300" b="1" dirty="0">
                         <a:solidFill>
                           <a:srgbClr val="000000"/>
                         </a:solidFill>
@@ -5285,14 +5209,14 @@
                         <a:defRPr/>
                       </a:pPr>
                       <a:r>
-                        <a:rPr lang="en-US" sz="1400" dirty="0">
+                        <a:rPr lang="en-US" sz="1300" dirty="0">
                           <a:effectLst/>
                           <a:latin typeface="Times New Roman" panose="02020603050405020304" pitchFamily="18" charset="0"/>
                           <a:cs typeface="Times New Roman" panose="02020603050405020304" pitchFamily="18" charset="0"/>
                         </a:rPr>
                         <a:t>Supported research project practical time. Coursework submission. </a:t>
                       </a:r>
-                      <a:endParaRPr lang="en-US" sz="1400" dirty="0">
+                      <a:endParaRPr lang="en-US" sz="1300" dirty="0">
                         <a:solidFill>
                           <a:srgbClr val="000000"/>
                         </a:solidFill>
@@ -5319,14 +5243,14 @@
                         </a:spcAft>
                       </a:pPr>
                       <a:r>
-                        <a:rPr lang="en-US" sz="1400">
+                        <a:rPr lang="en-US" sz="1300">
                           <a:effectLst/>
                           <a:latin typeface="Times New Roman" panose="02020603050405020304" pitchFamily="18" charset="0"/>
                           <a:cs typeface="Times New Roman" panose="02020603050405020304" pitchFamily="18" charset="0"/>
                         </a:rPr>
                         <a:t>Coursework project</a:t>
                       </a:r>
-                      <a:endParaRPr lang="en-US" sz="1400" dirty="0">
+                      <a:endParaRPr lang="en-US" sz="1300" dirty="0">
                         <a:solidFill>
                           <a:srgbClr val="000000"/>
                         </a:solidFill>
@@ -5345,7 +5269,7 @@
                   </a:ext>
                 </a:extLst>
               </a:tr>
-              <a:tr h="416736">
+              <a:tr h="420694">
                 <a:tc>
                   <a:txBody>
                     <a:bodyPr/>
@@ -5360,7 +5284,7 @@
                         </a:spcAft>
                       </a:pPr>
                       <a:r>
-                        <a:rPr lang="en-US" sz="1400" b="1" dirty="0">
+                        <a:rPr lang="en-US" sz="1300" b="1" dirty="0">
                           <a:effectLst/>
                           <a:latin typeface="Times New Roman" panose="02020603050405020304" pitchFamily="18" charset="0"/>
                           <a:cs typeface="Times New Roman" panose="02020603050405020304" pitchFamily="18" charset="0"/>
@@ -5378,7 +5302,7 @@
                         </a:spcAft>
                       </a:pPr>
                       <a:r>
-                        <a:rPr lang="en-US" sz="1400" b="1" dirty="0">
+                        <a:rPr lang="en-US" sz="1300" b="1" dirty="0">
                           <a:effectLst/>
                           <a:latin typeface="Times New Roman" panose="02020603050405020304" pitchFamily="18" charset="0"/>
                           <a:cs typeface="Times New Roman" panose="02020603050405020304" pitchFamily="18" charset="0"/>
@@ -5386,7 +5310,7 @@
                         <a:t>Dec 4</a:t>
                       </a:r>
                       <a:r>
-                        <a:rPr lang="en-US" sz="1400" b="1" baseline="30000" dirty="0">
+                        <a:rPr lang="en-US" sz="1300" b="1" baseline="30000" dirty="0">
                           <a:effectLst/>
                           <a:latin typeface="Times New Roman" panose="02020603050405020304" pitchFamily="18" charset="0"/>
                           <a:cs typeface="Times New Roman" panose="02020603050405020304" pitchFamily="18" charset="0"/>
@@ -5394,14 +5318,14 @@
                         <a:t>th</a:t>
                       </a:r>
                       <a:r>
-                        <a:rPr lang="en-US" sz="1400" b="1" dirty="0">
+                        <a:rPr lang="en-US" sz="1300" b="1" dirty="0">
                           <a:effectLst/>
                           <a:latin typeface="Times New Roman" panose="02020603050405020304" pitchFamily="18" charset="0"/>
                           <a:cs typeface="Times New Roman" panose="02020603050405020304" pitchFamily="18" charset="0"/>
                         </a:rPr>
                         <a:t> </a:t>
                       </a:r>
-                      <a:endParaRPr lang="en-US" sz="1400" b="1" dirty="0">
+                      <a:endParaRPr lang="en-US" sz="1300" b="1" dirty="0">
                         <a:solidFill>
                           <a:srgbClr val="000000"/>
                         </a:solidFill>
@@ -5437,7 +5361,7 @@
                         <a:defRPr/>
                       </a:pPr>
                       <a:r>
-                        <a:rPr lang="en-US" sz="1400" dirty="0">
+                        <a:rPr lang="en-US" sz="1300" dirty="0">
                           <a:solidFill>
                             <a:srgbClr val="000000"/>
                           </a:solidFill>
@@ -5466,14 +5390,14 @@
                         </a:spcAft>
                       </a:pPr>
                       <a:r>
-                        <a:rPr lang="en-US" sz="1400" dirty="0">
+                        <a:rPr lang="en-US" sz="1300" dirty="0">
                           <a:effectLst/>
                           <a:latin typeface="Times New Roman" panose="02020603050405020304" pitchFamily="18" charset="0"/>
                           <a:cs typeface="Times New Roman" panose="02020603050405020304" pitchFamily="18" charset="0"/>
                         </a:rPr>
                         <a:t>Coursework project</a:t>
                       </a:r>
-                      <a:endParaRPr lang="en-US" sz="1400" dirty="0">
+                      <a:endParaRPr lang="en-US" sz="1300" dirty="0">
                         <a:solidFill>
                           <a:srgbClr val="000000"/>
                         </a:solidFill>

--- a/syllabus/format.pptx
+++ b/syllabus/format.pptx
@@ -255,7 +255,7 @@
           <a:p>
             <a:fld id="{48CDFCA1-6601-C943-AA02-89F09BE97B91}" type="datetimeFigureOut">
               <a:rPr lang="en-US" smtClean="0"/>
-              <a:t>9/13/2023</a:t>
+              <a:t>10/16/2023</a:t>
             </a:fld>
             <a:endParaRPr lang="en-US"/>
           </a:p>
@@ -425,7 +425,7 @@
           <a:p>
             <a:fld id="{48CDFCA1-6601-C943-AA02-89F09BE97B91}" type="datetimeFigureOut">
               <a:rPr lang="en-US" smtClean="0"/>
-              <a:t>9/13/2023</a:t>
+              <a:t>10/16/2023</a:t>
             </a:fld>
             <a:endParaRPr lang="en-US"/>
           </a:p>
@@ -605,7 +605,7 @@
           <a:p>
             <a:fld id="{48CDFCA1-6601-C943-AA02-89F09BE97B91}" type="datetimeFigureOut">
               <a:rPr lang="en-US" smtClean="0"/>
-              <a:t>9/13/2023</a:t>
+              <a:t>10/16/2023</a:t>
             </a:fld>
             <a:endParaRPr lang="en-US"/>
           </a:p>
@@ -775,7 +775,7 @@
           <a:p>
             <a:fld id="{48CDFCA1-6601-C943-AA02-89F09BE97B91}" type="datetimeFigureOut">
               <a:rPr lang="en-US" smtClean="0"/>
-              <a:t>9/13/2023</a:t>
+              <a:t>10/16/2023</a:t>
             </a:fld>
             <a:endParaRPr lang="en-US"/>
           </a:p>
@@ -1019,7 +1019,7 @@
           <a:p>
             <a:fld id="{48CDFCA1-6601-C943-AA02-89F09BE97B91}" type="datetimeFigureOut">
               <a:rPr lang="en-US" smtClean="0"/>
-              <a:t>9/13/2023</a:t>
+              <a:t>10/16/2023</a:t>
             </a:fld>
             <a:endParaRPr lang="en-US"/>
           </a:p>
@@ -1251,7 +1251,7 @@
           <a:p>
             <a:fld id="{48CDFCA1-6601-C943-AA02-89F09BE97B91}" type="datetimeFigureOut">
               <a:rPr lang="en-US" smtClean="0"/>
-              <a:t>9/13/2023</a:t>
+              <a:t>10/16/2023</a:t>
             </a:fld>
             <a:endParaRPr lang="en-US"/>
           </a:p>
@@ -1618,7 +1618,7 @@
           <a:p>
             <a:fld id="{48CDFCA1-6601-C943-AA02-89F09BE97B91}" type="datetimeFigureOut">
               <a:rPr lang="en-US" smtClean="0"/>
-              <a:t>9/13/2023</a:t>
+              <a:t>10/16/2023</a:t>
             </a:fld>
             <a:endParaRPr lang="en-US"/>
           </a:p>
@@ -1736,7 +1736,7 @@
           <a:p>
             <a:fld id="{48CDFCA1-6601-C943-AA02-89F09BE97B91}" type="datetimeFigureOut">
               <a:rPr lang="en-US" smtClean="0"/>
-              <a:t>9/13/2023</a:t>
+              <a:t>10/16/2023</a:t>
             </a:fld>
             <a:endParaRPr lang="en-US"/>
           </a:p>
@@ -1831,7 +1831,7 @@
           <a:p>
             <a:fld id="{48CDFCA1-6601-C943-AA02-89F09BE97B91}" type="datetimeFigureOut">
               <a:rPr lang="en-US" smtClean="0"/>
-              <a:t>9/13/2023</a:t>
+              <a:t>10/16/2023</a:t>
             </a:fld>
             <a:endParaRPr lang="en-US"/>
           </a:p>
@@ -2108,7 +2108,7 @@
           <a:p>
             <a:fld id="{48CDFCA1-6601-C943-AA02-89F09BE97B91}" type="datetimeFigureOut">
               <a:rPr lang="en-US" smtClean="0"/>
-              <a:t>9/13/2023</a:t>
+              <a:t>10/16/2023</a:t>
             </a:fld>
             <a:endParaRPr lang="en-US"/>
           </a:p>
@@ -2365,7 +2365,7 @@
           <a:p>
             <a:fld id="{48CDFCA1-6601-C943-AA02-89F09BE97B91}" type="datetimeFigureOut">
               <a:rPr lang="en-US" smtClean="0"/>
-              <a:t>9/13/2023</a:t>
+              <a:t>10/16/2023</a:t>
             </a:fld>
             <a:endParaRPr lang="en-US"/>
           </a:p>
@@ -2578,7 +2578,7 @@
           <a:p>
             <a:fld id="{48CDFCA1-6601-C943-AA02-89F09BE97B91}" type="datetimeFigureOut">
               <a:rPr lang="en-US" smtClean="0"/>
-              <a:t>9/13/2023</a:t>
+              <a:t>10/16/2023</a:t>
             </a:fld>
             <a:endParaRPr lang="en-US"/>
           </a:p>
@@ -3008,14 +3008,14 @@
           <p:nvPr>
             <p:extLst>
               <p:ext uri="{D42A27DB-BD31-4B8C-83A1-F6EECF244321}">
-                <p14:modId xmlns:p14="http://schemas.microsoft.com/office/powerpoint/2010/main" val="424226267"/>
+                <p14:modId xmlns:p14="http://schemas.microsoft.com/office/powerpoint/2010/main" val="3419784333"/>
               </p:ext>
             </p:extLst>
           </p:nvPr>
         </p:nvGraphicFramePr>
         <p:xfrm>
           <a:off x="0" y="1"/>
-          <a:ext cx="9144002" cy="6858002"/>
+          <a:ext cx="9144002" cy="6862970"/>
         </p:xfrm>
         <a:graphic>
           <a:graphicData uri="http://schemas.openxmlformats.org/drawingml/2006/table">
@@ -3046,7 +3046,7 @@
                   </a:extLst>
                 </a:gridCol>
               </a:tblGrid>
-              <a:tr h="214890">
+              <a:tr h="212884">
                 <a:tc>
                   <a:txBody>
                     <a:bodyPr/>
@@ -3155,7 +3155,7 @@
                   </a:ext>
                 </a:extLst>
               </a:tr>
-              <a:tr h="444420">
+              <a:tr h="449782">
                 <a:tc>
                   <a:txBody>
                     <a:bodyPr/>
@@ -3170,7 +3170,7 @@
                         </a:spcAft>
                       </a:pPr>
                       <a:r>
-                        <a:rPr lang="en-US" sz="1300" b="1" dirty="0">
+                        <a:rPr lang="en-US" sz="1200" b="1" dirty="0">
                           <a:effectLst/>
                           <a:latin typeface="Times New Roman" panose="02020603050405020304" pitchFamily="18" charset="0"/>
                           <a:cs typeface="Times New Roman" panose="02020603050405020304" pitchFamily="18" charset="0"/>
@@ -3188,7 +3188,7 @@
                         </a:spcAft>
                       </a:pPr>
                       <a:r>
-                        <a:rPr lang="en-US" sz="1300" b="1" dirty="0">
+                        <a:rPr lang="en-US" sz="1200" b="1" dirty="0">
                           <a:effectLst/>
                           <a:latin typeface="Times New Roman" panose="02020603050405020304" pitchFamily="18" charset="0"/>
                           <a:cs typeface="Times New Roman" panose="02020603050405020304" pitchFamily="18" charset="0"/>
@@ -3196,7 +3196,7 @@
                         <a:t>Aug 21</a:t>
                       </a:r>
                       <a:r>
-                        <a:rPr lang="en-US" sz="1300" b="1" baseline="30000" dirty="0">
+                        <a:rPr lang="en-US" sz="1200" b="1" baseline="30000" dirty="0">
                           <a:effectLst/>
                           <a:latin typeface="Times New Roman" panose="02020603050405020304" pitchFamily="18" charset="0"/>
                           <a:cs typeface="Times New Roman" panose="02020603050405020304" pitchFamily="18" charset="0"/>
@@ -3204,14 +3204,14 @@
                         <a:t>st</a:t>
                       </a:r>
                       <a:r>
-                        <a:rPr lang="en-US" sz="1300" b="1" dirty="0">
+                        <a:rPr lang="en-US" sz="1200" b="1" dirty="0">
                           <a:effectLst/>
                           <a:latin typeface="Times New Roman" panose="02020603050405020304" pitchFamily="18" charset="0"/>
                           <a:cs typeface="Times New Roman" panose="02020603050405020304" pitchFamily="18" charset="0"/>
                         </a:rPr>
                         <a:t>  </a:t>
                       </a:r>
-                      <a:endParaRPr lang="en-US" sz="1300" b="1" dirty="0">
+                      <a:endParaRPr lang="en-US" sz="1200" b="1" dirty="0">
                         <a:solidFill>
                           <a:srgbClr val="000000"/>
                         </a:solidFill>
@@ -3241,17 +3241,20 @@
                         </a:spcAft>
                       </a:pPr>
                       <a:r>
-                        <a:rPr lang="en-US" sz="1300" kern="1200">
-                          <a:solidFill>
-                            <a:schemeClr val="tx1"/>
-                          </a:solidFill>
-                          <a:effectLst/>
-                          <a:latin typeface="Times New Roman" panose="02020603050405020304" pitchFamily="18" charset="0"/>
-                          <a:ea typeface="+mn-ea"/>
-                          <a:cs typeface="Times New Roman" panose="02020603050405020304" pitchFamily="18" charset="0"/>
-                        </a:rPr>
-                        <a:t>Introduction and course overview</a:t>
-                      </a:r>
+                        <a:rPr lang="en-US" sz="1400" kern="1200" dirty="0">
+                          <a:effectLst/>
+                          <a:latin typeface="Times New Roman" panose="02020603050405020304" pitchFamily="18" charset="0"/>
+                          <a:ea typeface="Times New Roman" panose="02020603050405020304" pitchFamily="18" charset="0"/>
+                          <a:cs typeface="Times New Roman" panose="02020603050405020304" pitchFamily="18" charset="0"/>
+                        </a:rPr>
+                        <a:t>Introduction and course overview.</a:t>
+                      </a:r>
+                      <a:endParaRPr lang="en-US" sz="1400" dirty="0">
+                        <a:effectLst/>
+                        <a:latin typeface="Times New Roman" panose="02020603050405020304" pitchFamily="18" charset="0"/>
+                        <a:ea typeface="Times New Roman" panose="02020603050405020304" pitchFamily="18" charset="0"/>
+                        <a:cs typeface="Times New Roman" panose="02020603050405020304" pitchFamily="18" charset="0"/>
+                      </a:endParaRPr>
                     </a:p>
                     <a:p>
                       <a:pPr marL="91440" marR="0" algn="ctr">
@@ -3266,17 +3269,38 @@
                         </a:spcAft>
                       </a:pPr>
                       <a:r>
-                        <a:rPr lang="en-US" sz="1300" kern="1200">
-                          <a:solidFill>
-                            <a:schemeClr val="tx1"/>
-                          </a:solidFill>
-                          <a:effectLst/>
-                          <a:latin typeface="Times New Roman" panose="02020603050405020304" pitchFamily="18" charset="0"/>
-                          <a:ea typeface="+mn-ea"/>
-                          <a:cs typeface="Times New Roman" panose="02020603050405020304" pitchFamily="18" charset="0"/>
-                        </a:rPr>
-                        <a:t>Installing Anaconda + Jupyter notebooks</a:t>
-                      </a:r>
+                        <a:rPr lang="en-US" sz="1400" kern="1200" dirty="0">
+                          <a:effectLst/>
+                          <a:latin typeface="Times New Roman" panose="02020603050405020304" pitchFamily="18" charset="0"/>
+                          <a:ea typeface="Times New Roman" panose="02020603050405020304" pitchFamily="18" charset="0"/>
+                          <a:cs typeface="Times New Roman" panose="02020603050405020304" pitchFamily="18" charset="0"/>
+                        </a:rPr>
+                        <a:t>Installing Anaconda + </a:t>
+                      </a:r>
+                      <a:r>
+                        <a:rPr lang="en-US" sz="1400" kern="1200" dirty="0" err="1">
+                          <a:effectLst/>
+                          <a:latin typeface="Times New Roman" panose="02020603050405020304" pitchFamily="18" charset="0"/>
+                          <a:ea typeface="Times New Roman" panose="02020603050405020304" pitchFamily="18" charset="0"/>
+                          <a:cs typeface="Times New Roman" panose="02020603050405020304" pitchFamily="18" charset="0"/>
+                        </a:rPr>
+                        <a:t>Jupyter</a:t>
+                      </a:r>
+                      <a:r>
+                        <a:rPr lang="en-US" sz="1400" kern="1200" dirty="0">
+                          <a:effectLst/>
+                          <a:latin typeface="Times New Roman" panose="02020603050405020304" pitchFamily="18" charset="0"/>
+                          <a:ea typeface="Times New Roman" panose="02020603050405020304" pitchFamily="18" charset="0"/>
+                          <a:cs typeface="Times New Roman" panose="02020603050405020304" pitchFamily="18" charset="0"/>
+                        </a:rPr>
+                        <a:t> notebooks.</a:t>
+                      </a:r>
+                      <a:endParaRPr lang="en-US" sz="1400" dirty="0">
+                        <a:effectLst/>
+                        <a:latin typeface="Times New Roman" panose="02020603050405020304" pitchFamily="18" charset="0"/>
+                        <a:ea typeface="Times New Roman" panose="02020603050405020304" pitchFamily="18" charset="0"/>
+                        <a:cs typeface="Times New Roman" panose="02020603050405020304" pitchFamily="18" charset="0"/>
+                      </a:endParaRPr>
                     </a:p>
                   </a:txBody>
                   <a:tcPr marL="53340" marR="53340" marT="9525" marB="0" anchor="ctr"/>
@@ -3286,7 +3310,7 @@
                     <a:bodyPr/>
                     <a:lstStyle/>
                     <a:p>
-                      <a:pPr marL="91440" marR="0" algn="ctr" defTabSz="914400" rtl="0" eaLnBrk="1" latinLnBrk="0" hangingPunct="1">
+                      <a:pPr marL="91440" marR="0" algn="ctr">
                         <a:lnSpc>
                           <a:spcPct val="107000"/>
                         </a:lnSpc>
@@ -3298,17 +3322,20 @@
                         </a:spcAft>
                       </a:pPr>
                       <a:r>
-                        <a:rPr lang="en-US" sz="1300" kern="1200">
-                          <a:solidFill>
-                            <a:schemeClr val="tx1"/>
-                          </a:solidFill>
-                          <a:effectLst/>
-                          <a:latin typeface="Times New Roman" panose="02020603050405020304" pitchFamily="18" charset="0"/>
-                          <a:ea typeface="+mn-ea"/>
+                        <a:rPr lang="en-US" sz="1400" kern="1200" dirty="0">
+                          <a:effectLst/>
+                          <a:latin typeface="Times New Roman" panose="02020603050405020304" pitchFamily="18" charset="0"/>
+                          <a:ea typeface="Times New Roman" panose="02020603050405020304" pitchFamily="18" charset="0"/>
                           <a:cs typeface="Times New Roman" panose="02020603050405020304" pitchFamily="18" charset="0"/>
                         </a:rPr>
                         <a:t>Presentation 1</a:t>
                       </a:r>
+                      <a:endParaRPr lang="en-US" sz="1400" dirty="0">
+                        <a:effectLst/>
+                        <a:latin typeface="Times New Roman" panose="02020603050405020304" pitchFamily="18" charset="0"/>
+                        <a:ea typeface="Times New Roman" panose="02020603050405020304" pitchFamily="18" charset="0"/>
+                        <a:cs typeface="Times New Roman" panose="02020603050405020304" pitchFamily="18" charset="0"/>
+                      </a:endParaRPr>
                     </a:p>
                   </a:txBody>
                   <a:tcPr marL="53340" marR="53340" marT="9525" marB="0" anchor="ctr"/>
@@ -3319,7 +3346,7 @@
                   </a:ext>
                 </a:extLst>
               </a:tr>
-              <a:tr h="444420">
+              <a:tr h="449782">
                 <a:tc>
                   <a:txBody>
                     <a:bodyPr/>
@@ -3334,7 +3361,7 @@
                         </a:spcAft>
                       </a:pPr>
                       <a:r>
-                        <a:rPr lang="en-US" sz="1300" b="1" dirty="0">
+                        <a:rPr lang="en-US" sz="1200" b="1" dirty="0">
                           <a:effectLst/>
                           <a:latin typeface="Times New Roman" panose="02020603050405020304" pitchFamily="18" charset="0"/>
                           <a:cs typeface="Times New Roman" panose="02020603050405020304" pitchFamily="18" charset="0"/>
@@ -3352,7 +3379,7 @@
                         </a:spcAft>
                       </a:pPr>
                       <a:r>
-                        <a:rPr lang="en-US" sz="1300" b="1" dirty="0">
+                        <a:rPr lang="en-US" sz="1200" b="1" dirty="0">
                           <a:effectLst/>
                           <a:latin typeface="Times New Roman" panose="02020603050405020304" pitchFamily="18" charset="0"/>
                           <a:cs typeface="Times New Roman" panose="02020603050405020304" pitchFamily="18" charset="0"/>
@@ -3360,7 +3387,7 @@
                         <a:t>Aug 28</a:t>
                       </a:r>
                       <a:r>
-                        <a:rPr lang="en-US" sz="1300" b="1" baseline="30000" dirty="0">
+                        <a:rPr lang="en-US" sz="1200" b="1" baseline="30000" dirty="0">
                           <a:effectLst/>
                           <a:latin typeface="Times New Roman" panose="02020603050405020304" pitchFamily="18" charset="0"/>
                           <a:cs typeface="Times New Roman" panose="02020603050405020304" pitchFamily="18" charset="0"/>
@@ -3368,14 +3395,14 @@
                         <a:t>th</a:t>
                       </a:r>
                       <a:r>
-                        <a:rPr lang="en-US" sz="1300" b="1" dirty="0">
+                        <a:rPr lang="en-US" sz="1200" b="1" dirty="0">
                           <a:effectLst/>
                           <a:latin typeface="Times New Roman" panose="02020603050405020304" pitchFamily="18" charset="0"/>
                           <a:cs typeface="Times New Roman" panose="02020603050405020304" pitchFamily="18" charset="0"/>
                         </a:rPr>
                         <a:t> </a:t>
                       </a:r>
-                      <a:endParaRPr lang="en-US" sz="1300" b="1" dirty="0">
+                      <a:endParaRPr lang="en-US" sz="1200" b="1" dirty="0">
                         <a:solidFill>
                           <a:srgbClr val="000000"/>
                         </a:solidFill>
@@ -3405,17 +3432,20 @@
                         </a:spcAft>
                       </a:pPr>
                       <a:r>
-                        <a:rPr lang="en-US" sz="1300" kern="1200">
-                          <a:solidFill>
-                            <a:schemeClr val="tx1"/>
-                          </a:solidFill>
-                          <a:effectLst/>
-                          <a:latin typeface="Times New Roman" panose="02020603050405020304" pitchFamily="18" charset="0"/>
-                          <a:ea typeface="+mn-ea"/>
-                          <a:cs typeface="Times New Roman" panose="02020603050405020304" pitchFamily="18" charset="0"/>
-                        </a:rPr>
-                        <a:t>What is an image? Python for beginners (packages, basic data structures, file paths, operators etc.).</a:t>
-                      </a:r>
+                        <a:rPr lang="en-US" sz="1400" kern="1200" dirty="0">
+                          <a:effectLst/>
+                          <a:latin typeface="Times New Roman" panose="02020603050405020304" pitchFamily="18" charset="0"/>
+                          <a:ea typeface="Times New Roman" panose="02020603050405020304" pitchFamily="18" charset="0"/>
+                          <a:cs typeface="Times New Roman" panose="02020603050405020304" pitchFamily="18" charset="0"/>
+                        </a:rPr>
+                        <a:t>What is an image? Viewing an image. Python for beginners (packages, basic data structures, file paths, operators etc.).</a:t>
+                      </a:r>
+                      <a:endParaRPr lang="en-US" sz="1400" dirty="0">
+                        <a:effectLst/>
+                        <a:latin typeface="Times New Roman" panose="02020603050405020304" pitchFamily="18" charset="0"/>
+                        <a:ea typeface="Times New Roman" panose="02020603050405020304" pitchFamily="18" charset="0"/>
+                        <a:cs typeface="Times New Roman" panose="02020603050405020304" pitchFamily="18" charset="0"/>
+                      </a:endParaRPr>
                     </a:p>
                   </a:txBody>
                   <a:tcPr marL="53340" marR="53340" marT="9525" marB="0" anchor="ctr"/>
@@ -3425,7 +3455,7 @@
                     <a:bodyPr/>
                     <a:lstStyle/>
                     <a:p>
-                      <a:pPr marL="91440" marR="0" algn="ctr" defTabSz="914400" rtl="0" eaLnBrk="1" latinLnBrk="0" hangingPunct="1">
+                      <a:pPr marL="91440" marR="0" algn="ctr">
                         <a:lnSpc>
                           <a:spcPct val="107000"/>
                         </a:lnSpc>
@@ -3437,17 +3467,20 @@
                         </a:spcAft>
                       </a:pPr>
                       <a:r>
-                        <a:rPr lang="en-US" sz="1300" kern="1200">
-                          <a:solidFill>
-                            <a:schemeClr val="tx1"/>
-                          </a:solidFill>
-                          <a:effectLst/>
-                          <a:latin typeface="Times New Roman" panose="02020603050405020304" pitchFamily="18" charset="0"/>
-                          <a:ea typeface="+mn-ea"/>
+                        <a:rPr lang="en-US" sz="1400" kern="1200" dirty="0">
+                          <a:effectLst/>
+                          <a:latin typeface="Times New Roman" panose="02020603050405020304" pitchFamily="18" charset="0"/>
+                          <a:ea typeface="Times New Roman" panose="02020603050405020304" pitchFamily="18" charset="0"/>
                           <a:cs typeface="Times New Roman" panose="02020603050405020304" pitchFamily="18" charset="0"/>
                         </a:rPr>
                         <a:t>Test 1</a:t>
                       </a:r>
+                      <a:endParaRPr lang="en-US" sz="1400" dirty="0">
+                        <a:effectLst/>
+                        <a:latin typeface="Times New Roman" panose="02020603050405020304" pitchFamily="18" charset="0"/>
+                        <a:ea typeface="Times New Roman" panose="02020603050405020304" pitchFamily="18" charset="0"/>
+                        <a:cs typeface="Times New Roman" panose="02020603050405020304" pitchFamily="18" charset="0"/>
+                      </a:endParaRPr>
                     </a:p>
                   </a:txBody>
                   <a:tcPr marL="53340" marR="53340" marT="9525" marB="0" anchor="ctr"/>
@@ -3458,7 +3491,7 @@
                   </a:ext>
                 </a:extLst>
               </a:tr>
-              <a:tr h="444420">
+              <a:tr h="449782">
                 <a:tc>
                   <a:txBody>
                     <a:bodyPr/>
@@ -3473,7 +3506,7 @@
                         </a:spcAft>
                       </a:pPr>
                       <a:r>
-                        <a:rPr lang="en-US" sz="1300" b="1" dirty="0">
+                        <a:rPr lang="en-US" sz="1200" b="1" dirty="0">
                           <a:effectLst/>
                           <a:latin typeface="Times New Roman" panose="02020603050405020304" pitchFamily="18" charset="0"/>
                           <a:cs typeface="Times New Roman" panose="02020603050405020304" pitchFamily="18" charset="0"/>
@@ -3491,7 +3524,7 @@
                         </a:spcAft>
                       </a:pPr>
                       <a:r>
-                        <a:rPr lang="en-US" sz="1300" b="1" dirty="0">
+                        <a:rPr lang="en-US" sz="1200" b="1" dirty="0">
                           <a:effectLst/>
                           <a:latin typeface="Times New Roman" panose="02020603050405020304" pitchFamily="18" charset="0"/>
                           <a:cs typeface="Times New Roman" panose="02020603050405020304" pitchFamily="18" charset="0"/>
@@ -3499,14 +3532,14 @@
                         <a:t>Sept 4</a:t>
                       </a:r>
                       <a:r>
-                        <a:rPr lang="en-US" sz="1300" b="1" baseline="30000" dirty="0">
+                        <a:rPr lang="en-US" sz="1200" b="1" baseline="30000" dirty="0">
                           <a:effectLst/>
                           <a:latin typeface="Times New Roman" panose="02020603050405020304" pitchFamily="18" charset="0"/>
                           <a:cs typeface="Times New Roman" panose="02020603050405020304" pitchFamily="18" charset="0"/>
                         </a:rPr>
                         <a:t>th</a:t>
                       </a:r>
-                      <a:endParaRPr lang="en-US" sz="1300" b="1" dirty="0">
+                      <a:endParaRPr lang="en-US" sz="1200" b="1" dirty="0">
                         <a:solidFill>
                           <a:srgbClr val="000000"/>
                         </a:solidFill>
@@ -3536,17 +3569,20 @@
                         </a:spcAft>
                       </a:pPr>
                       <a:r>
-                        <a:rPr lang="en-US" sz="1300" kern="1200">
-                          <a:solidFill>
-                            <a:schemeClr val="tx1"/>
-                          </a:solidFill>
-                          <a:effectLst/>
-                          <a:latin typeface="Times New Roman" panose="02020603050405020304" pitchFamily="18" charset="0"/>
-                          <a:ea typeface="+mn-ea"/>
+                        <a:rPr lang="en-US" sz="1400" kern="1200" dirty="0">
+                          <a:effectLst/>
+                          <a:latin typeface="Times New Roman" panose="02020603050405020304" pitchFamily="18" charset="0"/>
+                          <a:ea typeface="Times New Roman" panose="02020603050405020304" pitchFamily="18" charset="0"/>
                           <a:cs typeface="Times New Roman" panose="02020603050405020304" pitchFamily="18" charset="0"/>
                         </a:rPr>
                         <a:t>Intermediate Python </a:t>
                       </a:r>
+                      <a:endParaRPr lang="en-US" sz="1400" dirty="0">
+                        <a:effectLst/>
+                        <a:latin typeface="Times New Roman" panose="02020603050405020304" pitchFamily="18" charset="0"/>
+                        <a:ea typeface="Times New Roman" panose="02020603050405020304" pitchFamily="18" charset="0"/>
+                        <a:cs typeface="Times New Roman" panose="02020603050405020304" pitchFamily="18" charset="0"/>
+                      </a:endParaRPr>
                     </a:p>
                     <a:p>
                       <a:pPr marL="91440" marR="0" algn="ctr">
@@ -3561,17 +3597,20 @@
                         </a:spcAft>
                       </a:pPr>
                       <a:r>
-                        <a:rPr lang="en-US" sz="1300" kern="1200">
-                          <a:solidFill>
-                            <a:schemeClr val="tx1"/>
-                          </a:solidFill>
-                          <a:effectLst/>
-                          <a:latin typeface="Times New Roman" panose="02020603050405020304" pitchFamily="18" charset="0"/>
-                          <a:ea typeface="+mn-ea"/>
+                        <a:rPr lang="en-US" sz="1400" kern="1200" dirty="0">
+                          <a:effectLst/>
+                          <a:latin typeface="Times New Roman" panose="02020603050405020304" pitchFamily="18" charset="0"/>
+                          <a:ea typeface="Times New Roman" panose="02020603050405020304" pitchFamily="18" charset="0"/>
                           <a:cs typeface="Times New Roman" panose="02020603050405020304" pitchFamily="18" charset="0"/>
                         </a:rPr>
                         <a:t>(multi-dimensional data structures, functions, loops etc.).</a:t>
                       </a:r>
+                      <a:endParaRPr lang="en-US" sz="1400" dirty="0">
+                        <a:effectLst/>
+                        <a:latin typeface="Times New Roman" panose="02020603050405020304" pitchFamily="18" charset="0"/>
+                        <a:ea typeface="Times New Roman" panose="02020603050405020304" pitchFamily="18" charset="0"/>
+                        <a:cs typeface="Times New Roman" panose="02020603050405020304" pitchFamily="18" charset="0"/>
+                      </a:endParaRPr>
                     </a:p>
                   </a:txBody>
                   <a:tcPr marL="53340" marR="53340" marT="9525" marB="0" anchor="ctr"/>
@@ -3581,7 +3620,7 @@
                     <a:bodyPr/>
                     <a:lstStyle/>
                     <a:p>
-                      <a:pPr marL="91440" marR="0" algn="ctr" defTabSz="914400" rtl="0" eaLnBrk="1" latinLnBrk="0" hangingPunct="1">
+                      <a:pPr marL="91440" marR="0" algn="ctr">
                         <a:lnSpc>
                           <a:spcPct val="107000"/>
                         </a:lnSpc>
@@ -3593,17 +3632,20 @@
                         </a:spcAft>
                       </a:pPr>
                       <a:r>
-                        <a:rPr lang="en-US" sz="1300" kern="1200">
-                          <a:solidFill>
-                            <a:schemeClr val="tx1"/>
-                          </a:solidFill>
-                          <a:effectLst/>
-                          <a:latin typeface="Times New Roman" panose="02020603050405020304" pitchFamily="18" charset="0"/>
-                          <a:ea typeface="+mn-ea"/>
+                        <a:rPr lang="en-US" sz="1400" kern="1200" dirty="0">
+                          <a:effectLst/>
+                          <a:latin typeface="Times New Roman" panose="02020603050405020304" pitchFamily="18" charset="0"/>
+                          <a:ea typeface="Times New Roman" panose="02020603050405020304" pitchFamily="18" charset="0"/>
                           <a:cs typeface="Times New Roman" panose="02020603050405020304" pitchFamily="18" charset="0"/>
                         </a:rPr>
                         <a:t>Test 2</a:t>
                       </a:r>
+                      <a:endParaRPr lang="en-US" sz="1400" dirty="0">
+                        <a:effectLst/>
+                        <a:latin typeface="Times New Roman" panose="02020603050405020304" pitchFamily="18" charset="0"/>
+                        <a:ea typeface="Times New Roman" panose="02020603050405020304" pitchFamily="18" charset="0"/>
+                        <a:cs typeface="Times New Roman" panose="02020603050405020304" pitchFamily="18" charset="0"/>
+                      </a:endParaRPr>
                     </a:p>
                   </a:txBody>
                   <a:tcPr marL="53340" marR="53340" marT="9525" marB="0" anchor="ctr"/>
@@ -3614,7 +3656,7 @@
                   </a:ext>
                 </a:extLst>
               </a:tr>
-              <a:tr h="448145">
+              <a:tr h="443767">
                 <a:tc>
                   <a:txBody>
                     <a:bodyPr/>
@@ -3629,7 +3671,7 @@
                         </a:spcAft>
                       </a:pPr>
                       <a:r>
-                        <a:rPr lang="en-US" sz="1300" b="1" dirty="0">
+                        <a:rPr lang="en-US" sz="1200" b="1" dirty="0">
                           <a:effectLst/>
                           <a:latin typeface="Times New Roman" panose="02020603050405020304" pitchFamily="18" charset="0"/>
                           <a:cs typeface="Times New Roman" panose="02020603050405020304" pitchFamily="18" charset="0"/>
@@ -3647,7 +3689,7 @@
                         </a:spcAft>
                       </a:pPr>
                       <a:r>
-                        <a:rPr lang="en-US" sz="1300" b="1" dirty="0">
+                        <a:rPr lang="en-US" sz="1200" b="1" dirty="0">
                           <a:solidFill>
                             <a:srgbClr val="000000"/>
                           </a:solidFill>
@@ -3659,7 +3701,7 @@
                         <a:t>Sept 11</a:t>
                       </a:r>
                       <a:r>
-                        <a:rPr lang="en-US" sz="1300" b="1" baseline="30000" dirty="0">
+                        <a:rPr lang="en-US" sz="1200" b="1" baseline="30000" dirty="0">
                           <a:solidFill>
                             <a:srgbClr val="000000"/>
                           </a:solidFill>
@@ -3671,7 +3713,7 @@
                         <a:t>th</a:t>
                       </a:r>
                       <a:r>
-                        <a:rPr lang="en-US" sz="1300" b="1" dirty="0">
+                        <a:rPr lang="en-US" sz="1200" b="1" dirty="0">
                           <a:solidFill>
                             <a:srgbClr val="000000"/>
                           </a:solidFill>
@@ -3703,17 +3745,20 @@
                         </a:spcAft>
                       </a:pPr>
                       <a:r>
-                        <a:rPr lang="en-US" sz="1300" kern="1200" dirty="0">
-                          <a:solidFill>
-                            <a:schemeClr val="tx1"/>
-                          </a:solidFill>
-                          <a:effectLst/>
-                          <a:latin typeface="Times New Roman" panose="02020603050405020304" pitchFamily="18" charset="0"/>
-                          <a:ea typeface="+mn-ea"/>
-                          <a:cs typeface="Times New Roman" panose="02020603050405020304" pitchFamily="18" charset="0"/>
-                        </a:rPr>
-                        <a:t>Earth Observation (EO) missions and sources of satellite imagery.</a:t>
-                      </a:r>
+                        <a:rPr lang="en-US" sz="1400" kern="1200">
+                          <a:effectLst/>
+                          <a:latin typeface="Times New Roman" panose="02020603050405020304" pitchFamily="18" charset="0"/>
+                          <a:ea typeface="Times New Roman" panose="02020603050405020304" pitchFamily="18" charset="0"/>
+                          <a:cs typeface="Times New Roman" panose="02020603050405020304" pitchFamily="18" charset="0"/>
+                        </a:rPr>
+                        <a:t>Review of Earth Observation (EO) missions and sources of satellite imagery.</a:t>
+                      </a:r>
+                      <a:endParaRPr lang="en-US" sz="1400">
+                        <a:effectLst/>
+                        <a:latin typeface="Times New Roman" panose="02020603050405020304" pitchFamily="18" charset="0"/>
+                        <a:ea typeface="Times New Roman" panose="02020603050405020304" pitchFamily="18" charset="0"/>
+                        <a:cs typeface="Times New Roman" panose="02020603050405020304" pitchFamily="18" charset="0"/>
+                      </a:endParaRPr>
                     </a:p>
                   </a:txBody>
                   <a:tcPr marL="53340" marR="53340" marT="9525" marB="0" anchor="ctr"/>
@@ -3723,7 +3768,7 @@
                     <a:bodyPr/>
                     <a:lstStyle/>
                     <a:p>
-                      <a:pPr marL="91440" marR="0" algn="ctr" defTabSz="914400" rtl="0" eaLnBrk="1" latinLnBrk="0" hangingPunct="1">
+                      <a:pPr marL="91440" marR="0" algn="ctr">
                         <a:lnSpc>
                           <a:spcPct val="107000"/>
                         </a:lnSpc>
@@ -3735,17 +3780,20 @@
                         </a:spcAft>
                       </a:pPr>
                       <a:r>
-                        <a:rPr lang="en-US" sz="1300" kern="1200">
-                          <a:solidFill>
-                            <a:schemeClr val="tx1"/>
-                          </a:solidFill>
-                          <a:effectLst/>
-                          <a:latin typeface="Times New Roman" panose="02020603050405020304" pitchFamily="18" charset="0"/>
-                          <a:ea typeface="+mn-ea"/>
+                        <a:rPr lang="en-US" sz="1400" kern="1200">
+                          <a:effectLst/>
+                          <a:latin typeface="Times New Roman" panose="02020603050405020304" pitchFamily="18" charset="0"/>
+                          <a:ea typeface="Times New Roman" panose="02020603050405020304" pitchFamily="18" charset="0"/>
                           <a:cs typeface="Times New Roman" panose="02020603050405020304" pitchFamily="18" charset="0"/>
                         </a:rPr>
                         <a:t>Assignment 1</a:t>
                       </a:r>
+                      <a:endParaRPr lang="en-US" sz="1400">
+                        <a:effectLst/>
+                        <a:latin typeface="Times New Roman" panose="02020603050405020304" pitchFamily="18" charset="0"/>
+                        <a:ea typeface="Times New Roman" panose="02020603050405020304" pitchFamily="18" charset="0"/>
+                        <a:cs typeface="Times New Roman" panose="02020603050405020304" pitchFamily="18" charset="0"/>
+                      </a:endParaRPr>
                     </a:p>
                   </a:txBody>
                   <a:tcPr marL="53340" marR="53340" marT="9525" marB="0" anchor="ctr"/>
@@ -3756,7 +3804,7 @@
                   </a:ext>
                 </a:extLst>
               </a:tr>
-              <a:tr h="420694">
+              <a:tr h="416584">
                 <a:tc>
                   <a:txBody>
                     <a:bodyPr/>
@@ -3771,7 +3819,7 @@
                         </a:spcAft>
                       </a:pPr>
                       <a:r>
-                        <a:rPr lang="en-US" sz="1300" b="1" dirty="0">
+                        <a:rPr lang="en-US" sz="1200" b="1" dirty="0">
                           <a:effectLst/>
                           <a:latin typeface="Times New Roman" panose="02020603050405020304" pitchFamily="18" charset="0"/>
                           <a:cs typeface="Times New Roman" panose="02020603050405020304" pitchFamily="18" charset="0"/>
@@ -3789,7 +3837,7 @@
                         </a:spcAft>
                       </a:pPr>
                       <a:r>
-                        <a:rPr lang="en-US" sz="1300" b="1" dirty="0">
+                        <a:rPr lang="en-US" sz="1200" b="1" dirty="0">
                           <a:effectLst/>
                           <a:latin typeface="Times New Roman" panose="02020603050405020304" pitchFamily="18" charset="0"/>
                           <a:cs typeface="Times New Roman" panose="02020603050405020304" pitchFamily="18" charset="0"/>
@@ -3797,7 +3845,7 @@
                         <a:t>Sep 18</a:t>
                       </a:r>
                       <a:r>
-                        <a:rPr lang="en-US" sz="1300" b="1" baseline="30000" dirty="0">
+                        <a:rPr lang="en-US" sz="1200" b="1" baseline="30000" dirty="0">
                           <a:effectLst/>
                           <a:latin typeface="Times New Roman" panose="02020603050405020304" pitchFamily="18" charset="0"/>
                           <a:cs typeface="Times New Roman" panose="02020603050405020304" pitchFamily="18" charset="0"/>
@@ -3805,14 +3853,14 @@
                         <a:t>th</a:t>
                       </a:r>
                       <a:r>
-                        <a:rPr lang="en-US" sz="1300" b="1" dirty="0">
+                        <a:rPr lang="en-US" sz="1200" b="1" dirty="0">
                           <a:effectLst/>
                           <a:latin typeface="Times New Roman" panose="02020603050405020304" pitchFamily="18" charset="0"/>
                           <a:cs typeface="Times New Roman" panose="02020603050405020304" pitchFamily="18" charset="0"/>
                         </a:rPr>
                         <a:t> </a:t>
                       </a:r>
-                      <a:endParaRPr lang="en-US" sz="1300" b="1" dirty="0">
+                      <a:endParaRPr lang="en-US" sz="1200" b="1" dirty="0">
                         <a:solidFill>
                           <a:srgbClr val="000000"/>
                         </a:solidFill>
@@ -3842,17 +3890,38 @@
                         </a:spcAft>
                       </a:pPr>
                       <a:r>
-                        <a:rPr lang="en-US" sz="1300" kern="1200">
-                          <a:solidFill>
-                            <a:schemeClr val="tx1"/>
-                          </a:solidFill>
-                          <a:effectLst/>
-                          <a:latin typeface="Times New Roman" panose="02020603050405020304" pitchFamily="18" charset="0"/>
-                          <a:ea typeface="+mn-ea"/>
-                          <a:cs typeface="Times New Roman" panose="02020603050405020304" pitchFamily="18" charset="0"/>
-                        </a:rPr>
-                        <a:t>Working with spatial objects in GeoPandas.</a:t>
-                      </a:r>
+                        <a:rPr lang="en-US" sz="1400" kern="1200" dirty="0">
+                          <a:effectLst/>
+                          <a:latin typeface="Times New Roman" panose="02020603050405020304" pitchFamily="18" charset="0"/>
+                          <a:ea typeface="Times New Roman" panose="02020603050405020304" pitchFamily="18" charset="0"/>
+                          <a:cs typeface="Times New Roman" panose="02020603050405020304" pitchFamily="18" charset="0"/>
+                        </a:rPr>
+                        <a:t>Intro to Shapely, </a:t>
+                      </a:r>
+                      <a:r>
+                        <a:rPr lang="en-US" sz="1400" kern="1200" dirty="0" err="1">
+                          <a:effectLst/>
+                          <a:latin typeface="Times New Roman" panose="02020603050405020304" pitchFamily="18" charset="0"/>
+                          <a:ea typeface="Times New Roman" panose="02020603050405020304" pitchFamily="18" charset="0"/>
+                          <a:cs typeface="Times New Roman" panose="02020603050405020304" pitchFamily="18" charset="0"/>
+                        </a:rPr>
+                        <a:t>GeoPandas</a:t>
+                      </a:r>
+                      <a:r>
+                        <a:rPr lang="en-US" sz="1400" kern="1200" dirty="0">
+                          <a:effectLst/>
+                          <a:latin typeface="Times New Roman" panose="02020603050405020304" pitchFamily="18" charset="0"/>
+                          <a:ea typeface="Times New Roman" panose="02020603050405020304" pitchFamily="18" charset="0"/>
+                          <a:cs typeface="Times New Roman" panose="02020603050405020304" pitchFamily="18" charset="0"/>
+                        </a:rPr>
+                        <a:t> and Pandas.</a:t>
+                      </a:r>
+                      <a:endParaRPr lang="en-US" sz="1400" dirty="0">
+                        <a:effectLst/>
+                        <a:latin typeface="Times New Roman" panose="02020603050405020304" pitchFamily="18" charset="0"/>
+                        <a:ea typeface="Times New Roman" panose="02020603050405020304" pitchFamily="18" charset="0"/>
+                        <a:cs typeface="Times New Roman" panose="02020603050405020304" pitchFamily="18" charset="0"/>
+                      </a:endParaRPr>
                     </a:p>
                   </a:txBody>
                   <a:tcPr marL="53340" marR="53340" marT="9525" marB="0" anchor="ctr"/>
@@ -3862,7 +3931,7 @@
                     <a:bodyPr/>
                     <a:lstStyle/>
                     <a:p>
-                      <a:pPr marL="91440" marR="0" algn="ctr" defTabSz="914400" rtl="0" eaLnBrk="1" latinLnBrk="0" hangingPunct="1">
+                      <a:pPr marL="91440" marR="0" algn="ctr">
                         <a:lnSpc>
                           <a:spcPct val="107000"/>
                         </a:lnSpc>
@@ -3874,17 +3943,20 @@
                         </a:spcAft>
                       </a:pPr>
                       <a:r>
-                        <a:rPr lang="en-US" sz="1300" kern="1200">
-                          <a:solidFill>
-                            <a:schemeClr val="tx1"/>
-                          </a:solidFill>
-                          <a:effectLst/>
-                          <a:latin typeface="Times New Roman" panose="02020603050405020304" pitchFamily="18" charset="0"/>
-                          <a:ea typeface="+mn-ea"/>
-                          <a:cs typeface="Times New Roman" panose="02020603050405020304" pitchFamily="18" charset="0"/>
-                        </a:rPr>
-                        <a:t>Assignment 2</a:t>
-                      </a:r>
+                        <a:rPr lang="en-GB" sz="1400" dirty="0">
+                          <a:effectLst/>
+                          <a:latin typeface="Times New Roman" panose="02020603050405020304" pitchFamily="18" charset="0"/>
+                          <a:ea typeface="Times New Roman" panose="02020603050405020304" pitchFamily="18" charset="0"/>
+                          <a:cs typeface="Times New Roman" panose="02020603050405020304" pitchFamily="18" charset="0"/>
+                        </a:rPr>
+                        <a:t>-</a:t>
+                      </a:r>
+                      <a:endParaRPr lang="en-US" sz="1400" dirty="0">
+                        <a:effectLst/>
+                        <a:latin typeface="Times New Roman" panose="02020603050405020304" pitchFamily="18" charset="0"/>
+                        <a:ea typeface="Times New Roman" panose="02020603050405020304" pitchFamily="18" charset="0"/>
+                        <a:cs typeface="Times New Roman" panose="02020603050405020304" pitchFamily="18" charset="0"/>
+                      </a:endParaRPr>
                     </a:p>
                   </a:txBody>
                   <a:tcPr marL="53340" marR="53340" marT="9525" marB="0" anchor="ctr"/>
@@ -3895,7 +3967,7 @@
                   </a:ext>
                 </a:extLst>
               </a:tr>
-              <a:tr h="420694">
+              <a:tr h="449782">
                 <a:tc>
                   <a:txBody>
                     <a:bodyPr/>
@@ -3910,7 +3982,7 @@
                         </a:spcAft>
                       </a:pPr>
                       <a:r>
-                        <a:rPr lang="en-US" sz="1300" b="1" dirty="0">
+                        <a:rPr lang="en-US" sz="1200" b="1" dirty="0">
                           <a:effectLst/>
                           <a:latin typeface="Times New Roman" panose="02020603050405020304" pitchFamily="18" charset="0"/>
                           <a:cs typeface="Times New Roman" panose="02020603050405020304" pitchFamily="18" charset="0"/>
@@ -3928,7 +4000,7 @@
                         </a:spcAft>
                       </a:pPr>
                       <a:r>
-                        <a:rPr lang="en-US" sz="1300" b="1" dirty="0">
+                        <a:rPr lang="en-US" sz="1200" b="1" dirty="0">
                           <a:effectLst/>
                           <a:latin typeface="Times New Roman" panose="02020603050405020304" pitchFamily="18" charset="0"/>
                           <a:cs typeface="Times New Roman" panose="02020603050405020304" pitchFamily="18" charset="0"/>
@@ -3936,7 +4008,7 @@
                         <a:t>Sept 25</a:t>
                       </a:r>
                       <a:r>
-                        <a:rPr lang="en-US" sz="1300" b="1" baseline="30000" dirty="0">
+                        <a:rPr lang="en-US" sz="1200" b="1" baseline="30000" dirty="0">
                           <a:effectLst/>
                           <a:latin typeface="Times New Roman" panose="02020603050405020304" pitchFamily="18" charset="0"/>
                           <a:cs typeface="Times New Roman" panose="02020603050405020304" pitchFamily="18" charset="0"/>
@@ -3944,14 +4016,14 @@
                         <a:t>th</a:t>
                       </a:r>
                       <a:r>
-                        <a:rPr lang="en-US" sz="1300" b="1" dirty="0">
+                        <a:rPr lang="en-US" sz="1200" b="1" dirty="0">
                           <a:effectLst/>
                           <a:latin typeface="Times New Roman" panose="02020603050405020304" pitchFamily="18" charset="0"/>
                           <a:cs typeface="Times New Roman" panose="02020603050405020304" pitchFamily="18" charset="0"/>
                         </a:rPr>
                         <a:t> </a:t>
                       </a:r>
-                      <a:endParaRPr lang="en-US" sz="1300" b="1" dirty="0">
+                      <a:endParaRPr lang="en-US" sz="1200" b="1" dirty="0">
                         <a:solidFill>
                           <a:srgbClr val="000000"/>
                         </a:solidFill>
@@ -3981,17 +4053,20 @@
                         </a:spcAft>
                       </a:pPr>
                       <a:r>
-                        <a:rPr lang="en-US" sz="1300" kern="1200">
-                          <a:solidFill>
-                            <a:schemeClr val="tx1"/>
-                          </a:solidFill>
-                          <a:effectLst/>
-                          <a:latin typeface="Times New Roman" panose="02020603050405020304" pitchFamily="18" charset="0"/>
-                          <a:ea typeface="+mn-ea"/>
-                          <a:cs typeface="Times New Roman" panose="02020603050405020304" pitchFamily="18" charset="0"/>
-                        </a:rPr>
-                        <a:t>Coordinate Reference Systems. Image reprojection.</a:t>
-                      </a:r>
+                        <a:rPr lang="en-US" sz="1400" kern="1200">
+                          <a:effectLst/>
+                          <a:latin typeface="Times New Roman" panose="02020603050405020304" pitchFamily="18" charset="0"/>
+                          <a:ea typeface="Times New Roman" panose="02020603050405020304" pitchFamily="18" charset="0"/>
+                          <a:cs typeface="Times New Roman" panose="02020603050405020304" pitchFamily="18" charset="0"/>
+                        </a:rPr>
+                        <a:t>Working with multi-band imagery. Coordinate Reference Systems. Viewing and updating image metadata.</a:t>
+                      </a:r>
+                      <a:endParaRPr lang="en-US" sz="1400">
+                        <a:effectLst/>
+                        <a:latin typeface="Times New Roman" panose="02020603050405020304" pitchFamily="18" charset="0"/>
+                        <a:ea typeface="Times New Roman" panose="02020603050405020304" pitchFamily="18" charset="0"/>
+                        <a:cs typeface="Times New Roman" panose="02020603050405020304" pitchFamily="18" charset="0"/>
+                      </a:endParaRPr>
                     </a:p>
                   </a:txBody>
                   <a:tcPr marL="53340" marR="53340" marT="9525" marB="0" anchor="ctr"/>
@@ -4001,7 +4076,7 @@
                     <a:bodyPr/>
                     <a:lstStyle/>
                     <a:p>
-                      <a:pPr marL="91440" marR="0" algn="ctr" defTabSz="914400" rtl="0" eaLnBrk="1" latinLnBrk="0" hangingPunct="1">
+                      <a:pPr marL="91440" marR="0" algn="ctr">
                         <a:lnSpc>
                           <a:spcPct val="107000"/>
                         </a:lnSpc>
@@ -4013,17 +4088,20 @@
                         </a:spcAft>
                       </a:pPr>
                       <a:r>
-                        <a:rPr lang="en-US" sz="1300" kern="1200">
-                          <a:solidFill>
-                            <a:schemeClr val="tx1"/>
-                          </a:solidFill>
-                          <a:effectLst/>
-                          <a:latin typeface="Times New Roman" panose="02020603050405020304" pitchFamily="18" charset="0"/>
-                          <a:ea typeface="+mn-ea"/>
-                          <a:cs typeface="Times New Roman" panose="02020603050405020304" pitchFamily="18" charset="0"/>
-                        </a:rPr>
-                        <a:t>Assignment 3</a:t>
-                      </a:r>
+                        <a:rPr lang="en-US" sz="1400" kern="1200">
+                          <a:effectLst/>
+                          <a:latin typeface="Times New Roman" panose="02020603050405020304" pitchFamily="18" charset="0"/>
+                          <a:ea typeface="Times New Roman" panose="02020603050405020304" pitchFamily="18" charset="0"/>
+                          <a:cs typeface="Times New Roman" panose="02020603050405020304" pitchFamily="18" charset="0"/>
+                        </a:rPr>
+                        <a:t>Assignment 2</a:t>
+                      </a:r>
+                      <a:endParaRPr lang="en-US" sz="1400">
+                        <a:effectLst/>
+                        <a:latin typeface="Times New Roman" panose="02020603050405020304" pitchFamily="18" charset="0"/>
+                        <a:ea typeface="Times New Roman" panose="02020603050405020304" pitchFamily="18" charset="0"/>
+                        <a:cs typeface="Times New Roman" panose="02020603050405020304" pitchFamily="18" charset="0"/>
+                      </a:endParaRPr>
                     </a:p>
                   </a:txBody>
                   <a:tcPr marL="53340" marR="53340" marT="9525" marB="0" anchor="ctr"/>
@@ -4034,7 +4112,7 @@
                   </a:ext>
                 </a:extLst>
               </a:tr>
-              <a:tr h="444420">
+              <a:tr h="440079">
                 <a:tc>
                   <a:txBody>
                     <a:bodyPr/>
@@ -4049,7 +4127,7 @@
                         </a:spcAft>
                       </a:pPr>
                       <a:r>
-                        <a:rPr lang="en-US" sz="1300" b="1" dirty="0">
+                        <a:rPr lang="en-US" sz="1200" b="1" dirty="0">
                           <a:effectLst/>
                           <a:latin typeface="Times New Roman" panose="02020603050405020304" pitchFamily="18" charset="0"/>
                           <a:cs typeface="Times New Roman" panose="02020603050405020304" pitchFamily="18" charset="0"/>
@@ -4067,7 +4145,7 @@
                         </a:spcAft>
                       </a:pPr>
                       <a:r>
-                        <a:rPr lang="en-US" sz="1300" b="1" dirty="0">
+                        <a:rPr lang="en-US" sz="1200" b="1" dirty="0">
                           <a:effectLst/>
                           <a:latin typeface="Times New Roman" panose="02020603050405020304" pitchFamily="18" charset="0"/>
                           <a:cs typeface="Times New Roman" panose="02020603050405020304" pitchFamily="18" charset="0"/>
@@ -4075,14 +4153,14 @@
                         <a:t>Oct 2</a:t>
                       </a:r>
                       <a:r>
-                        <a:rPr lang="en-US" sz="1300" b="1" baseline="30000" dirty="0">
+                        <a:rPr lang="en-US" sz="1200" b="1" baseline="30000" dirty="0">
                           <a:effectLst/>
                           <a:latin typeface="Times New Roman" panose="02020603050405020304" pitchFamily="18" charset="0"/>
                           <a:cs typeface="Times New Roman" panose="02020603050405020304" pitchFamily="18" charset="0"/>
                         </a:rPr>
                         <a:t>nd</a:t>
                       </a:r>
-                      <a:endParaRPr lang="en-US" sz="1300" b="1" dirty="0">
+                      <a:endParaRPr lang="en-US" sz="1200" b="1" dirty="0">
                         <a:solidFill>
                           <a:srgbClr val="000000"/>
                         </a:solidFill>
@@ -4112,17 +4190,20 @@
                         </a:spcAft>
                       </a:pPr>
                       <a:r>
-                        <a:rPr lang="en-US" sz="1300" kern="1200" dirty="0">
-                          <a:solidFill>
-                            <a:schemeClr val="tx1"/>
-                          </a:solidFill>
-                          <a:effectLst/>
-                          <a:latin typeface="Times New Roman" panose="02020603050405020304" pitchFamily="18" charset="0"/>
-                          <a:ea typeface="+mn-ea"/>
-                          <a:cs typeface="Times New Roman" panose="02020603050405020304" pitchFamily="18" charset="0"/>
-                        </a:rPr>
-                        <a:t>Clipping (from single images to looping over multiple images). Image enhancement.</a:t>
-                      </a:r>
+                        <a:rPr lang="en-US" sz="1400" kern="1200" dirty="0">
+                          <a:effectLst/>
+                          <a:latin typeface="Times New Roman" panose="02020603050405020304" pitchFamily="18" charset="0"/>
+                          <a:ea typeface="Times New Roman" panose="02020603050405020304" pitchFamily="18" charset="0"/>
+                          <a:cs typeface="Times New Roman" panose="02020603050405020304" pitchFamily="18" charset="0"/>
+                        </a:rPr>
+                        <a:t>Clipping and writing raster images. </a:t>
+                      </a:r>
+                      <a:endParaRPr lang="en-US" sz="1400" dirty="0">
+                        <a:effectLst/>
+                        <a:latin typeface="Times New Roman" panose="02020603050405020304" pitchFamily="18" charset="0"/>
+                        <a:ea typeface="Times New Roman" panose="02020603050405020304" pitchFamily="18" charset="0"/>
+                        <a:cs typeface="Times New Roman" panose="02020603050405020304" pitchFamily="18" charset="0"/>
+                      </a:endParaRPr>
                     </a:p>
                   </a:txBody>
                   <a:tcPr marL="53340" marR="53340" marT="9525" marB="0" anchor="ctr"/>
@@ -4132,7 +4213,7 @@
                     <a:bodyPr/>
                     <a:lstStyle/>
                     <a:p>
-                      <a:pPr marL="91440" marR="0" algn="ctr" defTabSz="914400" rtl="0" eaLnBrk="1" latinLnBrk="0" hangingPunct="1">
+                      <a:pPr marL="91440" marR="0" algn="ctr">
                         <a:lnSpc>
                           <a:spcPct val="107000"/>
                         </a:lnSpc>
@@ -4144,17 +4225,20 @@
                         </a:spcAft>
                       </a:pPr>
                       <a:r>
-                        <a:rPr lang="en-US" sz="1300" kern="1200" dirty="0">
-                          <a:solidFill>
-                            <a:schemeClr val="tx1"/>
-                          </a:solidFill>
-                          <a:effectLst/>
-                          <a:latin typeface="Times New Roman" panose="02020603050405020304" pitchFamily="18" charset="0"/>
-                          <a:ea typeface="+mn-ea"/>
-                          <a:cs typeface="Times New Roman" panose="02020603050405020304" pitchFamily="18" charset="0"/>
-                        </a:rPr>
-                        <a:t>Assignment 4</a:t>
-                      </a:r>
+                        <a:rPr lang="en-US" sz="1400" kern="1200" dirty="0">
+                          <a:effectLst/>
+                          <a:latin typeface="Times New Roman" panose="02020603050405020304" pitchFamily="18" charset="0"/>
+                          <a:ea typeface="Times New Roman" panose="02020603050405020304" pitchFamily="18" charset="0"/>
+                          <a:cs typeface="Times New Roman" panose="02020603050405020304" pitchFamily="18" charset="0"/>
+                        </a:rPr>
+                        <a:t>Assignment 3</a:t>
+                      </a:r>
+                      <a:endParaRPr lang="en-US" sz="1400" dirty="0">
+                        <a:effectLst/>
+                        <a:latin typeface="Times New Roman" panose="02020603050405020304" pitchFamily="18" charset="0"/>
+                        <a:ea typeface="Times New Roman" panose="02020603050405020304" pitchFamily="18" charset="0"/>
+                        <a:cs typeface="Times New Roman" panose="02020603050405020304" pitchFamily="18" charset="0"/>
+                      </a:endParaRPr>
                     </a:p>
                   </a:txBody>
                   <a:tcPr marL="53340" marR="53340" marT="9525" marB="0" anchor="ctr"/>
@@ -4165,7 +4249,7 @@
                   </a:ext>
                 </a:extLst>
               </a:tr>
-              <a:tr h="210347">
+              <a:tr h="212884">
                 <a:tc gridSpan="3">
                   <a:txBody>
                     <a:bodyPr/>
@@ -4180,14 +4264,14 @@
                         </a:spcAft>
                       </a:pPr>
                       <a:r>
-                        <a:rPr lang="en-US" sz="1300" b="1" dirty="0">
+                        <a:rPr lang="en-US" sz="1400" b="1" dirty="0">
                           <a:effectLst/>
                           <a:latin typeface="Times New Roman" panose="02020603050405020304" pitchFamily="18" charset="0"/>
                           <a:cs typeface="Times New Roman" panose="02020603050405020304" pitchFamily="18" charset="0"/>
                         </a:rPr>
                         <a:t>Fall Break</a:t>
                       </a:r>
-                      <a:endParaRPr lang="en-US" sz="1300" b="1" dirty="0">
+                      <a:endParaRPr lang="en-US" sz="1400" b="1" dirty="0">
                         <a:solidFill>
                           <a:srgbClr val="000000"/>
                         </a:solidFill>
@@ -4242,7 +4326,7 @@
                   </a:ext>
                 </a:extLst>
               </a:tr>
-              <a:tr h="420694">
+              <a:tr h="416584">
                 <a:tc>
                   <a:txBody>
                     <a:bodyPr/>
@@ -4257,7 +4341,7 @@
                         </a:spcAft>
                       </a:pPr>
                       <a:r>
-                        <a:rPr lang="en-US" sz="1300" b="1">
+                        <a:rPr lang="en-US" sz="1200" b="1">
                           <a:effectLst/>
                           <a:latin typeface="Times New Roman" panose="02020603050405020304" pitchFamily="18" charset="0"/>
                           <a:cs typeface="Times New Roman" panose="02020603050405020304" pitchFamily="18" charset="0"/>
@@ -4275,7 +4359,7 @@
                         </a:spcAft>
                       </a:pPr>
                       <a:r>
-                        <a:rPr lang="en-US" sz="1300" b="1">
+                        <a:rPr lang="en-US" sz="1200" b="1">
                           <a:effectLst/>
                           <a:latin typeface="Times New Roman" panose="02020603050405020304" pitchFamily="18" charset="0"/>
                           <a:cs typeface="Times New Roman" panose="02020603050405020304" pitchFamily="18" charset="0"/>
@@ -4283,7 +4367,7 @@
                         <a:t>Oct 16</a:t>
                       </a:r>
                       <a:r>
-                        <a:rPr lang="en-US" sz="1300" b="1" baseline="30000">
+                        <a:rPr lang="en-US" sz="1200" b="1" baseline="30000">
                           <a:effectLst/>
                           <a:latin typeface="Times New Roman" panose="02020603050405020304" pitchFamily="18" charset="0"/>
                           <a:cs typeface="Times New Roman" panose="02020603050405020304" pitchFamily="18" charset="0"/>
@@ -4291,14 +4375,14 @@
                         <a:t>th</a:t>
                       </a:r>
                       <a:r>
-                        <a:rPr lang="en-US" sz="1300" b="1">
+                        <a:rPr lang="en-US" sz="1200" b="1">
                           <a:effectLst/>
                           <a:latin typeface="Times New Roman" panose="02020603050405020304" pitchFamily="18" charset="0"/>
                           <a:cs typeface="Times New Roman" panose="02020603050405020304" pitchFamily="18" charset="0"/>
                         </a:rPr>
                         <a:t> </a:t>
                       </a:r>
-                      <a:endParaRPr lang="en-US" sz="1300" b="1" dirty="0">
+                      <a:endParaRPr lang="en-US" sz="1200" b="1" dirty="0">
                         <a:solidFill>
                           <a:srgbClr val="000000"/>
                         </a:solidFill>
@@ -4316,9 +4400,9 @@
                     <a:bodyPr/>
                     <a:lstStyle/>
                     <a:p>
-                      <a:pPr marL="90170" marR="0" lvl="0" indent="0" algn="l" defTabSz="914400" rtl="0" eaLnBrk="1" fontAlgn="auto" latinLnBrk="0" hangingPunct="1">
+                      <a:pPr marL="91440" marR="0" algn="ctr">
                         <a:lnSpc>
-                          <a:spcPct val="100000"/>
+                          <a:spcPct val="107000"/>
                         </a:lnSpc>
                         <a:spcBef>
                           <a:spcPts val="0"/>
@@ -4326,28 +4410,25 @@
                         <a:spcAft>
                           <a:spcPts val="0"/>
                         </a:spcAft>
-                        <a:buClrTx/>
-                        <a:buSzTx/>
-                        <a:buFontTx/>
-                        <a:buNone/>
-                        <a:tabLst/>
-                        <a:defRPr/>
                       </a:pPr>
                       <a:r>
-                        <a:rPr lang="en-US" sz="1300" kern="1200" dirty="0">
-                          <a:solidFill>
-                            <a:schemeClr val="tx1"/>
-                          </a:solidFill>
-                          <a:effectLst/>
-                          <a:latin typeface="Times New Roman" panose="02020603050405020304" pitchFamily="18" charset="0"/>
-                          <a:ea typeface="+mn-ea"/>
-                          <a:cs typeface="Times New Roman" panose="02020603050405020304" pitchFamily="18" charset="0"/>
-                        </a:rPr>
-                        <a:t>Histograms and panel plots (Matplotlib).</a:t>
-                      </a:r>
+                        <a:rPr lang="en-US" sz="1400" kern="1200" dirty="0">
+                          <a:effectLst/>
+                          <a:latin typeface="Times New Roman" panose="02020603050405020304" pitchFamily="18" charset="0"/>
+                          <a:ea typeface="Times New Roman" panose="02020603050405020304" pitchFamily="18" charset="0"/>
+                          <a:cs typeface="Times New Roman" panose="02020603050405020304" pitchFamily="18" charset="0"/>
+                        </a:rPr>
+                        <a:t>Image pixel extraction.</a:t>
+                      </a:r>
+                      <a:endParaRPr lang="en-US" sz="1400" dirty="0">
+                        <a:effectLst/>
+                        <a:latin typeface="Times New Roman" panose="02020603050405020304" pitchFamily="18" charset="0"/>
+                        <a:ea typeface="Times New Roman" panose="02020603050405020304" pitchFamily="18" charset="0"/>
+                        <a:cs typeface="Times New Roman" panose="02020603050405020304" pitchFamily="18" charset="0"/>
+                      </a:endParaRPr>
                     </a:p>
                   </a:txBody>
-                  <a:tcPr marL="53270" marR="53270" marT="0" marB="0" anchor="ctr"/>
+                  <a:tcPr marL="53340" marR="53340" marT="9525" marB="0" anchor="ctr"/>
                 </a:tc>
                 <a:tc>
                   <a:txBody>
@@ -4366,17 +4447,20 @@
                         </a:spcAft>
                       </a:pPr>
                       <a:r>
-                        <a:rPr lang="en-US" sz="1300" kern="1200">
-                          <a:solidFill>
-                            <a:schemeClr val="tx1"/>
-                          </a:solidFill>
-                          <a:effectLst/>
-                          <a:latin typeface="Times New Roman" panose="02020603050405020304" pitchFamily="18" charset="0"/>
-                          <a:ea typeface="+mn-ea"/>
-                          <a:cs typeface="Times New Roman" panose="02020603050405020304" pitchFamily="18" charset="0"/>
-                        </a:rPr>
-                        <a:t>Assignment 5</a:t>
-                      </a:r>
+                        <a:rPr lang="en-US" sz="1400" kern="1200" dirty="0">
+                          <a:effectLst/>
+                          <a:latin typeface="Times New Roman" panose="02020603050405020304" pitchFamily="18" charset="0"/>
+                          <a:ea typeface="Times New Roman" panose="02020603050405020304" pitchFamily="18" charset="0"/>
+                          <a:cs typeface="Times New Roman" panose="02020603050405020304" pitchFamily="18" charset="0"/>
+                        </a:rPr>
+                        <a:t>Assignment 4</a:t>
+                      </a:r>
+                      <a:endParaRPr lang="en-US" sz="1400" dirty="0">
+                        <a:effectLst/>
+                        <a:latin typeface="Times New Roman" panose="02020603050405020304" pitchFamily="18" charset="0"/>
+                        <a:ea typeface="Times New Roman" panose="02020603050405020304" pitchFamily="18" charset="0"/>
+                        <a:cs typeface="Times New Roman" panose="02020603050405020304" pitchFamily="18" charset="0"/>
+                      </a:endParaRPr>
                     </a:p>
                   </a:txBody>
                   <a:tcPr marL="53340" marR="53340" marT="9525" marB="0" anchor="ctr"/>
@@ -4387,7 +4471,7 @@
                   </a:ext>
                 </a:extLst>
               </a:tr>
-              <a:tr h="420694">
+              <a:tr h="416584">
                 <a:tc>
                   <a:txBody>
                     <a:bodyPr/>
@@ -4402,7 +4486,7 @@
                         </a:spcAft>
                       </a:pPr>
                       <a:r>
-                        <a:rPr lang="en-US" sz="1300" b="1">
+                        <a:rPr lang="en-US" sz="1200" b="1">
                           <a:effectLst/>
                           <a:latin typeface="Times New Roman" panose="02020603050405020304" pitchFamily="18" charset="0"/>
                           <a:cs typeface="Times New Roman" panose="02020603050405020304" pitchFamily="18" charset="0"/>
@@ -4420,7 +4504,7 @@
                         </a:spcAft>
                       </a:pPr>
                       <a:r>
-                        <a:rPr lang="en-US" sz="1300" b="1">
+                        <a:rPr lang="en-US" sz="1200" b="1">
                           <a:effectLst/>
                           <a:latin typeface="Times New Roman" panose="02020603050405020304" pitchFamily="18" charset="0"/>
                           <a:cs typeface="Times New Roman" panose="02020603050405020304" pitchFamily="18" charset="0"/>
@@ -4428,14 +4512,14 @@
                         <a:t>Oct 23</a:t>
                       </a:r>
                       <a:r>
-                        <a:rPr lang="en-US" sz="1300" b="1" baseline="30000">
+                        <a:rPr lang="en-US" sz="1200" b="1" baseline="30000">
                           <a:effectLst/>
                           <a:latin typeface="Times New Roman" panose="02020603050405020304" pitchFamily="18" charset="0"/>
                           <a:cs typeface="Times New Roman" panose="02020603050405020304" pitchFamily="18" charset="0"/>
                         </a:rPr>
                         <a:t>rd</a:t>
                       </a:r>
-                      <a:endParaRPr lang="en-US" sz="1300" b="1" dirty="0">
+                      <a:endParaRPr lang="en-US" sz="1200" b="1" dirty="0">
                         <a:solidFill>
                           <a:srgbClr val="000000"/>
                         </a:solidFill>
@@ -4453,9 +4537,9 @@
                     <a:bodyPr/>
                     <a:lstStyle/>
                     <a:p>
-                      <a:pPr marL="90170" marR="0" lvl="0" indent="0" algn="l" defTabSz="914400" rtl="0" eaLnBrk="1" fontAlgn="auto" latinLnBrk="0" hangingPunct="1">
+                      <a:pPr marL="91440" marR="0" algn="ctr">
                         <a:lnSpc>
-                          <a:spcPct val="100000"/>
+                          <a:spcPct val="107000"/>
                         </a:lnSpc>
                         <a:spcBef>
                           <a:spcPts val="0"/>
@@ -4463,28 +4547,25 @@
                         <a:spcAft>
                           <a:spcPts val="0"/>
                         </a:spcAft>
-                        <a:buClrTx/>
-                        <a:buSzTx/>
-                        <a:buFontTx/>
-                        <a:buNone/>
-                        <a:tabLst/>
-                        <a:defRPr/>
                       </a:pPr>
                       <a:r>
-                        <a:rPr lang="en-US" sz="1300" dirty="0">
-                          <a:solidFill>
-                            <a:srgbClr val="000000"/>
-                          </a:solidFill>
-                          <a:effectLst/>
-                          <a:latin typeface="Times New Roman" panose="02020603050405020304" pitchFamily="18" charset="0"/>
-                          <a:ea typeface="Calibri" panose="020F0502020204030204" pitchFamily="34" charset="0"/>
-                          <a:cs typeface="Times New Roman" panose="02020603050405020304" pitchFamily="18" charset="0"/>
-                        </a:rPr>
-                        <a:t>Git version control. </a:t>
-                      </a:r>
+                        <a:rPr lang="en-US" sz="1400" kern="1200" dirty="0">
+                          <a:effectLst/>
+                          <a:latin typeface="Times New Roman" panose="02020603050405020304" pitchFamily="18" charset="0"/>
+                          <a:ea typeface="Times New Roman" panose="02020603050405020304" pitchFamily="18" charset="0"/>
+                          <a:cs typeface="Times New Roman" panose="02020603050405020304" pitchFamily="18" charset="0"/>
+                        </a:rPr>
+                        <a:t>Processing large amounts of imagery using loops. </a:t>
+                      </a:r>
+                      <a:endParaRPr lang="en-US" sz="1400" dirty="0">
+                        <a:effectLst/>
+                        <a:latin typeface="Times New Roman" panose="02020603050405020304" pitchFamily="18" charset="0"/>
+                        <a:ea typeface="Times New Roman" panose="02020603050405020304" pitchFamily="18" charset="0"/>
+                        <a:cs typeface="Times New Roman" panose="02020603050405020304" pitchFamily="18" charset="0"/>
+                      </a:endParaRPr>
                     </a:p>
                   </a:txBody>
-                  <a:tcPr marL="53270" marR="53270" marT="0" marB="0" anchor="ctr"/>
+                  <a:tcPr marL="53340" marR="53340" marT="9525" marB="0" anchor="ctr"/>
                 </a:tc>
                 <a:tc>
                   <a:txBody>
@@ -4503,17 +4584,20 @@
                         </a:spcAft>
                       </a:pPr>
                       <a:r>
-                        <a:rPr lang="en-US" sz="1300" kern="1200">
-                          <a:solidFill>
-                            <a:schemeClr val="tx1"/>
-                          </a:solidFill>
-                          <a:effectLst/>
-                          <a:latin typeface="Times New Roman" panose="02020603050405020304" pitchFamily="18" charset="0"/>
-                          <a:ea typeface="+mn-ea"/>
-                          <a:cs typeface="Times New Roman" panose="02020603050405020304" pitchFamily="18" charset="0"/>
-                        </a:rPr>
-                        <a:t>Assignment 6</a:t>
-                      </a:r>
+                        <a:rPr lang="en-US" sz="1400" kern="1200" dirty="0">
+                          <a:effectLst/>
+                          <a:latin typeface="Times New Roman" panose="02020603050405020304" pitchFamily="18" charset="0"/>
+                          <a:ea typeface="Times New Roman" panose="02020603050405020304" pitchFamily="18" charset="0"/>
+                          <a:cs typeface="Times New Roman" panose="02020603050405020304" pitchFamily="18" charset="0"/>
+                        </a:rPr>
+                        <a:t>Assignment 5</a:t>
+                      </a:r>
+                      <a:endParaRPr lang="en-US" sz="1400" dirty="0">
+                        <a:effectLst/>
+                        <a:latin typeface="Times New Roman" panose="02020603050405020304" pitchFamily="18" charset="0"/>
+                        <a:ea typeface="Times New Roman" panose="02020603050405020304" pitchFamily="18" charset="0"/>
+                        <a:cs typeface="Times New Roman" panose="02020603050405020304" pitchFamily="18" charset="0"/>
+                      </a:endParaRPr>
                     </a:p>
                   </a:txBody>
                   <a:tcPr marL="53340" marR="53340" marT="9525" marB="0" anchor="ctr"/>
@@ -4524,7 +4608,7 @@
                   </a:ext>
                 </a:extLst>
               </a:tr>
-              <a:tr h="420694">
+              <a:tr h="416584">
                 <a:tc>
                   <a:txBody>
                     <a:bodyPr/>
@@ -4539,7 +4623,7 @@
                         </a:spcAft>
                       </a:pPr>
                       <a:r>
-                        <a:rPr lang="en-US" sz="1300" b="1">
+                        <a:rPr lang="en-US" sz="1200" b="1">
                           <a:effectLst/>
                           <a:latin typeface="Times New Roman" panose="02020603050405020304" pitchFamily="18" charset="0"/>
                           <a:cs typeface="Times New Roman" panose="02020603050405020304" pitchFamily="18" charset="0"/>
@@ -4557,7 +4641,7 @@
                         </a:spcAft>
                       </a:pPr>
                       <a:r>
-                        <a:rPr lang="en-US" sz="1300" b="1">
+                        <a:rPr lang="en-US" sz="1200" b="1">
                           <a:effectLst/>
                           <a:latin typeface="Times New Roman" panose="02020603050405020304" pitchFamily="18" charset="0"/>
                           <a:cs typeface="Times New Roman" panose="02020603050405020304" pitchFamily="18" charset="0"/>
@@ -4565,7 +4649,7 @@
                         <a:t>Oct 30</a:t>
                       </a:r>
                       <a:r>
-                        <a:rPr lang="en-US" sz="1300" b="1" baseline="30000">
+                        <a:rPr lang="en-US" sz="1200" b="1" baseline="30000">
                           <a:effectLst/>
                           <a:latin typeface="Times New Roman" panose="02020603050405020304" pitchFamily="18" charset="0"/>
                           <a:cs typeface="Times New Roman" panose="02020603050405020304" pitchFamily="18" charset="0"/>
@@ -4573,14 +4657,14 @@
                         <a:t>th</a:t>
                       </a:r>
                       <a:r>
-                        <a:rPr lang="en-US" sz="1300" b="1">
+                        <a:rPr lang="en-US" sz="1200" b="1">
                           <a:effectLst/>
                           <a:latin typeface="Times New Roman" panose="02020603050405020304" pitchFamily="18" charset="0"/>
                           <a:cs typeface="Times New Roman" panose="02020603050405020304" pitchFamily="18" charset="0"/>
                         </a:rPr>
                         <a:t>  </a:t>
                       </a:r>
-                      <a:endParaRPr lang="en-US" sz="1300" b="1" dirty="0">
+                      <a:endParaRPr lang="en-US" sz="1200" b="1" dirty="0">
                         <a:solidFill>
                           <a:srgbClr val="000000"/>
                         </a:solidFill>
@@ -4598,9 +4682,9 @@
                     <a:bodyPr/>
                     <a:lstStyle/>
                     <a:p>
-                      <a:pPr marL="90170" marR="0" lvl="0" indent="0" algn="l" defTabSz="914400" rtl="0" eaLnBrk="1" fontAlgn="auto" latinLnBrk="0" hangingPunct="1">
+                      <a:pPr marL="91440" marR="0" algn="ctr">
                         <a:lnSpc>
-                          <a:spcPct val="100000"/>
+                          <a:spcPct val="107000"/>
                         </a:lnSpc>
                         <a:spcBef>
                           <a:spcPts val="0"/>
@@ -4608,33 +4692,25 @@
                         <a:spcAft>
                           <a:spcPts val="0"/>
                         </a:spcAft>
-                        <a:buClrTx/>
-                        <a:buSzTx/>
-                        <a:buFontTx/>
-                        <a:buNone/>
-                        <a:tabLst/>
-                        <a:defRPr/>
                       </a:pPr>
                       <a:r>
-                        <a:rPr lang="en-US" sz="1300" dirty="0">
-                          <a:effectLst/>
-                          <a:latin typeface="Times New Roman" panose="02020603050405020304" pitchFamily="18" charset="0"/>
-                          <a:cs typeface="Times New Roman" panose="02020603050405020304" pitchFamily="18" charset="0"/>
-                        </a:rPr>
-                        <a:t>Feature extraction from imagery. </a:t>
-                      </a:r>
-                      <a:endParaRPr lang="en-US" sz="1300" dirty="0">
-                        <a:solidFill>
-                          <a:srgbClr val="000000"/>
-                        </a:solidFill>
+                        <a:rPr lang="en-US" sz="1400" kern="1200" dirty="0">
+                          <a:effectLst/>
+                          <a:latin typeface="Times New Roman" panose="02020603050405020304" pitchFamily="18" charset="0"/>
+                          <a:ea typeface="Times New Roman" panose="02020603050405020304" pitchFamily="18" charset="0"/>
+                          <a:cs typeface="Times New Roman" panose="02020603050405020304" pitchFamily="18" charset="0"/>
+                        </a:rPr>
+                        <a:t>Coursework planning.</a:t>
+                      </a:r>
+                      <a:endParaRPr lang="en-US" sz="1400" dirty="0">
                         <a:effectLst/>
                         <a:latin typeface="Times New Roman" panose="02020603050405020304" pitchFamily="18" charset="0"/>
-                        <a:ea typeface="Calibri" panose="020F0502020204030204" pitchFamily="34" charset="0"/>
+                        <a:ea typeface="Times New Roman" panose="02020603050405020304" pitchFamily="18" charset="0"/>
                         <a:cs typeface="Times New Roman" panose="02020603050405020304" pitchFamily="18" charset="0"/>
                       </a:endParaRPr>
                     </a:p>
                   </a:txBody>
-                  <a:tcPr marL="53270" marR="53270" marT="0" marB="0" anchor="ctr"/>
+                  <a:tcPr marL="53340" marR="53340" marT="9525" marB="0" anchor="ctr"/>
                 </a:tc>
                 <a:tc>
                   <a:txBody>
@@ -4653,20 +4729,23 @@
                         </a:spcAft>
                       </a:pPr>
                       <a:r>
-                        <a:rPr lang="en-US" sz="1300" kern="1200">
-                          <a:solidFill>
-                            <a:schemeClr val="tx1"/>
-                          </a:solidFill>
-                          <a:effectLst/>
-                          <a:latin typeface="Times New Roman" panose="02020603050405020304" pitchFamily="18" charset="0"/>
-                          <a:ea typeface="+mn-ea"/>
-                          <a:cs typeface="Times New Roman" panose="02020603050405020304" pitchFamily="18" charset="0"/>
-                        </a:rPr>
-                        <a:t>Assignment 7</a:t>
-                      </a:r>
+                        <a:rPr lang="en-US" sz="1400" kern="1200" dirty="0">
+                          <a:effectLst/>
+                          <a:latin typeface="Times New Roman" panose="02020603050405020304" pitchFamily="18" charset="0"/>
+                          <a:ea typeface="Times New Roman" panose="02020603050405020304" pitchFamily="18" charset="0"/>
+                          <a:cs typeface="Times New Roman" panose="02020603050405020304" pitchFamily="18" charset="0"/>
+                        </a:rPr>
+                        <a:t>Coursework project</a:t>
+                      </a:r>
+                      <a:endParaRPr lang="en-US" sz="1400" dirty="0">
+                        <a:effectLst/>
+                        <a:latin typeface="Times New Roman" panose="02020603050405020304" pitchFamily="18" charset="0"/>
+                        <a:ea typeface="Times New Roman" panose="02020603050405020304" pitchFamily="18" charset="0"/>
+                        <a:cs typeface="Times New Roman" panose="02020603050405020304" pitchFamily="18" charset="0"/>
+                      </a:endParaRPr>
                     </a:p>
                   </a:txBody>
-                  <a:tcPr marL="53340" marR="53340" marT="9525" marB="0" anchor="ctr"/>
+                  <a:tcPr marL="53340" marR="53340" marT="9525" marB="0"/>
                 </a:tc>
                 <a:extLst>
                   <a:ext uri="{0D108BD9-81ED-4DB2-BD59-A6C34878D82A}">
@@ -4674,7 +4753,7 @@
                   </a:ext>
                 </a:extLst>
               </a:tr>
-              <a:tr h="420694">
+              <a:tr h="416584">
                 <a:tc>
                   <a:txBody>
                     <a:bodyPr/>
@@ -4689,7 +4768,7 @@
                         </a:spcAft>
                       </a:pPr>
                       <a:r>
-                        <a:rPr lang="en-US" sz="1300" b="1">
+                        <a:rPr lang="en-US" sz="1200" b="1">
                           <a:effectLst/>
                           <a:latin typeface="Times New Roman" panose="02020603050405020304" pitchFamily="18" charset="0"/>
                           <a:cs typeface="Times New Roman" panose="02020603050405020304" pitchFamily="18" charset="0"/>
@@ -4707,7 +4786,7 @@
                         </a:spcAft>
                       </a:pPr>
                       <a:r>
-                        <a:rPr lang="en-US" sz="1300" b="1">
+                        <a:rPr lang="en-US" sz="1200" b="1">
                           <a:effectLst/>
                           <a:latin typeface="Times New Roman" panose="02020603050405020304" pitchFamily="18" charset="0"/>
                           <a:cs typeface="Times New Roman" panose="02020603050405020304" pitchFamily="18" charset="0"/>
@@ -4715,14 +4794,14 @@
                         <a:t>Nov 6</a:t>
                       </a:r>
                       <a:r>
-                        <a:rPr lang="en-US" sz="1300" b="1" baseline="30000">
+                        <a:rPr lang="en-US" sz="1200" b="1" baseline="30000">
                           <a:effectLst/>
                           <a:latin typeface="Times New Roman" panose="02020603050405020304" pitchFamily="18" charset="0"/>
                           <a:cs typeface="Times New Roman" panose="02020603050405020304" pitchFamily="18" charset="0"/>
                         </a:rPr>
                         <a:t>th</a:t>
                       </a:r>
-                      <a:endParaRPr lang="en-US" sz="1300" b="1" dirty="0">
+                      <a:endParaRPr lang="en-US" sz="1200" b="1" dirty="0">
                         <a:solidFill>
                           <a:srgbClr val="000000"/>
                         </a:solidFill>
@@ -4740,7 +4819,10 @@
                     <a:bodyPr/>
                     <a:lstStyle/>
                     <a:p>
-                      <a:pPr marL="90170" marR="0">
+                      <a:pPr marL="91440" marR="0" algn="ctr">
+                        <a:lnSpc>
+                          <a:spcPct val="107000"/>
+                        </a:lnSpc>
                         <a:spcBef>
                           <a:spcPts val="0"/>
                         </a:spcBef>
@@ -4749,41 +4831,23 @@
                         </a:spcAft>
                       </a:pPr>
                       <a:r>
-                        <a:rPr lang="en-US" sz="1300" dirty="0">
-                          <a:effectLst/>
-                          <a:latin typeface="Times New Roman" panose="02020603050405020304" pitchFamily="18" charset="0"/>
-                          <a:cs typeface="Times New Roman" panose="02020603050405020304" pitchFamily="18" charset="0"/>
-                        </a:rPr>
-                        <a:t>Introduction to </a:t>
-                      </a:r>
-                      <a:r>
-                        <a:rPr lang="en-US" sz="1300" dirty="0" err="1">
-                          <a:effectLst/>
-                          <a:latin typeface="Times New Roman" panose="02020603050405020304" pitchFamily="18" charset="0"/>
-                          <a:cs typeface="Times New Roman" panose="02020603050405020304" pitchFamily="18" charset="0"/>
-                        </a:rPr>
-                        <a:t>GeoPandas</a:t>
-                      </a:r>
-                      <a:r>
-                        <a:rPr lang="en-US" sz="1300" dirty="0">
-                          <a:effectLst/>
-                          <a:latin typeface="Times New Roman" panose="02020603050405020304" pitchFamily="18" charset="0"/>
-                          <a:cs typeface="Times New Roman" panose="02020603050405020304" pitchFamily="18" charset="0"/>
-                        </a:rPr>
-                        <a:t> (manipulation of spatial imagery layers and data). Coursework planning.</a:t>
-                      </a:r>
-                      <a:endParaRPr lang="en-US" sz="1300" dirty="0">
-                        <a:solidFill>
-                          <a:srgbClr val="000000"/>
-                        </a:solidFill>
+                        <a:rPr lang="en-US" sz="1400" kern="1200" dirty="0">
+                          <a:effectLst/>
+                          <a:latin typeface="Times New Roman" panose="02020603050405020304" pitchFamily="18" charset="0"/>
+                          <a:ea typeface="Times New Roman" panose="02020603050405020304" pitchFamily="18" charset="0"/>
+                          <a:cs typeface="Times New Roman" panose="02020603050405020304" pitchFamily="18" charset="0"/>
+                        </a:rPr>
+                        <a:t>Working on coursework projects.</a:t>
+                      </a:r>
+                      <a:endParaRPr lang="en-US" sz="1400" dirty="0">
                         <a:effectLst/>
                         <a:latin typeface="Times New Roman" panose="02020603050405020304" pitchFamily="18" charset="0"/>
-                        <a:ea typeface="Calibri" panose="020F0502020204030204" pitchFamily="34" charset="0"/>
+                        <a:ea typeface="Times New Roman" panose="02020603050405020304" pitchFamily="18" charset="0"/>
                         <a:cs typeface="Times New Roman" panose="02020603050405020304" pitchFamily="18" charset="0"/>
                       </a:endParaRPr>
                     </a:p>
                   </a:txBody>
-                  <a:tcPr marL="53270" marR="53270" marT="0" marB="0" anchor="ctr"/>
+                  <a:tcPr marL="53340" marR="53340" marT="9525" marB="0" anchor="ctr"/>
                 </a:tc>
                 <a:tc>
                   <a:txBody>
@@ -4802,20 +4866,23 @@
                         </a:spcAft>
                       </a:pPr>
                       <a:r>
-                        <a:rPr lang="en-US" sz="1300" kern="1200" dirty="0">
-                          <a:solidFill>
-                            <a:schemeClr val="tx1"/>
-                          </a:solidFill>
-                          <a:effectLst/>
-                          <a:latin typeface="Times New Roman" panose="02020603050405020304" pitchFamily="18" charset="0"/>
-                          <a:ea typeface="+mn-ea"/>
-                          <a:cs typeface="Times New Roman" panose="02020603050405020304" pitchFamily="18" charset="0"/>
-                        </a:rPr>
-                        <a:t>Assignment 8</a:t>
-                      </a:r>
+                        <a:rPr lang="en-US" sz="1400" kern="1200" dirty="0">
+                          <a:effectLst/>
+                          <a:latin typeface="Times New Roman" panose="02020603050405020304" pitchFamily="18" charset="0"/>
+                          <a:ea typeface="Times New Roman" panose="02020603050405020304" pitchFamily="18" charset="0"/>
+                          <a:cs typeface="Times New Roman" panose="02020603050405020304" pitchFamily="18" charset="0"/>
+                        </a:rPr>
+                        <a:t>Coursework project</a:t>
+                      </a:r>
+                      <a:endParaRPr lang="en-US" sz="1400" dirty="0">
+                        <a:effectLst/>
+                        <a:latin typeface="Times New Roman" panose="02020603050405020304" pitchFamily="18" charset="0"/>
+                        <a:ea typeface="Times New Roman" panose="02020603050405020304" pitchFamily="18" charset="0"/>
+                        <a:cs typeface="Times New Roman" panose="02020603050405020304" pitchFamily="18" charset="0"/>
+                      </a:endParaRPr>
                     </a:p>
                   </a:txBody>
-                  <a:tcPr marL="53340" marR="53340" marT="9525" marB="0" anchor="ctr"/>
+                  <a:tcPr marL="53340" marR="53340" marT="9525" marB="0"/>
                 </a:tc>
                 <a:extLst>
                   <a:ext uri="{0D108BD9-81ED-4DB2-BD59-A6C34878D82A}">
@@ -4823,7 +4890,7 @@
                   </a:ext>
                 </a:extLst>
               </a:tr>
-              <a:tr h="420694">
+              <a:tr h="416584">
                 <a:tc>
                   <a:txBody>
                     <a:bodyPr/>
@@ -4838,7 +4905,7 @@
                         </a:spcAft>
                       </a:pPr>
                       <a:r>
-                        <a:rPr lang="en-US" sz="1300" b="1">
+                        <a:rPr lang="en-US" sz="1200" b="1">
                           <a:effectLst/>
                           <a:latin typeface="Times New Roman" panose="02020603050405020304" pitchFamily="18" charset="0"/>
                           <a:cs typeface="Times New Roman" panose="02020603050405020304" pitchFamily="18" charset="0"/>
@@ -4856,7 +4923,7 @@
                         </a:spcAft>
                       </a:pPr>
                       <a:r>
-                        <a:rPr lang="en-US" sz="1300" b="1">
+                        <a:rPr lang="en-US" sz="1200" b="1">
                           <a:effectLst/>
                           <a:latin typeface="Times New Roman" panose="02020603050405020304" pitchFamily="18" charset="0"/>
                           <a:cs typeface="Times New Roman" panose="02020603050405020304" pitchFamily="18" charset="0"/>
@@ -4864,7 +4931,7 @@
                         <a:t>Nov 13</a:t>
                       </a:r>
                       <a:r>
-                        <a:rPr lang="en-US" sz="1300" b="1" baseline="30000">
+                        <a:rPr lang="en-US" sz="1200" b="1" baseline="30000">
                           <a:effectLst/>
                           <a:latin typeface="Times New Roman" panose="02020603050405020304" pitchFamily="18" charset="0"/>
                           <a:cs typeface="Times New Roman" panose="02020603050405020304" pitchFamily="18" charset="0"/>
@@ -4872,14 +4939,14 @@
                         <a:t>th</a:t>
                       </a:r>
                       <a:r>
-                        <a:rPr lang="en-US" sz="1300" b="1">
+                        <a:rPr lang="en-US" sz="1200" b="1">
                           <a:effectLst/>
                           <a:latin typeface="Times New Roman" panose="02020603050405020304" pitchFamily="18" charset="0"/>
                           <a:cs typeface="Times New Roman" panose="02020603050405020304" pitchFamily="18" charset="0"/>
                         </a:rPr>
                         <a:t> </a:t>
                       </a:r>
-                      <a:endParaRPr lang="en-US" sz="1300" b="1" dirty="0">
+                      <a:endParaRPr lang="en-US" sz="1200" b="1" dirty="0">
                         <a:solidFill>
                           <a:srgbClr val="000000"/>
                         </a:solidFill>
@@ -4897,7 +4964,10 @@
                     <a:bodyPr/>
                     <a:lstStyle/>
                     <a:p>
-                      <a:pPr marL="90170" marR="0">
+                      <a:pPr marL="91440" marR="0" algn="ctr">
+                        <a:lnSpc>
+                          <a:spcPct val="107000"/>
+                        </a:lnSpc>
                         <a:spcBef>
                           <a:spcPts val="0"/>
                         </a:spcBef>
@@ -4906,42 +4976,66 @@
                         </a:spcAft>
                       </a:pPr>
                       <a:r>
-                        <a:rPr lang="en-US" sz="1300" dirty="0">
-                          <a:effectLst/>
-                          <a:latin typeface="Times New Roman" panose="02020603050405020304" pitchFamily="18" charset="0"/>
-                          <a:cs typeface="Times New Roman" panose="02020603050405020304" pitchFamily="18" charset="0"/>
-                        </a:rPr>
-                        <a:t>Image processing using </a:t>
-                      </a:r>
-                      <a:r>
-                        <a:rPr lang="en-US" sz="1300" dirty="0" err="1">
-                          <a:effectLst/>
-                          <a:latin typeface="Times New Roman" panose="02020603050405020304" pitchFamily="18" charset="0"/>
-                          <a:cs typeface="Times New Roman" panose="02020603050405020304" pitchFamily="18" charset="0"/>
-                        </a:rPr>
-                        <a:t>GeoPandas</a:t>
-                      </a:r>
-                      <a:r>
-                        <a:rPr lang="en-US" sz="1300" dirty="0">
-                          <a:effectLst/>
-                          <a:latin typeface="Times New Roman" panose="02020603050405020304" pitchFamily="18" charset="0"/>
-                          <a:cs typeface="Times New Roman" panose="02020603050405020304" pitchFamily="18" charset="0"/>
-                        </a:rPr>
-                        <a:t> functions and tools. </a:t>
-                      </a:r>
-                      <a:endParaRPr lang="en-US" sz="1300" dirty="0">
-                        <a:solidFill>
-                          <a:srgbClr val="000000"/>
-                        </a:solidFill>
+                        <a:rPr lang="en-US" sz="1400" kern="1200" dirty="0">
+                          <a:effectLst/>
+                          <a:latin typeface="Times New Roman" panose="02020603050405020304" pitchFamily="18" charset="0"/>
+                          <a:ea typeface="Times New Roman" panose="02020603050405020304" pitchFamily="18" charset="0"/>
+                          <a:cs typeface="Times New Roman" panose="02020603050405020304" pitchFamily="18" charset="0"/>
+                        </a:rPr>
+                        <a:t>Working on coursework projects.</a:t>
+                      </a:r>
+                      <a:endParaRPr lang="en-US" sz="1400" dirty="0">
                         <a:effectLst/>
                         <a:latin typeface="Times New Roman" panose="02020603050405020304" pitchFamily="18" charset="0"/>
-                        <a:ea typeface="Calibri" panose="020F0502020204030204" pitchFamily="34" charset="0"/>
+                        <a:ea typeface="Times New Roman" panose="02020603050405020304" pitchFamily="18" charset="0"/>
                         <a:cs typeface="Times New Roman" panose="02020603050405020304" pitchFamily="18" charset="0"/>
                       </a:endParaRPr>
                     </a:p>
                   </a:txBody>
-                  <a:tcPr marL="53270" marR="53270" marT="0" marB="0" anchor="ctr"/>
+                  <a:tcPr marL="53340" marR="53340" marT="9525" marB="0" anchor="ctr"/>
                 </a:tc>
+                <a:tc>
+                  <a:txBody>
+                    <a:bodyPr/>
+                    <a:lstStyle/>
+                    <a:p>
+                      <a:pPr marL="91440" marR="0" algn="ctr">
+                        <a:lnSpc>
+                          <a:spcPct val="107000"/>
+                        </a:lnSpc>
+                        <a:spcBef>
+                          <a:spcPts val="0"/>
+                        </a:spcBef>
+                        <a:spcAft>
+                          <a:spcPts val="0"/>
+                        </a:spcAft>
+                      </a:pPr>
+                      <a:r>
+                        <a:rPr lang="en-US" sz="1400" kern="1200" dirty="0">
+                          <a:effectLst/>
+                          <a:latin typeface="Times New Roman" panose="02020603050405020304" pitchFamily="18" charset="0"/>
+                          <a:ea typeface="Times New Roman" panose="02020603050405020304" pitchFamily="18" charset="0"/>
+                          <a:cs typeface="Times New Roman" panose="02020603050405020304" pitchFamily="18" charset="0"/>
+                        </a:rPr>
+                        <a:t>Coursework project</a:t>
+                      </a:r>
+                      <a:endParaRPr lang="en-US" sz="1400" dirty="0">
+                        <a:effectLst/>
+                        <a:latin typeface="Times New Roman" panose="02020603050405020304" pitchFamily="18" charset="0"/>
+                        <a:ea typeface="Times New Roman" panose="02020603050405020304" pitchFamily="18" charset="0"/>
+                        <a:cs typeface="Times New Roman" panose="02020603050405020304" pitchFamily="18" charset="0"/>
+                      </a:endParaRPr>
+                    </a:p>
+                  </a:txBody>
+                  <a:tcPr marL="53340" marR="53340" marT="9525" marB="0" anchor="ctr"/>
+                </a:tc>
+                <a:extLst>
+                  <a:ext uri="{0D108BD9-81ED-4DB2-BD59-A6C34878D82A}">
+                    <a16:rowId xmlns:a16="http://schemas.microsoft.com/office/drawing/2014/main" val="1373517362"/>
+                  </a:ext>
+                </a:extLst>
+              </a:tr>
+              <a:tr h="416584">
                 <a:tc>
                   <a:txBody>
                     <a:bodyPr/>
@@ -4956,48 +5050,7 @@
                         </a:spcAft>
                       </a:pPr>
                       <a:r>
-                        <a:rPr lang="en-US" sz="1300" dirty="0">
-                          <a:effectLst/>
-                          <a:latin typeface="Times New Roman" panose="02020603050405020304" pitchFamily="18" charset="0"/>
-                          <a:cs typeface="Times New Roman" panose="02020603050405020304" pitchFamily="18" charset="0"/>
-                        </a:rPr>
-                        <a:t>Coursework project</a:t>
-                      </a:r>
-                      <a:endParaRPr lang="en-US" sz="1300" dirty="0">
-                        <a:solidFill>
-                          <a:srgbClr val="000000"/>
-                        </a:solidFill>
-                        <a:effectLst/>
-                        <a:latin typeface="Times New Roman" panose="02020603050405020304" pitchFamily="18" charset="0"/>
-                        <a:ea typeface="Calibri" panose="020F0502020204030204" pitchFamily="34" charset="0"/>
-                        <a:cs typeface="Times New Roman" panose="02020603050405020304" pitchFamily="18" charset="0"/>
-                      </a:endParaRPr>
-                    </a:p>
-                  </a:txBody>
-                  <a:tcPr marL="53270" marR="53270" marT="0" marB="0" anchor="ctr"/>
-                </a:tc>
-                <a:extLst>
-                  <a:ext uri="{0D108BD9-81ED-4DB2-BD59-A6C34878D82A}">
-                    <a16:rowId xmlns:a16="http://schemas.microsoft.com/office/drawing/2014/main" val="1373517362"/>
-                  </a:ext>
-                </a:extLst>
-              </a:tr>
-              <a:tr h="420694">
-                <a:tc>
-                  <a:txBody>
-                    <a:bodyPr/>
-                    <a:lstStyle/>
-                    <a:p>
-                      <a:pPr marL="90170" marR="0" algn="ctr">
-                        <a:spcBef>
-                          <a:spcPts val="0"/>
-                        </a:spcBef>
-                        <a:spcAft>
-                          <a:spcPts val="0"/>
-                        </a:spcAft>
-                      </a:pPr>
-                      <a:r>
-                        <a:rPr lang="en-US" sz="1300" b="1">
+                        <a:rPr lang="en-US" sz="1200" b="1">
                           <a:effectLst/>
                           <a:latin typeface="Times New Roman" panose="02020603050405020304" pitchFamily="18" charset="0"/>
                           <a:cs typeface="Times New Roman" panose="02020603050405020304" pitchFamily="18" charset="0"/>
@@ -5015,7 +5068,7 @@
                         </a:spcAft>
                       </a:pPr>
                       <a:r>
-                        <a:rPr lang="en-US" sz="1300" b="1">
+                        <a:rPr lang="en-US" sz="1200" b="1">
                           <a:effectLst/>
                           <a:latin typeface="Times New Roman" panose="02020603050405020304" pitchFamily="18" charset="0"/>
                           <a:cs typeface="Times New Roman" panose="02020603050405020304" pitchFamily="18" charset="0"/>
@@ -5023,7 +5076,7 @@
                         <a:t>Nov 21</a:t>
                       </a:r>
                       <a:r>
-                        <a:rPr lang="en-US" sz="1300" b="1" baseline="30000">
+                        <a:rPr lang="en-US" sz="1200" b="1" baseline="30000">
                           <a:effectLst/>
                           <a:latin typeface="Times New Roman" panose="02020603050405020304" pitchFamily="18" charset="0"/>
                           <a:cs typeface="Times New Roman" panose="02020603050405020304" pitchFamily="18" charset="0"/>
@@ -5031,14 +5084,14 @@
                         <a:t>st</a:t>
                       </a:r>
                       <a:r>
-                        <a:rPr lang="en-US" sz="1300" b="1">
+                        <a:rPr lang="en-US" sz="1200" b="1">
                           <a:effectLst/>
                           <a:latin typeface="Times New Roman" panose="02020603050405020304" pitchFamily="18" charset="0"/>
                           <a:cs typeface="Times New Roman" panose="02020603050405020304" pitchFamily="18" charset="0"/>
                         </a:rPr>
                         <a:t> </a:t>
                       </a:r>
-                      <a:endParaRPr lang="en-US" sz="1300" b="1" dirty="0">
+                      <a:endParaRPr lang="en-US" sz="1200" b="1" dirty="0">
                         <a:solidFill>
                           <a:srgbClr val="000000"/>
                         </a:solidFill>
@@ -5056,7 +5109,10 @@
                     <a:bodyPr/>
                     <a:lstStyle/>
                     <a:p>
-                      <a:pPr marL="90170" marR="0">
+                      <a:pPr marL="91440" marR="0" algn="ctr">
+                        <a:lnSpc>
+                          <a:spcPct val="107000"/>
+                        </a:lnSpc>
                         <a:spcBef>
                           <a:spcPts val="0"/>
                         </a:spcBef>
@@ -5065,26 +5121,66 @@
                         </a:spcAft>
                       </a:pPr>
                       <a:r>
-                        <a:rPr lang="en-US" sz="1300" dirty="0">
-                          <a:effectLst/>
-                          <a:latin typeface="Times New Roman" panose="02020603050405020304" pitchFamily="18" charset="0"/>
-                          <a:cs typeface="Times New Roman" panose="02020603050405020304" pitchFamily="18" charset="0"/>
-                        </a:rPr>
-                        <a:t>Supported research project practical time. </a:t>
-                      </a:r>
-                      <a:endParaRPr lang="en-US" sz="1300" dirty="0">
-                        <a:solidFill>
-                          <a:srgbClr val="000000"/>
-                        </a:solidFill>
+                        <a:rPr lang="en-US" sz="1400" kern="1200" dirty="0">
+                          <a:effectLst/>
+                          <a:latin typeface="Times New Roman" panose="02020603050405020304" pitchFamily="18" charset="0"/>
+                          <a:ea typeface="Times New Roman" panose="02020603050405020304" pitchFamily="18" charset="0"/>
+                          <a:cs typeface="Times New Roman" panose="02020603050405020304" pitchFamily="18" charset="0"/>
+                        </a:rPr>
+                        <a:t>Supported research project practical time.</a:t>
+                      </a:r>
+                      <a:endParaRPr lang="en-US" sz="1400" dirty="0">
                         <a:effectLst/>
                         <a:latin typeface="Times New Roman" panose="02020603050405020304" pitchFamily="18" charset="0"/>
-                        <a:ea typeface="Calibri" panose="020F0502020204030204" pitchFamily="34" charset="0"/>
+                        <a:ea typeface="Times New Roman" panose="02020603050405020304" pitchFamily="18" charset="0"/>
                         <a:cs typeface="Times New Roman" panose="02020603050405020304" pitchFamily="18" charset="0"/>
                       </a:endParaRPr>
                     </a:p>
                   </a:txBody>
-                  <a:tcPr marL="53270" marR="53270" marT="0" marB="0" anchor="ctr"/>
+                  <a:tcPr marL="53340" marR="53340" marT="9525" marB="0" anchor="ctr"/>
                 </a:tc>
+                <a:tc>
+                  <a:txBody>
+                    <a:bodyPr/>
+                    <a:lstStyle/>
+                    <a:p>
+                      <a:pPr marL="91440" marR="0" algn="ctr">
+                        <a:lnSpc>
+                          <a:spcPct val="107000"/>
+                        </a:lnSpc>
+                        <a:spcBef>
+                          <a:spcPts val="0"/>
+                        </a:spcBef>
+                        <a:spcAft>
+                          <a:spcPts val="0"/>
+                        </a:spcAft>
+                      </a:pPr>
+                      <a:r>
+                        <a:rPr lang="en-US" sz="1400" kern="1200" dirty="0">
+                          <a:effectLst/>
+                          <a:latin typeface="Times New Roman" panose="02020603050405020304" pitchFamily="18" charset="0"/>
+                          <a:ea typeface="Times New Roman" panose="02020603050405020304" pitchFamily="18" charset="0"/>
+                          <a:cs typeface="Times New Roman" panose="02020603050405020304" pitchFamily="18" charset="0"/>
+                        </a:rPr>
+                        <a:t>Coursework project</a:t>
+                      </a:r>
+                      <a:endParaRPr lang="en-US" sz="1400" dirty="0">
+                        <a:effectLst/>
+                        <a:latin typeface="Times New Roman" panose="02020603050405020304" pitchFamily="18" charset="0"/>
+                        <a:ea typeface="Times New Roman" panose="02020603050405020304" pitchFamily="18" charset="0"/>
+                        <a:cs typeface="Times New Roman" panose="02020603050405020304" pitchFamily="18" charset="0"/>
+                      </a:endParaRPr>
+                    </a:p>
+                  </a:txBody>
+                  <a:tcPr marL="53340" marR="53340" marT="9525" marB="0" anchor="ctr"/>
+                </a:tc>
+                <a:extLst>
+                  <a:ext uri="{0D108BD9-81ED-4DB2-BD59-A6C34878D82A}">
+                    <a16:rowId xmlns:a16="http://schemas.microsoft.com/office/drawing/2014/main" val="1165365623"/>
+                  </a:ext>
+                </a:extLst>
+              </a:tr>
+              <a:tr h="416584">
                 <a:tc>
                   <a:txBody>
                     <a:bodyPr/>
@@ -5099,48 +5195,7 @@
                         </a:spcAft>
                       </a:pPr>
                       <a:r>
-                        <a:rPr lang="en-US" sz="1300" dirty="0">
-                          <a:effectLst/>
-                          <a:latin typeface="Times New Roman" panose="02020603050405020304" pitchFamily="18" charset="0"/>
-                          <a:cs typeface="Times New Roman" panose="02020603050405020304" pitchFamily="18" charset="0"/>
-                        </a:rPr>
-                        <a:t>Coursework project</a:t>
-                      </a:r>
-                      <a:endParaRPr lang="en-US" sz="1300" dirty="0">
-                        <a:solidFill>
-                          <a:srgbClr val="000000"/>
-                        </a:solidFill>
-                        <a:effectLst/>
-                        <a:latin typeface="Times New Roman" panose="02020603050405020304" pitchFamily="18" charset="0"/>
-                        <a:ea typeface="Calibri" panose="020F0502020204030204" pitchFamily="34" charset="0"/>
-                        <a:cs typeface="Times New Roman" panose="02020603050405020304" pitchFamily="18" charset="0"/>
-                      </a:endParaRPr>
-                    </a:p>
-                  </a:txBody>
-                  <a:tcPr marL="53270" marR="53270" marT="0" marB="0" anchor="ctr"/>
-                </a:tc>
-                <a:extLst>
-                  <a:ext uri="{0D108BD9-81ED-4DB2-BD59-A6C34878D82A}">
-                    <a16:rowId xmlns:a16="http://schemas.microsoft.com/office/drawing/2014/main" val="1165365623"/>
-                  </a:ext>
-                </a:extLst>
-              </a:tr>
-              <a:tr h="420694">
-                <a:tc>
-                  <a:txBody>
-                    <a:bodyPr/>
-                    <a:lstStyle/>
-                    <a:p>
-                      <a:pPr marL="90170" marR="0" algn="ctr">
-                        <a:spcBef>
-                          <a:spcPts val="0"/>
-                        </a:spcBef>
-                        <a:spcAft>
-                          <a:spcPts val="0"/>
-                        </a:spcAft>
-                      </a:pPr>
-                      <a:r>
-                        <a:rPr lang="en-US" sz="1300" b="1">
+                        <a:rPr lang="en-US" sz="1200" b="1">
                           <a:effectLst/>
                           <a:latin typeface="Times New Roman" panose="02020603050405020304" pitchFamily="18" charset="0"/>
                           <a:cs typeface="Times New Roman" panose="02020603050405020304" pitchFamily="18" charset="0"/>
@@ -5158,7 +5213,7 @@
                         </a:spcAft>
                       </a:pPr>
                       <a:r>
-                        <a:rPr lang="en-US" sz="1300" b="1">
+                        <a:rPr lang="en-US" sz="1200" b="1">
                           <a:effectLst/>
                           <a:latin typeface="Times New Roman" panose="02020603050405020304" pitchFamily="18" charset="0"/>
                           <a:cs typeface="Times New Roman" panose="02020603050405020304" pitchFamily="18" charset="0"/>
@@ -5166,14 +5221,14 @@
                         <a:t>Nov 27</a:t>
                       </a:r>
                       <a:r>
-                        <a:rPr lang="en-US" sz="1300" b="1" baseline="30000">
+                        <a:rPr lang="en-US" sz="1200" b="1" baseline="30000">
                           <a:effectLst/>
                           <a:latin typeface="Times New Roman" panose="02020603050405020304" pitchFamily="18" charset="0"/>
                           <a:cs typeface="Times New Roman" panose="02020603050405020304" pitchFamily="18" charset="0"/>
                         </a:rPr>
                         <a:t>th</a:t>
                       </a:r>
-                      <a:endParaRPr lang="en-US" sz="1300" b="1" dirty="0">
+                      <a:endParaRPr lang="en-US" sz="1200" b="1" dirty="0">
                         <a:solidFill>
                           <a:srgbClr val="000000"/>
                         </a:solidFill>
@@ -5191,9 +5246,9 @@
                     <a:bodyPr/>
                     <a:lstStyle/>
                     <a:p>
-                      <a:pPr marL="90170" marR="0" lvl="0" indent="0" algn="l" defTabSz="914400" rtl="0" eaLnBrk="1" fontAlgn="auto" latinLnBrk="0" hangingPunct="1">
+                      <a:pPr marL="91440" marR="0" algn="ctr">
                         <a:lnSpc>
-                          <a:spcPct val="100000"/>
+                          <a:spcPct val="107000"/>
                         </a:lnSpc>
                         <a:spcBef>
                           <a:spcPts val="0"/>
@@ -5201,34 +5256,68 @@
                         <a:spcAft>
                           <a:spcPts val="0"/>
                         </a:spcAft>
-                        <a:buClrTx/>
-                        <a:buSzTx/>
-                        <a:buFontTx/>
-                        <a:buNone/>
-                        <a:tabLst/>
-                        <a:defRPr/>
                       </a:pPr>
                       <a:r>
-                        <a:rPr lang="en-US" sz="1300" dirty="0">
-                          <a:effectLst/>
-                          <a:latin typeface="Times New Roman" panose="02020603050405020304" pitchFamily="18" charset="0"/>
-                          <a:cs typeface="Times New Roman" panose="02020603050405020304" pitchFamily="18" charset="0"/>
-                        </a:rPr>
-                        <a:t>Supported research project practical time. Coursework submission. </a:t>
-                      </a:r>
-                      <a:endParaRPr lang="en-US" sz="1300" dirty="0">
-                        <a:solidFill>
-                          <a:srgbClr val="000000"/>
-                        </a:solidFill>
+                        <a:rPr lang="en-US" sz="1400" kern="1200" dirty="0">
+                          <a:effectLst/>
+                          <a:latin typeface="Times New Roman" panose="02020603050405020304" pitchFamily="18" charset="0"/>
+                          <a:ea typeface="Times New Roman" panose="02020603050405020304" pitchFamily="18" charset="0"/>
+                          <a:cs typeface="Times New Roman" panose="02020603050405020304" pitchFamily="18" charset="0"/>
+                        </a:rPr>
+                        <a:t>Supported research project practical time. Coursework submission.</a:t>
+                      </a:r>
+                      <a:endParaRPr lang="en-US" sz="1400" dirty="0">
                         <a:effectLst/>
                         <a:latin typeface="Times New Roman" panose="02020603050405020304" pitchFamily="18" charset="0"/>
-                        <a:ea typeface="Calibri" panose="020F0502020204030204" pitchFamily="34" charset="0"/>
+                        <a:ea typeface="Times New Roman" panose="02020603050405020304" pitchFamily="18" charset="0"/>
                         <a:cs typeface="Times New Roman" panose="02020603050405020304" pitchFamily="18" charset="0"/>
                       </a:endParaRPr>
                     </a:p>
                   </a:txBody>
-                  <a:tcPr marL="53270" marR="53270" marT="0" marB="0" anchor="ctr"/>
+                  <a:tcPr marL="53340" marR="53340" marT="9525" marB="0" anchor="ctr"/>
                 </a:tc>
+                <a:tc>
+                  <a:txBody>
+                    <a:bodyPr/>
+                    <a:lstStyle/>
+                    <a:p>
+                      <a:pPr marL="91440" marR="0" algn="ctr">
+                        <a:lnSpc>
+                          <a:spcPct val="107000"/>
+                        </a:lnSpc>
+                        <a:spcBef>
+                          <a:spcPts val="0"/>
+                        </a:spcBef>
+                        <a:spcAft>
+                          <a:spcPts val="0"/>
+                        </a:spcAft>
+                      </a:pPr>
+                      <a:r>
+                        <a:rPr lang="en-US" sz="1400" kern="1200" dirty="0">
+                          <a:effectLst/>
+                          <a:latin typeface="Times New Roman" panose="02020603050405020304" pitchFamily="18" charset="0"/>
+                          <a:ea typeface="Times New Roman" panose="02020603050405020304" pitchFamily="18" charset="0"/>
+                          <a:cs typeface="Times New Roman" panose="02020603050405020304" pitchFamily="18" charset="0"/>
+                        </a:rPr>
+                        <a:t>Coursework project</a:t>
+                      </a:r>
+                      <a:endParaRPr lang="en-US" sz="1400" dirty="0">
+                        <a:effectLst/>
+                        <a:latin typeface="Times New Roman" panose="02020603050405020304" pitchFamily="18" charset="0"/>
+                        <a:ea typeface="Times New Roman" panose="02020603050405020304" pitchFamily="18" charset="0"/>
+                        <a:cs typeface="Times New Roman" panose="02020603050405020304" pitchFamily="18" charset="0"/>
+                      </a:endParaRPr>
+                    </a:p>
+                  </a:txBody>
+                  <a:tcPr marL="53340" marR="53340" marT="9525" marB="0" anchor="ctr"/>
+                </a:tc>
+                <a:extLst>
+                  <a:ext uri="{0D108BD9-81ED-4DB2-BD59-A6C34878D82A}">
+                    <a16:rowId xmlns:a16="http://schemas.microsoft.com/office/drawing/2014/main" val="3509286896"/>
+                  </a:ext>
+                </a:extLst>
+              </a:tr>
+              <a:tr h="416584">
                 <a:tc>
                   <a:txBody>
                     <a:bodyPr/>
@@ -5243,48 +5332,7 @@
                         </a:spcAft>
                       </a:pPr>
                       <a:r>
-                        <a:rPr lang="en-US" sz="1300">
-                          <a:effectLst/>
-                          <a:latin typeface="Times New Roman" panose="02020603050405020304" pitchFamily="18" charset="0"/>
-                          <a:cs typeface="Times New Roman" panose="02020603050405020304" pitchFamily="18" charset="0"/>
-                        </a:rPr>
-                        <a:t>Coursework project</a:t>
-                      </a:r>
-                      <a:endParaRPr lang="en-US" sz="1300" dirty="0">
-                        <a:solidFill>
-                          <a:srgbClr val="000000"/>
-                        </a:solidFill>
-                        <a:effectLst/>
-                        <a:latin typeface="Times New Roman" panose="02020603050405020304" pitchFamily="18" charset="0"/>
-                        <a:ea typeface="Calibri" panose="020F0502020204030204" pitchFamily="34" charset="0"/>
-                        <a:cs typeface="Times New Roman" panose="02020603050405020304" pitchFamily="18" charset="0"/>
-                      </a:endParaRPr>
-                    </a:p>
-                  </a:txBody>
-                  <a:tcPr marL="53270" marR="53270" marT="0" marB="0" anchor="ctr"/>
-                </a:tc>
-                <a:extLst>
-                  <a:ext uri="{0D108BD9-81ED-4DB2-BD59-A6C34878D82A}">
-                    <a16:rowId xmlns:a16="http://schemas.microsoft.com/office/drawing/2014/main" val="3509286896"/>
-                  </a:ext>
-                </a:extLst>
-              </a:tr>
-              <a:tr h="420694">
-                <a:tc>
-                  <a:txBody>
-                    <a:bodyPr/>
-                    <a:lstStyle/>
-                    <a:p>
-                      <a:pPr marL="90170" marR="0" algn="ctr">
-                        <a:spcBef>
-                          <a:spcPts val="0"/>
-                        </a:spcBef>
-                        <a:spcAft>
-                          <a:spcPts val="0"/>
-                        </a:spcAft>
-                      </a:pPr>
-                      <a:r>
-                        <a:rPr lang="en-US" sz="1300" b="1" dirty="0">
+                        <a:rPr lang="en-US" sz="1200" b="1" dirty="0">
                           <a:effectLst/>
                           <a:latin typeface="Times New Roman" panose="02020603050405020304" pitchFamily="18" charset="0"/>
                           <a:cs typeface="Times New Roman" panose="02020603050405020304" pitchFamily="18" charset="0"/>
@@ -5302,7 +5350,7 @@
                         </a:spcAft>
                       </a:pPr>
                       <a:r>
-                        <a:rPr lang="en-US" sz="1300" b="1" dirty="0">
+                        <a:rPr lang="en-US" sz="1200" b="1" dirty="0">
                           <a:effectLst/>
                           <a:latin typeface="Times New Roman" panose="02020603050405020304" pitchFamily="18" charset="0"/>
                           <a:cs typeface="Times New Roman" panose="02020603050405020304" pitchFamily="18" charset="0"/>
@@ -5310,7 +5358,7 @@
                         <a:t>Dec 4</a:t>
                       </a:r>
                       <a:r>
-                        <a:rPr lang="en-US" sz="1300" b="1" baseline="30000" dirty="0">
+                        <a:rPr lang="en-US" sz="1200" b="1" baseline="30000" dirty="0">
                           <a:effectLst/>
                           <a:latin typeface="Times New Roman" panose="02020603050405020304" pitchFamily="18" charset="0"/>
                           <a:cs typeface="Times New Roman" panose="02020603050405020304" pitchFamily="18" charset="0"/>
@@ -5318,14 +5366,14 @@
                         <a:t>th</a:t>
                       </a:r>
                       <a:r>
-                        <a:rPr lang="en-US" sz="1300" b="1" dirty="0">
+                        <a:rPr lang="en-US" sz="1200" b="1" dirty="0">
                           <a:effectLst/>
                           <a:latin typeface="Times New Roman" panose="02020603050405020304" pitchFamily="18" charset="0"/>
                           <a:cs typeface="Times New Roman" panose="02020603050405020304" pitchFamily="18" charset="0"/>
                         </a:rPr>
                         <a:t> </a:t>
                       </a:r>
-                      <a:endParaRPr lang="en-US" sz="1300" b="1" dirty="0">
+                      <a:endParaRPr lang="en-US" sz="1200" b="1" dirty="0">
                         <a:solidFill>
                           <a:srgbClr val="000000"/>
                         </a:solidFill>
@@ -5343,9 +5391,9 @@
                     <a:bodyPr/>
                     <a:lstStyle/>
                     <a:p>
-                      <a:pPr marL="90170" marR="0" lvl="0" indent="0" algn="l" defTabSz="914400" rtl="0" eaLnBrk="1" fontAlgn="auto" latinLnBrk="0" hangingPunct="1">
+                      <a:pPr marL="91440" marR="0" algn="ctr">
                         <a:lnSpc>
-                          <a:spcPct val="100000"/>
+                          <a:spcPct val="107000"/>
                         </a:lnSpc>
                         <a:spcBef>
                           <a:spcPts val="0"/>
@@ -5353,35 +5401,35 @@
                         <a:spcAft>
                           <a:spcPts val="0"/>
                         </a:spcAft>
-                        <a:buClrTx/>
-                        <a:buSzTx/>
-                        <a:buFontTx/>
-                        <a:buNone/>
-                        <a:tabLst/>
-                        <a:defRPr/>
                       </a:pPr>
                       <a:r>
-                        <a:rPr lang="en-US" sz="1300" dirty="0">
-                          <a:solidFill>
-                            <a:srgbClr val="000000"/>
-                          </a:solidFill>
-                          <a:effectLst/>
-                          <a:latin typeface="Times New Roman" panose="02020603050405020304" pitchFamily="18" charset="0"/>
-                          <a:ea typeface="Calibri" panose="020F0502020204030204" pitchFamily="34" charset="0"/>
-                          <a:cs typeface="Times New Roman" panose="02020603050405020304" pitchFamily="18" charset="0"/>
-                        </a:rPr>
-                        <a:t>Finals week.</a:t>
-                      </a:r>
+                        <a:rPr lang="en-US" sz="1400" kern="1200" dirty="0">
+                          <a:effectLst/>
+                          <a:latin typeface="Times New Roman" panose="02020603050405020304" pitchFamily="18" charset="0"/>
+                          <a:ea typeface="Times New Roman" panose="02020603050405020304" pitchFamily="18" charset="0"/>
+                          <a:cs typeface="Times New Roman" panose="02020603050405020304" pitchFamily="18" charset="0"/>
+                        </a:rPr>
+                        <a:t>Finals.</a:t>
+                      </a:r>
+                      <a:endParaRPr lang="en-US" sz="1400" dirty="0">
+                        <a:effectLst/>
+                        <a:latin typeface="Times New Roman" panose="02020603050405020304" pitchFamily="18" charset="0"/>
+                        <a:ea typeface="Times New Roman" panose="02020603050405020304" pitchFamily="18" charset="0"/>
+                        <a:cs typeface="Times New Roman" panose="02020603050405020304" pitchFamily="18" charset="0"/>
+                      </a:endParaRPr>
                     </a:p>
                   </a:txBody>
-                  <a:tcPr marL="53270" marR="53270" marT="0" marB="0" anchor="ctr"/>
+                  <a:tcPr marL="53340" marR="53340" marT="9525" marB="0" anchor="ctr"/>
                 </a:tc>
                 <a:tc>
                   <a:txBody>
                     <a:bodyPr/>
                     <a:lstStyle/>
                     <a:p>
-                      <a:pPr marL="90170" marR="0" algn="ctr">
+                      <a:pPr marL="91440" marR="0" algn="ctr">
+                        <a:lnSpc>
+                          <a:spcPct val="107000"/>
+                        </a:lnSpc>
                         <a:spcBef>
                           <a:spcPts val="0"/>
                         </a:spcBef>
@@ -5390,25 +5438,23 @@
                         </a:spcAft>
                       </a:pPr>
                       <a:r>
-                        <a:rPr lang="en-US" sz="1300" dirty="0">
-                          <a:effectLst/>
-                          <a:latin typeface="Times New Roman" panose="02020603050405020304" pitchFamily="18" charset="0"/>
-                          <a:cs typeface="Times New Roman" panose="02020603050405020304" pitchFamily="18" charset="0"/>
-                        </a:rPr>
-                        <a:t>Coursework project</a:t>
-                      </a:r>
-                      <a:endParaRPr lang="en-US" sz="1300" dirty="0">
-                        <a:solidFill>
-                          <a:srgbClr val="000000"/>
-                        </a:solidFill>
+                        <a:rPr lang="en-US" sz="1200" kern="1200" dirty="0">
+                          <a:effectLst/>
+                          <a:latin typeface="Times New Roman" panose="02020603050405020304" pitchFamily="18" charset="0"/>
+                          <a:ea typeface="Times New Roman" panose="02020603050405020304" pitchFamily="18" charset="0"/>
+                          <a:cs typeface="Times New Roman" panose="02020603050405020304" pitchFamily="18" charset="0"/>
+                        </a:rPr>
+                        <a:t>-</a:t>
+                      </a:r>
+                      <a:endParaRPr lang="en-US" sz="1200" dirty="0">
                         <a:effectLst/>
                         <a:latin typeface="Times New Roman" panose="02020603050405020304" pitchFamily="18" charset="0"/>
-                        <a:ea typeface="Calibri" panose="020F0502020204030204" pitchFamily="34" charset="0"/>
+                        <a:ea typeface="Times New Roman" panose="02020603050405020304" pitchFamily="18" charset="0"/>
                         <a:cs typeface="Times New Roman" panose="02020603050405020304" pitchFamily="18" charset="0"/>
                       </a:endParaRPr>
                     </a:p>
                   </a:txBody>
-                  <a:tcPr marL="53270" marR="53270" marT="0" marB="0" anchor="ctr"/>
+                  <a:tcPr marL="53340" marR="53340" marT="9525" marB="0" anchor="ctr"/>
                 </a:tc>
                 <a:extLst>
                   <a:ext uri="{0D108BD9-81ED-4DB2-BD59-A6C34878D82A}">
@@ -5524,7 +5570,7 @@
                 <a:latin typeface="Times New Roman" panose="02020603050405020304" pitchFamily="18" charset="0"/>
                 <a:cs typeface="Times New Roman" panose="02020603050405020304" pitchFamily="18" charset="0"/>
               </a:rPr>
-              <a:t>Intro to API Extraction of Imagery</a:t>
+              <a:t>Intro to Visualizing Multi-Band Imagery</a:t>
             </a:r>
           </a:p>
         </p:txBody>
@@ -5662,8 +5708,37 @@
                 <a:latin typeface="Times New Roman" panose="02020603050405020304" pitchFamily="18" charset="0"/>
                 <a:cs typeface="Times New Roman" panose="02020603050405020304" pitchFamily="18" charset="0"/>
               </a:rPr>
-              <a:t>Intro to Visualizing Multi-Band Imagery</a:t>
-            </a:r>
+              <a:t>Intro to Shapely/ </a:t>
+            </a:r>
+            <a:r>
+              <a:rPr kumimoji="0" lang="en-US" sz="1800" b="0" i="0" u="none" strike="noStrike" kern="1200" cap="none" spc="0" normalizeH="0" baseline="0" noProof="0" dirty="0" err="1">
+                <a:ln>
+                  <a:noFill/>
+                </a:ln>
+                <a:solidFill>
+                  <a:prstClr val="black"/>
+                </a:solidFill>
+                <a:effectLst/>
+                <a:uLnTx/>
+                <a:uFillTx/>
+                <a:latin typeface="Times New Roman" panose="02020603050405020304" pitchFamily="18" charset="0"/>
+                <a:cs typeface="Times New Roman" panose="02020603050405020304" pitchFamily="18" charset="0"/>
+              </a:rPr>
+              <a:t>GeoPandas</a:t>
+            </a:r>
+            <a:endParaRPr kumimoji="0" lang="en-US" sz="1800" b="0" i="0" u="none" strike="noStrike" kern="1200" cap="none" spc="0" normalizeH="0" baseline="0" noProof="0" dirty="0">
+              <a:ln>
+                <a:noFill/>
+              </a:ln>
+              <a:solidFill>
+                <a:prstClr val="black"/>
+              </a:solidFill>
+              <a:effectLst/>
+              <a:uLnTx/>
+              <a:uFillTx/>
+              <a:latin typeface="Times New Roman" panose="02020603050405020304" pitchFamily="18" charset="0"/>
+              <a:cs typeface="Times New Roman" panose="02020603050405020304" pitchFamily="18" charset="0"/>
+            </a:endParaRPr>
           </a:p>
         </p:txBody>
       </p:sp>
@@ -6246,7 +6321,7 @@
                 <a:latin typeface="Times New Roman" panose="02020603050405020304" pitchFamily="18" charset="0"/>
                 <a:cs typeface="Times New Roman" panose="02020603050405020304" pitchFamily="18" charset="0"/>
               </a:rPr>
-              <a:t>Intro to Clipping Imagery</a:t>
+              <a:t>Intro to Clipping/ Writing Imagery</a:t>
             </a:r>
           </a:p>
         </p:txBody>

--- a/syllabus/format.pptx
+++ b/syllabus/format.pptx
@@ -255,7 +255,7 @@
           <a:p>
             <a:fld id="{48CDFCA1-6601-C943-AA02-89F09BE97B91}" type="datetimeFigureOut">
               <a:rPr lang="en-US" smtClean="0"/>
-              <a:t>10/16/2023</a:t>
+              <a:t>11/6/2023</a:t>
             </a:fld>
             <a:endParaRPr lang="en-US"/>
           </a:p>
@@ -425,7 +425,7 @@
           <a:p>
             <a:fld id="{48CDFCA1-6601-C943-AA02-89F09BE97B91}" type="datetimeFigureOut">
               <a:rPr lang="en-US" smtClean="0"/>
-              <a:t>10/16/2023</a:t>
+              <a:t>11/6/2023</a:t>
             </a:fld>
             <a:endParaRPr lang="en-US"/>
           </a:p>
@@ -605,7 +605,7 @@
           <a:p>
             <a:fld id="{48CDFCA1-6601-C943-AA02-89F09BE97B91}" type="datetimeFigureOut">
               <a:rPr lang="en-US" smtClean="0"/>
-              <a:t>10/16/2023</a:t>
+              <a:t>11/6/2023</a:t>
             </a:fld>
             <a:endParaRPr lang="en-US"/>
           </a:p>
@@ -775,7 +775,7 @@
           <a:p>
             <a:fld id="{48CDFCA1-6601-C943-AA02-89F09BE97B91}" type="datetimeFigureOut">
               <a:rPr lang="en-US" smtClean="0"/>
-              <a:t>10/16/2023</a:t>
+              <a:t>11/6/2023</a:t>
             </a:fld>
             <a:endParaRPr lang="en-US"/>
           </a:p>
@@ -1019,7 +1019,7 @@
           <a:p>
             <a:fld id="{48CDFCA1-6601-C943-AA02-89F09BE97B91}" type="datetimeFigureOut">
               <a:rPr lang="en-US" smtClean="0"/>
-              <a:t>10/16/2023</a:t>
+              <a:t>11/6/2023</a:t>
             </a:fld>
             <a:endParaRPr lang="en-US"/>
           </a:p>
@@ -1251,7 +1251,7 @@
           <a:p>
             <a:fld id="{48CDFCA1-6601-C943-AA02-89F09BE97B91}" type="datetimeFigureOut">
               <a:rPr lang="en-US" smtClean="0"/>
-              <a:t>10/16/2023</a:t>
+              <a:t>11/6/2023</a:t>
             </a:fld>
             <a:endParaRPr lang="en-US"/>
           </a:p>
@@ -1618,7 +1618,7 @@
           <a:p>
             <a:fld id="{48CDFCA1-6601-C943-AA02-89F09BE97B91}" type="datetimeFigureOut">
               <a:rPr lang="en-US" smtClean="0"/>
-              <a:t>10/16/2023</a:t>
+              <a:t>11/6/2023</a:t>
             </a:fld>
             <a:endParaRPr lang="en-US"/>
           </a:p>
@@ -1736,7 +1736,7 @@
           <a:p>
             <a:fld id="{48CDFCA1-6601-C943-AA02-89F09BE97B91}" type="datetimeFigureOut">
               <a:rPr lang="en-US" smtClean="0"/>
-              <a:t>10/16/2023</a:t>
+              <a:t>11/6/2023</a:t>
             </a:fld>
             <a:endParaRPr lang="en-US"/>
           </a:p>
@@ -1831,7 +1831,7 @@
           <a:p>
             <a:fld id="{48CDFCA1-6601-C943-AA02-89F09BE97B91}" type="datetimeFigureOut">
               <a:rPr lang="en-US" smtClean="0"/>
-              <a:t>10/16/2023</a:t>
+              <a:t>11/6/2023</a:t>
             </a:fld>
             <a:endParaRPr lang="en-US"/>
           </a:p>
@@ -2108,7 +2108,7 @@
           <a:p>
             <a:fld id="{48CDFCA1-6601-C943-AA02-89F09BE97B91}" type="datetimeFigureOut">
               <a:rPr lang="en-US" smtClean="0"/>
-              <a:t>10/16/2023</a:t>
+              <a:t>11/6/2023</a:t>
             </a:fld>
             <a:endParaRPr lang="en-US"/>
           </a:p>
@@ -2365,7 +2365,7 @@
           <a:p>
             <a:fld id="{48CDFCA1-6601-C943-AA02-89F09BE97B91}" type="datetimeFigureOut">
               <a:rPr lang="en-US" smtClean="0"/>
-              <a:t>10/16/2023</a:t>
+              <a:t>11/6/2023</a:t>
             </a:fld>
             <a:endParaRPr lang="en-US"/>
           </a:p>
@@ -2578,7 +2578,7 @@
           <a:p>
             <a:fld id="{48CDFCA1-6601-C943-AA02-89F09BE97B91}" type="datetimeFigureOut">
               <a:rPr lang="en-US" smtClean="0"/>
-              <a:t>10/16/2023</a:t>
+              <a:t>11/6/2023</a:t>
             </a:fld>
             <a:endParaRPr lang="en-US"/>
           </a:p>
@@ -3008,7 +3008,7 @@
           <p:nvPr>
             <p:extLst>
               <p:ext uri="{D42A27DB-BD31-4B8C-83A1-F6EECF244321}">
-                <p14:modId xmlns:p14="http://schemas.microsoft.com/office/powerpoint/2010/main" val="3419784333"/>
+                <p14:modId xmlns:p14="http://schemas.microsoft.com/office/powerpoint/2010/main" val="3396098240"/>
               </p:ext>
             </p:extLst>
           </p:nvPr>
@@ -4412,7 +4412,10 @@
                         </a:spcAft>
                       </a:pPr>
                       <a:r>
-                        <a:rPr lang="en-US" sz="1400" kern="1200" dirty="0">
+                        <a:rPr lang="en-US" sz="1400" kern="1200">
+                          <a:solidFill>
+                            <a:schemeClr val="tx1"/>
+                          </a:solidFill>
                           <a:effectLst/>
                           <a:latin typeface="Times New Roman" panose="02020603050405020304" pitchFamily="18" charset="0"/>
                           <a:ea typeface="Times New Roman" panose="02020603050405020304" pitchFamily="18" charset="0"/>
@@ -4420,12 +4423,6 @@
                         </a:rPr>
                         <a:t>Image pixel extraction.</a:t>
                       </a:r>
-                      <a:endParaRPr lang="en-US" sz="1400" dirty="0">
-                        <a:effectLst/>
-                        <a:latin typeface="Times New Roman" panose="02020603050405020304" pitchFamily="18" charset="0"/>
-                        <a:ea typeface="Times New Roman" panose="02020603050405020304" pitchFamily="18" charset="0"/>
-                        <a:cs typeface="Times New Roman" panose="02020603050405020304" pitchFamily="18" charset="0"/>
-                      </a:endParaRPr>
                     </a:p>
                   </a:txBody>
                   <a:tcPr marL="53340" marR="53340" marT="9525" marB="0" anchor="ctr"/>
@@ -4550,19 +4547,16 @@
                       </a:pPr>
                       <a:r>
                         <a:rPr lang="en-US" sz="1400" kern="1200" dirty="0">
+                          <a:solidFill>
+                            <a:schemeClr val="tx1"/>
+                          </a:solidFill>
                           <a:effectLst/>
                           <a:latin typeface="Times New Roman" panose="02020603050405020304" pitchFamily="18" charset="0"/>
                           <a:ea typeface="Times New Roman" panose="02020603050405020304" pitchFamily="18" charset="0"/>
                           <a:cs typeface="Times New Roman" panose="02020603050405020304" pitchFamily="18" charset="0"/>
                         </a:rPr>
-                        <a:t>Processing large amounts of imagery using loops. </a:t>
-                      </a:r>
-                      <a:endParaRPr lang="en-US" sz="1400" dirty="0">
-                        <a:effectLst/>
-                        <a:latin typeface="Times New Roman" panose="02020603050405020304" pitchFamily="18" charset="0"/>
-                        <a:ea typeface="Times New Roman" panose="02020603050405020304" pitchFamily="18" charset="0"/>
-                        <a:cs typeface="Times New Roman" panose="02020603050405020304" pitchFamily="18" charset="0"/>
-                      </a:endParaRPr>
+                        <a:t>Remote study for coursework projects </a:t>
+                      </a:r>
                     </a:p>
                   </a:txBody>
                   <a:tcPr marL="53340" marR="53340" marT="9525" marB="0" anchor="ctr"/>
@@ -4695,19 +4689,40 @@
                       </a:pPr>
                       <a:r>
                         <a:rPr lang="en-US" sz="1400" kern="1200" dirty="0">
+                          <a:solidFill>
+                            <a:schemeClr val="tx1"/>
+                          </a:solidFill>
                           <a:effectLst/>
                           <a:latin typeface="Times New Roman" panose="02020603050405020304" pitchFamily="18" charset="0"/>
                           <a:ea typeface="Times New Roman" panose="02020603050405020304" pitchFamily="18" charset="0"/>
                           <a:cs typeface="Times New Roman" panose="02020603050405020304" pitchFamily="18" charset="0"/>
                         </a:rPr>
-                        <a:t>Coursework planning.</a:t>
-                      </a:r>
-                      <a:endParaRPr lang="en-US" sz="1400" dirty="0">
-                        <a:effectLst/>
-                        <a:latin typeface="Times New Roman" panose="02020603050405020304" pitchFamily="18" charset="0"/>
-                        <a:ea typeface="Times New Roman" panose="02020603050405020304" pitchFamily="18" charset="0"/>
-                        <a:cs typeface="Times New Roman" panose="02020603050405020304" pitchFamily="18" charset="0"/>
-                      </a:endParaRPr>
+                        <a:t>Intro to </a:t>
+                      </a:r>
+                      <a:r>
+                        <a:rPr lang="en-US" sz="1400" kern="1200" dirty="0" err="1">
+                          <a:solidFill>
+                            <a:schemeClr val="tx1"/>
+                          </a:solidFill>
+                          <a:effectLst/>
+                          <a:latin typeface="Times New Roman" panose="02020603050405020304" pitchFamily="18" charset="0"/>
+                          <a:ea typeface="Times New Roman" panose="02020603050405020304" pitchFamily="18" charset="0"/>
+                          <a:cs typeface="Times New Roman" panose="02020603050405020304" pitchFamily="18" charset="0"/>
+                        </a:rPr>
+                        <a:t>SentinelHub</a:t>
+                      </a:r>
+                      <a:r>
+                        <a:rPr lang="en-US" sz="1400" kern="1200" dirty="0">
+                          <a:solidFill>
+                            <a:schemeClr val="tx1"/>
+                          </a:solidFill>
+                          <a:effectLst/>
+                          <a:latin typeface="Times New Roman" panose="02020603050405020304" pitchFamily="18" charset="0"/>
+                          <a:ea typeface="Times New Roman" panose="02020603050405020304" pitchFamily="18" charset="0"/>
+                          <a:cs typeface="Times New Roman" panose="02020603050405020304" pitchFamily="18" charset="0"/>
+                        </a:rPr>
+                        <a:t>. Intro to Object detection. </a:t>
+                      </a:r>
                     </a:p>
                   </a:txBody>
                   <a:tcPr marL="53340" marR="53340" marT="9525" marB="0" anchor="ctr"/>
@@ -4730,14 +4745,20 @@
                       </a:pPr>
                       <a:r>
                         <a:rPr lang="en-US" sz="1400" kern="1200" dirty="0">
-                          <a:effectLst/>
-                          <a:latin typeface="Times New Roman" panose="02020603050405020304" pitchFamily="18" charset="0"/>
-                          <a:ea typeface="Times New Roman" panose="02020603050405020304" pitchFamily="18" charset="0"/>
-                          <a:cs typeface="Times New Roman" panose="02020603050405020304" pitchFamily="18" charset="0"/>
-                        </a:rPr>
-                        <a:t>Coursework project</a:t>
-                      </a:r>
-                      <a:endParaRPr lang="en-US" sz="1400" dirty="0">
+                          <a:solidFill>
+                            <a:schemeClr val="tx1"/>
+                          </a:solidFill>
+                          <a:effectLst/>
+                          <a:latin typeface="Times New Roman" panose="02020603050405020304" pitchFamily="18" charset="0"/>
+                          <a:ea typeface="+mn-ea"/>
+                          <a:cs typeface="Times New Roman" panose="02020603050405020304" pitchFamily="18" charset="0"/>
+                        </a:rPr>
+                        <a:t>Assignment 6</a:t>
+                      </a:r>
+                      <a:endParaRPr lang="en-US" sz="1400" kern="1200" dirty="0">
+                        <a:solidFill>
+                          <a:schemeClr val="tx1"/>
+                        </a:solidFill>
                         <a:effectLst/>
                         <a:latin typeface="Times New Roman" panose="02020603050405020304" pitchFamily="18" charset="0"/>
                         <a:ea typeface="Times New Roman" panose="02020603050405020304" pitchFamily="18" charset="0"/>
@@ -4745,7 +4766,7 @@
                       </a:endParaRPr>
                     </a:p>
                   </a:txBody>
-                  <a:tcPr marL="53340" marR="53340" marT="9525" marB="0"/>
+                  <a:tcPr marL="53340" marR="53340" marT="9525" marB="0" anchor="ctr"/>
                 </a:tc>
                 <a:extLst>
                   <a:ext uri="{0D108BD9-81ED-4DB2-BD59-A6C34878D82A}">
@@ -4819,32 +4840,30 @@
                     <a:bodyPr/>
                     <a:lstStyle/>
                     <a:p>
-                      <a:pPr marL="91440" marR="0" algn="ctr">
-                        <a:lnSpc>
-                          <a:spcPct val="107000"/>
-                        </a:lnSpc>
-                        <a:spcBef>
-                          <a:spcPts val="0"/>
-                        </a:spcBef>
-                        <a:spcAft>
-                          <a:spcPts val="0"/>
-                        </a:spcAft>
-                      </a:pPr>
+                      <a:pPr algn="ctr"/>
                       <a:r>
                         <a:rPr lang="en-US" sz="1400" kern="1200" dirty="0">
-                          <a:effectLst/>
-                          <a:latin typeface="Times New Roman" panose="02020603050405020304" pitchFamily="18" charset="0"/>
-                          <a:ea typeface="Times New Roman" panose="02020603050405020304" pitchFamily="18" charset="0"/>
-                          <a:cs typeface="Times New Roman" panose="02020603050405020304" pitchFamily="18" charset="0"/>
-                        </a:rPr>
-                        <a:t>Working on coursework projects.</a:t>
-                      </a:r>
-                      <a:endParaRPr lang="en-US" sz="1400" dirty="0">
-                        <a:effectLst/>
-                        <a:latin typeface="Times New Roman" panose="02020603050405020304" pitchFamily="18" charset="0"/>
-                        <a:ea typeface="Times New Roman" panose="02020603050405020304" pitchFamily="18" charset="0"/>
-                        <a:cs typeface="Times New Roman" panose="02020603050405020304" pitchFamily="18" charset="0"/>
-                      </a:endParaRPr>
+                          <a:solidFill>
+                            <a:schemeClr val="tx1"/>
+                          </a:solidFill>
+                          <a:effectLst/>
+                          <a:latin typeface="Times New Roman" panose="02020603050405020304" pitchFamily="18" charset="0"/>
+                          <a:ea typeface="+mn-ea"/>
+                          <a:cs typeface="Times New Roman" panose="02020603050405020304" pitchFamily="18" charset="0"/>
+                        </a:rPr>
+                        <a:t>Looping over multiple images. Data visualization. </a:t>
+                      </a:r>
+                      <a:r>
+                        <a:rPr lang="en-US" sz="1800" b="0" i="0" u="none" strike="noStrike" kern="1200" baseline="0" dirty="0">
+                          <a:solidFill>
+                            <a:schemeClr val="tx1"/>
+                          </a:solidFill>
+                          <a:latin typeface="+mn-lt"/>
+                          <a:ea typeface="+mn-ea"/>
+                          <a:cs typeface="+mn-cs"/>
+                        </a:rPr>
+                        <a:t>	</a:t>
+                      </a:r>
                     </a:p>
                   </a:txBody>
                   <a:tcPr marL="53340" marR="53340" marT="9525" marB="0" anchor="ctr"/>
@@ -4882,7 +4901,7 @@
                       </a:endParaRPr>
                     </a:p>
                   </a:txBody>
-                  <a:tcPr marL="53340" marR="53340" marT="9525" marB="0"/>
+                  <a:tcPr marL="53340" marR="53340" marT="9525" marB="0" anchor="ctr"/>
                 </a:tc>
                 <a:extLst>
                   <a:ext uri="{0D108BD9-81ED-4DB2-BD59-A6C34878D82A}">
@@ -4964,7 +4983,7 @@
                     <a:bodyPr/>
                     <a:lstStyle/>
                     <a:p>
-                      <a:pPr marL="91440" marR="0" algn="ctr">
+                      <a:pPr marL="91440" marR="0" lvl="0" indent="0" algn="ctr" defTabSz="914400" rtl="0" eaLnBrk="1" fontAlgn="auto" latinLnBrk="0" hangingPunct="1">
                         <a:lnSpc>
                           <a:spcPct val="107000"/>
                         </a:lnSpc>
@@ -4974,22 +4993,30 @@
                         <a:spcAft>
                           <a:spcPts val="0"/>
                         </a:spcAft>
+                        <a:buClrTx/>
+                        <a:buSzTx/>
+                        <a:buFontTx/>
+                        <a:buNone/>
+                        <a:tabLst/>
+                        <a:defRPr/>
                       </a:pPr>
                       <a:r>
-                        <a:rPr lang="en-US" sz="1400" kern="1200" dirty="0">
-                          <a:effectLst/>
+                        <a:rPr kumimoji="0" lang="en-US" sz="1400" b="0" i="0" u="none" strike="noStrike" kern="1200" cap="none" spc="0" normalizeH="0" baseline="0" noProof="0" dirty="0">
+                          <a:ln>
+                            <a:noFill/>
+                          </a:ln>
+                          <a:solidFill>
+                            <a:prstClr val="black"/>
+                          </a:solidFill>
+                          <a:effectLst/>
+                          <a:uLnTx/>
+                          <a:uFillTx/>
                           <a:latin typeface="Times New Roman" panose="02020603050405020304" pitchFamily="18" charset="0"/>
                           <a:ea typeface="Times New Roman" panose="02020603050405020304" pitchFamily="18" charset="0"/>
                           <a:cs typeface="Times New Roman" panose="02020603050405020304" pitchFamily="18" charset="0"/>
                         </a:rPr>
-                        <a:t>Working on coursework projects.</a:t>
-                      </a:r>
-                      <a:endParaRPr lang="en-US" sz="1400" dirty="0">
-                        <a:effectLst/>
-                        <a:latin typeface="Times New Roman" panose="02020603050405020304" pitchFamily="18" charset="0"/>
-                        <a:ea typeface="Times New Roman" panose="02020603050405020304" pitchFamily="18" charset="0"/>
-                        <a:cs typeface="Times New Roman" panose="02020603050405020304" pitchFamily="18" charset="0"/>
-                      </a:endParaRPr>
+                        <a:t>Supported research project practical time.</a:t>
+                      </a:r>
                     </a:p>
                   </a:txBody>
                   <a:tcPr marL="53340" marR="53340" marT="9525" marB="0" anchor="ctr"/>
@@ -5639,7 +5666,7 @@
                 <a:latin typeface="Times New Roman" panose="02020603050405020304" pitchFamily="18" charset="0"/>
                 <a:cs typeface="Times New Roman" panose="02020603050405020304" pitchFamily="18" charset="0"/>
               </a:rPr>
-              <a:t>Intro to Python Programing</a:t>
+              <a:t>Visualizing Imagery. Python Programing</a:t>
             </a:r>
           </a:p>
         </p:txBody>
@@ -5708,7 +5735,7 @@
                 <a:latin typeface="Times New Roman" panose="02020603050405020304" pitchFamily="18" charset="0"/>
                 <a:cs typeface="Times New Roman" panose="02020603050405020304" pitchFamily="18" charset="0"/>
               </a:rPr>
-              <a:t>Intro to Shapely/ </a:t>
+              <a:t>Intro to Shapely/ Pandas/ </a:t>
             </a:r>
             <a:r>
               <a:rPr kumimoji="0" lang="en-US" sz="1800" b="0" i="0" u="none" strike="noStrike" kern="1200" cap="none" spc="0" normalizeH="0" baseline="0" noProof="0" dirty="0" err="1">
@@ -5757,6 +5784,61 @@
         <p:spPr>
           <a:xfrm>
             <a:off x="2828039" y="3064005"/>
+            <a:ext cx="1508289" cy="1282045"/>
+          </a:xfrm>
+          <a:prstGeom prst="rect">
+            <a:avLst/>
+          </a:prstGeom>
+          <a:noFill/>
+          <a:ln>
+            <a:solidFill>
+              <a:schemeClr val="tx1"/>
+            </a:solidFill>
+          </a:ln>
+        </p:spPr>
+        <p:txBody>
+          <a:bodyPr wrap="square" rtlCol="0" anchor="ctr">
+            <a:noAutofit/>
+          </a:bodyPr>
+          <a:lstStyle/>
+          <a:p>
+            <a:pPr algn="ctr">
+              <a:defRPr/>
+            </a:pPr>
+            <a:r>
+              <a:rPr kumimoji="0" lang="en-US" sz="1800" b="0" i="0" u="none" strike="noStrike" kern="1200" cap="none" spc="0" normalizeH="0" baseline="0" noProof="0" dirty="0">
+                <a:ln>
+                  <a:noFill/>
+                </a:ln>
+                <a:solidFill>
+                  <a:prstClr val="black"/>
+                </a:solidFill>
+                <a:effectLst/>
+                <a:uLnTx/>
+                <a:uFillTx/>
+                <a:latin typeface="Times New Roman" panose="02020603050405020304" pitchFamily="18" charset="0"/>
+                <a:cs typeface="Times New Roman" panose="02020603050405020304" pitchFamily="18" charset="0"/>
+              </a:rPr>
+              <a:t>Intro to Clipping / Writing Imagery</a:t>
+            </a:r>
+          </a:p>
+        </p:txBody>
+      </p:sp>
+      <p:sp>
+        <p:nvSpPr>
+          <p:cNvPr id="8" name="TextBox 7">
+            <a:extLst>
+              <a:ext uri="{FF2B5EF4-FFF2-40B4-BE49-F238E27FC236}">
+                <a16:creationId xmlns:a16="http://schemas.microsoft.com/office/drawing/2014/main" id="{6E85287F-C703-3311-EB51-740C0BEB6155}"/>
+              </a:ext>
+            </a:extLst>
+          </p:cNvPr>
+          <p:cNvSpPr txBox="1"/>
+          <p:nvPr/>
+        </p:nvSpPr>
+        <p:spPr>
+          <a:xfrm>
+            <a:off x="763567" y="3071075"/>
             <a:ext cx="1508289" cy="1282045"/>
           </a:xfrm>
           <a:prstGeom prst="rect">
@@ -5813,10 +5895,10 @@
       </p:sp>
       <p:sp>
         <p:nvSpPr>
-          <p:cNvPr id="8" name="TextBox 7">
+          <p:cNvPr id="9" name="TextBox 8">
             <a:extLst>
               <a:ext uri="{FF2B5EF4-FFF2-40B4-BE49-F238E27FC236}">
-                <a16:creationId xmlns:a16="http://schemas.microsoft.com/office/drawing/2014/main" id="{6E85287F-C703-3311-EB51-740C0BEB6155}"/>
+                <a16:creationId xmlns:a16="http://schemas.microsoft.com/office/drawing/2014/main" id="{D4716F1E-41A8-22EF-8517-D405CAD42563}"/>
               </a:ext>
             </a:extLst>
           </p:cNvPr>
@@ -5825,8 +5907,8 @@
         </p:nvSpPr>
         <p:spPr>
           <a:xfrm>
-            <a:off x="763567" y="3071075"/>
-            <a:ext cx="1508289" cy="1282045"/>
+            <a:off x="4901939" y="1340669"/>
+            <a:ext cx="1508289" cy="1272619"/>
           </a:xfrm>
           <a:prstGeom prst="rect">
             <a:avLst/>
@@ -5875,17 +5957,17 @@
                 <a:latin typeface="Times New Roman" panose="02020603050405020304" pitchFamily="18" charset="0"/>
                 <a:cs typeface="Times New Roman" panose="02020603050405020304" pitchFamily="18" charset="0"/>
               </a:rPr>
-              <a:t>Intro to Visualizing Extracted Data</a:t>
-            </a:r>
-          </a:p>
-        </p:txBody>
-      </p:sp>
-      <p:sp>
-        <p:nvSpPr>
-          <p:cNvPr id="9" name="TextBox 8">
+              <a:t>Visualizing Imagery. Python pt. 2</a:t>
+            </a:r>
+          </a:p>
+        </p:txBody>
+      </p:sp>
+      <p:sp>
+        <p:nvSpPr>
+          <p:cNvPr id="10" name="TextBox 9">
             <a:extLst>
               <a:ext uri="{FF2B5EF4-FFF2-40B4-BE49-F238E27FC236}">
-                <a16:creationId xmlns:a16="http://schemas.microsoft.com/office/drawing/2014/main" id="{D4716F1E-41A8-22EF-8517-D405CAD42563}"/>
+                <a16:creationId xmlns:a16="http://schemas.microsoft.com/office/drawing/2014/main" id="{4F08A37D-62DB-6A76-7972-B234A5FA2116}"/>
               </a:ext>
             </a:extLst>
           </p:cNvPr>
@@ -5894,8 +5976,171 @@
         </p:nvSpPr>
         <p:spPr>
           <a:xfrm>
-            <a:off x="4901939" y="1340669"/>
-            <a:ext cx="1508289" cy="1272619"/>
+            <a:off x="763567" y="4801480"/>
+            <a:ext cx="1508289" cy="1282045"/>
+          </a:xfrm>
+          <a:prstGeom prst="rect">
+            <a:avLst/>
+          </a:prstGeom>
+          <a:noFill/>
+          <a:ln>
+            <a:solidFill>
+              <a:schemeClr val="tx1"/>
+            </a:solidFill>
+          </a:ln>
+        </p:spPr>
+        <p:txBody>
+          <a:bodyPr wrap="square" rtlCol="0" anchor="ctr">
+            <a:noAutofit/>
+          </a:bodyPr>
+          <a:lstStyle/>
+          <a:p>
+            <a:pPr algn="ctr">
+              <a:defRPr/>
+            </a:pPr>
+            <a:r>
+              <a:rPr kumimoji="0" lang="en-US" sz="1800" b="0" i="0" u="none" strike="noStrike" kern="1200" cap="none" spc="0" normalizeH="0" baseline="0" noProof="0" dirty="0">
+                <a:ln>
+                  <a:noFill/>
+                </a:ln>
+                <a:solidFill>
+                  <a:prstClr val="black"/>
+                </a:solidFill>
+                <a:effectLst/>
+                <a:uLnTx/>
+                <a:uFillTx/>
+                <a:latin typeface="Times New Roman" panose="02020603050405020304" pitchFamily="18" charset="0"/>
+                <a:cs typeface="Times New Roman" panose="02020603050405020304" pitchFamily="18" charset="0"/>
+              </a:rPr>
+              <a:t>Intro to Pixel/Object Extraction</a:t>
+            </a:r>
+          </a:p>
+          <a:p>
+            <a:pPr algn="ctr">
+              <a:defRPr/>
+            </a:pPr>
+            <a:r>
+              <a:rPr kumimoji="0" lang="en-US" sz="1800" b="0" i="0" u="none" strike="noStrike" kern="1200" cap="none" spc="0" normalizeH="0" baseline="0" noProof="0" dirty="0">
+                <a:ln>
+                  <a:noFill/>
+                </a:ln>
+                <a:solidFill>
+                  <a:prstClr val="black"/>
+                </a:solidFill>
+                <a:effectLst/>
+                <a:uLnTx/>
+                <a:uFillTx/>
+                <a:latin typeface="Times New Roman" panose="02020603050405020304" pitchFamily="18" charset="0"/>
+                <a:cs typeface="Times New Roman" panose="02020603050405020304" pitchFamily="18" charset="0"/>
+              </a:rPr>
+              <a:t> pt. 2</a:t>
+            </a:r>
+          </a:p>
+        </p:txBody>
+      </p:sp>
+      <p:sp>
+        <p:nvSpPr>
+          <p:cNvPr id="11" name="TextBox 10">
+            <a:extLst>
+              <a:ext uri="{FF2B5EF4-FFF2-40B4-BE49-F238E27FC236}">
+                <a16:creationId xmlns:a16="http://schemas.microsoft.com/office/drawing/2014/main" id="{0C86E894-D470-6554-A012-02F207E17C5B}"/>
+              </a:ext>
+            </a:extLst>
+          </p:cNvPr>
+          <p:cNvSpPr txBox="1"/>
+          <p:nvPr/>
+        </p:nvSpPr>
+        <p:spPr>
+          <a:xfrm>
+            <a:off x="4901937" y="4796768"/>
+            <a:ext cx="1508289" cy="1282045"/>
+          </a:xfrm>
+          <a:prstGeom prst="rect">
+            <a:avLst/>
+          </a:prstGeom>
+          <a:noFill/>
+          <a:ln>
+            <a:solidFill>
+              <a:schemeClr val="tx1"/>
+            </a:solidFill>
+          </a:ln>
+        </p:spPr>
+        <p:txBody>
+          <a:bodyPr wrap="square" rtlCol="0" anchor="ctr">
+            <a:noAutofit/>
+          </a:bodyPr>
+          <a:lstStyle/>
+          <a:p>
+            <a:pPr algn="ctr">
+              <a:defRPr/>
+            </a:pPr>
+            <a:r>
+              <a:rPr kumimoji="0" lang="en-US" sz="1800" b="0" i="0" u="none" strike="noStrike" kern="1200" cap="none" spc="0" normalizeH="0" baseline="0" noProof="0" dirty="0">
+                <a:ln>
+                  <a:noFill/>
+                </a:ln>
+                <a:solidFill>
+                  <a:prstClr val="black"/>
+                </a:solidFill>
+                <a:effectLst/>
+                <a:uLnTx/>
+                <a:uFillTx/>
+                <a:latin typeface="Times New Roman" panose="02020603050405020304" pitchFamily="18" charset="0"/>
+                <a:cs typeface="Times New Roman" panose="02020603050405020304" pitchFamily="18" charset="0"/>
+              </a:rPr>
+              <a:t>Intro to </a:t>
+            </a:r>
+            <a:r>
+              <a:rPr kumimoji="0" lang="en-US" sz="1800" b="0" i="0" u="none" strike="noStrike" kern="1200" cap="none" spc="0" normalizeH="0" baseline="0" noProof="0" dirty="0" err="1">
+                <a:ln>
+                  <a:noFill/>
+                </a:ln>
+                <a:solidFill>
+                  <a:prstClr val="black"/>
+                </a:solidFill>
+                <a:effectLst/>
+                <a:uLnTx/>
+                <a:uFillTx/>
+                <a:latin typeface="Times New Roman" panose="02020603050405020304" pitchFamily="18" charset="0"/>
+                <a:cs typeface="Times New Roman" panose="02020603050405020304" pitchFamily="18" charset="0"/>
+              </a:rPr>
+              <a:t>Spatio</a:t>
+            </a:r>
+            <a:r>
+              <a:rPr kumimoji="0" lang="en-US" sz="1800" b="0" i="0" u="none" strike="noStrike" kern="1200" cap="none" spc="0" normalizeH="0" baseline="0" noProof="0" dirty="0">
+                <a:ln>
+                  <a:noFill/>
+                </a:ln>
+                <a:solidFill>
+                  <a:prstClr val="black"/>
+                </a:solidFill>
+                <a:effectLst/>
+                <a:uLnTx/>
+                <a:uFillTx/>
+                <a:latin typeface="Times New Roman" panose="02020603050405020304" pitchFamily="18" charset="0"/>
+                <a:cs typeface="Times New Roman" panose="02020603050405020304" pitchFamily="18" charset="0"/>
+              </a:rPr>
+              <a:t>-Temporal Analysis</a:t>
+            </a:r>
+          </a:p>
+        </p:txBody>
+      </p:sp>
+      <p:sp>
+        <p:nvSpPr>
+          <p:cNvPr id="12" name="TextBox 11">
+            <a:extLst>
+              <a:ext uri="{FF2B5EF4-FFF2-40B4-BE49-F238E27FC236}">
+                <a16:creationId xmlns:a16="http://schemas.microsoft.com/office/drawing/2014/main" id="{7D8BFEC5-76A9-8FB7-D268-AA1042986ADA}"/>
+              </a:ext>
+            </a:extLst>
+          </p:cNvPr>
+          <p:cNvSpPr txBox="1"/>
+          <p:nvPr/>
+        </p:nvSpPr>
+        <p:spPr>
+          <a:xfrm>
+            <a:off x="763568" y="1340670"/>
+            <a:ext cx="1508289" cy="1282045"/>
           </a:xfrm>
           <a:prstGeom prst="rect">
             <a:avLst/>
@@ -5944,17 +6189,17 @@
                 <a:latin typeface="Times New Roman" panose="02020603050405020304" pitchFamily="18" charset="0"/>
                 <a:cs typeface="Times New Roman" panose="02020603050405020304" pitchFamily="18" charset="0"/>
               </a:rPr>
-              <a:t>Intro to Imagery Sources</a:t>
-            </a:r>
-          </a:p>
-        </p:txBody>
-      </p:sp>
-      <p:sp>
-        <p:nvSpPr>
-          <p:cNvPr id="10" name="TextBox 9">
+              <a:t>Intro to Scientific Computing via Anaconda</a:t>
+            </a:r>
+          </a:p>
+        </p:txBody>
+      </p:sp>
+      <p:sp>
+        <p:nvSpPr>
+          <p:cNvPr id="13" name="TextBox 12">
             <a:extLst>
               <a:ext uri="{FF2B5EF4-FFF2-40B4-BE49-F238E27FC236}">
-                <a16:creationId xmlns:a16="http://schemas.microsoft.com/office/drawing/2014/main" id="{4F08A37D-62DB-6A76-7972-B234A5FA2116}"/>
+                <a16:creationId xmlns:a16="http://schemas.microsoft.com/office/drawing/2014/main" id="{ECE89388-6D56-0A93-67A2-4D0088C4B740}"/>
               </a:ext>
             </a:extLst>
           </p:cNvPr>
@@ -5963,7 +6208,62 @@
         </p:nvSpPr>
         <p:spPr>
           <a:xfrm>
-            <a:off x="763567" y="4801480"/>
+            <a:off x="2828040" y="4796768"/>
+            <a:ext cx="1508289" cy="1282045"/>
+          </a:xfrm>
+          <a:prstGeom prst="rect">
+            <a:avLst/>
+          </a:prstGeom>
+          <a:noFill/>
+          <a:ln>
+            <a:solidFill>
+              <a:schemeClr val="tx1"/>
+            </a:solidFill>
+          </a:ln>
+        </p:spPr>
+        <p:txBody>
+          <a:bodyPr wrap="square" rtlCol="0" anchor="ctr">
+            <a:noAutofit/>
+          </a:bodyPr>
+          <a:lstStyle/>
+          <a:p>
+            <a:pPr algn="ctr">
+              <a:defRPr/>
+            </a:pPr>
+            <a:r>
+              <a:rPr kumimoji="0" lang="en-US" sz="1800" b="0" i="0" u="none" strike="noStrike" kern="1200" cap="none" spc="0" normalizeH="0" baseline="0" noProof="0" dirty="0">
+                <a:ln>
+                  <a:noFill/>
+                </a:ln>
+                <a:solidFill>
+                  <a:prstClr val="black"/>
+                </a:solidFill>
+                <a:effectLst/>
+                <a:uLnTx/>
+                <a:uFillTx/>
+                <a:latin typeface="Times New Roman" panose="02020603050405020304" pitchFamily="18" charset="0"/>
+                <a:cs typeface="Times New Roman" panose="02020603050405020304" pitchFamily="18" charset="0"/>
+              </a:rPr>
+              <a:t>Loop Processing. Visualizing Data</a:t>
+            </a:r>
+          </a:p>
+        </p:txBody>
+      </p:sp>
+      <p:sp>
+        <p:nvSpPr>
+          <p:cNvPr id="14" name="TextBox 13">
+            <a:extLst>
+              <a:ext uri="{FF2B5EF4-FFF2-40B4-BE49-F238E27FC236}">
+                <a16:creationId xmlns:a16="http://schemas.microsoft.com/office/drawing/2014/main" id="{27FF8CBD-20AE-EF4F-5C32-4EAE456AD600}"/>
+              </a:ext>
+            </a:extLst>
+          </p:cNvPr>
+          <p:cNvSpPr txBox="1"/>
+          <p:nvPr/>
+        </p:nvSpPr>
+        <p:spPr>
+          <a:xfrm>
+            <a:off x="4883083" y="3064005"/>
             <a:ext cx="1508289" cy="1282045"/>
           </a:xfrm>
           <a:prstGeom prst="rect">
@@ -6013,315 +6313,7 @@
                 <a:latin typeface="Times New Roman" panose="02020603050405020304" pitchFamily="18" charset="0"/>
                 <a:cs typeface="Times New Roman" panose="02020603050405020304" pitchFamily="18" charset="0"/>
               </a:rPr>
-              <a:t>Intro to </a:t>
-            </a:r>
-            <a:r>
-              <a:rPr kumimoji="0" lang="en-US" sz="1800" b="0" i="0" u="none" strike="noStrike" kern="1200" cap="none" spc="0" normalizeH="0" baseline="0" noProof="0" dirty="0" err="1">
-                <a:ln>
-                  <a:noFill/>
-                </a:ln>
-                <a:solidFill>
-                  <a:prstClr val="black"/>
-                </a:solidFill>
-                <a:effectLst/>
-                <a:uLnTx/>
-                <a:uFillTx/>
-                <a:latin typeface="Times New Roman" panose="02020603050405020304" pitchFamily="18" charset="0"/>
-                <a:cs typeface="Times New Roman" panose="02020603050405020304" pitchFamily="18" charset="0"/>
-              </a:rPr>
-              <a:t>Spatio</a:t>
-            </a:r>
-            <a:r>
-              <a:rPr kumimoji="0" lang="en-US" sz="1800" b="0" i="0" u="none" strike="noStrike" kern="1200" cap="none" spc="0" normalizeH="0" baseline="0" noProof="0" dirty="0">
-                <a:ln>
-                  <a:noFill/>
-                </a:ln>
-                <a:solidFill>
-                  <a:prstClr val="black"/>
-                </a:solidFill>
-                <a:effectLst/>
-                <a:uLnTx/>
-                <a:uFillTx/>
-                <a:latin typeface="Times New Roman" panose="02020603050405020304" pitchFamily="18" charset="0"/>
-                <a:cs typeface="Times New Roman" panose="02020603050405020304" pitchFamily="18" charset="0"/>
-              </a:rPr>
-              <a:t>-Temporal Analysis</a:t>
-            </a:r>
-          </a:p>
-        </p:txBody>
-      </p:sp>
-      <p:sp>
-        <p:nvSpPr>
-          <p:cNvPr id="11" name="TextBox 10">
-            <a:extLst>
-              <a:ext uri="{FF2B5EF4-FFF2-40B4-BE49-F238E27FC236}">
-                <a16:creationId xmlns:a16="http://schemas.microsoft.com/office/drawing/2014/main" id="{0C86E894-D470-6554-A012-02F207E17C5B}"/>
-              </a:ext>
-            </a:extLst>
-          </p:cNvPr>
-          <p:cNvSpPr txBox="1"/>
-          <p:nvPr/>
-        </p:nvSpPr>
-        <p:spPr>
-          <a:xfrm>
-            <a:off x="4901937" y="4796768"/>
-            <a:ext cx="1508289" cy="1282045"/>
-          </a:xfrm>
-          <a:prstGeom prst="rect">
-            <a:avLst/>
-          </a:prstGeom>
-          <a:noFill/>
-          <a:ln>
-            <a:solidFill>
-              <a:schemeClr val="tx1"/>
-            </a:solidFill>
-          </a:ln>
-        </p:spPr>
-        <p:txBody>
-          <a:bodyPr wrap="square" rtlCol="0" anchor="ctr">
-            <a:noAutofit/>
-          </a:bodyPr>
-          <a:lstStyle/>
-          <a:p>
-            <a:pPr marL="0" marR="0" lvl="0" indent="0" algn="ctr" defTabSz="457200" rtl="0" eaLnBrk="1" fontAlgn="auto" latinLnBrk="0" hangingPunct="1">
-              <a:lnSpc>
-                <a:spcPct val="100000"/>
-              </a:lnSpc>
-              <a:spcBef>
-                <a:spcPts val="0"/>
-              </a:spcBef>
-              <a:spcAft>
-                <a:spcPts val="0"/>
-              </a:spcAft>
-              <a:buClrTx/>
-              <a:buSzTx/>
-              <a:buFontTx/>
-              <a:buNone/>
-              <a:tabLst/>
-              <a:defRPr/>
-            </a:pPr>
-            <a:r>
-              <a:rPr kumimoji="0" lang="en-US" sz="1800" b="0" i="0" u="none" strike="noStrike" kern="1200" cap="none" spc="0" normalizeH="0" baseline="0" noProof="0" dirty="0">
-                <a:ln>
-                  <a:noFill/>
-                </a:ln>
-                <a:solidFill>
-                  <a:prstClr val="black"/>
-                </a:solidFill>
-                <a:effectLst/>
-                <a:uLnTx/>
-                <a:uFillTx/>
-                <a:latin typeface="Times New Roman" panose="02020603050405020304" pitchFamily="18" charset="0"/>
-                <a:cs typeface="Times New Roman" panose="02020603050405020304" pitchFamily="18" charset="0"/>
-              </a:rPr>
-              <a:t>Coursework Project</a:t>
-            </a:r>
-          </a:p>
-        </p:txBody>
-      </p:sp>
-      <p:sp>
-        <p:nvSpPr>
-          <p:cNvPr id="12" name="TextBox 11">
-            <a:extLst>
-              <a:ext uri="{FF2B5EF4-FFF2-40B4-BE49-F238E27FC236}">
-                <a16:creationId xmlns:a16="http://schemas.microsoft.com/office/drawing/2014/main" id="{7D8BFEC5-76A9-8FB7-D268-AA1042986ADA}"/>
-              </a:ext>
-            </a:extLst>
-          </p:cNvPr>
-          <p:cNvSpPr txBox="1"/>
-          <p:nvPr/>
-        </p:nvSpPr>
-        <p:spPr>
-          <a:xfrm>
-            <a:off x="763568" y="1340670"/>
-            <a:ext cx="1508289" cy="1282045"/>
-          </a:xfrm>
-          <a:prstGeom prst="rect">
-            <a:avLst/>
-          </a:prstGeom>
-          <a:noFill/>
-          <a:ln>
-            <a:solidFill>
-              <a:schemeClr val="tx1"/>
-            </a:solidFill>
-          </a:ln>
-        </p:spPr>
-        <p:txBody>
-          <a:bodyPr wrap="square" rtlCol="0" anchor="ctr">
-            <a:noAutofit/>
-          </a:bodyPr>
-          <a:lstStyle/>
-          <a:p>
-            <a:pPr marL="0" marR="0" lvl="0" indent="0" algn="ctr" defTabSz="457200" rtl="0" eaLnBrk="1" fontAlgn="auto" latinLnBrk="0" hangingPunct="1">
-              <a:lnSpc>
-                <a:spcPct val="100000"/>
-              </a:lnSpc>
-              <a:spcBef>
-                <a:spcPts val="0"/>
-              </a:spcBef>
-              <a:spcAft>
-                <a:spcPts val="0"/>
-              </a:spcAft>
-              <a:buClrTx/>
-              <a:buSzTx/>
-              <a:buFontTx/>
-              <a:buNone/>
-              <a:tabLst/>
-              <a:defRPr/>
-            </a:pPr>
-            <a:r>
-              <a:rPr kumimoji="0" lang="en-US" sz="1800" b="0" i="0" u="none" strike="noStrike" kern="1200" cap="none" spc="0" normalizeH="0" baseline="0" noProof="0" dirty="0">
-                <a:ln>
-                  <a:noFill/>
-                </a:ln>
-                <a:solidFill>
-                  <a:prstClr val="black"/>
-                </a:solidFill>
-                <a:effectLst/>
-                <a:uLnTx/>
-                <a:uFillTx/>
-                <a:latin typeface="Times New Roman" panose="02020603050405020304" pitchFamily="18" charset="0"/>
-                <a:cs typeface="Times New Roman" panose="02020603050405020304" pitchFamily="18" charset="0"/>
-              </a:rPr>
-              <a:t>Intro to Scientific Computing via Anaconda</a:t>
-            </a:r>
-          </a:p>
-        </p:txBody>
-      </p:sp>
-      <p:sp>
-        <p:nvSpPr>
-          <p:cNvPr id="13" name="TextBox 12">
-            <a:extLst>
-              <a:ext uri="{FF2B5EF4-FFF2-40B4-BE49-F238E27FC236}">
-                <a16:creationId xmlns:a16="http://schemas.microsoft.com/office/drawing/2014/main" id="{ECE89388-6D56-0A93-67A2-4D0088C4B740}"/>
-              </a:ext>
-            </a:extLst>
-          </p:cNvPr>
-          <p:cNvSpPr txBox="1"/>
-          <p:nvPr/>
-        </p:nvSpPr>
-        <p:spPr>
-          <a:xfrm>
-            <a:off x="2828040" y="4796768"/>
-            <a:ext cx="1508289" cy="1282045"/>
-          </a:xfrm>
-          <a:prstGeom prst="rect">
-            <a:avLst/>
-          </a:prstGeom>
-          <a:noFill/>
-          <a:ln>
-            <a:solidFill>
-              <a:schemeClr val="tx1"/>
-            </a:solidFill>
-          </a:ln>
-        </p:spPr>
-        <p:txBody>
-          <a:bodyPr wrap="square" rtlCol="0" anchor="ctr">
-            <a:noAutofit/>
-          </a:bodyPr>
-          <a:lstStyle/>
-          <a:p>
-            <a:pPr marL="0" marR="0" lvl="0" indent="0" algn="ctr" defTabSz="457200" rtl="0" eaLnBrk="1" fontAlgn="auto" latinLnBrk="0" hangingPunct="1">
-              <a:lnSpc>
-                <a:spcPct val="100000"/>
-              </a:lnSpc>
-              <a:spcBef>
-                <a:spcPts val="0"/>
-              </a:spcBef>
-              <a:spcAft>
-                <a:spcPts val="0"/>
-              </a:spcAft>
-              <a:buClrTx/>
-              <a:buSzTx/>
-              <a:buFontTx/>
-              <a:buNone/>
-              <a:tabLst/>
-              <a:defRPr/>
-            </a:pPr>
-            <a:r>
-              <a:rPr kumimoji="0" lang="en-US" sz="1800" b="0" i="0" u="none" strike="noStrike" kern="1200" cap="none" spc="0" normalizeH="0" baseline="0" noProof="0" dirty="0">
-                <a:ln>
-                  <a:noFill/>
-                </a:ln>
-                <a:solidFill>
-                  <a:prstClr val="black"/>
-                </a:solidFill>
-                <a:effectLst/>
-                <a:uLnTx/>
-                <a:uFillTx/>
-                <a:latin typeface="Times New Roman" panose="02020603050405020304" pitchFamily="18" charset="0"/>
-                <a:cs typeface="Times New Roman" panose="02020603050405020304" pitchFamily="18" charset="0"/>
-              </a:rPr>
-              <a:t>Intro to Git and GitHub</a:t>
-            </a:r>
-          </a:p>
-        </p:txBody>
-      </p:sp>
-      <p:sp>
-        <p:nvSpPr>
-          <p:cNvPr id="14" name="TextBox 13">
-            <a:extLst>
-              <a:ext uri="{FF2B5EF4-FFF2-40B4-BE49-F238E27FC236}">
-                <a16:creationId xmlns:a16="http://schemas.microsoft.com/office/drawing/2014/main" id="{27FF8CBD-20AE-EF4F-5C32-4EAE456AD600}"/>
-              </a:ext>
-            </a:extLst>
-          </p:cNvPr>
-          <p:cNvSpPr txBox="1"/>
-          <p:nvPr/>
-        </p:nvSpPr>
-        <p:spPr>
-          <a:xfrm>
-            <a:off x="4883083" y="3064005"/>
-            <a:ext cx="1508289" cy="1282045"/>
-          </a:xfrm>
-          <a:prstGeom prst="rect">
-            <a:avLst/>
-          </a:prstGeom>
-          <a:noFill/>
-          <a:ln>
-            <a:solidFill>
-              <a:schemeClr val="tx1"/>
-            </a:solidFill>
-          </a:ln>
-        </p:spPr>
-        <p:txBody>
-          <a:bodyPr wrap="square" rtlCol="0" anchor="ctr">
-            <a:noAutofit/>
-          </a:bodyPr>
-          <a:lstStyle/>
-          <a:p>
-            <a:pPr marL="0" marR="0" lvl="0" indent="0" algn="ctr" defTabSz="457200" rtl="0" eaLnBrk="1" fontAlgn="auto" latinLnBrk="0" hangingPunct="1">
-              <a:lnSpc>
-                <a:spcPct val="100000"/>
-              </a:lnSpc>
-              <a:spcBef>
-                <a:spcPts val="0"/>
-              </a:spcBef>
-              <a:spcAft>
-                <a:spcPts val="0"/>
-              </a:spcAft>
-              <a:buClrTx/>
-              <a:buSzTx/>
-              <a:buFontTx/>
-              <a:buNone/>
-              <a:tabLst/>
-              <a:defRPr/>
-            </a:pPr>
-            <a:r>
-              <a:rPr kumimoji="0" lang="en-US" sz="1800" b="0" i="0" u="none" strike="noStrike" kern="1200" cap="none" spc="0" normalizeH="0" baseline="0" noProof="0" dirty="0">
-                <a:ln>
-                  <a:noFill/>
-                </a:ln>
-                <a:solidFill>
-                  <a:prstClr val="black"/>
-                </a:solidFill>
-                <a:effectLst/>
-                <a:uLnTx/>
-                <a:uFillTx/>
-                <a:latin typeface="Times New Roman" panose="02020603050405020304" pitchFamily="18" charset="0"/>
-                <a:cs typeface="Times New Roman" panose="02020603050405020304" pitchFamily="18" charset="0"/>
-              </a:rPr>
-              <a:t>Intro to Clipping/ Writing Imagery</a:t>
+              <a:t>Multi-Band Imagery pt. 2. Metadata. CRSs.</a:t>
             </a:r>
           </a:p>
         </p:txBody>
@@ -6818,6 +6810,117 @@
           </a:p>
         </p:txBody>
       </p:sp>
+      <p:sp>
+        <p:nvSpPr>
+          <p:cNvPr id="25" name="TextBox 24">
+            <a:extLst>
+              <a:ext uri="{FF2B5EF4-FFF2-40B4-BE49-F238E27FC236}">
+                <a16:creationId xmlns:a16="http://schemas.microsoft.com/office/drawing/2014/main" id="{CBE9A2E0-6EA7-4E01-8121-2201451EE868}"/>
+              </a:ext>
+            </a:extLst>
+          </p:cNvPr>
+          <p:cNvSpPr txBox="1"/>
+          <p:nvPr/>
+        </p:nvSpPr>
+        <p:spPr>
+          <a:xfrm>
+            <a:off x="6975834" y="4801480"/>
+            <a:ext cx="1508289" cy="1282045"/>
+          </a:xfrm>
+          <a:prstGeom prst="rect">
+            <a:avLst/>
+          </a:prstGeom>
+          <a:noFill/>
+          <a:ln>
+            <a:solidFill>
+              <a:schemeClr val="tx1"/>
+            </a:solidFill>
+          </a:ln>
+        </p:spPr>
+        <p:txBody>
+          <a:bodyPr wrap="square" rtlCol="0" anchor="ctr">
+            <a:noAutofit/>
+          </a:bodyPr>
+          <a:lstStyle/>
+          <a:p>
+            <a:pPr marL="0" marR="0" lvl="0" indent="0" algn="ctr" defTabSz="457200" rtl="0" eaLnBrk="1" fontAlgn="auto" latinLnBrk="0" hangingPunct="1">
+              <a:lnSpc>
+                <a:spcPct val="100000"/>
+              </a:lnSpc>
+              <a:spcBef>
+                <a:spcPts val="0"/>
+              </a:spcBef>
+              <a:spcAft>
+                <a:spcPts val="0"/>
+              </a:spcAft>
+              <a:buClrTx/>
+              <a:buSzTx/>
+              <a:buFontTx/>
+              <a:buNone/>
+              <a:tabLst/>
+              <a:defRPr/>
+            </a:pPr>
+            <a:r>
+              <a:rPr kumimoji="0" lang="en-US" sz="1800" b="0" i="0" u="none" strike="noStrike" kern="1200" cap="none" spc="0" normalizeH="0" baseline="0" noProof="0" dirty="0">
+                <a:ln>
+                  <a:noFill/>
+                </a:ln>
+                <a:solidFill>
+                  <a:prstClr val="black"/>
+                </a:solidFill>
+                <a:effectLst/>
+                <a:uLnTx/>
+                <a:uFillTx/>
+                <a:latin typeface="Times New Roman" panose="02020603050405020304" pitchFamily="18" charset="0"/>
+                <a:cs typeface="Times New Roman" panose="02020603050405020304" pitchFamily="18" charset="0"/>
+              </a:rPr>
+              <a:t>Coursework Project</a:t>
+            </a:r>
+          </a:p>
+        </p:txBody>
+      </p:sp>
+      <p:cxnSp>
+        <p:nvCxnSpPr>
+          <p:cNvPr id="26" name="Straight Arrow Connector 25">
+            <a:extLst>
+              <a:ext uri="{FF2B5EF4-FFF2-40B4-BE49-F238E27FC236}">
+                <a16:creationId xmlns:a16="http://schemas.microsoft.com/office/drawing/2014/main" id="{D1B373B3-EF0D-4E75-89BE-0654B923692B}"/>
+              </a:ext>
+            </a:extLst>
+          </p:cNvPr>
+          <p:cNvCxnSpPr>
+            <a:cxnSpLocks/>
+            <a:endCxn id="25" idx="1"/>
+          </p:cNvCxnSpPr>
+          <p:nvPr/>
+        </p:nvCxnSpPr>
+        <p:spPr>
+          <a:xfrm>
+            <a:off x="6410226" y="5442503"/>
+            <a:ext cx="565608" cy="0"/>
+          </a:xfrm>
+          <a:prstGeom prst="straightConnector1">
+            <a:avLst/>
+          </a:prstGeom>
+          <a:ln w="38100">
+            <a:tailEnd type="triangle"/>
+          </a:ln>
+        </p:spPr>
+        <p:style>
+          <a:lnRef idx="1">
+            <a:schemeClr val="accent1"/>
+          </a:lnRef>
+          <a:fillRef idx="0">
+            <a:schemeClr val="accent1"/>
+          </a:fillRef>
+          <a:effectRef idx="0">
+            <a:schemeClr val="accent1"/>
+          </a:effectRef>
+          <a:fontRef idx="minor">
+            <a:schemeClr val="tx1"/>
+          </a:fontRef>
+        </p:style>
+      </p:cxnSp>
     </p:spTree>
     <p:extLst>
       <p:ext uri="{BB962C8B-B14F-4D97-AF65-F5344CB8AC3E}">
